--- a/presentation/20180713 Gruppe 5 - final.pptx
+++ b/presentation/20180713 Gruppe 5 - final.pptx
@@ -176,7 +176,7 @@
   </p:defaultTextStyle>
   <p:extLst>
     <p:ext uri="{EFAFB233-063F-42B5-8137-9DF3F51BA10A}">
-      <p15:sldGuideLst xmlns:p15="http://schemas.microsoft.com/office/powerpoint/2012/main" xmlns="">
+      <p15:sldGuideLst xmlns="" xmlns:p15="http://schemas.microsoft.com/office/powerpoint/2012/main">
         <p15:guide id="1" orient="horz" pos="2160">
           <p15:clr>
             <a:srgbClr val="A4A3A4"/>
@@ -190,7 +190,7 @@
       </p15:sldGuideLst>
     </p:ext>
     <p:ext uri="{2D200454-40CA-4A62-9FC3-DE9A4176ACB9}">
-      <p15:notesGuideLst xmlns:p15="http://schemas.microsoft.com/office/powerpoint/2012/main" xmlns=""/>
+      <p15:notesGuideLst xmlns="" xmlns:p15="http://schemas.microsoft.com/office/powerpoint/2012/main"/>
     </p:ext>
   </p:extLst>
 </p:presentation>
@@ -199,24 +199,32 @@
 <file path=ppt/commentAuthors.xml><?xml version="1.0" encoding="utf-8"?>
 <p:cmAuthorLst xmlns:a="http://schemas.openxmlformats.org/drawingml/2006/main" xmlns:r="http://schemas.openxmlformats.org/officeDocument/2006/relationships" xmlns:p="http://schemas.openxmlformats.org/presentationml/2006/main">
   <p:cmAuthor id="1" name="Neprox" initials="N" lastIdx="2" clrIdx="0">
-    <p:extLst>
-      <p:ext uri="{19B8F6BF-5375-455C-9EA6-DF929625EA0E}">
-        <p15:presenceInfo xmlns:p15="http://schemas.microsoft.com/office/powerpoint/2012/main" xmlns="" userId="Neprox" providerId="None"/>
-      </p:ext>
-    </p:extLst>
+    <p:extLst/>
   </p:cmAuthor>
 </p:cmAuthorLst>
 </file>
 
 <file path=ppt/charts/chart1.xml><?xml version="1.0" encoding="utf-8"?>
 <c:chartSpace xmlns:c="http://schemas.openxmlformats.org/drawingml/2006/chart" xmlns:a="http://schemas.openxmlformats.org/drawingml/2006/main" xmlns:r="http://schemas.openxmlformats.org/officeDocument/2006/relationships">
+  <c:date1904 val="0"/>
   <c:lang val="de-DE"/>
+  <c:roundedCorners val="0"/>
+  <mc:AlternateContent xmlns:mc="http://schemas.openxmlformats.org/markup-compatibility/2006">
+    <mc:Choice xmlns:c14="http://schemas.microsoft.com/office/drawing/2007/8/2/chart" Requires="c14">
+      <c14:style val="102"/>
+    </mc:Choice>
+    <mc:Fallback>
+      <c:style val="2"/>
+    </mc:Fallback>
+  </mc:AlternateContent>
   <c:chart>
+    <c:autoTitleDeleted val="0"/>
     <c:plotArea>
       <c:layout/>
       <c:barChart>
         <c:barDir val="col"/>
         <c:grouping val="clustered"/>
+        <c:varyColors val="0"/>
         <c:ser>
           <c:idx val="0"/>
           <c:order val="0"/>
@@ -231,6 +239,7 @@
               </c:strCache>
             </c:strRef>
           </c:tx>
+          <c:invertIfNegative val="0"/>
           <c:dLbls>
             <c:txPr>
               <a:bodyPr rot="0" vert="eaVert"/>
@@ -243,7 +252,13 @@
               </a:p>
             </c:txPr>
             <c:dLblPos val="inEnd"/>
+            <c:showLegendKey val="0"/>
             <c:showVal val="1"/>
+            <c:showCatName val="0"/>
+            <c:showSerName val="0"/>
+            <c:showPercent val="0"/>
+            <c:showBubbleSize val="0"/>
+            <c:showLeaderLines val="0"/>
           </c:dLbls>
           <c:cat>
             <c:strRef>
@@ -313,6 +328,7 @@
               </c:strCache>
             </c:strRef>
           </c:tx>
+          <c:invertIfNegative val="0"/>
           <c:dLbls>
             <c:txPr>
               <a:bodyPr rot="0" vert="eaVert" anchor="ctr" anchorCtr="1"/>
@@ -329,7 +345,13 @@
               </a:p>
             </c:txPr>
             <c:dLblPos val="inEnd"/>
+            <c:showLegendKey val="0"/>
             <c:showVal val="1"/>
+            <c:showCatName val="0"/>
+            <c:showSerName val="0"/>
+            <c:showPercent val="0"/>
+            <c:showBubbleSize val="0"/>
+            <c:showLeaderLines val="0"/>
           </c:dLbls>
           <c:cat>
             <c:strRef>
@@ -385,32 +407,48 @@
             </c:numRef>
           </c:val>
         </c:ser>
-        <c:axId val="69556864"/>
-        <c:axId val="69591808"/>
+        <c:dLbls>
+          <c:showLegendKey val="0"/>
+          <c:showVal val="0"/>
+          <c:showCatName val="0"/>
+          <c:showSerName val="0"/>
+          <c:showPercent val="0"/>
+          <c:showBubbleSize val="0"/>
+        </c:dLbls>
+        <c:gapWidth val="150"/>
+        <c:axId val="231257600"/>
+        <c:axId val="206207744"/>
       </c:barChart>
       <c:catAx>
-        <c:axId val="69556864"/>
+        <c:axId val="231257600"/>
         <c:scaling>
           <c:orientation val="minMax"/>
         </c:scaling>
+        <c:delete val="0"/>
         <c:axPos val="b"/>
+        <c:majorTickMark val="out"/>
+        <c:minorTickMark val="none"/>
         <c:tickLblPos val="nextTo"/>
-        <c:crossAx val="69591808"/>
+        <c:crossAx val="206207744"/>
         <c:crosses val="autoZero"/>
         <c:auto val="1"/>
         <c:lblAlgn val="ctr"/>
         <c:lblOffset val="100"/>
+        <c:noMultiLvlLbl val="0"/>
       </c:catAx>
       <c:valAx>
-        <c:axId val="69591808"/>
+        <c:axId val="206207744"/>
         <c:scaling>
           <c:orientation val="minMax"/>
         </c:scaling>
+        <c:delete val="0"/>
         <c:axPos val="l"/>
         <c:majorGridlines/>
         <c:numFmt formatCode="General" sourceLinked="1"/>
+        <c:majorTickMark val="out"/>
+        <c:minorTickMark val="none"/>
         <c:tickLblPos val="nextTo"/>
-        <c:crossAx val="69556864"/>
+        <c:crossAx val="231257600"/>
         <c:crosses val="autoZero"/>
         <c:crossBetween val="between"/>
       </c:valAx>
@@ -418,8 +456,11 @@
     <c:legend>
       <c:legendPos val="r"/>
       <c:layout/>
+      <c:overlay val="0"/>
     </c:legend>
     <c:plotVisOnly val="1"/>
+    <c:dispBlanksAs val="gap"/>
+    <c:showDLblsOverMax val="0"/>
   </c:chart>
   <c:txPr>
     <a:bodyPr/>
@@ -431,7 +472,9 @@
       <a:endParaRPr lang="de-DE"/>
     </a:p>
   </c:txPr>
-  <c:externalData r:id="rId1"/>
+  <c:externalData r:id="rId1">
+    <c:autoUpdate val="0"/>
+  </c:externalData>
 </c:chartSpace>
 </file>
 
@@ -442,7 +485,7 @@
     <p:text>Mention, that using a window does not improve anything</p:text>
     <p:extLst>
       <p:ext uri="{C676402C-5697-4E1C-873F-D02D1690AC5C}">
-        <p15:threadingInfo xmlns:p15="http://schemas.microsoft.com/office/powerpoint/2012/main" xmlns="" timeZoneBias="-120"/>
+        <p15:threadingInfo xmlns:p15="http://schemas.microsoft.com/office/powerpoint/2012/main" timeZoneBias="-120"/>
       </p:ext>
     </p:extLst>
   </p:cm>
@@ -2446,21 +2489,21 @@
     </dgm:pt>
   </dgm:ptLst>
   <dgm:cxnLst>
-    <dgm:cxn modelId="{9CBCB46E-ED88-4C20-852C-D8FDF6CAB28E}" srcId="{C0E8203B-5169-4CD6-9702-53FE3A38D4B7}" destId="{D04B8673-CF3C-4249-8FC0-37430591706B}" srcOrd="5" destOrd="0" parTransId="{AD28C86C-54AE-47C8-A0F9-5BCFA576A240}" sibTransId="{8038754E-B726-4859-9C89-A6BEC7CE1930}"/>
+    <dgm:cxn modelId="{4D15FD03-2980-4536-85E0-A4B5F951E9D3}" type="presOf" srcId="{D19C3654-EC85-4D17-8A65-476C8BCED155}" destId="{BFE0CF65-F27D-47F8-9D70-A9026C57CB17}" srcOrd="0" destOrd="0" presId="urn:microsoft.com/office/officeart/2008/layout/LinedList"/>
+    <dgm:cxn modelId="{275AB8D9-6619-4ED2-90D6-FCBDF3928AF1}" type="presOf" srcId="{04A85023-219B-4479-836B-DCFBBAF58EB0}" destId="{B744569E-E8A0-4E64-B94C-6B504028F814}" srcOrd="0" destOrd="0" presId="urn:microsoft.com/office/officeart/2008/layout/LinedList"/>
+    <dgm:cxn modelId="{59CC2AF2-9600-4719-9E87-65990007BF3B}" srcId="{04A85023-219B-4479-836B-DCFBBAF58EB0}" destId="{C0E8203B-5169-4CD6-9702-53FE3A38D4B7}" srcOrd="0" destOrd="0" parTransId="{8770659B-25EF-42F8-BE17-875FAC9CE592}" sibTransId="{CDBEC1E2-C9D1-414C-B88A-41059C37FCC9}"/>
+    <dgm:cxn modelId="{2732C65E-EBE0-429A-B44E-32A3D0242CB8}" srcId="{C0E8203B-5169-4CD6-9702-53FE3A38D4B7}" destId="{FE210EA8-9E36-4661-A004-AD95A93117EF}" srcOrd="1" destOrd="0" parTransId="{0F3A3B59-86B4-454E-A1AA-459B903C5A6E}" sibTransId="{CCD9615C-3035-460A-A4F3-54D8AA770FA2}"/>
+    <dgm:cxn modelId="{4704D666-A624-430D-89C9-99FA2F41F4CC}" srcId="{C0E8203B-5169-4CD6-9702-53FE3A38D4B7}" destId="{2133CF33-4E5C-4D91-A00C-CCB6369CC28D}" srcOrd="3" destOrd="0" parTransId="{7EBDF186-8A9C-47EC-B82A-4AB55E36C37B}" sibTransId="{638DB0BF-FEBB-4515-97C0-0154376529D8}"/>
+    <dgm:cxn modelId="{FE9C151E-542E-4BAC-8771-AE334A43F846}" type="presOf" srcId="{EBAC00E8-AD22-49D1-A406-8557910A263D}" destId="{A4F65490-42AA-4A0A-9E92-496007A45D48}" srcOrd="0" destOrd="0" presId="urn:microsoft.com/office/officeart/2008/layout/LinedList"/>
+    <dgm:cxn modelId="{EA48023D-6DF6-4BFE-A9E1-89EE821FE651}" srcId="{C0E8203B-5169-4CD6-9702-53FE3A38D4B7}" destId="{72E01D4A-CC17-466A-AD45-D5D735EB8271}" srcOrd="4" destOrd="0" parTransId="{781495FD-B9D5-4FB9-B8EB-140BA60FE3A7}" sibTransId="{E63E57BD-5A7C-4D12-8A39-98F806CDABCA}"/>
+    <dgm:cxn modelId="{B107EB98-0D15-4C3E-BCD9-74B999BB9B5B}" type="presOf" srcId="{D04B8673-CF3C-4249-8FC0-37430591706B}" destId="{59E07A22-84B7-47CE-803B-AD1E4127ABD0}" srcOrd="0" destOrd="0" presId="urn:microsoft.com/office/officeart/2008/layout/LinedList"/>
+    <dgm:cxn modelId="{E8BB7D19-2D6A-40DA-84F8-B5D6D86E4356}" srcId="{C0E8203B-5169-4CD6-9702-53FE3A38D4B7}" destId="{D19C3654-EC85-4D17-8A65-476C8BCED155}" srcOrd="2" destOrd="0" parTransId="{8E751289-9790-49EB-8039-CA4E92FB1665}" sibTransId="{67D87B0F-7D65-41BE-9F23-1E80F104C8AA}"/>
+    <dgm:cxn modelId="{E148CD2D-7C89-45E8-9322-F62594E1D71A}" type="presOf" srcId="{C0E8203B-5169-4CD6-9702-53FE3A38D4B7}" destId="{55250350-E17F-4CB6-83BA-1D4FE4D0BB7B}" srcOrd="0" destOrd="0" presId="urn:microsoft.com/office/officeart/2008/layout/LinedList"/>
     <dgm:cxn modelId="{7B3DC829-8965-4F76-AECF-2D49CE626B61}" srcId="{C0E8203B-5169-4CD6-9702-53FE3A38D4B7}" destId="{EBAC00E8-AD22-49D1-A406-8557910A263D}" srcOrd="0" destOrd="0" parTransId="{C995157E-B4AB-4871-B74C-615D6B76C504}" sibTransId="{BE83C256-8C93-401C-901D-4ADDB015BA2A}"/>
     <dgm:cxn modelId="{5E364358-14E0-4092-8929-4F3402F69850}" type="presOf" srcId="{72E01D4A-CC17-466A-AD45-D5D735EB8271}" destId="{1F40FA49-3CA3-4E6F-8033-33616EC3A9A1}" srcOrd="0" destOrd="0" presId="urn:microsoft.com/office/officeart/2008/layout/LinedList"/>
-    <dgm:cxn modelId="{59CC2AF2-9600-4719-9E87-65990007BF3B}" srcId="{04A85023-219B-4479-836B-DCFBBAF58EB0}" destId="{C0E8203B-5169-4CD6-9702-53FE3A38D4B7}" srcOrd="0" destOrd="0" parTransId="{8770659B-25EF-42F8-BE17-875FAC9CE592}" sibTransId="{CDBEC1E2-C9D1-414C-B88A-41059C37FCC9}"/>
-    <dgm:cxn modelId="{E8BB7D19-2D6A-40DA-84F8-B5D6D86E4356}" srcId="{C0E8203B-5169-4CD6-9702-53FE3A38D4B7}" destId="{D19C3654-EC85-4D17-8A65-476C8BCED155}" srcOrd="2" destOrd="0" parTransId="{8E751289-9790-49EB-8039-CA4E92FB1665}" sibTransId="{67D87B0F-7D65-41BE-9F23-1E80F104C8AA}"/>
+    <dgm:cxn modelId="{9CBCB46E-ED88-4C20-852C-D8FDF6CAB28E}" srcId="{C0E8203B-5169-4CD6-9702-53FE3A38D4B7}" destId="{D04B8673-CF3C-4249-8FC0-37430591706B}" srcOrd="5" destOrd="0" parTransId="{AD28C86C-54AE-47C8-A0F9-5BCFA576A240}" sibTransId="{8038754E-B726-4859-9C89-A6BEC7CE1930}"/>
+    <dgm:cxn modelId="{1401745F-0965-48CD-85E8-3D578D914F4B}" type="presOf" srcId="{2133CF33-4E5C-4D91-A00C-CCB6369CC28D}" destId="{99DFEC6A-F643-4B07-8618-867DBF955F82}" srcOrd="0" destOrd="0" presId="urn:microsoft.com/office/officeart/2008/layout/LinedList"/>
     <dgm:cxn modelId="{EB9CC432-DA39-4291-AB50-78FBF72479CA}" type="presOf" srcId="{FE210EA8-9E36-4661-A004-AD95A93117EF}" destId="{B59BED8F-2E92-459B-946F-F8F67E0A26E2}" srcOrd="0" destOrd="0" presId="urn:microsoft.com/office/officeart/2008/layout/LinedList"/>
-    <dgm:cxn modelId="{275AB8D9-6619-4ED2-90D6-FCBDF3928AF1}" type="presOf" srcId="{04A85023-219B-4479-836B-DCFBBAF58EB0}" destId="{B744569E-E8A0-4E64-B94C-6B504028F814}" srcOrd="0" destOrd="0" presId="urn:microsoft.com/office/officeart/2008/layout/LinedList"/>
-    <dgm:cxn modelId="{4704D666-A624-430D-89C9-99FA2F41F4CC}" srcId="{C0E8203B-5169-4CD6-9702-53FE3A38D4B7}" destId="{2133CF33-4E5C-4D91-A00C-CCB6369CC28D}" srcOrd="3" destOrd="0" parTransId="{7EBDF186-8A9C-47EC-B82A-4AB55E36C37B}" sibTransId="{638DB0BF-FEBB-4515-97C0-0154376529D8}"/>
-    <dgm:cxn modelId="{1401745F-0965-48CD-85E8-3D578D914F4B}" type="presOf" srcId="{2133CF33-4E5C-4D91-A00C-CCB6369CC28D}" destId="{99DFEC6A-F643-4B07-8618-867DBF955F82}" srcOrd="0" destOrd="0" presId="urn:microsoft.com/office/officeart/2008/layout/LinedList"/>
-    <dgm:cxn modelId="{EA48023D-6DF6-4BFE-A9E1-89EE821FE651}" srcId="{C0E8203B-5169-4CD6-9702-53FE3A38D4B7}" destId="{72E01D4A-CC17-466A-AD45-D5D735EB8271}" srcOrd="4" destOrd="0" parTransId="{781495FD-B9D5-4FB9-B8EB-140BA60FE3A7}" sibTransId="{E63E57BD-5A7C-4D12-8A39-98F806CDABCA}"/>
-    <dgm:cxn modelId="{B107EB98-0D15-4C3E-BCD9-74B999BB9B5B}" type="presOf" srcId="{D04B8673-CF3C-4249-8FC0-37430591706B}" destId="{59E07A22-84B7-47CE-803B-AD1E4127ABD0}" srcOrd="0" destOrd="0" presId="urn:microsoft.com/office/officeart/2008/layout/LinedList"/>
-    <dgm:cxn modelId="{2732C65E-EBE0-429A-B44E-32A3D0242CB8}" srcId="{C0E8203B-5169-4CD6-9702-53FE3A38D4B7}" destId="{FE210EA8-9E36-4661-A004-AD95A93117EF}" srcOrd="1" destOrd="0" parTransId="{0F3A3B59-86B4-454E-A1AA-459B903C5A6E}" sibTransId="{CCD9615C-3035-460A-A4F3-54D8AA770FA2}"/>
-    <dgm:cxn modelId="{4D15FD03-2980-4536-85E0-A4B5F951E9D3}" type="presOf" srcId="{D19C3654-EC85-4D17-8A65-476C8BCED155}" destId="{BFE0CF65-F27D-47F8-9D70-A9026C57CB17}" srcOrd="0" destOrd="0" presId="urn:microsoft.com/office/officeart/2008/layout/LinedList"/>
-    <dgm:cxn modelId="{E148CD2D-7C89-45E8-9322-F62594E1D71A}" type="presOf" srcId="{C0E8203B-5169-4CD6-9702-53FE3A38D4B7}" destId="{55250350-E17F-4CB6-83BA-1D4FE4D0BB7B}" srcOrd="0" destOrd="0" presId="urn:microsoft.com/office/officeart/2008/layout/LinedList"/>
-    <dgm:cxn modelId="{FE9C151E-542E-4BAC-8771-AE334A43F846}" type="presOf" srcId="{EBAC00E8-AD22-49D1-A406-8557910A263D}" destId="{A4F65490-42AA-4A0A-9E92-496007A45D48}" srcOrd="0" destOrd="0" presId="urn:microsoft.com/office/officeart/2008/layout/LinedList"/>
     <dgm:cxn modelId="{DD60E0E0-85F3-47CC-96CB-12BDD19A49A9}" type="presParOf" srcId="{B744569E-E8A0-4E64-B94C-6B504028F814}" destId="{9C1D2CB9-94B3-4BB4-AD6E-339F612D3E51}" srcOrd="0" destOrd="0" presId="urn:microsoft.com/office/officeart/2008/layout/LinedList"/>
     <dgm:cxn modelId="{6DE242E6-B0A4-4FF3-82A3-9156D4B0F723}" type="presParOf" srcId="{B744569E-E8A0-4E64-B94C-6B504028F814}" destId="{2B4DD2A1-FF06-4C7F-A2B7-CD5206942EC1}" srcOrd="1" destOrd="0" presId="urn:microsoft.com/office/officeart/2008/layout/LinedList"/>
     <dgm:cxn modelId="{CFDCCB83-288B-4E3B-9B1C-A9BE9888EBE2}" type="presParOf" srcId="{2B4DD2A1-FF06-4C7F-A2B7-CD5206942EC1}" destId="{55250350-E17F-4CB6-83BA-1D4FE4D0BB7B}" srcOrd="0" destOrd="0" presId="urn:microsoft.com/office/officeart/2008/layout/LinedList"/>
@@ -2507,7 +2550,7 @@
   <dgm:whole/>
   <dgm:extLst>
     <a:ext uri="http://schemas.microsoft.com/office/drawing/2008/diagram">
-      <dsp:dataModelExt xmlns:dsp="http://schemas.microsoft.com/office/drawing/2008/diagram" xmlns="" relId="rId6" minVer="http://schemas.openxmlformats.org/drawingml/2006/diagram"/>
+      <dsp:dataModelExt xmlns:dsp="http://schemas.microsoft.com/office/drawing/2008/diagram" relId="rId6" minVer="http://schemas.openxmlformats.org/drawingml/2006/diagram"/>
     </a:ext>
   </dgm:extLst>
 </dgm:dataModel>
@@ -2890,17 +2933,17 @@
     </dgm:pt>
   </dgm:ptLst>
   <dgm:cxnLst>
+    <dgm:cxn modelId="{61F6D0B1-DF69-4F7D-8767-7539A800AAA1}" srcId="{CC21F494-BAA2-47FE-B6A1-19AB0C0C95ED}" destId="{BC354689-7573-41A5-99A7-FB220FD47960}" srcOrd="1" destOrd="0" parTransId="{DC74516C-AF05-49B6-ACB8-D5EBB2DA2FC3}" sibTransId="{A31DBC45-B7DF-4375-A782-EE39AB23EC79}"/>
+    <dgm:cxn modelId="{D55D0F61-7E12-4645-8DF1-9B29A1EAA879}" type="presOf" srcId="{9695DA26-C5CE-4563-AA4D-1933F040E226}" destId="{2748B678-8B77-4486-9221-D7AD8CD82137}" srcOrd="0" destOrd="0" presId="urn:microsoft.com/office/officeart/2008/layout/LinedList"/>
+    <dgm:cxn modelId="{7C802E8D-933B-41A8-BCE0-61BE606423AD}" srcId="{CC21F494-BAA2-47FE-B6A1-19AB0C0C95ED}" destId="{C6E2C73E-E40C-447D-8663-EAB5B9C40124}" srcOrd="3" destOrd="0" parTransId="{EDC914D5-FC8E-4C9F-B6F4-B88EDF977117}" sibTransId="{BFFC85B7-D0EA-4AB1-9549-23491F0E1572}"/>
     <dgm:cxn modelId="{694C24C9-293F-44AC-8D46-C0C63198B23F}" type="presOf" srcId="{CF9D0527-0BA1-4294-9D0E-5E87E70E9558}" destId="{4021A4CB-A016-4309-8003-441B4765E50D}" srcOrd="0" destOrd="0" presId="urn:microsoft.com/office/officeart/2008/layout/LinedList"/>
-    <dgm:cxn modelId="{7C802E8D-933B-41A8-BCE0-61BE606423AD}" srcId="{CC21F494-BAA2-47FE-B6A1-19AB0C0C95ED}" destId="{C6E2C73E-E40C-447D-8663-EAB5B9C40124}" srcOrd="3" destOrd="0" parTransId="{EDC914D5-FC8E-4C9F-B6F4-B88EDF977117}" sibTransId="{BFFC85B7-D0EA-4AB1-9549-23491F0E1572}"/>
     <dgm:cxn modelId="{5465E1B3-ADD6-43DD-A61B-79058F09657E}" type="presOf" srcId="{C6E2C73E-E40C-447D-8663-EAB5B9C40124}" destId="{99B4E6DD-6B66-4412-89C6-9350E2D1D32C}" srcOrd="0" destOrd="0" presId="urn:microsoft.com/office/officeart/2008/layout/LinedList"/>
+    <dgm:cxn modelId="{8B63603B-F12D-4664-8E61-20141215B6FF}" type="presOf" srcId="{CC21F494-BAA2-47FE-B6A1-19AB0C0C95ED}" destId="{0FD6BB48-29D0-498E-BAB0-9759B4FDBA26}" srcOrd="0" destOrd="0" presId="urn:microsoft.com/office/officeart/2008/layout/LinedList"/>
     <dgm:cxn modelId="{6BF77972-60CB-4A1A-A027-B30AB9D5C9BD}" srcId="{CC21F494-BAA2-47FE-B6A1-19AB0C0C95ED}" destId="{12966170-2A97-4B94-A4A8-4FBFC521FF80}" srcOrd="2" destOrd="0" parTransId="{C7A5748F-D124-47B1-91B4-510BC09651AE}" sibTransId="{296ED114-D69C-48FA-A452-A8BFB2FCDEC2}"/>
-    <dgm:cxn modelId="{8B63603B-F12D-4664-8E61-20141215B6FF}" type="presOf" srcId="{CC21F494-BAA2-47FE-B6A1-19AB0C0C95ED}" destId="{0FD6BB48-29D0-498E-BAB0-9759B4FDBA26}" srcOrd="0" destOrd="0" presId="urn:microsoft.com/office/officeart/2008/layout/LinedList"/>
+    <dgm:cxn modelId="{9A1F7A3A-4E51-437F-BF7F-179C7C940B99}" srcId="{CC21F494-BAA2-47FE-B6A1-19AB0C0C95ED}" destId="{9695DA26-C5CE-4563-AA4D-1933F040E226}" srcOrd="0" destOrd="0" parTransId="{FABE37EB-A981-4F3D-98EF-DBF3933E5E49}" sibTransId="{5B3DBAC2-87C4-4A2F-8841-E177241B909E}"/>
+    <dgm:cxn modelId="{B9A0A92A-6332-41A1-958E-AF86BA2A641C}" srcId="{CF9D0527-0BA1-4294-9D0E-5E87E70E9558}" destId="{CC21F494-BAA2-47FE-B6A1-19AB0C0C95ED}" srcOrd="0" destOrd="0" parTransId="{C0166FF6-D35A-4AD5-935A-F5E6D4E80BEF}" sibTransId="{28D9E21F-8714-45DE-B8A4-DF9BAA0CE5F6}"/>
+    <dgm:cxn modelId="{9A6F8306-535B-48F8-B6DE-774CE0A263BC}" type="presOf" srcId="{12966170-2A97-4B94-A4A8-4FBFC521FF80}" destId="{2135EF6E-EFA6-41B5-979F-9A2D3CB1FD26}" srcOrd="0" destOrd="0" presId="urn:microsoft.com/office/officeart/2008/layout/LinedList"/>
     <dgm:cxn modelId="{8E431D6E-A647-4F19-BEC2-FCED9BA8D043}" type="presOf" srcId="{BC354689-7573-41A5-99A7-FB220FD47960}" destId="{9E044F2B-C117-4322-B20F-1D7277F2451D}" srcOrd="0" destOrd="0" presId="urn:microsoft.com/office/officeart/2008/layout/LinedList"/>
-    <dgm:cxn modelId="{B9A0A92A-6332-41A1-958E-AF86BA2A641C}" srcId="{CF9D0527-0BA1-4294-9D0E-5E87E70E9558}" destId="{CC21F494-BAA2-47FE-B6A1-19AB0C0C95ED}" srcOrd="0" destOrd="0" parTransId="{C0166FF6-D35A-4AD5-935A-F5E6D4E80BEF}" sibTransId="{28D9E21F-8714-45DE-B8A4-DF9BAA0CE5F6}"/>
-    <dgm:cxn modelId="{9A1F7A3A-4E51-437F-BF7F-179C7C940B99}" srcId="{CC21F494-BAA2-47FE-B6A1-19AB0C0C95ED}" destId="{9695DA26-C5CE-4563-AA4D-1933F040E226}" srcOrd="0" destOrd="0" parTransId="{FABE37EB-A981-4F3D-98EF-DBF3933E5E49}" sibTransId="{5B3DBAC2-87C4-4A2F-8841-E177241B909E}"/>
-    <dgm:cxn modelId="{61F6D0B1-DF69-4F7D-8767-7539A800AAA1}" srcId="{CC21F494-BAA2-47FE-B6A1-19AB0C0C95ED}" destId="{BC354689-7573-41A5-99A7-FB220FD47960}" srcOrd="1" destOrd="0" parTransId="{DC74516C-AF05-49B6-ACB8-D5EBB2DA2FC3}" sibTransId="{A31DBC45-B7DF-4375-A782-EE39AB23EC79}"/>
-    <dgm:cxn modelId="{9A6F8306-535B-48F8-B6DE-774CE0A263BC}" type="presOf" srcId="{12966170-2A97-4B94-A4A8-4FBFC521FF80}" destId="{2135EF6E-EFA6-41B5-979F-9A2D3CB1FD26}" srcOrd="0" destOrd="0" presId="urn:microsoft.com/office/officeart/2008/layout/LinedList"/>
-    <dgm:cxn modelId="{D55D0F61-7E12-4645-8DF1-9B29A1EAA879}" type="presOf" srcId="{9695DA26-C5CE-4563-AA4D-1933F040E226}" destId="{2748B678-8B77-4486-9221-D7AD8CD82137}" srcOrd="0" destOrd="0" presId="urn:microsoft.com/office/officeart/2008/layout/LinedList"/>
     <dgm:cxn modelId="{6E554199-CF4F-4A56-AA4E-BD37105C5ECF}" type="presParOf" srcId="{4021A4CB-A016-4309-8003-441B4765E50D}" destId="{87B7C387-3A56-4349-9EE0-D15265E7957D}" srcOrd="0" destOrd="0" presId="urn:microsoft.com/office/officeart/2008/layout/LinedList"/>
     <dgm:cxn modelId="{A73F0C02-1F3C-4AB3-913F-91C809EF5D5A}" type="presParOf" srcId="{4021A4CB-A016-4309-8003-441B4765E50D}" destId="{99634468-7D2F-4032-97A6-1EC37ECEEF49}" srcOrd="1" destOrd="0" presId="urn:microsoft.com/office/officeart/2008/layout/LinedList"/>
     <dgm:cxn modelId="{5F416445-C114-474B-A6F3-6C42262474EA}" type="presParOf" srcId="{99634468-7D2F-4032-97A6-1EC37ECEEF49}" destId="{0FD6BB48-29D0-498E-BAB0-9759B4FDBA26}" srcOrd="0" destOrd="0" presId="urn:microsoft.com/office/officeart/2008/layout/LinedList"/>
@@ -2935,14 +2978,14 @@
   <dgm:whole/>
   <dgm:extLst>
     <a:ext uri="http://schemas.microsoft.com/office/drawing/2008/diagram">
-      <dsp:dataModelExt xmlns:dsp="http://schemas.microsoft.com/office/drawing/2008/diagram" xmlns="" relId="rId6" minVer="http://schemas.openxmlformats.org/drawingml/2006/diagram"/>
+      <dsp:dataModelExt xmlns:dsp="http://schemas.microsoft.com/office/drawing/2008/diagram" relId="rId6" minVer="http://schemas.openxmlformats.org/drawingml/2006/diagram"/>
     </a:ext>
   </dgm:extLst>
 </dgm:dataModel>
 </file>
 
 <file path=ppt/diagrams/drawing1.xml><?xml version="1.0" encoding="utf-8"?>
-<dsp:drawing xmlns:dgm="http://schemas.openxmlformats.org/drawingml/2006/diagram" xmlns:a="http://schemas.openxmlformats.org/drawingml/2006/main" xmlns:dsp="http://schemas.microsoft.com/office/drawing/2008/diagram">
+<dsp:drawing xmlns:dgm="http://schemas.openxmlformats.org/drawingml/2006/diagram" xmlns:dsp="http://schemas.microsoft.com/office/drawing/2008/diagram" xmlns:a="http://schemas.openxmlformats.org/drawingml/2006/main">
   <dsp:spTree>
     <dsp:nvGrpSpPr>
       <dsp:cNvPr id="0" name=""/>
@@ -3709,7 +3752,7 @@
 </file>
 
 <file path=ppt/diagrams/drawing2.xml><?xml version="1.0" encoding="utf-8"?>
-<dsp:drawing xmlns:dgm="http://schemas.openxmlformats.org/drawingml/2006/diagram" xmlns:a="http://schemas.openxmlformats.org/drawingml/2006/main" xmlns:dsp="http://schemas.microsoft.com/office/drawing/2008/diagram">
+<dsp:drawing xmlns:dgm="http://schemas.openxmlformats.org/drawingml/2006/diagram" xmlns:dsp="http://schemas.microsoft.com/office/drawing/2008/diagram" xmlns:a="http://schemas.openxmlformats.org/drawingml/2006/main">
   <dsp:spTree>
     <dsp:nvGrpSpPr>
       <dsp:cNvPr id="0" name=""/>
@@ -7663,7 +7706,7 @@
     </p:spTree>
     <p:extLst>
       <p:ext uri="{BB962C8B-B14F-4D97-AF65-F5344CB8AC3E}">
-        <p14:creationId xmlns:p14="http://schemas.microsoft.com/office/powerpoint/2010/main" xmlns="" val="3345007041"/>
+        <p14:creationId xmlns:p14="http://schemas.microsoft.com/office/powerpoint/2010/main" val="3345007041"/>
       </p:ext>
     </p:extLst>
   </p:cSld>
@@ -8202,7 +8245,7 @@
     </p:spTree>
     <p:extLst>
       <p:ext uri="{BB962C8B-B14F-4D97-AF65-F5344CB8AC3E}">
-        <p14:creationId xmlns:p14="http://schemas.microsoft.com/office/powerpoint/2010/main" xmlns="" val="516787406"/>
+        <p14:creationId xmlns:p14="http://schemas.microsoft.com/office/powerpoint/2010/main" val="516787406"/>
       </p:ext>
     </p:extLst>
   </p:cSld>
@@ -8633,7 +8676,7 @@
     </p:spTree>
     <p:extLst>
       <p:ext uri="{BB962C8B-B14F-4D97-AF65-F5344CB8AC3E}">
-        <p14:creationId xmlns:p14="http://schemas.microsoft.com/office/powerpoint/2010/main" xmlns="" val="2200117069"/>
+        <p14:creationId xmlns:p14="http://schemas.microsoft.com/office/powerpoint/2010/main" val="2200117069"/>
       </p:ext>
     </p:extLst>
   </p:cSld>
@@ -8941,7 +8984,7 @@
     </p:spTree>
     <p:extLst>
       <p:ext uri="{BB962C8B-B14F-4D97-AF65-F5344CB8AC3E}">
-        <p14:creationId xmlns:p14="http://schemas.microsoft.com/office/powerpoint/2010/main" xmlns="" val="2200117069"/>
+        <p14:creationId xmlns:p14="http://schemas.microsoft.com/office/powerpoint/2010/main" val="2200117069"/>
       </p:ext>
     </p:extLst>
   </p:cSld>
@@ -9082,7 +9125,7 @@
     </p:spTree>
     <p:extLst>
       <p:ext uri="{BB962C8B-B14F-4D97-AF65-F5344CB8AC3E}">
-        <p14:creationId xmlns:p14="http://schemas.microsoft.com/office/powerpoint/2010/main" xmlns="" val="2200117069"/>
+        <p14:creationId xmlns:p14="http://schemas.microsoft.com/office/powerpoint/2010/main" val="2200117069"/>
       </p:ext>
     </p:extLst>
   </p:cSld>
@@ -9403,7 +9446,7 @@
     </p:spTree>
     <p:extLst>
       <p:ext uri="{BB962C8B-B14F-4D97-AF65-F5344CB8AC3E}">
-        <p14:creationId xmlns:p14="http://schemas.microsoft.com/office/powerpoint/2010/main" xmlns="" val="2200117069"/>
+        <p14:creationId xmlns:p14="http://schemas.microsoft.com/office/powerpoint/2010/main" val="2200117069"/>
       </p:ext>
     </p:extLst>
   </p:cSld>
@@ -9544,7 +9587,7 @@
     </p:spTree>
     <p:extLst>
       <p:ext uri="{BB962C8B-B14F-4D97-AF65-F5344CB8AC3E}">
-        <p14:creationId xmlns:p14="http://schemas.microsoft.com/office/powerpoint/2010/main" xmlns="" val="2200117069"/>
+        <p14:creationId xmlns:p14="http://schemas.microsoft.com/office/powerpoint/2010/main" val="2200117069"/>
       </p:ext>
     </p:extLst>
   </p:cSld>
@@ -10025,7 +10068,7 @@
           <p:cNvPr id="13" name="Picture 2" descr="small ke-icon">
             <a:extLst>
               <a:ext uri="{FF2B5EF4-FFF2-40B4-BE49-F238E27FC236}">
-                <a16:creationId xmlns:a16="http://schemas.microsoft.com/office/drawing/2014/main" xmlns="" id="{83854E58-1482-478C-955E-C8509C8684B6}"/>
+                <a16:creationId xmlns="" xmlns:a16="http://schemas.microsoft.com/office/drawing/2014/main" id="{83854E58-1482-478C-955E-C8509C8684B6}"/>
               </a:ext>
             </a:extLst>
           </p:cNvPr>
@@ -10038,7 +10081,7 @@
           <a:blip r:embed="rId3" cstate="print">
             <a:extLst>
               <a:ext uri="{28A0092B-C50C-407E-A947-70E740481C1C}">
-                <a14:useLocalDpi xmlns:a14="http://schemas.microsoft.com/office/drawing/2010/main" xmlns="" val="0"/>
+                <a14:useLocalDpi xmlns:a14="http://schemas.microsoft.com/office/drawing/2010/main" val="0"/>
               </a:ext>
             </a:extLst>
           </a:blip>
@@ -10058,7 +10101,7 @@
           <a:noFill/>
           <a:extLst>
             <a:ext uri="{909E8E84-426E-40DD-AFC4-6F175D3DCCD1}">
-              <a14:hiddenFill xmlns:a14="http://schemas.microsoft.com/office/drawing/2010/main" xmlns="">
+              <a14:hiddenFill xmlns:a14="http://schemas.microsoft.com/office/drawing/2010/main">
                 <a:solidFill>
                   <a:srgbClr val="FFFFFF"/>
                 </a:solidFill>
@@ -11539,7 +11582,7 @@
           <p:cNvPr id="2" name="Picture 2" descr="small ke-icon">
             <a:extLst>
               <a:ext uri="{FF2B5EF4-FFF2-40B4-BE49-F238E27FC236}">
-                <a16:creationId xmlns:a16="http://schemas.microsoft.com/office/drawing/2014/main" xmlns="" id="{2CEB455C-E142-47B5-A2EA-F103D223A10D}"/>
+                <a16:creationId xmlns="" xmlns:a16="http://schemas.microsoft.com/office/drawing/2014/main" id="{2CEB455C-E142-47B5-A2EA-F103D223A10D}"/>
               </a:ext>
             </a:extLst>
           </p:cNvPr>
@@ -11552,7 +11595,7 @@
           <a:blip r:embed="rId11" cstate="print">
             <a:extLst>
               <a:ext uri="{28A0092B-C50C-407E-A947-70E740481C1C}">
-                <a14:useLocalDpi xmlns:a14="http://schemas.microsoft.com/office/drawing/2010/main" xmlns="" val="0"/>
+                <a14:useLocalDpi xmlns:a14="http://schemas.microsoft.com/office/drawing/2010/main" val="0"/>
               </a:ext>
             </a:extLst>
           </a:blip>
@@ -11572,7 +11615,7 @@
           <a:noFill/>
           <a:extLst>
             <a:ext uri="{909E8E84-426E-40DD-AFC4-6F175D3DCCD1}">
-              <a14:hiddenFill xmlns:a14="http://schemas.microsoft.com/office/drawing/2010/main" xmlns="">
+              <a14:hiddenFill xmlns:a14="http://schemas.microsoft.com/office/drawing/2010/main">
                 <a:solidFill>
                   <a:srgbClr val="FFFFFF"/>
                 </a:solidFill>
@@ -12082,7 +12125,7 @@
           <p:cNvPr id="2052" name="Picture 4" descr="http://www.ke.tu-darmstadt.de/ke_site_header.jpg">
             <a:extLst>
               <a:ext uri="{FF2B5EF4-FFF2-40B4-BE49-F238E27FC236}">
-                <a16:creationId xmlns:a16="http://schemas.microsoft.com/office/drawing/2014/main" xmlns="" id="{A4296F2A-DF52-4654-B393-FD38D561FC7C}"/>
+                <a16:creationId xmlns="" xmlns:a16="http://schemas.microsoft.com/office/drawing/2014/main" id="{A4296F2A-DF52-4654-B393-FD38D561FC7C}"/>
               </a:ext>
             </a:extLst>
           </p:cNvPr>
@@ -12095,7 +12138,7 @@
           <a:blip r:embed="rId3" cstate="print">
             <a:extLst>
               <a:ext uri="{28A0092B-C50C-407E-A947-70E740481C1C}">
-                <a14:useLocalDpi xmlns:a14="http://schemas.microsoft.com/office/drawing/2010/main" xmlns="" val="0"/>
+                <a14:useLocalDpi xmlns:a14="http://schemas.microsoft.com/office/drawing/2010/main" val="0"/>
               </a:ext>
             </a:extLst>
           </a:blip>
@@ -12115,7 +12158,7 @@
           <a:noFill/>
           <a:extLst>
             <a:ext uri="{909E8E84-426E-40DD-AFC4-6F175D3DCCD1}">
-              <a14:hiddenFill xmlns:a14="http://schemas.microsoft.com/office/drawing/2010/main" xmlns="">
+              <a14:hiddenFill xmlns:a14="http://schemas.microsoft.com/office/drawing/2010/main">
                 <a:solidFill>
                   <a:srgbClr val="FFFFFF"/>
                 </a:solidFill>
@@ -12154,7 +12197,7 @@
           <p:cNvPr id="2" name="Titel 1">
             <a:extLst>
               <a:ext uri="{FF2B5EF4-FFF2-40B4-BE49-F238E27FC236}">
-                <a16:creationId xmlns:a16="http://schemas.microsoft.com/office/drawing/2014/main" xmlns="" id="{594F37A0-8FD9-42A4-A80F-4C479182787E}"/>
+                <a16:creationId xmlns="" xmlns:a16="http://schemas.microsoft.com/office/drawing/2014/main" id="{594F37A0-8FD9-42A4-A80F-4C479182787E}"/>
               </a:ext>
             </a:extLst>
           </p:cNvPr>
@@ -12199,7 +12242,7 @@
           <p:cNvPr id="3" name="Inhaltsplatzhalter 2">
             <a:extLst>
               <a:ext uri="{FF2B5EF4-FFF2-40B4-BE49-F238E27FC236}">
-                <a16:creationId xmlns:a16="http://schemas.microsoft.com/office/drawing/2014/main" xmlns="" id="{B201CE33-F1D7-423B-B373-1D449812B3D5}"/>
+                <a16:creationId xmlns="" xmlns:a16="http://schemas.microsoft.com/office/drawing/2014/main" id="{B201CE33-F1D7-423B-B373-1D449812B3D5}"/>
               </a:ext>
             </a:extLst>
           </p:cNvPr>
@@ -12308,7 +12351,7 @@
           <p:cNvPr id="5" name="Pfeil: Chevron 4">
             <a:extLst>
               <a:ext uri="{FF2B5EF4-FFF2-40B4-BE49-F238E27FC236}">
-                <a16:creationId xmlns:a16="http://schemas.microsoft.com/office/drawing/2014/main" xmlns="" id="{FE16A436-3EBF-406A-A452-2785E92CA870}"/>
+                <a16:creationId xmlns="" xmlns:a16="http://schemas.microsoft.com/office/drawing/2014/main" id="{FE16A436-3EBF-406A-A452-2785E92CA870}"/>
               </a:ext>
             </a:extLst>
           </p:cNvPr>
@@ -12378,7 +12421,7 @@
           <p:cNvPr id="6" name="Pfeil: Chevron 5">
             <a:extLst>
               <a:ext uri="{FF2B5EF4-FFF2-40B4-BE49-F238E27FC236}">
-                <a16:creationId xmlns:a16="http://schemas.microsoft.com/office/drawing/2014/main" xmlns="" id="{4B425B4C-53B0-4FDA-90C8-3EAE519EFFB2}"/>
+                <a16:creationId xmlns="" xmlns:a16="http://schemas.microsoft.com/office/drawing/2014/main" id="{4B425B4C-53B0-4FDA-90C8-3EAE519EFFB2}"/>
               </a:ext>
             </a:extLst>
           </p:cNvPr>
@@ -12444,7 +12487,7 @@
           <p:cNvPr id="7" name="Pfeil: Chevron 6">
             <a:extLst>
               <a:ext uri="{FF2B5EF4-FFF2-40B4-BE49-F238E27FC236}">
-                <a16:creationId xmlns:a16="http://schemas.microsoft.com/office/drawing/2014/main" xmlns="" id="{14F5353B-3EA0-4F48-A473-08D522F34D71}"/>
+                <a16:creationId xmlns="" xmlns:a16="http://schemas.microsoft.com/office/drawing/2014/main" id="{14F5353B-3EA0-4F48-A473-08D522F34D71}"/>
               </a:ext>
             </a:extLst>
           </p:cNvPr>
@@ -12521,7 +12564,7 @@
           <p:cNvPr id="8" name="Pfeil: Chevron 7">
             <a:extLst>
               <a:ext uri="{FF2B5EF4-FFF2-40B4-BE49-F238E27FC236}">
-                <a16:creationId xmlns:a16="http://schemas.microsoft.com/office/drawing/2014/main" xmlns="" id="{655E865C-680E-47F4-9F87-B4EB179E321D}"/>
+                <a16:creationId xmlns="" xmlns:a16="http://schemas.microsoft.com/office/drawing/2014/main" id="{655E865C-680E-47F4-9F87-B4EB179E321D}"/>
               </a:ext>
             </a:extLst>
           </p:cNvPr>
@@ -12589,7 +12632,7 @@
     </p:spTree>
     <p:extLst>
       <p:ext uri="{BB962C8B-B14F-4D97-AF65-F5344CB8AC3E}">
-        <p14:creationId xmlns:p14="http://schemas.microsoft.com/office/powerpoint/2010/main" xmlns="" val="336162044"/>
+        <p14:creationId xmlns:p14="http://schemas.microsoft.com/office/powerpoint/2010/main" val="336162044"/>
       </p:ext>
     </p:extLst>
   </p:cSld>
@@ -12621,7 +12664,7 @@
           <p:cNvPr id="2" name="Titel 1">
             <a:extLst>
               <a:ext uri="{FF2B5EF4-FFF2-40B4-BE49-F238E27FC236}">
-                <a16:creationId xmlns:a16="http://schemas.microsoft.com/office/drawing/2014/main" xmlns="" id="{594F37A0-8FD9-42A4-A80F-4C479182787E}"/>
+                <a16:creationId xmlns="" xmlns:a16="http://schemas.microsoft.com/office/drawing/2014/main" id="{594F37A0-8FD9-42A4-A80F-4C479182787E}"/>
               </a:ext>
             </a:extLst>
           </p:cNvPr>
@@ -12666,7 +12709,7 @@
           <p:cNvPr id="3" name="Inhaltsplatzhalter 2">
             <a:extLst>
               <a:ext uri="{FF2B5EF4-FFF2-40B4-BE49-F238E27FC236}">
-                <a16:creationId xmlns:a16="http://schemas.microsoft.com/office/drawing/2014/main" xmlns="" id="{B201CE33-F1D7-423B-B373-1D449812B3D5}"/>
+                <a16:creationId xmlns="" xmlns:a16="http://schemas.microsoft.com/office/drawing/2014/main" id="{B201CE33-F1D7-423B-B373-1D449812B3D5}"/>
               </a:ext>
             </a:extLst>
           </p:cNvPr>
@@ -12699,8 +12742,8 @@
               <a:t> </a:t>
             </a:r>
             <a:r>
-              <a:rPr lang="de-DE" sz="2800" dirty="0" err="1"/>
-              <a:t>classifier</a:t>
+              <a:rPr lang="de-DE" sz="2800" dirty="0" err="1" smtClean="0"/>
+              <a:t>Classifier</a:t>
             </a:r>
             <a:r>
               <a:rPr lang="de-DE" sz="2800" dirty="0"/>
@@ -12781,7 +12824,7 @@
           <p:cNvPr id="5" name="Pfeil: Chevron 4">
             <a:extLst>
               <a:ext uri="{FF2B5EF4-FFF2-40B4-BE49-F238E27FC236}">
-                <a16:creationId xmlns:a16="http://schemas.microsoft.com/office/drawing/2014/main" xmlns="" id="{FE16A436-3EBF-406A-A452-2785E92CA870}"/>
+                <a16:creationId xmlns="" xmlns:a16="http://schemas.microsoft.com/office/drawing/2014/main" id="{FE16A436-3EBF-406A-A452-2785E92CA870}"/>
               </a:ext>
             </a:extLst>
           </p:cNvPr>
@@ -12851,7 +12894,7 @@
           <p:cNvPr id="6" name="Pfeil: Chevron 5">
             <a:extLst>
               <a:ext uri="{FF2B5EF4-FFF2-40B4-BE49-F238E27FC236}">
-                <a16:creationId xmlns:a16="http://schemas.microsoft.com/office/drawing/2014/main" xmlns="" id="{4B425B4C-53B0-4FDA-90C8-3EAE519EFFB2}"/>
+                <a16:creationId xmlns="" xmlns:a16="http://schemas.microsoft.com/office/drawing/2014/main" id="{4B425B4C-53B0-4FDA-90C8-3EAE519EFFB2}"/>
               </a:ext>
             </a:extLst>
           </p:cNvPr>
@@ -12917,7 +12960,7 @@
           <p:cNvPr id="7" name="Pfeil: Chevron 6">
             <a:extLst>
               <a:ext uri="{FF2B5EF4-FFF2-40B4-BE49-F238E27FC236}">
-                <a16:creationId xmlns:a16="http://schemas.microsoft.com/office/drawing/2014/main" xmlns="" id="{14F5353B-3EA0-4F48-A473-08D522F34D71}"/>
+                <a16:creationId xmlns="" xmlns:a16="http://schemas.microsoft.com/office/drawing/2014/main" id="{14F5353B-3EA0-4F48-A473-08D522F34D71}"/>
               </a:ext>
             </a:extLst>
           </p:cNvPr>
@@ -12994,7 +13037,7 @@
           <p:cNvPr id="8" name="Pfeil: Chevron 7">
             <a:extLst>
               <a:ext uri="{FF2B5EF4-FFF2-40B4-BE49-F238E27FC236}">
-                <a16:creationId xmlns:a16="http://schemas.microsoft.com/office/drawing/2014/main" xmlns="" id="{655E865C-680E-47F4-9F87-B4EB179E321D}"/>
+                <a16:creationId xmlns="" xmlns:a16="http://schemas.microsoft.com/office/drawing/2014/main" id="{655E865C-680E-47F4-9F87-B4EB179E321D}"/>
               </a:ext>
             </a:extLst>
           </p:cNvPr>
@@ -13062,7 +13105,7 @@
     </p:spTree>
     <p:extLst>
       <p:ext uri="{BB962C8B-B14F-4D97-AF65-F5344CB8AC3E}">
-        <p14:creationId xmlns:p14="http://schemas.microsoft.com/office/powerpoint/2010/main" xmlns="" val="2840066385"/>
+        <p14:creationId xmlns:p14="http://schemas.microsoft.com/office/powerpoint/2010/main" val="2840066385"/>
       </p:ext>
     </p:extLst>
   </p:cSld>
@@ -13094,7 +13137,7 @@
           <p:cNvPr id="2" name="Titel 1">
             <a:extLst>
               <a:ext uri="{FF2B5EF4-FFF2-40B4-BE49-F238E27FC236}">
-                <a16:creationId xmlns:a16="http://schemas.microsoft.com/office/drawing/2014/main" xmlns="" id="{594F37A0-8FD9-42A4-A80F-4C479182787E}"/>
+                <a16:creationId xmlns="" xmlns:a16="http://schemas.microsoft.com/office/drawing/2014/main" id="{594F37A0-8FD9-42A4-A80F-4C479182787E}"/>
               </a:ext>
             </a:extLst>
           </p:cNvPr>
@@ -13159,7 +13202,7 @@
           <p:cNvPr id="3" name="Inhaltsplatzhalter 2">
             <a:extLst>
               <a:ext uri="{FF2B5EF4-FFF2-40B4-BE49-F238E27FC236}">
-                <a16:creationId xmlns:a16="http://schemas.microsoft.com/office/drawing/2014/main" xmlns="" id="{B201CE33-F1D7-423B-B373-1D449812B3D5}"/>
+                <a16:creationId xmlns="" xmlns:a16="http://schemas.microsoft.com/office/drawing/2014/main" id="{B201CE33-F1D7-423B-B373-1D449812B3D5}"/>
               </a:ext>
             </a:extLst>
           </p:cNvPr>
@@ -13420,7 +13463,7 @@
           <p:cNvPr id="5" name="Pfeil: Chevron 4">
             <a:extLst>
               <a:ext uri="{FF2B5EF4-FFF2-40B4-BE49-F238E27FC236}">
-                <a16:creationId xmlns:a16="http://schemas.microsoft.com/office/drawing/2014/main" xmlns="" id="{FE16A436-3EBF-406A-A452-2785E92CA870}"/>
+                <a16:creationId xmlns="" xmlns:a16="http://schemas.microsoft.com/office/drawing/2014/main" id="{FE16A436-3EBF-406A-A452-2785E92CA870}"/>
               </a:ext>
             </a:extLst>
           </p:cNvPr>
@@ -13490,7 +13533,7 @@
           <p:cNvPr id="6" name="Pfeil: Chevron 5">
             <a:extLst>
               <a:ext uri="{FF2B5EF4-FFF2-40B4-BE49-F238E27FC236}">
-                <a16:creationId xmlns:a16="http://schemas.microsoft.com/office/drawing/2014/main" xmlns="" id="{4B425B4C-53B0-4FDA-90C8-3EAE519EFFB2}"/>
+                <a16:creationId xmlns="" xmlns:a16="http://schemas.microsoft.com/office/drawing/2014/main" id="{4B425B4C-53B0-4FDA-90C8-3EAE519EFFB2}"/>
               </a:ext>
             </a:extLst>
           </p:cNvPr>
@@ -13556,7 +13599,7 @@
           <p:cNvPr id="7" name="Pfeil: Chevron 6">
             <a:extLst>
               <a:ext uri="{FF2B5EF4-FFF2-40B4-BE49-F238E27FC236}">
-                <a16:creationId xmlns:a16="http://schemas.microsoft.com/office/drawing/2014/main" xmlns="" id="{14F5353B-3EA0-4F48-A473-08D522F34D71}"/>
+                <a16:creationId xmlns="" xmlns:a16="http://schemas.microsoft.com/office/drawing/2014/main" id="{14F5353B-3EA0-4F48-A473-08D522F34D71}"/>
               </a:ext>
             </a:extLst>
           </p:cNvPr>
@@ -13633,7 +13676,7 @@
           <p:cNvPr id="8" name="Pfeil: Chevron 7">
             <a:extLst>
               <a:ext uri="{FF2B5EF4-FFF2-40B4-BE49-F238E27FC236}">
-                <a16:creationId xmlns:a16="http://schemas.microsoft.com/office/drawing/2014/main" xmlns="" id="{655E865C-680E-47F4-9F87-B4EB179E321D}"/>
+                <a16:creationId xmlns="" xmlns:a16="http://schemas.microsoft.com/office/drawing/2014/main" id="{655E865C-680E-47F4-9F87-B4EB179E321D}"/>
               </a:ext>
             </a:extLst>
           </p:cNvPr>
@@ -13719,7 +13762,7 @@
     </p:spTree>
     <p:extLst>
       <p:ext uri="{BB962C8B-B14F-4D97-AF65-F5344CB8AC3E}">
-        <p14:creationId xmlns:p14="http://schemas.microsoft.com/office/powerpoint/2010/main" xmlns="" val="2501750320"/>
+        <p14:creationId xmlns:p14="http://schemas.microsoft.com/office/powerpoint/2010/main" val="2501750320"/>
       </p:ext>
     </p:extLst>
   </p:cSld>
@@ -13751,7 +13794,7 @@
           <p:cNvPr id="2" name="Titel 1">
             <a:extLst>
               <a:ext uri="{FF2B5EF4-FFF2-40B4-BE49-F238E27FC236}">
-                <a16:creationId xmlns:a16="http://schemas.microsoft.com/office/drawing/2014/main" xmlns="" id="{594F37A0-8FD9-42A4-A80F-4C479182787E}"/>
+                <a16:creationId xmlns="" xmlns:a16="http://schemas.microsoft.com/office/drawing/2014/main" id="{594F37A0-8FD9-42A4-A80F-4C479182787E}"/>
               </a:ext>
             </a:extLst>
           </p:cNvPr>
@@ -13812,7 +13855,7 @@
           <p:cNvPr id="3" name="Inhaltsplatzhalter 2">
             <a:extLst>
               <a:ext uri="{FF2B5EF4-FFF2-40B4-BE49-F238E27FC236}">
-                <a16:creationId xmlns:a16="http://schemas.microsoft.com/office/drawing/2014/main" xmlns="" id="{B201CE33-F1D7-423B-B373-1D449812B3D5}"/>
+                <a16:creationId xmlns="" xmlns:a16="http://schemas.microsoft.com/office/drawing/2014/main" id="{B201CE33-F1D7-423B-B373-1D449812B3D5}"/>
               </a:ext>
             </a:extLst>
           </p:cNvPr>
@@ -13886,7 +13929,20 @@
             </a:r>
             <a:r>
               <a:rPr lang="de-DE" dirty="0"/>
-              <a:t> Words) 300 </a:t>
+              <a:t> Words) </a:t>
+            </a:r>
+            <a:r>
+              <a:rPr lang="de-DE" dirty="0" smtClean="0"/>
+              <a:t> - </a:t>
+            </a:r>
+          </a:p>
+          <a:p>
+            <a:pPr marL="0" lvl="1" indent="-7937">
+              <a:buNone/>
+            </a:pPr>
+            <a:r>
+              <a:rPr lang="de-DE" dirty="0" smtClean="0"/>
+              <a:t>300 </a:t>
             </a:r>
             <a:r>
               <a:rPr lang="de-DE" dirty="0" err="1"/>
@@ -14079,7 +14135,7 @@
           <p:cNvPr id="5" name="Pfeil: Chevron 4">
             <a:extLst>
               <a:ext uri="{FF2B5EF4-FFF2-40B4-BE49-F238E27FC236}">
-                <a16:creationId xmlns:a16="http://schemas.microsoft.com/office/drawing/2014/main" xmlns="" id="{FE16A436-3EBF-406A-A452-2785E92CA870}"/>
+                <a16:creationId xmlns="" xmlns:a16="http://schemas.microsoft.com/office/drawing/2014/main" id="{FE16A436-3EBF-406A-A452-2785E92CA870}"/>
               </a:ext>
             </a:extLst>
           </p:cNvPr>
@@ -14149,7 +14205,7 @@
           <p:cNvPr id="6" name="Pfeil: Chevron 5">
             <a:extLst>
               <a:ext uri="{FF2B5EF4-FFF2-40B4-BE49-F238E27FC236}">
-                <a16:creationId xmlns:a16="http://schemas.microsoft.com/office/drawing/2014/main" xmlns="" id="{4B425B4C-53B0-4FDA-90C8-3EAE519EFFB2}"/>
+                <a16:creationId xmlns="" xmlns:a16="http://schemas.microsoft.com/office/drawing/2014/main" id="{4B425B4C-53B0-4FDA-90C8-3EAE519EFFB2}"/>
               </a:ext>
             </a:extLst>
           </p:cNvPr>
@@ -14215,7 +14271,7 @@
           <p:cNvPr id="7" name="Pfeil: Chevron 6">
             <a:extLst>
               <a:ext uri="{FF2B5EF4-FFF2-40B4-BE49-F238E27FC236}">
-                <a16:creationId xmlns:a16="http://schemas.microsoft.com/office/drawing/2014/main" xmlns="" id="{14F5353B-3EA0-4F48-A473-08D522F34D71}"/>
+                <a16:creationId xmlns="" xmlns:a16="http://schemas.microsoft.com/office/drawing/2014/main" id="{14F5353B-3EA0-4F48-A473-08D522F34D71}"/>
               </a:ext>
             </a:extLst>
           </p:cNvPr>
@@ -14292,7 +14348,7 @@
           <p:cNvPr id="8" name="Pfeil: Chevron 7">
             <a:extLst>
               <a:ext uri="{FF2B5EF4-FFF2-40B4-BE49-F238E27FC236}">
-                <a16:creationId xmlns:a16="http://schemas.microsoft.com/office/drawing/2014/main" xmlns="" id="{655E865C-680E-47F4-9F87-B4EB179E321D}"/>
+                <a16:creationId xmlns="" xmlns:a16="http://schemas.microsoft.com/office/drawing/2014/main" id="{655E865C-680E-47F4-9F87-B4EB179E321D}"/>
               </a:ext>
             </a:extLst>
           </p:cNvPr>
@@ -14360,7 +14416,7 @@
     </p:spTree>
     <p:extLst>
       <p:ext uri="{BB962C8B-B14F-4D97-AF65-F5344CB8AC3E}">
-        <p14:creationId xmlns:p14="http://schemas.microsoft.com/office/powerpoint/2010/main" xmlns="" val="1019526638"/>
+        <p14:creationId xmlns:p14="http://schemas.microsoft.com/office/powerpoint/2010/main" val="1019526638"/>
       </p:ext>
     </p:extLst>
   </p:cSld>
@@ -14392,7 +14448,7 @@
           <p:cNvPr id="2" name="Titel 1">
             <a:extLst>
               <a:ext uri="{FF2B5EF4-FFF2-40B4-BE49-F238E27FC236}">
-                <a16:creationId xmlns:a16="http://schemas.microsoft.com/office/drawing/2014/main" xmlns="" id="{594F37A0-8FD9-42A4-A80F-4C479182787E}"/>
+                <a16:creationId xmlns="" xmlns:a16="http://schemas.microsoft.com/office/drawing/2014/main" id="{594F37A0-8FD9-42A4-A80F-4C479182787E}"/>
               </a:ext>
             </a:extLst>
           </p:cNvPr>
@@ -14456,7 +14512,11 @@
           </p:cNvGraphicFramePr>
           <p:nvPr>
             <p:ph idx="1"/>
-            <p:extLst/>
+            <p:extLst>
+              <p:ext uri="{D42A27DB-BD31-4B8C-83A1-F6EECF244321}">
+                <p14:modId xmlns:p14="http://schemas.microsoft.com/office/powerpoint/2010/main" val="1921975925"/>
+              </p:ext>
+            </p:extLst>
           </p:nvPr>
         </p:nvGraphicFramePr>
         <p:xfrm>
@@ -14473,21 +14533,21 @@
                 <a:gridCol w="2843742">
                   <a:extLst>
                     <a:ext uri="{9D8B030D-6E8A-4147-A177-3AD203B41FA5}">
-                      <a16:colId xmlns:a16="http://schemas.microsoft.com/office/drawing/2014/main" xmlns="" val="20000"/>
+                      <a16:colId xmlns="" xmlns:a16="http://schemas.microsoft.com/office/drawing/2014/main" val="20000"/>
                     </a:ext>
                   </a:extLst>
                 </a:gridCol>
                 <a:gridCol w="2843742">
                   <a:extLst>
                     <a:ext uri="{9D8B030D-6E8A-4147-A177-3AD203B41FA5}">
-                      <a16:colId xmlns:a16="http://schemas.microsoft.com/office/drawing/2014/main" xmlns="" val="20001"/>
+                      <a16:colId xmlns="" xmlns:a16="http://schemas.microsoft.com/office/drawing/2014/main" val="20001"/>
                     </a:ext>
                   </a:extLst>
                 </a:gridCol>
                 <a:gridCol w="2843742">
                   <a:extLst>
                     <a:ext uri="{9D8B030D-6E8A-4147-A177-3AD203B41FA5}">
-                      <a16:colId xmlns:a16="http://schemas.microsoft.com/office/drawing/2014/main" xmlns="" val="20002"/>
+                      <a16:colId xmlns="" xmlns:a16="http://schemas.microsoft.com/office/drawing/2014/main" val="20002"/>
                     </a:ext>
                   </a:extLst>
                 </a:gridCol>
@@ -14545,7 +14605,7 @@
                 </a:tc>
                 <a:extLst>
                   <a:ext uri="{0D108BD9-81ED-4DB2-BD59-A6C34878D82A}">
-                    <a16:rowId xmlns:a16="http://schemas.microsoft.com/office/drawing/2014/main" xmlns="" val="10000"/>
+                    <a16:rowId xmlns="" xmlns:a16="http://schemas.microsoft.com/office/drawing/2014/main" val="10000"/>
                   </a:ext>
                 </a:extLst>
               </a:tr>
@@ -14602,7 +14662,7 @@
                 </a:tc>
                 <a:extLst>
                   <a:ext uri="{0D108BD9-81ED-4DB2-BD59-A6C34878D82A}">
-                    <a16:rowId xmlns:a16="http://schemas.microsoft.com/office/drawing/2014/main" xmlns="" val="10001"/>
+                    <a16:rowId xmlns="" xmlns:a16="http://schemas.microsoft.com/office/drawing/2014/main" val="10001"/>
                   </a:ext>
                 </a:extLst>
               </a:tr>
@@ -14614,10 +14674,14 @@
                     <a:p>
                       <a:r>
                         <a:rPr lang="de-DE" dirty="0" err="1"/>
-                        <a:t>number</a:t>
+                        <a:t>N</a:t>
                       </a:r>
                       <a:r>
-                        <a:rPr lang="de-DE" dirty="0"/>
+                        <a:rPr lang="de-DE" dirty="0" err="1" smtClean="0"/>
+                        <a:t>umber</a:t>
+                      </a:r>
+                      <a:r>
+                        <a:rPr lang="de-DE" dirty="0" smtClean="0"/>
                         <a:t> </a:t>
                       </a:r>
                       <a:r>
@@ -14652,7 +14716,15 @@
                     <a:p>
                       <a:r>
                         <a:rPr lang="de-DE" dirty="0"/>
-                        <a:t>[1,2]</a:t>
+                        <a:t>[1</a:t>
+                      </a:r>
+                      <a:r>
+                        <a:rPr lang="de-DE" dirty="0" smtClean="0"/>
+                        <a:t>, 2</a:t>
+                      </a:r>
+                      <a:r>
+                        <a:rPr lang="de-DE" dirty="0"/>
+                        <a:t>]</a:t>
                       </a:r>
                       <a:endParaRPr lang="en-US" dirty="0"/>
                     </a:p>
@@ -14675,7 +14747,7 @@
                 </a:tc>
                 <a:extLst>
                   <a:ext uri="{0D108BD9-81ED-4DB2-BD59-A6C34878D82A}">
-                    <a16:rowId xmlns:a16="http://schemas.microsoft.com/office/drawing/2014/main" xmlns="" val="10002"/>
+                    <a16:rowId xmlns="" xmlns:a16="http://schemas.microsoft.com/office/drawing/2014/main" val="10002"/>
                   </a:ext>
                 </a:extLst>
               </a:tr>
@@ -14686,11 +14758,11 @@
                     <a:lstStyle/>
                     <a:p>
                       <a:r>
-                        <a:rPr lang="de-DE" dirty="0" err="1"/>
-                        <a:t>filter</a:t>
+                        <a:rPr lang="de-DE" dirty="0" smtClean="0"/>
+                        <a:t>Filter</a:t>
                       </a:r>
                       <a:r>
-                        <a:rPr lang="de-DE" baseline="0" dirty="0"/>
+                        <a:rPr lang="de-DE" baseline="0" dirty="0" smtClean="0"/>
                         <a:t> </a:t>
                       </a:r>
                       <a:r>
@@ -14716,8 +14788,8 @@
                     <a:lstStyle/>
                     <a:p>
                       <a:r>
-                        <a:rPr lang="de-DE" dirty="0"/>
-                        <a:t>[30, 60]</a:t>
+                        <a:rPr lang="en-US" dirty="0" smtClean="0"/>
+                        <a:t>[4, 7]</a:t>
                       </a:r>
                       <a:endParaRPr lang="en-US" dirty="0"/>
                     </a:p>
@@ -14730,11 +14802,11 @@
                     <a:lstStyle/>
                     <a:p>
                       <a:r>
-                        <a:rPr lang="de-DE" dirty="0"/>
+                        <a:rPr lang="de-DE" dirty="0" smtClean="0"/>
                         <a:t>6,</a:t>
                       </a:r>
                       <a:r>
-                        <a:rPr lang="de-DE" baseline="0" dirty="0"/>
+                        <a:rPr lang="de-DE" baseline="0" dirty="0" smtClean="0"/>
                         <a:t> 6</a:t>
                       </a:r>
                       <a:endParaRPr lang="en-US" dirty="0"/>
@@ -14744,7 +14816,7 @@
                 </a:tc>
                 <a:extLst>
                   <a:ext uri="{0D108BD9-81ED-4DB2-BD59-A6C34878D82A}">
-                    <a16:rowId xmlns:a16="http://schemas.microsoft.com/office/drawing/2014/main" xmlns="" val="10003"/>
+                    <a16:rowId xmlns="" xmlns:a16="http://schemas.microsoft.com/office/drawing/2014/main" val="10003"/>
                   </a:ext>
                 </a:extLst>
               </a:tr>
@@ -14793,12 +14865,8 @@
                     <a:lstStyle/>
                     <a:p>
                       <a:r>
-                        <a:rPr lang="de-DE" dirty="0"/>
-                        <a:t>[4,</a:t>
-                      </a:r>
-                      <a:r>
-                        <a:rPr lang="de-DE" baseline="0" dirty="0"/>
-                        <a:t> 7]</a:t>
+                        <a:rPr lang="de-DE" dirty="0" smtClean="0"/>
+                        <a:t>[30, 60]</a:t>
                       </a:r>
                       <a:endParaRPr lang="en-US" dirty="0"/>
                     </a:p>
@@ -14811,7 +14879,7 @@
                     <a:lstStyle/>
                     <a:p>
                       <a:r>
-                        <a:rPr lang="de-DE" dirty="0"/>
+                        <a:rPr lang="de-DE" dirty="0" smtClean="0"/>
                         <a:t>47, 42</a:t>
                       </a:r>
                       <a:endParaRPr lang="en-US" dirty="0"/>
@@ -14821,7 +14889,7 @@
                 </a:tc>
                 <a:extLst>
                   <a:ext uri="{0D108BD9-81ED-4DB2-BD59-A6C34878D82A}">
-                    <a16:rowId xmlns:a16="http://schemas.microsoft.com/office/drawing/2014/main" xmlns="" val="10004"/>
+                    <a16:rowId xmlns="" xmlns:a16="http://schemas.microsoft.com/office/drawing/2014/main" val="10004"/>
                   </a:ext>
                 </a:extLst>
               </a:tr>
@@ -14911,7 +14979,7 @@
                 </a:tc>
                 <a:extLst>
                   <a:ext uri="{0D108BD9-81ED-4DB2-BD59-A6C34878D82A}">
-                    <a16:rowId xmlns:a16="http://schemas.microsoft.com/office/drawing/2014/main" xmlns="" val="10005"/>
+                    <a16:rowId xmlns="" xmlns:a16="http://schemas.microsoft.com/office/drawing/2014/main" val="10005"/>
                   </a:ext>
                 </a:extLst>
               </a:tr>
@@ -14924,7 +14992,7 @@
           <p:cNvPr id="5" name="Pfeil: Chevron 4">
             <a:extLst>
               <a:ext uri="{FF2B5EF4-FFF2-40B4-BE49-F238E27FC236}">
-                <a16:creationId xmlns:a16="http://schemas.microsoft.com/office/drawing/2014/main" xmlns="" id="{FE16A436-3EBF-406A-A452-2785E92CA870}"/>
+                <a16:creationId xmlns="" xmlns:a16="http://schemas.microsoft.com/office/drawing/2014/main" id="{FE16A436-3EBF-406A-A452-2785E92CA870}"/>
               </a:ext>
             </a:extLst>
           </p:cNvPr>
@@ -14994,7 +15062,7 @@
           <p:cNvPr id="6" name="Pfeil: Chevron 5">
             <a:extLst>
               <a:ext uri="{FF2B5EF4-FFF2-40B4-BE49-F238E27FC236}">
-                <a16:creationId xmlns:a16="http://schemas.microsoft.com/office/drawing/2014/main" xmlns="" id="{4B425B4C-53B0-4FDA-90C8-3EAE519EFFB2}"/>
+                <a16:creationId xmlns="" xmlns:a16="http://schemas.microsoft.com/office/drawing/2014/main" id="{4B425B4C-53B0-4FDA-90C8-3EAE519EFFB2}"/>
               </a:ext>
             </a:extLst>
           </p:cNvPr>
@@ -15060,7 +15128,7 @@
           <p:cNvPr id="7" name="Pfeil: Chevron 6">
             <a:extLst>
               <a:ext uri="{FF2B5EF4-FFF2-40B4-BE49-F238E27FC236}">
-                <a16:creationId xmlns:a16="http://schemas.microsoft.com/office/drawing/2014/main" xmlns="" id="{14F5353B-3EA0-4F48-A473-08D522F34D71}"/>
+                <a16:creationId xmlns="" xmlns:a16="http://schemas.microsoft.com/office/drawing/2014/main" id="{14F5353B-3EA0-4F48-A473-08D522F34D71}"/>
               </a:ext>
             </a:extLst>
           </p:cNvPr>
@@ -15137,7 +15205,7 @@
           <p:cNvPr id="8" name="Pfeil: Chevron 7">
             <a:extLst>
               <a:ext uri="{FF2B5EF4-FFF2-40B4-BE49-F238E27FC236}">
-                <a16:creationId xmlns:a16="http://schemas.microsoft.com/office/drawing/2014/main" xmlns="" id="{655E865C-680E-47F4-9F87-B4EB179E321D}"/>
+                <a16:creationId xmlns="" xmlns:a16="http://schemas.microsoft.com/office/drawing/2014/main" id="{655E865C-680E-47F4-9F87-B4EB179E321D}"/>
               </a:ext>
             </a:extLst>
           </p:cNvPr>
@@ -15205,7 +15273,7 @@
     </p:spTree>
     <p:extLst>
       <p:ext uri="{BB962C8B-B14F-4D97-AF65-F5344CB8AC3E}">
-        <p14:creationId xmlns:p14="http://schemas.microsoft.com/office/powerpoint/2010/main" xmlns="" val="1053902206"/>
+        <p14:creationId xmlns:p14="http://schemas.microsoft.com/office/powerpoint/2010/main" val="1053902206"/>
       </p:ext>
     </p:extLst>
   </p:cSld>
@@ -15237,7 +15305,7 @@
           <p:cNvPr id="2" name="Titel 1">
             <a:extLst>
               <a:ext uri="{FF2B5EF4-FFF2-40B4-BE49-F238E27FC236}">
-                <a16:creationId xmlns:a16="http://schemas.microsoft.com/office/drawing/2014/main" xmlns="" id="{594F37A0-8FD9-42A4-A80F-4C479182787E}"/>
+                <a16:creationId xmlns="" xmlns:a16="http://schemas.microsoft.com/office/drawing/2014/main" id="{594F37A0-8FD9-42A4-A80F-4C479182787E}"/>
               </a:ext>
             </a:extLst>
           </p:cNvPr>
@@ -15298,7 +15366,7 @@
           <p:cNvPr id="5" name="Pfeil: Chevron 4">
             <a:extLst>
               <a:ext uri="{FF2B5EF4-FFF2-40B4-BE49-F238E27FC236}">
-                <a16:creationId xmlns:a16="http://schemas.microsoft.com/office/drawing/2014/main" xmlns="" id="{FE16A436-3EBF-406A-A452-2785E92CA870}"/>
+                <a16:creationId xmlns="" xmlns:a16="http://schemas.microsoft.com/office/drawing/2014/main" id="{FE16A436-3EBF-406A-A452-2785E92CA870}"/>
               </a:ext>
             </a:extLst>
           </p:cNvPr>
@@ -15368,7 +15436,7 @@
           <p:cNvPr id="6" name="Pfeil: Chevron 5">
             <a:extLst>
               <a:ext uri="{FF2B5EF4-FFF2-40B4-BE49-F238E27FC236}">
-                <a16:creationId xmlns:a16="http://schemas.microsoft.com/office/drawing/2014/main" xmlns="" id="{4B425B4C-53B0-4FDA-90C8-3EAE519EFFB2}"/>
+                <a16:creationId xmlns="" xmlns:a16="http://schemas.microsoft.com/office/drawing/2014/main" id="{4B425B4C-53B0-4FDA-90C8-3EAE519EFFB2}"/>
               </a:ext>
             </a:extLst>
           </p:cNvPr>
@@ -15434,7 +15502,7 @@
           <p:cNvPr id="7" name="Pfeil: Chevron 6">
             <a:extLst>
               <a:ext uri="{FF2B5EF4-FFF2-40B4-BE49-F238E27FC236}">
-                <a16:creationId xmlns:a16="http://schemas.microsoft.com/office/drawing/2014/main" xmlns="" id="{14F5353B-3EA0-4F48-A473-08D522F34D71}"/>
+                <a16:creationId xmlns="" xmlns:a16="http://schemas.microsoft.com/office/drawing/2014/main" id="{14F5353B-3EA0-4F48-A473-08D522F34D71}"/>
               </a:ext>
             </a:extLst>
           </p:cNvPr>
@@ -15511,7 +15579,7 @@
           <p:cNvPr id="8" name="Pfeil: Chevron 7">
             <a:extLst>
               <a:ext uri="{FF2B5EF4-FFF2-40B4-BE49-F238E27FC236}">
-                <a16:creationId xmlns:a16="http://schemas.microsoft.com/office/drawing/2014/main" xmlns="" id="{655E865C-680E-47F4-9F87-B4EB179E321D}"/>
+                <a16:creationId xmlns="" xmlns:a16="http://schemas.microsoft.com/office/drawing/2014/main" id="{655E865C-680E-47F4-9F87-B4EB179E321D}"/>
               </a:ext>
             </a:extLst>
           </p:cNvPr>
@@ -15592,13 +15660,13 @@
           <a:lstStyle/>
           <a:p>
             <a:r>
-              <a:rPr lang="de-DE" dirty="0"/>
+              <a:rPr lang="de-DE" b="1" dirty="0"/>
               <a:t>Precision = 52%</a:t>
             </a:r>
           </a:p>
           <a:p>
             <a:r>
-              <a:rPr lang="de-DE" dirty="0"/>
+              <a:rPr lang="de-DE" b="1" dirty="0"/>
               <a:t>Recall = 5.9%</a:t>
             </a:r>
           </a:p>
@@ -15712,10 +15780,9 @@
               <a:t>probability</a:t>
             </a:r>
             <a:r>
-              <a:rPr lang="de-DE"/>
+              <a:rPr lang="de-DE" dirty="0"/>
               <a:t> score</a:t>
             </a:r>
-            <a:endParaRPr lang="de-DE" dirty="0"/>
           </a:p>
           <a:p>
             <a:r>
@@ -15792,7 +15859,7 @@
     </p:spTree>
     <p:extLst>
       <p:ext uri="{BB962C8B-B14F-4D97-AF65-F5344CB8AC3E}">
-        <p14:creationId xmlns:p14="http://schemas.microsoft.com/office/powerpoint/2010/main" xmlns="" val="2830653720"/>
+        <p14:creationId xmlns:p14="http://schemas.microsoft.com/office/powerpoint/2010/main" val="2830653720"/>
       </p:ext>
     </p:extLst>
   </p:cSld>
@@ -15824,7 +15891,7 @@
           <p:cNvPr id="2" name="Titel 1">
             <a:extLst>
               <a:ext uri="{FF2B5EF4-FFF2-40B4-BE49-F238E27FC236}">
-                <a16:creationId xmlns:a16="http://schemas.microsoft.com/office/drawing/2014/main" xmlns="" id="{594F37A0-8FD9-42A4-A80F-4C479182787E}"/>
+                <a16:creationId xmlns="" xmlns:a16="http://schemas.microsoft.com/office/drawing/2014/main" id="{594F37A0-8FD9-42A4-A80F-4C479182787E}"/>
               </a:ext>
             </a:extLst>
           </p:cNvPr>
@@ -15888,7 +15955,7 @@
           <p:cNvPr id="3" name="Inhaltsplatzhalter 2">
             <a:extLst>
               <a:ext uri="{FF2B5EF4-FFF2-40B4-BE49-F238E27FC236}">
-                <a16:creationId xmlns:a16="http://schemas.microsoft.com/office/drawing/2014/main" xmlns="" id="{B201CE33-F1D7-423B-B373-1D449812B3D5}"/>
+                <a16:creationId xmlns="" xmlns:a16="http://schemas.microsoft.com/office/drawing/2014/main" id="{B201CE33-F1D7-423B-B373-1D449812B3D5}"/>
               </a:ext>
             </a:extLst>
           </p:cNvPr>
@@ -16219,7 +16286,7 @@
           <p:cNvPr id="5" name="Pfeil: Chevron 4">
             <a:extLst>
               <a:ext uri="{FF2B5EF4-FFF2-40B4-BE49-F238E27FC236}">
-                <a16:creationId xmlns:a16="http://schemas.microsoft.com/office/drawing/2014/main" xmlns="" id="{FE16A436-3EBF-406A-A452-2785E92CA870}"/>
+                <a16:creationId xmlns="" xmlns:a16="http://schemas.microsoft.com/office/drawing/2014/main" id="{FE16A436-3EBF-406A-A452-2785E92CA870}"/>
               </a:ext>
             </a:extLst>
           </p:cNvPr>
@@ -16289,7 +16356,7 @@
           <p:cNvPr id="6" name="Pfeil: Chevron 5">
             <a:extLst>
               <a:ext uri="{FF2B5EF4-FFF2-40B4-BE49-F238E27FC236}">
-                <a16:creationId xmlns:a16="http://schemas.microsoft.com/office/drawing/2014/main" xmlns="" id="{4B425B4C-53B0-4FDA-90C8-3EAE519EFFB2}"/>
+                <a16:creationId xmlns="" xmlns:a16="http://schemas.microsoft.com/office/drawing/2014/main" id="{4B425B4C-53B0-4FDA-90C8-3EAE519EFFB2}"/>
               </a:ext>
             </a:extLst>
           </p:cNvPr>
@@ -16355,7 +16422,7 @@
           <p:cNvPr id="7" name="Pfeil: Chevron 6">
             <a:extLst>
               <a:ext uri="{FF2B5EF4-FFF2-40B4-BE49-F238E27FC236}">
-                <a16:creationId xmlns:a16="http://schemas.microsoft.com/office/drawing/2014/main" xmlns="" id="{14F5353B-3EA0-4F48-A473-08D522F34D71}"/>
+                <a16:creationId xmlns="" xmlns:a16="http://schemas.microsoft.com/office/drawing/2014/main" id="{14F5353B-3EA0-4F48-A473-08D522F34D71}"/>
               </a:ext>
             </a:extLst>
           </p:cNvPr>
@@ -16432,7 +16499,7 @@
           <p:cNvPr id="8" name="Pfeil: Chevron 7">
             <a:extLst>
               <a:ext uri="{FF2B5EF4-FFF2-40B4-BE49-F238E27FC236}">
-                <a16:creationId xmlns:a16="http://schemas.microsoft.com/office/drawing/2014/main" xmlns="" id="{655E865C-680E-47F4-9F87-B4EB179E321D}"/>
+                <a16:creationId xmlns="" xmlns:a16="http://schemas.microsoft.com/office/drawing/2014/main" id="{655E865C-680E-47F4-9F87-B4EB179E321D}"/>
               </a:ext>
             </a:extLst>
           </p:cNvPr>
@@ -16500,7 +16567,7 @@
     </p:spTree>
     <p:extLst>
       <p:ext uri="{BB962C8B-B14F-4D97-AF65-F5344CB8AC3E}">
-        <p14:creationId xmlns:p14="http://schemas.microsoft.com/office/powerpoint/2010/main" xmlns="" val="2315418219"/>
+        <p14:creationId xmlns:p14="http://schemas.microsoft.com/office/powerpoint/2010/main" val="2315418219"/>
       </p:ext>
     </p:extLst>
   </p:cSld>
@@ -16532,7 +16599,7 @@
           <p:cNvPr id="2" name="Titel 1">
             <a:extLst>
               <a:ext uri="{FF2B5EF4-FFF2-40B4-BE49-F238E27FC236}">
-                <a16:creationId xmlns:a16="http://schemas.microsoft.com/office/drawing/2014/main" xmlns="" id="{594F37A0-8FD9-42A4-A80F-4C479182787E}"/>
+                <a16:creationId xmlns="" xmlns:a16="http://schemas.microsoft.com/office/drawing/2014/main" id="{594F37A0-8FD9-42A4-A80F-4C479182787E}"/>
               </a:ext>
             </a:extLst>
           </p:cNvPr>
@@ -16580,7 +16647,7 @@
           <p:cNvPr id="5" name="Pfeil: Chevron 4">
             <a:extLst>
               <a:ext uri="{FF2B5EF4-FFF2-40B4-BE49-F238E27FC236}">
-                <a16:creationId xmlns:a16="http://schemas.microsoft.com/office/drawing/2014/main" xmlns="" id="{FE16A436-3EBF-406A-A452-2785E92CA870}"/>
+                <a16:creationId xmlns="" xmlns:a16="http://schemas.microsoft.com/office/drawing/2014/main" id="{FE16A436-3EBF-406A-A452-2785E92CA870}"/>
               </a:ext>
             </a:extLst>
           </p:cNvPr>
@@ -16650,7 +16717,7 @@
           <p:cNvPr id="6" name="Pfeil: Chevron 5">
             <a:extLst>
               <a:ext uri="{FF2B5EF4-FFF2-40B4-BE49-F238E27FC236}">
-                <a16:creationId xmlns:a16="http://schemas.microsoft.com/office/drawing/2014/main" xmlns="" id="{4B425B4C-53B0-4FDA-90C8-3EAE519EFFB2}"/>
+                <a16:creationId xmlns="" xmlns:a16="http://schemas.microsoft.com/office/drawing/2014/main" id="{4B425B4C-53B0-4FDA-90C8-3EAE519EFFB2}"/>
               </a:ext>
             </a:extLst>
           </p:cNvPr>
@@ -16716,7 +16783,7 @@
           <p:cNvPr id="7" name="Pfeil: Chevron 6">
             <a:extLst>
               <a:ext uri="{FF2B5EF4-FFF2-40B4-BE49-F238E27FC236}">
-                <a16:creationId xmlns:a16="http://schemas.microsoft.com/office/drawing/2014/main" xmlns="" id="{14F5353B-3EA0-4F48-A473-08D522F34D71}"/>
+                <a16:creationId xmlns="" xmlns:a16="http://schemas.microsoft.com/office/drawing/2014/main" id="{14F5353B-3EA0-4F48-A473-08D522F34D71}"/>
               </a:ext>
             </a:extLst>
           </p:cNvPr>
@@ -16793,7 +16860,7 @@
           <p:cNvPr id="8" name="Pfeil: Chevron 7">
             <a:extLst>
               <a:ext uri="{FF2B5EF4-FFF2-40B4-BE49-F238E27FC236}">
-                <a16:creationId xmlns:a16="http://schemas.microsoft.com/office/drawing/2014/main" xmlns="" id="{655E865C-680E-47F4-9F87-B4EB179E321D}"/>
+                <a16:creationId xmlns="" xmlns:a16="http://schemas.microsoft.com/office/drawing/2014/main" id="{655E865C-680E-47F4-9F87-B4EB179E321D}"/>
               </a:ext>
             </a:extLst>
           </p:cNvPr>
@@ -16863,7 +16930,7 @@
           <p:cNvPr id="15" name="Rechteck 14">
             <a:extLst>
               <a:ext uri="{FF2B5EF4-FFF2-40B4-BE49-F238E27FC236}">
-                <a16:creationId xmlns:a16="http://schemas.microsoft.com/office/drawing/2014/main" xmlns="" id="{12090F8B-0EE1-49C0-8557-731AE5DB00E1}"/>
+                <a16:creationId xmlns="" xmlns:a16="http://schemas.microsoft.com/office/drawing/2014/main" id="{12090F8B-0EE1-49C0-8557-731AE5DB00E1}"/>
               </a:ext>
             </a:extLst>
           </p:cNvPr>
@@ -16920,7 +16987,7 @@
           <p:cNvPr id="114" name="Gruppieren 113">
             <a:extLst>
               <a:ext uri="{FF2B5EF4-FFF2-40B4-BE49-F238E27FC236}">
-                <a16:creationId xmlns:a16="http://schemas.microsoft.com/office/drawing/2014/main" xmlns="" id="{E6ABE55B-B737-45A5-9001-1C156E9900C9}"/>
+                <a16:creationId xmlns="" xmlns:a16="http://schemas.microsoft.com/office/drawing/2014/main" id="{E6ABE55B-B737-45A5-9001-1C156E9900C9}"/>
               </a:ext>
             </a:extLst>
           </p:cNvPr>
@@ -16940,7 +17007,7 @@
             <p:cNvPr id="4" name="Ellipse 3">
               <a:extLst>
                 <a:ext uri="{FF2B5EF4-FFF2-40B4-BE49-F238E27FC236}">
-                  <a16:creationId xmlns:a16="http://schemas.microsoft.com/office/drawing/2014/main" xmlns="" id="{F0E964B3-6D49-469E-9C44-5D8C1D2F9E5C}"/>
+                  <a16:creationId xmlns="" xmlns:a16="http://schemas.microsoft.com/office/drawing/2014/main" id="{F0E964B3-6D49-469E-9C44-5D8C1D2F9E5C}"/>
                 </a:ext>
               </a:extLst>
             </p:cNvPr>
@@ -16994,7 +17061,7 @@
             <p:cNvPr id="9" name="Ellipse 8">
               <a:extLst>
                 <a:ext uri="{FF2B5EF4-FFF2-40B4-BE49-F238E27FC236}">
-                  <a16:creationId xmlns:a16="http://schemas.microsoft.com/office/drawing/2014/main" xmlns="" id="{ADFDBF9F-C58C-4E59-8263-6B2AFBB59D68}"/>
+                  <a16:creationId xmlns="" xmlns:a16="http://schemas.microsoft.com/office/drawing/2014/main" id="{ADFDBF9F-C58C-4E59-8263-6B2AFBB59D68}"/>
                 </a:ext>
               </a:extLst>
             </p:cNvPr>
@@ -17053,7 +17120,7 @@
             <p:cNvPr id="10" name="Ellipse 9">
               <a:extLst>
                 <a:ext uri="{FF2B5EF4-FFF2-40B4-BE49-F238E27FC236}">
-                  <a16:creationId xmlns:a16="http://schemas.microsoft.com/office/drawing/2014/main" xmlns="" id="{6E82B9C2-2F86-4A8F-9ABA-1526C833BC56}"/>
+                  <a16:creationId xmlns="" xmlns:a16="http://schemas.microsoft.com/office/drawing/2014/main" id="{6E82B9C2-2F86-4A8F-9ABA-1526C833BC56}"/>
                 </a:ext>
               </a:extLst>
             </p:cNvPr>
@@ -17112,7 +17179,7 @@
             <p:cNvPr id="11" name="Rechteck 10">
               <a:extLst>
                 <a:ext uri="{FF2B5EF4-FFF2-40B4-BE49-F238E27FC236}">
-                  <a16:creationId xmlns:a16="http://schemas.microsoft.com/office/drawing/2014/main" xmlns="" id="{39F4554A-C759-4B45-BA17-E3D0CC30F7A4}"/>
+                  <a16:creationId xmlns="" xmlns:a16="http://schemas.microsoft.com/office/drawing/2014/main" id="{39F4554A-C759-4B45-BA17-E3D0CC30F7A4}"/>
                 </a:ext>
               </a:extLst>
             </p:cNvPr>
@@ -17166,7 +17233,7 @@
             <p:cNvPr id="12" name="Rechteck 11">
               <a:extLst>
                 <a:ext uri="{FF2B5EF4-FFF2-40B4-BE49-F238E27FC236}">
-                  <a16:creationId xmlns:a16="http://schemas.microsoft.com/office/drawing/2014/main" xmlns="" id="{83682C4F-3C3C-4F89-8DD4-F0F006A9E86B}"/>
+                  <a16:creationId xmlns="" xmlns:a16="http://schemas.microsoft.com/office/drawing/2014/main" id="{83682C4F-3C3C-4F89-8DD4-F0F006A9E86B}"/>
                 </a:ext>
               </a:extLst>
             </p:cNvPr>
@@ -17220,7 +17287,7 @@
             <p:cNvPr id="13" name="Rechteck 12">
               <a:extLst>
                 <a:ext uri="{FF2B5EF4-FFF2-40B4-BE49-F238E27FC236}">
-                  <a16:creationId xmlns:a16="http://schemas.microsoft.com/office/drawing/2014/main" xmlns="" id="{4991D9FD-ADB5-463B-857D-54D2BE5F4444}"/>
+                  <a16:creationId xmlns="" xmlns:a16="http://schemas.microsoft.com/office/drawing/2014/main" id="{4991D9FD-ADB5-463B-857D-54D2BE5F4444}"/>
                 </a:ext>
               </a:extLst>
             </p:cNvPr>
@@ -17274,7 +17341,7 @@
             <p:cNvPr id="22" name="Gerader Verbinder 21">
               <a:extLst>
                 <a:ext uri="{FF2B5EF4-FFF2-40B4-BE49-F238E27FC236}">
-                  <a16:creationId xmlns:a16="http://schemas.microsoft.com/office/drawing/2014/main" xmlns="" id="{89C5445D-AE0B-4065-B5C2-C4BA4D894B33}"/>
+                  <a16:creationId xmlns="" xmlns:a16="http://schemas.microsoft.com/office/drawing/2014/main" id="{89C5445D-AE0B-4065-B5C2-C4BA4D894B33}"/>
                 </a:ext>
               </a:extLst>
             </p:cNvPr>
@@ -17319,7 +17386,7 @@
             <p:cNvPr id="25" name="Gerader Verbinder 24">
               <a:extLst>
                 <a:ext uri="{FF2B5EF4-FFF2-40B4-BE49-F238E27FC236}">
-                  <a16:creationId xmlns:a16="http://schemas.microsoft.com/office/drawing/2014/main" xmlns="" id="{0AC5CD99-8C18-4714-86BA-1DABD14BEEB1}"/>
+                  <a16:creationId xmlns="" xmlns:a16="http://schemas.microsoft.com/office/drawing/2014/main" id="{0AC5CD99-8C18-4714-86BA-1DABD14BEEB1}"/>
                 </a:ext>
               </a:extLst>
             </p:cNvPr>
@@ -17364,7 +17431,7 @@
             <p:cNvPr id="27" name="Gerader Verbinder 26">
               <a:extLst>
                 <a:ext uri="{FF2B5EF4-FFF2-40B4-BE49-F238E27FC236}">
-                  <a16:creationId xmlns:a16="http://schemas.microsoft.com/office/drawing/2014/main" xmlns="" id="{372D202C-DBE8-4CD3-B126-8EC7F0EED127}"/>
+                  <a16:creationId xmlns="" xmlns:a16="http://schemas.microsoft.com/office/drawing/2014/main" id="{372D202C-DBE8-4CD3-B126-8EC7F0EED127}"/>
                 </a:ext>
               </a:extLst>
             </p:cNvPr>
@@ -17408,7 +17475,7 @@
             <p:cNvPr id="44" name="Rechteck 43">
               <a:extLst>
                 <a:ext uri="{FF2B5EF4-FFF2-40B4-BE49-F238E27FC236}">
-                  <a16:creationId xmlns:a16="http://schemas.microsoft.com/office/drawing/2014/main" xmlns="" id="{E9A62879-336C-4C6A-8645-8EA91AEDC01B}"/>
+                  <a16:creationId xmlns="" xmlns:a16="http://schemas.microsoft.com/office/drawing/2014/main" id="{E9A62879-336C-4C6A-8645-8EA91AEDC01B}"/>
                 </a:ext>
               </a:extLst>
             </p:cNvPr>
@@ -17462,7 +17529,7 @@
             <p:cNvPr id="47" name="Gerader Verbinder 46">
               <a:extLst>
                 <a:ext uri="{FF2B5EF4-FFF2-40B4-BE49-F238E27FC236}">
-                  <a16:creationId xmlns:a16="http://schemas.microsoft.com/office/drawing/2014/main" xmlns="" id="{38733F2E-2EFE-4A11-9767-E5DFD6723791}"/>
+                  <a16:creationId xmlns="" xmlns:a16="http://schemas.microsoft.com/office/drawing/2014/main" id="{38733F2E-2EFE-4A11-9767-E5DFD6723791}"/>
                 </a:ext>
               </a:extLst>
             </p:cNvPr>
@@ -17506,7 +17573,7 @@
             <p:cNvPr id="48" name="Rechteck 47">
               <a:extLst>
                 <a:ext uri="{FF2B5EF4-FFF2-40B4-BE49-F238E27FC236}">
-                  <a16:creationId xmlns:a16="http://schemas.microsoft.com/office/drawing/2014/main" xmlns="" id="{F9091B22-61DA-4C09-A0B8-1DF18DB2F2FC}"/>
+                  <a16:creationId xmlns="" xmlns:a16="http://schemas.microsoft.com/office/drawing/2014/main" id="{F9091B22-61DA-4C09-A0B8-1DF18DB2F2FC}"/>
                 </a:ext>
               </a:extLst>
             </p:cNvPr>
@@ -17560,7 +17627,7 @@
             <p:cNvPr id="49" name="Gerader Verbinder 48">
               <a:extLst>
                 <a:ext uri="{FF2B5EF4-FFF2-40B4-BE49-F238E27FC236}">
-                  <a16:creationId xmlns:a16="http://schemas.microsoft.com/office/drawing/2014/main" xmlns="" id="{682E47F6-D19D-46F3-91A1-0B8575F8DFCC}"/>
+                  <a16:creationId xmlns="" xmlns:a16="http://schemas.microsoft.com/office/drawing/2014/main" id="{682E47F6-D19D-46F3-91A1-0B8575F8DFCC}"/>
                 </a:ext>
               </a:extLst>
             </p:cNvPr>
@@ -17606,7 +17673,7 @@
           <p:cNvPr id="43" name="Rechteck 42">
             <a:extLst>
               <a:ext uri="{FF2B5EF4-FFF2-40B4-BE49-F238E27FC236}">
-                <a16:creationId xmlns:a16="http://schemas.microsoft.com/office/drawing/2014/main" xmlns="" id="{833A77D8-B216-4736-917E-D828CF33C81B}"/>
+                <a16:creationId xmlns="" xmlns:a16="http://schemas.microsoft.com/office/drawing/2014/main" id="{833A77D8-B216-4736-917E-D828CF33C81B}"/>
               </a:ext>
             </a:extLst>
           </p:cNvPr>
@@ -17663,7 +17730,7 @@
           <p:cNvPr id="54" name="Ellipse 53">
             <a:extLst>
               <a:ext uri="{FF2B5EF4-FFF2-40B4-BE49-F238E27FC236}">
-                <a16:creationId xmlns:a16="http://schemas.microsoft.com/office/drawing/2014/main" xmlns="" id="{0724EC24-76F0-415C-8D88-713BB341AC8D}"/>
+                <a16:creationId xmlns="" xmlns:a16="http://schemas.microsoft.com/office/drawing/2014/main" id="{0724EC24-76F0-415C-8D88-713BB341AC8D}"/>
               </a:ext>
             </a:extLst>
           </p:cNvPr>
@@ -17717,7 +17784,7 @@
           <p:cNvPr id="55" name="Ellipse 54">
             <a:extLst>
               <a:ext uri="{FF2B5EF4-FFF2-40B4-BE49-F238E27FC236}">
-                <a16:creationId xmlns:a16="http://schemas.microsoft.com/office/drawing/2014/main" xmlns="" id="{39199409-4122-40F0-A3D6-D4A3D696E9EA}"/>
+                <a16:creationId xmlns="" xmlns:a16="http://schemas.microsoft.com/office/drawing/2014/main" id="{39199409-4122-40F0-A3D6-D4A3D696E9EA}"/>
               </a:ext>
             </a:extLst>
           </p:cNvPr>
@@ -17776,7 +17843,7 @@
           <p:cNvPr id="56" name="Ellipse 55">
             <a:extLst>
               <a:ext uri="{FF2B5EF4-FFF2-40B4-BE49-F238E27FC236}">
-                <a16:creationId xmlns:a16="http://schemas.microsoft.com/office/drawing/2014/main" xmlns="" id="{6D93231C-9D23-479A-9BEA-0BBE1012E65C}"/>
+                <a16:creationId xmlns="" xmlns:a16="http://schemas.microsoft.com/office/drawing/2014/main" id="{6D93231C-9D23-479A-9BEA-0BBE1012E65C}"/>
               </a:ext>
             </a:extLst>
           </p:cNvPr>
@@ -17835,7 +17902,7 @@
           <p:cNvPr id="57" name="Rechteck 56">
             <a:extLst>
               <a:ext uri="{FF2B5EF4-FFF2-40B4-BE49-F238E27FC236}">
-                <a16:creationId xmlns:a16="http://schemas.microsoft.com/office/drawing/2014/main" xmlns="" id="{8F74F4B6-8262-4239-BE3B-938FB62046E6}"/>
+                <a16:creationId xmlns="" xmlns:a16="http://schemas.microsoft.com/office/drawing/2014/main" id="{8F74F4B6-8262-4239-BE3B-938FB62046E6}"/>
               </a:ext>
             </a:extLst>
           </p:cNvPr>
@@ -17889,7 +17956,7 @@
           <p:cNvPr id="58" name="Rechteck 57">
             <a:extLst>
               <a:ext uri="{FF2B5EF4-FFF2-40B4-BE49-F238E27FC236}">
-                <a16:creationId xmlns:a16="http://schemas.microsoft.com/office/drawing/2014/main" xmlns="" id="{799332C2-2C18-4638-9DE9-D0A34DBA71B5}"/>
+                <a16:creationId xmlns="" xmlns:a16="http://schemas.microsoft.com/office/drawing/2014/main" id="{799332C2-2C18-4638-9DE9-D0A34DBA71B5}"/>
               </a:ext>
             </a:extLst>
           </p:cNvPr>
@@ -17943,7 +18010,7 @@
           <p:cNvPr id="59" name="Rechteck 58">
             <a:extLst>
               <a:ext uri="{FF2B5EF4-FFF2-40B4-BE49-F238E27FC236}">
-                <a16:creationId xmlns:a16="http://schemas.microsoft.com/office/drawing/2014/main" xmlns="" id="{5D41B586-D3AE-4077-8CB3-BEECBB837D3F}"/>
+                <a16:creationId xmlns="" xmlns:a16="http://schemas.microsoft.com/office/drawing/2014/main" id="{5D41B586-D3AE-4077-8CB3-BEECBB837D3F}"/>
               </a:ext>
             </a:extLst>
           </p:cNvPr>
@@ -17997,7 +18064,7 @@
           <p:cNvPr id="60" name="Gerader Verbinder 59">
             <a:extLst>
               <a:ext uri="{FF2B5EF4-FFF2-40B4-BE49-F238E27FC236}">
-                <a16:creationId xmlns:a16="http://schemas.microsoft.com/office/drawing/2014/main" xmlns="" id="{D5015C48-E06F-4A8A-A0C8-4E0716AA2807}"/>
+                <a16:creationId xmlns="" xmlns:a16="http://schemas.microsoft.com/office/drawing/2014/main" id="{D5015C48-E06F-4A8A-A0C8-4E0716AA2807}"/>
               </a:ext>
             </a:extLst>
           </p:cNvPr>
@@ -18042,7 +18109,7 @@
           <p:cNvPr id="61" name="Gerader Verbinder 60">
             <a:extLst>
               <a:ext uri="{FF2B5EF4-FFF2-40B4-BE49-F238E27FC236}">
-                <a16:creationId xmlns:a16="http://schemas.microsoft.com/office/drawing/2014/main" xmlns="" id="{85D53691-3F55-48F0-90C5-B5D3DB4A5664}"/>
+                <a16:creationId xmlns="" xmlns:a16="http://schemas.microsoft.com/office/drawing/2014/main" id="{85D53691-3F55-48F0-90C5-B5D3DB4A5664}"/>
               </a:ext>
             </a:extLst>
           </p:cNvPr>
@@ -18087,7 +18154,7 @@
           <p:cNvPr id="62" name="Gerader Verbinder 61">
             <a:extLst>
               <a:ext uri="{FF2B5EF4-FFF2-40B4-BE49-F238E27FC236}">
-                <a16:creationId xmlns:a16="http://schemas.microsoft.com/office/drawing/2014/main" xmlns="" id="{BE80E97D-A8EF-4F78-A86E-E4EA61C7D153}"/>
+                <a16:creationId xmlns="" xmlns:a16="http://schemas.microsoft.com/office/drawing/2014/main" id="{BE80E97D-A8EF-4F78-A86E-E4EA61C7D153}"/>
               </a:ext>
             </a:extLst>
           </p:cNvPr>
@@ -18131,7 +18198,7 @@
           <p:cNvPr id="63" name="Rechteck 62">
             <a:extLst>
               <a:ext uri="{FF2B5EF4-FFF2-40B4-BE49-F238E27FC236}">
-                <a16:creationId xmlns:a16="http://schemas.microsoft.com/office/drawing/2014/main" xmlns="" id="{8F11F71D-CAF2-4CCF-B270-36BE066CDF14}"/>
+                <a16:creationId xmlns="" xmlns:a16="http://schemas.microsoft.com/office/drawing/2014/main" id="{8F11F71D-CAF2-4CCF-B270-36BE066CDF14}"/>
               </a:ext>
             </a:extLst>
           </p:cNvPr>
@@ -18185,7 +18252,7 @@
           <p:cNvPr id="64" name="Gerader Verbinder 63">
             <a:extLst>
               <a:ext uri="{FF2B5EF4-FFF2-40B4-BE49-F238E27FC236}">
-                <a16:creationId xmlns:a16="http://schemas.microsoft.com/office/drawing/2014/main" xmlns="" id="{CA102292-B757-4C9D-985D-5BD63D82B0D6}"/>
+                <a16:creationId xmlns="" xmlns:a16="http://schemas.microsoft.com/office/drawing/2014/main" id="{CA102292-B757-4C9D-985D-5BD63D82B0D6}"/>
               </a:ext>
             </a:extLst>
           </p:cNvPr>
@@ -18229,7 +18296,7 @@
           <p:cNvPr id="65" name="Rechteck 64">
             <a:extLst>
               <a:ext uri="{FF2B5EF4-FFF2-40B4-BE49-F238E27FC236}">
-                <a16:creationId xmlns:a16="http://schemas.microsoft.com/office/drawing/2014/main" xmlns="" id="{41489995-E092-4825-91F0-5DC202A1C2BB}"/>
+                <a16:creationId xmlns="" xmlns:a16="http://schemas.microsoft.com/office/drawing/2014/main" id="{41489995-E092-4825-91F0-5DC202A1C2BB}"/>
               </a:ext>
             </a:extLst>
           </p:cNvPr>
@@ -18283,7 +18350,7 @@
           <p:cNvPr id="66" name="Gerader Verbinder 65">
             <a:extLst>
               <a:ext uri="{FF2B5EF4-FFF2-40B4-BE49-F238E27FC236}">
-                <a16:creationId xmlns:a16="http://schemas.microsoft.com/office/drawing/2014/main" xmlns="" id="{DDFE0BAE-6703-4B9C-89B0-47C6B7620641}"/>
+                <a16:creationId xmlns="" xmlns:a16="http://schemas.microsoft.com/office/drawing/2014/main" id="{DDFE0BAE-6703-4B9C-89B0-47C6B7620641}"/>
               </a:ext>
             </a:extLst>
           </p:cNvPr>
@@ -18328,7 +18395,7 @@
           <p:cNvPr id="121" name="Gruppieren 120">
             <a:extLst>
               <a:ext uri="{FF2B5EF4-FFF2-40B4-BE49-F238E27FC236}">
-                <a16:creationId xmlns:a16="http://schemas.microsoft.com/office/drawing/2014/main" xmlns="" id="{D1E3AF41-3409-43D2-9206-1FCB776CEE95}"/>
+                <a16:creationId xmlns="" xmlns:a16="http://schemas.microsoft.com/office/drawing/2014/main" id="{D1E3AF41-3409-43D2-9206-1FCB776CEE95}"/>
               </a:ext>
             </a:extLst>
           </p:cNvPr>
@@ -18348,7 +18415,7 @@
             <p:cNvPr id="68" name="Ellipse 67">
               <a:extLst>
                 <a:ext uri="{FF2B5EF4-FFF2-40B4-BE49-F238E27FC236}">
-                  <a16:creationId xmlns:a16="http://schemas.microsoft.com/office/drawing/2014/main" xmlns="" id="{8E556749-E290-4134-95FE-85D40A4DDBF7}"/>
+                  <a16:creationId xmlns="" xmlns:a16="http://schemas.microsoft.com/office/drawing/2014/main" id="{8E556749-E290-4134-95FE-85D40A4DDBF7}"/>
                 </a:ext>
               </a:extLst>
             </p:cNvPr>
@@ -18402,7 +18469,7 @@
             <p:cNvPr id="69" name="Ellipse 68">
               <a:extLst>
                 <a:ext uri="{FF2B5EF4-FFF2-40B4-BE49-F238E27FC236}">
-                  <a16:creationId xmlns:a16="http://schemas.microsoft.com/office/drawing/2014/main" xmlns="" id="{38BA4B0C-3294-41AD-AEA8-6BC3CE539077}"/>
+                  <a16:creationId xmlns="" xmlns:a16="http://schemas.microsoft.com/office/drawing/2014/main" id="{38BA4B0C-3294-41AD-AEA8-6BC3CE539077}"/>
                 </a:ext>
               </a:extLst>
             </p:cNvPr>
@@ -18461,7 +18528,7 @@
             <p:cNvPr id="70" name="Ellipse 69">
               <a:extLst>
                 <a:ext uri="{FF2B5EF4-FFF2-40B4-BE49-F238E27FC236}">
-                  <a16:creationId xmlns:a16="http://schemas.microsoft.com/office/drawing/2014/main" xmlns="" id="{16A02058-7492-445E-ABAC-60D8F2E41062}"/>
+                  <a16:creationId xmlns="" xmlns:a16="http://schemas.microsoft.com/office/drawing/2014/main" id="{16A02058-7492-445E-ABAC-60D8F2E41062}"/>
                 </a:ext>
               </a:extLst>
             </p:cNvPr>
@@ -18520,7 +18587,7 @@
             <p:cNvPr id="71" name="Rechteck 70">
               <a:extLst>
                 <a:ext uri="{FF2B5EF4-FFF2-40B4-BE49-F238E27FC236}">
-                  <a16:creationId xmlns:a16="http://schemas.microsoft.com/office/drawing/2014/main" xmlns="" id="{CD16C262-21E4-4CB9-BFBE-5C0592D2DACE}"/>
+                  <a16:creationId xmlns="" xmlns:a16="http://schemas.microsoft.com/office/drawing/2014/main" id="{CD16C262-21E4-4CB9-BFBE-5C0592D2DACE}"/>
                 </a:ext>
               </a:extLst>
             </p:cNvPr>
@@ -18574,7 +18641,7 @@
             <p:cNvPr id="72" name="Rechteck 71">
               <a:extLst>
                 <a:ext uri="{FF2B5EF4-FFF2-40B4-BE49-F238E27FC236}">
-                  <a16:creationId xmlns:a16="http://schemas.microsoft.com/office/drawing/2014/main" xmlns="" id="{2A0F9BBC-DFF7-4A6A-BF32-F2DF85FB7F13}"/>
+                  <a16:creationId xmlns="" xmlns:a16="http://schemas.microsoft.com/office/drawing/2014/main" id="{2A0F9BBC-DFF7-4A6A-BF32-F2DF85FB7F13}"/>
                 </a:ext>
               </a:extLst>
             </p:cNvPr>
@@ -18628,7 +18695,7 @@
             <p:cNvPr id="73" name="Rechteck 72">
               <a:extLst>
                 <a:ext uri="{FF2B5EF4-FFF2-40B4-BE49-F238E27FC236}">
-                  <a16:creationId xmlns:a16="http://schemas.microsoft.com/office/drawing/2014/main" xmlns="" id="{D42920A0-37DC-47AC-9FF4-2297613C6050}"/>
+                  <a16:creationId xmlns="" xmlns:a16="http://schemas.microsoft.com/office/drawing/2014/main" id="{D42920A0-37DC-47AC-9FF4-2297613C6050}"/>
                 </a:ext>
               </a:extLst>
             </p:cNvPr>
@@ -18682,7 +18749,7 @@
             <p:cNvPr id="74" name="Gerader Verbinder 73">
               <a:extLst>
                 <a:ext uri="{FF2B5EF4-FFF2-40B4-BE49-F238E27FC236}">
-                  <a16:creationId xmlns:a16="http://schemas.microsoft.com/office/drawing/2014/main" xmlns="" id="{A0695C55-E5B1-4170-8152-15DB9219FD2B}"/>
+                  <a16:creationId xmlns="" xmlns:a16="http://schemas.microsoft.com/office/drawing/2014/main" id="{A0695C55-E5B1-4170-8152-15DB9219FD2B}"/>
                 </a:ext>
               </a:extLst>
             </p:cNvPr>
@@ -18727,7 +18794,7 @@
             <p:cNvPr id="75" name="Gerader Verbinder 74">
               <a:extLst>
                 <a:ext uri="{FF2B5EF4-FFF2-40B4-BE49-F238E27FC236}">
-                  <a16:creationId xmlns:a16="http://schemas.microsoft.com/office/drawing/2014/main" xmlns="" id="{137D69E5-1ED1-4F79-BF36-7964626560E2}"/>
+                  <a16:creationId xmlns="" xmlns:a16="http://schemas.microsoft.com/office/drawing/2014/main" id="{137D69E5-1ED1-4F79-BF36-7964626560E2}"/>
                 </a:ext>
               </a:extLst>
             </p:cNvPr>
@@ -18772,7 +18839,7 @@
             <p:cNvPr id="76" name="Gerader Verbinder 75">
               <a:extLst>
                 <a:ext uri="{FF2B5EF4-FFF2-40B4-BE49-F238E27FC236}">
-                  <a16:creationId xmlns:a16="http://schemas.microsoft.com/office/drawing/2014/main" xmlns="" id="{D8D87741-3DDC-4615-A2D4-B8D7A5CD0856}"/>
+                  <a16:creationId xmlns="" xmlns:a16="http://schemas.microsoft.com/office/drawing/2014/main" id="{D8D87741-3DDC-4615-A2D4-B8D7A5CD0856}"/>
                 </a:ext>
               </a:extLst>
             </p:cNvPr>
@@ -18816,7 +18883,7 @@
             <p:cNvPr id="81" name="Rechteck 80">
               <a:extLst>
                 <a:ext uri="{FF2B5EF4-FFF2-40B4-BE49-F238E27FC236}">
-                  <a16:creationId xmlns:a16="http://schemas.microsoft.com/office/drawing/2014/main" xmlns="" id="{0F0150EA-BC0A-4394-BB8F-97650B478257}"/>
+                  <a16:creationId xmlns="" xmlns:a16="http://schemas.microsoft.com/office/drawing/2014/main" id="{0F0150EA-BC0A-4394-BB8F-97650B478257}"/>
                 </a:ext>
               </a:extLst>
             </p:cNvPr>
@@ -18873,7 +18940,7 @@
             <p:cNvPr id="77" name="Rechteck 76">
               <a:extLst>
                 <a:ext uri="{FF2B5EF4-FFF2-40B4-BE49-F238E27FC236}">
-                  <a16:creationId xmlns:a16="http://schemas.microsoft.com/office/drawing/2014/main" xmlns="" id="{429023F3-62B4-4365-8029-F8617E4A1BC7}"/>
+                  <a16:creationId xmlns="" xmlns:a16="http://schemas.microsoft.com/office/drawing/2014/main" id="{429023F3-62B4-4365-8029-F8617E4A1BC7}"/>
                 </a:ext>
               </a:extLst>
             </p:cNvPr>
@@ -18927,7 +18994,7 @@
             <p:cNvPr id="78" name="Gerader Verbinder 77">
               <a:extLst>
                 <a:ext uri="{FF2B5EF4-FFF2-40B4-BE49-F238E27FC236}">
-                  <a16:creationId xmlns:a16="http://schemas.microsoft.com/office/drawing/2014/main" xmlns="" id="{C9767AF8-2522-4386-919F-3A722F8FB63A}"/>
+                  <a16:creationId xmlns="" xmlns:a16="http://schemas.microsoft.com/office/drawing/2014/main" id="{C9767AF8-2522-4386-919F-3A722F8FB63A}"/>
                 </a:ext>
               </a:extLst>
             </p:cNvPr>
@@ -18971,7 +19038,7 @@
             <p:cNvPr id="79" name="Rechteck 78">
               <a:extLst>
                 <a:ext uri="{FF2B5EF4-FFF2-40B4-BE49-F238E27FC236}">
-                  <a16:creationId xmlns:a16="http://schemas.microsoft.com/office/drawing/2014/main" xmlns="" id="{673B13A4-866F-41DA-9CF4-25ACF678B97C}"/>
+                  <a16:creationId xmlns="" xmlns:a16="http://schemas.microsoft.com/office/drawing/2014/main" id="{673B13A4-866F-41DA-9CF4-25ACF678B97C}"/>
                 </a:ext>
               </a:extLst>
             </p:cNvPr>
@@ -19025,7 +19092,7 @@
             <p:cNvPr id="80" name="Gerader Verbinder 79">
               <a:extLst>
                 <a:ext uri="{FF2B5EF4-FFF2-40B4-BE49-F238E27FC236}">
-                  <a16:creationId xmlns:a16="http://schemas.microsoft.com/office/drawing/2014/main" xmlns="" id="{E3C16484-8F30-46B2-8B68-D4924B60590F}"/>
+                  <a16:creationId xmlns="" xmlns:a16="http://schemas.microsoft.com/office/drawing/2014/main" id="{E3C16484-8F30-46B2-8B68-D4924B60590F}"/>
                 </a:ext>
               </a:extLst>
             </p:cNvPr>
@@ -19071,7 +19138,7 @@
           <p:cNvPr id="113" name="Gruppieren 112">
             <a:extLst>
               <a:ext uri="{FF2B5EF4-FFF2-40B4-BE49-F238E27FC236}">
-                <a16:creationId xmlns:a16="http://schemas.microsoft.com/office/drawing/2014/main" xmlns="" id="{6BF72EE9-47F4-4C0C-B6AF-E2992CBD81A7}"/>
+                <a16:creationId xmlns="" xmlns:a16="http://schemas.microsoft.com/office/drawing/2014/main" id="{6BF72EE9-47F4-4C0C-B6AF-E2992CBD81A7}"/>
               </a:ext>
             </a:extLst>
           </p:cNvPr>
@@ -19091,7 +19158,7 @@
             <p:cNvPr id="83" name="Ellipse 82">
               <a:extLst>
                 <a:ext uri="{FF2B5EF4-FFF2-40B4-BE49-F238E27FC236}">
-                  <a16:creationId xmlns:a16="http://schemas.microsoft.com/office/drawing/2014/main" xmlns="" id="{E490BE8A-69D5-497D-A5DF-487F4F84130C}"/>
+                  <a16:creationId xmlns="" xmlns:a16="http://schemas.microsoft.com/office/drawing/2014/main" id="{E490BE8A-69D5-497D-A5DF-487F4F84130C}"/>
                 </a:ext>
               </a:extLst>
             </p:cNvPr>
@@ -19145,7 +19212,7 @@
             <p:cNvPr id="84" name="Ellipse 83">
               <a:extLst>
                 <a:ext uri="{FF2B5EF4-FFF2-40B4-BE49-F238E27FC236}">
-                  <a16:creationId xmlns:a16="http://schemas.microsoft.com/office/drawing/2014/main" xmlns="" id="{7C326BEB-7481-4B7B-B0BC-D86FFD3A540E}"/>
+                  <a16:creationId xmlns="" xmlns:a16="http://schemas.microsoft.com/office/drawing/2014/main" id="{7C326BEB-7481-4B7B-B0BC-D86FFD3A540E}"/>
                 </a:ext>
               </a:extLst>
             </p:cNvPr>
@@ -19204,7 +19271,7 @@
             <p:cNvPr id="85" name="Ellipse 84">
               <a:extLst>
                 <a:ext uri="{FF2B5EF4-FFF2-40B4-BE49-F238E27FC236}">
-                  <a16:creationId xmlns:a16="http://schemas.microsoft.com/office/drawing/2014/main" xmlns="" id="{93B1FE86-B851-43BA-A680-4E4CB09C4C86}"/>
+                  <a16:creationId xmlns="" xmlns:a16="http://schemas.microsoft.com/office/drawing/2014/main" id="{93B1FE86-B851-43BA-A680-4E4CB09C4C86}"/>
                 </a:ext>
               </a:extLst>
             </p:cNvPr>
@@ -19263,7 +19330,7 @@
             <p:cNvPr id="86" name="Rechteck 85">
               <a:extLst>
                 <a:ext uri="{FF2B5EF4-FFF2-40B4-BE49-F238E27FC236}">
-                  <a16:creationId xmlns:a16="http://schemas.microsoft.com/office/drawing/2014/main" xmlns="" id="{2C8E3D7D-CEE5-4007-869C-676C81233E5E}"/>
+                  <a16:creationId xmlns="" xmlns:a16="http://schemas.microsoft.com/office/drawing/2014/main" id="{2C8E3D7D-CEE5-4007-869C-676C81233E5E}"/>
                 </a:ext>
               </a:extLst>
             </p:cNvPr>
@@ -19317,7 +19384,7 @@
             <p:cNvPr id="87" name="Rechteck 86">
               <a:extLst>
                 <a:ext uri="{FF2B5EF4-FFF2-40B4-BE49-F238E27FC236}">
-                  <a16:creationId xmlns:a16="http://schemas.microsoft.com/office/drawing/2014/main" xmlns="" id="{EB212149-F543-4948-9361-585648BD669A}"/>
+                  <a16:creationId xmlns="" xmlns:a16="http://schemas.microsoft.com/office/drawing/2014/main" id="{EB212149-F543-4948-9361-585648BD669A}"/>
                 </a:ext>
               </a:extLst>
             </p:cNvPr>
@@ -19371,7 +19438,7 @@
             <p:cNvPr id="88" name="Rechteck 87">
               <a:extLst>
                 <a:ext uri="{FF2B5EF4-FFF2-40B4-BE49-F238E27FC236}">
-                  <a16:creationId xmlns:a16="http://schemas.microsoft.com/office/drawing/2014/main" xmlns="" id="{A59C3B6D-9C7D-4516-B45C-BD1FD874DF7C}"/>
+                  <a16:creationId xmlns="" xmlns:a16="http://schemas.microsoft.com/office/drawing/2014/main" id="{A59C3B6D-9C7D-4516-B45C-BD1FD874DF7C}"/>
                 </a:ext>
               </a:extLst>
             </p:cNvPr>
@@ -19425,7 +19492,7 @@
             <p:cNvPr id="89" name="Gerader Verbinder 88">
               <a:extLst>
                 <a:ext uri="{FF2B5EF4-FFF2-40B4-BE49-F238E27FC236}">
-                  <a16:creationId xmlns:a16="http://schemas.microsoft.com/office/drawing/2014/main" xmlns="" id="{38450F44-668E-486E-BFDA-C3BCD66FD987}"/>
+                  <a16:creationId xmlns="" xmlns:a16="http://schemas.microsoft.com/office/drawing/2014/main" id="{38450F44-668E-486E-BFDA-C3BCD66FD987}"/>
                 </a:ext>
               </a:extLst>
             </p:cNvPr>
@@ -19470,7 +19537,7 @@
             <p:cNvPr id="90" name="Gerader Verbinder 89">
               <a:extLst>
                 <a:ext uri="{FF2B5EF4-FFF2-40B4-BE49-F238E27FC236}">
-                  <a16:creationId xmlns:a16="http://schemas.microsoft.com/office/drawing/2014/main" xmlns="" id="{D31CD334-E31B-41CD-B01E-9C5C1F90A49C}"/>
+                  <a16:creationId xmlns="" xmlns:a16="http://schemas.microsoft.com/office/drawing/2014/main" id="{D31CD334-E31B-41CD-B01E-9C5C1F90A49C}"/>
                 </a:ext>
               </a:extLst>
             </p:cNvPr>
@@ -19515,7 +19582,7 @@
             <p:cNvPr id="91" name="Gerader Verbinder 90">
               <a:extLst>
                 <a:ext uri="{FF2B5EF4-FFF2-40B4-BE49-F238E27FC236}">
-                  <a16:creationId xmlns:a16="http://schemas.microsoft.com/office/drawing/2014/main" xmlns="" id="{624223A2-1AA0-4DA9-9193-08CB1849889B}"/>
+                  <a16:creationId xmlns="" xmlns:a16="http://schemas.microsoft.com/office/drawing/2014/main" id="{624223A2-1AA0-4DA9-9193-08CB1849889B}"/>
                 </a:ext>
               </a:extLst>
             </p:cNvPr>
@@ -19559,7 +19626,7 @@
             <p:cNvPr id="92" name="Rechteck 91">
               <a:extLst>
                 <a:ext uri="{FF2B5EF4-FFF2-40B4-BE49-F238E27FC236}">
-                  <a16:creationId xmlns:a16="http://schemas.microsoft.com/office/drawing/2014/main" xmlns="" id="{5A87DF5C-C715-45DB-85EA-1EC6F7D38F75}"/>
+                  <a16:creationId xmlns="" xmlns:a16="http://schemas.microsoft.com/office/drawing/2014/main" id="{5A87DF5C-C715-45DB-85EA-1EC6F7D38F75}"/>
                 </a:ext>
               </a:extLst>
             </p:cNvPr>
@@ -19613,7 +19680,7 @@
             <p:cNvPr id="93" name="Gerader Verbinder 92">
               <a:extLst>
                 <a:ext uri="{FF2B5EF4-FFF2-40B4-BE49-F238E27FC236}">
-                  <a16:creationId xmlns:a16="http://schemas.microsoft.com/office/drawing/2014/main" xmlns="" id="{9851543A-DF17-4EF2-85F6-6AE99E8ADC4D}"/>
+                  <a16:creationId xmlns="" xmlns:a16="http://schemas.microsoft.com/office/drawing/2014/main" id="{9851543A-DF17-4EF2-85F6-6AE99E8ADC4D}"/>
                 </a:ext>
               </a:extLst>
             </p:cNvPr>
@@ -19657,7 +19724,7 @@
             <p:cNvPr id="94" name="Rechteck 93">
               <a:extLst>
                 <a:ext uri="{FF2B5EF4-FFF2-40B4-BE49-F238E27FC236}">
-                  <a16:creationId xmlns:a16="http://schemas.microsoft.com/office/drawing/2014/main" xmlns="" id="{5FD5A714-4DCE-44E7-87B2-ED00A8E8DB1C}"/>
+                  <a16:creationId xmlns="" xmlns:a16="http://schemas.microsoft.com/office/drawing/2014/main" id="{5FD5A714-4DCE-44E7-87B2-ED00A8E8DB1C}"/>
                 </a:ext>
               </a:extLst>
             </p:cNvPr>
@@ -19711,7 +19778,7 @@
             <p:cNvPr id="95" name="Gerader Verbinder 94">
               <a:extLst>
                 <a:ext uri="{FF2B5EF4-FFF2-40B4-BE49-F238E27FC236}">
-                  <a16:creationId xmlns:a16="http://schemas.microsoft.com/office/drawing/2014/main" xmlns="" id="{F1603356-25C5-44D2-9F9E-47BDB905CE68}"/>
+                  <a16:creationId xmlns="" xmlns:a16="http://schemas.microsoft.com/office/drawing/2014/main" id="{F1603356-25C5-44D2-9F9E-47BDB905CE68}"/>
                 </a:ext>
               </a:extLst>
             </p:cNvPr>
@@ -19756,7 +19823,7 @@
             <p:cNvPr id="96" name="Ellipse 95">
               <a:extLst>
                 <a:ext uri="{FF2B5EF4-FFF2-40B4-BE49-F238E27FC236}">
-                  <a16:creationId xmlns:a16="http://schemas.microsoft.com/office/drawing/2014/main" xmlns="" id="{D3FABA3F-C1F3-4425-8DE5-FB0446FE5A45}"/>
+                  <a16:creationId xmlns="" xmlns:a16="http://schemas.microsoft.com/office/drawing/2014/main" id="{D3FABA3F-C1F3-4425-8DE5-FB0446FE5A45}"/>
                 </a:ext>
               </a:extLst>
             </p:cNvPr>
@@ -19815,7 +19882,7 @@
             <p:cNvPr id="98" name="Gerader Verbinder 97">
               <a:extLst>
                 <a:ext uri="{FF2B5EF4-FFF2-40B4-BE49-F238E27FC236}">
-                  <a16:creationId xmlns:a16="http://schemas.microsoft.com/office/drawing/2014/main" xmlns="" id="{525A01C8-A59C-4BEE-84C5-5EC5FC7324A9}"/>
+                  <a16:creationId xmlns="" xmlns:a16="http://schemas.microsoft.com/office/drawing/2014/main" id="{525A01C8-A59C-4BEE-84C5-5EC5FC7324A9}"/>
                 </a:ext>
               </a:extLst>
             </p:cNvPr>
@@ -19859,7 +19926,7 @@
             <p:cNvPr id="104" name="Gerader Verbinder 103">
               <a:extLst>
                 <a:ext uri="{FF2B5EF4-FFF2-40B4-BE49-F238E27FC236}">
-                  <a16:creationId xmlns:a16="http://schemas.microsoft.com/office/drawing/2014/main" xmlns="" id="{77C0FC18-545D-47D3-8F24-232D8AB50661}"/>
+                  <a16:creationId xmlns="" xmlns:a16="http://schemas.microsoft.com/office/drawing/2014/main" id="{77C0FC18-545D-47D3-8F24-232D8AB50661}"/>
                 </a:ext>
               </a:extLst>
             </p:cNvPr>
@@ -19904,7 +19971,7 @@
             <p:cNvPr id="109" name="Rechteck 108">
               <a:extLst>
                 <a:ext uri="{FF2B5EF4-FFF2-40B4-BE49-F238E27FC236}">
-                  <a16:creationId xmlns:a16="http://schemas.microsoft.com/office/drawing/2014/main" xmlns="" id="{C0A4FBCE-F635-4F41-AFC6-C2D27F90C845}"/>
+                  <a16:creationId xmlns="" xmlns:a16="http://schemas.microsoft.com/office/drawing/2014/main" id="{C0A4FBCE-F635-4F41-AFC6-C2D27F90C845}"/>
                 </a:ext>
               </a:extLst>
             </p:cNvPr>
@@ -19962,7 +20029,7 @@
           <p:cNvPr id="116" name="Textfeld 115">
             <a:extLst>
               <a:ext uri="{FF2B5EF4-FFF2-40B4-BE49-F238E27FC236}">
-                <a16:creationId xmlns:a16="http://schemas.microsoft.com/office/drawing/2014/main" xmlns="" id="{27207203-E1CF-4410-8384-200882C6BF69}"/>
+                <a16:creationId xmlns="" xmlns:a16="http://schemas.microsoft.com/office/drawing/2014/main" id="{27207203-E1CF-4410-8384-200882C6BF69}"/>
               </a:ext>
             </a:extLst>
           </p:cNvPr>
@@ -20003,7 +20070,7 @@
           <p:cNvPr id="117" name="Textfeld 116">
             <a:extLst>
               <a:ext uri="{FF2B5EF4-FFF2-40B4-BE49-F238E27FC236}">
-                <a16:creationId xmlns:a16="http://schemas.microsoft.com/office/drawing/2014/main" xmlns="" id="{766E97B1-4368-4508-806B-A1E81034EF71}"/>
+                <a16:creationId xmlns="" xmlns:a16="http://schemas.microsoft.com/office/drawing/2014/main" id="{766E97B1-4368-4508-806B-A1E81034EF71}"/>
               </a:ext>
             </a:extLst>
           </p:cNvPr>
@@ -20039,7 +20106,7 @@
           <p:cNvPr id="118" name="Textfeld 117">
             <a:extLst>
               <a:ext uri="{FF2B5EF4-FFF2-40B4-BE49-F238E27FC236}">
-                <a16:creationId xmlns:a16="http://schemas.microsoft.com/office/drawing/2014/main" xmlns="" id="{A3AFE58C-95AA-4B0D-81ED-2932A98ED891}"/>
+                <a16:creationId xmlns="" xmlns:a16="http://schemas.microsoft.com/office/drawing/2014/main" id="{A3AFE58C-95AA-4B0D-81ED-2932A98ED891}"/>
               </a:ext>
             </a:extLst>
           </p:cNvPr>
@@ -20075,7 +20142,7 @@
           <p:cNvPr id="119" name="Textfeld 118">
             <a:extLst>
               <a:ext uri="{FF2B5EF4-FFF2-40B4-BE49-F238E27FC236}">
-                <a16:creationId xmlns:a16="http://schemas.microsoft.com/office/drawing/2014/main" xmlns="" id="{DCF89224-C8EB-4485-9F93-89F512BA5EC1}"/>
+                <a16:creationId xmlns="" xmlns:a16="http://schemas.microsoft.com/office/drawing/2014/main" id="{DCF89224-C8EB-4485-9F93-89F512BA5EC1}"/>
               </a:ext>
             </a:extLst>
           </p:cNvPr>
@@ -20111,7 +20178,7 @@
           <p:cNvPr id="120" name="Textfeld 119">
             <a:extLst>
               <a:ext uri="{FF2B5EF4-FFF2-40B4-BE49-F238E27FC236}">
-                <a16:creationId xmlns:a16="http://schemas.microsoft.com/office/drawing/2014/main" xmlns="" id="{4EE65BD6-28CA-40FE-9DE3-925C4D879436}"/>
+                <a16:creationId xmlns="" xmlns:a16="http://schemas.microsoft.com/office/drawing/2014/main" id="{4EE65BD6-28CA-40FE-9DE3-925C4D879436}"/>
               </a:ext>
             </a:extLst>
           </p:cNvPr>
@@ -20154,7 +20221,7 @@
     </p:spTree>
     <p:extLst>
       <p:ext uri="{BB962C8B-B14F-4D97-AF65-F5344CB8AC3E}">
-        <p14:creationId xmlns:p14="http://schemas.microsoft.com/office/powerpoint/2010/main" xmlns="" val="3592389130"/>
+        <p14:creationId xmlns:p14="http://schemas.microsoft.com/office/powerpoint/2010/main" val="3592389130"/>
       </p:ext>
     </p:extLst>
   </p:cSld>
@@ -20186,7 +20253,7 @@
           <p:cNvPr id="143" name="Gerader Verbinder 142">
             <a:extLst>
               <a:ext uri="{FF2B5EF4-FFF2-40B4-BE49-F238E27FC236}">
-                <a16:creationId xmlns:a16="http://schemas.microsoft.com/office/drawing/2014/main" xmlns="" id="{4C3C2E83-3E17-48F9-843C-20D0AE7CC0EA}"/>
+                <a16:creationId xmlns="" xmlns:a16="http://schemas.microsoft.com/office/drawing/2014/main" id="{4C3C2E83-3E17-48F9-843C-20D0AE7CC0EA}"/>
               </a:ext>
             </a:extLst>
           </p:cNvPr>
@@ -20237,7 +20304,7 @@
           <p:cNvPr id="144" name="Gerader Verbinder 143">
             <a:extLst>
               <a:ext uri="{FF2B5EF4-FFF2-40B4-BE49-F238E27FC236}">
-                <a16:creationId xmlns:a16="http://schemas.microsoft.com/office/drawing/2014/main" xmlns="" id="{1808E2F0-4001-441C-A042-B8CF15382928}"/>
+                <a16:creationId xmlns="" xmlns:a16="http://schemas.microsoft.com/office/drawing/2014/main" id="{1808E2F0-4001-441C-A042-B8CF15382928}"/>
               </a:ext>
             </a:extLst>
           </p:cNvPr>
@@ -20288,7 +20355,7 @@
           <p:cNvPr id="146" name="Gerader Verbinder 145">
             <a:extLst>
               <a:ext uri="{FF2B5EF4-FFF2-40B4-BE49-F238E27FC236}">
-                <a16:creationId xmlns:a16="http://schemas.microsoft.com/office/drawing/2014/main" xmlns="" id="{A916DEA5-C4AA-4B3E-A759-AE6B9472D5DB}"/>
+                <a16:creationId xmlns="" xmlns:a16="http://schemas.microsoft.com/office/drawing/2014/main" id="{A916DEA5-C4AA-4B3E-A759-AE6B9472D5DB}"/>
               </a:ext>
             </a:extLst>
           </p:cNvPr>
@@ -20339,7 +20406,7 @@
           <p:cNvPr id="2" name="Titel 1">
             <a:extLst>
               <a:ext uri="{FF2B5EF4-FFF2-40B4-BE49-F238E27FC236}">
-                <a16:creationId xmlns:a16="http://schemas.microsoft.com/office/drawing/2014/main" xmlns="" id="{594F37A0-8FD9-42A4-A80F-4C479182787E}"/>
+                <a16:creationId xmlns="" xmlns:a16="http://schemas.microsoft.com/office/drawing/2014/main" id="{594F37A0-8FD9-42A4-A80F-4C479182787E}"/>
               </a:ext>
             </a:extLst>
           </p:cNvPr>
@@ -20401,7 +20468,7 @@
           <p:cNvPr id="5" name="Pfeil: Chevron 4">
             <a:extLst>
               <a:ext uri="{FF2B5EF4-FFF2-40B4-BE49-F238E27FC236}">
-                <a16:creationId xmlns:a16="http://schemas.microsoft.com/office/drawing/2014/main" xmlns="" id="{FE16A436-3EBF-406A-A452-2785E92CA870}"/>
+                <a16:creationId xmlns="" xmlns:a16="http://schemas.microsoft.com/office/drawing/2014/main" id="{FE16A436-3EBF-406A-A452-2785E92CA870}"/>
               </a:ext>
             </a:extLst>
           </p:cNvPr>
@@ -20471,7 +20538,7 @@
           <p:cNvPr id="6" name="Pfeil: Chevron 5">
             <a:extLst>
               <a:ext uri="{FF2B5EF4-FFF2-40B4-BE49-F238E27FC236}">
-                <a16:creationId xmlns:a16="http://schemas.microsoft.com/office/drawing/2014/main" xmlns="" id="{4B425B4C-53B0-4FDA-90C8-3EAE519EFFB2}"/>
+                <a16:creationId xmlns="" xmlns:a16="http://schemas.microsoft.com/office/drawing/2014/main" id="{4B425B4C-53B0-4FDA-90C8-3EAE519EFFB2}"/>
               </a:ext>
             </a:extLst>
           </p:cNvPr>
@@ -20537,7 +20604,7 @@
           <p:cNvPr id="7" name="Pfeil: Chevron 6">
             <a:extLst>
               <a:ext uri="{FF2B5EF4-FFF2-40B4-BE49-F238E27FC236}">
-                <a16:creationId xmlns:a16="http://schemas.microsoft.com/office/drawing/2014/main" xmlns="" id="{14F5353B-3EA0-4F48-A473-08D522F34D71}"/>
+                <a16:creationId xmlns="" xmlns:a16="http://schemas.microsoft.com/office/drawing/2014/main" id="{14F5353B-3EA0-4F48-A473-08D522F34D71}"/>
               </a:ext>
             </a:extLst>
           </p:cNvPr>
@@ -20614,7 +20681,7 @@
           <p:cNvPr id="8" name="Pfeil: Chevron 7">
             <a:extLst>
               <a:ext uri="{FF2B5EF4-FFF2-40B4-BE49-F238E27FC236}">
-                <a16:creationId xmlns:a16="http://schemas.microsoft.com/office/drawing/2014/main" xmlns="" id="{655E865C-680E-47F4-9F87-B4EB179E321D}"/>
+                <a16:creationId xmlns="" xmlns:a16="http://schemas.microsoft.com/office/drawing/2014/main" id="{655E865C-680E-47F4-9F87-B4EB179E321D}"/>
               </a:ext>
             </a:extLst>
           </p:cNvPr>
@@ -20684,7 +20751,7 @@
           <p:cNvPr id="82" name="Inhaltsplatzhalter 2">
             <a:extLst>
               <a:ext uri="{FF2B5EF4-FFF2-40B4-BE49-F238E27FC236}">
-                <a16:creationId xmlns:a16="http://schemas.microsoft.com/office/drawing/2014/main" xmlns="" id="{3DE5479E-FEDB-4349-9D8E-5CEAD5C97758}"/>
+                <a16:creationId xmlns="" xmlns:a16="http://schemas.microsoft.com/office/drawing/2014/main" id="{3DE5479E-FEDB-4349-9D8E-5CEAD5C97758}"/>
               </a:ext>
             </a:extLst>
           </p:cNvPr>
@@ -20878,7 +20945,7 @@
           <p:cNvPr id="41" name="Gruppieren 40">
             <a:extLst>
               <a:ext uri="{FF2B5EF4-FFF2-40B4-BE49-F238E27FC236}">
-                <a16:creationId xmlns:a16="http://schemas.microsoft.com/office/drawing/2014/main" xmlns="" id="{E398B641-73C2-4907-ADF6-00A4F44C9BE4}"/>
+                <a16:creationId xmlns="" xmlns:a16="http://schemas.microsoft.com/office/drawing/2014/main" id="{E398B641-73C2-4907-ADF6-00A4F44C9BE4}"/>
               </a:ext>
             </a:extLst>
           </p:cNvPr>
@@ -20898,7 +20965,7 @@
             <p:cNvPr id="97" name="Rechteck 96">
               <a:extLst>
                 <a:ext uri="{FF2B5EF4-FFF2-40B4-BE49-F238E27FC236}">
-                  <a16:creationId xmlns:a16="http://schemas.microsoft.com/office/drawing/2014/main" xmlns="" id="{44B73694-E3DC-4152-926D-66C1BBA0B99E}"/>
+                  <a16:creationId xmlns="" xmlns:a16="http://schemas.microsoft.com/office/drawing/2014/main" id="{44B73694-E3DC-4152-926D-66C1BBA0B99E}"/>
                 </a:ext>
               </a:extLst>
             </p:cNvPr>
@@ -20955,7 +21022,7 @@
             <p:cNvPr id="17" name="Gerader Verbinder 16">
               <a:extLst>
                 <a:ext uri="{FF2B5EF4-FFF2-40B4-BE49-F238E27FC236}">
-                  <a16:creationId xmlns:a16="http://schemas.microsoft.com/office/drawing/2014/main" xmlns="" id="{BEC9F659-EE99-49CC-83C3-4ADA1285F39A}"/>
+                  <a16:creationId xmlns="" xmlns:a16="http://schemas.microsoft.com/office/drawing/2014/main" id="{BEC9F659-EE99-49CC-83C3-4ADA1285F39A}"/>
                 </a:ext>
               </a:extLst>
             </p:cNvPr>
@@ -21000,7 +21067,7 @@
             <p:cNvPr id="132" name="Gruppieren 131">
               <a:extLst>
                 <a:ext uri="{FF2B5EF4-FFF2-40B4-BE49-F238E27FC236}">
-                  <a16:creationId xmlns:a16="http://schemas.microsoft.com/office/drawing/2014/main" xmlns="" id="{9EDA5772-3C01-4CE8-8FBD-BB5AB2ADE169}"/>
+                  <a16:creationId xmlns="" xmlns:a16="http://schemas.microsoft.com/office/drawing/2014/main" id="{9EDA5772-3C01-4CE8-8FBD-BB5AB2ADE169}"/>
                 </a:ext>
               </a:extLst>
             </p:cNvPr>
@@ -21020,7 +21087,7 @@
               <p:cNvPr id="133" name="Ellipse 132">
                 <a:extLst>
                   <a:ext uri="{FF2B5EF4-FFF2-40B4-BE49-F238E27FC236}">
-                    <a16:creationId xmlns:a16="http://schemas.microsoft.com/office/drawing/2014/main" xmlns="" id="{2CDB4568-4B80-44D3-B8D1-4FD3C04B1E3B}"/>
+                    <a16:creationId xmlns="" xmlns:a16="http://schemas.microsoft.com/office/drawing/2014/main" id="{2CDB4568-4B80-44D3-B8D1-4FD3C04B1E3B}"/>
                   </a:ext>
                 </a:extLst>
               </p:cNvPr>
@@ -21074,7 +21141,7 @@
               <p:cNvPr id="134" name="Rechteck 133">
                 <a:extLst>
                   <a:ext uri="{FF2B5EF4-FFF2-40B4-BE49-F238E27FC236}">
-                    <a16:creationId xmlns:a16="http://schemas.microsoft.com/office/drawing/2014/main" xmlns="" id="{96D466F6-ED40-45E5-84C3-D51F31EEB296}"/>
+                    <a16:creationId xmlns="" xmlns:a16="http://schemas.microsoft.com/office/drawing/2014/main" id="{96D466F6-ED40-45E5-84C3-D51F31EEB296}"/>
                   </a:ext>
                 </a:extLst>
               </p:cNvPr>
@@ -21128,7 +21195,7 @@
               <p:cNvPr id="135" name="Rechteck 134">
                 <a:extLst>
                   <a:ext uri="{FF2B5EF4-FFF2-40B4-BE49-F238E27FC236}">
-                    <a16:creationId xmlns:a16="http://schemas.microsoft.com/office/drawing/2014/main" xmlns="" id="{D240755B-CC06-4E82-A8DF-8225AC60E936}"/>
+                    <a16:creationId xmlns="" xmlns:a16="http://schemas.microsoft.com/office/drawing/2014/main" id="{D240755B-CC06-4E82-A8DF-8225AC60E936}"/>
                   </a:ext>
                 </a:extLst>
               </p:cNvPr>
@@ -21182,7 +21249,7 @@
               <p:cNvPr id="136" name="Gerader Verbinder 135">
                 <a:extLst>
                   <a:ext uri="{FF2B5EF4-FFF2-40B4-BE49-F238E27FC236}">
-                    <a16:creationId xmlns:a16="http://schemas.microsoft.com/office/drawing/2014/main" xmlns="" id="{3E98498B-042C-4FDD-A8A6-39D8156EF045}"/>
+                    <a16:creationId xmlns="" xmlns:a16="http://schemas.microsoft.com/office/drawing/2014/main" id="{3E98498B-042C-4FDD-A8A6-39D8156EF045}"/>
                   </a:ext>
                 </a:extLst>
               </p:cNvPr>
@@ -21230,7 +21297,7 @@
               <p:cNvPr id="137" name="Gerader Verbinder 136">
                 <a:extLst>
                   <a:ext uri="{FF2B5EF4-FFF2-40B4-BE49-F238E27FC236}">
-                    <a16:creationId xmlns:a16="http://schemas.microsoft.com/office/drawing/2014/main" xmlns="" id="{7A7C0BE9-0F54-45AD-BABF-EB7B76EEB44D}"/>
+                    <a16:creationId xmlns="" xmlns:a16="http://schemas.microsoft.com/office/drawing/2014/main" id="{7A7C0BE9-0F54-45AD-BABF-EB7B76EEB44D}"/>
                   </a:ext>
                 </a:extLst>
               </p:cNvPr>
@@ -21278,7 +21345,7 @@
               <p:cNvPr id="138" name="Gerader Verbinder 137">
                 <a:extLst>
                   <a:ext uri="{FF2B5EF4-FFF2-40B4-BE49-F238E27FC236}">
-                    <a16:creationId xmlns:a16="http://schemas.microsoft.com/office/drawing/2014/main" xmlns="" id="{C05022BD-3D3D-42A0-A133-5A0341D32A9C}"/>
+                    <a16:creationId xmlns="" xmlns:a16="http://schemas.microsoft.com/office/drawing/2014/main" id="{C05022BD-3D3D-42A0-A133-5A0341D32A9C}"/>
                   </a:ext>
                 </a:extLst>
               </p:cNvPr>
@@ -21324,7 +21391,7 @@
           <p:cNvPr id="24" name="Gruppieren 23">
             <a:extLst>
               <a:ext uri="{FF2B5EF4-FFF2-40B4-BE49-F238E27FC236}">
-                <a16:creationId xmlns:a16="http://schemas.microsoft.com/office/drawing/2014/main" xmlns="" id="{D04BC624-D1B8-4921-82B9-96DDA701CCC0}"/>
+                <a16:creationId xmlns="" xmlns:a16="http://schemas.microsoft.com/office/drawing/2014/main" id="{D04BC624-D1B8-4921-82B9-96DDA701CCC0}"/>
               </a:ext>
             </a:extLst>
           </p:cNvPr>
@@ -21344,7 +21411,7 @@
             <p:cNvPr id="99" name="Ellipse 98">
               <a:extLst>
                 <a:ext uri="{FF2B5EF4-FFF2-40B4-BE49-F238E27FC236}">
-                  <a16:creationId xmlns:a16="http://schemas.microsoft.com/office/drawing/2014/main" xmlns="" id="{00B8BFAC-D056-45A9-ACC0-2E17FD167B44}"/>
+                  <a16:creationId xmlns="" xmlns:a16="http://schemas.microsoft.com/office/drawing/2014/main" id="{00B8BFAC-D056-45A9-ACC0-2E17FD167B44}"/>
                 </a:ext>
               </a:extLst>
             </p:cNvPr>
@@ -21398,7 +21465,7 @@
             <p:cNvPr id="100" name="Rechteck 99">
               <a:extLst>
                 <a:ext uri="{FF2B5EF4-FFF2-40B4-BE49-F238E27FC236}">
-                  <a16:creationId xmlns:a16="http://schemas.microsoft.com/office/drawing/2014/main" xmlns="" id="{73D84688-B7BD-495F-B7A1-4F0C497DC98B}"/>
+                  <a16:creationId xmlns="" xmlns:a16="http://schemas.microsoft.com/office/drawing/2014/main" id="{73D84688-B7BD-495F-B7A1-4F0C497DC98B}"/>
                 </a:ext>
               </a:extLst>
             </p:cNvPr>
@@ -21452,7 +21519,7 @@
             <p:cNvPr id="101" name="Rechteck 100">
               <a:extLst>
                 <a:ext uri="{FF2B5EF4-FFF2-40B4-BE49-F238E27FC236}">
-                  <a16:creationId xmlns:a16="http://schemas.microsoft.com/office/drawing/2014/main" xmlns="" id="{69DB1CCE-BF1E-45CE-967A-333EF02D87FF}"/>
+                  <a16:creationId xmlns="" xmlns:a16="http://schemas.microsoft.com/office/drawing/2014/main" id="{69DB1CCE-BF1E-45CE-967A-333EF02D87FF}"/>
                 </a:ext>
               </a:extLst>
             </p:cNvPr>
@@ -21506,7 +21573,7 @@
             <p:cNvPr id="103" name="Gerader Verbinder 102">
               <a:extLst>
                 <a:ext uri="{FF2B5EF4-FFF2-40B4-BE49-F238E27FC236}">
-                  <a16:creationId xmlns:a16="http://schemas.microsoft.com/office/drawing/2014/main" xmlns="" id="{1297057B-5F1E-417F-9C72-8B7F669DAD12}"/>
+                  <a16:creationId xmlns="" xmlns:a16="http://schemas.microsoft.com/office/drawing/2014/main" id="{1297057B-5F1E-417F-9C72-8B7F669DAD12}"/>
                 </a:ext>
               </a:extLst>
             </p:cNvPr>
@@ -21554,7 +21621,7 @@
             <p:cNvPr id="105" name="Gerader Verbinder 104">
               <a:extLst>
                 <a:ext uri="{FF2B5EF4-FFF2-40B4-BE49-F238E27FC236}">
-                  <a16:creationId xmlns:a16="http://schemas.microsoft.com/office/drawing/2014/main" xmlns="" id="{7DD41ABD-F226-4570-92C3-6CECD7A36310}"/>
+                  <a16:creationId xmlns="" xmlns:a16="http://schemas.microsoft.com/office/drawing/2014/main" id="{7DD41ABD-F226-4570-92C3-6CECD7A36310}"/>
                 </a:ext>
               </a:extLst>
             </p:cNvPr>
@@ -21602,7 +21669,7 @@
             <p:cNvPr id="106" name="Gerader Verbinder 105">
               <a:extLst>
                 <a:ext uri="{FF2B5EF4-FFF2-40B4-BE49-F238E27FC236}">
-                  <a16:creationId xmlns:a16="http://schemas.microsoft.com/office/drawing/2014/main" xmlns="" id="{5238696D-1863-4639-B822-D3DB58DD925D}"/>
+                  <a16:creationId xmlns="" xmlns:a16="http://schemas.microsoft.com/office/drawing/2014/main" id="{5238696D-1863-4639-B822-D3DB58DD925D}"/>
                 </a:ext>
               </a:extLst>
             </p:cNvPr>
@@ -21647,7 +21714,7 @@
           <p:cNvPr id="107" name="Rechteck 106">
             <a:extLst>
               <a:ext uri="{FF2B5EF4-FFF2-40B4-BE49-F238E27FC236}">
-                <a16:creationId xmlns:a16="http://schemas.microsoft.com/office/drawing/2014/main" xmlns="" id="{7A8F02D8-8430-4ECE-BE5F-1276638B515D}"/>
+                <a16:creationId xmlns="" xmlns:a16="http://schemas.microsoft.com/office/drawing/2014/main" id="{7A8F02D8-8430-4ECE-BE5F-1276638B515D}"/>
               </a:ext>
             </a:extLst>
           </p:cNvPr>
@@ -21704,7 +21771,7 @@
           <p:cNvPr id="108" name="Gruppieren 107">
             <a:extLst>
               <a:ext uri="{FF2B5EF4-FFF2-40B4-BE49-F238E27FC236}">
-                <a16:creationId xmlns:a16="http://schemas.microsoft.com/office/drawing/2014/main" xmlns="" id="{96C7F909-89DC-4D2C-B6C4-1D49B9A8ABFB}"/>
+                <a16:creationId xmlns="" xmlns:a16="http://schemas.microsoft.com/office/drawing/2014/main" id="{96C7F909-89DC-4D2C-B6C4-1D49B9A8ABFB}"/>
               </a:ext>
             </a:extLst>
           </p:cNvPr>
@@ -21724,7 +21791,7 @@
             <p:cNvPr id="110" name="Ellipse 109">
               <a:extLst>
                 <a:ext uri="{FF2B5EF4-FFF2-40B4-BE49-F238E27FC236}">
-                  <a16:creationId xmlns:a16="http://schemas.microsoft.com/office/drawing/2014/main" xmlns="" id="{005BAC3C-D24E-4982-B89C-27FAE9DC31E6}"/>
+                  <a16:creationId xmlns="" xmlns:a16="http://schemas.microsoft.com/office/drawing/2014/main" id="{005BAC3C-D24E-4982-B89C-27FAE9DC31E6}"/>
                 </a:ext>
               </a:extLst>
             </p:cNvPr>
@@ -21778,7 +21845,7 @@
             <p:cNvPr id="112" name="Rechteck 111">
               <a:extLst>
                 <a:ext uri="{FF2B5EF4-FFF2-40B4-BE49-F238E27FC236}">
-                  <a16:creationId xmlns:a16="http://schemas.microsoft.com/office/drawing/2014/main" xmlns="" id="{0EEE4AD9-1C09-4AD7-AA08-65578CD2021F}"/>
+                  <a16:creationId xmlns="" xmlns:a16="http://schemas.microsoft.com/office/drawing/2014/main" id="{0EEE4AD9-1C09-4AD7-AA08-65578CD2021F}"/>
                 </a:ext>
               </a:extLst>
             </p:cNvPr>
@@ -21832,7 +21899,7 @@
             <p:cNvPr id="115" name="Rechteck 114">
               <a:extLst>
                 <a:ext uri="{FF2B5EF4-FFF2-40B4-BE49-F238E27FC236}">
-                  <a16:creationId xmlns:a16="http://schemas.microsoft.com/office/drawing/2014/main" xmlns="" id="{1D2B729A-BC05-40B1-B1D6-A6CA45024335}"/>
+                  <a16:creationId xmlns="" xmlns:a16="http://schemas.microsoft.com/office/drawing/2014/main" id="{1D2B729A-BC05-40B1-B1D6-A6CA45024335}"/>
                 </a:ext>
               </a:extLst>
             </p:cNvPr>
@@ -21886,7 +21953,7 @@
             <p:cNvPr id="122" name="Gerader Verbinder 121">
               <a:extLst>
                 <a:ext uri="{FF2B5EF4-FFF2-40B4-BE49-F238E27FC236}">
-                  <a16:creationId xmlns:a16="http://schemas.microsoft.com/office/drawing/2014/main" xmlns="" id="{1A02E2C7-4E4A-4C23-9F3B-FD92C1B6CE9C}"/>
+                  <a16:creationId xmlns="" xmlns:a16="http://schemas.microsoft.com/office/drawing/2014/main" id="{1A02E2C7-4E4A-4C23-9F3B-FD92C1B6CE9C}"/>
                 </a:ext>
               </a:extLst>
             </p:cNvPr>
@@ -21934,7 +22001,7 @@
             <p:cNvPr id="123" name="Gerader Verbinder 122">
               <a:extLst>
                 <a:ext uri="{FF2B5EF4-FFF2-40B4-BE49-F238E27FC236}">
-                  <a16:creationId xmlns:a16="http://schemas.microsoft.com/office/drawing/2014/main" xmlns="" id="{F5FA05C5-54DE-48B2-BEAF-8AFE459EC9F0}"/>
+                  <a16:creationId xmlns="" xmlns:a16="http://schemas.microsoft.com/office/drawing/2014/main" id="{F5FA05C5-54DE-48B2-BEAF-8AFE459EC9F0}"/>
                 </a:ext>
               </a:extLst>
             </p:cNvPr>
@@ -21982,7 +22049,7 @@
             <p:cNvPr id="124" name="Gerader Verbinder 123">
               <a:extLst>
                 <a:ext uri="{FF2B5EF4-FFF2-40B4-BE49-F238E27FC236}">
-                  <a16:creationId xmlns:a16="http://schemas.microsoft.com/office/drawing/2014/main" xmlns="" id="{CED04324-A62C-4EA2-BC81-5A808FFAF61E}"/>
+                  <a16:creationId xmlns="" xmlns:a16="http://schemas.microsoft.com/office/drawing/2014/main" id="{CED04324-A62C-4EA2-BC81-5A808FFAF61E}"/>
                 </a:ext>
               </a:extLst>
             </p:cNvPr>
@@ -22027,7 +22094,7 @@
           <p:cNvPr id="125" name="Gruppieren 124">
             <a:extLst>
               <a:ext uri="{FF2B5EF4-FFF2-40B4-BE49-F238E27FC236}">
-                <a16:creationId xmlns:a16="http://schemas.microsoft.com/office/drawing/2014/main" xmlns="" id="{320327D5-173D-451C-8EDB-7FAB7AD9DD20}"/>
+                <a16:creationId xmlns="" xmlns:a16="http://schemas.microsoft.com/office/drawing/2014/main" id="{320327D5-173D-451C-8EDB-7FAB7AD9DD20}"/>
               </a:ext>
             </a:extLst>
           </p:cNvPr>
@@ -22047,7 +22114,7 @@
             <p:cNvPr id="126" name="Ellipse 125">
               <a:extLst>
                 <a:ext uri="{FF2B5EF4-FFF2-40B4-BE49-F238E27FC236}">
-                  <a16:creationId xmlns:a16="http://schemas.microsoft.com/office/drawing/2014/main" xmlns="" id="{274D9387-6B5C-401E-B4C8-130AF81B531A}"/>
+                  <a16:creationId xmlns="" xmlns:a16="http://schemas.microsoft.com/office/drawing/2014/main" id="{274D9387-6B5C-401E-B4C8-130AF81B531A}"/>
                 </a:ext>
               </a:extLst>
             </p:cNvPr>
@@ -22101,7 +22168,7 @@
             <p:cNvPr id="127" name="Rechteck 126">
               <a:extLst>
                 <a:ext uri="{FF2B5EF4-FFF2-40B4-BE49-F238E27FC236}">
-                  <a16:creationId xmlns:a16="http://schemas.microsoft.com/office/drawing/2014/main" xmlns="" id="{038A19BF-BD00-4B5F-A0BD-94502AD71F85}"/>
+                  <a16:creationId xmlns="" xmlns:a16="http://schemas.microsoft.com/office/drawing/2014/main" id="{038A19BF-BD00-4B5F-A0BD-94502AD71F85}"/>
                 </a:ext>
               </a:extLst>
             </p:cNvPr>
@@ -22155,7 +22222,7 @@
             <p:cNvPr id="128" name="Rechteck 127">
               <a:extLst>
                 <a:ext uri="{FF2B5EF4-FFF2-40B4-BE49-F238E27FC236}">
-                  <a16:creationId xmlns:a16="http://schemas.microsoft.com/office/drawing/2014/main" xmlns="" id="{65298760-2D76-423D-8227-8970A2B52C77}"/>
+                  <a16:creationId xmlns="" xmlns:a16="http://schemas.microsoft.com/office/drawing/2014/main" id="{65298760-2D76-423D-8227-8970A2B52C77}"/>
                 </a:ext>
               </a:extLst>
             </p:cNvPr>
@@ -22209,7 +22276,7 @@
             <p:cNvPr id="129" name="Gerader Verbinder 128">
               <a:extLst>
                 <a:ext uri="{FF2B5EF4-FFF2-40B4-BE49-F238E27FC236}">
-                  <a16:creationId xmlns:a16="http://schemas.microsoft.com/office/drawing/2014/main" xmlns="" id="{0622082E-0C96-4716-952A-4EFB1F35931E}"/>
+                  <a16:creationId xmlns="" xmlns:a16="http://schemas.microsoft.com/office/drawing/2014/main" id="{0622082E-0C96-4716-952A-4EFB1F35931E}"/>
                 </a:ext>
               </a:extLst>
             </p:cNvPr>
@@ -22257,7 +22324,7 @@
             <p:cNvPr id="130" name="Gerader Verbinder 129">
               <a:extLst>
                 <a:ext uri="{FF2B5EF4-FFF2-40B4-BE49-F238E27FC236}">
-                  <a16:creationId xmlns:a16="http://schemas.microsoft.com/office/drawing/2014/main" xmlns="" id="{1A39AD16-EE27-464A-A265-0C48B8D20EC3}"/>
+                  <a16:creationId xmlns="" xmlns:a16="http://schemas.microsoft.com/office/drawing/2014/main" id="{1A39AD16-EE27-464A-A265-0C48B8D20EC3}"/>
                 </a:ext>
               </a:extLst>
             </p:cNvPr>
@@ -22305,7 +22372,7 @@
             <p:cNvPr id="131" name="Gerader Verbinder 130">
               <a:extLst>
                 <a:ext uri="{FF2B5EF4-FFF2-40B4-BE49-F238E27FC236}">
-                  <a16:creationId xmlns:a16="http://schemas.microsoft.com/office/drawing/2014/main" xmlns="" id="{F40C5656-2493-42F0-9217-D4810481E7E2}"/>
+                  <a16:creationId xmlns="" xmlns:a16="http://schemas.microsoft.com/office/drawing/2014/main" id="{F40C5656-2493-42F0-9217-D4810481E7E2}"/>
                 </a:ext>
               </a:extLst>
             </p:cNvPr>
@@ -22350,7 +22417,7 @@
           <p:cNvPr id="140" name="Ellipse 139">
             <a:extLst>
               <a:ext uri="{FF2B5EF4-FFF2-40B4-BE49-F238E27FC236}">
-                <a16:creationId xmlns:a16="http://schemas.microsoft.com/office/drawing/2014/main" xmlns="" id="{7F05F61F-0845-4356-9136-9654EDCDEE40}"/>
+                <a16:creationId xmlns="" xmlns:a16="http://schemas.microsoft.com/office/drawing/2014/main" id="{7F05F61F-0845-4356-9136-9654EDCDEE40}"/>
               </a:ext>
             </a:extLst>
           </p:cNvPr>
@@ -22407,7 +22474,7 @@
           <p:cNvPr id="141" name="Rechteck 140">
             <a:extLst>
               <a:ext uri="{FF2B5EF4-FFF2-40B4-BE49-F238E27FC236}">
-                <a16:creationId xmlns:a16="http://schemas.microsoft.com/office/drawing/2014/main" xmlns="" id="{D884463F-3390-40C5-815A-94BE95D290C0}"/>
+                <a16:creationId xmlns="" xmlns:a16="http://schemas.microsoft.com/office/drawing/2014/main" id="{D884463F-3390-40C5-815A-94BE95D290C0}"/>
               </a:ext>
             </a:extLst>
           </p:cNvPr>
@@ -22464,7 +22531,7 @@
           <p:cNvPr id="142" name="Rechteck 141">
             <a:extLst>
               <a:ext uri="{FF2B5EF4-FFF2-40B4-BE49-F238E27FC236}">
-                <a16:creationId xmlns:a16="http://schemas.microsoft.com/office/drawing/2014/main" xmlns="" id="{B4D4A6C0-87BE-4ADA-A582-D90C5D471F3B}"/>
+                <a16:creationId xmlns="" xmlns:a16="http://schemas.microsoft.com/office/drawing/2014/main" id="{B4D4A6C0-87BE-4ADA-A582-D90C5D471F3B}"/>
               </a:ext>
             </a:extLst>
           </p:cNvPr>
@@ -22521,7 +22588,7 @@
           <p:cNvPr id="145" name="Gerader Verbinder 144">
             <a:extLst>
               <a:ext uri="{FF2B5EF4-FFF2-40B4-BE49-F238E27FC236}">
-                <a16:creationId xmlns:a16="http://schemas.microsoft.com/office/drawing/2014/main" xmlns="" id="{7D0581FC-0B4D-4C9E-B767-A45D8EFC67FF}"/>
+                <a16:creationId xmlns="" xmlns:a16="http://schemas.microsoft.com/office/drawing/2014/main" id="{7D0581FC-0B4D-4C9E-B767-A45D8EFC67FF}"/>
               </a:ext>
             </a:extLst>
           </p:cNvPr>
@@ -22569,7 +22636,7 @@
           <p:cNvPr id="147" name="Gerader Verbinder 146">
             <a:extLst>
               <a:ext uri="{FF2B5EF4-FFF2-40B4-BE49-F238E27FC236}">
-                <a16:creationId xmlns:a16="http://schemas.microsoft.com/office/drawing/2014/main" xmlns="" id="{2A8A01D3-FC8D-4852-AF75-33EA98DC7860}"/>
+                <a16:creationId xmlns="" xmlns:a16="http://schemas.microsoft.com/office/drawing/2014/main" id="{2A8A01D3-FC8D-4852-AF75-33EA98DC7860}"/>
               </a:ext>
             </a:extLst>
           </p:cNvPr>
@@ -22616,7 +22683,7 @@
           <p:cNvPr id="148" name="Gerader Verbinder 147">
             <a:extLst>
               <a:ext uri="{FF2B5EF4-FFF2-40B4-BE49-F238E27FC236}">
-                <a16:creationId xmlns:a16="http://schemas.microsoft.com/office/drawing/2014/main" xmlns="" id="{3547AB33-B599-4C1C-863B-6FCEE23D94DE}"/>
+                <a16:creationId xmlns="" xmlns:a16="http://schemas.microsoft.com/office/drawing/2014/main" id="{3547AB33-B599-4C1C-863B-6FCEE23D94DE}"/>
               </a:ext>
             </a:extLst>
           </p:cNvPr>
@@ -22663,7 +22730,7 @@
           <p:cNvPr id="149" name="Gerader Verbinder 148">
             <a:extLst>
               <a:ext uri="{FF2B5EF4-FFF2-40B4-BE49-F238E27FC236}">
-                <a16:creationId xmlns:a16="http://schemas.microsoft.com/office/drawing/2014/main" xmlns="" id="{45FFF2BB-7A0C-4029-AB43-5BA5ECB3DB6D}"/>
+                <a16:creationId xmlns="" xmlns:a16="http://schemas.microsoft.com/office/drawing/2014/main" id="{45FFF2BB-7A0C-4029-AB43-5BA5ECB3DB6D}"/>
               </a:ext>
             </a:extLst>
           </p:cNvPr>
@@ -22708,7 +22775,7 @@
     </p:spTree>
     <p:extLst>
       <p:ext uri="{BB962C8B-B14F-4D97-AF65-F5344CB8AC3E}">
-        <p14:creationId xmlns:p14="http://schemas.microsoft.com/office/powerpoint/2010/main" xmlns="" val="733313450"/>
+        <p14:creationId xmlns:p14="http://schemas.microsoft.com/office/powerpoint/2010/main" val="733313450"/>
       </p:ext>
     </p:extLst>
   </p:cSld>
@@ -22740,7 +22807,7 @@
           <p:cNvPr id="2" name="Titel 1">
             <a:extLst>
               <a:ext uri="{FF2B5EF4-FFF2-40B4-BE49-F238E27FC236}">
-                <a16:creationId xmlns:a16="http://schemas.microsoft.com/office/drawing/2014/main" xmlns="" id="{594F37A0-8FD9-42A4-A80F-4C479182787E}"/>
+                <a16:creationId xmlns="" xmlns:a16="http://schemas.microsoft.com/office/drawing/2014/main" id="{594F37A0-8FD9-42A4-A80F-4C479182787E}"/>
               </a:ext>
             </a:extLst>
           </p:cNvPr>
@@ -22768,7 +22835,7 @@
           <p:cNvPr id="3" name="Inhaltsplatzhalter 2">
             <a:extLst>
               <a:ext uri="{FF2B5EF4-FFF2-40B4-BE49-F238E27FC236}">
-                <a16:creationId xmlns:a16="http://schemas.microsoft.com/office/drawing/2014/main" xmlns="" id="{B201CE33-F1D7-423B-B373-1D449812B3D5}"/>
+                <a16:creationId xmlns="" xmlns:a16="http://schemas.microsoft.com/office/drawing/2014/main" id="{B201CE33-F1D7-423B-B373-1D449812B3D5}"/>
               </a:ext>
             </a:extLst>
           </p:cNvPr>
@@ -22797,7 +22864,7 @@
           <p:cNvPr id="5" name="Pfeil: Chevron 4">
             <a:extLst>
               <a:ext uri="{FF2B5EF4-FFF2-40B4-BE49-F238E27FC236}">
-                <a16:creationId xmlns:a16="http://schemas.microsoft.com/office/drawing/2014/main" xmlns="" id="{FE16A436-3EBF-406A-A452-2785E92CA870}"/>
+                <a16:creationId xmlns="" xmlns:a16="http://schemas.microsoft.com/office/drawing/2014/main" id="{FE16A436-3EBF-406A-A452-2785E92CA870}"/>
               </a:ext>
             </a:extLst>
           </p:cNvPr>
@@ -22867,7 +22934,7 @@
           <p:cNvPr id="6" name="Pfeil: Chevron 5">
             <a:extLst>
               <a:ext uri="{FF2B5EF4-FFF2-40B4-BE49-F238E27FC236}">
-                <a16:creationId xmlns:a16="http://schemas.microsoft.com/office/drawing/2014/main" xmlns="" id="{4B425B4C-53B0-4FDA-90C8-3EAE519EFFB2}"/>
+                <a16:creationId xmlns="" xmlns:a16="http://schemas.microsoft.com/office/drawing/2014/main" id="{4B425B4C-53B0-4FDA-90C8-3EAE519EFFB2}"/>
               </a:ext>
             </a:extLst>
           </p:cNvPr>
@@ -22933,7 +23000,7 @@
           <p:cNvPr id="7" name="Pfeil: Chevron 6">
             <a:extLst>
               <a:ext uri="{FF2B5EF4-FFF2-40B4-BE49-F238E27FC236}">
-                <a16:creationId xmlns:a16="http://schemas.microsoft.com/office/drawing/2014/main" xmlns="" id="{14F5353B-3EA0-4F48-A473-08D522F34D71}"/>
+                <a16:creationId xmlns="" xmlns:a16="http://schemas.microsoft.com/office/drawing/2014/main" id="{14F5353B-3EA0-4F48-A473-08D522F34D71}"/>
               </a:ext>
             </a:extLst>
           </p:cNvPr>
@@ -23010,7 +23077,7 @@
           <p:cNvPr id="8" name="Pfeil: Chevron 7">
             <a:extLst>
               <a:ext uri="{FF2B5EF4-FFF2-40B4-BE49-F238E27FC236}">
-                <a16:creationId xmlns:a16="http://schemas.microsoft.com/office/drawing/2014/main" xmlns="" id="{655E865C-680E-47F4-9F87-B4EB179E321D}"/>
+                <a16:creationId xmlns="" xmlns:a16="http://schemas.microsoft.com/office/drawing/2014/main" id="{655E865C-680E-47F4-9F87-B4EB179E321D}"/>
               </a:ext>
             </a:extLst>
           </p:cNvPr>
@@ -23102,7 +23169,7 @@
     </p:spTree>
     <p:extLst>
       <p:ext uri="{BB962C8B-B14F-4D97-AF65-F5344CB8AC3E}">
-        <p14:creationId xmlns:p14="http://schemas.microsoft.com/office/powerpoint/2010/main" xmlns="" val="3359108963"/>
+        <p14:creationId xmlns:p14="http://schemas.microsoft.com/office/powerpoint/2010/main" val="3359108963"/>
       </p:ext>
     </p:extLst>
   </p:cSld>
@@ -23134,7 +23201,7 @@
           <p:cNvPr id="2" name="Titel 1">
             <a:extLst>
               <a:ext uri="{FF2B5EF4-FFF2-40B4-BE49-F238E27FC236}">
-                <a16:creationId xmlns:a16="http://schemas.microsoft.com/office/drawing/2014/main" xmlns="" id="{D209E4DA-0ABD-4811-9B3D-451135F8BF59}"/>
+                <a16:creationId xmlns="" xmlns:a16="http://schemas.microsoft.com/office/drawing/2014/main" id="{D209E4DA-0ABD-4811-9B3D-451135F8BF59}"/>
               </a:ext>
             </a:extLst>
           </p:cNvPr>
@@ -23162,7 +23229,7 @@
           <p:cNvPr id="3" name="Inhaltsplatzhalter 2">
             <a:extLst>
               <a:ext uri="{FF2B5EF4-FFF2-40B4-BE49-F238E27FC236}">
-                <a16:creationId xmlns:a16="http://schemas.microsoft.com/office/drawing/2014/main" xmlns="" id="{70201C4E-97C9-45D8-ABE0-F9473FAAE5FC}"/>
+                <a16:creationId xmlns="" xmlns:a16="http://schemas.microsoft.com/office/drawing/2014/main" id="{70201C4E-97C9-45D8-ABE0-F9473FAAE5FC}"/>
               </a:ext>
             </a:extLst>
           </p:cNvPr>
@@ -23258,7 +23325,7 @@
           <p:cNvPr id="4" name="Stern: 5 Zacken 3">
             <a:extLst>
               <a:ext uri="{FF2B5EF4-FFF2-40B4-BE49-F238E27FC236}">
-                <a16:creationId xmlns:a16="http://schemas.microsoft.com/office/drawing/2014/main" xmlns="" id="{DBABFC3A-E1A9-4FC4-AE97-94DBBB5E3AED}"/>
+                <a16:creationId xmlns="" xmlns:a16="http://schemas.microsoft.com/office/drawing/2014/main" id="{DBABFC3A-E1A9-4FC4-AE97-94DBBB5E3AED}"/>
               </a:ext>
             </a:extLst>
           </p:cNvPr>
@@ -23310,7 +23377,7 @@
     </p:spTree>
     <p:extLst>
       <p:ext uri="{BB962C8B-B14F-4D97-AF65-F5344CB8AC3E}">
-        <p14:creationId xmlns:p14="http://schemas.microsoft.com/office/powerpoint/2010/main" xmlns="" val="931636316"/>
+        <p14:creationId xmlns:p14="http://schemas.microsoft.com/office/powerpoint/2010/main" val="931636316"/>
       </p:ext>
     </p:extLst>
   </p:cSld>
@@ -23342,7 +23409,7 @@
           <p:cNvPr id="2" name="Titel 1">
             <a:extLst>
               <a:ext uri="{FF2B5EF4-FFF2-40B4-BE49-F238E27FC236}">
-                <a16:creationId xmlns:a16="http://schemas.microsoft.com/office/drawing/2014/main" xmlns="" id="{594F37A0-8FD9-42A4-A80F-4C479182787E}"/>
+                <a16:creationId xmlns="" xmlns:a16="http://schemas.microsoft.com/office/drawing/2014/main" id="{594F37A0-8FD9-42A4-A80F-4C479182787E}"/>
               </a:ext>
             </a:extLst>
           </p:cNvPr>
@@ -23370,7 +23437,7 @@
           <p:cNvPr id="3" name="Inhaltsplatzhalter 2">
             <a:extLst>
               <a:ext uri="{FF2B5EF4-FFF2-40B4-BE49-F238E27FC236}">
-                <a16:creationId xmlns:a16="http://schemas.microsoft.com/office/drawing/2014/main" xmlns="" id="{B201CE33-F1D7-423B-B373-1D449812B3D5}"/>
+                <a16:creationId xmlns="" xmlns:a16="http://schemas.microsoft.com/office/drawing/2014/main" id="{B201CE33-F1D7-423B-B373-1D449812B3D5}"/>
               </a:ext>
             </a:extLst>
           </p:cNvPr>
@@ -23459,7 +23526,7 @@
           <p:cNvPr id="5" name="Pfeil: Chevron 4">
             <a:extLst>
               <a:ext uri="{FF2B5EF4-FFF2-40B4-BE49-F238E27FC236}">
-                <a16:creationId xmlns:a16="http://schemas.microsoft.com/office/drawing/2014/main" xmlns="" id="{FE16A436-3EBF-406A-A452-2785E92CA870}"/>
+                <a16:creationId xmlns="" xmlns:a16="http://schemas.microsoft.com/office/drawing/2014/main" id="{FE16A436-3EBF-406A-A452-2785E92CA870}"/>
               </a:ext>
             </a:extLst>
           </p:cNvPr>
@@ -23529,7 +23596,7 @@
           <p:cNvPr id="6" name="Pfeil: Chevron 5">
             <a:extLst>
               <a:ext uri="{FF2B5EF4-FFF2-40B4-BE49-F238E27FC236}">
-                <a16:creationId xmlns:a16="http://schemas.microsoft.com/office/drawing/2014/main" xmlns="" id="{4B425B4C-53B0-4FDA-90C8-3EAE519EFFB2}"/>
+                <a16:creationId xmlns="" xmlns:a16="http://schemas.microsoft.com/office/drawing/2014/main" id="{4B425B4C-53B0-4FDA-90C8-3EAE519EFFB2}"/>
               </a:ext>
             </a:extLst>
           </p:cNvPr>
@@ -23595,7 +23662,7 @@
           <p:cNvPr id="7" name="Pfeil: Chevron 6">
             <a:extLst>
               <a:ext uri="{FF2B5EF4-FFF2-40B4-BE49-F238E27FC236}">
-                <a16:creationId xmlns:a16="http://schemas.microsoft.com/office/drawing/2014/main" xmlns="" id="{14F5353B-3EA0-4F48-A473-08D522F34D71}"/>
+                <a16:creationId xmlns="" xmlns:a16="http://schemas.microsoft.com/office/drawing/2014/main" id="{14F5353B-3EA0-4F48-A473-08D522F34D71}"/>
               </a:ext>
             </a:extLst>
           </p:cNvPr>
@@ -23672,7 +23739,7 @@
           <p:cNvPr id="8" name="Pfeil: Chevron 7">
             <a:extLst>
               <a:ext uri="{FF2B5EF4-FFF2-40B4-BE49-F238E27FC236}">
-                <a16:creationId xmlns:a16="http://schemas.microsoft.com/office/drawing/2014/main" xmlns="" id="{655E865C-680E-47F4-9F87-B4EB179E321D}"/>
+                <a16:creationId xmlns="" xmlns:a16="http://schemas.microsoft.com/office/drawing/2014/main" id="{655E865C-680E-47F4-9F87-B4EB179E321D}"/>
               </a:ext>
             </a:extLst>
           </p:cNvPr>
@@ -23764,7 +23831,7 @@
     </p:spTree>
     <p:extLst>
       <p:ext uri="{BB962C8B-B14F-4D97-AF65-F5344CB8AC3E}">
-        <p14:creationId xmlns:p14="http://schemas.microsoft.com/office/powerpoint/2010/main" xmlns="" val="3359108963"/>
+        <p14:creationId xmlns:p14="http://schemas.microsoft.com/office/powerpoint/2010/main" val="3359108963"/>
       </p:ext>
     </p:extLst>
   </p:cSld>
@@ -23796,7 +23863,7 @@
           <p:cNvPr id="2" name="Titel 1">
             <a:extLst>
               <a:ext uri="{FF2B5EF4-FFF2-40B4-BE49-F238E27FC236}">
-                <a16:creationId xmlns:a16="http://schemas.microsoft.com/office/drawing/2014/main" xmlns="" id="{594F37A0-8FD9-42A4-A80F-4C479182787E}"/>
+                <a16:creationId xmlns="" xmlns:a16="http://schemas.microsoft.com/office/drawing/2014/main" id="{594F37A0-8FD9-42A4-A80F-4C479182787E}"/>
               </a:ext>
             </a:extLst>
           </p:cNvPr>
@@ -23824,7 +23891,7 @@
           <p:cNvPr id="3" name="Inhaltsplatzhalter 2">
             <a:extLst>
               <a:ext uri="{FF2B5EF4-FFF2-40B4-BE49-F238E27FC236}">
-                <a16:creationId xmlns:a16="http://schemas.microsoft.com/office/drawing/2014/main" xmlns="" id="{B201CE33-F1D7-423B-B373-1D449812B3D5}"/>
+                <a16:creationId xmlns="" xmlns:a16="http://schemas.microsoft.com/office/drawing/2014/main" id="{B201CE33-F1D7-423B-B373-1D449812B3D5}"/>
               </a:ext>
             </a:extLst>
           </p:cNvPr>
@@ -23897,7 +23964,7 @@
           <p:cNvPr id="5" name="Pfeil: Chevron 4">
             <a:extLst>
               <a:ext uri="{FF2B5EF4-FFF2-40B4-BE49-F238E27FC236}">
-                <a16:creationId xmlns:a16="http://schemas.microsoft.com/office/drawing/2014/main" xmlns="" id="{FE16A436-3EBF-406A-A452-2785E92CA870}"/>
+                <a16:creationId xmlns="" xmlns:a16="http://schemas.microsoft.com/office/drawing/2014/main" id="{FE16A436-3EBF-406A-A452-2785E92CA870}"/>
               </a:ext>
             </a:extLst>
           </p:cNvPr>
@@ -23967,7 +24034,7 @@
           <p:cNvPr id="6" name="Pfeil: Chevron 5">
             <a:extLst>
               <a:ext uri="{FF2B5EF4-FFF2-40B4-BE49-F238E27FC236}">
-                <a16:creationId xmlns:a16="http://schemas.microsoft.com/office/drawing/2014/main" xmlns="" id="{4B425B4C-53B0-4FDA-90C8-3EAE519EFFB2}"/>
+                <a16:creationId xmlns="" xmlns:a16="http://schemas.microsoft.com/office/drawing/2014/main" id="{4B425B4C-53B0-4FDA-90C8-3EAE519EFFB2}"/>
               </a:ext>
             </a:extLst>
           </p:cNvPr>
@@ -24033,7 +24100,7 @@
           <p:cNvPr id="7" name="Pfeil: Chevron 6">
             <a:extLst>
               <a:ext uri="{FF2B5EF4-FFF2-40B4-BE49-F238E27FC236}">
-                <a16:creationId xmlns:a16="http://schemas.microsoft.com/office/drawing/2014/main" xmlns="" id="{14F5353B-3EA0-4F48-A473-08D522F34D71}"/>
+                <a16:creationId xmlns="" xmlns:a16="http://schemas.microsoft.com/office/drawing/2014/main" id="{14F5353B-3EA0-4F48-A473-08D522F34D71}"/>
               </a:ext>
             </a:extLst>
           </p:cNvPr>
@@ -24110,7 +24177,7 @@
           <p:cNvPr id="8" name="Pfeil: Chevron 7">
             <a:extLst>
               <a:ext uri="{FF2B5EF4-FFF2-40B4-BE49-F238E27FC236}">
-                <a16:creationId xmlns:a16="http://schemas.microsoft.com/office/drawing/2014/main" xmlns="" id="{655E865C-680E-47F4-9F87-B4EB179E321D}"/>
+                <a16:creationId xmlns="" xmlns:a16="http://schemas.microsoft.com/office/drawing/2014/main" id="{655E865C-680E-47F4-9F87-B4EB179E321D}"/>
               </a:ext>
             </a:extLst>
           </p:cNvPr>
@@ -24202,7 +24269,7 @@
     </p:spTree>
     <p:extLst>
       <p:ext uri="{BB962C8B-B14F-4D97-AF65-F5344CB8AC3E}">
-        <p14:creationId xmlns:p14="http://schemas.microsoft.com/office/powerpoint/2010/main" xmlns="" val="3359108963"/>
+        <p14:creationId xmlns:p14="http://schemas.microsoft.com/office/powerpoint/2010/main" val="3359108963"/>
       </p:ext>
     </p:extLst>
   </p:cSld>
@@ -24234,7 +24301,7 @@
           <p:cNvPr id="2" name="Titel 1">
             <a:extLst>
               <a:ext uri="{FF2B5EF4-FFF2-40B4-BE49-F238E27FC236}">
-                <a16:creationId xmlns:a16="http://schemas.microsoft.com/office/drawing/2014/main" xmlns="" id="{594F37A0-8FD9-42A4-A80F-4C479182787E}"/>
+                <a16:creationId xmlns="" xmlns:a16="http://schemas.microsoft.com/office/drawing/2014/main" id="{594F37A0-8FD9-42A4-A80F-4C479182787E}"/>
               </a:ext>
             </a:extLst>
           </p:cNvPr>
@@ -24262,7 +24329,7 @@
           <p:cNvPr id="3" name="Inhaltsplatzhalter 2">
             <a:extLst>
               <a:ext uri="{FF2B5EF4-FFF2-40B4-BE49-F238E27FC236}">
-                <a16:creationId xmlns:a16="http://schemas.microsoft.com/office/drawing/2014/main" xmlns="" id="{B201CE33-F1D7-423B-B373-1D449812B3D5}"/>
+                <a16:creationId xmlns="" xmlns:a16="http://schemas.microsoft.com/office/drawing/2014/main" id="{B201CE33-F1D7-423B-B373-1D449812B3D5}"/>
               </a:ext>
             </a:extLst>
           </p:cNvPr>
@@ -24335,7 +24402,7 @@
           <p:cNvPr id="5" name="Pfeil: Chevron 4">
             <a:extLst>
               <a:ext uri="{FF2B5EF4-FFF2-40B4-BE49-F238E27FC236}">
-                <a16:creationId xmlns:a16="http://schemas.microsoft.com/office/drawing/2014/main" xmlns="" id="{FE16A436-3EBF-406A-A452-2785E92CA870}"/>
+                <a16:creationId xmlns="" xmlns:a16="http://schemas.microsoft.com/office/drawing/2014/main" id="{FE16A436-3EBF-406A-A452-2785E92CA870}"/>
               </a:ext>
             </a:extLst>
           </p:cNvPr>
@@ -24405,7 +24472,7 @@
           <p:cNvPr id="6" name="Pfeil: Chevron 5">
             <a:extLst>
               <a:ext uri="{FF2B5EF4-FFF2-40B4-BE49-F238E27FC236}">
-                <a16:creationId xmlns:a16="http://schemas.microsoft.com/office/drawing/2014/main" xmlns="" id="{4B425B4C-53B0-4FDA-90C8-3EAE519EFFB2}"/>
+                <a16:creationId xmlns="" xmlns:a16="http://schemas.microsoft.com/office/drawing/2014/main" id="{4B425B4C-53B0-4FDA-90C8-3EAE519EFFB2}"/>
               </a:ext>
             </a:extLst>
           </p:cNvPr>
@@ -24471,7 +24538,7 @@
           <p:cNvPr id="7" name="Pfeil: Chevron 6">
             <a:extLst>
               <a:ext uri="{FF2B5EF4-FFF2-40B4-BE49-F238E27FC236}">
-                <a16:creationId xmlns:a16="http://schemas.microsoft.com/office/drawing/2014/main" xmlns="" id="{14F5353B-3EA0-4F48-A473-08D522F34D71}"/>
+                <a16:creationId xmlns="" xmlns:a16="http://schemas.microsoft.com/office/drawing/2014/main" id="{14F5353B-3EA0-4F48-A473-08D522F34D71}"/>
               </a:ext>
             </a:extLst>
           </p:cNvPr>
@@ -24548,7 +24615,7 @@
           <p:cNvPr id="8" name="Pfeil: Chevron 7">
             <a:extLst>
               <a:ext uri="{FF2B5EF4-FFF2-40B4-BE49-F238E27FC236}">
-                <a16:creationId xmlns:a16="http://schemas.microsoft.com/office/drawing/2014/main" xmlns="" id="{655E865C-680E-47F4-9F87-B4EB179E321D}"/>
+                <a16:creationId xmlns="" xmlns:a16="http://schemas.microsoft.com/office/drawing/2014/main" id="{655E865C-680E-47F4-9F87-B4EB179E321D}"/>
               </a:ext>
             </a:extLst>
           </p:cNvPr>
@@ -24640,7 +24707,7 @@
     </p:spTree>
     <p:extLst>
       <p:ext uri="{BB962C8B-B14F-4D97-AF65-F5344CB8AC3E}">
-        <p14:creationId xmlns:p14="http://schemas.microsoft.com/office/powerpoint/2010/main" xmlns="" val="3359108963"/>
+        <p14:creationId xmlns:p14="http://schemas.microsoft.com/office/powerpoint/2010/main" val="3359108963"/>
       </p:ext>
     </p:extLst>
   </p:cSld>
@@ -24672,7 +24739,7 @@
           <p:cNvPr id="2" name="Titel 1">
             <a:extLst>
               <a:ext uri="{FF2B5EF4-FFF2-40B4-BE49-F238E27FC236}">
-                <a16:creationId xmlns:a16="http://schemas.microsoft.com/office/drawing/2014/main" xmlns="" id="{594F37A0-8FD9-42A4-A80F-4C479182787E}"/>
+                <a16:creationId xmlns="" xmlns:a16="http://schemas.microsoft.com/office/drawing/2014/main" id="{594F37A0-8FD9-42A4-A80F-4C479182787E}"/>
               </a:ext>
             </a:extLst>
           </p:cNvPr>
@@ -24700,7 +24767,7 @@
           <p:cNvPr id="3" name="Inhaltsplatzhalter 2">
             <a:extLst>
               <a:ext uri="{FF2B5EF4-FFF2-40B4-BE49-F238E27FC236}">
-                <a16:creationId xmlns:a16="http://schemas.microsoft.com/office/drawing/2014/main" xmlns="" id="{B201CE33-F1D7-423B-B373-1D449812B3D5}"/>
+                <a16:creationId xmlns="" xmlns:a16="http://schemas.microsoft.com/office/drawing/2014/main" id="{B201CE33-F1D7-423B-B373-1D449812B3D5}"/>
               </a:ext>
             </a:extLst>
           </p:cNvPr>
@@ -24805,7 +24872,7 @@
           <p:cNvPr id="5" name="Pfeil: Chevron 4">
             <a:extLst>
               <a:ext uri="{FF2B5EF4-FFF2-40B4-BE49-F238E27FC236}">
-                <a16:creationId xmlns:a16="http://schemas.microsoft.com/office/drawing/2014/main" xmlns="" id="{FE16A436-3EBF-406A-A452-2785E92CA870}"/>
+                <a16:creationId xmlns="" xmlns:a16="http://schemas.microsoft.com/office/drawing/2014/main" id="{FE16A436-3EBF-406A-A452-2785E92CA870}"/>
               </a:ext>
             </a:extLst>
           </p:cNvPr>
@@ -24875,7 +24942,7 @@
           <p:cNvPr id="6" name="Pfeil: Chevron 5">
             <a:extLst>
               <a:ext uri="{FF2B5EF4-FFF2-40B4-BE49-F238E27FC236}">
-                <a16:creationId xmlns:a16="http://schemas.microsoft.com/office/drawing/2014/main" xmlns="" id="{4B425B4C-53B0-4FDA-90C8-3EAE519EFFB2}"/>
+                <a16:creationId xmlns="" xmlns:a16="http://schemas.microsoft.com/office/drawing/2014/main" id="{4B425B4C-53B0-4FDA-90C8-3EAE519EFFB2}"/>
               </a:ext>
             </a:extLst>
           </p:cNvPr>
@@ -24941,7 +25008,7 @@
           <p:cNvPr id="7" name="Pfeil: Chevron 6">
             <a:extLst>
               <a:ext uri="{FF2B5EF4-FFF2-40B4-BE49-F238E27FC236}">
-                <a16:creationId xmlns:a16="http://schemas.microsoft.com/office/drawing/2014/main" xmlns="" id="{14F5353B-3EA0-4F48-A473-08D522F34D71}"/>
+                <a16:creationId xmlns="" xmlns:a16="http://schemas.microsoft.com/office/drawing/2014/main" id="{14F5353B-3EA0-4F48-A473-08D522F34D71}"/>
               </a:ext>
             </a:extLst>
           </p:cNvPr>
@@ -25018,7 +25085,7 @@
           <p:cNvPr id="8" name="Pfeil: Chevron 7">
             <a:extLst>
               <a:ext uri="{FF2B5EF4-FFF2-40B4-BE49-F238E27FC236}">
-                <a16:creationId xmlns:a16="http://schemas.microsoft.com/office/drawing/2014/main" xmlns="" id="{655E865C-680E-47F4-9F87-B4EB179E321D}"/>
+                <a16:creationId xmlns="" xmlns:a16="http://schemas.microsoft.com/office/drawing/2014/main" id="{655E865C-680E-47F4-9F87-B4EB179E321D}"/>
               </a:ext>
             </a:extLst>
           </p:cNvPr>
@@ -25110,7 +25177,7 @@
     </p:spTree>
     <p:extLst>
       <p:ext uri="{BB962C8B-B14F-4D97-AF65-F5344CB8AC3E}">
-        <p14:creationId xmlns:p14="http://schemas.microsoft.com/office/powerpoint/2010/main" xmlns="" val="3359108963"/>
+        <p14:creationId xmlns:p14="http://schemas.microsoft.com/office/powerpoint/2010/main" val="3359108963"/>
       </p:ext>
     </p:extLst>
   </p:cSld>
@@ -25142,7 +25209,7 @@
           <p:cNvPr id="2" name="Titel 1">
             <a:extLst>
               <a:ext uri="{FF2B5EF4-FFF2-40B4-BE49-F238E27FC236}">
-                <a16:creationId xmlns:a16="http://schemas.microsoft.com/office/drawing/2014/main" xmlns="" id="{594F37A0-8FD9-42A4-A80F-4C479182787E}"/>
+                <a16:creationId xmlns="" xmlns:a16="http://schemas.microsoft.com/office/drawing/2014/main" id="{594F37A0-8FD9-42A4-A80F-4C479182787E}"/>
               </a:ext>
             </a:extLst>
           </p:cNvPr>
@@ -25171,7 +25238,7 @@
           <p:cNvPr id="3" name="Inhaltsplatzhalter 2">
             <a:extLst>
               <a:ext uri="{FF2B5EF4-FFF2-40B4-BE49-F238E27FC236}">
-                <a16:creationId xmlns:a16="http://schemas.microsoft.com/office/drawing/2014/main" xmlns="" id="{B201CE33-F1D7-423B-B373-1D449812B3D5}"/>
+                <a16:creationId xmlns="" xmlns:a16="http://schemas.microsoft.com/office/drawing/2014/main" id="{B201CE33-F1D7-423B-B373-1D449812B3D5}"/>
               </a:ext>
             </a:extLst>
           </p:cNvPr>
@@ -25196,7 +25263,7 @@
           <p:cNvPr id="5" name="Pfeil: Chevron 4">
             <a:extLst>
               <a:ext uri="{FF2B5EF4-FFF2-40B4-BE49-F238E27FC236}">
-                <a16:creationId xmlns:a16="http://schemas.microsoft.com/office/drawing/2014/main" xmlns="" id="{FE16A436-3EBF-406A-A452-2785E92CA870}"/>
+                <a16:creationId xmlns="" xmlns:a16="http://schemas.microsoft.com/office/drawing/2014/main" id="{FE16A436-3EBF-406A-A452-2785E92CA870}"/>
               </a:ext>
             </a:extLst>
           </p:cNvPr>
@@ -25266,7 +25333,7 @@
           <p:cNvPr id="6" name="Pfeil: Chevron 5">
             <a:extLst>
               <a:ext uri="{FF2B5EF4-FFF2-40B4-BE49-F238E27FC236}">
-                <a16:creationId xmlns:a16="http://schemas.microsoft.com/office/drawing/2014/main" xmlns="" id="{4B425B4C-53B0-4FDA-90C8-3EAE519EFFB2}"/>
+                <a16:creationId xmlns="" xmlns:a16="http://schemas.microsoft.com/office/drawing/2014/main" id="{4B425B4C-53B0-4FDA-90C8-3EAE519EFFB2}"/>
               </a:ext>
             </a:extLst>
           </p:cNvPr>
@@ -25332,7 +25399,7 @@
           <p:cNvPr id="7" name="Pfeil: Chevron 6">
             <a:extLst>
               <a:ext uri="{FF2B5EF4-FFF2-40B4-BE49-F238E27FC236}">
-                <a16:creationId xmlns:a16="http://schemas.microsoft.com/office/drawing/2014/main" xmlns="" id="{14F5353B-3EA0-4F48-A473-08D522F34D71}"/>
+                <a16:creationId xmlns="" xmlns:a16="http://schemas.microsoft.com/office/drawing/2014/main" id="{14F5353B-3EA0-4F48-A473-08D522F34D71}"/>
               </a:ext>
             </a:extLst>
           </p:cNvPr>
@@ -25409,7 +25476,7 @@
           <p:cNvPr id="8" name="Pfeil: Chevron 7">
             <a:extLst>
               <a:ext uri="{FF2B5EF4-FFF2-40B4-BE49-F238E27FC236}">
-                <a16:creationId xmlns:a16="http://schemas.microsoft.com/office/drawing/2014/main" xmlns="" id="{655E865C-680E-47F4-9F87-B4EB179E321D}"/>
+                <a16:creationId xmlns="" xmlns:a16="http://schemas.microsoft.com/office/drawing/2014/main" id="{655E865C-680E-47F4-9F87-B4EB179E321D}"/>
               </a:ext>
             </a:extLst>
           </p:cNvPr>
@@ -25698,7 +25765,7 @@
     </p:spTree>
     <p:extLst>
       <p:ext uri="{BB962C8B-B14F-4D97-AF65-F5344CB8AC3E}">
-        <p14:creationId xmlns:p14="http://schemas.microsoft.com/office/powerpoint/2010/main" xmlns="" val="3359108963"/>
+        <p14:creationId xmlns:p14="http://schemas.microsoft.com/office/powerpoint/2010/main" val="3359108963"/>
       </p:ext>
     </p:extLst>
   </p:cSld>
@@ -25737,7 +25804,7 @@
           <p:cNvPr id="2" name="Titel 1">
             <a:extLst>
               <a:ext uri="{FF2B5EF4-FFF2-40B4-BE49-F238E27FC236}">
-                <a16:creationId xmlns:a16="http://schemas.microsoft.com/office/drawing/2014/main" xmlns="" id="{594F37A0-8FD9-42A4-A80F-4C479182787E}"/>
+                <a16:creationId xmlns="" xmlns:a16="http://schemas.microsoft.com/office/drawing/2014/main" id="{594F37A0-8FD9-42A4-A80F-4C479182787E}"/>
               </a:ext>
             </a:extLst>
           </p:cNvPr>
@@ -25766,7 +25833,7 @@
           <p:cNvPr id="3" name="Inhaltsplatzhalter 2">
             <a:extLst>
               <a:ext uri="{FF2B5EF4-FFF2-40B4-BE49-F238E27FC236}">
-                <a16:creationId xmlns:a16="http://schemas.microsoft.com/office/drawing/2014/main" xmlns="" id="{B201CE33-F1D7-423B-B373-1D449812B3D5}"/>
+                <a16:creationId xmlns="" xmlns:a16="http://schemas.microsoft.com/office/drawing/2014/main" id="{B201CE33-F1D7-423B-B373-1D449812B3D5}"/>
               </a:ext>
             </a:extLst>
           </p:cNvPr>
@@ -25896,7 +25963,7 @@
           <p:cNvPr id="5" name="Pfeil: Chevron 4">
             <a:extLst>
               <a:ext uri="{FF2B5EF4-FFF2-40B4-BE49-F238E27FC236}">
-                <a16:creationId xmlns:a16="http://schemas.microsoft.com/office/drawing/2014/main" xmlns="" id="{FE16A436-3EBF-406A-A452-2785E92CA870}"/>
+                <a16:creationId xmlns="" xmlns:a16="http://schemas.microsoft.com/office/drawing/2014/main" id="{FE16A436-3EBF-406A-A452-2785E92CA870}"/>
               </a:ext>
             </a:extLst>
           </p:cNvPr>
@@ -25966,7 +26033,7 @@
           <p:cNvPr id="6" name="Pfeil: Chevron 5">
             <a:extLst>
               <a:ext uri="{FF2B5EF4-FFF2-40B4-BE49-F238E27FC236}">
-                <a16:creationId xmlns:a16="http://schemas.microsoft.com/office/drawing/2014/main" xmlns="" id="{4B425B4C-53B0-4FDA-90C8-3EAE519EFFB2}"/>
+                <a16:creationId xmlns="" xmlns:a16="http://schemas.microsoft.com/office/drawing/2014/main" id="{4B425B4C-53B0-4FDA-90C8-3EAE519EFFB2}"/>
               </a:ext>
             </a:extLst>
           </p:cNvPr>
@@ -26032,7 +26099,7 @@
           <p:cNvPr id="7" name="Pfeil: Chevron 6">
             <a:extLst>
               <a:ext uri="{FF2B5EF4-FFF2-40B4-BE49-F238E27FC236}">
-                <a16:creationId xmlns:a16="http://schemas.microsoft.com/office/drawing/2014/main" xmlns="" id="{14F5353B-3EA0-4F48-A473-08D522F34D71}"/>
+                <a16:creationId xmlns="" xmlns:a16="http://schemas.microsoft.com/office/drawing/2014/main" id="{14F5353B-3EA0-4F48-A473-08D522F34D71}"/>
               </a:ext>
             </a:extLst>
           </p:cNvPr>
@@ -26109,7 +26176,7 @@
           <p:cNvPr id="8" name="Pfeil: Chevron 7">
             <a:extLst>
               <a:ext uri="{FF2B5EF4-FFF2-40B4-BE49-F238E27FC236}">
-                <a16:creationId xmlns:a16="http://schemas.microsoft.com/office/drawing/2014/main" xmlns="" id="{655E865C-680E-47F4-9F87-B4EB179E321D}"/>
+                <a16:creationId xmlns="" xmlns:a16="http://schemas.microsoft.com/office/drawing/2014/main" id="{655E865C-680E-47F4-9F87-B4EB179E321D}"/>
               </a:ext>
             </a:extLst>
           </p:cNvPr>
@@ -26398,7 +26465,7 @@
     </p:spTree>
     <p:extLst>
       <p:ext uri="{BB962C8B-B14F-4D97-AF65-F5344CB8AC3E}">
-        <p14:creationId xmlns:p14="http://schemas.microsoft.com/office/powerpoint/2010/main" xmlns="" val="2065099838"/>
+        <p14:creationId xmlns:p14="http://schemas.microsoft.com/office/powerpoint/2010/main" val="2065099838"/>
       </p:ext>
     </p:extLst>
   </p:cSld>
@@ -26437,7 +26504,7 @@
           <p:cNvPr id="2" name="Titel 1">
             <a:extLst>
               <a:ext uri="{FF2B5EF4-FFF2-40B4-BE49-F238E27FC236}">
-                <a16:creationId xmlns:a16="http://schemas.microsoft.com/office/drawing/2014/main" xmlns="" id="{594F37A0-8FD9-42A4-A80F-4C479182787E}"/>
+                <a16:creationId xmlns="" xmlns:a16="http://schemas.microsoft.com/office/drawing/2014/main" id="{594F37A0-8FD9-42A4-A80F-4C479182787E}"/>
               </a:ext>
             </a:extLst>
           </p:cNvPr>
@@ -26466,7 +26533,7 @@
           <p:cNvPr id="3" name="Inhaltsplatzhalter 2">
             <a:extLst>
               <a:ext uri="{FF2B5EF4-FFF2-40B4-BE49-F238E27FC236}">
-                <a16:creationId xmlns:a16="http://schemas.microsoft.com/office/drawing/2014/main" xmlns="" id="{B201CE33-F1D7-423B-B373-1D449812B3D5}"/>
+                <a16:creationId xmlns="" xmlns:a16="http://schemas.microsoft.com/office/drawing/2014/main" id="{B201CE33-F1D7-423B-B373-1D449812B3D5}"/>
               </a:ext>
             </a:extLst>
           </p:cNvPr>
@@ -26628,7 +26695,7 @@
           <p:cNvPr id="5" name="Pfeil: Chevron 4">
             <a:extLst>
               <a:ext uri="{FF2B5EF4-FFF2-40B4-BE49-F238E27FC236}">
-                <a16:creationId xmlns:a16="http://schemas.microsoft.com/office/drawing/2014/main" xmlns="" id="{FE16A436-3EBF-406A-A452-2785E92CA870}"/>
+                <a16:creationId xmlns="" xmlns:a16="http://schemas.microsoft.com/office/drawing/2014/main" id="{FE16A436-3EBF-406A-A452-2785E92CA870}"/>
               </a:ext>
             </a:extLst>
           </p:cNvPr>
@@ -26698,7 +26765,7 @@
           <p:cNvPr id="6" name="Pfeil: Chevron 5">
             <a:extLst>
               <a:ext uri="{FF2B5EF4-FFF2-40B4-BE49-F238E27FC236}">
-                <a16:creationId xmlns:a16="http://schemas.microsoft.com/office/drawing/2014/main" xmlns="" id="{4B425B4C-53B0-4FDA-90C8-3EAE519EFFB2}"/>
+                <a16:creationId xmlns="" xmlns:a16="http://schemas.microsoft.com/office/drawing/2014/main" id="{4B425B4C-53B0-4FDA-90C8-3EAE519EFFB2}"/>
               </a:ext>
             </a:extLst>
           </p:cNvPr>
@@ -26764,7 +26831,7 @@
           <p:cNvPr id="7" name="Pfeil: Chevron 6">
             <a:extLst>
               <a:ext uri="{FF2B5EF4-FFF2-40B4-BE49-F238E27FC236}">
-                <a16:creationId xmlns:a16="http://schemas.microsoft.com/office/drawing/2014/main" xmlns="" id="{14F5353B-3EA0-4F48-A473-08D522F34D71}"/>
+                <a16:creationId xmlns="" xmlns:a16="http://schemas.microsoft.com/office/drawing/2014/main" id="{14F5353B-3EA0-4F48-A473-08D522F34D71}"/>
               </a:ext>
             </a:extLst>
           </p:cNvPr>
@@ -26841,7 +26908,7 @@
           <p:cNvPr id="8" name="Pfeil: Chevron 7">
             <a:extLst>
               <a:ext uri="{FF2B5EF4-FFF2-40B4-BE49-F238E27FC236}">
-                <a16:creationId xmlns:a16="http://schemas.microsoft.com/office/drawing/2014/main" xmlns="" id="{655E865C-680E-47F4-9F87-B4EB179E321D}"/>
+                <a16:creationId xmlns="" xmlns:a16="http://schemas.microsoft.com/office/drawing/2014/main" id="{655E865C-680E-47F4-9F87-B4EB179E321D}"/>
               </a:ext>
             </a:extLst>
           </p:cNvPr>
@@ -27130,7 +27197,7 @@
     </p:spTree>
     <p:extLst>
       <p:ext uri="{BB962C8B-B14F-4D97-AF65-F5344CB8AC3E}">
-        <p14:creationId xmlns:p14="http://schemas.microsoft.com/office/powerpoint/2010/main" xmlns="" val="153290221"/>
+        <p14:creationId xmlns:p14="http://schemas.microsoft.com/office/powerpoint/2010/main" val="153290221"/>
       </p:ext>
     </p:extLst>
   </p:cSld>
@@ -27169,7 +27236,7 @@
           <p:cNvPr id="2" name="Titel 1">
             <a:extLst>
               <a:ext uri="{FF2B5EF4-FFF2-40B4-BE49-F238E27FC236}">
-                <a16:creationId xmlns:a16="http://schemas.microsoft.com/office/drawing/2014/main" xmlns="" id="{594F37A0-8FD9-42A4-A80F-4C479182787E}"/>
+                <a16:creationId xmlns="" xmlns:a16="http://schemas.microsoft.com/office/drawing/2014/main" id="{594F37A0-8FD9-42A4-A80F-4C479182787E}"/>
               </a:ext>
             </a:extLst>
           </p:cNvPr>
@@ -27198,7 +27265,7 @@
           <p:cNvPr id="3" name="Inhaltsplatzhalter 2">
             <a:extLst>
               <a:ext uri="{FF2B5EF4-FFF2-40B4-BE49-F238E27FC236}">
-                <a16:creationId xmlns:a16="http://schemas.microsoft.com/office/drawing/2014/main" xmlns="" id="{B201CE33-F1D7-423B-B373-1D449812B3D5}"/>
+                <a16:creationId xmlns="" xmlns:a16="http://schemas.microsoft.com/office/drawing/2014/main" id="{B201CE33-F1D7-423B-B373-1D449812B3D5}"/>
               </a:ext>
             </a:extLst>
           </p:cNvPr>
@@ -27375,7 +27442,7 @@
           <p:cNvPr id="5" name="Pfeil: Chevron 4">
             <a:extLst>
               <a:ext uri="{FF2B5EF4-FFF2-40B4-BE49-F238E27FC236}">
-                <a16:creationId xmlns:a16="http://schemas.microsoft.com/office/drawing/2014/main" xmlns="" id="{FE16A436-3EBF-406A-A452-2785E92CA870}"/>
+                <a16:creationId xmlns="" xmlns:a16="http://schemas.microsoft.com/office/drawing/2014/main" id="{FE16A436-3EBF-406A-A452-2785E92CA870}"/>
               </a:ext>
             </a:extLst>
           </p:cNvPr>
@@ -27445,7 +27512,7 @@
           <p:cNvPr id="6" name="Pfeil: Chevron 5">
             <a:extLst>
               <a:ext uri="{FF2B5EF4-FFF2-40B4-BE49-F238E27FC236}">
-                <a16:creationId xmlns:a16="http://schemas.microsoft.com/office/drawing/2014/main" xmlns="" id="{4B425B4C-53B0-4FDA-90C8-3EAE519EFFB2}"/>
+                <a16:creationId xmlns="" xmlns:a16="http://schemas.microsoft.com/office/drawing/2014/main" id="{4B425B4C-53B0-4FDA-90C8-3EAE519EFFB2}"/>
               </a:ext>
             </a:extLst>
           </p:cNvPr>
@@ -27511,7 +27578,7 @@
           <p:cNvPr id="7" name="Pfeil: Chevron 6">
             <a:extLst>
               <a:ext uri="{FF2B5EF4-FFF2-40B4-BE49-F238E27FC236}">
-                <a16:creationId xmlns:a16="http://schemas.microsoft.com/office/drawing/2014/main" xmlns="" id="{14F5353B-3EA0-4F48-A473-08D522F34D71}"/>
+                <a16:creationId xmlns="" xmlns:a16="http://schemas.microsoft.com/office/drawing/2014/main" id="{14F5353B-3EA0-4F48-A473-08D522F34D71}"/>
               </a:ext>
             </a:extLst>
           </p:cNvPr>
@@ -27588,7 +27655,7 @@
           <p:cNvPr id="8" name="Pfeil: Chevron 7">
             <a:extLst>
               <a:ext uri="{FF2B5EF4-FFF2-40B4-BE49-F238E27FC236}">
-                <a16:creationId xmlns:a16="http://schemas.microsoft.com/office/drawing/2014/main" xmlns="" id="{655E865C-680E-47F4-9F87-B4EB179E321D}"/>
+                <a16:creationId xmlns="" xmlns:a16="http://schemas.microsoft.com/office/drawing/2014/main" id="{655E865C-680E-47F4-9F87-B4EB179E321D}"/>
               </a:ext>
             </a:extLst>
           </p:cNvPr>
@@ -27877,7 +27944,7 @@
     </p:spTree>
     <p:extLst>
       <p:ext uri="{BB962C8B-B14F-4D97-AF65-F5344CB8AC3E}">
-        <p14:creationId xmlns:p14="http://schemas.microsoft.com/office/powerpoint/2010/main" xmlns="" val="1495301057"/>
+        <p14:creationId xmlns:p14="http://schemas.microsoft.com/office/powerpoint/2010/main" val="1495301057"/>
       </p:ext>
     </p:extLst>
   </p:cSld>
@@ -27916,7 +27983,7 @@
           <p:cNvPr id="2" name="Titel 1">
             <a:extLst>
               <a:ext uri="{FF2B5EF4-FFF2-40B4-BE49-F238E27FC236}">
-                <a16:creationId xmlns:a16="http://schemas.microsoft.com/office/drawing/2014/main" xmlns="" id="{594F37A0-8FD9-42A4-A80F-4C479182787E}"/>
+                <a16:creationId xmlns="" xmlns:a16="http://schemas.microsoft.com/office/drawing/2014/main" id="{594F37A0-8FD9-42A4-A80F-4C479182787E}"/>
               </a:ext>
             </a:extLst>
           </p:cNvPr>
@@ -27945,7 +28012,7 @@
           <p:cNvPr id="3" name="Inhaltsplatzhalter 2">
             <a:extLst>
               <a:ext uri="{FF2B5EF4-FFF2-40B4-BE49-F238E27FC236}">
-                <a16:creationId xmlns:a16="http://schemas.microsoft.com/office/drawing/2014/main" xmlns="" id="{B201CE33-F1D7-423B-B373-1D449812B3D5}"/>
+                <a16:creationId xmlns="" xmlns:a16="http://schemas.microsoft.com/office/drawing/2014/main" id="{B201CE33-F1D7-423B-B373-1D449812B3D5}"/>
               </a:ext>
             </a:extLst>
           </p:cNvPr>
@@ -28078,7 +28145,7 @@
           <p:cNvPr id="5" name="Pfeil: Chevron 4">
             <a:extLst>
               <a:ext uri="{FF2B5EF4-FFF2-40B4-BE49-F238E27FC236}">
-                <a16:creationId xmlns:a16="http://schemas.microsoft.com/office/drawing/2014/main" xmlns="" id="{FE16A436-3EBF-406A-A452-2785E92CA870}"/>
+                <a16:creationId xmlns="" xmlns:a16="http://schemas.microsoft.com/office/drawing/2014/main" id="{FE16A436-3EBF-406A-A452-2785E92CA870}"/>
               </a:ext>
             </a:extLst>
           </p:cNvPr>
@@ -28148,7 +28215,7 @@
           <p:cNvPr id="6" name="Pfeil: Chevron 5">
             <a:extLst>
               <a:ext uri="{FF2B5EF4-FFF2-40B4-BE49-F238E27FC236}">
-                <a16:creationId xmlns:a16="http://schemas.microsoft.com/office/drawing/2014/main" xmlns="" id="{4B425B4C-53B0-4FDA-90C8-3EAE519EFFB2}"/>
+                <a16:creationId xmlns="" xmlns:a16="http://schemas.microsoft.com/office/drawing/2014/main" id="{4B425B4C-53B0-4FDA-90C8-3EAE519EFFB2}"/>
               </a:ext>
             </a:extLst>
           </p:cNvPr>
@@ -28214,7 +28281,7 @@
           <p:cNvPr id="7" name="Pfeil: Chevron 6">
             <a:extLst>
               <a:ext uri="{FF2B5EF4-FFF2-40B4-BE49-F238E27FC236}">
-                <a16:creationId xmlns:a16="http://schemas.microsoft.com/office/drawing/2014/main" xmlns="" id="{14F5353B-3EA0-4F48-A473-08D522F34D71}"/>
+                <a16:creationId xmlns="" xmlns:a16="http://schemas.microsoft.com/office/drawing/2014/main" id="{14F5353B-3EA0-4F48-A473-08D522F34D71}"/>
               </a:ext>
             </a:extLst>
           </p:cNvPr>
@@ -28291,7 +28358,7 @@
           <p:cNvPr id="8" name="Pfeil: Chevron 7">
             <a:extLst>
               <a:ext uri="{FF2B5EF4-FFF2-40B4-BE49-F238E27FC236}">
-                <a16:creationId xmlns:a16="http://schemas.microsoft.com/office/drawing/2014/main" xmlns="" id="{655E865C-680E-47F4-9F87-B4EB179E321D}"/>
+                <a16:creationId xmlns="" xmlns:a16="http://schemas.microsoft.com/office/drawing/2014/main" id="{655E865C-680E-47F4-9F87-B4EB179E321D}"/>
               </a:ext>
             </a:extLst>
           </p:cNvPr>
@@ -28359,7 +28426,7 @@
     </p:spTree>
     <p:extLst>
       <p:ext uri="{BB962C8B-B14F-4D97-AF65-F5344CB8AC3E}">
-        <p14:creationId xmlns:p14="http://schemas.microsoft.com/office/powerpoint/2010/main" xmlns="" val="1617989302"/>
+        <p14:creationId xmlns:p14="http://schemas.microsoft.com/office/powerpoint/2010/main" val="1617989302"/>
       </p:ext>
     </p:extLst>
   </p:cSld>
@@ -28398,7 +28465,7 @@
           <p:cNvPr id="2" name="Titel 1">
             <a:extLst>
               <a:ext uri="{FF2B5EF4-FFF2-40B4-BE49-F238E27FC236}">
-                <a16:creationId xmlns:a16="http://schemas.microsoft.com/office/drawing/2014/main" xmlns="" id="{594F37A0-8FD9-42A4-A80F-4C479182787E}"/>
+                <a16:creationId xmlns="" xmlns:a16="http://schemas.microsoft.com/office/drawing/2014/main" id="{594F37A0-8FD9-42A4-A80F-4C479182787E}"/>
               </a:ext>
             </a:extLst>
           </p:cNvPr>
@@ -28427,7 +28494,7 @@
           <p:cNvPr id="3" name="Inhaltsplatzhalter 2">
             <a:extLst>
               <a:ext uri="{FF2B5EF4-FFF2-40B4-BE49-F238E27FC236}">
-                <a16:creationId xmlns:a16="http://schemas.microsoft.com/office/drawing/2014/main" xmlns="" id="{B201CE33-F1D7-423B-B373-1D449812B3D5}"/>
+                <a16:creationId xmlns="" xmlns:a16="http://schemas.microsoft.com/office/drawing/2014/main" id="{B201CE33-F1D7-423B-B373-1D449812B3D5}"/>
               </a:ext>
             </a:extLst>
           </p:cNvPr>
@@ -28450,8 +28517,8 @@
           <a:p>
             <a:pPr algn="ctr"/>
             <a:r>
-              <a:rPr lang="de-DE" b="1" dirty="0" err="1" smtClean="0"/>
-              <a:t>Solutuion</a:t>
+              <a:rPr lang="de-DE" b="1" dirty="0" smtClean="0"/>
+              <a:t>Solution</a:t>
             </a:r>
             <a:endParaRPr lang="de-DE" b="1" dirty="0"/>
           </a:p>
@@ -28737,7 +28804,7 @@
           <p:cNvPr id="5" name="Pfeil: Chevron 4">
             <a:extLst>
               <a:ext uri="{FF2B5EF4-FFF2-40B4-BE49-F238E27FC236}">
-                <a16:creationId xmlns:a16="http://schemas.microsoft.com/office/drawing/2014/main" xmlns="" id="{FE16A436-3EBF-406A-A452-2785E92CA870}"/>
+                <a16:creationId xmlns="" xmlns:a16="http://schemas.microsoft.com/office/drawing/2014/main" id="{FE16A436-3EBF-406A-A452-2785E92CA870}"/>
               </a:ext>
             </a:extLst>
           </p:cNvPr>
@@ -28807,7 +28874,7 @@
           <p:cNvPr id="6" name="Pfeil: Chevron 5">
             <a:extLst>
               <a:ext uri="{FF2B5EF4-FFF2-40B4-BE49-F238E27FC236}">
-                <a16:creationId xmlns:a16="http://schemas.microsoft.com/office/drawing/2014/main" xmlns="" id="{4B425B4C-53B0-4FDA-90C8-3EAE519EFFB2}"/>
+                <a16:creationId xmlns="" xmlns:a16="http://schemas.microsoft.com/office/drawing/2014/main" id="{4B425B4C-53B0-4FDA-90C8-3EAE519EFFB2}"/>
               </a:ext>
             </a:extLst>
           </p:cNvPr>
@@ -28873,7 +28940,7 @@
           <p:cNvPr id="7" name="Pfeil: Chevron 6">
             <a:extLst>
               <a:ext uri="{FF2B5EF4-FFF2-40B4-BE49-F238E27FC236}">
-                <a16:creationId xmlns:a16="http://schemas.microsoft.com/office/drawing/2014/main" xmlns="" id="{14F5353B-3EA0-4F48-A473-08D522F34D71}"/>
+                <a16:creationId xmlns="" xmlns:a16="http://schemas.microsoft.com/office/drawing/2014/main" id="{14F5353B-3EA0-4F48-A473-08D522F34D71}"/>
               </a:ext>
             </a:extLst>
           </p:cNvPr>
@@ -28950,7 +29017,7 @@
           <p:cNvPr id="8" name="Pfeil: Chevron 7">
             <a:extLst>
               <a:ext uri="{FF2B5EF4-FFF2-40B4-BE49-F238E27FC236}">
-                <a16:creationId xmlns:a16="http://schemas.microsoft.com/office/drawing/2014/main" xmlns="" id="{655E865C-680E-47F4-9F87-B4EB179E321D}"/>
+                <a16:creationId xmlns="" xmlns:a16="http://schemas.microsoft.com/office/drawing/2014/main" id="{655E865C-680E-47F4-9F87-B4EB179E321D}"/>
               </a:ext>
             </a:extLst>
           </p:cNvPr>
@@ -29138,7 +29205,7 @@
     </p:spTree>
     <p:extLst>
       <p:ext uri="{BB962C8B-B14F-4D97-AF65-F5344CB8AC3E}">
-        <p14:creationId xmlns:p14="http://schemas.microsoft.com/office/powerpoint/2010/main" xmlns="" val="3009233743"/>
+        <p14:creationId xmlns:p14="http://schemas.microsoft.com/office/powerpoint/2010/main" val="3009233743"/>
       </p:ext>
     </p:extLst>
   </p:cSld>
@@ -29177,7 +29244,7 @@
           <p:cNvPr id="2" name="Titel 1">
             <a:extLst>
               <a:ext uri="{FF2B5EF4-FFF2-40B4-BE49-F238E27FC236}">
-                <a16:creationId xmlns:a16="http://schemas.microsoft.com/office/drawing/2014/main" xmlns="" id="{ECD13983-53CB-41A8-9897-E4D20881F929}"/>
+                <a16:creationId xmlns="" xmlns:a16="http://schemas.microsoft.com/office/drawing/2014/main" id="{ECD13983-53CB-41A8-9897-E4D20881F929}"/>
               </a:ext>
             </a:extLst>
           </p:cNvPr>
@@ -29205,7 +29272,7 @@
           <p:cNvPr id="3" name="Textplatzhalter 2">
             <a:extLst>
               <a:ext uri="{FF2B5EF4-FFF2-40B4-BE49-F238E27FC236}">
-                <a16:creationId xmlns:a16="http://schemas.microsoft.com/office/drawing/2014/main" xmlns="" id="{8A82E612-E974-4DE0-823F-A661C5C288BB}"/>
+                <a16:creationId xmlns="" xmlns:a16="http://schemas.microsoft.com/office/drawing/2014/main" id="{8A82E612-E974-4DE0-823F-A661C5C288BB}"/>
               </a:ext>
             </a:extLst>
           </p:cNvPr>
@@ -29228,7 +29295,7 @@
     </p:spTree>
     <p:extLst>
       <p:ext uri="{BB962C8B-B14F-4D97-AF65-F5344CB8AC3E}">
-        <p14:creationId xmlns:p14="http://schemas.microsoft.com/office/powerpoint/2010/main" xmlns="" val="2456738491"/>
+        <p14:creationId xmlns:p14="http://schemas.microsoft.com/office/powerpoint/2010/main" val="2456738491"/>
       </p:ext>
     </p:extLst>
   </p:cSld>
@@ -29260,7 +29327,7 @@
           <p:cNvPr id="2" name="Titel 1">
             <a:extLst>
               <a:ext uri="{FF2B5EF4-FFF2-40B4-BE49-F238E27FC236}">
-                <a16:creationId xmlns:a16="http://schemas.microsoft.com/office/drawing/2014/main" xmlns="" id="{594F37A0-8FD9-42A4-A80F-4C479182787E}"/>
+                <a16:creationId xmlns="" xmlns:a16="http://schemas.microsoft.com/office/drawing/2014/main" id="{594F37A0-8FD9-42A4-A80F-4C479182787E}"/>
               </a:ext>
             </a:extLst>
           </p:cNvPr>
@@ -29289,7 +29356,7 @@
           <p:cNvPr id="3" name="Inhaltsplatzhalter 2">
             <a:extLst>
               <a:ext uri="{FF2B5EF4-FFF2-40B4-BE49-F238E27FC236}">
-                <a16:creationId xmlns:a16="http://schemas.microsoft.com/office/drawing/2014/main" xmlns="" id="{B201CE33-F1D7-423B-B373-1D449812B3D5}"/>
+                <a16:creationId xmlns="" xmlns:a16="http://schemas.microsoft.com/office/drawing/2014/main" id="{B201CE33-F1D7-423B-B373-1D449812B3D5}"/>
               </a:ext>
             </a:extLst>
           </p:cNvPr>
@@ -29505,7 +29572,7 @@
           <p:cNvPr id="5" name="Pfeil: Chevron 4">
             <a:extLst>
               <a:ext uri="{FF2B5EF4-FFF2-40B4-BE49-F238E27FC236}">
-                <a16:creationId xmlns:a16="http://schemas.microsoft.com/office/drawing/2014/main" xmlns="" id="{FE16A436-3EBF-406A-A452-2785E92CA870}"/>
+                <a16:creationId xmlns="" xmlns:a16="http://schemas.microsoft.com/office/drawing/2014/main" id="{FE16A436-3EBF-406A-A452-2785E92CA870}"/>
               </a:ext>
             </a:extLst>
           </p:cNvPr>
@@ -29575,7 +29642,7 @@
           <p:cNvPr id="6" name="Pfeil: Chevron 5">
             <a:extLst>
               <a:ext uri="{FF2B5EF4-FFF2-40B4-BE49-F238E27FC236}">
-                <a16:creationId xmlns:a16="http://schemas.microsoft.com/office/drawing/2014/main" xmlns="" id="{4B425B4C-53B0-4FDA-90C8-3EAE519EFFB2}"/>
+                <a16:creationId xmlns="" xmlns:a16="http://schemas.microsoft.com/office/drawing/2014/main" id="{4B425B4C-53B0-4FDA-90C8-3EAE519EFFB2}"/>
               </a:ext>
             </a:extLst>
           </p:cNvPr>
@@ -29641,7 +29708,7 @@
           <p:cNvPr id="7" name="Pfeil: Chevron 6">
             <a:extLst>
               <a:ext uri="{FF2B5EF4-FFF2-40B4-BE49-F238E27FC236}">
-                <a16:creationId xmlns:a16="http://schemas.microsoft.com/office/drawing/2014/main" xmlns="" id="{14F5353B-3EA0-4F48-A473-08D522F34D71}"/>
+                <a16:creationId xmlns="" xmlns:a16="http://schemas.microsoft.com/office/drawing/2014/main" id="{14F5353B-3EA0-4F48-A473-08D522F34D71}"/>
               </a:ext>
             </a:extLst>
           </p:cNvPr>
@@ -29718,7 +29785,7 @@
           <p:cNvPr id="8" name="Pfeil: Chevron 7">
             <a:extLst>
               <a:ext uri="{FF2B5EF4-FFF2-40B4-BE49-F238E27FC236}">
-                <a16:creationId xmlns:a16="http://schemas.microsoft.com/office/drawing/2014/main" xmlns="" id="{655E865C-680E-47F4-9F87-B4EB179E321D}"/>
+                <a16:creationId xmlns="" xmlns:a16="http://schemas.microsoft.com/office/drawing/2014/main" id="{655E865C-680E-47F4-9F87-B4EB179E321D}"/>
               </a:ext>
             </a:extLst>
           </p:cNvPr>
@@ -29940,7 +30007,7 @@
     </p:spTree>
     <p:extLst>
       <p:ext uri="{BB962C8B-B14F-4D97-AF65-F5344CB8AC3E}">
-        <p14:creationId xmlns:p14="http://schemas.microsoft.com/office/powerpoint/2010/main" xmlns="" val="3329183195"/>
+        <p14:creationId xmlns:p14="http://schemas.microsoft.com/office/powerpoint/2010/main" val="3329183195"/>
       </p:ext>
     </p:extLst>
   </p:cSld>
@@ -29979,7 +30046,7 @@
           <p:cNvPr id="2" name="Titel 1">
             <a:extLst>
               <a:ext uri="{FF2B5EF4-FFF2-40B4-BE49-F238E27FC236}">
-                <a16:creationId xmlns:a16="http://schemas.microsoft.com/office/drawing/2014/main" xmlns="" id="{594F37A0-8FD9-42A4-A80F-4C479182787E}"/>
+                <a16:creationId xmlns="" xmlns:a16="http://schemas.microsoft.com/office/drawing/2014/main" id="{594F37A0-8FD9-42A4-A80F-4C479182787E}"/>
               </a:ext>
             </a:extLst>
           </p:cNvPr>
@@ -30007,7 +30074,7 @@
           <p:cNvPr id="3" name="Inhaltsplatzhalter 2">
             <a:extLst>
               <a:ext uri="{FF2B5EF4-FFF2-40B4-BE49-F238E27FC236}">
-                <a16:creationId xmlns:a16="http://schemas.microsoft.com/office/drawing/2014/main" xmlns="" id="{B201CE33-F1D7-423B-B373-1D449812B3D5}"/>
+                <a16:creationId xmlns="" xmlns:a16="http://schemas.microsoft.com/office/drawing/2014/main" id="{B201CE33-F1D7-423B-B373-1D449812B3D5}"/>
               </a:ext>
             </a:extLst>
           </p:cNvPr>
@@ -30032,7 +30099,7 @@
           <p:cNvPr id="5" name="Pfeil: Chevron 4">
             <a:extLst>
               <a:ext uri="{FF2B5EF4-FFF2-40B4-BE49-F238E27FC236}">
-                <a16:creationId xmlns:a16="http://schemas.microsoft.com/office/drawing/2014/main" xmlns="" id="{FE16A436-3EBF-406A-A452-2785E92CA870}"/>
+                <a16:creationId xmlns="" xmlns:a16="http://schemas.microsoft.com/office/drawing/2014/main" id="{FE16A436-3EBF-406A-A452-2785E92CA870}"/>
               </a:ext>
             </a:extLst>
           </p:cNvPr>
@@ -30102,7 +30169,7 @@
           <p:cNvPr id="6" name="Pfeil: Chevron 5">
             <a:extLst>
               <a:ext uri="{FF2B5EF4-FFF2-40B4-BE49-F238E27FC236}">
-                <a16:creationId xmlns:a16="http://schemas.microsoft.com/office/drawing/2014/main" xmlns="" id="{4B425B4C-53B0-4FDA-90C8-3EAE519EFFB2}"/>
+                <a16:creationId xmlns="" xmlns:a16="http://schemas.microsoft.com/office/drawing/2014/main" id="{4B425B4C-53B0-4FDA-90C8-3EAE519EFFB2}"/>
               </a:ext>
             </a:extLst>
           </p:cNvPr>
@@ -30168,7 +30235,7 @@
           <p:cNvPr id="7" name="Pfeil: Chevron 6">
             <a:extLst>
               <a:ext uri="{FF2B5EF4-FFF2-40B4-BE49-F238E27FC236}">
-                <a16:creationId xmlns:a16="http://schemas.microsoft.com/office/drawing/2014/main" xmlns="" id="{14F5353B-3EA0-4F48-A473-08D522F34D71}"/>
+                <a16:creationId xmlns="" xmlns:a16="http://schemas.microsoft.com/office/drawing/2014/main" id="{14F5353B-3EA0-4F48-A473-08D522F34D71}"/>
               </a:ext>
             </a:extLst>
           </p:cNvPr>
@@ -30245,7 +30312,7 @@
           <p:cNvPr id="8" name="Pfeil: Chevron 7">
             <a:extLst>
               <a:ext uri="{FF2B5EF4-FFF2-40B4-BE49-F238E27FC236}">
-                <a16:creationId xmlns:a16="http://schemas.microsoft.com/office/drawing/2014/main" xmlns="" id="{655E865C-680E-47F4-9F87-B4EB179E321D}"/>
+                <a16:creationId xmlns="" xmlns:a16="http://schemas.microsoft.com/office/drawing/2014/main" id="{655E865C-680E-47F4-9F87-B4EB179E321D}"/>
               </a:ext>
             </a:extLst>
           </p:cNvPr>
@@ -30313,7 +30380,7 @@
     </p:spTree>
     <p:extLst>
       <p:ext uri="{BB962C8B-B14F-4D97-AF65-F5344CB8AC3E}">
-        <p14:creationId xmlns:p14="http://schemas.microsoft.com/office/powerpoint/2010/main" xmlns="" val="3359108963"/>
+        <p14:creationId xmlns:p14="http://schemas.microsoft.com/office/powerpoint/2010/main" val="3359108963"/>
       </p:ext>
     </p:extLst>
   </p:cSld>
@@ -30345,7 +30412,7 @@
           <p:cNvPr id="2" name="Titel 1">
             <a:extLst>
               <a:ext uri="{FF2B5EF4-FFF2-40B4-BE49-F238E27FC236}">
-                <a16:creationId xmlns:a16="http://schemas.microsoft.com/office/drawing/2014/main" xmlns="" id="{ECD13983-53CB-41A8-9897-E4D20881F929}"/>
+                <a16:creationId xmlns="" xmlns:a16="http://schemas.microsoft.com/office/drawing/2014/main" id="{ECD13983-53CB-41A8-9897-E4D20881F929}"/>
               </a:ext>
             </a:extLst>
           </p:cNvPr>
@@ -30374,7 +30441,7 @@
           <p:cNvPr id="3" name="Textplatzhalter 2">
             <a:extLst>
               <a:ext uri="{FF2B5EF4-FFF2-40B4-BE49-F238E27FC236}">
-                <a16:creationId xmlns:a16="http://schemas.microsoft.com/office/drawing/2014/main" xmlns="" id="{8A82E612-E974-4DE0-823F-A661C5C288BB}"/>
+                <a16:creationId xmlns="" xmlns:a16="http://schemas.microsoft.com/office/drawing/2014/main" id="{8A82E612-E974-4DE0-823F-A661C5C288BB}"/>
               </a:ext>
             </a:extLst>
           </p:cNvPr>
@@ -30397,7 +30464,7 @@
     </p:spTree>
     <p:extLst>
       <p:ext uri="{BB962C8B-B14F-4D97-AF65-F5344CB8AC3E}">
-        <p14:creationId xmlns:p14="http://schemas.microsoft.com/office/powerpoint/2010/main" xmlns="" val="140067109"/>
+        <p14:creationId xmlns:p14="http://schemas.microsoft.com/office/powerpoint/2010/main" val="140067109"/>
       </p:ext>
     </p:extLst>
   </p:cSld>
@@ -30429,7 +30496,7 @@
           <p:cNvPr id="2" name="Titel 1">
             <a:extLst>
               <a:ext uri="{FF2B5EF4-FFF2-40B4-BE49-F238E27FC236}">
-                <a16:creationId xmlns:a16="http://schemas.microsoft.com/office/drawing/2014/main" xmlns="" id="{594F37A0-8FD9-42A4-A80F-4C479182787E}"/>
+                <a16:creationId xmlns="" xmlns:a16="http://schemas.microsoft.com/office/drawing/2014/main" id="{594F37A0-8FD9-42A4-A80F-4C479182787E}"/>
               </a:ext>
             </a:extLst>
           </p:cNvPr>
@@ -30482,7 +30549,7 @@
           <p:cNvPr id="5" name="Pfeil: Chevron 4">
             <a:extLst>
               <a:ext uri="{FF2B5EF4-FFF2-40B4-BE49-F238E27FC236}">
-                <a16:creationId xmlns:a16="http://schemas.microsoft.com/office/drawing/2014/main" xmlns="" id="{FE16A436-3EBF-406A-A452-2785E92CA870}"/>
+                <a16:creationId xmlns="" xmlns:a16="http://schemas.microsoft.com/office/drawing/2014/main" id="{FE16A436-3EBF-406A-A452-2785E92CA870}"/>
               </a:ext>
             </a:extLst>
           </p:cNvPr>
@@ -30552,7 +30619,7 @@
           <p:cNvPr id="6" name="Pfeil: Chevron 5">
             <a:extLst>
               <a:ext uri="{FF2B5EF4-FFF2-40B4-BE49-F238E27FC236}">
-                <a16:creationId xmlns:a16="http://schemas.microsoft.com/office/drawing/2014/main" xmlns="" id="{4B425B4C-53B0-4FDA-90C8-3EAE519EFFB2}"/>
+                <a16:creationId xmlns="" xmlns:a16="http://schemas.microsoft.com/office/drawing/2014/main" id="{4B425B4C-53B0-4FDA-90C8-3EAE519EFFB2}"/>
               </a:ext>
             </a:extLst>
           </p:cNvPr>
@@ -30622,7 +30689,7 @@
           <p:cNvPr id="7" name="Pfeil: Chevron 6">
             <a:extLst>
               <a:ext uri="{FF2B5EF4-FFF2-40B4-BE49-F238E27FC236}">
-                <a16:creationId xmlns:a16="http://schemas.microsoft.com/office/drawing/2014/main" xmlns="" id="{14F5353B-3EA0-4F48-A473-08D522F34D71}"/>
+                <a16:creationId xmlns="" xmlns:a16="http://schemas.microsoft.com/office/drawing/2014/main" id="{14F5353B-3EA0-4F48-A473-08D522F34D71}"/>
               </a:ext>
             </a:extLst>
           </p:cNvPr>
@@ -30693,7 +30760,7 @@
           <p:cNvPr id="8" name="Pfeil: Chevron 7">
             <a:extLst>
               <a:ext uri="{FF2B5EF4-FFF2-40B4-BE49-F238E27FC236}">
-                <a16:creationId xmlns:a16="http://schemas.microsoft.com/office/drawing/2014/main" xmlns="" id="{655E865C-680E-47F4-9F87-B4EB179E321D}"/>
+                <a16:creationId xmlns="" xmlns:a16="http://schemas.microsoft.com/office/drawing/2014/main" id="{655E865C-680E-47F4-9F87-B4EB179E321D}"/>
               </a:ext>
             </a:extLst>
           </p:cNvPr>
@@ -30761,7 +30828,7 @@
     </p:spTree>
     <p:extLst>
       <p:ext uri="{BB962C8B-B14F-4D97-AF65-F5344CB8AC3E}">
-        <p14:creationId xmlns:p14="http://schemas.microsoft.com/office/powerpoint/2010/main" xmlns="" val="1367615360"/>
+        <p14:creationId xmlns:p14="http://schemas.microsoft.com/office/powerpoint/2010/main" val="1367615360"/>
       </p:ext>
     </p:extLst>
   </p:cSld>
@@ -30793,7 +30860,7 @@
           <p:cNvPr id="2" name="Titel 1">
             <a:extLst>
               <a:ext uri="{FF2B5EF4-FFF2-40B4-BE49-F238E27FC236}">
-                <a16:creationId xmlns:a16="http://schemas.microsoft.com/office/drawing/2014/main" xmlns="" id="{594F37A0-8FD9-42A4-A80F-4C479182787E}"/>
+                <a16:creationId xmlns="" xmlns:a16="http://schemas.microsoft.com/office/drawing/2014/main" id="{594F37A0-8FD9-42A4-A80F-4C479182787E}"/>
               </a:ext>
             </a:extLst>
           </p:cNvPr>
@@ -30826,7 +30893,7 @@
           <p:cNvPr id="3" name="Inhaltsplatzhalter 2">
             <a:extLst>
               <a:ext uri="{FF2B5EF4-FFF2-40B4-BE49-F238E27FC236}">
-                <a16:creationId xmlns:a16="http://schemas.microsoft.com/office/drawing/2014/main" xmlns="" id="{B201CE33-F1D7-423B-B373-1D449812B3D5}"/>
+                <a16:creationId xmlns="" xmlns:a16="http://schemas.microsoft.com/office/drawing/2014/main" id="{B201CE33-F1D7-423B-B373-1D449812B3D5}"/>
               </a:ext>
             </a:extLst>
           </p:cNvPr>
@@ -30911,7 +30978,7 @@
           <p:cNvPr id="5" name="Pfeil: Chevron 4">
             <a:extLst>
               <a:ext uri="{FF2B5EF4-FFF2-40B4-BE49-F238E27FC236}">
-                <a16:creationId xmlns:a16="http://schemas.microsoft.com/office/drawing/2014/main" xmlns="" id="{FE16A436-3EBF-406A-A452-2785E92CA870}"/>
+                <a16:creationId xmlns="" xmlns:a16="http://schemas.microsoft.com/office/drawing/2014/main" id="{FE16A436-3EBF-406A-A452-2785E92CA870}"/>
               </a:ext>
             </a:extLst>
           </p:cNvPr>
@@ -30981,7 +31048,7 @@
           <p:cNvPr id="6" name="Pfeil: Chevron 5">
             <a:extLst>
               <a:ext uri="{FF2B5EF4-FFF2-40B4-BE49-F238E27FC236}">
-                <a16:creationId xmlns:a16="http://schemas.microsoft.com/office/drawing/2014/main" xmlns="" id="{4B425B4C-53B0-4FDA-90C8-3EAE519EFFB2}"/>
+                <a16:creationId xmlns="" xmlns:a16="http://schemas.microsoft.com/office/drawing/2014/main" id="{4B425B4C-53B0-4FDA-90C8-3EAE519EFFB2}"/>
               </a:ext>
             </a:extLst>
           </p:cNvPr>
@@ -31051,7 +31118,7 @@
           <p:cNvPr id="7" name="Pfeil: Chevron 6">
             <a:extLst>
               <a:ext uri="{FF2B5EF4-FFF2-40B4-BE49-F238E27FC236}">
-                <a16:creationId xmlns:a16="http://schemas.microsoft.com/office/drawing/2014/main" xmlns="" id="{14F5353B-3EA0-4F48-A473-08D522F34D71}"/>
+                <a16:creationId xmlns="" xmlns:a16="http://schemas.microsoft.com/office/drawing/2014/main" id="{14F5353B-3EA0-4F48-A473-08D522F34D71}"/>
               </a:ext>
             </a:extLst>
           </p:cNvPr>
@@ -31122,7 +31189,7 @@
           <p:cNvPr id="8" name="Pfeil: Chevron 7">
             <a:extLst>
               <a:ext uri="{FF2B5EF4-FFF2-40B4-BE49-F238E27FC236}">
-                <a16:creationId xmlns:a16="http://schemas.microsoft.com/office/drawing/2014/main" xmlns="" id="{655E865C-680E-47F4-9F87-B4EB179E321D}"/>
+                <a16:creationId xmlns="" xmlns:a16="http://schemas.microsoft.com/office/drawing/2014/main" id="{655E865C-680E-47F4-9F87-B4EB179E321D}"/>
               </a:ext>
             </a:extLst>
           </p:cNvPr>
@@ -31190,7 +31257,7 @@
     </p:spTree>
     <p:extLst>
       <p:ext uri="{BB962C8B-B14F-4D97-AF65-F5344CB8AC3E}">
-        <p14:creationId xmlns:p14="http://schemas.microsoft.com/office/powerpoint/2010/main" xmlns="" val="1367615360"/>
+        <p14:creationId xmlns:p14="http://schemas.microsoft.com/office/powerpoint/2010/main" val="1367615360"/>
       </p:ext>
     </p:extLst>
   </p:cSld>
@@ -31222,7 +31289,7 @@
           <p:cNvPr id="2" name="Titel 1">
             <a:extLst>
               <a:ext uri="{FF2B5EF4-FFF2-40B4-BE49-F238E27FC236}">
-                <a16:creationId xmlns:a16="http://schemas.microsoft.com/office/drawing/2014/main" xmlns="" id="{ECD13983-53CB-41A8-9897-E4D20881F929}"/>
+                <a16:creationId xmlns="" xmlns:a16="http://schemas.microsoft.com/office/drawing/2014/main" id="{ECD13983-53CB-41A8-9897-E4D20881F929}"/>
               </a:ext>
             </a:extLst>
           </p:cNvPr>
@@ -31283,7 +31350,7 @@
           <p:cNvPr id="3" name="Textplatzhalter 2">
             <a:extLst>
               <a:ext uri="{FF2B5EF4-FFF2-40B4-BE49-F238E27FC236}">
-                <a16:creationId xmlns:a16="http://schemas.microsoft.com/office/drawing/2014/main" xmlns="" id="{8A82E612-E974-4DE0-823F-A661C5C288BB}"/>
+                <a16:creationId xmlns="" xmlns:a16="http://schemas.microsoft.com/office/drawing/2014/main" id="{8A82E612-E974-4DE0-823F-A661C5C288BB}"/>
               </a:ext>
             </a:extLst>
           </p:cNvPr>
@@ -31306,7 +31373,7 @@
     </p:spTree>
     <p:extLst>
       <p:ext uri="{BB962C8B-B14F-4D97-AF65-F5344CB8AC3E}">
-        <p14:creationId xmlns:p14="http://schemas.microsoft.com/office/powerpoint/2010/main" xmlns="" val="1076095784"/>
+        <p14:creationId xmlns:p14="http://schemas.microsoft.com/office/powerpoint/2010/main" val="1076095784"/>
       </p:ext>
     </p:extLst>
   </p:cSld>
@@ -31338,7 +31405,7 @@
           <p:cNvPr id="2" name="Titel 1">
             <a:extLst>
               <a:ext uri="{FF2B5EF4-FFF2-40B4-BE49-F238E27FC236}">
-                <a16:creationId xmlns:a16="http://schemas.microsoft.com/office/drawing/2014/main" xmlns="" id="{594F37A0-8FD9-42A4-A80F-4C479182787E}"/>
+                <a16:creationId xmlns="" xmlns:a16="http://schemas.microsoft.com/office/drawing/2014/main" id="{594F37A0-8FD9-42A4-A80F-4C479182787E}"/>
               </a:ext>
             </a:extLst>
           </p:cNvPr>
@@ -31383,7 +31450,7 @@
           <p:cNvPr id="3" name="Inhaltsplatzhalter 2">
             <a:extLst>
               <a:ext uri="{FF2B5EF4-FFF2-40B4-BE49-F238E27FC236}">
-                <a16:creationId xmlns:a16="http://schemas.microsoft.com/office/drawing/2014/main" xmlns="" id="{B201CE33-F1D7-423B-B373-1D449812B3D5}"/>
+                <a16:creationId xmlns="" xmlns:a16="http://schemas.microsoft.com/office/drawing/2014/main" id="{B201CE33-F1D7-423B-B373-1D449812B3D5}"/>
               </a:ext>
             </a:extLst>
           </p:cNvPr>
@@ -31476,7 +31543,7 @@
           <p:cNvPr id="5" name="Pfeil: Chevron 4">
             <a:extLst>
               <a:ext uri="{FF2B5EF4-FFF2-40B4-BE49-F238E27FC236}">
-                <a16:creationId xmlns:a16="http://schemas.microsoft.com/office/drawing/2014/main" xmlns="" id="{FE16A436-3EBF-406A-A452-2785E92CA870}"/>
+                <a16:creationId xmlns="" xmlns:a16="http://schemas.microsoft.com/office/drawing/2014/main" id="{FE16A436-3EBF-406A-A452-2785E92CA870}"/>
               </a:ext>
             </a:extLst>
           </p:cNvPr>
@@ -31541,7 +31608,7 @@
           <p:cNvPr id="6" name="Pfeil: Chevron 5">
             <a:extLst>
               <a:ext uri="{FF2B5EF4-FFF2-40B4-BE49-F238E27FC236}">
-                <a16:creationId xmlns:a16="http://schemas.microsoft.com/office/drawing/2014/main" xmlns="" id="{4B425B4C-53B0-4FDA-90C8-3EAE519EFFB2}"/>
+                <a16:creationId xmlns="" xmlns:a16="http://schemas.microsoft.com/office/drawing/2014/main" id="{4B425B4C-53B0-4FDA-90C8-3EAE519EFFB2}"/>
               </a:ext>
             </a:extLst>
           </p:cNvPr>
@@ -31611,7 +31678,7 @@
           <p:cNvPr id="7" name="Pfeil: Chevron 6">
             <a:extLst>
               <a:ext uri="{FF2B5EF4-FFF2-40B4-BE49-F238E27FC236}">
-                <a16:creationId xmlns:a16="http://schemas.microsoft.com/office/drawing/2014/main" xmlns="" id="{14F5353B-3EA0-4F48-A473-08D522F34D71}"/>
+                <a16:creationId xmlns="" xmlns:a16="http://schemas.microsoft.com/office/drawing/2014/main" id="{14F5353B-3EA0-4F48-A473-08D522F34D71}"/>
               </a:ext>
             </a:extLst>
           </p:cNvPr>
@@ -31688,7 +31755,7 @@
           <p:cNvPr id="8" name="Pfeil: Chevron 7">
             <a:extLst>
               <a:ext uri="{FF2B5EF4-FFF2-40B4-BE49-F238E27FC236}">
-                <a16:creationId xmlns:a16="http://schemas.microsoft.com/office/drawing/2014/main" xmlns="" id="{655E865C-680E-47F4-9F87-B4EB179E321D}"/>
+                <a16:creationId xmlns="" xmlns:a16="http://schemas.microsoft.com/office/drawing/2014/main" id="{655E865C-680E-47F4-9F87-B4EB179E321D}"/>
               </a:ext>
             </a:extLst>
           </p:cNvPr>
@@ -31747,7 +31814,7 @@
     </p:spTree>
     <p:extLst>
       <p:ext uri="{BB962C8B-B14F-4D97-AF65-F5344CB8AC3E}">
-        <p14:creationId xmlns:p14="http://schemas.microsoft.com/office/powerpoint/2010/main" xmlns="" val="262019643"/>
+        <p14:creationId xmlns:p14="http://schemas.microsoft.com/office/powerpoint/2010/main" val="262019643"/>
       </p:ext>
     </p:extLst>
   </p:cSld>
@@ -31779,7 +31846,7 @@
           <p:cNvPr id="2" name="Titel 1">
             <a:extLst>
               <a:ext uri="{FF2B5EF4-FFF2-40B4-BE49-F238E27FC236}">
-                <a16:creationId xmlns:a16="http://schemas.microsoft.com/office/drawing/2014/main" xmlns="" id="{ECD13983-53CB-41A8-9897-E4D20881F929}"/>
+                <a16:creationId xmlns="" xmlns:a16="http://schemas.microsoft.com/office/drawing/2014/main" id="{ECD13983-53CB-41A8-9897-E4D20881F929}"/>
               </a:ext>
             </a:extLst>
           </p:cNvPr>
@@ -31807,7 +31874,7 @@
           <p:cNvPr id="3" name="Textplatzhalter 2">
             <a:extLst>
               <a:ext uri="{FF2B5EF4-FFF2-40B4-BE49-F238E27FC236}">
-                <a16:creationId xmlns:a16="http://schemas.microsoft.com/office/drawing/2014/main" xmlns="" id="{8A82E612-E974-4DE0-823F-A661C5C288BB}"/>
+                <a16:creationId xmlns="" xmlns:a16="http://schemas.microsoft.com/office/drawing/2014/main" id="{8A82E612-E974-4DE0-823F-A661C5C288BB}"/>
               </a:ext>
             </a:extLst>
           </p:cNvPr>
@@ -31830,7 +31897,7 @@
     </p:spTree>
     <p:extLst>
       <p:ext uri="{BB962C8B-B14F-4D97-AF65-F5344CB8AC3E}">
-        <p14:creationId xmlns:p14="http://schemas.microsoft.com/office/powerpoint/2010/main" xmlns="" val="4234700527"/>
+        <p14:creationId xmlns:p14="http://schemas.microsoft.com/office/powerpoint/2010/main" val="4234700527"/>
       </p:ext>
     </p:extLst>
   </p:cSld>
@@ -31862,7 +31929,7 @@
           <p:cNvPr id="2" name="Titel 1">
             <a:extLst>
               <a:ext uri="{FF2B5EF4-FFF2-40B4-BE49-F238E27FC236}">
-                <a16:creationId xmlns:a16="http://schemas.microsoft.com/office/drawing/2014/main" xmlns="" id="{594F37A0-8FD9-42A4-A80F-4C479182787E}"/>
+                <a16:creationId xmlns="" xmlns:a16="http://schemas.microsoft.com/office/drawing/2014/main" id="{594F37A0-8FD9-42A4-A80F-4C479182787E}"/>
               </a:ext>
             </a:extLst>
           </p:cNvPr>
@@ -31880,11 +31947,7 @@
           <a:p>
             <a:r>
               <a:rPr lang="en-US" dirty="0" smtClean="0"/>
-              <a:t>H</a:t>
-            </a:r>
-            <a:r>
-              <a:rPr lang="en-US" dirty="0" smtClean="0"/>
-              <a:t>ierarchical Approach</a:t>
+              <a:t>Hierarchical Approach</a:t>
             </a:r>
             <a:endParaRPr lang="en-US" dirty="0"/>
           </a:p>
@@ -31895,7 +31958,7 @@
           <p:cNvPr id="5" name="Pfeil: Chevron 4">
             <a:extLst>
               <a:ext uri="{FF2B5EF4-FFF2-40B4-BE49-F238E27FC236}">
-                <a16:creationId xmlns:a16="http://schemas.microsoft.com/office/drawing/2014/main" xmlns="" id="{FE16A436-3EBF-406A-A452-2785E92CA870}"/>
+                <a16:creationId xmlns="" xmlns:a16="http://schemas.microsoft.com/office/drawing/2014/main" id="{FE16A436-3EBF-406A-A452-2785E92CA870}"/>
               </a:ext>
             </a:extLst>
           </p:cNvPr>
@@ -31961,7 +32024,7 @@
           <p:cNvPr id="6" name="Pfeil: Chevron 5">
             <a:extLst>
               <a:ext uri="{FF2B5EF4-FFF2-40B4-BE49-F238E27FC236}">
-                <a16:creationId xmlns:a16="http://schemas.microsoft.com/office/drawing/2014/main" xmlns="" id="{4B425B4C-53B0-4FDA-90C8-3EAE519EFFB2}"/>
+                <a16:creationId xmlns="" xmlns:a16="http://schemas.microsoft.com/office/drawing/2014/main" id="{4B425B4C-53B0-4FDA-90C8-3EAE519EFFB2}"/>
               </a:ext>
             </a:extLst>
           </p:cNvPr>
@@ -32031,7 +32094,7 @@
           <p:cNvPr id="7" name="Pfeil: Chevron 6">
             <a:extLst>
               <a:ext uri="{FF2B5EF4-FFF2-40B4-BE49-F238E27FC236}">
-                <a16:creationId xmlns:a16="http://schemas.microsoft.com/office/drawing/2014/main" xmlns="" id="{14F5353B-3EA0-4F48-A473-08D522F34D71}"/>
+                <a16:creationId xmlns="" xmlns:a16="http://schemas.microsoft.com/office/drawing/2014/main" id="{14F5353B-3EA0-4F48-A473-08D522F34D71}"/>
               </a:ext>
             </a:extLst>
           </p:cNvPr>
@@ -32108,7 +32171,7 @@
           <p:cNvPr id="8" name="Pfeil: Chevron 7">
             <a:extLst>
               <a:ext uri="{FF2B5EF4-FFF2-40B4-BE49-F238E27FC236}">
-                <a16:creationId xmlns:a16="http://schemas.microsoft.com/office/drawing/2014/main" xmlns="" id="{655E865C-680E-47F4-9F87-B4EB179E321D}"/>
+                <a16:creationId xmlns="" xmlns:a16="http://schemas.microsoft.com/office/drawing/2014/main" id="{655E865C-680E-47F4-9F87-B4EB179E321D}"/>
               </a:ext>
             </a:extLst>
           </p:cNvPr>
@@ -32178,7 +32241,7 @@
           <p:cNvPr id="11" name="Inhaltsplatzhalter 10" descr="AutoTS_Dataset.pdf - Adobe Acrobat Reader DC">
             <a:extLst>
               <a:ext uri="{FF2B5EF4-FFF2-40B4-BE49-F238E27FC236}">
-                <a16:creationId xmlns:a16="http://schemas.microsoft.com/office/drawing/2014/main" xmlns="" id="{2120C56C-3CB2-46B8-AC69-164419F8C6B6}"/>
+                <a16:creationId xmlns="" xmlns:a16="http://schemas.microsoft.com/office/drawing/2014/main" id="{2120C56C-3CB2-46B8-AC69-164419F8C6B6}"/>
               </a:ext>
             </a:extLst>
           </p:cNvPr>
@@ -32193,7 +32256,7 @@
           <a:blip r:embed="rId2" cstate="print">
             <a:extLst>
               <a:ext uri="{28A0092B-C50C-407E-A947-70E740481C1C}">
-                <a14:useLocalDpi xmlns:a14="http://schemas.microsoft.com/office/drawing/2010/main" xmlns="" val="0"/>
+                <a14:useLocalDpi xmlns:a14="http://schemas.microsoft.com/office/drawing/2010/main" val="0"/>
               </a:ext>
             </a:extLst>
           </a:blip>
@@ -32210,7 +32273,7 @@
     </p:spTree>
     <p:extLst>
       <p:ext uri="{BB962C8B-B14F-4D97-AF65-F5344CB8AC3E}">
-        <p14:creationId xmlns:p14="http://schemas.microsoft.com/office/powerpoint/2010/main" xmlns="" val="1877143116"/>
+        <p14:creationId xmlns:p14="http://schemas.microsoft.com/office/powerpoint/2010/main" val="1877143116"/>
       </p:ext>
     </p:extLst>
   </p:cSld>
@@ -32242,7 +32305,7 @@
           <p:cNvPr id="2" name="Titel 1">
             <a:extLst>
               <a:ext uri="{FF2B5EF4-FFF2-40B4-BE49-F238E27FC236}">
-                <a16:creationId xmlns:a16="http://schemas.microsoft.com/office/drawing/2014/main" xmlns="" id="{ECD13983-53CB-41A8-9897-E4D20881F929}"/>
+                <a16:creationId xmlns="" xmlns:a16="http://schemas.microsoft.com/office/drawing/2014/main" id="{ECD13983-53CB-41A8-9897-E4D20881F929}"/>
               </a:ext>
             </a:extLst>
           </p:cNvPr>
@@ -32270,7 +32333,7 @@
           <p:cNvPr id="3" name="Textplatzhalter 2">
             <a:extLst>
               <a:ext uri="{FF2B5EF4-FFF2-40B4-BE49-F238E27FC236}">
-                <a16:creationId xmlns:a16="http://schemas.microsoft.com/office/drawing/2014/main" xmlns="" id="{8A82E612-E974-4DE0-823F-A661C5C288BB}"/>
+                <a16:creationId xmlns="" xmlns:a16="http://schemas.microsoft.com/office/drawing/2014/main" id="{8A82E612-E974-4DE0-823F-A661C5C288BB}"/>
               </a:ext>
             </a:extLst>
           </p:cNvPr>
@@ -32293,7 +32356,7 @@
     </p:spTree>
     <p:extLst>
       <p:ext uri="{BB962C8B-B14F-4D97-AF65-F5344CB8AC3E}">
-        <p14:creationId xmlns:p14="http://schemas.microsoft.com/office/powerpoint/2010/main" xmlns="" val="3628469136"/>
+        <p14:creationId xmlns:p14="http://schemas.microsoft.com/office/powerpoint/2010/main" val="3628469136"/>
       </p:ext>
     </p:extLst>
   </p:cSld>
@@ -32325,7 +32388,7 @@
           <p:cNvPr id="2" name="Titel 1">
             <a:extLst>
               <a:ext uri="{FF2B5EF4-FFF2-40B4-BE49-F238E27FC236}">
-                <a16:creationId xmlns:a16="http://schemas.microsoft.com/office/drawing/2014/main" xmlns="" id="{594F37A0-8FD9-42A4-A80F-4C479182787E}"/>
+                <a16:creationId xmlns="" xmlns:a16="http://schemas.microsoft.com/office/drawing/2014/main" id="{594F37A0-8FD9-42A4-A80F-4C479182787E}"/>
               </a:ext>
             </a:extLst>
           </p:cNvPr>
@@ -32365,7 +32428,7 @@
           <p:cNvPr id="3" name="Inhaltsplatzhalter 2">
             <a:extLst>
               <a:ext uri="{FF2B5EF4-FFF2-40B4-BE49-F238E27FC236}">
-                <a16:creationId xmlns:a16="http://schemas.microsoft.com/office/drawing/2014/main" xmlns="" id="{B201CE33-F1D7-423B-B373-1D449812B3D5}"/>
+                <a16:creationId xmlns="" xmlns:a16="http://schemas.microsoft.com/office/drawing/2014/main" id="{B201CE33-F1D7-423B-B373-1D449812B3D5}"/>
               </a:ext>
             </a:extLst>
           </p:cNvPr>
@@ -32378,8 +32441,8 @@
         </p:nvSpPr>
         <p:spPr>
           <a:xfrm>
-            <a:off x="377103" y="2348880"/>
-            <a:ext cx="8532480" cy="4111103"/>
+            <a:off x="377102" y="2348880"/>
+            <a:ext cx="8766897" cy="4111103"/>
           </a:xfrm>
         </p:spPr>
         <p:txBody>
@@ -32387,62 +32450,134 @@
           <a:lstStyle/>
           <a:p>
             <a:r>
+              <a:rPr lang="de-DE" b="1" dirty="0"/>
+              <a:t>Nugget </a:t>
+            </a:r>
+            <a:r>
+              <a:rPr lang="de-DE" b="1" dirty="0" err="1"/>
+              <a:t>ratios</a:t>
+            </a:r>
+            <a:r>
+              <a:rPr lang="de-DE" b="1" dirty="0"/>
+              <a:t> </a:t>
+            </a:r>
+            <a:r>
               <a:rPr lang="de-DE" dirty="0"/>
-              <a:t>Nugget </a:t>
-            </a:r>
-            <a:r>
-              <a:rPr lang="de-DE" dirty="0" err="1"/>
-              <a:t>ratios</a:t>
-            </a:r>
-            <a:r>
-              <a:rPr lang="de-DE" dirty="0"/>
-              <a:t> – </a:t>
-            </a:r>
-            <a:r>
-              <a:rPr lang="de-DE" dirty="0" err="1"/>
+              <a:t>– </a:t>
+            </a:r>
+            <a:r>
+              <a:rPr lang="de-DE" dirty="0" err="1" smtClean="0"/>
               <a:t>Approximately</a:t>
-            </a:r>
-            <a:r>
-              <a:rPr lang="de-DE" dirty="0"/>
-              <a:t> TODO% </a:t>
-            </a:r>
-            <a:r>
-              <a:rPr lang="de-DE" dirty="0" err="1"/>
-              <a:t>nuggets</a:t>
-            </a:r>
-            <a:r>
-              <a:rPr lang="de-DE" dirty="0"/>
-              <a:t> per </a:t>
-            </a:r>
-            <a:r>
-              <a:rPr lang="de-DE" dirty="0" err="1"/>
-              <a:t>topic</a:t>
-            </a:r>
-            <a:endParaRPr lang="de-DE" dirty="0"/>
-          </a:p>
-          <a:p>
-            <a:r>
-              <a:rPr lang="de-DE" dirty="0"/>
-              <a:t>Nugget </a:t>
-            </a:r>
-            <a:r>
-              <a:rPr lang="de-DE" dirty="0" err="1"/>
-              <a:t>structure</a:t>
-            </a:r>
-            <a:r>
-              <a:rPr lang="de-DE" dirty="0"/>
-              <a:t> – TODO% </a:t>
-            </a:r>
-            <a:r>
-              <a:rPr lang="de-DE" dirty="0" err="1"/>
-              <a:t>whole</a:t>
             </a:r>
             <a:r>
               <a:rPr lang="de-DE" dirty="0"/>
               <a:t> </a:t>
             </a:r>
             <a:r>
-              <a:rPr lang="de-DE" dirty="0" err="1"/>
+              <a:rPr lang="de-DE" dirty="0" smtClean="0"/>
+              <a:t>14</a:t>
+            </a:r>
+            <a:r>
+              <a:rPr lang="de-DE" dirty="0" smtClean="0"/>
+              <a:t>% </a:t>
+            </a:r>
+            <a:r>
+              <a:rPr lang="de-DE" dirty="0" err="1" smtClean="0"/>
+              <a:t>of</a:t>
+            </a:r>
+            <a:r>
+              <a:rPr lang="de-DE" dirty="0" smtClean="0"/>
+              <a:t> all </a:t>
+            </a:r>
+            <a:r>
+              <a:rPr lang="de-DE" dirty="0" err="1" smtClean="0"/>
+              <a:t>sentences</a:t>
+            </a:r>
+            <a:r>
+              <a:rPr lang="de-DE" dirty="0" smtClean="0"/>
+              <a:t> per </a:t>
+            </a:r>
+            <a:r>
+              <a:rPr lang="de-DE" dirty="0" err="1" smtClean="0"/>
+              <a:t>topic</a:t>
+            </a:r>
+            <a:r>
+              <a:rPr lang="de-DE" dirty="0" smtClean="0"/>
+              <a:t> </a:t>
+            </a:r>
+            <a:r>
+              <a:rPr lang="de-DE" dirty="0" err="1" smtClean="0"/>
+              <a:t>were</a:t>
+            </a:r>
+            <a:r>
+              <a:rPr lang="de-DE" dirty="0" smtClean="0"/>
+              <a:t> </a:t>
+            </a:r>
+            <a:r>
+              <a:rPr lang="de-DE" dirty="0" err="1" smtClean="0"/>
+              <a:t>nuggets</a:t>
+            </a:r>
+            <a:endParaRPr lang="de-DE" dirty="0"/>
+          </a:p>
+          <a:p>
+            <a:r>
+              <a:rPr lang="de-DE" b="1" dirty="0"/>
+              <a:t>Nugget </a:t>
+            </a:r>
+            <a:r>
+              <a:rPr lang="de-DE" b="1" dirty="0" err="1"/>
+              <a:t>structure</a:t>
+            </a:r>
+            <a:r>
+              <a:rPr lang="de-DE" b="1" dirty="0"/>
+              <a:t> </a:t>
+            </a:r>
+            <a:r>
+              <a:rPr lang="de-DE" dirty="0"/>
+              <a:t>– </a:t>
+            </a:r>
+            <a:r>
+              <a:rPr lang="de-DE" dirty="0" err="1" smtClean="0"/>
+              <a:t>About</a:t>
+            </a:r>
+            <a:r>
+              <a:rPr lang="de-DE" dirty="0" smtClean="0"/>
+              <a:t> 82% </a:t>
+            </a:r>
+            <a:r>
+              <a:rPr lang="de-DE" dirty="0" err="1" smtClean="0"/>
+              <a:t>of</a:t>
+            </a:r>
+            <a:r>
+              <a:rPr lang="de-DE" dirty="0" smtClean="0"/>
+              <a:t> </a:t>
+            </a:r>
+            <a:r>
+              <a:rPr lang="de-DE" dirty="0" err="1" smtClean="0"/>
+              <a:t>them</a:t>
+            </a:r>
+            <a:r>
+              <a:rPr lang="de-DE" dirty="0" smtClean="0"/>
+              <a:t> </a:t>
+            </a:r>
+            <a:r>
+              <a:rPr lang="de-DE" dirty="0" err="1" smtClean="0"/>
+              <a:t>were</a:t>
+            </a:r>
+            <a:r>
+              <a:rPr lang="de-DE" dirty="0" smtClean="0"/>
+              <a:t> </a:t>
+            </a:r>
+            <a:r>
+              <a:rPr lang="de-DE" dirty="0" err="1" smtClean="0"/>
+              <a:t>whole</a:t>
+            </a:r>
+            <a:r>
+              <a:rPr lang="de-DE" dirty="0" smtClean="0"/>
+              <a:t> </a:t>
+            </a:r>
+            <a:r>
+              <a:rPr lang="de-DE" dirty="0" err="1" smtClean="0"/>
               <a:t>sentences</a:t>
             </a:r>
             <a:endParaRPr lang="de-DE" dirty="0"/>
@@ -32517,7 +32652,7 @@
           <p:cNvPr id="5" name="Pfeil: Chevron 4">
             <a:extLst>
               <a:ext uri="{FF2B5EF4-FFF2-40B4-BE49-F238E27FC236}">
-                <a16:creationId xmlns:a16="http://schemas.microsoft.com/office/drawing/2014/main" xmlns="" id="{FE16A436-3EBF-406A-A452-2785E92CA870}"/>
+                <a16:creationId xmlns="" xmlns:a16="http://schemas.microsoft.com/office/drawing/2014/main" id="{FE16A436-3EBF-406A-A452-2785E92CA870}"/>
               </a:ext>
             </a:extLst>
           </p:cNvPr>
@@ -32587,7 +32722,7 @@
           <p:cNvPr id="6" name="Pfeil: Chevron 5">
             <a:extLst>
               <a:ext uri="{FF2B5EF4-FFF2-40B4-BE49-F238E27FC236}">
-                <a16:creationId xmlns:a16="http://schemas.microsoft.com/office/drawing/2014/main" xmlns="" id="{4B425B4C-53B0-4FDA-90C8-3EAE519EFFB2}"/>
+                <a16:creationId xmlns="" xmlns:a16="http://schemas.microsoft.com/office/drawing/2014/main" id="{4B425B4C-53B0-4FDA-90C8-3EAE519EFFB2}"/>
               </a:ext>
             </a:extLst>
           </p:cNvPr>
@@ -32653,7 +32788,7 @@
           <p:cNvPr id="7" name="Pfeil: Chevron 6">
             <a:extLst>
               <a:ext uri="{FF2B5EF4-FFF2-40B4-BE49-F238E27FC236}">
-                <a16:creationId xmlns:a16="http://schemas.microsoft.com/office/drawing/2014/main" xmlns="" id="{14F5353B-3EA0-4F48-A473-08D522F34D71}"/>
+                <a16:creationId xmlns="" xmlns:a16="http://schemas.microsoft.com/office/drawing/2014/main" id="{14F5353B-3EA0-4F48-A473-08D522F34D71}"/>
               </a:ext>
             </a:extLst>
           </p:cNvPr>
@@ -32730,7 +32865,7 @@
           <p:cNvPr id="8" name="Pfeil: Chevron 7">
             <a:extLst>
               <a:ext uri="{FF2B5EF4-FFF2-40B4-BE49-F238E27FC236}">
-                <a16:creationId xmlns:a16="http://schemas.microsoft.com/office/drawing/2014/main" xmlns="" id="{655E865C-680E-47F4-9F87-B4EB179E321D}"/>
+                <a16:creationId xmlns="" xmlns:a16="http://schemas.microsoft.com/office/drawing/2014/main" id="{655E865C-680E-47F4-9F87-B4EB179E321D}"/>
               </a:ext>
             </a:extLst>
           </p:cNvPr>
@@ -32798,7 +32933,7 @@
     </p:spTree>
     <p:extLst>
       <p:ext uri="{BB962C8B-B14F-4D97-AF65-F5344CB8AC3E}">
-        <p14:creationId xmlns:p14="http://schemas.microsoft.com/office/powerpoint/2010/main" xmlns="" val="2449957204"/>
+        <p14:creationId xmlns:p14="http://schemas.microsoft.com/office/powerpoint/2010/main" val="2449957204"/>
       </p:ext>
     </p:extLst>
   </p:cSld>
@@ -32830,7 +32965,7 @@
           <p:cNvPr id="2" name="Titel 1">
             <a:extLst>
               <a:ext uri="{FF2B5EF4-FFF2-40B4-BE49-F238E27FC236}">
-                <a16:creationId xmlns:a16="http://schemas.microsoft.com/office/drawing/2014/main" xmlns="" id="{594F37A0-8FD9-42A4-A80F-4C479182787E}"/>
+                <a16:creationId xmlns="" xmlns:a16="http://schemas.microsoft.com/office/drawing/2014/main" id="{594F37A0-8FD9-42A4-A80F-4C479182787E}"/>
               </a:ext>
             </a:extLst>
           </p:cNvPr>
@@ -32875,7 +33010,7 @@
           <p:cNvPr id="3" name="Inhaltsplatzhalter 2">
             <a:extLst>
               <a:ext uri="{FF2B5EF4-FFF2-40B4-BE49-F238E27FC236}">
-                <a16:creationId xmlns:a16="http://schemas.microsoft.com/office/drawing/2014/main" xmlns="" id="{B201CE33-F1D7-423B-B373-1D449812B3D5}"/>
+                <a16:creationId xmlns="" xmlns:a16="http://schemas.microsoft.com/office/drawing/2014/main" id="{B201CE33-F1D7-423B-B373-1D449812B3D5}"/>
               </a:ext>
             </a:extLst>
           </p:cNvPr>
@@ -32897,8 +33032,12 @@
           <a:lstStyle/>
           <a:p>
             <a:r>
+              <a:rPr lang="de-DE" b="1" dirty="0"/>
+              <a:t>Approach</a:t>
+            </a:r>
+            <a:r>
               <a:rPr lang="de-DE" dirty="0"/>
-              <a:t>Approach: </a:t>
+              <a:t>: </a:t>
             </a:r>
             <a:r>
               <a:rPr lang="de-DE" dirty="0" err="1"/>
@@ -32948,19 +33087,11 @@
               <a:t> </a:t>
             </a:r>
             <a:r>
-              <a:rPr lang="de-DE" dirty="0" err="1"/>
-              <a:t>training</a:t>
-            </a:r>
-            <a:r>
-              <a:rPr lang="de-DE" dirty="0"/>
-              <a:t> </a:t>
-            </a:r>
-            <a:r>
-              <a:rPr lang="de-DE" dirty="0" err="1"/>
+              <a:rPr lang="de-DE" dirty="0" err="1" smtClean="0"/>
               <a:t>binary</a:t>
             </a:r>
             <a:r>
-              <a:rPr lang="de-DE" dirty="0"/>
+              <a:rPr lang="de-DE" dirty="0" smtClean="0"/>
               <a:t> </a:t>
             </a:r>
             <a:r>
@@ -33016,7 +33147,7 @@
           <p:cNvPr id="5" name="Pfeil: Chevron 4">
             <a:extLst>
               <a:ext uri="{FF2B5EF4-FFF2-40B4-BE49-F238E27FC236}">
-                <a16:creationId xmlns:a16="http://schemas.microsoft.com/office/drawing/2014/main" xmlns="" id="{FE16A436-3EBF-406A-A452-2785E92CA870}"/>
+                <a16:creationId xmlns="" xmlns:a16="http://schemas.microsoft.com/office/drawing/2014/main" id="{FE16A436-3EBF-406A-A452-2785E92CA870}"/>
               </a:ext>
             </a:extLst>
           </p:cNvPr>
@@ -33086,7 +33217,7 @@
           <p:cNvPr id="6" name="Pfeil: Chevron 5">
             <a:extLst>
               <a:ext uri="{FF2B5EF4-FFF2-40B4-BE49-F238E27FC236}">
-                <a16:creationId xmlns:a16="http://schemas.microsoft.com/office/drawing/2014/main" xmlns="" id="{4B425B4C-53B0-4FDA-90C8-3EAE519EFFB2}"/>
+                <a16:creationId xmlns="" xmlns:a16="http://schemas.microsoft.com/office/drawing/2014/main" id="{4B425B4C-53B0-4FDA-90C8-3EAE519EFFB2}"/>
               </a:ext>
             </a:extLst>
           </p:cNvPr>
@@ -33152,7 +33283,7 @@
           <p:cNvPr id="7" name="Pfeil: Chevron 6">
             <a:extLst>
               <a:ext uri="{FF2B5EF4-FFF2-40B4-BE49-F238E27FC236}">
-                <a16:creationId xmlns:a16="http://schemas.microsoft.com/office/drawing/2014/main" xmlns="" id="{14F5353B-3EA0-4F48-A473-08D522F34D71}"/>
+                <a16:creationId xmlns="" xmlns:a16="http://schemas.microsoft.com/office/drawing/2014/main" id="{14F5353B-3EA0-4F48-A473-08D522F34D71}"/>
               </a:ext>
             </a:extLst>
           </p:cNvPr>
@@ -33229,7 +33360,7 @@
           <p:cNvPr id="8" name="Pfeil: Chevron 7">
             <a:extLst>
               <a:ext uri="{FF2B5EF4-FFF2-40B4-BE49-F238E27FC236}">
-                <a16:creationId xmlns:a16="http://schemas.microsoft.com/office/drawing/2014/main" xmlns="" id="{655E865C-680E-47F4-9F87-B4EB179E321D}"/>
+                <a16:creationId xmlns="" xmlns:a16="http://schemas.microsoft.com/office/drawing/2014/main" id="{655E865C-680E-47F4-9F87-B4EB179E321D}"/>
               </a:ext>
             </a:extLst>
           </p:cNvPr>
@@ -33315,7 +33446,7 @@
     </p:spTree>
     <p:extLst>
       <p:ext uri="{BB962C8B-B14F-4D97-AF65-F5344CB8AC3E}">
-        <p14:creationId xmlns:p14="http://schemas.microsoft.com/office/powerpoint/2010/main" xmlns="" val="1783394801"/>
+        <p14:creationId xmlns:p14="http://schemas.microsoft.com/office/powerpoint/2010/main" val="1783394801"/>
       </p:ext>
     </p:extLst>
   </p:cSld>

--- a/presentation/20180713 Gruppe 5 - final.pptx
+++ b/presentation/20180713 Gruppe 5 - final.pptx
@@ -5,10 +5,10 @@
     <p:sldMasterId id="2147483648" r:id="rId1"/>
   </p:sldMasterIdLst>
   <p:notesMasterIdLst>
-    <p:notesMasterId r:id="rId37"/>
+    <p:notesMasterId r:id="rId40"/>
   </p:notesMasterIdLst>
   <p:handoutMasterIdLst>
-    <p:handoutMasterId r:id="rId38"/>
+    <p:handoutMasterId r:id="rId41"/>
   </p:handoutMasterIdLst>
   <p:sldIdLst>
     <p:sldId id="256" r:id="rId2"/>
@@ -44,8 +44,11 @@
     <p:sldId id="271" r:id="rId32"/>
     <p:sldId id="264" r:id="rId33"/>
     <p:sldId id="265" r:id="rId34"/>
-    <p:sldId id="297" r:id="rId35"/>
-    <p:sldId id="268" r:id="rId36"/>
+    <p:sldId id="298" r:id="rId35"/>
+    <p:sldId id="297" r:id="rId36"/>
+    <p:sldId id="300" r:id="rId37"/>
+    <p:sldId id="299" r:id="rId38"/>
+    <p:sldId id="268" r:id="rId39"/>
   </p:sldIdLst>
   <p:sldSz cx="9144000" cy="6858000" type="screen4x3"/>
   <p:notesSz cx="6858000" cy="9144000"/>
@@ -176,7 +179,7 @@
   </p:defaultTextStyle>
   <p:extLst>
     <p:ext uri="{EFAFB233-063F-42B5-8137-9DF3F51BA10A}">
-      <p15:sldGuideLst xmlns="" xmlns:p15="http://schemas.microsoft.com/office/powerpoint/2012/main">
+      <p15:sldGuideLst xmlns:p15="http://schemas.microsoft.com/office/powerpoint/2012/main" xmlns="">
         <p15:guide id="1" orient="horz" pos="2160">
           <p15:clr>
             <a:srgbClr val="A4A3A4"/>
@@ -190,7 +193,7 @@
       </p15:sldGuideLst>
     </p:ext>
     <p:ext uri="{2D200454-40CA-4A62-9FC3-DE9A4176ACB9}">
-      <p15:notesGuideLst xmlns="" xmlns:p15="http://schemas.microsoft.com/office/powerpoint/2012/main"/>
+      <p15:notesGuideLst xmlns:p15="http://schemas.microsoft.com/office/powerpoint/2012/main" xmlns=""/>
     </p:ext>
   </p:extLst>
 </p:presentation>
@@ -416,11 +419,11 @@
           <c:showBubbleSize val="0"/>
         </c:dLbls>
         <c:gapWidth val="150"/>
-        <c:axId val="231257600"/>
-        <c:axId val="206207744"/>
+        <c:axId val="213501440"/>
+        <c:axId val="196507264"/>
       </c:barChart>
       <c:catAx>
-        <c:axId val="231257600"/>
+        <c:axId val="213501440"/>
         <c:scaling>
           <c:orientation val="minMax"/>
         </c:scaling>
@@ -429,7 +432,7 @@
         <c:majorTickMark val="out"/>
         <c:minorTickMark val="none"/>
         <c:tickLblPos val="nextTo"/>
-        <c:crossAx val="206207744"/>
+        <c:crossAx val="196507264"/>
         <c:crosses val="autoZero"/>
         <c:auto val="1"/>
         <c:lblAlgn val="ctr"/>
@@ -437,7 +440,7 @@
         <c:noMultiLvlLbl val="0"/>
       </c:catAx>
       <c:valAx>
-        <c:axId val="206207744"/>
+        <c:axId val="196507264"/>
         <c:scaling>
           <c:orientation val="minMax"/>
         </c:scaling>
@@ -448,7 +451,7 @@
         <c:majorTickMark val="out"/>
         <c:minorTickMark val="none"/>
         <c:tickLblPos val="nextTo"/>
-        <c:crossAx val="231257600"/>
+        <c:crossAx val="213501440"/>
         <c:crosses val="autoZero"/>
         <c:crossBetween val="between"/>
       </c:valAx>
@@ -472,6 +475,188 @@
       <a:endParaRPr lang="de-DE"/>
     </a:p>
   </c:txPr>
+  <c:externalData r:id="rId1">
+    <c:autoUpdate val="0"/>
+  </c:externalData>
+</c:chartSpace>
+</file>
+
+<file path=ppt/charts/chart2.xml><?xml version="1.0" encoding="utf-8"?>
+<c:chartSpace xmlns:c="http://schemas.openxmlformats.org/drawingml/2006/chart" xmlns:a="http://schemas.openxmlformats.org/drawingml/2006/main" xmlns:r="http://schemas.openxmlformats.org/officeDocument/2006/relationships">
+  <c:date1904 val="0"/>
+  <c:lang val="de-DE"/>
+  <c:roundedCorners val="0"/>
+  <mc:AlternateContent xmlns:mc="http://schemas.openxmlformats.org/markup-compatibility/2006">
+    <mc:Choice xmlns:c14="http://schemas.microsoft.com/office/drawing/2007/8/2/chart" Requires="c14">
+      <c14:style val="103"/>
+    </mc:Choice>
+    <mc:Fallback>
+      <c:style val="3"/>
+    </mc:Fallback>
+  </mc:AlternateContent>
+  <c:chart>
+    <c:title>
+      <c:layout/>
+      <c:overlay val="0"/>
+    </c:title>
+    <c:autoTitleDeleted val="0"/>
+    <c:plotArea>
+      <c:layout/>
+      <c:barChart>
+        <c:barDir val="col"/>
+        <c:grouping val="clustered"/>
+        <c:varyColors val="0"/>
+        <c:ser>
+          <c:idx val="0"/>
+          <c:order val="0"/>
+          <c:tx>
+            <c:v>Overall Average Score</c:v>
+          </c:tx>
+          <c:invertIfNegative val="0"/>
+          <c:cat>
+            <c:strRef>
+              <c:f>allgroup5!$K$2:$K$12</c:f>
+              <c:strCache>
+                <c:ptCount val="11"/>
+                <c:pt idx="0">
+                  <c:v>Grammaticality</c:v>
+                </c:pt>
+                <c:pt idx="1">
+                  <c:v>Non-Redundancy</c:v>
+                </c:pt>
+                <c:pt idx="2">
+                  <c:v>Referential Clarity</c:v>
+                </c:pt>
+                <c:pt idx="3">
+                  <c:v>Focus</c:v>
+                </c:pt>
+                <c:pt idx="4">
+                  <c:v>Structure</c:v>
+                </c:pt>
+                <c:pt idx="5">
+                  <c:v>Coherence</c:v>
+                </c:pt>
+                <c:pt idx="6">
+                  <c:v>Readability</c:v>
+                </c:pt>
+                <c:pt idx="7">
+                  <c:v>Information Content</c:v>
+                </c:pt>
+                <c:pt idx="8">
+                  <c:v>Spelling</c:v>
+                </c:pt>
+                <c:pt idx="9">
+                  <c:v>Length</c:v>
+                </c:pt>
+                <c:pt idx="10">
+                  <c:v>Overall Quality</c:v>
+                </c:pt>
+              </c:strCache>
+            </c:strRef>
+          </c:cat>
+          <c:val>
+            <c:numRef>
+              <c:f>allgroup5!$N$2:$N$12</c:f>
+              <c:numCache>
+                <c:formatCode>General</c:formatCode>
+                <c:ptCount val="11"/>
+                <c:pt idx="0">
+                  <c:v>4.1216931219999999</c:v>
+                </c:pt>
+                <c:pt idx="1">
+                  <c:v>3.8571428569999999</c:v>
+                </c:pt>
+                <c:pt idx="2">
+                  <c:v>4.1111111109999996</c:v>
+                </c:pt>
+                <c:pt idx="3">
+                  <c:v>3.656084656</c:v>
+                </c:pt>
+                <c:pt idx="4">
+                  <c:v>3.1375661379999999</c:v>
+                </c:pt>
+                <c:pt idx="5">
+                  <c:v>3.2010582009999999</c:v>
+                </c:pt>
+                <c:pt idx="6">
+                  <c:v>3.5291005289999999</c:v>
+                </c:pt>
+                <c:pt idx="7">
+                  <c:v>3.4550264550000001</c:v>
+                </c:pt>
+                <c:pt idx="8">
+                  <c:v>4.3544973540000003</c:v>
+                </c:pt>
+                <c:pt idx="9">
+                  <c:v>3.3703703699999998</c:v>
+                </c:pt>
+                <c:pt idx="10">
+                  <c:v>3.2804232799999999</c:v>
+                </c:pt>
+              </c:numCache>
+            </c:numRef>
+          </c:val>
+        </c:ser>
+        <c:dLbls>
+          <c:showLegendKey val="0"/>
+          <c:showVal val="0"/>
+          <c:showCatName val="0"/>
+          <c:showSerName val="0"/>
+          <c:showPercent val="0"/>
+          <c:showBubbleSize val="0"/>
+        </c:dLbls>
+        <c:gapWidth val="150"/>
+        <c:axId val="34232320"/>
+        <c:axId val="33712384"/>
+      </c:barChart>
+      <c:catAx>
+        <c:axId val="34232320"/>
+        <c:scaling>
+          <c:orientation val="minMax"/>
+        </c:scaling>
+        <c:delete val="0"/>
+        <c:axPos val="b"/>
+        <c:majorTickMark val="out"/>
+        <c:minorTickMark val="none"/>
+        <c:tickLblPos val="nextTo"/>
+        <c:txPr>
+          <a:bodyPr/>
+          <a:lstStyle/>
+          <a:p>
+            <a:pPr>
+              <a:defRPr sz="1000" b="0"/>
+            </a:pPr>
+            <a:endParaRPr lang="de-DE"/>
+          </a:p>
+        </c:txPr>
+        <c:crossAx val="33712384"/>
+        <c:crosses val="autoZero"/>
+        <c:auto val="1"/>
+        <c:lblAlgn val="ctr"/>
+        <c:lblOffset val="100"/>
+        <c:noMultiLvlLbl val="0"/>
+      </c:catAx>
+      <c:valAx>
+        <c:axId val="33712384"/>
+        <c:scaling>
+          <c:orientation val="minMax"/>
+        </c:scaling>
+        <c:delete val="0"/>
+        <c:axPos val="l"/>
+        <c:majorGridlines/>
+        <c:numFmt formatCode="General" sourceLinked="1"/>
+        <c:majorTickMark val="out"/>
+        <c:minorTickMark val="none"/>
+        <c:tickLblPos val="nextTo"/>
+        <c:crossAx val="34232320"/>
+        <c:crosses val="autoZero"/>
+        <c:crossBetween val="between"/>
+      </c:valAx>
+    </c:plotArea>
+    <c:plotVisOnly val="1"/>
+    <c:dispBlanksAs val="gap"/>
+    <c:showDLblsOverMax val="0"/>
+  </c:chart>
   <c:externalData r:id="rId1">
     <c:autoUpdate val="0"/>
   </c:externalData>
@@ -10068,7 +10253,7 @@
           <p:cNvPr id="13" name="Picture 2" descr="small ke-icon">
             <a:extLst>
               <a:ext uri="{FF2B5EF4-FFF2-40B4-BE49-F238E27FC236}">
-                <a16:creationId xmlns="" xmlns:a16="http://schemas.microsoft.com/office/drawing/2014/main" id="{83854E58-1482-478C-955E-C8509C8684B6}"/>
+                <a16:creationId xmlns:a16="http://schemas.microsoft.com/office/drawing/2014/main" xmlns="" id="{83854E58-1482-478C-955E-C8509C8684B6}"/>
               </a:ext>
             </a:extLst>
           </p:cNvPr>
@@ -11582,7 +11767,7 @@
           <p:cNvPr id="2" name="Picture 2" descr="small ke-icon">
             <a:extLst>
               <a:ext uri="{FF2B5EF4-FFF2-40B4-BE49-F238E27FC236}">
-                <a16:creationId xmlns="" xmlns:a16="http://schemas.microsoft.com/office/drawing/2014/main" id="{2CEB455C-E142-47B5-A2EA-F103D223A10D}"/>
+                <a16:creationId xmlns:a16="http://schemas.microsoft.com/office/drawing/2014/main" xmlns="" id="{2CEB455C-E142-47B5-A2EA-F103D223A10D}"/>
               </a:ext>
             </a:extLst>
           </p:cNvPr>
@@ -12125,7 +12310,7 @@
           <p:cNvPr id="2052" name="Picture 4" descr="http://www.ke.tu-darmstadt.de/ke_site_header.jpg">
             <a:extLst>
               <a:ext uri="{FF2B5EF4-FFF2-40B4-BE49-F238E27FC236}">
-                <a16:creationId xmlns="" xmlns:a16="http://schemas.microsoft.com/office/drawing/2014/main" id="{A4296F2A-DF52-4654-B393-FD38D561FC7C}"/>
+                <a16:creationId xmlns:a16="http://schemas.microsoft.com/office/drawing/2014/main" xmlns="" id="{A4296F2A-DF52-4654-B393-FD38D561FC7C}"/>
               </a:ext>
             </a:extLst>
           </p:cNvPr>
@@ -12197,7 +12382,7 @@
           <p:cNvPr id="2" name="Titel 1">
             <a:extLst>
               <a:ext uri="{FF2B5EF4-FFF2-40B4-BE49-F238E27FC236}">
-                <a16:creationId xmlns="" xmlns:a16="http://schemas.microsoft.com/office/drawing/2014/main" id="{594F37A0-8FD9-42A4-A80F-4C479182787E}"/>
+                <a16:creationId xmlns:a16="http://schemas.microsoft.com/office/drawing/2014/main" xmlns="" id="{594F37A0-8FD9-42A4-A80F-4C479182787E}"/>
               </a:ext>
             </a:extLst>
           </p:cNvPr>
@@ -12242,7 +12427,7 @@
           <p:cNvPr id="3" name="Inhaltsplatzhalter 2">
             <a:extLst>
               <a:ext uri="{FF2B5EF4-FFF2-40B4-BE49-F238E27FC236}">
-                <a16:creationId xmlns="" xmlns:a16="http://schemas.microsoft.com/office/drawing/2014/main" id="{B201CE33-F1D7-423B-B373-1D449812B3D5}"/>
+                <a16:creationId xmlns:a16="http://schemas.microsoft.com/office/drawing/2014/main" xmlns="" id="{B201CE33-F1D7-423B-B373-1D449812B3D5}"/>
               </a:ext>
             </a:extLst>
           </p:cNvPr>
@@ -12351,7 +12536,7 @@
           <p:cNvPr id="5" name="Pfeil: Chevron 4">
             <a:extLst>
               <a:ext uri="{FF2B5EF4-FFF2-40B4-BE49-F238E27FC236}">
-                <a16:creationId xmlns="" xmlns:a16="http://schemas.microsoft.com/office/drawing/2014/main" id="{FE16A436-3EBF-406A-A452-2785E92CA870}"/>
+                <a16:creationId xmlns:a16="http://schemas.microsoft.com/office/drawing/2014/main" xmlns="" id="{FE16A436-3EBF-406A-A452-2785E92CA870}"/>
               </a:ext>
             </a:extLst>
           </p:cNvPr>
@@ -12421,7 +12606,7 @@
           <p:cNvPr id="6" name="Pfeil: Chevron 5">
             <a:extLst>
               <a:ext uri="{FF2B5EF4-FFF2-40B4-BE49-F238E27FC236}">
-                <a16:creationId xmlns="" xmlns:a16="http://schemas.microsoft.com/office/drawing/2014/main" id="{4B425B4C-53B0-4FDA-90C8-3EAE519EFFB2}"/>
+                <a16:creationId xmlns:a16="http://schemas.microsoft.com/office/drawing/2014/main" xmlns="" id="{4B425B4C-53B0-4FDA-90C8-3EAE519EFFB2}"/>
               </a:ext>
             </a:extLst>
           </p:cNvPr>
@@ -12487,7 +12672,7 @@
           <p:cNvPr id="7" name="Pfeil: Chevron 6">
             <a:extLst>
               <a:ext uri="{FF2B5EF4-FFF2-40B4-BE49-F238E27FC236}">
-                <a16:creationId xmlns="" xmlns:a16="http://schemas.microsoft.com/office/drawing/2014/main" id="{14F5353B-3EA0-4F48-A473-08D522F34D71}"/>
+                <a16:creationId xmlns:a16="http://schemas.microsoft.com/office/drawing/2014/main" xmlns="" id="{14F5353B-3EA0-4F48-A473-08D522F34D71}"/>
               </a:ext>
             </a:extLst>
           </p:cNvPr>
@@ -12564,7 +12749,7 @@
           <p:cNvPr id="8" name="Pfeil: Chevron 7">
             <a:extLst>
               <a:ext uri="{FF2B5EF4-FFF2-40B4-BE49-F238E27FC236}">
-                <a16:creationId xmlns="" xmlns:a16="http://schemas.microsoft.com/office/drawing/2014/main" id="{655E865C-680E-47F4-9F87-B4EB179E321D}"/>
+                <a16:creationId xmlns:a16="http://schemas.microsoft.com/office/drawing/2014/main" xmlns="" id="{655E865C-680E-47F4-9F87-B4EB179E321D}"/>
               </a:ext>
             </a:extLst>
           </p:cNvPr>
@@ -12664,7 +12849,7 @@
           <p:cNvPr id="2" name="Titel 1">
             <a:extLst>
               <a:ext uri="{FF2B5EF4-FFF2-40B4-BE49-F238E27FC236}">
-                <a16:creationId xmlns="" xmlns:a16="http://schemas.microsoft.com/office/drawing/2014/main" id="{594F37A0-8FD9-42A4-A80F-4C479182787E}"/>
+                <a16:creationId xmlns:a16="http://schemas.microsoft.com/office/drawing/2014/main" xmlns="" id="{594F37A0-8FD9-42A4-A80F-4C479182787E}"/>
               </a:ext>
             </a:extLst>
           </p:cNvPr>
@@ -12709,7 +12894,7 @@
           <p:cNvPr id="3" name="Inhaltsplatzhalter 2">
             <a:extLst>
               <a:ext uri="{FF2B5EF4-FFF2-40B4-BE49-F238E27FC236}">
-                <a16:creationId xmlns="" xmlns:a16="http://schemas.microsoft.com/office/drawing/2014/main" id="{B201CE33-F1D7-423B-B373-1D449812B3D5}"/>
+                <a16:creationId xmlns:a16="http://schemas.microsoft.com/office/drawing/2014/main" xmlns="" id="{B201CE33-F1D7-423B-B373-1D449812B3D5}"/>
               </a:ext>
             </a:extLst>
           </p:cNvPr>
@@ -12824,7 +13009,7 @@
           <p:cNvPr id="5" name="Pfeil: Chevron 4">
             <a:extLst>
               <a:ext uri="{FF2B5EF4-FFF2-40B4-BE49-F238E27FC236}">
-                <a16:creationId xmlns="" xmlns:a16="http://schemas.microsoft.com/office/drawing/2014/main" id="{FE16A436-3EBF-406A-A452-2785E92CA870}"/>
+                <a16:creationId xmlns:a16="http://schemas.microsoft.com/office/drawing/2014/main" xmlns="" id="{FE16A436-3EBF-406A-A452-2785E92CA870}"/>
               </a:ext>
             </a:extLst>
           </p:cNvPr>
@@ -12894,7 +13079,7 @@
           <p:cNvPr id="6" name="Pfeil: Chevron 5">
             <a:extLst>
               <a:ext uri="{FF2B5EF4-FFF2-40B4-BE49-F238E27FC236}">
-                <a16:creationId xmlns="" xmlns:a16="http://schemas.microsoft.com/office/drawing/2014/main" id="{4B425B4C-53B0-4FDA-90C8-3EAE519EFFB2}"/>
+                <a16:creationId xmlns:a16="http://schemas.microsoft.com/office/drawing/2014/main" xmlns="" id="{4B425B4C-53B0-4FDA-90C8-3EAE519EFFB2}"/>
               </a:ext>
             </a:extLst>
           </p:cNvPr>
@@ -12960,7 +13145,7 @@
           <p:cNvPr id="7" name="Pfeil: Chevron 6">
             <a:extLst>
               <a:ext uri="{FF2B5EF4-FFF2-40B4-BE49-F238E27FC236}">
-                <a16:creationId xmlns="" xmlns:a16="http://schemas.microsoft.com/office/drawing/2014/main" id="{14F5353B-3EA0-4F48-A473-08D522F34D71}"/>
+                <a16:creationId xmlns:a16="http://schemas.microsoft.com/office/drawing/2014/main" xmlns="" id="{14F5353B-3EA0-4F48-A473-08D522F34D71}"/>
               </a:ext>
             </a:extLst>
           </p:cNvPr>
@@ -13037,7 +13222,7 @@
           <p:cNvPr id="8" name="Pfeil: Chevron 7">
             <a:extLst>
               <a:ext uri="{FF2B5EF4-FFF2-40B4-BE49-F238E27FC236}">
-                <a16:creationId xmlns="" xmlns:a16="http://schemas.microsoft.com/office/drawing/2014/main" id="{655E865C-680E-47F4-9F87-B4EB179E321D}"/>
+                <a16:creationId xmlns:a16="http://schemas.microsoft.com/office/drawing/2014/main" xmlns="" id="{655E865C-680E-47F4-9F87-B4EB179E321D}"/>
               </a:ext>
             </a:extLst>
           </p:cNvPr>
@@ -13137,7 +13322,7 @@
           <p:cNvPr id="2" name="Titel 1">
             <a:extLst>
               <a:ext uri="{FF2B5EF4-FFF2-40B4-BE49-F238E27FC236}">
-                <a16:creationId xmlns="" xmlns:a16="http://schemas.microsoft.com/office/drawing/2014/main" id="{594F37A0-8FD9-42A4-A80F-4C479182787E}"/>
+                <a16:creationId xmlns:a16="http://schemas.microsoft.com/office/drawing/2014/main" xmlns="" id="{594F37A0-8FD9-42A4-A80F-4C479182787E}"/>
               </a:ext>
             </a:extLst>
           </p:cNvPr>
@@ -13202,7 +13387,7 @@
           <p:cNvPr id="3" name="Inhaltsplatzhalter 2">
             <a:extLst>
               <a:ext uri="{FF2B5EF4-FFF2-40B4-BE49-F238E27FC236}">
-                <a16:creationId xmlns="" xmlns:a16="http://schemas.microsoft.com/office/drawing/2014/main" id="{B201CE33-F1D7-423B-B373-1D449812B3D5}"/>
+                <a16:creationId xmlns:a16="http://schemas.microsoft.com/office/drawing/2014/main" xmlns="" id="{B201CE33-F1D7-423B-B373-1D449812B3D5}"/>
               </a:ext>
             </a:extLst>
           </p:cNvPr>
@@ -13463,7 +13648,7 @@
           <p:cNvPr id="5" name="Pfeil: Chevron 4">
             <a:extLst>
               <a:ext uri="{FF2B5EF4-FFF2-40B4-BE49-F238E27FC236}">
-                <a16:creationId xmlns="" xmlns:a16="http://schemas.microsoft.com/office/drawing/2014/main" id="{FE16A436-3EBF-406A-A452-2785E92CA870}"/>
+                <a16:creationId xmlns:a16="http://schemas.microsoft.com/office/drawing/2014/main" xmlns="" id="{FE16A436-3EBF-406A-A452-2785E92CA870}"/>
               </a:ext>
             </a:extLst>
           </p:cNvPr>
@@ -13533,7 +13718,7 @@
           <p:cNvPr id="6" name="Pfeil: Chevron 5">
             <a:extLst>
               <a:ext uri="{FF2B5EF4-FFF2-40B4-BE49-F238E27FC236}">
-                <a16:creationId xmlns="" xmlns:a16="http://schemas.microsoft.com/office/drawing/2014/main" id="{4B425B4C-53B0-4FDA-90C8-3EAE519EFFB2}"/>
+                <a16:creationId xmlns:a16="http://schemas.microsoft.com/office/drawing/2014/main" xmlns="" id="{4B425B4C-53B0-4FDA-90C8-3EAE519EFFB2}"/>
               </a:ext>
             </a:extLst>
           </p:cNvPr>
@@ -13599,7 +13784,7 @@
           <p:cNvPr id="7" name="Pfeil: Chevron 6">
             <a:extLst>
               <a:ext uri="{FF2B5EF4-FFF2-40B4-BE49-F238E27FC236}">
-                <a16:creationId xmlns="" xmlns:a16="http://schemas.microsoft.com/office/drawing/2014/main" id="{14F5353B-3EA0-4F48-A473-08D522F34D71}"/>
+                <a16:creationId xmlns:a16="http://schemas.microsoft.com/office/drawing/2014/main" xmlns="" id="{14F5353B-3EA0-4F48-A473-08D522F34D71}"/>
               </a:ext>
             </a:extLst>
           </p:cNvPr>
@@ -13676,7 +13861,7 @@
           <p:cNvPr id="8" name="Pfeil: Chevron 7">
             <a:extLst>
               <a:ext uri="{FF2B5EF4-FFF2-40B4-BE49-F238E27FC236}">
-                <a16:creationId xmlns="" xmlns:a16="http://schemas.microsoft.com/office/drawing/2014/main" id="{655E865C-680E-47F4-9F87-B4EB179E321D}"/>
+                <a16:creationId xmlns:a16="http://schemas.microsoft.com/office/drawing/2014/main" xmlns="" id="{655E865C-680E-47F4-9F87-B4EB179E321D}"/>
               </a:ext>
             </a:extLst>
           </p:cNvPr>
@@ -13794,7 +13979,7 @@
           <p:cNvPr id="2" name="Titel 1">
             <a:extLst>
               <a:ext uri="{FF2B5EF4-FFF2-40B4-BE49-F238E27FC236}">
-                <a16:creationId xmlns="" xmlns:a16="http://schemas.microsoft.com/office/drawing/2014/main" id="{594F37A0-8FD9-42A4-A80F-4C479182787E}"/>
+                <a16:creationId xmlns:a16="http://schemas.microsoft.com/office/drawing/2014/main" xmlns="" id="{594F37A0-8FD9-42A4-A80F-4C479182787E}"/>
               </a:ext>
             </a:extLst>
           </p:cNvPr>
@@ -13855,7 +14040,7 @@
           <p:cNvPr id="3" name="Inhaltsplatzhalter 2">
             <a:extLst>
               <a:ext uri="{FF2B5EF4-FFF2-40B4-BE49-F238E27FC236}">
-                <a16:creationId xmlns="" xmlns:a16="http://schemas.microsoft.com/office/drawing/2014/main" id="{B201CE33-F1D7-423B-B373-1D449812B3D5}"/>
+                <a16:creationId xmlns:a16="http://schemas.microsoft.com/office/drawing/2014/main" xmlns="" id="{B201CE33-F1D7-423B-B373-1D449812B3D5}"/>
               </a:ext>
             </a:extLst>
           </p:cNvPr>
@@ -14135,7 +14320,7 @@
           <p:cNvPr id="5" name="Pfeil: Chevron 4">
             <a:extLst>
               <a:ext uri="{FF2B5EF4-FFF2-40B4-BE49-F238E27FC236}">
-                <a16:creationId xmlns="" xmlns:a16="http://schemas.microsoft.com/office/drawing/2014/main" id="{FE16A436-3EBF-406A-A452-2785E92CA870}"/>
+                <a16:creationId xmlns:a16="http://schemas.microsoft.com/office/drawing/2014/main" xmlns="" id="{FE16A436-3EBF-406A-A452-2785E92CA870}"/>
               </a:ext>
             </a:extLst>
           </p:cNvPr>
@@ -14205,7 +14390,7 @@
           <p:cNvPr id="6" name="Pfeil: Chevron 5">
             <a:extLst>
               <a:ext uri="{FF2B5EF4-FFF2-40B4-BE49-F238E27FC236}">
-                <a16:creationId xmlns="" xmlns:a16="http://schemas.microsoft.com/office/drawing/2014/main" id="{4B425B4C-53B0-4FDA-90C8-3EAE519EFFB2}"/>
+                <a16:creationId xmlns:a16="http://schemas.microsoft.com/office/drawing/2014/main" xmlns="" id="{4B425B4C-53B0-4FDA-90C8-3EAE519EFFB2}"/>
               </a:ext>
             </a:extLst>
           </p:cNvPr>
@@ -14271,7 +14456,7 @@
           <p:cNvPr id="7" name="Pfeil: Chevron 6">
             <a:extLst>
               <a:ext uri="{FF2B5EF4-FFF2-40B4-BE49-F238E27FC236}">
-                <a16:creationId xmlns="" xmlns:a16="http://schemas.microsoft.com/office/drawing/2014/main" id="{14F5353B-3EA0-4F48-A473-08D522F34D71}"/>
+                <a16:creationId xmlns:a16="http://schemas.microsoft.com/office/drawing/2014/main" xmlns="" id="{14F5353B-3EA0-4F48-A473-08D522F34D71}"/>
               </a:ext>
             </a:extLst>
           </p:cNvPr>
@@ -14348,7 +14533,7 @@
           <p:cNvPr id="8" name="Pfeil: Chevron 7">
             <a:extLst>
               <a:ext uri="{FF2B5EF4-FFF2-40B4-BE49-F238E27FC236}">
-                <a16:creationId xmlns="" xmlns:a16="http://schemas.microsoft.com/office/drawing/2014/main" id="{655E865C-680E-47F4-9F87-B4EB179E321D}"/>
+                <a16:creationId xmlns:a16="http://schemas.microsoft.com/office/drawing/2014/main" xmlns="" id="{655E865C-680E-47F4-9F87-B4EB179E321D}"/>
               </a:ext>
             </a:extLst>
           </p:cNvPr>
@@ -14448,7 +14633,7 @@
           <p:cNvPr id="2" name="Titel 1">
             <a:extLst>
               <a:ext uri="{FF2B5EF4-FFF2-40B4-BE49-F238E27FC236}">
-                <a16:creationId xmlns="" xmlns:a16="http://schemas.microsoft.com/office/drawing/2014/main" id="{594F37A0-8FD9-42A4-A80F-4C479182787E}"/>
+                <a16:creationId xmlns:a16="http://schemas.microsoft.com/office/drawing/2014/main" xmlns="" id="{594F37A0-8FD9-42A4-A80F-4C479182787E}"/>
               </a:ext>
             </a:extLst>
           </p:cNvPr>
@@ -14533,21 +14718,21 @@
                 <a:gridCol w="2843742">
                   <a:extLst>
                     <a:ext uri="{9D8B030D-6E8A-4147-A177-3AD203B41FA5}">
-                      <a16:colId xmlns="" xmlns:a16="http://schemas.microsoft.com/office/drawing/2014/main" val="20000"/>
+                      <a16:colId xmlns:a16="http://schemas.microsoft.com/office/drawing/2014/main" xmlns="" val="20000"/>
                     </a:ext>
                   </a:extLst>
                 </a:gridCol>
                 <a:gridCol w="2843742">
                   <a:extLst>
                     <a:ext uri="{9D8B030D-6E8A-4147-A177-3AD203B41FA5}">
-                      <a16:colId xmlns="" xmlns:a16="http://schemas.microsoft.com/office/drawing/2014/main" val="20001"/>
+                      <a16:colId xmlns:a16="http://schemas.microsoft.com/office/drawing/2014/main" xmlns="" val="20001"/>
                     </a:ext>
                   </a:extLst>
                 </a:gridCol>
                 <a:gridCol w="2843742">
                   <a:extLst>
                     <a:ext uri="{9D8B030D-6E8A-4147-A177-3AD203B41FA5}">
-                      <a16:colId xmlns="" xmlns:a16="http://schemas.microsoft.com/office/drawing/2014/main" val="20002"/>
+                      <a16:colId xmlns:a16="http://schemas.microsoft.com/office/drawing/2014/main" xmlns="" val="20002"/>
                     </a:ext>
                   </a:extLst>
                 </a:gridCol>
@@ -14605,7 +14790,7 @@
                 </a:tc>
                 <a:extLst>
                   <a:ext uri="{0D108BD9-81ED-4DB2-BD59-A6C34878D82A}">
-                    <a16:rowId xmlns="" xmlns:a16="http://schemas.microsoft.com/office/drawing/2014/main" val="10000"/>
+                    <a16:rowId xmlns:a16="http://schemas.microsoft.com/office/drawing/2014/main" xmlns="" val="10000"/>
                   </a:ext>
                 </a:extLst>
               </a:tr>
@@ -14662,7 +14847,7 @@
                 </a:tc>
                 <a:extLst>
                   <a:ext uri="{0D108BD9-81ED-4DB2-BD59-A6C34878D82A}">
-                    <a16:rowId xmlns="" xmlns:a16="http://schemas.microsoft.com/office/drawing/2014/main" val="10001"/>
+                    <a16:rowId xmlns:a16="http://schemas.microsoft.com/office/drawing/2014/main" xmlns="" val="10001"/>
                   </a:ext>
                 </a:extLst>
               </a:tr>
@@ -14747,7 +14932,7 @@
                 </a:tc>
                 <a:extLst>
                   <a:ext uri="{0D108BD9-81ED-4DB2-BD59-A6C34878D82A}">
-                    <a16:rowId xmlns="" xmlns:a16="http://schemas.microsoft.com/office/drawing/2014/main" val="10002"/>
+                    <a16:rowId xmlns:a16="http://schemas.microsoft.com/office/drawing/2014/main" xmlns="" val="10002"/>
                   </a:ext>
                 </a:extLst>
               </a:tr>
@@ -14816,7 +15001,7 @@
                 </a:tc>
                 <a:extLst>
                   <a:ext uri="{0D108BD9-81ED-4DB2-BD59-A6C34878D82A}">
-                    <a16:rowId xmlns="" xmlns:a16="http://schemas.microsoft.com/office/drawing/2014/main" val="10003"/>
+                    <a16:rowId xmlns:a16="http://schemas.microsoft.com/office/drawing/2014/main" xmlns="" val="10003"/>
                   </a:ext>
                 </a:extLst>
               </a:tr>
@@ -14889,7 +15074,7 @@
                 </a:tc>
                 <a:extLst>
                   <a:ext uri="{0D108BD9-81ED-4DB2-BD59-A6C34878D82A}">
-                    <a16:rowId xmlns="" xmlns:a16="http://schemas.microsoft.com/office/drawing/2014/main" val="10004"/>
+                    <a16:rowId xmlns:a16="http://schemas.microsoft.com/office/drawing/2014/main" xmlns="" val="10004"/>
                   </a:ext>
                 </a:extLst>
               </a:tr>
@@ -14979,7 +15164,7 @@
                 </a:tc>
                 <a:extLst>
                   <a:ext uri="{0D108BD9-81ED-4DB2-BD59-A6C34878D82A}">
-                    <a16:rowId xmlns="" xmlns:a16="http://schemas.microsoft.com/office/drawing/2014/main" val="10005"/>
+                    <a16:rowId xmlns:a16="http://schemas.microsoft.com/office/drawing/2014/main" xmlns="" val="10005"/>
                   </a:ext>
                 </a:extLst>
               </a:tr>
@@ -14992,7 +15177,7 @@
           <p:cNvPr id="5" name="Pfeil: Chevron 4">
             <a:extLst>
               <a:ext uri="{FF2B5EF4-FFF2-40B4-BE49-F238E27FC236}">
-                <a16:creationId xmlns="" xmlns:a16="http://schemas.microsoft.com/office/drawing/2014/main" id="{FE16A436-3EBF-406A-A452-2785E92CA870}"/>
+                <a16:creationId xmlns:a16="http://schemas.microsoft.com/office/drawing/2014/main" xmlns="" id="{FE16A436-3EBF-406A-A452-2785E92CA870}"/>
               </a:ext>
             </a:extLst>
           </p:cNvPr>
@@ -15062,7 +15247,7 @@
           <p:cNvPr id="6" name="Pfeil: Chevron 5">
             <a:extLst>
               <a:ext uri="{FF2B5EF4-FFF2-40B4-BE49-F238E27FC236}">
-                <a16:creationId xmlns="" xmlns:a16="http://schemas.microsoft.com/office/drawing/2014/main" id="{4B425B4C-53B0-4FDA-90C8-3EAE519EFFB2}"/>
+                <a16:creationId xmlns:a16="http://schemas.microsoft.com/office/drawing/2014/main" xmlns="" id="{4B425B4C-53B0-4FDA-90C8-3EAE519EFFB2}"/>
               </a:ext>
             </a:extLst>
           </p:cNvPr>
@@ -15128,7 +15313,7 @@
           <p:cNvPr id="7" name="Pfeil: Chevron 6">
             <a:extLst>
               <a:ext uri="{FF2B5EF4-FFF2-40B4-BE49-F238E27FC236}">
-                <a16:creationId xmlns="" xmlns:a16="http://schemas.microsoft.com/office/drawing/2014/main" id="{14F5353B-3EA0-4F48-A473-08D522F34D71}"/>
+                <a16:creationId xmlns:a16="http://schemas.microsoft.com/office/drawing/2014/main" xmlns="" id="{14F5353B-3EA0-4F48-A473-08D522F34D71}"/>
               </a:ext>
             </a:extLst>
           </p:cNvPr>
@@ -15205,7 +15390,7 @@
           <p:cNvPr id="8" name="Pfeil: Chevron 7">
             <a:extLst>
               <a:ext uri="{FF2B5EF4-FFF2-40B4-BE49-F238E27FC236}">
-                <a16:creationId xmlns="" xmlns:a16="http://schemas.microsoft.com/office/drawing/2014/main" id="{655E865C-680E-47F4-9F87-B4EB179E321D}"/>
+                <a16:creationId xmlns:a16="http://schemas.microsoft.com/office/drawing/2014/main" xmlns="" id="{655E865C-680E-47F4-9F87-B4EB179E321D}"/>
               </a:ext>
             </a:extLst>
           </p:cNvPr>
@@ -15305,7 +15490,7 @@
           <p:cNvPr id="2" name="Titel 1">
             <a:extLst>
               <a:ext uri="{FF2B5EF4-FFF2-40B4-BE49-F238E27FC236}">
-                <a16:creationId xmlns="" xmlns:a16="http://schemas.microsoft.com/office/drawing/2014/main" id="{594F37A0-8FD9-42A4-A80F-4C479182787E}"/>
+                <a16:creationId xmlns:a16="http://schemas.microsoft.com/office/drawing/2014/main" xmlns="" id="{594F37A0-8FD9-42A4-A80F-4C479182787E}"/>
               </a:ext>
             </a:extLst>
           </p:cNvPr>
@@ -15366,7 +15551,7 @@
           <p:cNvPr id="5" name="Pfeil: Chevron 4">
             <a:extLst>
               <a:ext uri="{FF2B5EF4-FFF2-40B4-BE49-F238E27FC236}">
-                <a16:creationId xmlns="" xmlns:a16="http://schemas.microsoft.com/office/drawing/2014/main" id="{FE16A436-3EBF-406A-A452-2785E92CA870}"/>
+                <a16:creationId xmlns:a16="http://schemas.microsoft.com/office/drawing/2014/main" xmlns="" id="{FE16A436-3EBF-406A-A452-2785E92CA870}"/>
               </a:ext>
             </a:extLst>
           </p:cNvPr>
@@ -15436,7 +15621,7 @@
           <p:cNvPr id="6" name="Pfeil: Chevron 5">
             <a:extLst>
               <a:ext uri="{FF2B5EF4-FFF2-40B4-BE49-F238E27FC236}">
-                <a16:creationId xmlns="" xmlns:a16="http://schemas.microsoft.com/office/drawing/2014/main" id="{4B425B4C-53B0-4FDA-90C8-3EAE519EFFB2}"/>
+                <a16:creationId xmlns:a16="http://schemas.microsoft.com/office/drawing/2014/main" xmlns="" id="{4B425B4C-53B0-4FDA-90C8-3EAE519EFFB2}"/>
               </a:ext>
             </a:extLst>
           </p:cNvPr>
@@ -15502,7 +15687,7 @@
           <p:cNvPr id="7" name="Pfeil: Chevron 6">
             <a:extLst>
               <a:ext uri="{FF2B5EF4-FFF2-40B4-BE49-F238E27FC236}">
-                <a16:creationId xmlns="" xmlns:a16="http://schemas.microsoft.com/office/drawing/2014/main" id="{14F5353B-3EA0-4F48-A473-08D522F34D71}"/>
+                <a16:creationId xmlns:a16="http://schemas.microsoft.com/office/drawing/2014/main" xmlns="" id="{14F5353B-3EA0-4F48-A473-08D522F34D71}"/>
               </a:ext>
             </a:extLst>
           </p:cNvPr>
@@ -15579,7 +15764,7 @@
           <p:cNvPr id="8" name="Pfeil: Chevron 7">
             <a:extLst>
               <a:ext uri="{FF2B5EF4-FFF2-40B4-BE49-F238E27FC236}">
-                <a16:creationId xmlns="" xmlns:a16="http://schemas.microsoft.com/office/drawing/2014/main" id="{655E865C-680E-47F4-9F87-B4EB179E321D}"/>
+                <a16:creationId xmlns:a16="http://schemas.microsoft.com/office/drawing/2014/main" xmlns="" id="{655E865C-680E-47F4-9F87-B4EB179E321D}"/>
               </a:ext>
             </a:extLst>
           </p:cNvPr>
@@ -15891,7 +16076,7 @@
           <p:cNvPr id="2" name="Titel 1">
             <a:extLst>
               <a:ext uri="{FF2B5EF4-FFF2-40B4-BE49-F238E27FC236}">
-                <a16:creationId xmlns="" xmlns:a16="http://schemas.microsoft.com/office/drawing/2014/main" id="{594F37A0-8FD9-42A4-A80F-4C479182787E}"/>
+                <a16:creationId xmlns:a16="http://schemas.microsoft.com/office/drawing/2014/main" xmlns="" id="{594F37A0-8FD9-42A4-A80F-4C479182787E}"/>
               </a:ext>
             </a:extLst>
           </p:cNvPr>
@@ -15955,7 +16140,7 @@
           <p:cNvPr id="3" name="Inhaltsplatzhalter 2">
             <a:extLst>
               <a:ext uri="{FF2B5EF4-FFF2-40B4-BE49-F238E27FC236}">
-                <a16:creationId xmlns="" xmlns:a16="http://schemas.microsoft.com/office/drawing/2014/main" id="{B201CE33-F1D7-423B-B373-1D449812B3D5}"/>
+                <a16:creationId xmlns:a16="http://schemas.microsoft.com/office/drawing/2014/main" xmlns="" id="{B201CE33-F1D7-423B-B373-1D449812B3D5}"/>
               </a:ext>
             </a:extLst>
           </p:cNvPr>
@@ -16286,7 +16471,7 @@
           <p:cNvPr id="5" name="Pfeil: Chevron 4">
             <a:extLst>
               <a:ext uri="{FF2B5EF4-FFF2-40B4-BE49-F238E27FC236}">
-                <a16:creationId xmlns="" xmlns:a16="http://schemas.microsoft.com/office/drawing/2014/main" id="{FE16A436-3EBF-406A-A452-2785E92CA870}"/>
+                <a16:creationId xmlns:a16="http://schemas.microsoft.com/office/drawing/2014/main" xmlns="" id="{FE16A436-3EBF-406A-A452-2785E92CA870}"/>
               </a:ext>
             </a:extLst>
           </p:cNvPr>
@@ -16356,7 +16541,7 @@
           <p:cNvPr id="6" name="Pfeil: Chevron 5">
             <a:extLst>
               <a:ext uri="{FF2B5EF4-FFF2-40B4-BE49-F238E27FC236}">
-                <a16:creationId xmlns="" xmlns:a16="http://schemas.microsoft.com/office/drawing/2014/main" id="{4B425B4C-53B0-4FDA-90C8-3EAE519EFFB2}"/>
+                <a16:creationId xmlns:a16="http://schemas.microsoft.com/office/drawing/2014/main" xmlns="" id="{4B425B4C-53B0-4FDA-90C8-3EAE519EFFB2}"/>
               </a:ext>
             </a:extLst>
           </p:cNvPr>
@@ -16422,7 +16607,7 @@
           <p:cNvPr id="7" name="Pfeil: Chevron 6">
             <a:extLst>
               <a:ext uri="{FF2B5EF4-FFF2-40B4-BE49-F238E27FC236}">
-                <a16:creationId xmlns="" xmlns:a16="http://schemas.microsoft.com/office/drawing/2014/main" id="{14F5353B-3EA0-4F48-A473-08D522F34D71}"/>
+                <a16:creationId xmlns:a16="http://schemas.microsoft.com/office/drawing/2014/main" xmlns="" id="{14F5353B-3EA0-4F48-A473-08D522F34D71}"/>
               </a:ext>
             </a:extLst>
           </p:cNvPr>
@@ -16499,7 +16684,7 @@
           <p:cNvPr id="8" name="Pfeil: Chevron 7">
             <a:extLst>
               <a:ext uri="{FF2B5EF4-FFF2-40B4-BE49-F238E27FC236}">
-                <a16:creationId xmlns="" xmlns:a16="http://schemas.microsoft.com/office/drawing/2014/main" id="{655E865C-680E-47F4-9F87-B4EB179E321D}"/>
+                <a16:creationId xmlns:a16="http://schemas.microsoft.com/office/drawing/2014/main" xmlns="" id="{655E865C-680E-47F4-9F87-B4EB179E321D}"/>
               </a:ext>
             </a:extLst>
           </p:cNvPr>
@@ -16599,7 +16784,7 @@
           <p:cNvPr id="2" name="Titel 1">
             <a:extLst>
               <a:ext uri="{FF2B5EF4-FFF2-40B4-BE49-F238E27FC236}">
-                <a16:creationId xmlns="" xmlns:a16="http://schemas.microsoft.com/office/drawing/2014/main" id="{594F37A0-8FD9-42A4-A80F-4C479182787E}"/>
+                <a16:creationId xmlns:a16="http://schemas.microsoft.com/office/drawing/2014/main" xmlns="" id="{594F37A0-8FD9-42A4-A80F-4C479182787E}"/>
               </a:ext>
             </a:extLst>
           </p:cNvPr>
@@ -16647,7 +16832,7 @@
           <p:cNvPr id="5" name="Pfeil: Chevron 4">
             <a:extLst>
               <a:ext uri="{FF2B5EF4-FFF2-40B4-BE49-F238E27FC236}">
-                <a16:creationId xmlns="" xmlns:a16="http://schemas.microsoft.com/office/drawing/2014/main" id="{FE16A436-3EBF-406A-A452-2785E92CA870}"/>
+                <a16:creationId xmlns:a16="http://schemas.microsoft.com/office/drawing/2014/main" xmlns="" id="{FE16A436-3EBF-406A-A452-2785E92CA870}"/>
               </a:ext>
             </a:extLst>
           </p:cNvPr>
@@ -16717,7 +16902,7 @@
           <p:cNvPr id="6" name="Pfeil: Chevron 5">
             <a:extLst>
               <a:ext uri="{FF2B5EF4-FFF2-40B4-BE49-F238E27FC236}">
-                <a16:creationId xmlns="" xmlns:a16="http://schemas.microsoft.com/office/drawing/2014/main" id="{4B425B4C-53B0-4FDA-90C8-3EAE519EFFB2}"/>
+                <a16:creationId xmlns:a16="http://schemas.microsoft.com/office/drawing/2014/main" xmlns="" id="{4B425B4C-53B0-4FDA-90C8-3EAE519EFFB2}"/>
               </a:ext>
             </a:extLst>
           </p:cNvPr>
@@ -16783,7 +16968,7 @@
           <p:cNvPr id="7" name="Pfeil: Chevron 6">
             <a:extLst>
               <a:ext uri="{FF2B5EF4-FFF2-40B4-BE49-F238E27FC236}">
-                <a16:creationId xmlns="" xmlns:a16="http://schemas.microsoft.com/office/drawing/2014/main" id="{14F5353B-3EA0-4F48-A473-08D522F34D71}"/>
+                <a16:creationId xmlns:a16="http://schemas.microsoft.com/office/drawing/2014/main" xmlns="" id="{14F5353B-3EA0-4F48-A473-08D522F34D71}"/>
               </a:ext>
             </a:extLst>
           </p:cNvPr>
@@ -16860,7 +17045,7 @@
           <p:cNvPr id="8" name="Pfeil: Chevron 7">
             <a:extLst>
               <a:ext uri="{FF2B5EF4-FFF2-40B4-BE49-F238E27FC236}">
-                <a16:creationId xmlns="" xmlns:a16="http://schemas.microsoft.com/office/drawing/2014/main" id="{655E865C-680E-47F4-9F87-B4EB179E321D}"/>
+                <a16:creationId xmlns:a16="http://schemas.microsoft.com/office/drawing/2014/main" xmlns="" id="{655E865C-680E-47F4-9F87-B4EB179E321D}"/>
               </a:ext>
             </a:extLst>
           </p:cNvPr>
@@ -16930,7 +17115,7 @@
           <p:cNvPr id="15" name="Rechteck 14">
             <a:extLst>
               <a:ext uri="{FF2B5EF4-FFF2-40B4-BE49-F238E27FC236}">
-                <a16:creationId xmlns="" xmlns:a16="http://schemas.microsoft.com/office/drawing/2014/main" id="{12090F8B-0EE1-49C0-8557-731AE5DB00E1}"/>
+                <a16:creationId xmlns:a16="http://schemas.microsoft.com/office/drawing/2014/main" xmlns="" id="{12090F8B-0EE1-49C0-8557-731AE5DB00E1}"/>
               </a:ext>
             </a:extLst>
           </p:cNvPr>
@@ -16987,7 +17172,7 @@
           <p:cNvPr id="114" name="Gruppieren 113">
             <a:extLst>
               <a:ext uri="{FF2B5EF4-FFF2-40B4-BE49-F238E27FC236}">
-                <a16:creationId xmlns="" xmlns:a16="http://schemas.microsoft.com/office/drawing/2014/main" id="{E6ABE55B-B737-45A5-9001-1C156E9900C9}"/>
+                <a16:creationId xmlns:a16="http://schemas.microsoft.com/office/drawing/2014/main" xmlns="" id="{E6ABE55B-B737-45A5-9001-1C156E9900C9}"/>
               </a:ext>
             </a:extLst>
           </p:cNvPr>
@@ -17007,7 +17192,7 @@
             <p:cNvPr id="4" name="Ellipse 3">
               <a:extLst>
                 <a:ext uri="{FF2B5EF4-FFF2-40B4-BE49-F238E27FC236}">
-                  <a16:creationId xmlns="" xmlns:a16="http://schemas.microsoft.com/office/drawing/2014/main" id="{F0E964B3-6D49-469E-9C44-5D8C1D2F9E5C}"/>
+                  <a16:creationId xmlns:a16="http://schemas.microsoft.com/office/drawing/2014/main" xmlns="" id="{F0E964B3-6D49-469E-9C44-5D8C1D2F9E5C}"/>
                 </a:ext>
               </a:extLst>
             </p:cNvPr>
@@ -17061,7 +17246,7 @@
             <p:cNvPr id="9" name="Ellipse 8">
               <a:extLst>
                 <a:ext uri="{FF2B5EF4-FFF2-40B4-BE49-F238E27FC236}">
-                  <a16:creationId xmlns="" xmlns:a16="http://schemas.microsoft.com/office/drawing/2014/main" id="{ADFDBF9F-C58C-4E59-8263-6B2AFBB59D68}"/>
+                  <a16:creationId xmlns:a16="http://schemas.microsoft.com/office/drawing/2014/main" xmlns="" id="{ADFDBF9F-C58C-4E59-8263-6B2AFBB59D68}"/>
                 </a:ext>
               </a:extLst>
             </p:cNvPr>
@@ -17120,7 +17305,7 @@
             <p:cNvPr id="10" name="Ellipse 9">
               <a:extLst>
                 <a:ext uri="{FF2B5EF4-FFF2-40B4-BE49-F238E27FC236}">
-                  <a16:creationId xmlns="" xmlns:a16="http://schemas.microsoft.com/office/drawing/2014/main" id="{6E82B9C2-2F86-4A8F-9ABA-1526C833BC56}"/>
+                  <a16:creationId xmlns:a16="http://schemas.microsoft.com/office/drawing/2014/main" xmlns="" id="{6E82B9C2-2F86-4A8F-9ABA-1526C833BC56}"/>
                 </a:ext>
               </a:extLst>
             </p:cNvPr>
@@ -17179,7 +17364,7 @@
             <p:cNvPr id="11" name="Rechteck 10">
               <a:extLst>
                 <a:ext uri="{FF2B5EF4-FFF2-40B4-BE49-F238E27FC236}">
-                  <a16:creationId xmlns="" xmlns:a16="http://schemas.microsoft.com/office/drawing/2014/main" id="{39F4554A-C759-4B45-BA17-E3D0CC30F7A4}"/>
+                  <a16:creationId xmlns:a16="http://schemas.microsoft.com/office/drawing/2014/main" xmlns="" id="{39F4554A-C759-4B45-BA17-E3D0CC30F7A4}"/>
                 </a:ext>
               </a:extLst>
             </p:cNvPr>
@@ -17233,7 +17418,7 @@
             <p:cNvPr id="12" name="Rechteck 11">
               <a:extLst>
                 <a:ext uri="{FF2B5EF4-FFF2-40B4-BE49-F238E27FC236}">
-                  <a16:creationId xmlns="" xmlns:a16="http://schemas.microsoft.com/office/drawing/2014/main" id="{83682C4F-3C3C-4F89-8DD4-F0F006A9E86B}"/>
+                  <a16:creationId xmlns:a16="http://schemas.microsoft.com/office/drawing/2014/main" xmlns="" id="{83682C4F-3C3C-4F89-8DD4-F0F006A9E86B}"/>
                 </a:ext>
               </a:extLst>
             </p:cNvPr>
@@ -17287,7 +17472,7 @@
             <p:cNvPr id="13" name="Rechteck 12">
               <a:extLst>
                 <a:ext uri="{FF2B5EF4-FFF2-40B4-BE49-F238E27FC236}">
-                  <a16:creationId xmlns="" xmlns:a16="http://schemas.microsoft.com/office/drawing/2014/main" id="{4991D9FD-ADB5-463B-857D-54D2BE5F4444}"/>
+                  <a16:creationId xmlns:a16="http://schemas.microsoft.com/office/drawing/2014/main" xmlns="" id="{4991D9FD-ADB5-463B-857D-54D2BE5F4444}"/>
                 </a:ext>
               </a:extLst>
             </p:cNvPr>
@@ -17341,7 +17526,7 @@
             <p:cNvPr id="22" name="Gerader Verbinder 21">
               <a:extLst>
                 <a:ext uri="{FF2B5EF4-FFF2-40B4-BE49-F238E27FC236}">
-                  <a16:creationId xmlns="" xmlns:a16="http://schemas.microsoft.com/office/drawing/2014/main" id="{89C5445D-AE0B-4065-B5C2-C4BA4D894B33}"/>
+                  <a16:creationId xmlns:a16="http://schemas.microsoft.com/office/drawing/2014/main" xmlns="" id="{89C5445D-AE0B-4065-B5C2-C4BA4D894B33}"/>
                 </a:ext>
               </a:extLst>
             </p:cNvPr>
@@ -17386,7 +17571,7 @@
             <p:cNvPr id="25" name="Gerader Verbinder 24">
               <a:extLst>
                 <a:ext uri="{FF2B5EF4-FFF2-40B4-BE49-F238E27FC236}">
-                  <a16:creationId xmlns="" xmlns:a16="http://schemas.microsoft.com/office/drawing/2014/main" id="{0AC5CD99-8C18-4714-86BA-1DABD14BEEB1}"/>
+                  <a16:creationId xmlns:a16="http://schemas.microsoft.com/office/drawing/2014/main" xmlns="" id="{0AC5CD99-8C18-4714-86BA-1DABD14BEEB1}"/>
                 </a:ext>
               </a:extLst>
             </p:cNvPr>
@@ -17431,7 +17616,7 @@
             <p:cNvPr id="27" name="Gerader Verbinder 26">
               <a:extLst>
                 <a:ext uri="{FF2B5EF4-FFF2-40B4-BE49-F238E27FC236}">
-                  <a16:creationId xmlns="" xmlns:a16="http://schemas.microsoft.com/office/drawing/2014/main" id="{372D202C-DBE8-4CD3-B126-8EC7F0EED127}"/>
+                  <a16:creationId xmlns:a16="http://schemas.microsoft.com/office/drawing/2014/main" xmlns="" id="{372D202C-DBE8-4CD3-B126-8EC7F0EED127}"/>
                 </a:ext>
               </a:extLst>
             </p:cNvPr>
@@ -17475,7 +17660,7 @@
             <p:cNvPr id="44" name="Rechteck 43">
               <a:extLst>
                 <a:ext uri="{FF2B5EF4-FFF2-40B4-BE49-F238E27FC236}">
-                  <a16:creationId xmlns="" xmlns:a16="http://schemas.microsoft.com/office/drawing/2014/main" id="{E9A62879-336C-4C6A-8645-8EA91AEDC01B}"/>
+                  <a16:creationId xmlns:a16="http://schemas.microsoft.com/office/drawing/2014/main" xmlns="" id="{E9A62879-336C-4C6A-8645-8EA91AEDC01B}"/>
                 </a:ext>
               </a:extLst>
             </p:cNvPr>
@@ -17529,7 +17714,7 @@
             <p:cNvPr id="47" name="Gerader Verbinder 46">
               <a:extLst>
                 <a:ext uri="{FF2B5EF4-FFF2-40B4-BE49-F238E27FC236}">
-                  <a16:creationId xmlns="" xmlns:a16="http://schemas.microsoft.com/office/drawing/2014/main" id="{38733F2E-2EFE-4A11-9767-E5DFD6723791}"/>
+                  <a16:creationId xmlns:a16="http://schemas.microsoft.com/office/drawing/2014/main" xmlns="" id="{38733F2E-2EFE-4A11-9767-E5DFD6723791}"/>
                 </a:ext>
               </a:extLst>
             </p:cNvPr>
@@ -17573,7 +17758,7 @@
             <p:cNvPr id="48" name="Rechteck 47">
               <a:extLst>
                 <a:ext uri="{FF2B5EF4-FFF2-40B4-BE49-F238E27FC236}">
-                  <a16:creationId xmlns="" xmlns:a16="http://schemas.microsoft.com/office/drawing/2014/main" id="{F9091B22-61DA-4C09-A0B8-1DF18DB2F2FC}"/>
+                  <a16:creationId xmlns:a16="http://schemas.microsoft.com/office/drawing/2014/main" xmlns="" id="{F9091B22-61DA-4C09-A0B8-1DF18DB2F2FC}"/>
                 </a:ext>
               </a:extLst>
             </p:cNvPr>
@@ -17627,7 +17812,7 @@
             <p:cNvPr id="49" name="Gerader Verbinder 48">
               <a:extLst>
                 <a:ext uri="{FF2B5EF4-FFF2-40B4-BE49-F238E27FC236}">
-                  <a16:creationId xmlns="" xmlns:a16="http://schemas.microsoft.com/office/drawing/2014/main" id="{682E47F6-D19D-46F3-91A1-0B8575F8DFCC}"/>
+                  <a16:creationId xmlns:a16="http://schemas.microsoft.com/office/drawing/2014/main" xmlns="" id="{682E47F6-D19D-46F3-91A1-0B8575F8DFCC}"/>
                 </a:ext>
               </a:extLst>
             </p:cNvPr>
@@ -17673,7 +17858,7 @@
           <p:cNvPr id="43" name="Rechteck 42">
             <a:extLst>
               <a:ext uri="{FF2B5EF4-FFF2-40B4-BE49-F238E27FC236}">
-                <a16:creationId xmlns="" xmlns:a16="http://schemas.microsoft.com/office/drawing/2014/main" id="{833A77D8-B216-4736-917E-D828CF33C81B}"/>
+                <a16:creationId xmlns:a16="http://schemas.microsoft.com/office/drawing/2014/main" xmlns="" id="{833A77D8-B216-4736-917E-D828CF33C81B}"/>
               </a:ext>
             </a:extLst>
           </p:cNvPr>
@@ -17730,7 +17915,7 @@
           <p:cNvPr id="54" name="Ellipse 53">
             <a:extLst>
               <a:ext uri="{FF2B5EF4-FFF2-40B4-BE49-F238E27FC236}">
-                <a16:creationId xmlns="" xmlns:a16="http://schemas.microsoft.com/office/drawing/2014/main" id="{0724EC24-76F0-415C-8D88-713BB341AC8D}"/>
+                <a16:creationId xmlns:a16="http://schemas.microsoft.com/office/drawing/2014/main" xmlns="" id="{0724EC24-76F0-415C-8D88-713BB341AC8D}"/>
               </a:ext>
             </a:extLst>
           </p:cNvPr>
@@ -17784,7 +17969,7 @@
           <p:cNvPr id="55" name="Ellipse 54">
             <a:extLst>
               <a:ext uri="{FF2B5EF4-FFF2-40B4-BE49-F238E27FC236}">
-                <a16:creationId xmlns="" xmlns:a16="http://schemas.microsoft.com/office/drawing/2014/main" id="{39199409-4122-40F0-A3D6-D4A3D696E9EA}"/>
+                <a16:creationId xmlns:a16="http://schemas.microsoft.com/office/drawing/2014/main" xmlns="" id="{39199409-4122-40F0-A3D6-D4A3D696E9EA}"/>
               </a:ext>
             </a:extLst>
           </p:cNvPr>
@@ -17843,7 +18028,7 @@
           <p:cNvPr id="56" name="Ellipse 55">
             <a:extLst>
               <a:ext uri="{FF2B5EF4-FFF2-40B4-BE49-F238E27FC236}">
-                <a16:creationId xmlns="" xmlns:a16="http://schemas.microsoft.com/office/drawing/2014/main" id="{6D93231C-9D23-479A-9BEA-0BBE1012E65C}"/>
+                <a16:creationId xmlns:a16="http://schemas.microsoft.com/office/drawing/2014/main" xmlns="" id="{6D93231C-9D23-479A-9BEA-0BBE1012E65C}"/>
               </a:ext>
             </a:extLst>
           </p:cNvPr>
@@ -17902,7 +18087,7 @@
           <p:cNvPr id="57" name="Rechteck 56">
             <a:extLst>
               <a:ext uri="{FF2B5EF4-FFF2-40B4-BE49-F238E27FC236}">
-                <a16:creationId xmlns="" xmlns:a16="http://schemas.microsoft.com/office/drawing/2014/main" id="{8F74F4B6-8262-4239-BE3B-938FB62046E6}"/>
+                <a16:creationId xmlns:a16="http://schemas.microsoft.com/office/drawing/2014/main" xmlns="" id="{8F74F4B6-8262-4239-BE3B-938FB62046E6}"/>
               </a:ext>
             </a:extLst>
           </p:cNvPr>
@@ -17956,7 +18141,7 @@
           <p:cNvPr id="58" name="Rechteck 57">
             <a:extLst>
               <a:ext uri="{FF2B5EF4-FFF2-40B4-BE49-F238E27FC236}">
-                <a16:creationId xmlns="" xmlns:a16="http://schemas.microsoft.com/office/drawing/2014/main" id="{799332C2-2C18-4638-9DE9-D0A34DBA71B5}"/>
+                <a16:creationId xmlns:a16="http://schemas.microsoft.com/office/drawing/2014/main" xmlns="" id="{799332C2-2C18-4638-9DE9-D0A34DBA71B5}"/>
               </a:ext>
             </a:extLst>
           </p:cNvPr>
@@ -18010,7 +18195,7 @@
           <p:cNvPr id="59" name="Rechteck 58">
             <a:extLst>
               <a:ext uri="{FF2B5EF4-FFF2-40B4-BE49-F238E27FC236}">
-                <a16:creationId xmlns="" xmlns:a16="http://schemas.microsoft.com/office/drawing/2014/main" id="{5D41B586-D3AE-4077-8CB3-BEECBB837D3F}"/>
+                <a16:creationId xmlns:a16="http://schemas.microsoft.com/office/drawing/2014/main" xmlns="" id="{5D41B586-D3AE-4077-8CB3-BEECBB837D3F}"/>
               </a:ext>
             </a:extLst>
           </p:cNvPr>
@@ -18064,7 +18249,7 @@
           <p:cNvPr id="60" name="Gerader Verbinder 59">
             <a:extLst>
               <a:ext uri="{FF2B5EF4-FFF2-40B4-BE49-F238E27FC236}">
-                <a16:creationId xmlns="" xmlns:a16="http://schemas.microsoft.com/office/drawing/2014/main" id="{D5015C48-E06F-4A8A-A0C8-4E0716AA2807}"/>
+                <a16:creationId xmlns:a16="http://schemas.microsoft.com/office/drawing/2014/main" xmlns="" id="{D5015C48-E06F-4A8A-A0C8-4E0716AA2807}"/>
               </a:ext>
             </a:extLst>
           </p:cNvPr>
@@ -18109,7 +18294,7 @@
           <p:cNvPr id="61" name="Gerader Verbinder 60">
             <a:extLst>
               <a:ext uri="{FF2B5EF4-FFF2-40B4-BE49-F238E27FC236}">
-                <a16:creationId xmlns="" xmlns:a16="http://schemas.microsoft.com/office/drawing/2014/main" id="{85D53691-3F55-48F0-90C5-B5D3DB4A5664}"/>
+                <a16:creationId xmlns:a16="http://schemas.microsoft.com/office/drawing/2014/main" xmlns="" id="{85D53691-3F55-48F0-90C5-B5D3DB4A5664}"/>
               </a:ext>
             </a:extLst>
           </p:cNvPr>
@@ -18154,7 +18339,7 @@
           <p:cNvPr id="62" name="Gerader Verbinder 61">
             <a:extLst>
               <a:ext uri="{FF2B5EF4-FFF2-40B4-BE49-F238E27FC236}">
-                <a16:creationId xmlns="" xmlns:a16="http://schemas.microsoft.com/office/drawing/2014/main" id="{BE80E97D-A8EF-4F78-A86E-E4EA61C7D153}"/>
+                <a16:creationId xmlns:a16="http://schemas.microsoft.com/office/drawing/2014/main" xmlns="" id="{BE80E97D-A8EF-4F78-A86E-E4EA61C7D153}"/>
               </a:ext>
             </a:extLst>
           </p:cNvPr>
@@ -18198,7 +18383,7 @@
           <p:cNvPr id="63" name="Rechteck 62">
             <a:extLst>
               <a:ext uri="{FF2B5EF4-FFF2-40B4-BE49-F238E27FC236}">
-                <a16:creationId xmlns="" xmlns:a16="http://schemas.microsoft.com/office/drawing/2014/main" id="{8F11F71D-CAF2-4CCF-B270-36BE066CDF14}"/>
+                <a16:creationId xmlns:a16="http://schemas.microsoft.com/office/drawing/2014/main" xmlns="" id="{8F11F71D-CAF2-4CCF-B270-36BE066CDF14}"/>
               </a:ext>
             </a:extLst>
           </p:cNvPr>
@@ -18252,7 +18437,7 @@
           <p:cNvPr id="64" name="Gerader Verbinder 63">
             <a:extLst>
               <a:ext uri="{FF2B5EF4-FFF2-40B4-BE49-F238E27FC236}">
-                <a16:creationId xmlns="" xmlns:a16="http://schemas.microsoft.com/office/drawing/2014/main" id="{CA102292-B757-4C9D-985D-5BD63D82B0D6}"/>
+                <a16:creationId xmlns:a16="http://schemas.microsoft.com/office/drawing/2014/main" xmlns="" id="{CA102292-B757-4C9D-985D-5BD63D82B0D6}"/>
               </a:ext>
             </a:extLst>
           </p:cNvPr>
@@ -18296,7 +18481,7 @@
           <p:cNvPr id="65" name="Rechteck 64">
             <a:extLst>
               <a:ext uri="{FF2B5EF4-FFF2-40B4-BE49-F238E27FC236}">
-                <a16:creationId xmlns="" xmlns:a16="http://schemas.microsoft.com/office/drawing/2014/main" id="{41489995-E092-4825-91F0-5DC202A1C2BB}"/>
+                <a16:creationId xmlns:a16="http://schemas.microsoft.com/office/drawing/2014/main" xmlns="" id="{41489995-E092-4825-91F0-5DC202A1C2BB}"/>
               </a:ext>
             </a:extLst>
           </p:cNvPr>
@@ -18350,7 +18535,7 @@
           <p:cNvPr id="66" name="Gerader Verbinder 65">
             <a:extLst>
               <a:ext uri="{FF2B5EF4-FFF2-40B4-BE49-F238E27FC236}">
-                <a16:creationId xmlns="" xmlns:a16="http://schemas.microsoft.com/office/drawing/2014/main" id="{DDFE0BAE-6703-4B9C-89B0-47C6B7620641}"/>
+                <a16:creationId xmlns:a16="http://schemas.microsoft.com/office/drawing/2014/main" xmlns="" id="{DDFE0BAE-6703-4B9C-89B0-47C6B7620641}"/>
               </a:ext>
             </a:extLst>
           </p:cNvPr>
@@ -18395,7 +18580,7 @@
           <p:cNvPr id="121" name="Gruppieren 120">
             <a:extLst>
               <a:ext uri="{FF2B5EF4-FFF2-40B4-BE49-F238E27FC236}">
-                <a16:creationId xmlns="" xmlns:a16="http://schemas.microsoft.com/office/drawing/2014/main" id="{D1E3AF41-3409-43D2-9206-1FCB776CEE95}"/>
+                <a16:creationId xmlns:a16="http://schemas.microsoft.com/office/drawing/2014/main" xmlns="" id="{D1E3AF41-3409-43D2-9206-1FCB776CEE95}"/>
               </a:ext>
             </a:extLst>
           </p:cNvPr>
@@ -18415,7 +18600,7 @@
             <p:cNvPr id="68" name="Ellipse 67">
               <a:extLst>
                 <a:ext uri="{FF2B5EF4-FFF2-40B4-BE49-F238E27FC236}">
-                  <a16:creationId xmlns="" xmlns:a16="http://schemas.microsoft.com/office/drawing/2014/main" id="{8E556749-E290-4134-95FE-85D40A4DDBF7}"/>
+                  <a16:creationId xmlns:a16="http://schemas.microsoft.com/office/drawing/2014/main" xmlns="" id="{8E556749-E290-4134-95FE-85D40A4DDBF7}"/>
                 </a:ext>
               </a:extLst>
             </p:cNvPr>
@@ -18469,7 +18654,7 @@
             <p:cNvPr id="69" name="Ellipse 68">
               <a:extLst>
                 <a:ext uri="{FF2B5EF4-FFF2-40B4-BE49-F238E27FC236}">
-                  <a16:creationId xmlns="" xmlns:a16="http://schemas.microsoft.com/office/drawing/2014/main" id="{38BA4B0C-3294-41AD-AEA8-6BC3CE539077}"/>
+                  <a16:creationId xmlns:a16="http://schemas.microsoft.com/office/drawing/2014/main" xmlns="" id="{38BA4B0C-3294-41AD-AEA8-6BC3CE539077}"/>
                 </a:ext>
               </a:extLst>
             </p:cNvPr>
@@ -18528,7 +18713,7 @@
             <p:cNvPr id="70" name="Ellipse 69">
               <a:extLst>
                 <a:ext uri="{FF2B5EF4-FFF2-40B4-BE49-F238E27FC236}">
-                  <a16:creationId xmlns="" xmlns:a16="http://schemas.microsoft.com/office/drawing/2014/main" id="{16A02058-7492-445E-ABAC-60D8F2E41062}"/>
+                  <a16:creationId xmlns:a16="http://schemas.microsoft.com/office/drawing/2014/main" xmlns="" id="{16A02058-7492-445E-ABAC-60D8F2E41062}"/>
                 </a:ext>
               </a:extLst>
             </p:cNvPr>
@@ -18587,7 +18772,7 @@
             <p:cNvPr id="71" name="Rechteck 70">
               <a:extLst>
                 <a:ext uri="{FF2B5EF4-FFF2-40B4-BE49-F238E27FC236}">
-                  <a16:creationId xmlns="" xmlns:a16="http://schemas.microsoft.com/office/drawing/2014/main" id="{CD16C262-21E4-4CB9-BFBE-5C0592D2DACE}"/>
+                  <a16:creationId xmlns:a16="http://schemas.microsoft.com/office/drawing/2014/main" xmlns="" id="{CD16C262-21E4-4CB9-BFBE-5C0592D2DACE}"/>
                 </a:ext>
               </a:extLst>
             </p:cNvPr>
@@ -18641,7 +18826,7 @@
             <p:cNvPr id="72" name="Rechteck 71">
               <a:extLst>
                 <a:ext uri="{FF2B5EF4-FFF2-40B4-BE49-F238E27FC236}">
-                  <a16:creationId xmlns="" xmlns:a16="http://schemas.microsoft.com/office/drawing/2014/main" id="{2A0F9BBC-DFF7-4A6A-BF32-F2DF85FB7F13}"/>
+                  <a16:creationId xmlns:a16="http://schemas.microsoft.com/office/drawing/2014/main" xmlns="" id="{2A0F9BBC-DFF7-4A6A-BF32-F2DF85FB7F13}"/>
                 </a:ext>
               </a:extLst>
             </p:cNvPr>
@@ -18695,7 +18880,7 @@
             <p:cNvPr id="73" name="Rechteck 72">
               <a:extLst>
                 <a:ext uri="{FF2B5EF4-FFF2-40B4-BE49-F238E27FC236}">
-                  <a16:creationId xmlns="" xmlns:a16="http://schemas.microsoft.com/office/drawing/2014/main" id="{D42920A0-37DC-47AC-9FF4-2297613C6050}"/>
+                  <a16:creationId xmlns:a16="http://schemas.microsoft.com/office/drawing/2014/main" xmlns="" id="{D42920A0-37DC-47AC-9FF4-2297613C6050}"/>
                 </a:ext>
               </a:extLst>
             </p:cNvPr>
@@ -18749,7 +18934,7 @@
             <p:cNvPr id="74" name="Gerader Verbinder 73">
               <a:extLst>
                 <a:ext uri="{FF2B5EF4-FFF2-40B4-BE49-F238E27FC236}">
-                  <a16:creationId xmlns="" xmlns:a16="http://schemas.microsoft.com/office/drawing/2014/main" id="{A0695C55-E5B1-4170-8152-15DB9219FD2B}"/>
+                  <a16:creationId xmlns:a16="http://schemas.microsoft.com/office/drawing/2014/main" xmlns="" id="{A0695C55-E5B1-4170-8152-15DB9219FD2B}"/>
                 </a:ext>
               </a:extLst>
             </p:cNvPr>
@@ -18794,7 +18979,7 @@
             <p:cNvPr id="75" name="Gerader Verbinder 74">
               <a:extLst>
                 <a:ext uri="{FF2B5EF4-FFF2-40B4-BE49-F238E27FC236}">
-                  <a16:creationId xmlns="" xmlns:a16="http://schemas.microsoft.com/office/drawing/2014/main" id="{137D69E5-1ED1-4F79-BF36-7964626560E2}"/>
+                  <a16:creationId xmlns:a16="http://schemas.microsoft.com/office/drawing/2014/main" xmlns="" id="{137D69E5-1ED1-4F79-BF36-7964626560E2}"/>
                 </a:ext>
               </a:extLst>
             </p:cNvPr>
@@ -18839,7 +19024,7 @@
             <p:cNvPr id="76" name="Gerader Verbinder 75">
               <a:extLst>
                 <a:ext uri="{FF2B5EF4-FFF2-40B4-BE49-F238E27FC236}">
-                  <a16:creationId xmlns="" xmlns:a16="http://schemas.microsoft.com/office/drawing/2014/main" id="{D8D87741-3DDC-4615-A2D4-B8D7A5CD0856}"/>
+                  <a16:creationId xmlns:a16="http://schemas.microsoft.com/office/drawing/2014/main" xmlns="" id="{D8D87741-3DDC-4615-A2D4-B8D7A5CD0856}"/>
                 </a:ext>
               </a:extLst>
             </p:cNvPr>
@@ -18883,7 +19068,7 @@
             <p:cNvPr id="81" name="Rechteck 80">
               <a:extLst>
                 <a:ext uri="{FF2B5EF4-FFF2-40B4-BE49-F238E27FC236}">
-                  <a16:creationId xmlns="" xmlns:a16="http://schemas.microsoft.com/office/drawing/2014/main" id="{0F0150EA-BC0A-4394-BB8F-97650B478257}"/>
+                  <a16:creationId xmlns:a16="http://schemas.microsoft.com/office/drawing/2014/main" xmlns="" id="{0F0150EA-BC0A-4394-BB8F-97650B478257}"/>
                 </a:ext>
               </a:extLst>
             </p:cNvPr>
@@ -18940,7 +19125,7 @@
             <p:cNvPr id="77" name="Rechteck 76">
               <a:extLst>
                 <a:ext uri="{FF2B5EF4-FFF2-40B4-BE49-F238E27FC236}">
-                  <a16:creationId xmlns="" xmlns:a16="http://schemas.microsoft.com/office/drawing/2014/main" id="{429023F3-62B4-4365-8029-F8617E4A1BC7}"/>
+                  <a16:creationId xmlns:a16="http://schemas.microsoft.com/office/drawing/2014/main" xmlns="" id="{429023F3-62B4-4365-8029-F8617E4A1BC7}"/>
                 </a:ext>
               </a:extLst>
             </p:cNvPr>
@@ -18994,7 +19179,7 @@
             <p:cNvPr id="78" name="Gerader Verbinder 77">
               <a:extLst>
                 <a:ext uri="{FF2B5EF4-FFF2-40B4-BE49-F238E27FC236}">
-                  <a16:creationId xmlns="" xmlns:a16="http://schemas.microsoft.com/office/drawing/2014/main" id="{C9767AF8-2522-4386-919F-3A722F8FB63A}"/>
+                  <a16:creationId xmlns:a16="http://schemas.microsoft.com/office/drawing/2014/main" xmlns="" id="{C9767AF8-2522-4386-919F-3A722F8FB63A}"/>
                 </a:ext>
               </a:extLst>
             </p:cNvPr>
@@ -19038,7 +19223,7 @@
             <p:cNvPr id="79" name="Rechteck 78">
               <a:extLst>
                 <a:ext uri="{FF2B5EF4-FFF2-40B4-BE49-F238E27FC236}">
-                  <a16:creationId xmlns="" xmlns:a16="http://schemas.microsoft.com/office/drawing/2014/main" id="{673B13A4-866F-41DA-9CF4-25ACF678B97C}"/>
+                  <a16:creationId xmlns:a16="http://schemas.microsoft.com/office/drawing/2014/main" xmlns="" id="{673B13A4-866F-41DA-9CF4-25ACF678B97C}"/>
                 </a:ext>
               </a:extLst>
             </p:cNvPr>
@@ -19092,7 +19277,7 @@
             <p:cNvPr id="80" name="Gerader Verbinder 79">
               <a:extLst>
                 <a:ext uri="{FF2B5EF4-FFF2-40B4-BE49-F238E27FC236}">
-                  <a16:creationId xmlns="" xmlns:a16="http://schemas.microsoft.com/office/drawing/2014/main" id="{E3C16484-8F30-46B2-8B68-D4924B60590F}"/>
+                  <a16:creationId xmlns:a16="http://schemas.microsoft.com/office/drawing/2014/main" xmlns="" id="{E3C16484-8F30-46B2-8B68-D4924B60590F}"/>
                 </a:ext>
               </a:extLst>
             </p:cNvPr>
@@ -19138,7 +19323,7 @@
           <p:cNvPr id="113" name="Gruppieren 112">
             <a:extLst>
               <a:ext uri="{FF2B5EF4-FFF2-40B4-BE49-F238E27FC236}">
-                <a16:creationId xmlns="" xmlns:a16="http://schemas.microsoft.com/office/drawing/2014/main" id="{6BF72EE9-47F4-4C0C-B6AF-E2992CBD81A7}"/>
+                <a16:creationId xmlns:a16="http://schemas.microsoft.com/office/drawing/2014/main" xmlns="" id="{6BF72EE9-47F4-4C0C-B6AF-E2992CBD81A7}"/>
               </a:ext>
             </a:extLst>
           </p:cNvPr>
@@ -19158,7 +19343,7 @@
             <p:cNvPr id="83" name="Ellipse 82">
               <a:extLst>
                 <a:ext uri="{FF2B5EF4-FFF2-40B4-BE49-F238E27FC236}">
-                  <a16:creationId xmlns="" xmlns:a16="http://schemas.microsoft.com/office/drawing/2014/main" id="{E490BE8A-69D5-497D-A5DF-487F4F84130C}"/>
+                  <a16:creationId xmlns:a16="http://schemas.microsoft.com/office/drawing/2014/main" xmlns="" id="{E490BE8A-69D5-497D-A5DF-487F4F84130C}"/>
                 </a:ext>
               </a:extLst>
             </p:cNvPr>
@@ -19212,7 +19397,7 @@
             <p:cNvPr id="84" name="Ellipse 83">
               <a:extLst>
                 <a:ext uri="{FF2B5EF4-FFF2-40B4-BE49-F238E27FC236}">
-                  <a16:creationId xmlns="" xmlns:a16="http://schemas.microsoft.com/office/drawing/2014/main" id="{7C326BEB-7481-4B7B-B0BC-D86FFD3A540E}"/>
+                  <a16:creationId xmlns:a16="http://schemas.microsoft.com/office/drawing/2014/main" xmlns="" id="{7C326BEB-7481-4B7B-B0BC-D86FFD3A540E}"/>
                 </a:ext>
               </a:extLst>
             </p:cNvPr>
@@ -19271,7 +19456,7 @@
             <p:cNvPr id="85" name="Ellipse 84">
               <a:extLst>
                 <a:ext uri="{FF2B5EF4-FFF2-40B4-BE49-F238E27FC236}">
-                  <a16:creationId xmlns="" xmlns:a16="http://schemas.microsoft.com/office/drawing/2014/main" id="{93B1FE86-B851-43BA-A680-4E4CB09C4C86}"/>
+                  <a16:creationId xmlns:a16="http://schemas.microsoft.com/office/drawing/2014/main" xmlns="" id="{93B1FE86-B851-43BA-A680-4E4CB09C4C86}"/>
                 </a:ext>
               </a:extLst>
             </p:cNvPr>
@@ -19330,7 +19515,7 @@
             <p:cNvPr id="86" name="Rechteck 85">
               <a:extLst>
                 <a:ext uri="{FF2B5EF4-FFF2-40B4-BE49-F238E27FC236}">
-                  <a16:creationId xmlns="" xmlns:a16="http://schemas.microsoft.com/office/drawing/2014/main" id="{2C8E3D7D-CEE5-4007-869C-676C81233E5E}"/>
+                  <a16:creationId xmlns:a16="http://schemas.microsoft.com/office/drawing/2014/main" xmlns="" id="{2C8E3D7D-CEE5-4007-869C-676C81233E5E}"/>
                 </a:ext>
               </a:extLst>
             </p:cNvPr>
@@ -19384,7 +19569,7 @@
             <p:cNvPr id="87" name="Rechteck 86">
               <a:extLst>
                 <a:ext uri="{FF2B5EF4-FFF2-40B4-BE49-F238E27FC236}">
-                  <a16:creationId xmlns="" xmlns:a16="http://schemas.microsoft.com/office/drawing/2014/main" id="{EB212149-F543-4948-9361-585648BD669A}"/>
+                  <a16:creationId xmlns:a16="http://schemas.microsoft.com/office/drawing/2014/main" xmlns="" id="{EB212149-F543-4948-9361-585648BD669A}"/>
                 </a:ext>
               </a:extLst>
             </p:cNvPr>
@@ -19438,7 +19623,7 @@
             <p:cNvPr id="88" name="Rechteck 87">
               <a:extLst>
                 <a:ext uri="{FF2B5EF4-FFF2-40B4-BE49-F238E27FC236}">
-                  <a16:creationId xmlns="" xmlns:a16="http://schemas.microsoft.com/office/drawing/2014/main" id="{A59C3B6D-9C7D-4516-B45C-BD1FD874DF7C}"/>
+                  <a16:creationId xmlns:a16="http://schemas.microsoft.com/office/drawing/2014/main" xmlns="" id="{A59C3B6D-9C7D-4516-B45C-BD1FD874DF7C}"/>
                 </a:ext>
               </a:extLst>
             </p:cNvPr>
@@ -19492,7 +19677,7 @@
             <p:cNvPr id="89" name="Gerader Verbinder 88">
               <a:extLst>
                 <a:ext uri="{FF2B5EF4-FFF2-40B4-BE49-F238E27FC236}">
-                  <a16:creationId xmlns="" xmlns:a16="http://schemas.microsoft.com/office/drawing/2014/main" id="{38450F44-668E-486E-BFDA-C3BCD66FD987}"/>
+                  <a16:creationId xmlns:a16="http://schemas.microsoft.com/office/drawing/2014/main" xmlns="" id="{38450F44-668E-486E-BFDA-C3BCD66FD987}"/>
                 </a:ext>
               </a:extLst>
             </p:cNvPr>
@@ -19537,7 +19722,7 @@
             <p:cNvPr id="90" name="Gerader Verbinder 89">
               <a:extLst>
                 <a:ext uri="{FF2B5EF4-FFF2-40B4-BE49-F238E27FC236}">
-                  <a16:creationId xmlns="" xmlns:a16="http://schemas.microsoft.com/office/drawing/2014/main" id="{D31CD334-E31B-41CD-B01E-9C5C1F90A49C}"/>
+                  <a16:creationId xmlns:a16="http://schemas.microsoft.com/office/drawing/2014/main" xmlns="" id="{D31CD334-E31B-41CD-B01E-9C5C1F90A49C}"/>
                 </a:ext>
               </a:extLst>
             </p:cNvPr>
@@ -19582,7 +19767,7 @@
             <p:cNvPr id="91" name="Gerader Verbinder 90">
               <a:extLst>
                 <a:ext uri="{FF2B5EF4-FFF2-40B4-BE49-F238E27FC236}">
-                  <a16:creationId xmlns="" xmlns:a16="http://schemas.microsoft.com/office/drawing/2014/main" id="{624223A2-1AA0-4DA9-9193-08CB1849889B}"/>
+                  <a16:creationId xmlns:a16="http://schemas.microsoft.com/office/drawing/2014/main" xmlns="" id="{624223A2-1AA0-4DA9-9193-08CB1849889B}"/>
                 </a:ext>
               </a:extLst>
             </p:cNvPr>
@@ -19626,7 +19811,7 @@
             <p:cNvPr id="92" name="Rechteck 91">
               <a:extLst>
                 <a:ext uri="{FF2B5EF4-FFF2-40B4-BE49-F238E27FC236}">
-                  <a16:creationId xmlns="" xmlns:a16="http://schemas.microsoft.com/office/drawing/2014/main" id="{5A87DF5C-C715-45DB-85EA-1EC6F7D38F75}"/>
+                  <a16:creationId xmlns:a16="http://schemas.microsoft.com/office/drawing/2014/main" xmlns="" id="{5A87DF5C-C715-45DB-85EA-1EC6F7D38F75}"/>
                 </a:ext>
               </a:extLst>
             </p:cNvPr>
@@ -19680,7 +19865,7 @@
             <p:cNvPr id="93" name="Gerader Verbinder 92">
               <a:extLst>
                 <a:ext uri="{FF2B5EF4-FFF2-40B4-BE49-F238E27FC236}">
-                  <a16:creationId xmlns="" xmlns:a16="http://schemas.microsoft.com/office/drawing/2014/main" id="{9851543A-DF17-4EF2-85F6-6AE99E8ADC4D}"/>
+                  <a16:creationId xmlns:a16="http://schemas.microsoft.com/office/drawing/2014/main" xmlns="" id="{9851543A-DF17-4EF2-85F6-6AE99E8ADC4D}"/>
                 </a:ext>
               </a:extLst>
             </p:cNvPr>
@@ -19724,7 +19909,7 @@
             <p:cNvPr id="94" name="Rechteck 93">
               <a:extLst>
                 <a:ext uri="{FF2B5EF4-FFF2-40B4-BE49-F238E27FC236}">
-                  <a16:creationId xmlns="" xmlns:a16="http://schemas.microsoft.com/office/drawing/2014/main" id="{5FD5A714-4DCE-44E7-87B2-ED00A8E8DB1C}"/>
+                  <a16:creationId xmlns:a16="http://schemas.microsoft.com/office/drawing/2014/main" xmlns="" id="{5FD5A714-4DCE-44E7-87B2-ED00A8E8DB1C}"/>
                 </a:ext>
               </a:extLst>
             </p:cNvPr>
@@ -19778,7 +19963,7 @@
             <p:cNvPr id="95" name="Gerader Verbinder 94">
               <a:extLst>
                 <a:ext uri="{FF2B5EF4-FFF2-40B4-BE49-F238E27FC236}">
-                  <a16:creationId xmlns="" xmlns:a16="http://schemas.microsoft.com/office/drawing/2014/main" id="{F1603356-25C5-44D2-9F9E-47BDB905CE68}"/>
+                  <a16:creationId xmlns:a16="http://schemas.microsoft.com/office/drawing/2014/main" xmlns="" id="{F1603356-25C5-44D2-9F9E-47BDB905CE68}"/>
                 </a:ext>
               </a:extLst>
             </p:cNvPr>
@@ -19823,7 +20008,7 @@
             <p:cNvPr id="96" name="Ellipse 95">
               <a:extLst>
                 <a:ext uri="{FF2B5EF4-FFF2-40B4-BE49-F238E27FC236}">
-                  <a16:creationId xmlns="" xmlns:a16="http://schemas.microsoft.com/office/drawing/2014/main" id="{D3FABA3F-C1F3-4425-8DE5-FB0446FE5A45}"/>
+                  <a16:creationId xmlns:a16="http://schemas.microsoft.com/office/drawing/2014/main" xmlns="" id="{D3FABA3F-C1F3-4425-8DE5-FB0446FE5A45}"/>
                 </a:ext>
               </a:extLst>
             </p:cNvPr>
@@ -19882,7 +20067,7 @@
             <p:cNvPr id="98" name="Gerader Verbinder 97">
               <a:extLst>
                 <a:ext uri="{FF2B5EF4-FFF2-40B4-BE49-F238E27FC236}">
-                  <a16:creationId xmlns="" xmlns:a16="http://schemas.microsoft.com/office/drawing/2014/main" id="{525A01C8-A59C-4BEE-84C5-5EC5FC7324A9}"/>
+                  <a16:creationId xmlns:a16="http://schemas.microsoft.com/office/drawing/2014/main" xmlns="" id="{525A01C8-A59C-4BEE-84C5-5EC5FC7324A9}"/>
                 </a:ext>
               </a:extLst>
             </p:cNvPr>
@@ -19926,7 +20111,7 @@
             <p:cNvPr id="104" name="Gerader Verbinder 103">
               <a:extLst>
                 <a:ext uri="{FF2B5EF4-FFF2-40B4-BE49-F238E27FC236}">
-                  <a16:creationId xmlns="" xmlns:a16="http://schemas.microsoft.com/office/drawing/2014/main" id="{77C0FC18-545D-47D3-8F24-232D8AB50661}"/>
+                  <a16:creationId xmlns:a16="http://schemas.microsoft.com/office/drawing/2014/main" xmlns="" id="{77C0FC18-545D-47D3-8F24-232D8AB50661}"/>
                 </a:ext>
               </a:extLst>
             </p:cNvPr>
@@ -19971,7 +20156,7 @@
             <p:cNvPr id="109" name="Rechteck 108">
               <a:extLst>
                 <a:ext uri="{FF2B5EF4-FFF2-40B4-BE49-F238E27FC236}">
-                  <a16:creationId xmlns="" xmlns:a16="http://schemas.microsoft.com/office/drawing/2014/main" id="{C0A4FBCE-F635-4F41-AFC6-C2D27F90C845}"/>
+                  <a16:creationId xmlns:a16="http://schemas.microsoft.com/office/drawing/2014/main" xmlns="" id="{C0A4FBCE-F635-4F41-AFC6-C2D27F90C845}"/>
                 </a:ext>
               </a:extLst>
             </p:cNvPr>
@@ -20029,7 +20214,7 @@
           <p:cNvPr id="116" name="Textfeld 115">
             <a:extLst>
               <a:ext uri="{FF2B5EF4-FFF2-40B4-BE49-F238E27FC236}">
-                <a16:creationId xmlns="" xmlns:a16="http://schemas.microsoft.com/office/drawing/2014/main" id="{27207203-E1CF-4410-8384-200882C6BF69}"/>
+                <a16:creationId xmlns:a16="http://schemas.microsoft.com/office/drawing/2014/main" xmlns="" id="{27207203-E1CF-4410-8384-200882C6BF69}"/>
               </a:ext>
             </a:extLst>
           </p:cNvPr>
@@ -20070,7 +20255,7 @@
           <p:cNvPr id="117" name="Textfeld 116">
             <a:extLst>
               <a:ext uri="{FF2B5EF4-FFF2-40B4-BE49-F238E27FC236}">
-                <a16:creationId xmlns="" xmlns:a16="http://schemas.microsoft.com/office/drawing/2014/main" id="{766E97B1-4368-4508-806B-A1E81034EF71}"/>
+                <a16:creationId xmlns:a16="http://schemas.microsoft.com/office/drawing/2014/main" xmlns="" id="{766E97B1-4368-4508-806B-A1E81034EF71}"/>
               </a:ext>
             </a:extLst>
           </p:cNvPr>
@@ -20106,7 +20291,7 @@
           <p:cNvPr id="118" name="Textfeld 117">
             <a:extLst>
               <a:ext uri="{FF2B5EF4-FFF2-40B4-BE49-F238E27FC236}">
-                <a16:creationId xmlns="" xmlns:a16="http://schemas.microsoft.com/office/drawing/2014/main" id="{A3AFE58C-95AA-4B0D-81ED-2932A98ED891}"/>
+                <a16:creationId xmlns:a16="http://schemas.microsoft.com/office/drawing/2014/main" xmlns="" id="{A3AFE58C-95AA-4B0D-81ED-2932A98ED891}"/>
               </a:ext>
             </a:extLst>
           </p:cNvPr>
@@ -20142,7 +20327,7 @@
           <p:cNvPr id="119" name="Textfeld 118">
             <a:extLst>
               <a:ext uri="{FF2B5EF4-FFF2-40B4-BE49-F238E27FC236}">
-                <a16:creationId xmlns="" xmlns:a16="http://schemas.microsoft.com/office/drawing/2014/main" id="{DCF89224-C8EB-4485-9F93-89F512BA5EC1}"/>
+                <a16:creationId xmlns:a16="http://schemas.microsoft.com/office/drawing/2014/main" xmlns="" id="{DCF89224-C8EB-4485-9F93-89F512BA5EC1}"/>
               </a:ext>
             </a:extLst>
           </p:cNvPr>
@@ -20178,7 +20363,7 @@
           <p:cNvPr id="120" name="Textfeld 119">
             <a:extLst>
               <a:ext uri="{FF2B5EF4-FFF2-40B4-BE49-F238E27FC236}">
-                <a16:creationId xmlns="" xmlns:a16="http://schemas.microsoft.com/office/drawing/2014/main" id="{4EE65BD6-28CA-40FE-9DE3-925C4D879436}"/>
+                <a16:creationId xmlns:a16="http://schemas.microsoft.com/office/drawing/2014/main" xmlns="" id="{4EE65BD6-28CA-40FE-9DE3-925C4D879436}"/>
               </a:ext>
             </a:extLst>
           </p:cNvPr>
@@ -20253,7 +20438,7 @@
           <p:cNvPr id="143" name="Gerader Verbinder 142">
             <a:extLst>
               <a:ext uri="{FF2B5EF4-FFF2-40B4-BE49-F238E27FC236}">
-                <a16:creationId xmlns="" xmlns:a16="http://schemas.microsoft.com/office/drawing/2014/main" id="{4C3C2E83-3E17-48F9-843C-20D0AE7CC0EA}"/>
+                <a16:creationId xmlns:a16="http://schemas.microsoft.com/office/drawing/2014/main" xmlns="" id="{4C3C2E83-3E17-48F9-843C-20D0AE7CC0EA}"/>
               </a:ext>
             </a:extLst>
           </p:cNvPr>
@@ -20304,7 +20489,7 @@
           <p:cNvPr id="144" name="Gerader Verbinder 143">
             <a:extLst>
               <a:ext uri="{FF2B5EF4-FFF2-40B4-BE49-F238E27FC236}">
-                <a16:creationId xmlns="" xmlns:a16="http://schemas.microsoft.com/office/drawing/2014/main" id="{1808E2F0-4001-441C-A042-B8CF15382928}"/>
+                <a16:creationId xmlns:a16="http://schemas.microsoft.com/office/drawing/2014/main" xmlns="" id="{1808E2F0-4001-441C-A042-B8CF15382928}"/>
               </a:ext>
             </a:extLst>
           </p:cNvPr>
@@ -20355,7 +20540,7 @@
           <p:cNvPr id="146" name="Gerader Verbinder 145">
             <a:extLst>
               <a:ext uri="{FF2B5EF4-FFF2-40B4-BE49-F238E27FC236}">
-                <a16:creationId xmlns="" xmlns:a16="http://schemas.microsoft.com/office/drawing/2014/main" id="{A916DEA5-C4AA-4B3E-A759-AE6B9472D5DB}"/>
+                <a16:creationId xmlns:a16="http://schemas.microsoft.com/office/drawing/2014/main" xmlns="" id="{A916DEA5-C4AA-4B3E-A759-AE6B9472D5DB}"/>
               </a:ext>
             </a:extLst>
           </p:cNvPr>
@@ -20406,7 +20591,7 @@
           <p:cNvPr id="2" name="Titel 1">
             <a:extLst>
               <a:ext uri="{FF2B5EF4-FFF2-40B4-BE49-F238E27FC236}">
-                <a16:creationId xmlns="" xmlns:a16="http://schemas.microsoft.com/office/drawing/2014/main" id="{594F37A0-8FD9-42A4-A80F-4C479182787E}"/>
+                <a16:creationId xmlns:a16="http://schemas.microsoft.com/office/drawing/2014/main" xmlns="" id="{594F37A0-8FD9-42A4-A80F-4C479182787E}"/>
               </a:ext>
             </a:extLst>
           </p:cNvPr>
@@ -20468,7 +20653,7 @@
           <p:cNvPr id="5" name="Pfeil: Chevron 4">
             <a:extLst>
               <a:ext uri="{FF2B5EF4-FFF2-40B4-BE49-F238E27FC236}">
-                <a16:creationId xmlns="" xmlns:a16="http://schemas.microsoft.com/office/drawing/2014/main" id="{FE16A436-3EBF-406A-A452-2785E92CA870}"/>
+                <a16:creationId xmlns:a16="http://schemas.microsoft.com/office/drawing/2014/main" xmlns="" id="{FE16A436-3EBF-406A-A452-2785E92CA870}"/>
               </a:ext>
             </a:extLst>
           </p:cNvPr>
@@ -20538,7 +20723,7 @@
           <p:cNvPr id="6" name="Pfeil: Chevron 5">
             <a:extLst>
               <a:ext uri="{FF2B5EF4-FFF2-40B4-BE49-F238E27FC236}">
-                <a16:creationId xmlns="" xmlns:a16="http://schemas.microsoft.com/office/drawing/2014/main" id="{4B425B4C-53B0-4FDA-90C8-3EAE519EFFB2}"/>
+                <a16:creationId xmlns:a16="http://schemas.microsoft.com/office/drawing/2014/main" xmlns="" id="{4B425B4C-53B0-4FDA-90C8-3EAE519EFFB2}"/>
               </a:ext>
             </a:extLst>
           </p:cNvPr>
@@ -20604,7 +20789,7 @@
           <p:cNvPr id="7" name="Pfeil: Chevron 6">
             <a:extLst>
               <a:ext uri="{FF2B5EF4-FFF2-40B4-BE49-F238E27FC236}">
-                <a16:creationId xmlns="" xmlns:a16="http://schemas.microsoft.com/office/drawing/2014/main" id="{14F5353B-3EA0-4F48-A473-08D522F34D71}"/>
+                <a16:creationId xmlns:a16="http://schemas.microsoft.com/office/drawing/2014/main" xmlns="" id="{14F5353B-3EA0-4F48-A473-08D522F34D71}"/>
               </a:ext>
             </a:extLst>
           </p:cNvPr>
@@ -20681,7 +20866,7 @@
           <p:cNvPr id="8" name="Pfeil: Chevron 7">
             <a:extLst>
               <a:ext uri="{FF2B5EF4-FFF2-40B4-BE49-F238E27FC236}">
-                <a16:creationId xmlns="" xmlns:a16="http://schemas.microsoft.com/office/drawing/2014/main" id="{655E865C-680E-47F4-9F87-B4EB179E321D}"/>
+                <a16:creationId xmlns:a16="http://schemas.microsoft.com/office/drawing/2014/main" xmlns="" id="{655E865C-680E-47F4-9F87-B4EB179E321D}"/>
               </a:ext>
             </a:extLst>
           </p:cNvPr>
@@ -20751,7 +20936,7 @@
           <p:cNvPr id="82" name="Inhaltsplatzhalter 2">
             <a:extLst>
               <a:ext uri="{FF2B5EF4-FFF2-40B4-BE49-F238E27FC236}">
-                <a16:creationId xmlns="" xmlns:a16="http://schemas.microsoft.com/office/drawing/2014/main" id="{3DE5479E-FEDB-4349-9D8E-5CEAD5C97758}"/>
+                <a16:creationId xmlns:a16="http://schemas.microsoft.com/office/drawing/2014/main" xmlns="" id="{3DE5479E-FEDB-4349-9D8E-5CEAD5C97758}"/>
               </a:ext>
             </a:extLst>
           </p:cNvPr>
@@ -20945,7 +21130,7 @@
           <p:cNvPr id="41" name="Gruppieren 40">
             <a:extLst>
               <a:ext uri="{FF2B5EF4-FFF2-40B4-BE49-F238E27FC236}">
-                <a16:creationId xmlns="" xmlns:a16="http://schemas.microsoft.com/office/drawing/2014/main" id="{E398B641-73C2-4907-ADF6-00A4F44C9BE4}"/>
+                <a16:creationId xmlns:a16="http://schemas.microsoft.com/office/drawing/2014/main" xmlns="" id="{E398B641-73C2-4907-ADF6-00A4F44C9BE4}"/>
               </a:ext>
             </a:extLst>
           </p:cNvPr>
@@ -20965,7 +21150,7 @@
             <p:cNvPr id="97" name="Rechteck 96">
               <a:extLst>
                 <a:ext uri="{FF2B5EF4-FFF2-40B4-BE49-F238E27FC236}">
-                  <a16:creationId xmlns="" xmlns:a16="http://schemas.microsoft.com/office/drawing/2014/main" id="{44B73694-E3DC-4152-926D-66C1BBA0B99E}"/>
+                  <a16:creationId xmlns:a16="http://schemas.microsoft.com/office/drawing/2014/main" xmlns="" id="{44B73694-E3DC-4152-926D-66C1BBA0B99E}"/>
                 </a:ext>
               </a:extLst>
             </p:cNvPr>
@@ -21022,7 +21207,7 @@
             <p:cNvPr id="17" name="Gerader Verbinder 16">
               <a:extLst>
                 <a:ext uri="{FF2B5EF4-FFF2-40B4-BE49-F238E27FC236}">
-                  <a16:creationId xmlns="" xmlns:a16="http://schemas.microsoft.com/office/drawing/2014/main" id="{BEC9F659-EE99-49CC-83C3-4ADA1285F39A}"/>
+                  <a16:creationId xmlns:a16="http://schemas.microsoft.com/office/drawing/2014/main" xmlns="" id="{BEC9F659-EE99-49CC-83C3-4ADA1285F39A}"/>
                 </a:ext>
               </a:extLst>
             </p:cNvPr>
@@ -21067,7 +21252,7 @@
             <p:cNvPr id="132" name="Gruppieren 131">
               <a:extLst>
                 <a:ext uri="{FF2B5EF4-FFF2-40B4-BE49-F238E27FC236}">
-                  <a16:creationId xmlns="" xmlns:a16="http://schemas.microsoft.com/office/drawing/2014/main" id="{9EDA5772-3C01-4CE8-8FBD-BB5AB2ADE169}"/>
+                  <a16:creationId xmlns:a16="http://schemas.microsoft.com/office/drawing/2014/main" xmlns="" id="{9EDA5772-3C01-4CE8-8FBD-BB5AB2ADE169}"/>
                 </a:ext>
               </a:extLst>
             </p:cNvPr>
@@ -21087,7 +21272,7 @@
               <p:cNvPr id="133" name="Ellipse 132">
                 <a:extLst>
                   <a:ext uri="{FF2B5EF4-FFF2-40B4-BE49-F238E27FC236}">
-                    <a16:creationId xmlns="" xmlns:a16="http://schemas.microsoft.com/office/drawing/2014/main" id="{2CDB4568-4B80-44D3-B8D1-4FD3C04B1E3B}"/>
+                    <a16:creationId xmlns:a16="http://schemas.microsoft.com/office/drawing/2014/main" xmlns="" id="{2CDB4568-4B80-44D3-B8D1-4FD3C04B1E3B}"/>
                   </a:ext>
                 </a:extLst>
               </p:cNvPr>
@@ -21141,7 +21326,7 @@
               <p:cNvPr id="134" name="Rechteck 133">
                 <a:extLst>
                   <a:ext uri="{FF2B5EF4-FFF2-40B4-BE49-F238E27FC236}">
-                    <a16:creationId xmlns="" xmlns:a16="http://schemas.microsoft.com/office/drawing/2014/main" id="{96D466F6-ED40-45E5-84C3-D51F31EEB296}"/>
+                    <a16:creationId xmlns:a16="http://schemas.microsoft.com/office/drawing/2014/main" xmlns="" id="{96D466F6-ED40-45E5-84C3-D51F31EEB296}"/>
                   </a:ext>
                 </a:extLst>
               </p:cNvPr>
@@ -21195,7 +21380,7 @@
               <p:cNvPr id="135" name="Rechteck 134">
                 <a:extLst>
                   <a:ext uri="{FF2B5EF4-FFF2-40B4-BE49-F238E27FC236}">
-                    <a16:creationId xmlns="" xmlns:a16="http://schemas.microsoft.com/office/drawing/2014/main" id="{D240755B-CC06-4E82-A8DF-8225AC60E936}"/>
+                    <a16:creationId xmlns:a16="http://schemas.microsoft.com/office/drawing/2014/main" xmlns="" id="{D240755B-CC06-4E82-A8DF-8225AC60E936}"/>
                   </a:ext>
                 </a:extLst>
               </p:cNvPr>
@@ -21249,7 +21434,7 @@
               <p:cNvPr id="136" name="Gerader Verbinder 135">
                 <a:extLst>
                   <a:ext uri="{FF2B5EF4-FFF2-40B4-BE49-F238E27FC236}">
-                    <a16:creationId xmlns="" xmlns:a16="http://schemas.microsoft.com/office/drawing/2014/main" id="{3E98498B-042C-4FDD-A8A6-39D8156EF045}"/>
+                    <a16:creationId xmlns:a16="http://schemas.microsoft.com/office/drawing/2014/main" xmlns="" id="{3E98498B-042C-4FDD-A8A6-39D8156EF045}"/>
                   </a:ext>
                 </a:extLst>
               </p:cNvPr>
@@ -21297,7 +21482,7 @@
               <p:cNvPr id="137" name="Gerader Verbinder 136">
                 <a:extLst>
                   <a:ext uri="{FF2B5EF4-FFF2-40B4-BE49-F238E27FC236}">
-                    <a16:creationId xmlns="" xmlns:a16="http://schemas.microsoft.com/office/drawing/2014/main" id="{7A7C0BE9-0F54-45AD-BABF-EB7B76EEB44D}"/>
+                    <a16:creationId xmlns:a16="http://schemas.microsoft.com/office/drawing/2014/main" xmlns="" id="{7A7C0BE9-0F54-45AD-BABF-EB7B76EEB44D}"/>
                   </a:ext>
                 </a:extLst>
               </p:cNvPr>
@@ -21345,7 +21530,7 @@
               <p:cNvPr id="138" name="Gerader Verbinder 137">
                 <a:extLst>
                   <a:ext uri="{FF2B5EF4-FFF2-40B4-BE49-F238E27FC236}">
-                    <a16:creationId xmlns="" xmlns:a16="http://schemas.microsoft.com/office/drawing/2014/main" id="{C05022BD-3D3D-42A0-A133-5A0341D32A9C}"/>
+                    <a16:creationId xmlns:a16="http://schemas.microsoft.com/office/drawing/2014/main" xmlns="" id="{C05022BD-3D3D-42A0-A133-5A0341D32A9C}"/>
                   </a:ext>
                 </a:extLst>
               </p:cNvPr>
@@ -21391,7 +21576,7 @@
           <p:cNvPr id="24" name="Gruppieren 23">
             <a:extLst>
               <a:ext uri="{FF2B5EF4-FFF2-40B4-BE49-F238E27FC236}">
-                <a16:creationId xmlns="" xmlns:a16="http://schemas.microsoft.com/office/drawing/2014/main" id="{D04BC624-D1B8-4921-82B9-96DDA701CCC0}"/>
+                <a16:creationId xmlns:a16="http://schemas.microsoft.com/office/drawing/2014/main" xmlns="" id="{D04BC624-D1B8-4921-82B9-96DDA701CCC0}"/>
               </a:ext>
             </a:extLst>
           </p:cNvPr>
@@ -21411,7 +21596,7 @@
             <p:cNvPr id="99" name="Ellipse 98">
               <a:extLst>
                 <a:ext uri="{FF2B5EF4-FFF2-40B4-BE49-F238E27FC236}">
-                  <a16:creationId xmlns="" xmlns:a16="http://schemas.microsoft.com/office/drawing/2014/main" id="{00B8BFAC-D056-45A9-ACC0-2E17FD167B44}"/>
+                  <a16:creationId xmlns:a16="http://schemas.microsoft.com/office/drawing/2014/main" xmlns="" id="{00B8BFAC-D056-45A9-ACC0-2E17FD167B44}"/>
                 </a:ext>
               </a:extLst>
             </p:cNvPr>
@@ -21465,7 +21650,7 @@
             <p:cNvPr id="100" name="Rechteck 99">
               <a:extLst>
                 <a:ext uri="{FF2B5EF4-FFF2-40B4-BE49-F238E27FC236}">
-                  <a16:creationId xmlns="" xmlns:a16="http://schemas.microsoft.com/office/drawing/2014/main" id="{73D84688-B7BD-495F-B7A1-4F0C497DC98B}"/>
+                  <a16:creationId xmlns:a16="http://schemas.microsoft.com/office/drawing/2014/main" xmlns="" id="{73D84688-B7BD-495F-B7A1-4F0C497DC98B}"/>
                 </a:ext>
               </a:extLst>
             </p:cNvPr>
@@ -21519,7 +21704,7 @@
             <p:cNvPr id="101" name="Rechteck 100">
               <a:extLst>
                 <a:ext uri="{FF2B5EF4-FFF2-40B4-BE49-F238E27FC236}">
-                  <a16:creationId xmlns="" xmlns:a16="http://schemas.microsoft.com/office/drawing/2014/main" id="{69DB1CCE-BF1E-45CE-967A-333EF02D87FF}"/>
+                  <a16:creationId xmlns:a16="http://schemas.microsoft.com/office/drawing/2014/main" xmlns="" id="{69DB1CCE-BF1E-45CE-967A-333EF02D87FF}"/>
                 </a:ext>
               </a:extLst>
             </p:cNvPr>
@@ -21573,7 +21758,7 @@
             <p:cNvPr id="103" name="Gerader Verbinder 102">
               <a:extLst>
                 <a:ext uri="{FF2B5EF4-FFF2-40B4-BE49-F238E27FC236}">
-                  <a16:creationId xmlns="" xmlns:a16="http://schemas.microsoft.com/office/drawing/2014/main" id="{1297057B-5F1E-417F-9C72-8B7F669DAD12}"/>
+                  <a16:creationId xmlns:a16="http://schemas.microsoft.com/office/drawing/2014/main" xmlns="" id="{1297057B-5F1E-417F-9C72-8B7F669DAD12}"/>
                 </a:ext>
               </a:extLst>
             </p:cNvPr>
@@ -21621,7 +21806,7 @@
             <p:cNvPr id="105" name="Gerader Verbinder 104">
               <a:extLst>
                 <a:ext uri="{FF2B5EF4-FFF2-40B4-BE49-F238E27FC236}">
-                  <a16:creationId xmlns="" xmlns:a16="http://schemas.microsoft.com/office/drawing/2014/main" id="{7DD41ABD-F226-4570-92C3-6CECD7A36310}"/>
+                  <a16:creationId xmlns:a16="http://schemas.microsoft.com/office/drawing/2014/main" xmlns="" id="{7DD41ABD-F226-4570-92C3-6CECD7A36310}"/>
                 </a:ext>
               </a:extLst>
             </p:cNvPr>
@@ -21669,7 +21854,7 @@
             <p:cNvPr id="106" name="Gerader Verbinder 105">
               <a:extLst>
                 <a:ext uri="{FF2B5EF4-FFF2-40B4-BE49-F238E27FC236}">
-                  <a16:creationId xmlns="" xmlns:a16="http://schemas.microsoft.com/office/drawing/2014/main" id="{5238696D-1863-4639-B822-D3DB58DD925D}"/>
+                  <a16:creationId xmlns:a16="http://schemas.microsoft.com/office/drawing/2014/main" xmlns="" id="{5238696D-1863-4639-B822-D3DB58DD925D}"/>
                 </a:ext>
               </a:extLst>
             </p:cNvPr>
@@ -21714,7 +21899,7 @@
           <p:cNvPr id="107" name="Rechteck 106">
             <a:extLst>
               <a:ext uri="{FF2B5EF4-FFF2-40B4-BE49-F238E27FC236}">
-                <a16:creationId xmlns="" xmlns:a16="http://schemas.microsoft.com/office/drawing/2014/main" id="{7A8F02D8-8430-4ECE-BE5F-1276638B515D}"/>
+                <a16:creationId xmlns:a16="http://schemas.microsoft.com/office/drawing/2014/main" xmlns="" id="{7A8F02D8-8430-4ECE-BE5F-1276638B515D}"/>
               </a:ext>
             </a:extLst>
           </p:cNvPr>
@@ -21771,7 +21956,7 @@
           <p:cNvPr id="108" name="Gruppieren 107">
             <a:extLst>
               <a:ext uri="{FF2B5EF4-FFF2-40B4-BE49-F238E27FC236}">
-                <a16:creationId xmlns="" xmlns:a16="http://schemas.microsoft.com/office/drawing/2014/main" id="{96C7F909-89DC-4D2C-B6C4-1D49B9A8ABFB}"/>
+                <a16:creationId xmlns:a16="http://schemas.microsoft.com/office/drawing/2014/main" xmlns="" id="{96C7F909-89DC-4D2C-B6C4-1D49B9A8ABFB}"/>
               </a:ext>
             </a:extLst>
           </p:cNvPr>
@@ -21791,7 +21976,7 @@
             <p:cNvPr id="110" name="Ellipse 109">
               <a:extLst>
                 <a:ext uri="{FF2B5EF4-FFF2-40B4-BE49-F238E27FC236}">
-                  <a16:creationId xmlns="" xmlns:a16="http://schemas.microsoft.com/office/drawing/2014/main" id="{005BAC3C-D24E-4982-B89C-27FAE9DC31E6}"/>
+                  <a16:creationId xmlns:a16="http://schemas.microsoft.com/office/drawing/2014/main" xmlns="" id="{005BAC3C-D24E-4982-B89C-27FAE9DC31E6}"/>
                 </a:ext>
               </a:extLst>
             </p:cNvPr>
@@ -21845,7 +22030,7 @@
             <p:cNvPr id="112" name="Rechteck 111">
               <a:extLst>
                 <a:ext uri="{FF2B5EF4-FFF2-40B4-BE49-F238E27FC236}">
-                  <a16:creationId xmlns="" xmlns:a16="http://schemas.microsoft.com/office/drawing/2014/main" id="{0EEE4AD9-1C09-4AD7-AA08-65578CD2021F}"/>
+                  <a16:creationId xmlns:a16="http://schemas.microsoft.com/office/drawing/2014/main" xmlns="" id="{0EEE4AD9-1C09-4AD7-AA08-65578CD2021F}"/>
                 </a:ext>
               </a:extLst>
             </p:cNvPr>
@@ -21899,7 +22084,7 @@
             <p:cNvPr id="115" name="Rechteck 114">
               <a:extLst>
                 <a:ext uri="{FF2B5EF4-FFF2-40B4-BE49-F238E27FC236}">
-                  <a16:creationId xmlns="" xmlns:a16="http://schemas.microsoft.com/office/drawing/2014/main" id="{1D2B729A-BC05-40B1-B1D6-A6CA45024335}"/>
+                  <a16:creationId xmlns:a16="http://schemas.microsoft.com/office/drawing/2014/main" xmlns="" id="{1D2B729A-BC05-40B1-B1D6-A6CA45024335}"/>
                 </a:ext>
               </a:extLst>
             </p:cNvPr>
@@ -21953,7 +22138,7 @@
             <p:cNvPr id="122" name="Gerader Verbinder 121">
               <a:extLst>
                 <a:ext uri="{FF2B5EF4-FFF2-40B4-BE49-F238E27FC236}">
-                  <a16:creationId xmlns="" xmlns:a16="http://schemas.microsoft.com/office/drawing/2014/main" id="{1A02E2C7-4E4A-4C23-9F3B-FD92C1B6CE9C}"/>
+                  <a16:creationId xmlns:a16="http://schemas.microsoft.com/office/drawing/2014/main" xmlns="" id="{1A02E2C7-4E4A-4C23-9F3B-FD92C1B6CE9C}"/>
                 </a:ext>
               </a:extLst>
             </p:cNvPr>
@@ -22001,7 +22186,7 @@
             <p:cNvPr id="123" name="Gerader Verbinder 122">
               <a:extLst>
                 <a:ext uri="{FF2B5EF4-FFF2-40B4-BE49-F238E27FC236}">
-                  <a16:creationId xmlns="" xmlns:a16="http://schemas.microsoft.com/office/drawing/2014/main" id="{F5FA05C5-54DE-48B2-BEAF-8AFE459EC9F0}"/>
+                  <a16:creationId xmlns:a16="http://schemas.microsoft.com/office/drawing/2014/main" xmlns="" id="{F5FA05C5-54DE-48B2-BEAF-8AFE459EC9F0}"/>
                 </a:ext>
               </a:extLst>
             </p:cNvPr>
@@ -22049,7 +22234,7 @@
             <p:cNvPr id="124" name="Gerader Verbinder 123">
               <a:extLst>
                 <a:ext uri="{FF2B5EF4-FFF2-40B4-BE49-F238E27FC236}">
-                  <a16:creationId xmlns="" xmlns:a16="http://schemas.microsoft.com/office/drawing/2014/main" id="{CED04324-A62C-4EA2-BC81-5A808FFAF61E}"/>
+                  <a16:creationId xmlns:a16="http://schemas.microsoft.com/office/drawing/2014/main" xmlns="" id="{CED04324-A62C-4EA2-BC81-5A808FFAF61E}"/>
                 </a:ext>
               </a:extLst>
             </p:cNvPr>
@@ -22094,7 +22279,7 @@
           <p:cNvPr id="125" name="Gruppieren 124">
             <a:extLst>
               <a:ext uri="{FF2B5EF4-FFF2-40B4-BE49-F238E27FC236}">
-                <a16:creationId xmlns="" xmlns:a16="http://schemas.microsoft.com/office/drawing/2014/main" id="{320327D5-173D-451C-8EDB-7FAB7AD9DD20}"/>
+                <a16:creationId xmlns:a16="http://schemas.microsoft.com/office/drawing/2014/main" xmlns="" id="{320327D5-173D-451C-8EDB-7FAB7AD9DD20}"/>
               </a:ext>
             </a:extLst>
           </p:cNvPr>
@@ -22114,7 +22299,7 @@
             <p:cNvPr id="126" name="Ellipse 125">
               <a:extLst>
                 <a:ext uri="{FF2B5EF4-FFF2-40B4-BE49-F238E27FC236}">
-                  <a16:creationId xmlns="" xmlns:a16="http://schemas.microsoft.com/office/drawing/2014/main" id="{274D9387-6B5C-401E-B4C8-130AF81B531A}"/>
+                  <a16:creationId xmlns:a16="http://schemas.microsoft.com/office/drawing/2014/main" xmlns="" id="{274D9387-6B5C-401E-B4C8-130AF81B531A}"/>
                 </a:ext>
               </a:extLst>
             </p:cNvPr>
@@ -22168,7 +22353,7 @@
             <p:cNvPr id="127" name="Rechteck 126">
               <a:extLst>
                 <a:ext uri="{FF2B5EF4-FFF2-40B4-BE49-F238E27FC236}">
-                  <a16:creationId xmlns="" xmlns:a16="http://schemas.microsoft.com/office/drawing/2014/main" id="{038A19BF-BD00-4B5F-A0BD-94502AD71F85}"/>
+                  <a16:creationId xmlns:a16="http://schemas.microsoft.com/office/drawing/2014/main" xmlns="" id="{038A19BF-BD00-4B5F-A0BD-94502AD71F85}"/>
                 </a:ext>
               </a:extLst>
             </p:cNvPr>
@@ -22222,7 +22407,7 @@
             <p:cNvPr id="128" name="Rechteck 127">
               <a:extLst>
                 <a:ext uri="{FF2B5EF4-FFF2-40B4-BE49-F238E27FC236}">
-                  <a16:creationId xmlns="" xmlns:a16="http://schemas.microsoft.com/office/drawing/2014/main" id="{65298760-2D76-423D-8227-8970A2B52C77}"/>
+                  <a16:creationId xmlns:a16="http://schemas.microsoft.com/office/drawing/2014/main" xmlns="" id="{65298760-2D76-423D-8227-8970A2B52C77}"/>
                 </a:ext>
               </a:extLst>
             </p:cNvPr>
@@ -22276,7 +22461,7 @@
             <p:cNvPr id="129" name="Gerader Verbinder 128">
               <a:extLst>
                 <a:ext uri="{FF2B5EF4-FFF2-40B4-BE49-F238E27FC236}">
-                  <a16:creationId xmlns="" xmlns:a16="http://schemas.microsoft.com/office/drawing/2014/main" id="{0622082E-0C96-4716-952A-4EFB1F35931E}"/>
+                  <a16:creationId xmlns:a16="http://schemas.microsoft.com/office/drawing/2014/main" xmlns="" id="{0622082E-0C96-4716-952A-4EFB1F35931E}"/>
                 </a:ext>
               </a:extLst>
             </p:cNvPr>
@@ -22324,7 +22509,7 @@
             <p:cNvPr id="130" name="Gerader Verbinder 129">
               <a:extLst>
                 <a:ext uri="{FF2B5EF4-FFF2-40B4-BE49-F238E27FC236}">
-                  <a16:creationId xmlns="" xmlns:a16="http://schemas.microsoft.com/office/drawing/2014/main" id="{1A39AD16-EE27-464A-A265-0C48B8D20EC3}"/>
+                  <a16:creationId xmlns:a16="http://schemas.microsoft.com/office/drawing/2014/main" xmlns="" id="{1A39AD16-EE27-464A-A265-0C48B8D20EC3}"/>
                 </a:ext>
               </a:extLst>
             </p:cNvPr>
@@ -22372,7 +22557,7 @@
             <p:cNvPr id="131" name="Gerader Verbinder 130">
               <a:extLst>
                 <a:ext uri="{FF2B5EF4-FFF2-40B4-BE49-F238E27FC236}">
-                  <a16:creationId xmlns="" xmlns:a16="http://schemas.microsoft.com/office/drawing/2014/main" id="{F40C5656-2493-42F0-9217-D4810481E7E2}"/>
+                  <a16:creationId xmlns:a16="http://schemas.microsoft.com/office/drawing/2014/main" xmlns="" id="{F40C5656-2493-42F0-9217-D4810481E7E2}"/>
                 </a:ext>
               </a:extLst>
             </p:cNvPr>
@@ -22417,7 +22602,7 @@
           <p:cNvPr id="140" name="Ellipse 139">
             <a:extLst>
               <a:ext uri="{FF2B5EF4-FFF2-40B4-BE49-F238E27FC236}">
-                <a16:creationId xmlns="" xmlns:a16="http://schemas.microsoft.com/office/drawing/2014/main" id="{7F05F61F-0845-4356-9136-9654EDCDEE40}"/>
+                <a16:creationId xmlns:a16="http://schemas.microsoft.com/office/drawing/2014/main" xmlns="" id="{7F05F61F-0845-4356-9136-9654EDCDEE40}"/>
               </a:ext>
             </a:extLst>
           </p:cNvPr>
@@ -22474,7 +22659,7 @@
           <p:cNvPr id="141" name="Rechteck 140">
             <a:extLst>
               <a:ext uri="{FF2B5EF4-FFF2-40B4-BE49-F238E27FC236}">
-                <a16:creationId xmlns="" xmlns:a16="http://schemas.microsoft.com/office/drawing/2014/main" id="{D884463F-3390-40C5-815A-94BE95D290C0}"/>
+                <a16:creationId xmlns:a16="http://schemas.microsoft.com/office/drawing/2014/main" xmlns="" id="{D884463F-3390-40C5-815A-94BE95D290C0}"/>
               </a:ext>
             </a:extLst>
           </p:cNvPr>
@@ -22531,7 +22716,7 @@
           <p:cNvPr id="142" name="Rechteck 141">
             <a:extLst>
               <a:ext uri="{FF2B5EF4-FFF2-40B4-BE49-F238E27FC236}">
-                <a16:creationId xmlns="" xmlns:a16="http://schemas.microsoft.com/office/drawing/2014/main" id="{B4D4A6C0-87BE-4ADA-A582-D90C5D471F3B}"/>
+                <a16:creationId xmlns:a16="http://schemas.microsoft.com/office/drawing/2014/main" xmlns="" id="{B4D4A6C0-87BE-4ADA-A582-D90C5D471F3B}"/>
               </a:ext>
             </a:extLst>
           </p:cNvPr>
@@ -22588,7 +22773,7 @@
           <p:cNvPr id="145" name="Gerader Verbinder 144">
             <a:extLst>
               <a:ext uri="{FF2B5EF4-FFF2-40B4-BE49-F238E27FC236}">
-                <a16:creationId xmlns="" xmlns:a16="http://schemas.microsoft.com/office/drawing/2014/main" id="{7D0581FC-0B4D-4C9E-B767-A45D8EFC67FF}"/>
+                <a16:creationId xmlns:a16="http://schemas.microsoft.com/office/drawing/2014/main" xmlns="" id="{7D0581FC-0B4D-4C9E-B767-A45D8EFC67FF}"/>
               </a:ext>
             </a:extLst>
           </p:cNvPr>
@@ -22636,7 +22821,7 @@
           <p:cNvPr id="147" name="Gerader Verbinder 146">
             <a:extLst>
               <a:ext uri="{FF2B5EF4-FFF2-40B4-BE49-F238E27FC236}">
-                <a16:creationId xmlns="" xmlns:a16="http://schemas.microsoft.com/office/drawing/2014/main" id="{2A8A01D3-FC8D-4852-AF75-33EA98DC7860}"/>
+                <a16:creationId xmlns:a16="http://schemas.microsoft.com/office/drawing/2014/main" xmlns="" id="{2A8A01D3-FC8D-4852-AF75-33EA98DC7860}"/>
               </a:ext>
             </a:extLst>
           </p:cNvPr>
@@ -22683,7 +22868,7 @@
           <p:cNvPr id="148" name="Gerader Verbinder 147">
             <a:extLst>
               <a:ext uri="{FF2B5EF4-FFF2-40B4-BE49-F238E27FC236}">
-                <a16:creationId xmlns="" xmlns:a16="http://schemas.microsoft.com/office/drawing/2014/main" id="{3547AB33-B599-4C1C-863B-6FCEE23D94DE}"/>
+                <a16:creationId xmlns:a16="http://schemas.microsoft.com/office/drawing/2014/main" xmlns="" id="{3547AB33-B599-4C1C-863B-6FCEE23D94DE}"/>
               </a:ext>
             </a:extLst>
           </p:cNvPr>
@@ -22730,7 +22915,7 @@
           <p:cNvPr id="149" name="Gerader Verbinder 148">
             <a:extLst>
               <a:ext uri="{FF2B5EF4-FFF2-40B4-BE49-F238E27FC236}">
-                <a16:creationId xmlns="" xmlns:a16="http://schemas.microsoft.com/office/drawing/2014/main" id="{45FFF2BB-7A0C-4029-AB43-5BA5ECB3DB6D}"/>
+                <a16:creationId xmlns:a16="http://schemas.microsoft.com/office/drawing/2014/main" xmlns="" id="{45FFF2BB-7A0C-4029-AB43-5BA5ECB3DB6D}"/>
               </a:ext>
             </a:extLst>
           </p:cNvPr>
@@ -22807,7 +22992,7 @@
           <p:cNvPr id="2" name="Titel 1">
             <a:extLst>
               <a:ext uri="{FF2B5EF4-FFF2-40B4-BE49-F238E27FC236}">
-                <a16:creationId xmlns="" xmlns:a16="http://schemas.microsoft.com/office/drawing/2014/main" id="{594F37A0-8FD9-42A4-A80F-4C479182787E}"/>
+                <a16:creationId xmlns:a16="http://schemas.microsoft.com/office/drawing/2014/main" xmlns="" id="{594F37A0-8FD9-42A4-A80F-4C479182787E}"/>
               </a:ext>
             </a:extLst>
           </p:cNvPr>
@@ -22835,7 +23020,7 @@
           <p:cNvPr id="3" name="Inhaltsplatzhalter 2">
             <a:extLst>
               <a:ext uri="{FF2B5EF4-FFF2-40B4-BE49-F238E27FC236}">
-                <a16:creationId xmlns="" xmlns:a16="http://schemas.microsoft.com/office/drawing/2014/main" id="{B201CE33-F1D7-423B-B373-1D449812B3D5}"/>
+                <a16:creationId xmlns:a16="http://schemas.microsoft.com/office/drawing/2014/main" xmlns="" id="{B201CE33-F1D7-423B-B373-1D449812B3D5}"/>
               </a:ext>
             </a:extLst>
           </p:cNvPr>
@@ -22864,7 +23049,7 @@
           <p:cNvPr id="5" name="Pfeil: Chevron 4">
             <a:extLst>
               <a:ext uri="{FF2B5EF4-FFF2-40B4-BE49-F238E27FC236}">
-                <a16:creationId xmlns="" xmlns:a16="http://schemas.microsoft.com/office/drawing/2014/main" id="{FE16A436-3EBF-406A-A452-2785E92CA870}"/>
+                <a16:creationId xmlns:a16="http://schemas.microsoft.com/office/drawing/2014/main" xmlns="" id="{FE16A436-3EBF-406A-A452-2785E92CA870}"/>
               </a:ext>
             </a:extLst>
           </p:cNvPr>
@@ -22934,7 +23119,7 @@
           <p:cNvPr id="6" name="Pfeil: Chevron 5">
             <a:extLst>
               <a:ext uri="{FF2B5EF4-FFF2-40B4-BE49-F238E27FC236}">
-                <a16:creationId xmlns="" xmlns:a16="http://schemas.microsoft.com/office/drawing/2014/main" id="{4B425B4C-53B0-4FDA-90C8-3EAE519EFFB2}"/>
+                <a16:creationId xmlns:a16="http://schemas.microsoft.com/office/drawing/2014/main" xmlns="" id="{4B425B4C-53B0-4FDA-90C8-3EAE519EFFB2}"/>
               </a:ext>
             </a:extLst>
           </p:cNvPr>
@@ -23000,7 +23185,7 @@
           <p:cNvPr id="7" name="Pfeil: Chevron 6">
             <a:extLst>
               <a:ext uri="{FF2B5EF4-FFF2-40B4-BE49-F238E27FC236}">
-                <a16:creationId xmlns="" xmlns:a16="http://schemas.microsoft.com/office/drawing/2014/main" id="{14F5353B-3EA0-4F48-A473-08D522F34D71}"/>
+                <a16:creationId xmlns:a16="http://schemas.microsoft.com/office/drawing/2014/main" xmlns="" id="{14F5353B-3EA0-4F48-A473-08D522F34D71}"/>
               </a:ext>
             </a:extLst>
           </p:cNvPr>
@@ -23077,7 +23262,7 @@
           <p:cNvPr id="8" name="Pfeil: Chevron 7">
             <a:extLst>
               <a:ext uri="{FF2B5EF4-FFF2-40B4-BE49-F238E27FC236}">
-                <a16:creationId xmlns="" xmlns:a16="http://schemas.microsoft.com/office/drawing/2014/main" id="{655E865C-680E-47F4-9F87-B4EB179E321D}"/>
+                <a16:creationId xmlns:a16="http://schemas.microsoft.com/office/drawing/2014/main" xmlns="" id="{655E865C-680E-47F4-9F87-B4EB179E321D}"/>
               </a:ext>
             </a:extLst>
           </p:cNvPr>
@@ -23201,7 +23386,7 @@
           <p:cNvPr id="2" name="Titel 1">
             <a:extLst>
               <a:ext uri="{FF2B5EF4-FFF2-40B4-BE49-F238E27FC236}">
-                <a16:creationId xmlns="" xmlns:a16="http://schemas.microsoft.com/office/drawing/2014/main" id="{D209E4DA-0ABD-4811-9B3D-451135F8BF59}"/>
+                <a16:creationId xmlns:a16="http://schemas.microsoft.com/office/drawing/2014/main" xmlns="" id="{D209E4DA-0ABD-4811-9B3D-451135F8BF59}"/>
               </a:ext>
             </a:extLst>
           </p:cNvPr>
@@ -23229,7 +23414,7 @@
           <p:cNvPr id="3" name="Inhaltsplatzhalter 2">
             <a:extLst>
               <a:ext uri="{FF2B5EF4-FFF2-40B4-BE49-F238E27FC236}">
-                <a16:creationId xmlns="" xmlns:a16="http://schemas.microsoft.com/office/drawing/2014/main" id="{70201C4E-97C9-45D8-ABE0-F9473FAAE5FC}"/>
+                <a16:creationId xmlns:a16="http://schemas.microsoft.com/office/drawing/2014/main" xmlns="" id="{70201C4E-97C9-45D8-ABE0-F9473FAAE5FC}"/>
               </a:ext>
             </a:extLst>
           </p:cNvPr>
@@ -23325,7 +23510,7 @@
           <p:cNvPr id="4" name="Stern: 5 Zacken 3">
             <a:extLst>
               <a:ext uri="{FF2B5EF4-FFF2-40B4-BE49-F238E27FC236}">
-                <a16:creationId xmlns="" xmlns:a16="http://schemas.microsoft.com/office/drawing/2014/main" id="{DBABFC3A-E1A9-4FC4-AE97-94DBBB5E3AED}"/>
+                <a16:creationId xmlns:a16="http://schemas.microsoft.com/office/drawing/2014/main" xmlns="" id="{DBABFC3A-E1A9-4FC4-AE97-94DBBB5E3AED}"/>
               </a:ext>
             </a:extLst>
           </p:cNvPr>
@@ -23409,7 +23594,7 @@
           <p:cNvPr id="2" name="Titel 1">
             <a:extLst>
               <a:ext uri="{FF2B5EF4-FFF2-40B4-BE49-F238E27FC236}">
-                <a16:creationId xmlns="" xmlns:a16="http://schemas.microsoft.com/office/drawing/2014/main" id="{594F37A0-8FD9-42A4-A80F-4C479182787E}"/>
+                <a16:creationId xmlns:a16="http://schemas.microsoft.com/office/drawing/2014/main" xmlns="" id="{594F37A0-8FD9-42A4-A80F-4C479182787E}"/>
               </a:ext>
             </a:extLst>
           </p:cNvPr>
@@ -23437,7 +23622,7 @@
           <p:cNvPr id="3" name="Inhaltsplatzhalter 2">
             <a:extLst>
               <a:ext uri="{FF2B5EF4-FFF2-40B4-BE49-F238E27FC236}">
-                <a16:creationId xmlns="" xmlns:a16="http://schemas.microsoft.com/office/drawing/2014/main" id="{B201CE33-F1D7-423B-B373-1D449812B3D5}"/>
+                <a16:creationId xmlns:a16="http://schemas.microsoft.com/office/drawing/2014/main" xmlns="" id="{B201CE33-F1D7-423B-B373-1D449812B3D5}"/>
               </a:ext>
             </a:extLst>
           </p:cNvPr>
@@ -23526,7 +23711,7 @@
           <p:cNvPr id="5" name="Pfeil: Chevron 4">
             <a:extLst>
               <a:ext uri="{FF2B5EF4-FFF2-40B4-BE49-F238E27FC236}">
-                <a16:creationId xmlns="" xmlns:a16="http://schemas.microsoft.com/office/drawing/2014/main" id="{FE16A436-3EBF-406A-A452-2785E92CA870}"/>
+                <a16:creationId xmlns:a16="http://schemas.microsoft.com/office/drawing/2014/main" xmlns="" id="{FE16A436-3EBF-406A-A452-2785E92CA870}"/>
               </a:ext>
             </a:extLst>
           </p:cNvPr>
@@ -23596,7 +23781,7 @@
           <p:cNvPr id="6" name="Pfeil: Chevron 5">
             <a:extLst>
               <a:ext uri="{FF2B5EF4-FFF2-40B4-BE49-F238E27FC236}">
-                <a16:creationId xmlns="" xmlns:a16="http://schemas.microsoft.com/office/drawing/2014/main" id="{4B425B4C-53B0-4FDA-90C8-3EAE519EFFB2}"/>
+                <a16:creationId xmlns:a16="http://schemas.microsoft.com/office/drawing/2014/main" xmlns="" id="{4B425B4C-53B0-4FDA-90C8-3EAE519EFFB2}"/>
               </a:ext>
             </a:extLst>
           </p:cNvPr>
@@ -23662,7 +23847,7 @@
           <p:cNvPr id="7" name="Pfeil: Chevron 6">
             <a:extLst>
               <a:ext uri="{FF2B5EF4-FFF2-40B4-BE49-F238E27FC236}">
-                <a16:creationId xmlns="" xmlns:a16="http://schemas.microsoft.com/office/drawing/2014/main" id="{14F5353B-3EA0-4F48-A473-08D522F34D71}"/>
+                <a16:creationId xmlns:a16="http://schemas.microsoft.com/office/drawing/2014/main" xmlns="" id="{14F5353B-3EA0-4F48-A473-08D522F34D71}"/>
               </a:ext>
             </a:extLst>
           </p:cNvPr>
@@ -23739,7 +23924,7 @@
           <p:cNvPr id="8" name="Pfeil: Chevron 7">
             <a:extLst>
               <a:ext uri="{FF2B5EF4-FFF2-40B4-BE49-F238E27FC236}">
-                <a16:creationId xmlns="" xmlns:a16="http://schemas.microsoft.com/office/drawing/2014/main" id="{655E865C-680E-47F4-9F87-B4EB179E321D}"/>
+                <a16:creationId xmlns:a16="http://schemas.microsoft.com/office/drawing/2014/main" xmlns="" id="{655E865C-680E-47F4-9F87-B4EB179E321D}"/>
               </a:ext>
             </a:extLst>
           </p:cNvPr>
@@ -23863,7 +24048,7 @@
           <p:cNvPr id="2" name="Titel 1">
             <a:extLst>
               <a:ext uri="{FF2B5EF4-FFF2-40B4-BE49-F238E27FC236}">
-                <a16:creationId xmlns="" xmlns:a16="http://schemas.microsoft.com/office/drawing/2014/main" id="{594F37A0-8FD9-42A4-A80F-4C479182787E}"/>
+                <a16:creationId xmlns:a16="http://schemas.microsoft.com/office/drawing/2014/main" xmlns="" id="{594F37A0-8FD9-42A4-A80F-4C479182787E}"/>
               </a:ext>
             </a:extLst>
           </p:cNvPr>
@@ -23891,7 +24076,7 @@
           <p:cNvPr id="3" name="Inhaltsplatzhalter 2">
             <a:extLst>
               <a:ext uri="{FF2B5EF4-FFF2-40B4-BE49-F238E27FC236}">
-                <a16:creationId xmlns="" xmlns:a16="http://schemas.microsoft.com/office/drawing/2014/main" id="{B201CE33-F1D7-423B-B373-1D449812B3D5}"/>
+                <a16:creationId xmlns:a16="http://schemas.microsoft.com/office/drawing/2014/main" xmlns="" id="{B201CE33-F1D7-423B-B373-1D449812B3D5}"/>
               </a:ext>
             </a:extLst>
           </p:cNvPr>
@@ -23964,7 +24149,7 @@
           <p:cNvPr id="5" name="Pfeil: Chevron 4">
             <a:extLst>
               <a:ext uri="{FF2B5EF4-FFF2-40B4-BE49-F238E27FC236}">
-                <a16:creationId xmlns="" xmlns:a16="http://schemas.microsoft.com/office/drawing/2014/main" id="{FE16A436-3EBF-406A-A452-2785E92CA870}"/>
+                <a16:creationId xmlns:a16="http://schemas.microsoft.com/office/drawing/2014/main" xmlns="" id="{FE16A436-3EBF-406A-A452-2785E92CA870}"/>
               </a:ext>
             </a:extLst>
           </p:cNvPr>
@@ -24034,7 +24219,7 @@
           <p:cNvPr id="6" name="Pfeil: Chevron 5">
             <a:extLst>
               <a:ext uri="{FF2B5EF4-FFF2-40B4-BE49-F238E27FC236}">
-                <a16:creationId xmlns="" xmlns:a16="http://schemas.microsoft.com/office/drawing/2014/main" id="{4B425B4C-53B0-4FDA-90C8-3EAE519EFFB2}"/>
+                <a16:creationId xmlns:a16="http://schemas.microsoft.com/office/drawing/2014/main" xmlns="" id="{4B425B4C-53B0-4FDA-90C8-3EAE519EFFB2}"/>
               </a:ext>
             </a:extLst>
           </p:cNvPr>
@@ -24100,7 +24285,7 @@
           <p:cNvPr id="7" name="Pfeil: Chevron 6">
             <a:extLst>
               <a:ext uri="{FF2B5EF4-FFF2-40B4-BE49-F238E27FC236}">
-                <a16:creationId xmlns="" xmlns:a16="http://schemas.microsoft.com/office/drawing/2014/main" id="{14F5353B-3EA0-4F48-A473-08D522F34D71}"/>
+                <a16:creationId xmlns:a16="http://schemas.microsoft.com/office/drawing/2014/main" xmlns="" id="{14F5353B-3EA0-4F48-A473-08D522F34D71}"/>
               </a:ext>
             </a:extLst>
           </p:cNvPr>
@@ -24177,7 +24362,7 @@
           <p:cNvPr id="8" name="Pfeil: Chevron 7">
             <a:extLst>
               <a:ext uri="{FF2B5EF4-FFF2-40B4-BE49-F238E27FC236}">
-                <a16:creationId xmlns="" xmlns:a16="http://schemas.microsoft.com/office/drawing/2014/main" id="{655E865C-680E-47F4-9F87-B4EB179E321D}"/>
+                <a16:creationId xmlns:a16="http://schemas.microsoft.com/office/drawing/2014/main" xmlns="" id="{655E865C-680E-47F4-9F87-B4EB179E321D}"/>
               </a:ext>
             </a:extLst>
           </p:cNvPr>
@@ -24301,7 +24486,7 @@
           <p:cNvPr id="2" name="Titel 1">
             <a:extLst>
               <a:ext uri="{FF2B5EF4-FFF2-40B4-BE49-F238E27FC236}">
-                <a16:creationId xmlns="" xmlns:a16="http://schemas.microsoft.com/office/drawing/2014/main" id="{594F37A0-8FD9-42A4-A80F-4C479182787E}"/>
+                <a16:creationId xmlns:a16="http://schemas.microsoft.com/office/drawing/2014/main" xmlns="" id="{594F37A0-8FD9-42A4-A80F-4C479182787E}"/>
               </a:ext>
             </a:extLst>
           </p:cNvPr>
@@ -24329,7 +24514,7 @@
           <p:cNvPr id="3" name="Inhaltsplatzhalter 2">
             <a:extLst>
               <a:ext uri="{FF2B5EF4-FFF2-40B4-BE49-F238E27FC236}">
-                <a16:creationId xmlns="" xmlns:a16="http://schemas.microsoft.com/office/drawing/2014/main" id="{B201CE33-F1D7-423B-B373-1D449812B3D5}"/>
+                <a16:creationId xmlns:a16="http://schemas.microsoft.com/office/drawing/2014/main" xmlns="" id="{B201CE33-F1D7-423B-B373-1D449812B3D5}"/>
               </a:ext>
             </a:extLst>
           </p:cNvPr>
@@ -24402,7 +24587,7 @@
           <p:cNvPr id="5" name="Pfeil: Chevron 4">
             <a:extLst>
               <a:ext uri="{FF2B5EF4-FFF2-40B4-BE49-F238E27FC236}">
-                <a16:creationId xmlns="" xmlns:a16="http://schemas.microsoft.com/office/drawing/2014/main" id="{FE16A436-3EBF-406A-A452-2785E92CA870}"/>
+                <a16:creationId xmlns:a16="http://schemas.microsoft.com/office/drawing/2014/main" xmlns="" id="{FE16A436-3EBF-406A-A452-2785E92CA870}"/>
               </a:ext>
             </a:extLst>
           </p:cNvPr>
@@ -24472,7 +24657,7 @@
           <p:cNvPr id="6" name="Pfeil: Chevron 5">
             <a:extLst>
               <a:ext uri="{FF2B5EF4-FFF2-40B4-BE49-F238E27FC236}">
-                <a16:creationId xmlns="" xmlns:a16="http://schemas.microsoft.com/office/drawing/2014/main" id="{4B425B4C-53B0-4FDA-90C8-3EAE519EFFB2}"/>
+                <a16:creationId xmlns:a16="http://schemas.microsoft.com/office/drawing/2014/main" xmlns="" id="{4B425B4C-53B0-4FDA-90C8-3EAE519EFFB2}"/>
               </a:ext>
             </a:extLst>
           </p:cNvPr>
@@ -24538,7 +24723,7 @@
           <p:cNvPr id="7" name="Pfeil: Chevron 6">
             <a:extLst>
               <a:ext uri="{FF2B5EF4-FFF2-40B4-BE49-F238E27FC236}">
-                <a16:creationId xmlns="" xmlns:a16="http://schemas.microsoft.com/office/drawing/2014/main" id="{14F5353B-3EA0-4F48-A473-08D522F34D71}"/>
+                <a16:creationId xmlns:a16="http://schemas.microsoft.com/office/drawing/2014/main" xmlns="" id="{14F5353B-3EA0-4F48-A473-08D522F34D71}"/>
               </a:ext>
             </a:extLst>
           </p:cNvPr>
@@ -24615,7 +24800,7 @@
           <p:cNvPr id="8" name="Pfeil: Chevron 7">
             <a:extLst>
               <a:ext uri="{FF2B5EF4-FFF2-40B4-BE49-F238E27FC236}">
-                <a16:creationId xmlns="" xmlns:a16="http://schemas.microsoft.com/office/drawing/2014/main" id="{655E865C-680E-47F4-9F87-B4EB179E321D}"/>
+                <a16:creationId xmlns:a16="http://schemas.microsoft.com/office/drawing/2014/main" xmlns="" id="{655E865C-680E-47F4-9F87-B4EB179E321D}"/>
               </a:ext>
             </a:extLst>
           </p:cNvPr>
@@ -24739,7 +24924,7 @@
           <p:cNvPr id="2" name="Titel 1">
             <a:extLst>
               <a:ext uri="{FF2B5EF4-FFF2-40B4-BE49-F238E27FC236}">
-                <a16:creationId xmlns="" xmlns:a16="http://schemas.microsoft.com/office/drawing/2014/main" id="{594F37A0-8FD9-42A4-A80F-4C479182787E}"/>
+                <a16:creationId xmlns:a16="http://schemas.microsoft.com/office/drawing/2014/main" xmlns="" id="{594F37A0-8FD9-42A4-A80F-4C479182787E}"/>
               </a:ext>
             </a:extLst>
           </p:cNvPr>
@@ -24767,7 +24952,7 @@
           <p:cNvPr id="3" name="Inhaltsplatzhalter 2">
             <a:extLst>
               <a:ext uri="{FF2B5EF4-FFF2-40B4-BE49-F238E27FC236}">
-                <a16:creationId xmlns="" xmlns:a16="http://schemas.microsoft.com/office/drawing/2014/main" id="{B201CE33-F1D7-423B-B373-1D449812B3D5}"/>
+                <a16:creationId xmlns:a16="http://schemas.microsoft.com/office/drawing/2014/main" xmlns="" id="{B201CE33-F1D7-423B-B373-1D449812B3D5}"/>
               </a:ext>
             </a:extLst>
           </p:cNvPr>
@@ -24872,7 +25057,7 @@
           <p:cNvPr id="5" name="Pfeil: Chevron 4">
             <a:extLst>
               <a:ext uri="{FF2B5EF4-FFF2-40B4-BE49-F238E27FC236}">
-                <a16:creationId xmlns="" xmlns:a16="http://schemas.microsoft.com/office/drawing/2014/main" id="{FE16A436-3EBF-406A-A452-2785E92CA870}"/>
+                <a16:creationId xmlns:a16="http://schemas.microsoft.com/office/drawing/2014/main" xmlns="" id="{FE16A436-3EBF-406A-A452-2785E92CA870}"/>
               </a:ext>
             </a:extLst>
           </p:cNvPr>
@@ -24942,7 +25127,7 @@
           <p:cNvPr id="6" name="Pfeil: Chevron 5">
             <a:extLst>
               <a:ext uri="{FF2B5EF4-FFF2-40B4-BE49-F238E27FC236}">
-                <a16:creationId xmlns="" xmlns:a16="http://schemas.microsoft.com/office/drawing/2014/main" id="{4B425B4C-53B0-4FDA-90C8-3EAE519EFFB2}"/>
+                <a16:creationId xmlns:a16="http://schemas.microsoft.com/office/drawing/2014/main" xmlns="" id="{4B425B4C-53B0-4FDA-90C8-3EAE519EFFB2}"/>
               </a:ext>
             </a:extLst>
           </p:cNvPr>
@@ -25008,7 +25193,7 @@
           <p:cNvPr id="7" name="Pfeil: Chevron 6">
             <a:extLst>
               <a:ext uri="{FF2B5EF4-FFF2-40B4-BE49-F238E27FC236}">
-                <a16:creationId xmlns="" xmlns:a16="http://schemas.microsoft.com/office/drawing/2014/main" id="{14F5353B-3EA0-4F48-A473-08D522F34D71}"/>
+                <a16:creationId xmlns:a16="http://schemas.microsoft.com/office/drawing/2014/main" xmlns="" id="{14F5353B-3EA0-4F48-A473-08D522F34D71}"/>
               </a:ext>
             </a:extLst>
           </p:cNvPr>
@@ -25085,7 +25270,7 @@
           <p:cNvPr id="8" name="Pfeil: Chevron 7">
             <a:extLst>
               <a:ext uri="{FF2B5EF4-FFF2-40B4-BE49-F238E27FC236}">
-                <a16:creationId xmlns="" xmlns:a16="http://schemas.microsoft.com/office/drawing/2014/main" id="{655E865C-680E-47F4-9F87-B4EB179E321D}"/>
+                <a16:creationId xmlns:a16="http://schemas.microsoft.com/office/drawing/2014/main" xmlns="" id="{655E865C-680E-47F4-9F87-B4EB179E321D}"/>
               </a:ext>
             </a:extLst>
           </p:cNvPr>
@@ -25209,7 +25394,7 @@
           <p:cNvPr id="2" name="Titel 1">
             <a:extLst>
               <a:ext uri="{FF2B5EF4-FFF2-40B4-BE49-F238E27FC236}">
-                <a16:creationId xmlns="" xmlns:a16="http://schemas.microsoft.com/office/drawing/2014/main" id="{594F37A0-8FD9-42A4-A80F-4C479182787E}"/>
+                <a16:creationId xmlns:a16="http://schemas.microsoft.com/office/drawing/2014/main" xmlns="" id="{594F37A0-8FD9-42A4-A80F-4C479182787E}"/>
               </a:ext>
             </a:extLst>
           </p:cNvPr>
@@ -25238,7 +25423,7 @@
           <p:cNvPr id="3" name="Inhaltsplatzhalter 2">
             <a:extLst>
               <a:ext uri="{FF2B5EF4-FFF2-40B4-BE49-F238E27FC236}">
-                <a16:creationId xmlns="" xmlns:a16="http://schemas.microsoft.com/office/drawing/2014/main" id="{B201CE33-F1D7-423B-B373-1D449812B3D5}"/>
+                <a16:creationId xmlns:a16="http://schemas.microsoft.com/office/drawing/2014/main" xmlns="" id="{B201CE33-F1D7-423B-B373-1D449812B3D5}"/>
               </a:ext>
             </a:extLst>
           </p:cNvPr>
@@ -25263,7 +25448,7 @@
           <p:cNvPr id="5" name="Pfeil: Chevron 4">
             <a:extLst>
               <a:ext uri="{FF2B5EF4-FFF2-40B4-BE49-F238E27FC236}">
-                <a16:creationId xmlns="" xmlns:a16="http://schemas.microsoft.com/office/drawing/2014/main" id="{FE16A436-3EBF-406A-A452-2785E92CA870}"/>
+                <a16:creationId xmlns:a16="http://schemas.microsoft.com/office/drawing/2014/main" xmlns="" id="{FE16A436-3EBF-406A-A452-2785E92CA870}"/>
               </a:ext>
             </a:extLst>
           </p:cNvPr>
@@ -25333,7 +25518,7 @@
           <p:cNvPr id="6" name="Pfeil: Chevron 5">
             <a:extLst>
               <a:ext uri="{FF2B5EF4-FFF2-40B4-BE49-F238E27FC236}">
-                <a16:creationId xmlns="" xmlns:a16="http://schemas.microsoft.com/office/drawing/2014/main" id="{4B425B4C-53B0-4FDA-90C8-3EAE519EFFB2}"/>
+                <a16:creationId xmlns:a16="http://schemas.microsoft.com/office/drawing/2014/main" xmlns="" id="{4B425B4C-53B0-4FDA-90C8-3EAE519EFFB2}"/>
               </a:ext>
             </a:extLst>
           </p:cNvPr>
@@ -25399,7 +25584,7 @@
           <p:cNvPr id="7" name="Pfeil: Chevron 6">
             <a:extLst>
               <a:ext uri="{FF2B5EF4-FFF2-40B4-BE49-F238E27FC236}">
-                <a16:creationId xmlns="" xmlns:a16="http://schemas.microsoft.com/office/drawing/2014/main" id="{14F5353B-3EA0-4F48-A473-08D522F34D71}"/>
+                <a16:creationId xmlns:a16="http://schemas.microsoft.com/office/drawing/2014/main" xmlns="" id="{14F5353B-3EA0-4F48-A473-08D522F34D71}"/>
               </a:ext>
             </a:extLst>
           </p:cNvPr>
@@ -25476,7 +25661,7 @@
           <p:cNvPr id="8" name="Pfeil: Chevron 7">
             <a:extLst>
               <a:ext uri="{FF2B5EF4-FFF2-40B4-BE49-F238E27FC236}">
-                <a16:creationId xmlns="" xmlns:a16="http://schemas.microsoft.com/office/drawing/2014/main" id="{655E865C-680E-47F4-9F87-B4EB179E321D}"/>
+                <a16:creationId xmlns:a16="http://schemas.microsoft.com/office/drawing/2014/main" xmlns="" id="{655E865C-680E-47F4-9F87-B4EB179E321D}"/>
               </a:ext>
             </a:extLst>
           </p:cNvPr>
@@ -25804,7 +25989,7 @@
           <p:cNvPr id="2" name="Titel 1">
             <a:extLst>
               <a:ext uri="{FF2B5EF4-FFF2-40B4-BE49-F238E27FC236}">
-                <a16:creationId xmlns="" xmlns:a16="http://schemas.microsoft.com/office/drawing/2014/main" id="{594F37A0-8FD9-42A4-A80F-4C479182787E}"/>
+                <a16:creationId xmlns:a16="http://schemas.microsoft.com/office/drawing/2014/main" xmlns="" id="{594F37A0-8FD9-42A4-A80F-4C479182787E}"/>
               </a:ext>
             </a:extLst>
           </p:cNvPr>
@@ -25833,7 +26018,7 @@
           <p:cNvPr id="3" name="Inhaltsplatzhalter 2">
             <a:extLst>
               <a:ext uri="{FF2B5EF4-FFF2-40B4-BE49-F238E27FC236}">
-                <a16:creationId xmlns="" xmlns:a16="http://schemas.microsoft.com/office/drawing/2014/main" id="{B201CE33-F1D7-423B-B373-1D449812B3D5}"/>
+                <a16:creationId xmlns:a16="http://schemas.microsoft.com/office/drawing/2014/main" xmlns="" id="{B201CE33-F1D7-423B-B373-1D449812B3D5}"/>
               </a:ext>
             </a:extLst>
           </p:cNvPr>
@@ -25963,7 +26148,7 @@
           <p:cNvPr id="5" name="Pfeil: Chevron 4">
             <a:extLst>
               <a:ext uri="{FF2B5EF4-FFF2-40B4-BE49-F238E27FC236}">
-                <a16:creationId xmlns="" xmlns:a16="http://schemas.microsoft.com/office/drawing/2014/main" id="{FE16A436-3EBF-406A-A452-2785E92CA870}"/>
+                <a16:creationId xmlns:a16="http://schemas.microsoft.com/office/drawing/2014/main" xmlns="" id="{FE16A436-3EBF-406A-A452-2785E92CA870}"/>
               </a:ext>
             </a:extLst>
           </p:cNvPr>
@@ -26033,7 +26218,7 @@
           <p:cNvPr id="6" name="Pfeil: Chevron 5">
             <a:extLst>
               <a:ext uri="{FF2B5EF4-FFF2-40B4-BE49-F238E27FC236}">
-                <a16:creationId xmlns="" xmlns:a16="http://schemas.microsoft.com/office/drawing/2014/main" id="{4B425B4C-53B0-4FDA-90C8-3EAE519EFFB2}"/>
+                <a16:creationId xmlns:a16="http://schemas.microsoft.com/office/drawing/2014/main" xmlns="" id="{4B425B4C-53B0-4FDA-90C8-3EAE519EFFB2}"/>
               </a:ext>
             </a:extLst>
           </p:cNvPr>
@@ -26099,7 +26284,7 @@
           <p:cNvPr id="7" name="Pfeil: Chevron 6">
             <a:extLst>
               <a:ext uri="{FF2B5EF4-FFF2-40B4-BE49-F238E27FC236}">
-                <a16:creationId xmlns="" xmlns:a16="http://schemas.microsoft.com/office/drawing/2014/main" id="{14F5353B-3EA0-4F48-A473-08D522F34D71}"/>
+                <a16:creationId xmlns:a16="http://schemas.microsoft.com/office/drawing/2014/main" xmlns="" id="{14F5353B-3EA0-4F48-A473-08D522F34D71}"/>
               </a:ext>
             </a:extLst>
           </p:cNvPr>
@@ -26176,7 +26361,7 @@
           <p:cNvPr id="8" name="Pfeil: Chevron 7">
             <a:extLst>
               <a:ext uri="{FF2B5EF4-FFF2-40B4-BE49-F238E27FC236}">
-                <a16:creationId xmlns="" xmlns:a16="http://schemas.microsoft.com/office/drawing/2014/main" id="{655E865C-680E-47F4-9F87-B4EB179E321D}"/>
+                <a16:creationId xmlns:a16="http://schemas.microsoft.com/office/drawing/2014/main" xmlns="" id="{655E865C-680E-47F4-9F87-B4EB179E321D}"/>
               </a:ext>
             </a:extLst>
           </p:cNvPr>
@@ -26504,7 +26689,7 @@
           <p:cNvPr id="2" name="Titel 1">
             <a:extLst>
               <a:ext uri="{FF2B5EF4-FFF2-40B4-BE49-F238E27FC236}">
-                <a16:creationId xmlns="" xmlns:a16="http://schemas.microsoft.com/office/drawing/2014/main" id="{594F37A0-8FD9-42A4-A80F-4C479182787E}"/>
+                <a16:creationId xmlns:a16="http://schemas.microsoft.com/office/drawing/2014/main" xmlns="" id="{594F37A0-8FD9-42A4-A80F-4C479182787E}"/>
               </a:ext>
             </a:extLst>
           </p:cNvPr>
@@ -26533,7 +26718,7 @@
           <p:cNvPr id="3" name="Inhaltsplatzhalter 2">
             <a:extLst>
               <a:ext uri="{FF2B5EF4-FFF2-40B4-BE49-F238E27FC236}">
-                <a16:creationId xmlns="" xmlns:a16="http://schemas.microsoft.com/office/drawing/2014/main" id="{B201CE33-F1D7-423B-B373-1D449812B3D5}"/>
+                <a16:creationId xmlns:a16="http://schemas.microsoft.com/office/drawing/2014/main" xmlns="" id="{B201CE33-F1D7-423B-B373-1D449812B3D5}"/>
               </a:ext>
             </a:extLst>
           </p:cNvPr>
@@ -26695,7 +26880,7 @@
           <p:cNvPr id="5" name="Pfeil: Chevron 4">
             <a:extLst>
               <a:ext uri="{FF2B5EF4-FFF2-40B4-BE49-F238E27FC236}">
-                <a16:creationId xmlns="" xmlns:a16="http://schemas.microsoft.com/office/drawing/2014/main" id="{FE16A436-3EBF-406A-A452-2785E92CA870}"/>
+                <a16:creationId xmlns:a16="http://schemas.microsoft.com/office/drawing/2014/main" xmlns="" id="{FE16A436-3EBF-406A-A452-2785E92CA870}"/>
               </a:ext>
             </a:extLst>
           </p:cNvPr>
@@ -26765,7 +26950,7 @@
           <p:cNvPr id="6" name="Pfeil: Chevron 5">
             <a:extLst>
               <a:ext uri="{FF2B5EF4-FFF2-40B4-BE49-F238E27FC236}">
-                <a16:creationId xmlns="" xmlns:a16="http://schemas.microsoft.com/office/drawing/2014/main" id="{4B425B4C-53B0-4FDA-90C8-3EAE519EFFB2}"/>
+                <a16:creationId xmlns:a16="http://schemas.microsoft.com/office/drawing/2014/main" xmlns="" id="{4B425B4C-53B0-4FDA-90C8-3EAE519EFFB2}"/>
               </a:ext>
             </a:extLst>
           </p:cNvPr>
@@ -26831,7 +27016,7 @@
           <p:cNvPr id="7" name="Pfeil: Chevron 6">
             <a:extLst>
               <a:ext uri="{FF2B5EF4-FFF2-40B4-BE49-F238E27FC236}">
-                <a16:creationId xmlns="" xmlns:a16="http://schemas.microsoft.com/office/drawing/2014/main" id="{14F5353B-3EA0-4F48-A473-08D522F34D71}"/>
+                <a16:creationId xmlns:a16="http://schemas.microsoft.com/office/drawing/2014/main" xmlns="" id="{14F5353B-3EA0-4F48-A473-08D522F34D71}"/>
               </a:ext>
             </a:extLst>
           </p:cNvPr>
@@ -26908,7 +27093,7 @@
           <p:cNvPr id="8" name="Pfeil: Chevron 7">
             <a:extLst>
               <a:ext uri="{FF2B5EF4-FFF2-40B4-BE49-F238E27FC236}">
-                <a16:creationId xmlns="" xmlns:a16="http://schemas.microsoft.com/office/drawing/2014/main" id="{655E865C-680E-47F4-9F87-B4EB179E321D}"/>
+                <a16:creationId xmlns:a16="http://schemas.microsoft.com/office/drawing/2014/main" xmlns="" id="{655E865C-680E-47F4-9F87-B4EB179E321D}"/>
               </a:ext>
             </a:extLst>
           </p:cNvPr>
@@ -27236,7 +27421,7 @@
           <p:cNvPr id="2" name="Titel 1">
             <a:extLst>
               <a:ext uri="{FF2B5EF4-FFF2-40B4-BE49-F238E27FC236}">
-                <a16:creationId xmlns="" xmlns:a16="http://schemas.microsoft.com/office/drawing/2014/main" id="{594F37A0-8FD9-42A4-A80F-4C479182787E}"/>
+                <a16:creationId xmlns:a16="http://schemas.microsoft.com/office/drawing/2014/main" xmlns="" id="{594F37A0-8FD9-42A4-A80F-4C479182787E}"/>
               </a:ext>
             </a:extLst>
           </p:cNvPr>
@@ -27265,7 +27450,7 @@
           <p:cNvPr id="3" name="Inhaltsplatzhalter 2">
             <a:extLst>
               <a:ext uri="{FF2B5EF4-FFF2-40B4-BE49-F238E27FC236}">
-                <a16:creationId xmlns="" xmlns:a16="http://schemas.microsoft.com/office/drawing/2014/main" id="{B201CE33-F1D7-423B-B373-1D449812B3D5}"/>
+                <a16:creationId xmlns:a16="http://schemas.microsoft.com/office/drawing/2014/main" xmlns="" id="{B201CE33-F1D7-423B-B373-1D449812B3D5}"/>
               </a:ext>
             </a:extLst>
           </p:cNvPr>
@@ -27442,7 +27627,7 @@
           <p:cNvPr id="5" name="Pfeil: Chevron 4">
             <a:extLst>
               <a:ext uri="{FF2B5EF4-FFF2-40B4-BE49-F238E27FC236}">
-                <a16:creationId xmlns="" xmlns:a16="http://schemas.microsoft.com/office/drawing/2014/main" id="{FE16A436-3EBF-406A-A452-2785E92CA870}"/>
+                <a16:creationId xmlns:a16="http://schemas.microsoft.com/office/drawing/2014/main" xmlns="" id="{FE16A436-3EBF-406A-A452-2785E92CA870}"/>
               </a:ext>
             </a:extLst>
           </p:cNvPr>
@@ -27512,7 +27697,7 @@
           <p:cNvPr id="6" name="Pfeil: Chevron 5">
             <a:extLst>
               <a:ext uri="{FF2B5EF4-FFF2-40B4-BE49-F238E27FC236}">
-                <a16:creationId xmlns="" xmlns:a16="http://schemas.microsoft.com/office/drawing/2014/main" id="{4B425B4C-53B0-4FDA-90C8-3EAE519EFFB2}"/>
+                <a16:creationId xmlns:a16="http://schemas.microsoft.com/office/drawing/2014/main" xmlns="" id="{4B425B4C-53B0-4FDA-90C8-3EAE519EFFB2}"/>
               </a:ext>
             </a:extLst>
           </p:cNvPr>
@@ -27578,7 +27763,7 @@
           <p:cNvPr id="7" name="Pfeil: Chevron 6">
             <a:extLst>
               <a:ext uri="{FF2B5EF4-FFF2-40B4-BE49-F238E27FC236}">
-                <a16:creationId xmlns="" xmlns:a16="http://schemas.microsoft.com/office/drawing/2014/main" id="{14F5353B-3EA0-4F48-A473-08D522F34D71}"/>
+                <a16:creationId xmlns:a16="http://schemas.microsoft.com/office/drawing/2014/main" xmlns="" id="{14F5353B-3EA0-4F48-A473-08D522F34D71}"/>
               </a:ext>
             </a:extLst>
           </p:cNvPr>
@@ -27655,7 +27840,7 @@
           <p:cNvPr id="8" name="Pfeil: Chevron 7">
             <a:extLst>
               <a:ext uri="{FF2B5EF4-FFF2-40B4-BE49-F238E27FC236}">
-                <a16:creationId xmlns="" xmlns:a16="http://schemas.microsoft.com/office/drawing/2014/main" id="{655E865C-680E-47F4-9F87-B4EB179E321D}"/>
+                <a16:creationId xmlns:a16="http://schemas.microsoft.com/office/drawing/2014/main" xmlns="" id="{655E865C-680E-47F4-9F87-B4EB179E321D}"/>
               </a:ext>
             </a:extLst>
           </p:cNvPr>
@@ -27983,7 +28168,7 @@
           <p:cNvPr id="2" name="Titel 1">
             <a:extLst>
               <a:ext uri="{FF2B5EF4-FFF2-40B4-BE49-F238E27FC236}">
-                <a16:creationId xmlns="" xmlns:a16="http://schemas.microsoft.com/office/drawing/2014/main" id="{594F37A0-8FD9-42A4-A80F-4C479182787E}"/>
+                <a16:creationId xmlns:a16="http://schemas.microsoft.com/office/drawing/2014/main" xmlns="" id="{594F37A0-8FD9-42A4-A80F-4C479182787E}"/>
               </a:ext>
             </a:extLst>
           </p:cNvPr>
@@ -28012,7 +28197,7 @@
           <p:cNvPr id="3" name="Inhaltsplatzhalter 2">
             <a:extLst>
               <a:ext uri="{FF2B5EF4-FFF2-40B4-BE49-F238E27FC236}">
-                <a16:creationId xmlns="" xmlns:a16="http://schemas.microsoft.com/office/drawing/2014/main" id="{B201CE33-F1D7-423B-B373-1D449812B3D5}"/>
+                <a16:creationId xmlns:a16="http://schemas.microsoft.com/office/drawing/2014/main" xmlns="" id="{B201CE33-F1D7-423B-B373-1D449812B3D5}"/>
               </a:ext>
             </a:extLst>
           </p:cNvPr>
@@ -28145,7 +28330,7 @@
           <p:cNvPr id="5" name="Pfeil: Chevron 4">
             <a:extLst>
               <a:ext uri="{FF2B5EF4-FFF2-40B4-BE49-F238E27FC236}">
-                <a16:creationId xmlns="" xmlns:a16="http://schemas.microsoft.com/office/drawing/2014/main" id="{FE16A436-3EBF-406A-A452-2785E92CA870}"/>
+                <a16:creationId xmlns:a16="http://schemas.microsoft.com/office/drawing/2014/main" xmlns="" id="{FE16A436-3EBF-406A-A452-2785E92CA870}"/>
               </a:ext>
             </a:extLst>
           </p:cNvPr>
@@ -28215,7 +28400,7 @@
           <p:cNvPr id="6" name="Pfeil: Chevron 5">
             <a:extLst>
               <a:ext uri="{FF2B5EF4-FFF2-40B4-BE49-F238E27FC236}">
-                <a16:creationId xmlns="" xmlns:a16="http://schemas.microsoft.com/office/drawing/2014/main" id="{4B425B4C-53B0-4FDA-90C8-3EAE519EFFB2}"/>
+                <a16:creationId xmlns:a16="http://schemas.microsoft.com/office/drawing/2014/main" xmlns="" id="{4B425B4C-53B0-4FDA-90C8-3EAE519EFFB2}"/>
               </a:ext>
             </a:extLst>
           </p:cNvPr>
@@ -28281,7 +28466,7 @@
           <p:cNvPr id="7" name="Pfeil: Chevron 6">
             <a:extLst>
               <a:ext uri="{FF2B5EF4-FFF2-40B4-BE49-F238E27FC236}">
-                <a16:creationId xmlns="" xmlns:a16="http://schemas.microsoft.com/office/drawing/2014/main" id="{14F5353B-3EA0-4F48-A473-08D522F34D71}"/>
+                <a16:creationId xmlns:a16="http://schemas.microsoft.com/office/drawing/2014/main" xmlns="" id="{14F5353B-3EA0-4F48-A473-08D522F34D71}"/>
               </a:ext>
             </a:extLst>
           </p:cNvPr>
@@ -28358,7 +28543,7 @@
           <p:cNvPr id="8" name="Pfeil: Chevron 7">
             <a:extLst>
               <a:ext uri="{FF2B5EF4-FFF2-40B4-BE49-F238E27FC236}">
-                <a16:creationId xmlns="" xmlns:a16="http://schemas.microsoft.com/office/drawing/2014/main" id="{655E865C-680E-47F4-9F87-B4EB179E321D}"/>
+                <a16:creationId xmlns:a16="http://schemas.microsoft.com/office/drawing/2014/main" xmlns="" id="{655E865C-680E-47F4-9F87-B4EB179E321D}"/>
               </a:ext>
             </a:extLst>
           </p:cNvPr>
@@ -28465,7 +28650,7 @@
           <p:cNvPr id="2" name="Titel 1">
             <a:extLst>
               <a:ext uri="{FF2B5EF4-FFF2-40B4-BE49-F238E27FC236}">
-                <a16:creationId xmlns="" xmlns:a16="http://schemas.microsoft.com/office/drawing/2014/main" id="{594F37A0-8FD9-42A4-A80F-4C479182787E}"/>
+                <a16:creationId xmlns:a16="http://schemas.microsoft.com/office/drawing/2014/main" xmlns="" id="{594F37A0-8FD9-42A4-A80F-4C479182787E}"/>
               </a:ext>
             </a:extLst>
           </p:cNvPr>
@@ -28494,7 +28679,7 @@
           <p:cNvPr id="3" name="Inhaltsplatzhalter 2">
             <a:extLst>
               <a:ext uri="{FF2B5EF4-FFF2-40B4-BE49-F238E27FC236}">
-                <a16:creationId xmlns="" xmlns:a16="http://schemas.microsoft.com/office/drawing/2014/main" id="{B201CE33-F1D7-423B-B373-1D449812B3D5}"/>
+                <a16:creationId xmlns:a16="http://schemas.microsoft.com/office/drawing/2014/main" xmlns="" id="{B201CE33-F1D7-423B-B373-1D449812B3D5}"/>
               </a:ext>
             </a:extLst>
           </p:cNvPr>
@@ -28804,7 +28989,7 @@
           <p:cNvPr id="5" name="Pfeil: Chevron 4">
             <a:extLst>
               <a:ext uri="{FF2B5EF4-FFF2-40B4-BE49-F238E27FC236}">
-                <a16:creationId xmlns="" xmlns:a16="http://schemas.microsoft.com/office/drawing/2014/main" id="{FE16A436-3EBF-406A-A452-2785E92CA870}"/>
+                <a16:creationId xmlns:a16="http://schemas.microsoft.com/office/drawing/2014/main" xmlns="" id="{FE16A436-3EBF-406A-A452-2785E92CA870}"/>
               </a:ext>
             </a:extLst>
           </p:cNvPr>
@@ -28874,7 +29059,7 @@
           <p:cNvPr id="6" name="Pfeil: Chevron 5">
             <a:extLst>
               <a:ext uri="{FF2B5EF4-FFF2-40B4-BE49-F238E27FC236}">
-                <a16:creationId xmlns="" xmlns:a16="http://schemas.microsoft.com/office/drawing/2014/main" id="{4B425B4C-53B0-4FDA-90C8-3EAE519EFFB2}"/>
+                <a16:creationId xmlns:a16="http://schemas.microsoft.com/office/drawing/2014/main" xmlns="" id="{4B425B4C-53B0-4FDA-90C8-3EAE519EFFB2}"/>
               </a:ext>
             </a:extLst>
           </p:cNvPr>
@@ -28940,7 +29125,7 @@
           <p:cNvPr id="7" name="Pfeil: Chevron 6">
             <a:extLst>
               <a:ext uri="{FF2B5EF4-FFF2-40B4-BE49-F238E27FC236}">
-                <a16:creationId xmlns="" xmlns:a16="http://schemas.microsoft.com/office/drawing/2014/main" id="{14F5353B-3EA0-4F48-A473-08D522F34D71}"/>
+                <a16:creationId xmlns:a16="http://schemas.microsoft.com/office/drawing/2014/main" xmlns="" id="{14F5353B-3EA0-4F48-A473-08D522F34D71}"/>
               </a:ext>
             </a:extLst>
           </p:cNvPr>
@@ -29017,7 +29202,7 @@
           <p:cNvPr id="8" name="Pfeil: Chevron 7">
             <a:extLst>
               <a:ext uri="{FF2B5EF4-FFF2-40B4-BE49-F238E27FC236}">
-                <a16:creationId xmlns="" xmlns:a16="http://schemas.microsoft.com/office/drawing/2014/main" id="{655E865C-680E-47F4-9F87-B4EB179E321D}"/>
+                <a16:creationId xmlns:a16="http://schemas.microsoft.com/office/drawing/2014/main" xmlns="" id="{655E865C-680E-47F4-9F87-B4EB179E321D}"/>
               </a:ext>
             </a:extLst>
           </p:cNvPr>
@@ -29244,7 +29429,7 @@
           <p:cNvPr id="2" name="Titel 1">
             <a:extLst>
               <a:ext uri="{FF2B5EF4-FFF2-40B4-BE49-F238E27FC236}">
-                <a16:creationId xmlns="" xmlns:a16="http://schemas.microsoft.com/office/drawing/2014/main" id="{ECD13983-53CB-41A8-9897-E4D20881F929}"/>
+                <a16:creationId xmlns:a16="http://schemas.microsoft.com/office/drawing/2014/main" xmlns="" id="{ECD13983-53CB-41A8-9897-E4D20881F929}"/>
               </a:ext>
             </a:extLst>
           </p:cNvPr>
@@ -29272,7 +29457,7 @@
           <p:cNvPr id="3" name="Textplatzhalter 2">
             <a:extLst>
               <a:ext uri="{FF2B5EF4-FFF2-40B4-BE49-F238E27FC236}">
-                <a16:creationId xmlns="" xmlns:a16="http://schemas.microsoft.com/office/drawing/2014/main" id="{8A82E612-E974-4DE0-823F-A661C5C288BB}"/>
+                <a16:creationId xmlns:a16="http://schemas.microsoft.com/office/drawing/2014/main" xmlns="" id="{8A82E612-E974-4DE0-823F-A661C5C288BB}"/>
               </a:ext>
             </a:extLst>
           </p:cNvPr>
@@ -29327,7 +29512,7 @@
           <p:cNvPr id="2" name="Titel 1">
             <a:extLst>
               <a:ext uri="{FF2B5EF4-FFF2-40B4-BE49-F238E27FC236}">
-                <a16:creationId xmlns="" xmlns:a16="http://schemas.microsoft.com/office/drawing/2014/main" id="{594F37A0-8FD9-42A4-A80F-4C479182787E}"/>
+                <a16:creationId xmlns:a16="http://schemas.microsoft.com/office/drawing/2014/main" xmlns="" id="{594F37A0-8FD9-42A4-A80F-4C479182787E}"/>
               </a:ext>
             </a:extLst>
           </p:cNvPr>
@@ -29356,7 +29541,7 @@
           <p:cNvPr id="3" name="Inhaltsplatzhalter 2">
             <a:extLst>
               <a:ext uri="{FF2B5EF4-FFF2-40B4-BE49-F238E27FC236}">
-                <a16:creationId xmlns="" xmlns:a16="http://schemas.microsoft.com/office/drawing/2014/main" id="{B201CE33-F1D7-423B-B373-1D449812B3D5}"/>
+                <a16:creationId xmlns:a16="http://schemas.microsoft.com/office/drawing/2014/main" xmlns="" id="{B201CE33-F1D7-423B-B373-1D449812B3D5}"/>
               </a:ext>
             </a:extLst>
           </p:cNvPr>
@@ -29572,7 +29757,7 @@
           <p:cNvPr id="5" name="Pfeil: Chevron 4">
             <a:extLst>
               <a:ext uri="{FF2B5EF4-FFF2-40B4-BE49-F238E27FC236}">
-                <a16:creationId xmlns="" xmlns:a16="http://schemas.microsoft.com/office/drawing/2014/main" id="{FE16A436-3EBF-406A-A452-2785E92CA870}"/>
+                <a16:creationId xmlns:a16="http://schemas.microsoft.com/office/drawing/2014/main" xmlns="" id="{FE16A436-3EBF-406A-A452-2785E92CA870}"/>
               </a:ext>
             </a:extLst>
           </p:cNvPr>
@@ -29642,7 +29827,7 @@
           <p:cNvPr id="6" name="Pfeil: Chevron 5">
             <a:extLst>
               <a:ext uri="{FF2B5EF4-FFF2-40B4-BE49-F238E27FC236}">
-                <a16:creationId xmlns="" xmlns:a16="http://schemas.microsoft.com/office/drawing/2014/main" id="{4B425B4C-53B0-4FDA-90C8-3EAE519EFFB2}"/>
+                <a16:creationId xmlns:a16="http://schemas.microsoft.com/office/drawing/2014/main" xmlns="" id="{4B425B4C-53B0-4FDA-90C8-3EAE519EFFB2}"/>
               </a:ext>
             </a:extLst>
           </p:cNvPr>
@@ -29708,7 +29893,7 @@
           <p:cNvPr id="7" name="Pfeil: Chevron 6">
             <a:extLst>
               <a:ext uri="{FF2B5EF4-FFF2-40B4-BE49-F238E27FC236}">
-                <a16:creationId xmlns="" xmlns:a16="http://schemas.microsoft.com/office/drawing/2014/main" id="{14F5353B-3EA0-4F48-A473-08D522F34D71}"/>
+                <a16:creationId xmlns:a16="http://schemas.microsoft.com/office/drawing/2014/main" xmlns="" id="{14F5353B-3EA0-4F48-A473-08D522F34D71}"/>
               </a:ext>
             </a:extLst>
           </p:cNvPr>
@@ -29785,7 +29970,7 @@
           <p:cNvPr id="8" name="Pfeil: Chevron 7">
             <a:extLst>
               <a:ext uri="{FF2B5EF4-FFF2-40B4-BE49-F238E27FC236}">
-                <a16:creationId xmlns="" xmlns:a16="http://schemas.microsoft.com/office/drawing/2014/main" id="{655E865C-680E-47F4-9F87-B4EB179E321D}"/>
+                <a16:creationId xmlns:a16="http://schemas.microsoft.com/office/drawing/2014/main" xmlns="" id="{655E865C-680E-47F4-9F87-B4EB179E321D}"/>
               </a:ext>
             </a:extLst>
           </p:cNvPr>
@@ -30046,7 +30231,7 @@
           <p:cNvPr id="2" name="Titel 1">
             <a:extLst>
               <a:ext uri="{FF2B5EF4-FFF2-40B4-BE49-F238E27FC236}">
-                <a16:creationId xmlns="" xmlns:a16="http://schemas.microsoft.com/office/drawing/2014/main" id="{594F37A0-8FD9-42A4-A80F-4C479182787E}"/>
+                <a16:creationId xmlns:a16="http://schemas.microsoft.com/office/drawing/2014/main" xmlns="" id="{594F37A0-8FD9-42A4-A80F-4C479182787E}"/>
               </a:ext>
             </a:extLst>
           </p:cNvPr>
@@ -30074,7 +30259,7 @@
           <p:cNvPr id="3" name="Inhaltsplatzhalter 2">
             <a:extLst>
               <a:ext uri="{FF2B5EF4-FFF2-40B4-BE49-F238E27FC236}">
-                <a16:creationId xmlns="" xmlns:a16="http://schemas.microsoft.com/office/drawing/2014/main" id="{B201CE33-F1D7-423B-B373-1D449812B3D5}"/>
+                <a16:creationId xmlns:a16="http://schemas.microsoft.com/office/drawing/2014/main" xmlns="" id="{B201CE33-F1D7-423B-B373-1D449812B3D5}"/>
               </a:ext>
             </a:extLst>
           </p:cNvPr>
@@ -30099,7 +30284,7 @@
           <p:cNvPr id="5" name="Pfeil: Chevron 4">
             <a:extLst>
               <a:ext uri="{FF2B5EF4-FFF2-40B4-BE49-F238E27FC236}">
-                <a16:creationId xmlns="" xmlns:a16="http://schemas.microsoft.com/office/drawing/2014/main" id="{FE16A436-3EBF-406A-A452-2785E92CA870}"/>
+                <a16:creationId xmlns:a16="http://schemas.microsoft.com/office/drawing/2014/main" xmlns="" id="{FE16A436-3EBF-406A-A452-2785E92CA870}"/>
               </a:ext>
             </a:extLst>
           </p:cNvPr>
@@ -30169,7 +30354,7 @@
           <p:cNvPr id="6" name="Pfeil: Chevron 5">
             <a:extLst>
               <a:ext uri="{FF2B5EF4-FFF2-40B4-BE49-F238E27FC236}">
-                <a16:creationId xmlns="" xmlns:a16="http://schemas.microsoft.com/office/drawing/2014/main" id="{4B425B4C-53B0-4FDA-90C8-3EAE519EFFB2}"/>
+                <a16:creationId xmlns:a16="http://schemas.microsoft.com/office/drawing/2014/main" xmlns="" id="{4B425B4C-53B0-4FDA-90C8-3EAE519EFFB2}"/>
               </a:ext>
             </a:extLst>
           </p:cNvPr>
@@ -30235,7 +30420,7 @@
           <p:cNvPr id="7" name="Pfeil: Chevron 6">
             <a:extLst>
               <a:ext uri="{FF2B5EF4-FFF2-40B4-BE49-F238E27FC236}">
-                <a16:creationId xmlns="" xmlns:a16="http://schemas.microsoft.com/office/drawing/2014/main" id="{14F5353B-3EA0-4F48-A473-08D522F34D71}"/>
+                <a16:creationId xmlns:a16="http://schemas.microsoft.com/office/drawing/2014/main" xmlns="" id="{14F5353B-3EA0-4F48-A473-08D522F34D71}"/>
               </a:ext>
             </a:extLst>
           </p:cNvPr>
@@ -30312,7 +30497,7 @@
           <p:cNvPr id="8" name="Pfeil: Chevron 7">
             <a:extLst>
               <a:ext uri="{FF2B5EF4-FFF2-40B4-BE49-F238E27FC236}">
-                <a16:creationId xmlns="" xmlns:a16="http://schemas.microsoft.com/office/drawing/2014/main" id="{655E865C-680E-47F4-9F87-B4EB179E321D}"/>
+                <a16:creationId xmlns:a16="http://schemas.microsoft.com/office/drawing/2014/main" xmlns="" id="{655E865C-680E-47F4-9F87-B4EB179E321D}"/>
               </a:ext>
             </a:extLst>
           </p:cNvPr>
@@ -30412,7 +30597,7 @@
           <p:cNvPr id="2" name="Titel 1">
             <a:extLst>
               <a:ext uri="{FF2B5EF4-FFF2-40B4-BE49-F238E27FC236}">
-                <a16:creationId xmlns="" xmlns:a16="http://schemas.microsoft.com/office/drawing/2014/main" id="{ECD13983-53CB-41A8-9897-E4D20881F929}"/>
+                <a16:creationId xmlns:a16="http://schemas.microsoft.com/office/drawing/2014/main" xmlns="" id="{ECD13983-53CB-41A8-9897-E4D20881F929}"/>
               </a:ext>
             </a:extLst>
           </p:cNvPr>
@@ -30441,7 +30626,7 @@
           <p:cNvPr id="3" name="Textplatzhalter 2">
             <a:extLst>
               <a:ext uri="{FF2B5EF4-FFF2-40B4-BE49-F238E27FC236}">
-                <a16:creationId xmlns="" xmlns:a16="http://schemas.microsoft.com/office/drawing/2014/main" id="{8A82E612-E974-4DE0-823F-A661C5C288BB}"/>
+                <a16:creationId xmlns:a16="http://schemas.microsoft.com/office/drawing/2014/main" xmlns="" id="{8A82E612-E974-4DE0-823F-A661C5C288BB}"/>
               </a:ext>
             </a:extLst>
           </p:cNvPr>
@@ -30496,7 +30681,7 @@
           <p:cNvPr id="2" name="Titel 1">
             <a:extLst>
               <a:ext uri="{FF2B5EF4-FFF2-40B4-BE49-F238E27FC236}">
-                <a16:creationId xmlns="" xmlns:a16="http://schemas.microsoft.com/office/drawing/2014/main" id="{594F37A0-8FD9-42A4-A80F-4C479182787E}"/>
+                <a16:creationId xmlns:a16="http://schemas.microsoft.com/office/drawing/2014/main" xmlns="" id="{594F37A0-8FD9-42A4-A80F-4C479182787E}"/>
               </a:ext>
             </a:extLst>
           </p:cNvPr>
@@ -30513,12 +30698,28 @@
           <a:lstStyle/>
           <a:p>
             <a:r>
-              <a:rPr lang="de-DE" dirty="0"/>
-              <a:t>E</a:t>
-            </a:r>
-            <a:r>
               <a:rPr lang="de-DE" dirty="0" smtClean="0"/>
-              <a:t>valuation</a:t>
+              <a:t>Evaluation – </a:t>
+            </a:r>
+            <a:r>
+              <a:rPr lang="de-DE" dirty="0" err="1" smtClean="0"/>
+              <a:t>Comparison</a:t>
+            </a:r>
+            <a:r>
+              <a:rPr lang="de-DE" dirty="0" smtClean="0"/>
+              <a:t> </a:t>
+            </a:r>
+            <a:r>
+              <a:rPr lang="de-DE" dirty="0" err="1" smtClean="0"/>
+              <a:t>with</a:t>
+            </a:r>
+            <a:r>
+              <a:rPr lang="de-DE" dirty="0" smtClean="0"/>
+              <a:t> </a:t>
+            </a:r>
+            <a:r>
+              <a:rPr lang="de-DE" dirty="0" err="1" smtClean="0"/>
+              <a:t>JSD</a:t>
             </a:r>
             <a:endParaRPr lang="de-DE" dirty="0"/>
           </a:p>
@@ -30549,7 +30750,7 @@
           <p:cNvPr id="5" name="Pfeil: Chevron 4">
             <a:extLst>
               <a:ext uri="{FF2B5EF4-FFF2-40B4-BE49-F238E27FC236}">
-                <a16:creationId xmlns="" xmlns:a16="http://schemas.microsoft.com/office/drawing/2014/main" id="{FE16A436-3EBF-406A-A452-2785E92CA870}"/>
+                <a16:creationId xmlns:a16="http://schemas.microsoft.com/office/drawing/2014/main" xmlns="" id="{FE16A436-3EBF-406A-A452-2785E92CA870}"/>
               </a:ext>
             </a:extLst>
           </p:cNvPr>
@@ -30619,7 +30820,7 @@
           <p:cNvPr id="6" name="Pfeil: Chevron 5">
             <a:extLst>
               <a:ext uri="{FF2B5EF4-FFF2-40B4-BE49-F238E27FC236}">
-                <a16:creationId xmlns="" xmlns:a16="http://schemas.microsoft.com/office/drawing/2014/main" id="{4B425B4C-53B0-4FDA-90C8-3EAE519EFFB2}"/>
+                <a16:creationId xmlns:a16="http://schemas.microsoft.com/office/drawing/2014/main" xmlns="" id="{4B425B4C-53B0-4FDA-90C8-3EAE519EFFB2}"/>
               </a:ext>
             </a:extLst>
           </p:cNvPr>
@@ -30689,7 +30890,7 @@
           <p:cNvPr id="7" name="Pfeil: Chevron 6">
             <a:extLst>
               <a:ext uri="{FF2B5EF4-FFF2-40B4-BE49-F238E27FC236}">
-                <a16:creationId xmlns="" xmlns:a16="http://schemas.microsoft.com/office/drawing/2014/main" id="{14F5353B-3EA0-4F48-A473-08D522F34D71}"/>
+                <a16:creationId xmlns:a16="http://schemas.microsoft.com/office/drawing/2014/main" xmlns="" id="{14F5353B-3EA0-4F48-A473-08D522F34D71}"/>
               </a:ext>
             </a:extLst>
           </p:cNvPr>
@@ -30760,7 +30961,7 @@
           <p:cNvPr id="8" name="Pfeil: Chevron 7">
             <a:extLst>
               <a:ext uri="{FF2B5EF4-FFF2-40B4-BE49-F238E27FC236}">
-                <a16:creationId xmlns="" xmlns:a16="http://schemas.microsoft.com/office/drawing/2014/main" id="{655E865C-680E-47F4-9F87-B4EB179E321D}"/>
+                <a16:creationId xmlns:a16="http://schemas.microsoft.com/office/drawing/2014/main" xmlns="" id="{655E865C-680E-47F4-9F87-B4EB179E321D}"/>
               </a:ext>
             </a:extLst>
           </p:cNvPr>
@@ -30860,7 +31061,7 @@
           <p:cNvPr id="2" name="Titel 1">
             <a:extLst>
               <a:ext uri="{FF2B5EF4-FFF2-40B4-BE49-F238E27FC236}">
-                <a16:creationId xmlns="" xmlns:a16="http://schemas.microsoft.com/office/drawing/2014/main" id="{594F37A0-8FD9-42A4-A80F-4C479182787E}"/>
+                <a16:creationId xmlns:a16="http://schemas.microsoft.com/office/drawing/2014/main" xmlns="" id="{594F37A0-8FD9-42A4-A80F-4C479182787E}"/>
               </a:ext>
             </a:extLst>
           </p:cNvPr>
@@ -30877,97 +31078,20 @@
           <a:lstStyle/>
           <a:p>
             <a:r>
-              <a:rPr lang="de-DE" dirty="0"/>
-              <a:t>E</a:t>
-            </a:r>
-            <a:r>
               <a:rPr lang="de-DE" dirty="0" smtClean="0"/>
-              <a:t>valuation</a:t>
-            </a:r>
-            <a:endParaRPr lang="de-DE" dirty="0"/>
-          </a:p>
-        </p:txBody>
-      </p:sp>
-      <p:sp>
-        <p:nvSpPr>
-          <p:cNvPr id="3" name="Inhaltsplatzhalter 2">
-            <a:extLst>
-              <a:ext uri="{FF2B5EF4-FFF2-40B4-BE49-F238E27FC236}">
-                <a16:creationId xmlns="" xmlns:a16="http://schemas.microsoft.com/office/drawing/2014/main" id="{B201CE33-F1D7-423B-B373-1D449812B3D5}"/>
-              </a:ext>
-            </a:extLst>
-          </p:cNvPr>
-          <p:cNvSpPr>
-            <a:spLocks noGrp="1"/>
-          </p:cNvSpPr>
-          <p:nvPr>
-            <p:ph idx="1"/>
-          </p:nvPr>
-        </p:nvSpPr>
-        <p:spPr/>
-        <p:txBody>
-          <a:bodyPr/>
-          <a:lstStyle/>
-          <a:p>
-            <a:r>
-              <a:rPr lang="de-DE" dirty="0" err="1"/>
-              <a:t>each</a:t>
-            </a:r>
-            <a:r>
-              <a:rPr lang="de-DE" dirty="0"/>
+              <a:t>Evaluation – </a:t>
+            </a:r>
+            <a:r>
+              <a:rPr lang="de-DE" dirty="0" err="1" smtClean="0"/>
+              <a:t>Our</a:t>
+            </a:r>
+            <a:r>
+              <a:rPr lang="de-DE" dirty="0" smtClean="0"/>
               <a:t> </a:t>
             </a:r>
             <a:r>
-              <a:rPr lang="de-DE" dirty="0" err="1"/>
-              <a:t>of</a:t>
-            </a:r>
-            <a:r>
-              <a:rPr lang="de-DE" dirty="0"/>
-              <a:t> </a:t>
-            </a:r>
-            <a:r>
-              <a:rPr lang="de-DE" dirty="0" err="1"/>
-              <a:t>our</a:t>
-            </a:r>
-            <a:r>
-              <a:rPr lang="de-DE" dirty="0"/>
-              <a:t> </a:t>
-            </a:r>
-            <a:r>
-              <a:rPr lang="de-DE" dirty="0" err="1"/>
-              <a:t>summaries</a:t>
-            </a:r>
-            <a:r>
-              <a:rPr lang="de-DE" dirty="0"/>
-              <a:t> </a:t>
-            </a:r>
-            <a:r>
-              <a:rPr lang="de-DE" dirty="0" err="1"/>
-              <a:t>were</a:t>
-            </a:r>
-            <a:r>
-              <a:rPr lang="de-DE" dirty="0"/>
-              <a:t> </a:t>
-            </a:r>
-            <a:r>
-              <a:rPr lang="de-DE" dirty="0" err="1"/>
-              <a:t>evaluated</a:t>
-            </a:r>
-            <a:r>
-              <a:rPr lang="de-DE" dirty="0"/>
-              <a:t> </a:t>
-            </a:r>
-            <a:r>
-              <a:rPr lang="de-DE" dirty="0" err="1"/>
-              <a:t>by</a:t>
-            </a:r>
-            <a:r>
-              <a:rPr lang="de-DE" dirty="0"/>
-              <a:t> at least 4 </a:t>
-            </a:r>
-            <a:r>
-              <a:rPr lang="de-DE" dirty="0" err="1"/>
-              <a:t>raters</a:t>
+              <a:rPr lang="de-DE" dirty="0" err="1" smtClean="0"/>
+              <a:t>Scores</a:t>
             </a:r>
             <a:endParaRPr lang="de-DE" dirty="0"/>
           </a:p>
@@ -30978,7 +31102,7 @@
           <p:cNvPr id="5" name="Pfeil: Chevron 4">
             <a:extLst>
               <a:ext uri="{FF2B5EF4-FFF2-40B4-BE49-F238E27FC236}">
-                <a16:creationId xmlns="" xmlns:a16="http://schemas.microsoft.com/office/drawing/2014/main" id="{FE16A436-3EBF-406A-A452-2785E92CA870}"/>
+                <a16:creationId xmlns:a16="http://schemas.microsoft.com/office/drawing/2014/main" xmlns="" id="{FE16A436-3EBF-406A-A452-2785E92CA870}"/>
               </a:ext>
             </a:extLst>
           </p:cNvPr>
@@ -31048,7 +31172,7 @@
           <p:cNvPr id="6" name="Pfeil: Chevron 5">
             <a:extLst>
               <a:ext uri="{FF2B5EF4-FFF2-40B4-BE49-F238E27FC236}">
-                <a16:creationId xmlns="" xmlns:a16="http://schemas.microsoft.com/office/drawing/2014/main" id="{4B425B4C-53B0-4FDA-90C8-3EAE519EFFB2}"/>
+                <a16:creationId xmlns:a16="http://schemas.microsoft.com/office/drawing/2014/main" xmlns="" id="{4B425B4C-53B0-4FDA-90C8-3EAE519EFFB2}"/>
               </a:ext>
             </a:extLst>
           </p:cNvPr>
@@ -31118,7 +31242,7 @@
           <p:cNvPr id="7" name="Pfeil: Chevron 6">
             <a:extLst>
               <a:ext uri="{FF2B5EF4-FFF2-40B4-BE49-F238E27FC236}">
-                <a16:creationId xmlns="" xmlns:a16="http://schemas.microsoft.com/office/drawing/2014/main" id="{14F5353B-3EA0-4F48-A473-08D522F34D71}"/>
+                <a16:creationId xmlns:a16="http://schemas.microsoft.com/office/drawing/2014/main" xmlns="" id="{14F5353B-3EA0-4F48-A473-08D522F34D71}"/>
               </a:ext>
             </a:extLst>
           </p:cNvPr>
@@ -31189,7 +31313,7 @@
           <p:cNvPr id="8" name="Pfeil: Chevron 7">
             <a:extLst>
               <a:ext uri="{FF2B5EF4-FFF2-40B4-BE49-F238E27FC236}">
-                <a16:creationId xmlns="" xmlns:a16="http://schemas.microsoft.com/office/drawing/2014/main" id="{655E865C-680E-47F4-9F87-B4EB179E321D}"/>
+                <a16:creationId xmlns:a16="http://schemas.microsoft.com/office/drawing/2014/main" xmlns="" id="{655E865C-680E-47F4-9F87-B4EB179E321D}"/>
               </a:ext>
             </a:extLst>
           </p:cNvPr>
@@ -31254,10 +31378,35 @@
           </a:p>
         </p:txBody>
       </p:sp>
+      <p:graphicFrame>
+        <p:nvGraphicFramePr>
+          <p:cNvPr id="10" name="Inhaltsplatzhalter 9"/>
+          <p:cNvGraphicFramePr>
+            <a:graphicFrameLocks noGrp="1"/>
+          </p:cNvGraphicFramePr>
+          <p:nvPr>
+            <p:ph idx="1"/>
+            <p:extLst>
+              <p:ext uri="{D42A27DB-BD31-4B8C-83A1-F6EECF244321}">
+                <p14:modId xmlns:p14="http://schemas.microsoft.com/office/powerpoint/2010/main" val="3951788627"/>
+              </p:ext>
+            </p:extLst>
+          </p:nvPr>
+        </p:nvGraphicFramePr>
+        <p:xfrm>
+          <a:off x="360363" y="1989138"/>
+          <a:ext cx="8532812" cy="4248174"/>
+        </p:xfrm>
+        <a:graphic>
+          <a:graphicData uri="http://schemas.openxmlformats.org/drawingml/2006/chart">
+            <c:chart xmlns:c="http://schemas.openxmlformats.org/drawingml/2006/chart" xmlns:r="http://schemas.openxmlformats.org/officeDocument/2006/relationships" r:id="rId2"/>
+          </a:graphicData>
+        </a:graphic>
+      </p:graphicFrame>
     </p:spTree>
     <p:extLst>
       <p:ext uri="{BB962C8B-B14F-4D97-AF65-F5344CB8AC3E}">
-        <p14:creationId xmlns:p14="http://schemas.microsoft.com/office/powerpoint/2010/main" val="1367615360"/>
+        <p14:creationId xmlns:p14="http://schemas.microsoft.com/office/powerpoint/2010/main" val="756221209"/>
       </p:ext>
     </p:extLst>
   </p:cSld>
@@ -31289,7 +31438,7 @@
           <p:cNvPr id="2" name="Titel 1">
             <a:extLst>
               <a:ext uri="{FF2B5EF4-FFF2-40B4-BE49-F238E27FC236}">
-                <a16:creationId xmlns="" xmlns:a16="http://schemas.microsoft.com/office/drawing/2014/main" id="{ECD13983-53CB-41A8-9897-E4D20881F929}"/>
+                <a16:creationId xmlns:a16="http://schemas.microsoft.com/office/drawing/2014/main" xmlns="" id="{594F37A0-8FD9-42A4-A80F-4C479182787E}"/>
               </a:ext>
             </a:extLst>
           </p:cNvPr>
@@ -31306,140 +31455,12 @@
           <a:lstStyle/>
           <a:p>
             <a:r>
-              <a:rPr lang="de-DE" dirty="0" err="1"/>
-              <a:t>Thank</a:t>
-            </a:r>
-            <a:r>
               <a:rPr lang="de-DE" dirty="0"/>
-              <a:t> </a:t>
-            </a:r>
-            <a:r>
-              <a:rPr lang="de-DE" dirty="0" err="1"/>
-              <a:t>You</a:t>
-            </a:r>
-            <a:r>
-              <a:rPr lang="de-DE" dirty="0"/>
-              <a:t> </a:t>
-            </a:r>
-            <a:r>
-              <a:rPr lang="de-DE" dirty="0" err="1"/>
-              <a:t>for</a:t>
-            </a:r>
-            <a:r>
-              <a:rPr lang="de-DE" dirty="0"/>
-              <a:t> </a:t>
-            </a:r>
-            <a:r>
-              <a:rPr lang="de-DE" dirty="0" err="1"/>
-              <a:t>your</a:t>
-            </a:r>
-            <a:r>
-              <a:rPr lang="de-DE" dirty="0"/>
-              <a:t> </a:t>
-            </a:r>
-            <a:r>
-              <a:rPr lang="de-DE" dirty="0" err="1"/>
-              <a:t>attention</a:t>
-            </a:r>
-            <a:endParaRPr lang="de-DE" dirty="0"/>
-          </a:p>
-        </p:txBody>
-      </p:sp>
-      <p:sp>
-        <p:nvSpPr>
-          <p:cNvPr id="3" name="Textplatzhalter 2">
-            <a:extLst>
-              <a:ext uri="{FF2B5EF4-FFF2-40B4-BE49-F238E27FC236}">
-                <a16:creationId xmlns="" xmlns:a16="http://schemas.microsoft.com/office/drawing/2014/main" id="{8A82E612-E974-4DE0-823F-A661C5C288BB}"/>
-              </a:ext>
-            </a:extLst>
-          </p:cNvPr>
-          <p:cNvSpPr>
-            <a:spLocks noGrp="1"/>
-          </p:cNvSpPr>
-          <p:nvPr>
-            <p:ph type="body" idx="1"/>
-          </p:nvPr>
-        </p:nvSpPr>
-        <p:spPr/>
-        <p:txBody>
-          <a:bodyPr/>
-          <a:lstStyle/>
-          <a:p>
-            <a:endParaRPr lang="de-DE" dirty="0"/>
-          </a:p>
-        </p:txBody>
-      </p:sp>
-    </p:spTree>
-    <p:extLst>
-      <p:ext uri="{BB962C8B-B14F-4D97-AF65-F5344CB8AC3E}">
-        <p14:creationId xmlns:p14="http://schemas.microsoft.com/office/powerpoint/2010/main" val="1076095784"/>
-      </p:ext>
-    </p:extLst>
-  </p:cSld>
-  <p:clrMapOvr>
-    <a:masterClrMapping/>
-  </p:clrMapOvr>
-</p:sld>
-</file>
-
-<file path=ppt/slides/slide4.xml><?xml version="1.0" encoding="utf-8"?>
-<p:sld xmlns:a="http://schemas.openxmlformats.org/drawingml/2006/main" xmlns:r="http://schemas.openxmlformats.org/officeDocument/2006/relationships" xmlns:p="http://schemas.openxmlformats.org/presentationml/2006/main">
-  <p:cSld>
-    <p:spTree>
-      <p:nvGrpSpPr>
-        <p:cNvPr id="1" name=""/>
-        <p:cNvGrpSpPr/>
-        <p:nvPr/>
-      </p:nvGrpSpPr>
-      <p:grpSpPr>
-        <a:xfrm>
-          <a:off x="0" y="0"/>
-          <a:ext cx="0" cy="0"/>
-          <a:chOff x="0" y="0"/>
-          <a:chExt cx="0" cy="0"/>
-        </a:xfrm>
-      </p:grpSpPr>
-      <p:sp>
-        <p:nvSpPr>
-          <p:cNvPr id="2" name="Titel 1">
-            <a:extLst>
-              <a:ext uri="{FF2B5EF4-FFF2-40B4-BE49-F238E27FC236}">
-                <a16:creationId xmlns="" xmlns:a16="http://schemas.microsoft.com/office/drawing/2014/main" id="{594F37A0-8FD9-42A4-A80F-4C479182787E}"/>
-              </a:ext>
-            </a:extLst>
-          </p:cNvPr>
-          <p:cNvSpPr>
-            <a:spLocks noGrp="1"/>
-          </p:cNvSpPr>
-          <p:nvPr>
-            <p:ph type="title"/>
-          </p:nvPr>
-        </p:nvSpPr>
-        <p:spPr/>
-        <p:txBody>
-          <a:bodyPr/>
-          <a:lstStyle/>
-          <a:p>
-            <a:r>
-              <a:rPr lang="de-DE" dirty="0" err="1" smtClean="0"/>
-              <a:t>multi</a:t>
+              <a:t>E</a:t>
             </a:r>
             <a:r>
               <a:rPr lang="de-DE" dirty="0" smtClean="0"/>
-              <a:t> </a:t>
-            </a:r>
-            <a:r>
-              <a:rPr lang="de-DE" dirty="0" err="1"/>
-              <a:t>document</a:t>
-            </a:r>
-            <a:r>
-              <a:rPr lang="de-DE" dirty="0"/>
-              <a:t> </a:t>
-            </a:r>
-            <a:r>
-              <a:rPr lang="de-DE" dirty="0" err="1"/>
-              <a:t>summarazation</a:t>
+              <a:t>valuation</a:t>
             </a:r>
             <a:endParaRPr lang="de-DE" dirty="0"/>
           </a:p>
@@ -31450,7 +31471,7 @@
           <p:cNvPr id="3" name="Inhaltsplatzhalter 2">
             <a:extLst>
               <a:ext uri="{FF2B5EF4-FFF2-40B4-BE49-F238E27FC236}">
-                <a16:creationId xmlns="" xmlns:a16="http://schemas.microsoft.com/office/drawing/2014/main" id="{B201CE33-F1D7-423B-B373-1D449812B3D5}"/>
+                <a16:creationId xmlns:a16="http://schemas.microsoft.com/office/drawing/2014/main" xmlns="" id="{B201CE33-F1D7-423B-B373-1D449812B3D5}"/>
               </a:ext>
             </a:extLst>
           </p:cNvPr>
@@ -31467,74 +31488,473 @@
           <a:lstStyle/>
           <a:p>
             <a:r>
-              <a:rPr lang="de-DE" dirty="0" err="1"/>
-              <a:t>sth</a:t>
-            </a:r>
-            <a:r>
-              <a:rPr lang="de-DE" dirty="0"/>
+              <a:rPr lang="de-DE" b="1" dirty="0" err="1" smtClean="0"/>
+              <a:t>Our</a:t>
+            </a:r>
+            <a:r>
+              <a:rPr lang="de-DE" b="1" dirty="0" smtClean="0"/>
               <a:t> </a:t>
             </a:r>
             <a:r>
-              <a:rPr lang="de-DE" dirty="0" err="1"/>
-              <a:t>about</a:t>
-            </a:r>
-            <a:r>
-              <a:rPr lang="de-DE" dirty="0"/>
+              <a:rPr lang="de-DE" b="1" dirty="0" err="1" smtClean="0"/>
+              <a:t>worst</a:t>
+            </a:r>
+            <a:r>
+              <a:rPr lang="de-DE" b="1" dirty="0" smtClean="0"/>
               <a:t> </a:t>
             </a:r>
             <a:r>
-              <a:rPr lang="de-DE" dirty="0" err="1"/>
-              <a:t>related</a:t>
-            </a:r>
-            <a:r>
-              <a:rPr lang="de-DE" dirty="0"/>
+              <a:rPr lang="de-DE" b="1" dirty="0" err="1" smtClean="0"/>
+              <a:t>summary</a:t>
+            </a:r>
+            <a:r>
+              <a:rPr lang="de-DE" b="1" dirty="0" smtClean="0"/>
+              <a:t> (Topic 1028):</a:t>
+            </a:r>
+          </a:p>
+          <a:p>
+            <a:endParaRPr lang="de-DE" dirty="0"/>
+          </a:p>
+          <a:p>
+            <a:r>
+              <a:rPr lang="de-DE" sz="1800" dirty="0"/>
+              <a:t>The </a:t>
+            </a:r>
+            <a:r>
+              <a:rPr lang="de-DE" sz="1800" dirty="0" err="1"/>
+              <a:t>parents</a:t>
+            </a:r>
+            <a:r>
+              <a:rPr lang="de-DE" sz="1800" dirty="0"/>
               <a:t> </a:t>
             </a:r>
             <a:r>
-              <a:rPr lang="de-DE" dirty="0" err="1"/>
-              <a:t>work</a:t>
-            </a:r>
-            <a:r>
-              <a:rPr lang="de-DE" dirty="0"/>
-              <a:t> and </a:t>
-            </a:r>
-            <a:r>
-              <a:rPr lang="de-DE" dirty="0" err="1"/>
-              <a:t>whats</a:t>
-            </a:r>
-            <a:r>
-              <a:rPr lang="de-DE" dirty="0"/>
+              <a:rPr lang="de-DE" sz="1800" dirty="0" err="1"/>
+              <a:t>are</a:t>
+            </a:r>
+            <a:r>
+              <a:rPr lang="de-DE" sz="1800" dirty="0"/>
               <a:t> </a:t>
             </a:r>
             <a:r>
-              <a:rPr lang="de-DE" dirty="0" err="1"/>
-              <a:t>going</a:t>
-            </a:r>
-            <a:r>
-              <a:rPr lang="de-DE" dirty="0"/>
-              <a:t> on in </a:t>
-            </a:r>
-            <a:r>
-              <a:rPr lang="de-DE" dirty="0" err="1"/>
-              <a:t>multi</a:t>
-            </a:r>
-            <a:r>
-              <a:rPr lang="de-DE" dirty="0"/>
+              <a:rPr lang="de-DE" sz="1800" dirty="0" err="1"/>
+              <a:t>exhibiting</a:t>
+            </a:r>
+            <a:r>
+              <a:rPr lang="de-DE" sz="1800" dirty="0"/>
               <a:t> </a:t>
             </a:r>
             <a:r>
-              <a:rPr lang="de-DE" dirty="0" err="1"/>
-              <a:t>document</a:t>
-            </a:r>
-            <a:r>
-              <a:rPr lang="de-DE" dirty="0"/>
+              <a:rPr lang="de-DE" sz="1800" dirty="0" err="1"/>
+              <a:t>some</a:t>
+            </a:r>
+            <a:r>
+              <a:rPr lang="de-DE" sz="1800" dirty="0"/>
               <a:t> </a:t>
             </a:r>
             <a:r>
-              <a:rPr lang="de-DE" dirty="0" err="1"/>
-              <a:t>summarization</a:t>
-            </a:r>
-            <a:endParaRPr lang="de-DE" dirty="0"/>
+              <a:rPr lang="de-DE" sz="1800" dirty="0" err="1"/>
+              <a:t>serious</a:t>
+            </a:r>
+            <a:r>
+              <a:rPr lang="de-DE" sz="1800" dirty="0"/>
+              <a:t> </a:t>
+            </a:r>
+            <a:r>
+              <a:rPr lang="de-DE" sz="1800" dirty="0" err="1"/>
+              <a:t>problems</a:t>
+            </a:r>
+            <a:r>
+              <a:rPr lang="de-DE" sz="1800" dirty="0"/>
+              <a:t> </a:t>
+            </a:r>
+            <a:r>
+              <a:rPr lang="de-DE" sz="1800" dirty="0" err="1"/>
+              <a:t>as</a:t>
+            </a:r>
+            <a:r>
+              <a:rPr lang="de-DE" sz="1800" dirty="0"/>
+              <a:t> </a:t>
+            </a:r>
+            <a:r>
+              <a:rPr lang="de-DE" sz="1800" dirty="0" err="1"/>
+              <a:t>well</a:t>
+            </a:r>
+            <a:r>
+              <a:rPr lang="de-DE" sz="1800" dirty="0"/>
+              <a:t>, such </a:t>
+            </a:r>
+            <a:r>
+              <a:rPr lang="de-DE" sz="1800" dirty="0" err="1"/>
+              <a:t>as</a:t>
+            </a:r>
+            <a:r>
+              <a:rPr lang="de-DE" sz="1800" dirty="0"/>
+              <a:t> </a:t>
+            </a:r>
+            <a:r>
+              <a:rPr lang="de-DE" sz="1800" dirty="0" err="1"/>
+              <a:t>drug</a:t>
+            </a:r>
+            <a:r>
+              <a:rPr lang="de-DE" sz="1800" dirty="0"/>
+              <a:t> </a:t>
+            </a:r>
+            <a:r>
+              <a:rPr lang="de-DE" sz="1800" dirty="0" err="1"/>
+              <a:t>abuse</a:t>
+            </a:r>
+            <a:r>
+              <a:rPr lang="de-DE" sz="1800" dirty="0"/>
+              <a:t>, </a:t>
+            </a:r>
+            <a:r>
+              <a:rPr lang="de-DE" sz="1800" dirty="0" err="1"/>
+              <a:t>alcohol</a:t>
+            </a:r>
+            <a:r>
+              <a:rPr lang="de-DE" sz="1800" dirty="0"/>
+              <a:t> </a:t>
+            </a:r>
+            <a:r>
+              <a:rPr lang="de-DE" sz="1800" dirty="0" err="1"/>
+              <a:t>abuse</a:t>
+            </a:r>
+            <a:r>
+              <a:rPr lang="de-DE" sz="1800" dirty="0"/>
+              <a:t>, </a:t>
+            </a:r>
+            <a:r>
+              <a:rPr lang="de-DE" sz="1800" dirty="0" err="1"/>
+              <a:t>criminal</a:t>
+            </a:r>
+            <a:r>
+              <a:rPr lang="de-DE" sz="1800" dirty="0"/>
+              <a:t> </a:t>
+            </a:r>
+            <a:r>
+              <a:rPr lang="de-DE" sz="1800" dirty="0" err="1"/>
+              <a:t>involvement</a:t>
+            </a:r>
+            <a:r>
+              <a:rPr lang="de-DE" sz="1800" dirty="0"/>
+              <a:t>, </a:t>
+            </a:r>
+            <a:r>
+              <a:rPr lang="de-DE" sz="1800" dirty="0" err="1"/>
+              <a:t>and</a:t>
+            </a:r>
+            <a:r>
+              <a:rPr lang="de-DE" sz="1800" dirty="0"/>
+              <a:t> </a:t>
+            </a:r>
+            <a:r>
+              <a:rPr lang="de-DE" sz="1800" dirty="0" err="1"/>
+              <a:t>domestic</a:t>
+            </a:r>
+            <a:r>
+              <a:rPr lang="de-DE" sz="1800" dirty="0"/>
+              <a:t> </a:t>
+            </a:r>
+            <a:r>
+              <a:rPr lang="de-DE" sz="1800" dirty="0" err="1"/>
+              <a:t>violence</a:t>
+            </a:r>
+            <a:r>
+              <a:rPr lang="de-DE" sz="1800" dirty="0"/>
+              <a:t>.</a:t>
+            </a:r>
+          </a:p>
+          <a:p>
+            <a:r>
+              <a:rPr lang="de-DE" sz="1800" dirty="0" err="1"/>
+              <a:t>teen</a:t>
+            </a:r>
+            <a:r>
+              <a:rPr lang="de-DE" sz="1800" dirty="0"/>
+              <a:t> </a:t>
+            </a:r>
+            <a:r>
+              <a:rPr lang="de-DE" sz="1800" dirty="0" err="1"/>
+              <a:t>discipline</a:t>
+            </a:r>
+            <a:r>
+              <a:rPr lang="de-DE" sz="1800" dirty="0"/>
+              <a:t>, </a:t>
+            </a:r>
+            <a:r>
+              <a:rPr lang="de-DE" sz="1800" dirty="0" err="1"/>
+              <a:t>teen</a:t>
+            </a:r>
+            <a:r>
+              <a:rPr lang="de-DE" sz="1800" dirty="0"/>
+              <a:t> </a:t>
+            </a:r>
+            <a:r>
+              <a:rPr lang="de-DE" sz="1800" dirty="0" err="1"/>
+              <a:t>boot</a:t>
+            </a:r>
+            <a:r>
+              <a:rPr lang="de-DE" sz="1800" dirty="0"/>
+              <a:t> camp, </a:t>
+            </a:r>
+            <a:r>
+              <a:rPr lang="de-DE" sz="1800" dirty="0" err="1"/>
+              <a:t>alcohol</a:t>
+            </a:r>
+            <a:r>
+              <a:rPr lang="de-DE" sz="1800" dirty="0"/>
+              <a:t> </a:t>
+            </a:r>
+            <a:r>
+              <a:rPr lang="de-DE" sz="1800" dirty="0" err="1"/>
+              <a:t>abuse</a:t>
+            </a:r>
+            <a:r>
+              <a:rPr lang="de-DE" sz="1800" dirty="0"/>
+              <a:t>, Binge </a:t>
+            </a:r>
+            <a:r>
+              <a:rPr lang="de-DE" sz="1800" dirty="0" err="1"/>
+              <a:t>Drinking</a:t>
+            </a:r>
+            <a:r>
+              <a:rPr lang="de-DE" sz="1800" dirty="0"/>
+              <a:t>, </a:t>
+            </a:r>
+            <a:r>
+              <a:rPr lang="de-DE" sz="1800" dirty="0" err="1"/>
+              <a:t>Substance</a:t>
+            </a:r>
+            <a:r>
+              <a:rPr lang="de-DE" sz="1800" dirty="0"/>
+              <a:t> </a:t>
+            </a:r>
+            <a:r>
+              <a:rPr lang="de-DE" sz="1800" dirty="0" err="1"/>
+              <a:t>Abuse</a:t>
+            </a:r>
+            <a:r>
+              <a:rPr lang="de-DE" sz="1800" dirty="0"/>
+              <a:t>, </a:t>
+            </a:r>
+            <a:r>
+              <a:rPr lang="de-DE" sz="1800" dirty="0" err="1"/>
+              <a:t>Addiction</a:t>
+            </a:r>
+            <a:r>
+              <a:rPr lang="de-DE" sz="1800" dirty="0"/>
+              <a:t>, </a:t>
+            </a:r>
+            <a:r>
+              <a:rPr lang="de-DE" sz="1800" dirty="0" err="1"/>
+              <a:t>bad</a:t>
+            </a:r>
+            <a:r>
+              <a:rPr lang="de-DE" sz="1800" dirty="0"/>
+              <a:t> </a:t>
+            </a:r>
+            <a:r>
+              <a:rPr lang="de-DE" sz="1800" dirty="0" err="1"/>
+              <a:t>behavior</a:t>
+            </a:r>
+            <a:r>
+              <a:rPr lang="de-DE" sz="1800" dirty="0"/>
+              <a:t>, </a:t>
+            </a:r>
+            <a:r>
+              <a:rPr lang="de-DE" sz="1800" dirty="0" err="1"/>
+              <a:t>boot</a:t>
+            </a:r>
+            <a:r>
+              <a:rPr lang="de-DE" sz="1800" dirty="0"/>
+              <a:t> camp, </a:t>
+            </a:r>
+            <a:r>
+              <a:rPr lang="de-DE" sz="1800" dirty="0" err="1"/>
+              <a:t>children</a:t>
+            </a:r>
+            <a:r>
+              <a:rPr lang="de-DE" sz="1800" dirty="0"/>
+              <a:t> </a:t>
+            </a:r>
+            <a:r>
+              <a:rPr lang="de-DE" sz="1800" dirty="0" err="1"/>
+              <a:t>respect</a:t>
+            </a:r>
+            <a:r>
+              <a:rPr lang="de-DE" sz="1800" dirty="0"/>
+              <a:t>, </a:t>
+            </a:r>
+            <a:r>
+              <a:rPr lang="de-DE" sz="1800" dirty="0" err="1"/>
+              <a:t>parenting</a:t>
+            </a:r>
+            <a:r>
+              <a:rPr lang="de-DE" sz="1800" dirty="0"/>
+              <a:t> </a:t>
+            </a:r>
+            <a:r>
+              <a:rPr lang="de-DE" sz="1800" dirty="0" err="1"/>
+              <a:t>tips</a:t>
+            </a:r>
+            <a:r>
+              <a:rPr lang="de-DE" sz="1800" dirty="0"/>
+              <a:t>, aggressive </a:t>
+            </a:r>
+            <a:r>
+              <a:rPr lang="de-DE" sz="1800" dirty="0" err="1"/>
+              <a:t>behavior</a:t>
+            </a:r>
+            <a:r>
+              <a:rPr lang="de-DE" sz="1800" dirty="0"/>
+              <a:t>, James Lehman, Total Transformation </a:t>
+            </a:r>
+            <a:r>
+              <a:rPr lang="de-DE" sz="1800" dirty="0" err="1"/>
+              <a:t>Individuals</a:t>
+            </a:r>
+            <a:r>
+              <a:rPr lang="de-DE" sz="1800" dirty="0"/>
+              <a:t> </a:t>
+            </a:r>
+            <a:r>
+              <a:rPr lang="de-DE" sz="1800" dirty="0" err="1"/>
+              <a:t>suffering</a:t>
+            </a:r>
+            <a:r>
+              <a:rPr lang="de-DE" sz="1800" dirty="0"/>
+              <a:t> </a:t>
+            </a:r>
+            <a:r>
+              <a:rPr lang="de-DE" sz="1800" dirty="0" err="1"/>
+              <a:t>from</a:t>
+            </a:r>
+            <a:r>
+              <a:rPr lang="de-DE" sz="1800" dirty="0"/>
+              <a:t> mental </a:t>
+            </a:r>
+            <a:r>
+              <a:rPr lang="de-DE" sz="1800" dirty="0" err="1"/>
+              <a:t>health</a:t>
+            </a:r>
+            <a:r>
+              <a:rPr lang="de-DE" sz="1800" dirty="0"/>
+              <a:t> </a:t>
+            </a:r>
+            <a:r>
+              <a:rPr lang="de-DE" sz="1800" dirty="0" err="1"/>
+              <a:t>disorders</a:t>
+            </a:r>
+            <a:r>
+              <a:rPr lang="de-DE" sz="1800" dirty="0"/>
+              <a:t> </a:t>
+            </a:r>
+            <a:r>
+              <a:rPr lang="de-DE" sz="1800" dirty="0" err="1"/>
+              <a:t>may</a:t>
+            </a:r>
+            <a:r>
+              <a:rPr lang="de-DE" sz="1800" dirty="0"/>
+              <a:t> </a:t>
+            </a:r>
+            <a:r>
+              <a:rPr lang="de-DE" sz="1800" dirty="0" err="1"/>
+              <a:t>use</a:t>
+            </a:r>
+            <a:r>
+              <a:rPr lang="de-DE" sz="1800" dirty="0"/>
+              <a:t> </a:t>
+            </a:r>
+            <a:r>
+              <a:rPr lang="de-DE" sz="1800" dirty="0" err="1"/>
+              <a:t>alcohol</a:t>
+            </a:r>
+            <a:r>
+              <a:rPr lang="de-DE" sz="1800" dirty="0"/>
+              <a:t> </a:t>
+            </a:r>
+            <a:r>
+              <a:rPr lang="de-DE" sz="1800" dirty="0" err="1"/>
+              <a:t>and</a:t>
+            </a:r>
+            <a:r>
+              <a:rPr lang="de-DE" sz="1800" dirty="0"/>
+              <a:t> </a:t>
+            </a:r>
+            <a:r>
+              <a:rPr lang="de-DE" sz="1800" dirty="0" err="1"/>
+              <a:t>illicit</a:t>
+            </a:r>
+            <a:r>
+              <a:rPr lang="de-DE" sz="1800" dirty="0"/>
+              <a:t> </a:t>
+            </a:r>
+            <a:r>
+              <a:rPr lang="de-DE" sz="1800" dirty="0" err="1"/>
+              <a:t>drugs</a:t>
+            </a:r>
+            <a:r>
+              <a:rPr lang="de-DE" sz="1800" dirty="0"/>
+              <a:t> </a:t>
+            </a:r>
+            <a:r>
+              <a:rPr lang="de-DE" sz="1800" dirty="0" err="1"/>
+              <a:t>to</a:t>
+            </a:r>
+            <a:r>
+              <a:rPr lang="de-DE" sz="1800" dirty="0"/>
+              <a:t> </a:t>
+            </a:r>
+            <a:r>
+              <a:rPr lang="de-DE" sz="1800" dirty="0" err="1"/>
+              <a:t>decrease</a:t>
+            </a:r>
+            <a:r>
+              <a:rPr lang="de-DE" sz="1800" dirty="0"/>
+              <a:t> </a:t>
+            </a:r>
+            <a:r>
+              <a:rPr lang="de-DE" sz="1800" dirty="0" err="1"/>
+              <a:t>or</a:t>
+            </a:r>
+            <a:r>
+              <a:rPr lang="de-DE" sz="1800" dirty="0"/>
+              <a:t> </a:t>
+            </a:r>
+            <a:r>
+              <a:rPr lang="de-DE" sz="1800" dirty="0" err="1"/>
+              <a:t>mitigate</a:t>
+            </a:r>
+            <a:r>
+              <a:rPr lang="de-DE" sz="1800" dirty="0"/>
+              <a:t> </a:t>
+            </a:r>
+            <a:r>
+              <a:rPr lang="de-DE" sz="1800" dirty="0" err="1"/>
+              <a:t>their</a:t>
+            </a:r>
+            <a:r>
+              <a:rPr lang="de-DE" sz="1800" dirty="0"/>
+              <a:t> </a:t>
+            </a:r>
+            <a:r>
+              <a:rPr lang="de-DE" sz="1800" dirty="0" err="1"/>
+              <a:t>psychological</a:t>
+            </a:r>
+            <a:r>
+              <a:rPr lang="de-DE" sz="1800" dirty="0"/>
+              <a:t> </a:t>
+            </a:r>
+            <a:r>
+              <a:rPr lang="de-DE" sz="1800" dirty="0" err="1"/>
+              <a:t>distress</a:t>
+            </a:r>
+            <a:r>
+              <a:rPr lang="de-DE" sz="1800" dirty="0"/>
+              <a:t> 16 .</a:t>
+            </a:r>
+            <a:endParaRPr lang="de-DE" sz="1800" dirty="0"/>
           </a:p>
         </p:txBody>
       </p:sp>
@@ -31543,7 +31963,7 @@
           <p:cNvPr id="5" name="Pfeil: Chevron 4">
             <a:extLst>
               <a:ext uri="{FF2B5EF4-FFF2-40B4-BE49-F238E27FC236}">
-                <a16:creationId xmlns="" xmlns:a16="http://schemas.microsoft.com/office/drawing/2014/main" id="{FE16A436-3EBF-406A-A452-2785E92CA870}"/>
+                <a16:creationId xmlns:a16="http://schemas.microsoft.com/office/drawing/2014/main" xmlns="" id="{FE16A436-3EBF-406A-A452-2785E92CA870}"/>
               </a:ext>
             </a:extLst>
           </p:cNvPr>
@@ -31586,7 +32006,12 @@
           </a:fontRef>
         </p:style>
         <p:txBody>
-          <a:bodyPr rtlCol="0" anchor="ctr"/>
+          <a:bodyPr rot="0" spcFirstLastPara="0" vertOverflow="overflow" horzOverflow="overflow" vert="horz" wrap="square" lIns="91440" tIns="45720" rIns="91440" bIns="45720" numCol="1" spcCol="0" rtlCol="0" fromWordArt="0" anchor="ctr" anchorCtr="0" forceAA="0" compatLnSpc="1">
+            <a:prstTxWarp prst="textNoShape">
+              <a:avLst/>
+            </a:prstTxWarp>
+            <a:noAutofit/>
+          </a:bodyPr>
           <a:lstStyle/>
           <a:p>
             <a:pPr algn="ctr"/>
@@ -31608,7 +32033,7 @@
           <p:cNvPr id="6" name="Pfeil: Chevron 5">
             <a:extLst>
               <a:ext uri="{FF2B5EF4-FFF2-40B4-BE49-F238E27FC236}">
-                <a16:creationId xmlns="" xmlns:a16="http://schemas.microsoft.com/office/drawing/2014/main" id="{4B425B4C-53B0-4FDA-90C8-3EAE519EFFB2}"/>
+                <a16:creationId xmlns:a16="http://schemas.microsoft.com/office/drawing/2014/main" xmlns="" id="{4B425B4C-53B0-4FDA-90C8-3EAE519EFFB2}"/>
               </a:ext>
             </a:extLst>
           </p:cNvPr>
@@ -31678,7 +32103,1416 @@
           <p:cNvPr id="7" name="Pfeil: Chevron 6">
             <a:extLst>
               <a:ext uri="{FF2B5EF4-FFF2-40B4-BE49-F238E27FC236}">
-                <a16:creationId xmlns="" xmlns:a16="http://schemas.microsoft.com/office/drawing/2014/main" id="{14F5353B-3EA0-4F48-A473-08D522F34D71}"/>
+                <a16:creationId xmlns:a16="http://schemas.microsoft.com/office/drawing/2014/main" xmlns="" id="{14F5353B-3EA0-4F48-A473-08D522F34D71}"/>
+              </a:ext>
+            </a:extLst>
+          </p:cNvPr>
+          <p:cNvSpPr/>
+          <p:nvPr/>
+        </p:nvSpPr>
+        <p:spPr>
+          <a:xfrm>
+            <a:off x="6732480" y="1591446"/>
+            <a:ext cx="2160000" cy="270000"/>
+          </a:xfrm>
+          <a:prstGeom prst="chevron">
+            <a:avLst/>
+          </a:prstGeom>
+          <a:solidFill>
+            <a:srgbClr val="9C1C26"/>
+          </a:solidFill>
+          <a:ln w="6350">
+            <a:solidFill>
+              <a:schemeClr val="tx1"/>
+            </a:solidFill>
+          </a:ln>
+        </p:spPr>
+        <p:style>
+          <a:lnRef idx="2">
+            <a:schemeClr val="accent1">
+              <a:shade val="50000"/>
+            </a:schemeClr>
+          </a:lnRef>
+          <a:fillRef idx="1">
+            <a:schemeClr val="accent1"/>
+          </a:fillRef>
+          <a:effectRef idx="0">
+            <a:schemeClr val="accent1"/>
+          </a:effectRef>
+          <a:fontRef idx="minor">
+            <a:schemeClr val="lt1"/>
+          </a:fontRef>
+        </p:style>
+        <p:txBody>
+          <a:bodyPr rot="0" spcFirstLastPara="0" vertOverflow="overflow" horzOverflow="overflow" vert="horz" wrap="square" lIns="91440" tIns="45720" rIns="91440" bIns="45720" numCol="1" spcCol="0" rtlCol="0" fromWordArt="0" anchor="ctr" anchorCtr="0" forceAA="0" compatLnSpc="1">
+            <a:prstTxWarp prst="textNoShape">
+              <a:avLst/>
+            </a:prstTxWarp>
+            <a:noAutofit/>
+          </a:bodyPr>
+          <a:lstStyle/>
+          <a:p>
+            <a:pPr algn="ctr"/>
+            <a:r>
+              <a:rPr lang="de-DE" sz="1400" dirty="0" err="1">
+                <a:solidFill>
+                  <a:schemeClr val="bg1"/>
+                </a:solidFill>
+              </a:rPr>
+              <a:t>Result</a:t>
+            </a:r>
+            <a:endParaRPr lang="de-DE" sz="1400" dirty="0">
+              <a:solidFill>
+                <a:schemeClr val="bg1"/>
+              </a:solidFill>
+            </a:endParaRPr>
+          </a:p>
+        </p:txBody>
+      </p:sp>
+      <p:sp>
+        <p:nvSpPr>
+          <p:cNvPr id="8" name="Pfeil: Chevron 7">
+            <a:extLst>
+              <a:ext uri="{FF2B5EF4-FFF2-40B4-BE49-F238E27FC236}">
+                <a16:creationId xmlns:a16="http://schemas.microsoft.com/office/drawing/2014/main" xmlns="" id="{655E865C-680E-47F4-9F87-B4EB179E321D}"/>
+              </a:ext>
+            </a:extLst>
+          </p:cNvPr>
+          <p:cNvSpPr/>
+          <p:nvPr/>
+        </p:nvSpPr>
+        <p:spPr>
+          <a:xfrm>
+            <a:off x="358774" y="1591446"/>
+            <a:ext cx="2160000" cy="270000"/>
+          </a:xfrm>
+          <a:prstGeom prst="chevron">
+            <a:avLst/>
+          </a:prstGeom>
+          <a:solidFill>
+            <a:schemeClr val="bg1"/>
+          </a:solidFill>
+          <a:ln w="6350">
+            <a:solidFill>
+              <a:schemeClr val="bg1">
+                <a:lumMod val="65000"/>
+              </a:schemeClr>
+            </a:solidFill>
+          </a:ln>
+        </p:spPr>
+        <p:style>
+          <a:lnRef idx="2">
+            <a:schemeClr val="accent1">
+              <a:shade val="50000"/>
+            </a:schemeClr>
+          </a:lnRef>
+          <a:fillRef idx="1">
+            <a:schemeClr val="accent1"/>
+          </a:fillRef>
+          <a:effectRef idx="0">
+            <a:schemeClr val="accent1"/>
+          </a:effectRef>
+          <a:fontRef idx="minor">
+            <a:schemeClr val="lt1"/>
+          </a:fontRef>
+        </p:style>
+        <p:txBody>
+          <a:bodyPr rot="0" spcFirstLastPara="0" vertOverflow="overflow" horzOverflow="overflow" vert="horz" wrap="square" lIns="91440" tIns="45720" rIns="91440" bIns="45720" numCol="1" spcCol="0" rtlCol="0" fromWordArt="0" anchor="ctr" anchorCtr="0" forceAA="0" compatLnSpc="1">
+            <a:prstTxWarp prst="textNoShape">
+              <a:avLst/>
+            </a:prstTxWarp>
+            <a:noAutofit/>
+          </a:bodyPr>
+          <a:lstStyle/>
+          <a:p>
+            <a:pPr algn="ctr"/>
+            <a:r>
+              <a:rPr lang="de-DE" sz="1400" dirty="0">
+                <a:solidFill>
+                  <a:schemeClr val="bg1">
+                    <a:lumMod val="65000"/>
+                  </a:schemeClr>
+                </a:solidFill>
+              </a:rPr>
+              <a:t>Situation</a:t>
+            </a:r>
+          </a:p>
+        </p:txBody>
+      </p:sp>
+    </p:spTree>
+    <p:extLst>
+      <p:ext uri="{BB962C8B-B14F-4D97-AF65-F5344CB8AC3E}">
+        <p14:creationId xmlns:p14="http://schemas.microsoft.com/office/powerpoint/2010/main" val="1367615360"/>
+      </p:ext>
+    </p:extLst>
+  </p:cSld>
+  <p:clrMapOvr>
+    <a:masterClrMapping/>
+  </p:clrMapOvr>
+</p:sld>
+</file>
+
+<file path=ppt/slides/slide36.xml><?xml version="1.0" encoding="utf-8"?>
+<p:sld xmlns:a="http://schemas.openxmlformats.org/drawingml/2006/main" xmlns:r="http://schemas.openxmlformats.org/officeDocument/2006/relationships" xmlns:p="http://schemas.openxmlformats.org/presentationml/2006/main">
+  <p:cSld>
+    <p:spTree>
+      <p:nvGrpSpPr>
+        <p:cNvPr id="1" name=""/>
+        <p:cNvGrpSpPr/>
+        <p:nvPr/>
+      </p:nvGrpSpPr>
+      <p:grpSpPr>
+        <a:xfrm>
+          <a:off x="0" y="0"/>
+          <a:ext cx="0" cy="0"/>
+          <a:chOff x="0" y="0"/>
+          <a:chExt cx="0" cy="0"/>
+        </a:xfrm>
+      </p:grpSpPr>
+      <p:sp>
+        <p:nvSpPr>
+          <p:cNvPr id="2" name="Titel 1">
+            <a:extLst>
+              <a:ext uri="{FF2B5EF4-FFF2-40B4-BE49-F238E27FC236}">
+                <a16:creationId xmlns:a16="http://schemas.microsoft.com/office/drawing/2014/main" xmlns="" id="{594F37A0-8FD9-42A4-A80F-4C479182787E}"/>
+              </a:ext>
+            </a:extLst>
+          </p:cNvPr>
+          <p:cNvSpPr>
+            <a:spLocks noGrp="1"/>
+          </p:cNvSpPr>
+          <p:nvPr>
+            <p:ph type="title"/>
+          </p:nvPr>
+        </p:nvSpPr>
+        <p:spPr/>
+        <p:txBody>
+          <a:bodyPr/>
+          <a:lstStyle/>
+          <a:p>
+            <a:r>
+              <a:rPr lang="de-DE" dirty="0"/>
+              <a:t>E</a:t>
+            </a:r>
+            <a:r>
+              <a:rPr lang="de-DE" dirty="0" smtClean="0"/>
+              <a:t>valuation</a:t>
+            </a:r>
+            <a:endParaRPr lang="de-DE" dirty="0"/>
+          </a:p>
+        </p:txBody>
+      </p:sp>
+      <p:sp>
+        <p:nvSpPr>
+          <p:cNvPr id="3" name="Inhaltsplatzhalter 2">
+            <a:extLst>
+              <a:ext uri="{FF2B5EF4-FFF2-40B4-BE49-F238E27FC236}">
+                <a16:creationId xmlns:a16="http://schemas.microsoft.com/office/drawing/2014/main" xmlns="" id="{B201CE33-F1D7-423B-B373-1D449812B3D5}"/>
+              </a:ext>
+            </a:extLst>
+          </p:cNvPr>
+          <p:cNvSpPr>
+            <a:spLocks noGrp="1"/>
+          </p:cNvSpPr>
+          <p:nvPr>
+            <p:ph idx="1"/>
+          </p:nvPr>
+        </p:nvSpPr>
+        <p:spPr/>
+        <p:txBody>
+          <a:bodyPr/>
+          <a:lstStyle/>
+          <a:p>
+            <a:r>
+              <a:rPr lang="de-DE" b="1" dirty="0" err="1" smtClean="0"/>
+              <a:t>Our</a:t>
+            </a:r>
+            <a:r>
+              <a:rPr lang="de-DE" b="1" dirty="0" smtClean="0"/>
+              <a:t> </a:t>
+            </a:r>
+            <a:r>
+              <a:rPr lang="de-DE" b="1" dirty="0" err="1" smtClean="0"/>
+              <a:t>best</a:t>
+            </a:r>
+            <a:r>
+              <a:rPr lang="de-DE" b="1" dirty="0" smtClean="0"/>
+              <a:t> </a:t>
+            </a:r>
+            <a:r>
+              <a:rPr lang="de-DE" b="1" dirty="0" err="1" smtClean="0"/>
+              <a:t>summary</a:t>
+            </a:r>
+            <a:r>
+              <a:rPr lang="de-DE" b="1" dirty="0" smtClean="0"/>
+              <a:t> (Topic 1007):</a:t>
+            </a:r>
+          </a:p>
+          <a:p>
+            <a:endParaRPr lang="de-DE" dirty="0"/>
+          </a:p>
+          <a:p>
+            <a:r>
+              <a:rPr lang="en-US" sz="1800" dirty="0"/>
+              <a:t>Fears and Phobias can be resolved with hypnosis and hypnotherapy Hypnotherapy is an ideal option because it is safe, effective, and non-invasive.</a:t>
+            </a:r>
+          </a:p>
+          <a:p>
+            <a:r>
+              <a:rPr lang="en-US" sz="1800" dirty="0"/>
+              <a:t>If a parent is afraid of spiders then a child can learn that fear and it could develop into a phobia.</a:t>
+            </a:r>
+          </a:p>
+          <a:p>
+            <a:r>
+              <a:rPr lang="en-US" sz="1800" dirty="0"/>
+              <a:t>Hypnotherapy is effective at helping you to overcome your fear by treating the anxiety caused by the trigger, and by re-training the mind to remember the original trigger in a way that does not create anxiety.</a:t>
+            </a:r>
+          </a:p>
+          <a:p>
+            <a:r>
+              <a:rPr lang="en-US" sz="1800" dirty="0"/>
+              <a:t>Medication can be very effective in treating phobias, especially social phobia and agoraphobia.</a:t>
+            </a:r>
+            <a:endParaRPr lang="de-DE" sz="1800" dirty="0"/>
+          </a:p>
+        </p:txBody>
+      </p:sp>
+      <p:sp>
+        <p:nvSpPr>
+          <p:cNvPr id="5" name="Pfeil: Chevron 4">
+            <a:extLst>
+              <a:ext uri="{FF2B5EF4-FFF2-40B4-BE49-F238E27FC236}">
+                <a16:creationId xmlns:a16="http://schemas.microsoft.com/office/drawing/2014/main" xmlns="" id="{FE16A436-3EBF-406A-A452-2785E92CA870}"/>
+              </a:ext>
+            </a:extLst>
+          </p:cNvPr>
+          <p:cNvSpPr/>
+          <p:nvPr/>
+        </p:nvSpPr>
+        <p:spPr>
+          <a:xfrm>
+            <a:off x="2483343" y="1591446"/>
+            <a:ext cx="2160000" cy="270000"/>
+          </a:xfrm>
+          <a:prstGeom prst="chevron">
+            <a:avLst/>
+          </a:prstGeom>
+          <a:solidFill>
+            <a:schemeClr val="bg1"/>
+          </a:solidFill>
+          <a:ln w="6350">
+            <a:solidFill>
+              <a:schemeClr val="bg1">
+                <a:lumMod val="65000"/>
+              </a:schemeClr>
+            </a:solidFill>
+          </a:ln>
+        </p:spPr>
+        <p:style>
+          <a:lnRef idx="2">
+            <a:schemeClr val="accent1">
+              <a:shade val="50000"/>
+            </a:schemeClr>
+          </a:lnRef>
+          <a:fillRef idx="1">
+            <a:schemeClr val="accent1"/>
+          </a:fillRef>
+          <a:effectRef idx="0">
+            <a:schemeClr val="accent1"/>
+          </a:effectRef>
+          <a:fontRef idx="minor">
+            <a:schemeClr val="lt1"/>
+          </a:fontRef>
+        </p:style>
+        <p:txBody>
+          <a:bodyPr rot="0" spcFirstLastPara="0" vertOverflow="overflow" horzOverflow="overflow" vert="horz" wrap="square" lIns="91440" tIns="45720" rIns="91440" bIns="45720" numCol="1" spcCol="0" rtlCol="0" fromWordArt="0" anchor="ctr" anchorCtr="0" forceAA="0" compatLnSpc="1">
+            <a:prstTxWarp prst="textNoShape">
+              <a:avLst/>
+            </a:prstTxWarp>
+            <a:noAutofit/>
+          </a:bodyPr>
+          <a:lstStyle/>
+          <a:p>
+            <a:pPr algn="ctr"/>
+            <a:r>
+              <a:rPr lang="de-DE" sz="1400" dirty="0">
+                <a:solidFill>
+                  <a:schemeClr val="bg1">
+                    <a:lumMod val="65000"/>
+                  </a:schemeClr>
+                </a:solidFill>
+              </a:rPr>
+              <a:t>Task</a:t>
+            </a:r>
+          </a:p>
+        </p:txBody>
+      </p:sp>
+      <p:sp>
+        <p:nvSpPr>
+          <p:cNvPr id="6" name="Pfeil: Chevron 5">
+            <a:extLst>
+              <a:ext uri="{FF2B5EF4-FFF2-40B4-BE49-F238E27FC236}">
+                <a16:creationId xmlns:a16="http://schemas.microsoft.com/office/drawing/2014/main" xmlns="" id="{4B425B4C-53B0-4FDA-90C8-3EAE519EFFB2}"/>
+              </a:ext>
+            </a:extLst>
+          </p:cNvPr>
+          <p:cNvSpPr/>
+          <p:nvPr/>
+        </p:nvSpPr>
+        <p:spPr>
+          <a:xfrm>
+            <a:off x="4607912" y="1591446"/>
+            <a:ext cx="2160000" cy="270000"/>
+          </a:xfrm>
+          <a:prstGeom prst="chevron">
+            <a:avLst/>
+          </a:prstGeom>
+          <a:solidFill>
+            <a:schemeClr val="bg1"/>
+          </a:solidFill>
+          <a:ln w="6350">
+            <a:solidFill>
+              <a:schemeClr val="bg1">
+                <a:lumMod val="65000"/>
+              </a:schemeClr>
+            </a:solidFill>
+          </a:ln>
+        </p:spPr>
+        <p:style>
+          <a:lnRef idx="2">
+            <a:schemeClr val="accent1">
+              <a:shade val="50000"/>
+            </a:schemeClr>
+          </a:lnRef>
+          <a:fillRef idx="1">
+            <a:schemeClr val="accent1"/>
+          </a:fillRef>
+          <a:effectRef idx="0">
+            <a:schemeClr val="accent1"/>
+          </a:effectRef>
+          <a:fontRef idx="minor">
+            <a:schemeClr val="lt1"/>
+          </a:fontRef>
+        </p:style>
+        <p:txBody>
+          <a:bodyPr rot="0" spcFirstLastPara="0" vertOverflow="overflow" horzOverflow="overflow" vert="horz" wrap="square" lIns="91440" tIns="45720" rIns="91440" bIns="45720" numCol="1" spcCol="0" rtlCol="0" fromWordArt="0" anchor="ctr" anchorCtr="0" forceAA="0" compatLnSpc="1">
+            <a:prstTxWarp prst="textNoShape">
+              <a:avLst/>
+            </a:prstTxWarp>
+            <a:noAutofit/>
+          </a:bodyPr>
+          <a:lstStyle/>
+          <a:p>
+            <a:pPr algn="ctr"/>
+            <a:r>
+              <a:rPr lang="de-DE" sz="1400" dirty="0">
+                <a:solidFill>
+                  <a:schemeClr val="bg1">
+                    <a:lumMod val="65000"/>
+                  </a:schemeClr>
+                </a:solidFill>
+              </a:rPr>
+              <a:t>Action</a:t>
+            </a:r>
+          </a:p>
+        </p:txBody>
+      </p:sp>
+      <p:sp>
+        <p:nvSpPr>
+          <p:cNvPr id="7" name="Pfeil: Chevron 6">
+            <a:extLst>
+              <a:ext uri="{FF2B5EF4-FFF2-40B4-BE49-F238E27FC236}">
+                <a16:creationId xmlns:a16="http://schemas.microsoft.com/office/drawing/2014/main" xmlns="" id="{14F5353B-3EA0-4F48-A473-08D522F34D71}"/>
+              </a:ext>
+            </a:extLst>
+          </p:cNvPr>
+          <p:cNvSpPr/>
+          <p:nvPr/>
+        </p:nvSpPr>
+        <p:spPr>
+          <a:xfrm>
+            <a:off x="6732480" y="1591446"/>
+            <a:ext cx="2160000" cy="270000"/>
+          </a:xfrm>
+          <a:prstGeom prst="chevron">
+            <a:avLst/>
+          </a:prstGeom>
+          <a:solidFill>
+            <a:srgbClr val="9C1C26"/>
+          </a:solidFill>
+          <a:ln w="6350">
+            <a:solidFill>
+              <a:schemeClr val="tx1"/>
+            </a:solidFill>
+          </a:ln>
+        </p:spPr>
+        <p:style>
+          <a:lnRef idx="2">
+            <a:schemeClr val="accent1">
+              <a:shade val="50000"/>
+            </a:schemeClr>
+          </a:lnRef>
+          <a:fillRef idx="1">
+            <a:schemeClr val="accent1"/>
+          </a:fillRef>
+          <a:effectRef idx="0">
+            <a:schemeClr val="accent1"/>
+          </a:effectRef>
+          <a:fontRef idx="minor">
+            <a:schemeClr val="lt1"/>
+          </a:fontRef>
+        </p:style>
+        <p:txBody>
+          <a:bodyPr rot="0" spcFirstLastPara="0" vertOverflow="overflow" horzOverflow="overflow" vert="horz" wrap="square" lIns="91440" tIns="45720" rIns="91440" bIns="45720" numCol="1" spcCol="0" rtlCol="0" fromWordArt="0" anchor="ctr" anchorCtr="0" forceAA="0" compatLnSpc="1">
+            <a:prstTxWarp prst="textNoShape">
+              <a:avLst/>
+            </a:prstTxWarp>
+            <a:noAutofit/>
+          </a:bodyPr>
+          <a:lstStyle/>
+          <a:p>
+            <a:pPr algn="ctr"/>
+            <a:r>
+              <a:rPr lang="de-DE" sz="1400" dirty="0" err="1">
+                <a:solidFill>
+                  <a:schemeClr val="bg1"/>
+                </a:solidFill>
+              </a:rPr>
+              <a:t>Result</a:t>
+            </a:r>
+            <a:endParaRPr lang="de-DE" sz="1400" dirty="0">
+              <a:solidFill>
+                <a:schemeClr val="bg1"/>
+              </a:solidFill>
+            </a:endParaRPr>
+          </a:p>
+        </p:txBody>
+      </p:sp>
+      <p:sp>
+        <p:nvSpPr>
+          <p:cNvPr id="8" name="Pfeil: Chevron 7">
+            <a:extLst>
+              <a:ext uri="{FF2B5EF4-FFF2-40B4-BE49-F238E27FC236}">
+                <a16:creationId xmlns:a16="http://schemas.microsoft.com/office/drawing/2014/main" xmlns="" id="{655E865C-680E-47F4-9F87-B4EB179E321D}"/>
+              </a:ext>
+            </a:extLst>
+          </p:cNvPr>
+          <p:cNvSpPr/>
+          <p:nvPr/>
+        </p:nvSpPr>
+        <p:spPr>
+          <a:xfrm>
+            <a:off x="358774" y="1591446"/>
+            <a:ext cx="2160000" cy="270000"/>
+          </a:xfrm>
+          <a:prstGeom prst="chevron">
+            <a:avLst/>
+          </a:prstGeom>
+          <a:solidFill>
+            <a:schemeClr val="bg1"/>
+          </a:solidFill>
+          <a:ln w="6350">
+            <a:solidFill>
+              <a:schemeClr val="bg1">
+                <a:lumMod val="65000"/>
+              </a:schemeClr>
+            </a:solidFill>
+          </a:ln>
+        </p:spPr>
+        <p:style>
+          <a:lnRef idx="2">
+            <a:schemeClr val="accent1">
+              <a:shade val="50000"/>
+            </a:schemeClr>
+          </a:lnRef>
+          <a:fillRef idx="1">
+            <a:schemeClr val="accent1"/>
+          </a:fillRef>
+          <a:effectRef idx="0">
+            <a:schemeClr val="accent1"/>
+          </a:effectRef>
+          <a:fontRef idx="minor">
+            <a:schemeClr val="lt1"/>
+          </a:fontRef>
+        </p:style>
+        <p:txBody>
+          <a:bodyPr rot="0" spcFirstLastPara="0" vertOverflow="overflow" horzOverflow="overflow" vert="horz" wrap="square" lIns="91440" tIns="45720" rIns="91440" bIns="45720" numCol="1" spcCol="0" rtlCol="0" fromWordArt="0" anchor="ctr" anchorCtr="0" forceAA="0" compatLnSpc="1">
+            <a:prstTxWarp prst="textNoShape">
+              <a:avLst/>
+            </a:prstTxWarp>
+            <a:noAutofit/>
+          </a:bodyPr>
+          <a:lstStyle/>
+          <a:p>
+            <a:pPr algn="ctr"/>
+            <a:r>
+              <a:rPr lang="de-DE" sz="1400" dirty="0">
+                <a:solidFill>
+                  <a:schemeClr val="bg1">
+                    <a:lumMod val="65000"/>
+                  </a:schemeClr>
+                </a:solidFill>
+              </a:rPr>
+              <a:t>Situation</a:t>
+            </a:r>
+          </a:p>
+        </p:txBody>
+      </p:sp>
+    </p:spTree>
+    <p:extLst>
+      <p:ext uri="{BB962C8B-B14F-4D97-AF65-F5344CB8AC3E}">
+        <p14:creationId xmlns:p14="http://schemas.microsoft.com/office/powerpoint/2010/main" val="3836036945"/>
+      </p:ext>
+    </p:extLst>
+  </p:cSld>
+  <p:clrMapOvr>
+    <a:masterClrMapping/>
+  </p:clrMapOvr>
+</p:sld>
+</file>
+
+<file path=ppt/slides/slide37.xml><?xml version="1.0" encoding="utf-8"?>
+<p:sld xmlns:a="http://schemas.openxmlformats.org/drawingml/2006/main" xmlns:r="http://schemas.openxmlformats.org/officeDocument/2006/relationships" xmlns:p="http://schemas.openxmlformats.org/presentationml/2006/main">
+  <p:cSld>
+    <p:spTree>
+      <p:nvGrpSpPr>
+        <p:cNvPr id="1" name=""/>
+        <p:cNvGrpSpPr/>
+        <p:nvPr/>
+      </p:nvGrpSpPr>
+      <p:grpSpPr>
+        <a:xfrm>
+          <a:off x="0" y="0"/>
+          <a:ext cx="0" cy="0"/>
+          <a:chOff x="0" y="0"/>
+          <a:chExt cx="0" cy="0"/>
+        </a:xfrm>
+      </p:grpSpPr>
+      <p:sp>
+        <p:nvSpPr>
+          <p:cNvPr id="2" name="Titel 1">
+            <a:extLst>
+              <a:ext uri="{FF2B5EF4-FFF2-40B4-BE49-F238E27FC236}">
+                <a16:creationId xmlns:a16="http://schemas.microsoft.com/office/drawing/2014/main" xmlns="" id="{594F37A0-8FD9-42A4-A80F-4C479182787E}"/>
+              </a:ext>
+            </a:extLst>
+          </p:cNvPr>
+          <p:cNvSpPr>
+            <a:spLocks noGrp="1"/>
+          </p:cNvSpPr>
+          <p:nvPr>
+            <p:ph type="title"/>
+          </p:nvPr>
+        </p:nvSpPr>
+        <p:spPr/>
+        <p:txBody>
+          <a:bodyPr/>
+          <a:lstStyle/>
+          <a:p>
+            <a:r>
+              <a:rPr lang="de-DE" dirty="0"/>
+              <a:t>E</a:t>
+            </a:r>
+            <a:r>
+              <a:rPr lang="de-DE" dirty="0" smtClean="0"/>
+              <a:t>valuation</a:t>
+            </a:r>
+            <a:endParaRPr lang="de-DE" dirty="0"/>
+          </a:p>
+        </p:txBody>
+      </p:sp>
+      <p:sp>
+        <p:nvSpPr>
+          <p:cNvPr id="3" name="Inhaltsplatzhalter 2">
+            <a:extLst>
+              <a:ext uri="{FF2B5EF4-FFF2-40B4-BE49-F238E27FC236}">
+                <a16:creationId xmlns:a16="http://schemas.microsoft.com/office/drawing/2014/main" xmlns="" id="{B201CE33-F1D7-423B-B373-1D449812B3D5}"/>
+              </a:ext>
+            </a:extLst>
+          </p:cNvPr>
+          <p:cNvSpPr>
+            <a:spLocks noGrp="1"/>
+          </p:cNvSpPr>
+          <p:nvPr>
+            <p:ph idx="1"/>
+          </p:nvPr>
+        </p:nvSpPr>
+        <p:spPr/>
+        <p:txBody>
+          <a:bodyPr/>
+          <a:lstStyle/>
+          <a:p>
+            <a:r>
+              <a:rPr lang="de-DE" dirty="0" err="1"/>
+              <a:t>each</a:t>
+            </a:r>
+            <a:r>
+              <a:rPr lang="de-DE" dirty="0"/>
+              <a:t> </a:t>
+            </a:r>
+            <a:r>
+              <a:rPr lang="de-DE" dirty="0" err="1"/>
+              <a:t>of</a:t>
+            </a:r>
+            <a:r>
+              <a:rPr lang="de-DE" dirty="0"/>
+              <a:t> </a:t>
+            </a:r>
+            <a:r>
+              <a:rPr lang="de-DE" dirty="0" err="1"/>
+              <a:t>our</a:t>
+            </a:r>
+            <a:r>
+              <a:rPr lang="de-DE" dirty="0"/>
+              <a:t> </a:t>
+            </a:r>
+            <a:r>
+              <a:rPr lang="de-DE" dirty="0" err="1"/>
+              <a:t>summaries</a:t>
+            </a:r>
+            <a:r>
+              <a:rPr lang="de-DE" dirty="0"/>
+              <a:t> </a:t>
+            </a:r>
+            <a:r>
+              <a:rPr lang="de-DE" dirty="0" err="1"/>
+              <a:t>were</a:t>
+            </a:r>
+            <a:r>
+              <a:rPr lang="de-DE" dirty="0"/>
+              <a:t> </a:t>
+            </a:r>
+            <a:r>
+              <a:rPr lang="de-DE" dirty="0" err="1"/>
+              <a:t>evaluated</a:t>
+            </a:r>
+            <a:r>
+              <a:rPr lang="de-DE" dirty="0"/>
+              <a:t> </a:t>
+            </a:r>
+            <a:r>
+              <a:rPr lang="de-DE" dirty="0" err="1"/>
+              <a:t>by</a:t>
+            </a:r>
+            <a:r>
+              <a:rPr lang="de-DE" dirty="0"/>
+              <a:t> at least 4 </a:t>
+            </a:r>
+            <a:r>
+              <a:rPr lang="de-DE" dirty="0" err="1"/>
+              <a:t>raters</a:t>
+            </a:r>
+            <a:endParaRPr lang="de-DE" dirty="0"/>
+          </a:p>
+        </p:txBody>
+      </p:sp>
+      <p:sp>
+        <p:nvSpPr>
+          <p:cNvPr id="5" name="Pfeil: Chevron 4">
+            <a:extLst>
+              <a:ext uri="{FF2B5EF4-FFF2-40B4-BE49-F238E27FC236}">
+                <a16:creationId xmlns:a16="http://schemas.microsoft.com/office/drawing/2014/main" xmlns="" id="{FE16A436-3EBF-406A-A452-2785E92CA870}"/>
+              </a:ext>
+            </a:extLst>
+          </p:cNvPr>
+          <p:cNvSpPr/>
+          <p:nvPr/>
+        </p:nvSpPr>
+        <p:spPr>
+          <a:xfrm>
+            <a:off x="2483343" y="1591446"/>
+            <a:ext cx="2160000" cy="270000"/>
+          </a:xfrm>
+          <a:prstGeom prst="chevron">
+            <a:avLst/>
+          </a:prstGeom>
+          <a:solidFill>
+            <a:schemeClr val="bg1"/>
+          </a:solidFill>
+          <a:ln w="6350">
+            <a:solidFill>
+              <a:schemeClr val="bg1">
+                <a:lumMod val="65000"/>
+              </a:schemeClr>
+            </a:solidFill>
+          </a:ln>
+        </p:spPr>
+        <p:style>
+          <a:lnRef idx="2">
+            <a:schemeClr val="accent1">
+              <a:shade val="50000"/>
+            </a:schemeClr>
+          </a:lnRef>
+          <a:fillRef idx="1">
+            <a:schemeClr val="accent1"/>
+          </a:fillRef>
+          <a:effectRef idx="0">
+            <a:schemeClr val="accent1"/>
+          </a:effectRef>
+          <a:fontRef idx="minor">
+            <a:schemeClr val="lt1"/>
+          </a:fontRef>
+        </p:style>
+        <p:txBody>
+          <a:bodyPr rot="0" spcFirstLastPara="0" vertOverflow="overflow" horzOverflow="overflow" vert="horz" wrap="square" lIns="91440" tIns="45720" rIns="91440" bIns="45720" numCol="1" spcCol="0" rtlCol="0" fromWordArt="0" anchor="ctr" anchorCtr="0" forceAA="0" compatLnSpc="1">
+            <a:prstTxWarp prst="textNoShape">
+              <a:avLst/>
+            </a:prstTxWarp>
+            <a:noAutofit/>
+          </a:bodyPr>
+          <a:lstStyle/>
+          <a:p>
+            <a:pPr algn="ctr"/>
+            <a:r>
+              <a:rPr lang="de-DE" sz="1400" dirty="0">
+                <a:solidFill>
+                  <a:schemeClr val="bg1">
+                    <a:lumMod val="65000"/>
+                  </a:schemeClr>
+                </a:solidFill>
+              </a:rPr>
+              <a:t>Task</a:t>
+            </a:r>
+          </a:p>
+        </p:txBody>
+      </p:sp>
+      <p:sp>
+        <p:nvSpPr>
+          <p:cNvPr id="6" name="Pfeil: Chevron 5">
+            <a:extLst>
+              <a:ext uri="{FF2B5EF4-FFF2-40B4-BE49-F238E27FC236}">
+                <a16:creationId xmlns:a16="http://schemas.microsoft.com/office/drawing/2014/main" xmlns="" id="{4B425B4C-53B0-4FDA-90C8-3EAE519EFFB2}"/>
+              </a:ext>
+            </a:extLst>
+          </p:cNvPr>
+          <p:cNvSpPr/>
+          <p:nvPr/>
+        </p:nvSpPr>
+        <p:spPr>
+          <a:xfrm>
+            <a:off x="4607912" y="1591446"/>
+            <a:ext cx="2160000" cy="270000"/>
+          </a:xfrm>
+          <a:prstGeom prst="chevron">
+            <a:avLst/>
+          </a:prstGeom>
+          <a:solidFill>
+            <a:schemeClr val="bg1"/>
+          </a:solidFill>
+          <a:ln w="6350">
+            <a:solidFill>
+              <a:schemeClr val="bg1">
+                <a:lumMod val="65000"/>
+              </a:schemeClr>
+            </a:solidFill>
+          </a:ln>
+        </p:spPr>
+        <p:style>
+          <a:lnRef idx="2">
+            <a:schemeClr val="accent1">
+              <a:shade val="50000"/>
+            </a:schemeClr>
+          </a:lnRef>
+          <a:fillRef idx="1">
+            <a:schemeClr val="accent1"/>
+          </a:fillRef>
+          <a:effectRef idx="0">
+            <a:schemeClr val="accent1"/>
+          </a:effectRef>
+          <a:fontRef idx="minor">
+            <a:schemeClr val="lt1"/>
+          </a:fontRef>
+        </p:style>
+        <p:txBody>
+          <a:bodyPr rot="0" spcFirstLastPara="0" vertOverflow="overflow" horzOverflow="overflow" vert="horz" wrap="square" lIns="91440" tIns="45720" rIns="91440" bIns="45720" numCol="1" spcCol="0" rtlCol="0" fromWordArt="0" anchor="ctr" anchorCtr="0" forceAA="0" compatLnSpc="1">
+            <a:prstTxWarp prst="textNoShape">
+              <a:avLst/>
+            </a:prstTxWarp>
+            <a:noAutofit/>
+          </a:bodyPr>
+          <a:lstStyle/>
+          <a:p>
+            <a:pPr algn="ctr"/>
+            <a:r>
+              <a:rPr lang="de-DE" sz="1400" dirty="0">
+                <a:solidFill>
+                  <a:schemeClr val="bg1">
+                    <a:lumMod val="65000"/>
+                  </a:schemeClr>
+                </a:solidFill>
+              </a:rPr>
+              <a:t>Action</a:t>
+            </a:r>
+          </a:p>
+        </p:txBody>
+      </p:sp>
+      <p:sp>
+        <p:nvSpPr>
+          <p:cNvPr id="7" name="Pfeil: Chevron 6">
+            <a:extLst>
+              <a:ext uri="{FF2B5EF4-FFF2-40B4-BE49-F238E27FC236}">
+                <a16:creationId xmlns:a16="http://schemas.microsoft.com/office/drawing/2014/main" xmlns="" id="{14F5353B-3EA0-4F48-A473-08D522F34D71}"/>
+              </a:ext>
+            </a:extLst>
+          </p:cNvPr>
+          <p:cNvSpPr/>
+          <p:nvPr/>
+        </p:nvSpPr>
+        <p:spPr>
+          <a:xfrm>
+            <a:off x="6732480" y="1591446"/>
+            <a:ext cx="2160000" cy="270000"/>
+          </a:xfrm>
+          <a:prstGeom prst="chevron">
+            <a:avLst/>
+          </a:prstGeom>
+          <a:solidFill>
+            <a:srgbClr val="9C1C26"/>
+          </a:solidFill>
+          <a:ln w="6350">
+            <a:solidFill>
+              <a:schemeClr val="tx1"/>
+            </a:solidFill>
+          </a:ln>
+        </p:spPr>
+        <p:style>
+          <a:lnRef idx="2">
+            <a:schemeClr val="accent1">
+              <a:shade val="50000"/>
+            </a:schemeClr>
+          </a:lnRef>
+          <a:fillRef idx="1">
+            <a:schemeClr val="accent1"/>
+          </a:fillRef>
+          <a:effectRef idx="0">
+            <a:schemeClr val="accent1"/>
+          </a:effectRef>
+          <a:fontRef idx="minor">
+            <a:schemeClr val="lt1"/>
+          </a:fontRef>
+        </p:style>
+        <p:txBody>
+          <a:bodyPr rot="0" spcFirstLastPara="0" vertOverflow="overflow" horzOverflow="overflow" vert="horz" wrap="square" lIns="91440" tIns="45720" rIns="91440" bIns="45720" numCol="1" spcCol="0" rtlCol="0" fromWordArt="0" anchor="ctr" anchorCtr="0" forceAA="0" compatLnSpc="1">
+            <a:prstTxWarp prst="textNoShape">
+              <a:avLst/>
+            </a:prstTxWarp>
+            <a:noAutofit/>
+          </a:bodyPr>
+          <a:lstStyle/>
+          <a:p>
+            <a:pPr algn="ctr"/>
+            <a:r>
+              <a:rPr lang="de-DE" sz="1400" dirty="0" err="1">
+                <a:solidFill>
+                  <a:schemeClr val="bg1"/>
+                </a:solidFill>
+              </a:rPr>
+              <a:t>Result</a:t>
+            </a:r>
+            <a:endParaRPr lang="de-DE" sz="1400" dirty="0">
+              <a:solidFill>
+                <a:schemeClr val="bg1"/>
+              </a:solidFill>
+            </a:endParaRPr>
+          </a:p>
+        </p:txBody>
+      </p:sp>
+      <p:sp>
+        <p:nvSpPr>
+          <p:cNvPr id="8" name="Pfeil: Chevron 7">
+            <a:extLst>
+              <a:ext uri="{FF2B5EF4-FFF2-40B4-BE49-F238E27FC236}">
+                <a16:creationId xmlns:a16="http://schemas.microsoft.com/office/drawing/2014/main" xmlns="" id="{655E865C-680E-47F4-9F87-B4EB179E321D}"/>
+              </a:ext>
+            </a:extLst>
+          </p:cNvPr>
+          <p:cNvSpPr/>
+          <p:nvPr/>
+        </p:nvSpPr>
+        <p:spPr>
+          <a:xfrm>
+            <a:off x="358774" y="1591446"/>
+            <a:ext cx="2160000" cy="270000"/>
+          </a:xfrm>
+          <a:prstGeom prst="chevron">
+            <a:avLst/>
+          </a:prstGeom>
+          <a:solidFill>
+            <a:schemeClr val="bg1"/>
+          </a:solidFill>
+          <a:ln w="6350">
+            <a:solidFill>
+              <a:schemeClr val="bg1">
+                <a:lumMod val="65000"/>
+              </a:schemeClr>
+            </a:solidFill>
+          </a:ln>
+        </p:spPr>
+        <p:style>
+          <a:lnRef idx="2">
+            <a:schemeClr val="accent1">
+              <a:shade val="50000"/>
+            </a:schemeClr>
+          </a:lnRef>
+          <a:fillRef idx="1">
+            <a:schemeClr val="accent1"/>
+          </a:fillRef>
+          <a:effectRef idx="0">
+            <a:schemeClr val="accent1"/>
+          </a:effectRef>
+          <a:fontRef idx="minor">
+            <a:schemeClr val="lt1"/>
+          </a:fontRef>
+        </p:style>
+        <p:txBody>
+          <a:bodyPr rot="0" spcFirstLastPara="0" vertOverflow="overflow" horzOverflow="overflow" vert="horz" wrap="square" lIns="91440" tIns="45720" rIns="91440" bIns="45720" numCol="1" spcCol="0" rtlCol="0" fromWordArt="0" anchor="ctr" anchorCtr="0" forceAA="0" compatLnSpc="1">
+            <a:prstTxWarp prst="textNoShape">
+              <a:avLst/>
+            </a:prstTxWarp>
+            <a:noAutofit/>
+          </a:bodyPr>
+          <a:lstStyle/>
+          <a:p>
+            <a:pPr algn="ctr"/>
+            <a:r>
+              <a:rPr lang="de-DE" sz="1400" dirty="0">
+                <a:solidFill>
+                  <a:schemeClr val="bg1">
+                    <a:lumMod val="65000"/>
+                  </a:schemeClr>
+                </a:solidFill>
+              </a:rPr>
+              <a:t>Situation</a:t>
+            </a:r>
+          </a:p>
+        </p:txBody>
+      </p:sp>
+    </p:spTree>
+    <p:extLst>
+      <p:ext uri="{BB962C8B-B14F-4D97-AF65-F5344CB8AC3E}">
+        <p14:creationId xmlns:p14="http://schemas.microsoft.com/office/powerpoint/2010/main" val="2784416331"/>
+      </p:ext>
+    </p:extLst>
+  </p:cSld>
+  <p:clrMapOvr>
+    <a:masterClrMapping/>
+  </p:clrMapOvr>
+</p:sld>
+</file>
+
+<file path=ppt/slides/slide38.xml><?xml version="1.0" encoding="utf-8"?>
+<p:sld xmlns:a="http://schemas.openxmlformats.org/drawingml/2006/main" xmlns:r="http://schemas.openxmlformats.org/officeDocument/2006/relationships" xmlns:p="http://schemas.openxmlformats.org/presentationml/2006/main">
+  <p:cSld>
+    <p:spTree>
+      <p:nvGrpSpPr>
+        <p:cNvPr id="1" name=""/>
+        <p:cNvGrpSpPr/>
+        <p:nvPr/>
+      </p:nvGrpSpPr>
+      <p:grpSpPr>
+        <a:xfrm>
+          <a:off x="0" y="0"/>
+          <a:ext cx="0" cy="0"/>
+          <a:chOff x="0" y="0"/>
+          <a:chExt cx="0" cy="0"/>
+        </a:xfrm>
+      </p:grpSpPr>
+      <p:sp>
+        <p:nvSpPr>
+          <p:cNvPr id="2" name="Titel 1">
+            <a:extLst>
+              <a:ext uri="{FF2B5EF4-FFF2-40B4-BE49-F238E27FC236}">
+                <a16:creationId xmlns:a16="http://schemas.microsoft.com/office/drawing/2014/main" xmlns="" id="{ECD13983-53CB-41A8-9897-E4D20881F929}"/>
+              </a:ext>
+            </a:extLst>
+          </p:cNvPr>
+          <p:cNvSpPr>
+            <a:spLocks noGrp="1"/>
+          </p:cNvSpPr>
+          <p:nvPr>
+            <p:ph type="title"/>
+          </p:nvPr>
+        </p:nvSpPr>
+        <p:spPr/>
+        <p:txBody>
+          <a:bodyPr/>
+          <a:lstStyle/>
+          <a:p>
+            <a:r>
+              <a:rPr lang="de-DE" dirty="0" err="1"/>
+              <a:t>Thank</a:t>
+            </a:r>
+            <a:r>
+              <a:rPr lang="de-DE" dirty="0"/>
+              <a:t> </a:t>
+            </a:r>
+            <a:r>
+              <a:rPr lang="de-DE" dirty="0" err="1"/>
+              <a:t>You</a:t>
+            </a:r>
+            <a:r>
+              <a:rPr lang="de-DE" dirty="0"/>
+              <a:t> </a:t>
+            </a:r>
+            <a:r>
+              <a:rPr lang="de-DE" dirty="0" err="1"/>
+              <a:t>for</a:t>
+            </a:r>
+            <a:r>
+              <a:rPr lang="de-DE" dirty="0"/>
+              <a:t> </a:t>
+            </a:r>
+            <a:r>
+              <a:rPr lang="de-DE" dirty="0" err="1"/>
+              <a:t>your</a:t>
+            </a:r>
+            <a:r>
+              <a:rPr lang="de-DE" dirty="0"/>
+              <a:t> </a:t>
+            </a:r>
+            <a:r>
+              <a:rPr lang="de-DE" dirty="0" err="1"/>
+              <a:t>attention</a:t>
+            </a:r>
+            <a:endParaRPr lang="de-DE" dirty="0"/>
+          </a:p>
+        </p:txBody>
+      </p:sp>
+      <p:sp>
+        <p:nvSpPr>
+          <p:cNvPr id="3" name="Textplatzhalter 2">
+            <a:extLst>
+              <a:ext uri="{FF2B5EF4-FFF2-40B4-BE49-F238E27FC236}">
+                <a16:creationId xmlns:a16="http://schemas.microsoft.com/office/drawing/2014/main" xmlns="" id="{8A82E612-E974-4DE0-823F-A661C5C288BB}"/>
+              </a:ext>
+            </a:extLst>
+          </p:cNvPr>
+          <p:cNvSpPr>
+            <a:spLocks noGrp="1"/>
+          </p:cNvSpPr>
+          <p:nvPr>
+            <p:ph type="body" idx="1"/>
+          </p:nvPr>
+        </p:nvSpPr>
+        <p:spPr/>
+        <p:txBody>
+          <a:bodyPr/>
+          <a:lstStyle/>
+          <a:p>
+            <a:endParaRPr lang="de-DE" dirty="0"/>
+          </a:p>
+        </p:txBody>
+      </p:sp>
+    </p:spTree>
+    <p:extLst>
+      <p:ext uri="{BB962C8B-B14F-4D97-AF65-F5344CB8AC3E}">
+        <p14:creationId xmlns:p14="http://schemas.microsoft.com/office/powerpoint/2010/main" val="1076095784"/>
+      </p:ext>
+    </p:extLst>
+  </p:cSld>
+  <p:clrMapOvr>
+    <a:masterClrMapping/>
+  </p:clrMapOvr>
+</p:sld>
+</file>
+
+<file path=ppt/slides/slide4.xml><?xml version="1.0" encoding="utf-8"?>
+<p:sld xmlns:a="http://schemas.openxmlformats.org/drawingml/2006/main" xmlns:r="http://schemas.openxmlformats.org/officeDocument/2006/relationships" xmlns:p="http://schemas.openxmlformats.org/presentationml/2006/main">
+  <p:cSld>
+    <p:spTree>
+      <p:nvGrpSpPr>
+        <p:cNvPr id="1" name=""/>
+        <p:cNvGrpSpPr/>
+        <p:nvPr/>
+      </p:nvGrpSpPr>
+      <p:grpSpPr>
+        <a:xfrm>
+          <a:off x="0" y="0"/>
+          <a:ext cx="0" cy="0"/>
+          <a:chOff x="0" y="0"/>
+          <a:chExt cx="0" cy="0"/>
+        </a:xfrm>
+      </p:grpSpPr>
+      <p:sp>
+        <p:nvSpPr>
+          <p:cNvPr id="2" name="Titel 1">
+            <a:extLst>
+              <a:ext uri="{FF2B5EF4-FFF2-40B4-BE49-F238E27FC236}">
+                <a16:creationId xmlns:a16="http://schemas.microsoft.com/office/drawing/2014/main" xmlns="" id="{594F37A0-8FD9-42A4-A80F-4C479182787E}"/>
+              </a:ext>
+            </a:extLst>
+          </p:cNvPr>
+          <p:cNvSpPr>
+            <a:spLocks noGrp="1"/>
+          </p:cNvSpPr>
+          <p:nvPr>
+            <p:ph type="title"/>
+          </p:nvPr>
+        </p:nvSpPr>
+        <p:spPr/>
+        <p:txBody>
+          <a:bodyPr/>
+          <a:lstStyle/>
+          <a:p>
+            <a:r>
+              <a:rPr lang="de-DE" dirty="0" err="1" smtClean="0"/>
+              <a:t>multi</a:t>
+            </a:r>
+            <a:r>
+              <a:rPr lang="de-DE" dirty="0" smtClean="0"/>
+              <a:t> </a:t>
+            </a:r>
+            <a:r>
+              <a:rPr lang="de-DE" dirty="0" err="1"/>
+              <a:t>document</a:t>
+            </a:r>
+            <a:r>
+              <a:rPr lang="de-DE" dirty="0"/>
+              <a:t> </a:t>
+            </a:r>
+            <a:r>
+              <a:rPr lang="de-DE" dirty="0" err="1"/>
+              <a:t>summarazation</a:t>
+            </a:r>
+            <a:endParaRPr lang="de-DE" dirty="0"/>
+          </a:p>
+        </p:txBody>
+      </p:sp>
+      <p:sp>
+        <p:nvSpPr>
+          <p:cNvPr id="3" name="Inhaltsplatzhalter 2">
+            <a:extLst>
+              <a:ext uri="{FF2B5EF4-FFF2-40B4-BE49-F238E27FC236}">
+                <a16:creationId xmlns:a16="http://schemas.microsoft.com/office/drawing/2014/main" xmlns="" id="{B201CE33-F1D7-423B-B373-1D449812B3D5}"/>
+              </a:ext>
+            </a:extLst>
+          </p:cNvPr>
+          <p:cNvSpPr>
+            <a:spLocks noGrp="1"/>
+          </p:cNvSpPr>
+          <p:nvPr>
+            <p:ph idx="1"/>
+          </p:nvPr>
+        </p:nvSpPr>
+        <p:spPr/>
+        <p:txBody>
+          <a:bodyPr/>
+          <a:lstStyle/>
+          <a:p>
+            <a:r>
+              <a:rPr lang="de-DE" dirty="0" err="1"/>
+              <a:t>sth</a:t>
+            </a:r>
+            <a:r>
+              <a:rPr lang="de-DE" dirty="0"/>
+              <a:t> </a:t>
+            </a:r>
+            <a:r>
+              <a:rPr lang="de-DE" dirty="0" err="1"/>
+              <a:t>about</a:t>
+            </a:r>
+            <a:r>
+              <a:rPr lang="de-DE" dirty="0"/>
+              <a:t> </a:t>
+            </a:r>
+            <a:r>
+              <a:rPr lang="de-DE" dirty="0" err="1"/>
+              <a:t>related</a:t>
+            </a:r>
+            <a:r>
+              <a:rPr lang="de-DE" dirty="0"/>
+              <a:t> </a:t>
+            </a:r>
+            <a:r>
+              <a:rPr lang="de-DE" dirty="0" err="1"/>
+              <a:t>work</a:t>
+            </a:r>
+            <a:r>
+              <a:rPr lang="de-DE" dirty="0"/>
+              <a:t> and </a:t>
+            </a:r>
+            <a:r>
+              <a:rPr lang="de-DE" dirty="0" err="1"/>
+              <a:t>whats</a:t>
+            </a:r>
+            <a:r>
+              <a:rPr lang="de-DE" dirty="0"/>
+              <a:t> </a:t>
+            </a:r>
+            <a:r>
+              <a:rPr lang="de-DE" dirty="0" err="1"/>
+              <a:t>going</a:t>
+            </a:r>
+            <a:r>
+              <a:rPr lang="de-DE" dirty="0"/>
+              <a:t> on in </a:t>
+            </a:r>
+            <a:r>
+              <a:rPr lang="de-DE" dirty="0" err="1"/>
+              <a:t>multi</a:t>
+            </a:r>
+            <a:r>
+              <a:rPr lang="de-DE" dirty="0"/>
+              <a:t> </a:t>
+            </a:r>
+            <a:r>
+              <a:rPr lang="de-DE" dirty="0" err="1"/>
+              <a:t>document</a:t>
+            </a:r>
+            <a:r>
+              <a:rPr lang="de-DE" dirty="0"/>
+              <a:t> </a:t>
+            </a:r>
+            <a:r>
+              <a:rPr lang="de-DE" dirty="0" err="1"/>
+              <a:t>summarization</a:t>
+            </a:r>
+            <a:endParaRPr lang="de-DE" dirty="0"/>
+          </a:p>
+        </p:txBody>
+      </p:sp>
+      <p:sp>
+        <p:nvSpPr>
+          <p:cNvPr id="5" name="Pfeil: Chevron 4">
+            <a:extLst>
+              <a:ext uri="{FF2B5EF4-FFF2-40B4-BE49-F238E27FC236}">
+                <a16:creationId xmlns:a16="http://schemas.microsoft.com/office/drawing/2014/main" xmlns="" id="{FE16A436-3EBF-406A-A452-2785E92CA870}"/>
+              </a:ext>
+            </a:extLst>
+          </p:cNvPr>
+          <p:cNvSpPr/>
+          <p:nvPr/>
+        </p:nvSpPr>
+        <p:spPr>
+          <a:xfrm>
+            <a:off x="2483343" y="1591446"/>
+            <a:ext cx="2160000" cy="270000"/>
+          </a:xfrm>
+          <a:prstGeom prst="chevron">
+            <a:avLst/>
+          </a:prstGeom>
+          <a:solidFill>
+            <a:schemeClr val="bg1"/>
+          </a:solidFill>
+          <a:ln w="6350">
+            <a:solidFill>
+              <a:schemeClr val="bg1">
+                <a:lumMod val="65000"/>
+              </a:schemeClr>
+            </a:solidFill>
+          </a:ln>
+        </p:spPr>
+        <p:style>
+          <a:lnRef idx="2">
+            <a:schemeClr val="accent1">
+              <a:shade val="50000"/>
+            </a:schemeClr>
+          </a:lnRef>
+          <a:fillRef idx="1">
+            <a:schemeClr val="accent1"/>
+          </a:fillRef>
+          <a:effectRef idx="0">
+            <a:schemeClr val="accent1"/>
+          </a:effectRef>
+          <a:fontRef idx="minor">
+            <a:schemeClr val="lt1"/>
+          </a:fontRef>
+        </p:style>
+        <p:txBody>
+          <a:bodyPr rtlCol="0" anchor="ctr"/>
+          <a:lstStyle/>
+          <a:p>
+            <a:pPr algn="ctr"/>
+            <a:r>
+              <a:rPr lang="de-DE" sz="1400" dirty="0">
+                <a:solidFill>
+                  <a:schemeClr val="bg1">
+                    <a:lumMod val="65000"/>
+                  </a:schemeClr>
+                </a:solidFill>
+              </a:rPr>
+              <a:t>Task</a:t>
+            </a:r>
+          </a:p>
+        </p:txBody>
+      </p:sp>
+      <p:sp>
+        <p:nvSpPr>
+          <p:cNvPr id="6" name="Pfeil: Chevron 5">
+            <a:extLst>
+              <a:ext uri="{FF2B5EF4-FFF2-40B4-BE49-F238E27FC236}">
+                <a16:creationId xmlns:a16="http://schemas.microsoft.com/office/drawing/2014/main" xmlns="" id="{4B425B4C-53B0-4FDA-90C8-3EAE519EFFB2}"/>
+              </a:ext>
+            </a:extLst>
+          </p:cNvPr>
+          <p:cNvSpPr/>
+          <p:nvPr/>
+        </p:nvSpPr>
+        <p:spPr>
+          <a:xfrm>
+            <a:off x="4607912" y="1591446"/>
+            <a:ext cx="2160000" cy="270000"/>
+          </a:xfrm>
+          <a:prstGeom prst="chevron">
+            <a:avLst/>
+          </a:prstGeom>
+          <a:solidFill>
+            <a:schemeClr val="bg1"/>
+          </a:solidFill>
+          <a:ln w="6350">
+            <a:solidFill>
+              <a:schemeClr val="bg1">
+                <a:lumMod val="65000"/>
+              </a:schemeClr>
+            </a:solidFill>
+          </a:ln>
+        </p:spPr>
+        <p:style>
+          <a:lnRef idx="2">
+            <a:schemeClr val="accent1">
+              <a:shade val="50000"/>
+            </a:schemeClr>
+          </a:lnRef>
+          <a:fillRef idx="1">
+            <a:schemeClr val="accent1"/>
+          </a:fillRef>
+          <a:effectRef idx="0">
+            <a:schemeClr val="accent1"/>
+          </a:effectRef>
+          <a:fontRef idx="minor">
+            <a:schemeClr val="lt1"/>
+          </a:fontRef>
+        </p:style>
+        <p:txBody>
+          <a:bodyPr rot="0" spcFirstLastPara="0" vertOverflow="overflow" horzOverflow="overflow" vert="horz" wrap="square" lIns="91440" tIns="45720" rIns="91440" bIns="45720" numCol="1" spcCol="0" rtlCol="0" fromWordArt="0" anchor="ctr" anchorCtr="0" forceAA="0" compatLnSpc="1">
+            <a:prstTxWarp prst="textNoShape">
+              <a:avLst/>
+            </a:prstTxWarp>
+            <a:noAutofit/>
+          </a:bodyPr>
+          <a:lstStyle/>
+          <a:p>
+            <a:pPr algn="ctr"/>
+            <a:r>
+              <a:rPr lang="de-DE" sz="1400" dirty="0">
+                <a:solidFill>
+                  <a:schemeClr val="bg1">
+                    <a:lumMod val="65000"/>
+                  </a:schemeClr>
+                </a:solidFill>
+              </a:rPr>
+              <a:t>Action</a:t>
+            </a:r>
+          </a:p>
+        </p:txBody>
+      </p:sp>
+      <p:sp>
+        <p:nvSpPr>
+          <p:cNvPr id="7" name="Pfeil: Chevron 6">
+            <a:extLst>
+              <a:ext uri="{FF2B5EF4-FFF2-40B4-BE49-F238E27FC236}">
+                <a16:creationId xmlns:a16="http://schemas.microsoft.com/office/drawing/2014/main" xmlns="" id="{14F5353B-3EA0-4F48-A473-08D522F34D71}"/>
               </a:ext>
             </a:extLst>
           </p:cNvPr>
@@ -31755,7 +33589,7 @@
           <p:cNvPr id="8" name="Pfeil: Chevron 7">
             <a:extLst>
               <a:ext uri="{FF2B5EF4-FFF2-40B4-BE49-F238E27FC236}">
-                <a16:creationId xmlns="" xmlns:a16="http://schemas.microsoft.com/office/drawing/2014/main" id="{655E865C-680E-47F4-9F87-B4EB179E321D}"/>
+                <a16:creationId xmlns:a16="http://schemas.microsoft.com/office/drawing/2014/main" xmlns="" id="{655E865C-680E-47F4-9F87-B4EB179E321D}"/>
               </a:ext>
             </a:extLst>
           </p:cNvPr>
@@ -31846,7 +33680,7 @@
           <p:cNvPr id="2" name="Titel 1">
             <a:extLst>
               <a:ext uri="{FF2B5EF4-FFF2-40B4-BE49-F238E27FC236}">
-                <a16:creationId xmlns="" xmlns:a16="http://schemas.microsoft.com/office/drawing/2014/main" id="{ECD13983-53CB-41A8-9897-E4D20881F929}"/>
+                <a16:creationId xmlns:a16="http://schemas.microsoft.com/office/drawing/2014/main" xmlns="" id="{ECD13983-53CB-41A8-9897-E4D20881F929}"/>
               </a:ext>
             </a:extLst>
           </p:cNvPr>
@@ -31874,7 +33708,7 @@
           <p:cNvPr id="3" name="Textplatzhalter 2">
             <a:extLst>
               <a:ext uri="{FF2B5EF4-FFF2-40B4-BE49-F238E27FC236}">
-                <a16:creationId xmlns="" xmlns:a16="http://schemas.microsoft.com/office/drawing/2014/main" id="{8A82E612-E974-4DE0-823F-A661C5C288BB}"/>
+                <a16:creationId xmlns:a16="http://schemas.microsoft.com/office/drawing/2014/main" xmlns="" id="{8A82E612-E974-4DE0-823F-A661C5C288BB}"/>
               </a:ext>
             </a:extLst>
           </p:cNvPr>
@@ -31929,7 +33763,7 @@
           <p:cNvPr id="2" name="Titel 1">
             <a:extLst>
               <a:ext uri="{FF2B5EF4-FFF2-40B4-BE49-F238E27FC236}">
-                <a16:creationId xmlns="" xmlns:a16="http://schemas.microsoft.com/office/drawing/2014/main" id="{594F37A0-8FD9-42A4-A80F-4C479182787E}"/>
+                <a16:creationId xmlns:a16="http://schemas.microsoft.com/office/drawing/2014/main" xmlns="" id="{594F37A0-8FD9-42A4-A80F-4C479182787E}"/>
               </a:ext>
             </a:extLst>
           </p:cNvPr>
@@ -31958,7 +33792,7 @@
           <p:cNvPr id="5" name="Pfeil: Chevron 4">
             <a:extLst>
               <a:ext uri="{FF2B5EF4-FFF2-40B4-BE49-F238E27FC236}">
-                <a16:creationId xmlns="" xmlns:a16="http://schemas.microsoft.com/office/drawing/2014/main" id="{FE16A436-3EBF-406A-A452-2785E92CA870}"/>
+                <a16:creationId xmlns:a16="http://schemas.microsoft.com/office/drawing/2014/main" xmlns="" id="{FE16A436-3EBF-406A-A452-2785E92CA870}"/>
               </a:ext>
             </a:extLst>
           </p:cNvPr>
@@ -32024,7 +33858,7 @@
           <p:cNvPr id="6" name="Pfeil: Chevron 5">
             <a:extLst>
               <a:ext uri="{FF2B5EF4-FFF2-40B4-BE49-F238E27FC236}">
-                <a16:creationId xmlns="" xmlns:a16="http://schemas.microsoft.com/office/drawing/2014/main" id="{4B425B4C-53B0-4FDA-90C8-3EAE519EFFB2}"/>
+                <a16:creationId xmlns:a16="http://schemas.microsoft.com/office/drawing/2014/main" xmlns="" id="{4B425B4C-53B0-4FDA-90C8-3EAE519EFFB2}"/>
               </a:ext>
             </a:extLst>
           </p:cNvPr>
@@ -32094,7 +33928,7 @@
           <p:cNvPr id="7" name="Pfeil: Chevron 6">
             <a:extLst>
               <a:ext uri="{FF2B5EF4-FFF2-40B4-BE49-F238E27FC236}">
-                <a16:creationId xmlns="" xmlns:a16="http://schemas.microsoft.com/office/drawing/2014/main" id="{14F5353B-3EA0-4F48-A473-08D522F34D71}"/>
+                <a16:creationId xmlns:a16="http://schemas.microsoft.com/office/drawing/2014/main" xmlns="" id="{14F5353B-3EA0-4F48-A473-08D522F34D71}"/>
               </a:ext>
             </a:extLst>
           </p:cNvPr>
@@ -32171,7 +34005,7 @@
           <p:cNvPr id="8" name="Pfeil: Chevron 7">
             <a:extLst>
               <a:ext uri="{FF2B5EF4-FFF2-40B4-BE49-F238E27FC236}">
-                <a16:creationId xmlns="" xmlns:a16="http://schemas.microsoft.com/office/drawing/2014/main" id="{655E865C-680E-47F4-9F87-B4EB179E321D}"/>
+                <a16:creationId xmlns:a16="http://schemas.microsoft.com/office/drawing/2014/main" xmlns="" id="{655E865C-680E-47F4-9F87-B4EB179E321D}"/>
               </a:ext>
             </a:extLst>
           </p:cNvPr>
@@ -32241,7 +34075,7 @@
           <p:cNvPr id="11" name="Inhaltsplatzhalter 10" descr="AutoTS_Dataset.pdf - Adobe Acrobat Reader DC">
             <a:extLst>
               <a:ext uri="{FF2B5EF4-FFF2-40B4-BE49-F238E27FC236}">
-                <a16:creationId xmlns="" xmlns:a16="http://schemas.microsoft.com/office/drawing/2014/main" id="{2120C56C-3CB2-46B8-AC69-164419F8C6B6}"/>
+                <a16:creationId xmlns:a16="http://schemas.microsoft.com/office/drawing/2014/main" xmlns="" id="{2120C56C-3CB2-46B8-AC69-164419F8C6B6}"/>
               </a:ext>
             </a:extLst>
           </p:cNvPr>
@@ -32305,7 +34139,7 @@
           <p:cNvPr id="2" name="Titel 1">
             <a:extLst>
               <a:ext uri="{FF2B5EF4-FFF2-40B4-BE49-F238E27FC236}">
-                <a16:creationId xmlns="" xmlns:a16="http://schemas.microsoft.com/office/drawing/2014/main" id="{ECD13983-53CB-41A8-9897-E4D20881F929}"/>
+                <a16:creationId xmlns:a16="http://schemas.microsoft.com/office/drawing/2014/main" xmlns="" id="{ECD13983-53CB-41A8-9897-E4D20881F929}"/>
               </a:ext>
             </a:extLst>
           </p:cNvPr>
@@ -32333,7 +34167,7 @@
           <p:cNvPr id="3" name="Textplatzhalter 2">
             <a:extLst>
               <a:ext uri="{FF2B5EF4-FFF2-40B4-BE49-F238E27FC236}">
-                <a16:creationId xmlns="" xmlns:a16="http://schemas.microsoft.com/office/drawing/2014/main" id="{8A82E612-E974-4DE0-823F-A661C5C288BB}"/>
+                <a16:creationId xmlns:a16="http://schemas.microsoft.com/office/drawing/2014/main" xmlns="" id="{8A82E612-E974-4DE0-823F-A661C5C288BB}"/>
               </a:ext>
             </a:extLst>
           </p:cNvPr>
@@ -32388,7 +34222,7 @@
           <p:cNvPr id="2" name="Titel 1">
             <a:extLst>
               <a:ext uri="{FF2B5EF4-FFF2-40B4-BE49-F238E27FC236}">
-                <a16:creationId xmlns="" xmlns:a16="http://schemas.microsoft.com/office/drawing/2014/main" id="{594F37A0-8FD9-42A4-A80F-4C479182787E}"/>
+                <a16:creationId xmlns:a16="http://schemas.microsoft.com/office/drawing/2014/main" xmlns="" id="{594F37A0-8FD9-42A4-A80F-4C479182787E}"/>
               </a:ext>
             </a:extLst>
           </p:cNvPr>
@@ -32428,7 +34262,7 @@
           <p:cNvPr id="3" name="Inhaltsplatzhalter 2">
             <a:extLst>
               <a:ext uri="{FF2B5EF4-FFF2-40B4-BE49-F238E27FC236}">
-                <a16:creationId xmlns="" xmlns:a16="http://schemas.microsoft.com/office/drawing/2014/main" id="{B201CE33-F1D7-423B-B373-1D449812B3D5}"/>
+                <a16:creationId xmlns:a16="http://schemas.microsoft.com/office/drawing/2014/main" xmlns="" id="{B201CE33-F1D7-423B-B373-1D449812B3D5}"/>
               </a:ext>
             </a:extLst>
           </p:cNvPr>
@@ -32475,11 +34309,7 @@
             </a:r>
             <a:r>
               <a:rPr lang="de-DE" dirty="0" smtClean="0"/>
-              <a:t>14</a:t>
-            </a:r>
-            <a:r>
-              <a:rPr lang="de-DE" dirty="0" smtClean="0"/>
-              <a:t>% </a:t>
+              <a:t>14% </a:t>
             </a:r>
             <a:r>
               <a:rPr lang="de-DE" dirty="0" err="1" smtClean="0"/>
@@ -32652,7 +34482,7 @@
           <p:cNvPr id="5" name="Pfeil: Chevron 4">
             <a:extLst>
               <a:ext uri="{FF2B5EF4-FFF2-40B4-BE49-F238E27FC236}">
-                <a16:creationId xmlns="" xmlns:a16="http://schemas.microsoft.com/office/drawing/2014/main" id="{FE16A436-3EBF-406A-A452-2785E92CA870}"/>
+                <a16:creationId xmlns:a16="http://schemas.microsoft.com/office/drawing/2014/main" xmlns="" id="{FE16A436-3EBF-406A-A452-2785E92CA870}"/>
               </a:ext>
             </a:extLst>
           </p:cNvPr>
@@ -32722,7 +34552,7 @@
           <p:cNvPr id="6" name="Pfeil: Chevron 5">
             <a:extLst>
               <a:ext uri="{FF2B5EF4-FFF2-40B4-BE49-F238E27FC236}">
-                <a16:creationId xmlns="" xmlns:a16="http://schemas.microsoft.com/office/drawing/2014/main" id="{4B425B4C-53B0-4FDA-90C8-3EAE519EFFB2}"/>
+                <a16:creationId xmlns:a16="http://schemas.microsoft.com/office/drawing/2014/main" xmlns="" id="{4B425B4C-53B0-4FDA-90C8-3EAE519EFFB2}"/>
               </a:ext>
             </a:extLst>
           </p:cNvPr>
@@ -32788,7 +34618,7 @@
           <p:cNvPr id="7" name="Pfeil: Chevron 6">
             <a:extLst>
               <a:ext uri="{FF2B5EF4-FFF2-40B4-BE49-F238E27FC236}">
-                <a16:creationId xmlns="" xmlns:a16="http://schemas.microsoft.com/office/drawing/2014/main" id="{14F5353B-3EA0-4F48-A473-08D522F34D71}"/>
+                <a16:creationId xmlns:a16="http://schemas.microsoft.com/office/drawing/2014/main" xmlns="" id="{14F5353B-3EA0-4F48-A473-08D522F34D71}"/>
               </a:ext>
             </a:extLst>
           </p:cNvPr>
@@ -32865,7 +34695,7 @@
           <p:cNvPr id="8" name="Pfeil: Chevron 7">
             <a:extLst>
               <a:ext uri="{FF2B5EF4-FFF2-40B4-BE49-F238E27FC236}">
-                <a16:creationId xmlns="" xmlns:a16="http://schemas.microsoft.com/office/drawing/2014/main" id="{655E865C-680E-47F4-9F87-B4EB179E321D}"/>
+                <a16:creationId xmlns:a16="http://schemas.microsoft.com/office/drawing/2014/main" xmlns="" id="{655E865C-680E-47F4-9F87-B4EB179E321D}"/>
               </a:ext>
             </a:extLst>
           </p:cNvPr>
@@ -32965,7 +34795,7 @@
           <p:cNvPr id="2" name="Titel 1">
             <a:extLst>
               <a:ext uri="{FF2B5EF4-FFF2-40B4-BE49-F238E27FC236}">
-                <a16:creationId xmlns="" xmlns:a16="http://schemas.microsoft.com/office/drawing/2014/main" id="{594F37A0-8FD9-42A4-A80F-4C479182787E}"/>
+                <a16:creationId xmlns:a16="http://schemas.microsoft.com/office/drawing/2014/main" xmlns="" id="{594F37A0-8FD9-42A4-A80F-4C479182787E}"/>
               </a:ext>
             </a:extLst>
           </p:cNvPr>
@@ -33010,7 +34840,7 @@
           <p:cNvPr id="3" name="Inhaltsplatzhalter 2">
             <a:extLst>
               <a:ext uri="{FF2B5EF4-FFF2-40B4-BE49-F238E27FC236}">
-                <a16:creationId xmlns="" xmlns:a16="http://schemas.microsoft.com/office/drawing/2014/main" id="{B201CE33-F1D7-423B-B373-1D449812B3D5}"/>
+                <a16:creationId xmlns:a16="http://schemas.microsoft.com/office/drawing/2014/main" xmlns="" id="{B201CE33-F1D7-423B-B373-1D449812B3D5}"/>
               </a:ext>
             </a:extLst>
           </p:cNvPr>
@@ -33147,7 +34977,7 @@
           <p:cNvPr id="5" name="Pfeil: Chevron 4">
             <a:extLst>
               <a:ext uri="{FF2B5EF4-FFF2-40B4-BE49-F238E27FC236}">
-                <a16:creationId xmlns="" xmlns:a16="http://schemas.microsoft.com/office/drawing/2014/main" id="{FE16A436-3EBF-406A-A452-2785E92CA870}"/>
+                <a16:creationId xmlns:a16="http://schemas.microsoft.com/office/drawing/2014/main" xmlns="" id="{FE16A436-3EBF-406A-A452-2785E92CA870}"/>
               </a:ext>
             </a:extLst>
           </p:cNvPr>
@@ -33217,7 +35047,7 @@
           <p:cNvPr id="6" name="Pfeil: Chevron 5">
             <a:extLst>
               <a:ext uri="{FF2B5EF4-FFF2-40B4-BE49-F238E27FC236}">
-                <a16:creationId xmlns="" xmlns:a16="http://schemas.microsoft.com/office/drawing/2014/main" id="{4B425B4C-53B0-4FDA-90C8-3EAE519EFFB2}"/>
+                <a16:creationId xmlns:a16="http://schemas.microsoft.com/office/drawing/2014/main" xmlns="" id="{4B425B4C-53B0-4FDA-90C8-3EAE519EFFB2}"/>
               </a:ext>
             </a:extLst>
           </p:cNvPr>
@@ -33283,7 +35113,7 @@
           <p:cNvPr id="7" name="Pfeil: Chevron 6">
             <a:extLst>
               <a:ext uri="{FF2B5EF4-FFF2-40B4-BE49-F238E27FC236}">
-                <a16:creationId xmlns="" xmlns:a16="http://schemas.microsoft.com/office/drawing/2014/main" id="{14F5353B-3EA0-4F48-A473-08D522F34D71}"/>
+                <a16:creationId xmlns:a16="http://schemas.microsoft.com/office/drawing/2014/main" xmlns="" id="{14F5353B-3EA0-4F48-A473-08D522F34D71}"/>
               </a:ext>
             </a:extLst>
           </p:cNvPr>
@@ -33360,7 +35190,7 @@
           <p:cNvPr id="8" name="Pfeil: Chevron 7">
             <a:extLst>
               <a:ext uri="{FF2B5EF4-FFF2-40B4-BE49-F238E27FC236}">
-                <a16:creationId xmlns="" xmlns:a16="http://schemas.microsoft.com/office/drawing/2014/main" id="{655E865C-680E-47F4-9F87-B4EB179E321D}"/>
+                <a16:creationId xmlns:a16="http://schemas.microsoft.com/office/drawing/2014/main" xmlns="" id="{655E865C-680E-47F4-9F87-B4EB179E321D}"/>
               </a:ext>
             </a:extLst>
           </p:cNvPr>

--- a/presentation/20180713 Gruppe 5 - final.pptx
+++ b/presentation/20180713 Gruppe 5 - final.pptx
@@ -176,7 +176,7 @@
   </p:defaultTextStyle>
   <p:extLst>
     <p:ext uri="{EFAFB233-063F-42B5-8137-9DF3F51BA10A}">
-      <p15:sldGuideLst xmlns:p15="http://schemas.microsoft.com/office/powerpoint/2012/main">
+      <p15:sldGuideLst xmlns:p15="http://schemas.microsoft.com/office/powerpoint/2012/main" xmlns="">
         <p15:guide id="1" orient="horz" pos="2160">
           <p15:clr>
             <a:srgbClr val="A4A3A4"/>
@@ -190,7 +190,7 @@
       </p15:sldGuideLst>
     </p:ext>
     <p:ext uri="{2D200454-40CA-4A62-9FC3-DE9A4176ACB9}">
-      <p15:notesGuideLst xmlns:p15="http://schemas.microsoft.com/office/powerpoint/2012/main"/>
+      <p15:notesGuideLst xmlns:p15="http://schemas.microsoft.com/office/powerpoint/2012/main" xmlns=""/>
     </p:ext>
   </p:extLst>
 </p:presentation>
@@ -204,7 +204,7 @@
   <p:cmAuthor id="2" name="Markus Hoehn" initials="MH" lastIdx="3" clrIdx="1">
     <p:extLst>
       <p:ext uri="{19B8F6BF-5375-455C-9EA6-DF929625EA0E}">
-        <p15:presenceInfo xmlns:p15="http://schemas.microsoft.com/office/powerpoint/2012/main" userId="S-1-5-21-74256929-2686928077-3698218826-1125" providerId="AD"/>
+        <p15:presenceInfo xmlns:p15="http://schemas.microsoft.com/office/powerpoint/2012/main" xmlns="" userId="S-1-5-21-74256929-2686928077-3698218826-1125" providerId="AD"/>
       </p:ext>
     </p:extLst>
   </p:cmAuthor>
@@ -218,7 +218,7 @@
     <p:text>early stopping to prevent overfitting, but also for efficiency</p:text>
     <p:extLst>
       <p:ext uri="{C676402C-5697-4E1C-873F-D02D1690AC5C}">
-        <p15:threadingInfo xmlns:p15="http://schemas.microsoft.com/office/powerpoint/2012/main" timeZoneBias="-120"/>
+        <p15:threadingInfo xmlns:p15="http://schemas.microsoft.com/office/powerpoint/2012/main" xmlns="" timeZoneBias="-120"/>
       </p:ext>
     </p:extLst>
   </p:cm>
@@ -228,7 +228,7 @@
 Antiproportional, Precision ist uns wichtiger als Recall (weil SUmmary am ENde gut sein muss), aber recall muss mindestwert haben</p:text>
     <p:extLst>
       <p:ext uri="{C676402C-5697-4E1C-873F-D02D1690AC5C}">
-        <p15:threadingInfo xmlns:p15="http://schemas.microsoft.com/office/powerpoint/2012/main" timeZoneBias="-120"/>
+        <p15:threadingInfo xmlns:p15="http://schemas.microsoft.com/office/powerpoint/2012/main" xmlns="" timeZoneBias="-120"/>
       </p:ext>
     </p:extLst>
   </p:cm>
@@ -246,7 +246,7 @@
 Wir entschieden uns, dass 30 Nuggets ein guter Wert ist</p:text>
     <p:extLst>
       <p:ext uri="{C676402C-5697-4E1C-873F-D02D1690AC5C}">
-        <p15:threadingInfo xmlns:p15="http://schemas.microsoft.com/office/powerpoint/2012/main" timeZoneBias="-120"/>
+        <p15:threadingInfo xmlns:p15="http://schemas.microsoft.com/office/powerpoint/2012/main" xmlns="" timeZoneBias="-120"/>
       </p:ext>
     </p:extLst>
   </p:cm>
@@ -2027,6 +2027,13 @@
         </dgm:presLayoutVars>
       </dgm:prSet>
       <dgm:spPr/>
+      <dgm:t>
+        <a:bodyPr/>
+        <a:lstStyle/>
+        <a:p>
+          <a:endParaRPr lang="de-DE"/>
+        </a:p>
+      </dgm:t>
     </dgm:pt>
     <dgm:pt modelId="{9C1D2CB9-94B3-4BB4-AD6E-339F612D3E51}" type="pres">
       <dgm:prSet presAssocID="{C0E8203B-5169-4CD6-9702-53FE3A38D4B7}" presName="thickLine" presStyleLbl="alignNode1" presStyleIdx="0" presStyleCnt="1"/>
@@ -2039,6 +2046,13 @@
     <dgm:pt modelId="{55250350-E17F-4CB6-83BA-1D4FE4D0BB7B}" type="pres">
       <dgm:prSet presAssocID="{C0E8203B-5169-4CD6-9702-53FE3A38D4B7}" presName="tx1" presStyleLbl="revTx" presStyleIdx="0" presStyleCnt="7"/>
       <dgm:spPr/>
+      <dgm:t>
+        <a:bodyPr/>
+        <a:lstStyle/>
+        <a:p>
+          <a:endParaRPr lang="de-DE"/>
+        </a:p>
+      </dgm:t>
     </dgm:pt>
     <dgm:pt modelId="{C27E513B-71E3-44CB-AFAD-0B7D8730111E}" type="pres">
       <dgm:prSet presAssocID="{C0E8203B-5169-4CD6-9702-53FE3A38D4B7}" presName="vert1" presStyleCnt="0"/>
@@ -2059,6 +2073,13 @@
     <dgm:pt modelId="{A4F65490-42AA-4A0A-9E92-496007A45D48}" type="pres">
       <dgm:prSet presAssocID="{EBAC00E8-AD22-49D1-A406-8557910A263D}" presName="tx2" presStyleLbl="revTx" presStyleIdx="1" presStyleCnt="7"/>
       <dgm:spPr/>
+      <dgm:t>
+        <a:bodyPr/>
+        <a:lstStyle/>
+        <a:p>
+          <a:endParaRPr lang="de-DE"/>
+        </a:p>
+      </dgm:t>
     </dgm:pt>
     <dgm:pt modelId="{D1887BCF-44C5-4017-A6FA-378115C89950}" type="pres">
       <dgm:prSet presAssocID="{EBAC00E8-AD22-49D1-A406-8557910A263D}" presName="vert2" presStyleCnt="0"/>
@@ -2083,6 +2104,13 @@
     <dgm:pt modelId="{B59BED8F-2E92-459B-946F-F8F67E0A26E2}" type="pres">
       <dgm:prSet presAssocID="{FE210EA8-9E36-4661-A004-AD95A93117EF}" presName="tx2" presStyleLbl="revTx" presStyleIdx="2" presStyleCnt="7"/>
       <dgm:spPr/>
+      <dgm:t>
+        <a:bodyPr/>
+        <a:lstStyle/>
+        <a:p>
+          <a:endParaRPr lang="de-DE"/>
+        </a:p>
+      </dgm:t>
     </dgm:pt>
     <dgm:pt modelId="{B057961F-C453-4359-94A1-23AED4D65FA3}" type="pres">
       <dgm:prSet presAssocID="{FE210EA8-9E36-4661-A004-AD95A93117EF}" presName="vert2" presStyleCnt="0"/>
@@ -2107,6 +2135,13 @@
     <dgm:pt modelId="{BFE0CF65-F27D-47F8-9D70-A9026C57CB17}" type="pres">
       <dgm:prSet presAssocID="{D19C3654-EC85-4D17-8A65-476C8BCED155}" presName="tx2" presStyleLbl="revTx" presStyleIdx="3" presStyleCnt="7"/>
       <dgm:spPr/>
+      <dgm:t>
+        <a:bodyPr/>
+        <a:lstStyle/>
+        <a:p>
+          <a:endParaRPr lang="de-DE"/>
+        </a:p>
+      </dgm:t>
     </dgm:pt>
     <dgm:pt modelId="{E88A3061-B083-4367-934A-2905725E1822}" type="pres">
       <dgm:prSet presAssocID="{D19C3654-EC85-4D17-8A65-476C8BCED155}" presName="vert2" presStyleCnt="0"/>
@@ -2131,6 +2166,13 @@
     <dgm:pt modelId="{99DFEC6A-F643-4B07-8618-867DBF955F82}" type="pres">
       <dgm:prSet presAssocID="{2133CF33-4E5C-4D91-A00C-CCB6369CC28D}" presName="tx2" presStyleLbl="revTx" presStyleIdx="4" presStyleCnt="7"/>
       <dgm:spPr/>
+      <dgm:t>
+        <a:bodyPr/>
+        <a:lstStyle/>
+        <a:p>
+          <a:endParaRPr lang="de-DE"/>
+        </a:p>
+      </dgm:t>
     </dgm:pt>
     <dgm:pt modelId="{4600DCBA-8F73-44F7-8F8A-2F71ED11F418}" type="pres">
       <dgm:prSet presAssocID="{2133CF33-4E5C-4D91-A00C-CCB6369CC28D}" presName="vert2" presStyleCnt="0"/>
@@ -2155,6 +2197,13 @@
     <dgm:pt modelId="{1F40FA49-3CA3-4E6F-8033-33616EC3A9A1}" type="pres">
       <dgm:prSet presAssocID="{72E01D4A-CC17-466A-AD45-D5D735EB8271}" presName="tx2" presStyleLbl="revTx" presStyleIdx="5" presStyleCnt="7"/>
       <dgm:spPr/>
+      <dgm:t>
+        <a:bodyPr/>
+        <a:lstStyle/>
+        <a:p>
+          <a:endParaRPr lang="de-DE"/>
+        </a:p>
+      </dgm:t>
     </dgm:pt>
     <dgm:pt modelId="{C32D0722-6556-4E98-93DF-831A82A45078}" type="pres">
       <dgm:prSet presAssocID="{72E01D4A-CC17-466A-AD45-D5D735EB8271}" presName="vert2" presStyleCnt="0"/>
@@ -2179,6 +2228,13 @@
     <dgm:pt modelId="{59E07A22-84B7-47CE-803B-AD1E4127ABD0}" type="pres">
       <dgm:prSet presAssocID="{D04B8673-CF3C-4249-8FC0-37430591706B}" presName="tx2" presStyleLbl="revTx" presStyleIdx="6" presStyleCnt="7"/>
       <dgm:spPr/>
+      <dgm:t>
+        <a:bodyPr/>
+        <a:lstStyle/>
+        <a:p>
+          <a:endParaRPr lang="de-DE"/>
+        </a:p>
+      </dgm:t>
     </dgm:pt>
     <dgm:pt modelId="{2133767D-27FC-4287-AC84-7C6EA5286D3E}" type="pres">
       <dgm:prSet presAssocID="{D04B8673-CF3C-4249-8FC0-37430591706B}" presName="vert2" presStyleCnt="0"/>
@@ -2194,21 +2250,21 @@
     </dgm:pt>
   </dgm:ptLst>
   <dgm:cxnLst>
+    <dgm:cxn modelId="{9CBCB46E-ED88-4C20-852C-D8FDF6CAB28E}" srcId="{C0E8203B-5169-4CD6-9702-53FE3A38D4B7}" destId="{D04B8673-CF3C-4249-8FC0-37430591706B}" srcOrd="5" destOrd="0" parTransId="{AD28C86C-54AE-47C8-A0F9-5BCFA576A240}" sibTransId="{8038754E-B726-4859-9C89-A6BEC7CE1930}"/>
+    <dgm:cxn modelId="{7B3DC829-8965-4F76-AECF-2D49CE626B61}" srcId="{C0E8203B-5169-4CD6-9702-53FE3A38D4B7}" destId="{EBAC00E8-AD22-49D1-A406-8557910A263D}" srcOrd="0" destOrd="0" parTransId="{C995157E-B4AB-4871-B74C-615D6B76C504}" sibTransId="{BE83C256-8C93-401C-901D-4ADDB015BA2A}"/>
+    <dgm:cxn modelId="{5E364358-14E0-4092-8929-4F3402F69850}" type="presOf" srcId="{72E01D4A-CC17-466A-AD45-D5D735EB8271}" destId="{1F40FA49-3CA3-4E6F-8033-33616EC3A9A1}" srcOrd="0" destOrd="0" presId="urn:microsoft.com/office/officeart/2008/layout/LinedList"/>
+    <dgm:cxn modelId="{59CC2AF2-9600-4719-9E87-65990007BF3B}" srcId="{04A85023-219B-4479-836B-DCFBBAF58EB0}" destId="{C0E8203B-5169-4CD6-9702-53FE3A38D4B7}" srcOrd="0" destOrd="0" parTransId="{8770659B-25EF-42F8-BE17-875FAC9CE592}" sibTransId="{CDBEC1E2-C9D1-414C-B88A-41059C37FCC9}"/>
+    <dgm:cxn modelId="{E8BB7D19-2D6A-40DA-84F8-B5D6D86E4356}" srcId="{C0E8203B-5169-4CD6-9702-53FE3A38D4B7}" destId="{D19C3654-EC85-4D17-8A65-476C8BCED155}" srcOrd="2" destOrd="0" parTransId="{8E751289-9790-49EB-8039-CA4E92FB1665}" sibTransId="{67D87B0F-7D65-41BE-9F23-1E80F104C8AA}"/>
+    <dgm:cxn modelId="{EB9CC432-DA39-4291-AB50-78FBF72479CA}" type="presOf" srcId="{FE210EA8-9E36-4661-A004-AD95A93117EF}" destId="{B59BED8F-2E92-459B-946F-F8F67E0A26E2}" srcOrd="0" destOrd="0" presId="urn:microsoft.com/office/officeart/2008/layout/LinedList"/>
+    <dgm:cxn modelId="{275AB8D9-6619-4ED2-90D6-FCBDF3928AF1}" type="presOf" srcId="{04A85023-219B-4479-836B-DCFBBAF58EB0}" destId="{B744569E-E8A0-4E64-B94C-6B504028F814}" srcOrd="0" destOrd="0" presId="urn:microsoft.com/office/officeart/2008/layout/LinedList"/>
+    <dgm:cxn modelId="{4704D666-A624-430D-89C9-99FA2F41F4CC}" srcId="{C0E8203B-5169-4CD6-9702-53FE3A38D4B7}" destId="{2133CF33-4E5C-4D91-A00C-CCB6369CC28D}" srcOrd="3" destOrd="0" parTransId="{7EBDF186-8A9C-47EC-B82A-4AB55E36C37B}" sibTransId="{638DB0BF-FEBB-4515-97C0-0154376529D8}"/>
+    <dgm:cxn modelId="{1401745F-0965-48CD-85E8-3D578D914F4B}" type="presOf" srcId="{2133CF33-4E5C-4D91-A00C-CCB6369CC28D}" destId="{99DFEC6A-F643-4B07-8618-867DBF955F82}" srcOrd="0" destOrd="0" presId="urn:microsoft.com/office/officeart/2008/layout/LinedList"/>
+    <dgm:cxn modelId="{EA48023D-6DF6-4BFE-A9E1-89EE821FE651}" srcId="{C0E8203B-5169-4CD6-9702-53FE3A38D4B7}" destId="{72E01D4A-CC17-466A-AD45-D5D735EB8271}" srcOrd="4" destOrd="0" parTransId="{781495FD-B9D5-4FB9-B8EB-140BA60FE3A7}" sibTransId="{E63E57BD-5A7C-4D12-8A39-98F806CDABCA}"/>
+    <dgm:cxn modelId="{B107EB98-0D15-4C3E-BCD9-74B999BB9B5B}" type="presOf" srcId="{D04B8673-CF3C-4249-8FC0-37430591706B}" destId="{59E07A22-84B7-47CE-803B-AD1E4127ABD0}" srcOrd="0" destOrd="0" presId="urn:microsoft.com/office/officeart/2008/layout/LinedList"/>
+    <dgm:cxn modelId="{2732C65E-EBE0-429A-B44E-32A3D0242CB8}" srcId="{C0E8203B-5169-4CD6-9702-53FE3A38D4B7}" destId="{FE210EA8-9E36-4661-A004-AD95A93117EF}" srcOrd="1" destOrd="0" parTransId="{0F3A3B59-86B4-454E-A1AA-459B903C5A6E}" sibTransId="{CCD9615C-3035-460A-A4F3-54D8AA770FA2}"/>
     <dgm:cxn modelId="{4D15FD03-2980-4536-85E0-A4B5F951E9D3}" type="presOf" srcId="{D19C3654-EC85-4D17-8A65-476C8BCED155}" destId="{BFE0CF65-F27D-47F8-9D70-A9026C57CB17}" srcOrd="0" destOrd="0" presId="urn:microsoft.com/office/officeart/2008/layout/LinedList"/>
-    <dgm:cxn modelId="{E8BB7D19-2D6A-40DA-84F8-B5D6D86E4356}" srcId="{C0E8203B-5169-4CD6-9702-53FE3A38D4B7}" destId="{D19C3654-EC85-4D17-8A65-476C8BCED155}" srcOrd="2" destOrd="0" parTransId="{8E751289-9790-49EB-8039-CA4E92FB1665}" sibTransId="{67D87B0F-7D65-41BE-9F23-1E80F104C8AA}"/>
+    <dgm:cxn modelId="{E148CD2D-7C89-45E8-9322-F62594E1D71A}" type="presOf" srcId="{C0E8203B-5169-4CD6-9702-53FE3A38D4B7}" destId="{55250350-E17F-4CB6-83BA-1D4FE4D0BB7B}" srcOrd="0" destOrd="0" presId="urn:microsoft.com/office/officeart/2008/layout/LinedList"/>
     <dgm:cxn modelId="{FE9C151E-542E-4BAC-8771-AE334A43F846}" type="presOf" srcId="{EBAC00E8-AD22-49D1-A406-8557910A263D}" destId="{A4F65490-42AA-4A0A-9E92-496007A45D48}" srcOrd="0" destOrd="0" presId="urn:microsoft.com/office/officeart/2008/layout/LinedList"/>
-    <dgm:cxn modelId="{7B3DC829-8965-4F76-AECF-2D49CE626B61}" srcId="{C0E8203B-5169-4CD6-9702-53FE3A38D4B7}" destId="{EBAC00E8-AD22-49D1-A406-8557910A263D}" srcOrd="0" destOrd="0" parTransId="{C995157E-B4AB-4871-B74C-615D6B76C504}" sibTransId="{BE83C256-8C93-401C-901D-4ADDB015BA2A}"/>
-    <dgm:cxn modelId="{E148CD2D-7C89-45E8-9322-F62594E1D71A}" type="presOf" srcId="{C0E8203B-5169-4CD6-9702-53FE3A38D4B7}" destId="{55250350-E17F-4CB6-83BA-1D4FE4D0BB7B}" srcOrd="0" destOrd="0" presId="urn:microsoft.com/office/officeart/2008/layout/LinedList"/>
-    <dgm:cxn modelId="{EB9CC432-DA39-4291-AB50-78FBF72479CA}" type="presOf" srcId="{FE210EA8-9E36-4661-A004-AD95A93117EF}" destId="{B59BED8F-2E92-459B-946F-F8F67E0A26E2}" srcOrd="0" destOrd="0" presId="urn:microsoft.com/office/officeart/2008/layout/LinedList"/>
-    <dgm:cxn modelId="{EA48023D-6DF6-4BFE-A9E1-89EE821FE651}" srcId="{C0E8203B-5169-4CD6-9702-53FE3A38D4B7}" destId="{72E01D4A-CC17-466A-AD45-D5D735EB8271}" srcOrd="4" destOrd="0" parTransId="{781495FD-B9D5-4FB9-B8EB-140BA60FE3A7}" sibTransId="{E63E57BD-5A7C-4D12-8A39-98F806CDABCA}"/>
-    <dgm:cxn modelId="{2732C65E-EBE0-429A-B44E-32A3D0242CB8}" srcId="{C0E8203B-5169-4CD6-9702-53FE3A38D4B7}" destId="{FE210EA8-9E36-4661-A004-AD95A93117EF}" srcOrd="1" destOrd="0" parTransId="{0F3A3B59-86B4-454E-A1AA-459B903C5A6E}" sibTransId="{CCD9615C-3035-460A-A4F3-54D8AA770FA2}"/>
-    <dgm:cxn modelId="{1401745F-0965-48CD-85E8-3D578D914F4B}" type="presOf" srcId="{2133CF33-4E5C-4D91-A00C-CCB6369CC28D}" destId="{99DFEC6A-F643-4B07-8618-867DBF955F82}" srcOrd="0" destOrd="0" presId="urn:microsoft.com/office/officeart/2008/layout/LinedList"/>
-    <dgm:cxn modelId="{4704D666-A624-430D-89C9-99FA2F41F4CC}" srcId="{C0E8203B-5169-4CD6-9702-53FE3A38D4B7}" destId="{2133CF33-4E5C-4D91-A00C-CCB6369CC28D}" srcOrd="3" destOrd="0" parTransId="{7EBDF186-8A9C-47EC-B82A-4AB55E36C37B}" sibTransId="{638DB0BF-FEBB-4515-97C0-0154376529D8}"/>
-    <dgm:cxn modelId="{9CBCB46E-ED88-4C20-852C-D8FDF6CAB28E}" srcId="{C0E8203B-5169-4CD6-9702-53FE3A38D4B7}" destId="{D04B8673-CF3C-4249-8FC0-37430591706B}" srcOrd="5" destOrd="0" parTransId="{AD28C86C-54AE-47C8-A0F9-5BCFA576A240}" sibTransId="{8038754E-B726-4859-9C89-A6BEC7CE1930}"/>
-    <dgm:cxn modelId="{5E364358-14E0-4092-8929-4F3402F69850}" type="presOf" srcId="{72E01D4A-CC17-466A-AD45-D5D735EB8271}" destId="{1F40FA49-3CA3-4E6F-8033-33616EC3A9A1}" srcOrd="0" destOrd="0" presId="urn:microsoft.com/office/officeart/2008/layout/LinedList"/>
-    <dgm:cxn modelId="{B107EB98-0D15-4C3E-BCD9-74B999BB9B5B}" type="presOf" srcId="{D04B8673-CF3C-4249-8FC0-37430591706B}" destId="{59E07A22-84B7-47CE-803B-AD1E4127ABD0}" srcOrd="0" destOrd="0" presId="urn:microsoft.com/office/officeart/2008/layout/LinedList"/>
-    <dgm:cxn modelId="{275AB8D9-6619-4ED2-90D6-FCBDF3928AF1}" type="presOf" srcId="{04A85023-219B-4479-836B-DCFBBAF58EB0}" destId="{B744569E-E8A0-4E64-B94C-6B504028F814}" srcOrd="0" destOrd="0" presId="urn:microsoft.com/office/officeart/2008/layout/LinedList"/>
-    <dgm:cxn modelId="{59CC2AF2-9600-4719-9E87-65990007BF3B}" srcId="{04A85023-219B-4479-836B-DCFBBAF58EB0}" destId="{C0E8203B-5169-4CD6-9702-53FE3A38D4B7}" srcOrd="0" destOrd="0" parTransId="{8770659B-25EF-42F8-BE17-875FAC9CE592}" sibTransId="{CDBEC1E2-C9D1-414C-B88A-41059C37FCC9}"/>
     <dgm:cxn modelId="{DD60E0E0-85F3-47CC-96CB-12BDD19A49A9}" type="presParOf" srcId="{B744569E-E8A0-4E64-B94C-6B504028F814}" destId="{9C1D2CB9-94B3-4BB4-AD6E-339F612D3E51}" srcOrd="0" destOrd="0" presId="urn:microsoft.com/office/officeart/2008/layout/LinedList"/>
     <dgm:cxn modelId="{6DE242E6-B0A4-4FF3-82A3-9156D4B0F723}" type="presParOf" srcId="{B744569E-E8A0-4E64-B94C-6B504028F814}" destId="{2B4DD2A1-FF06-4C7F-A2B7-CD5206942EC1}" srcOrd="1" destOrd="0" presId="urn:microsoft.com/office/officeart/2008/layout/LinedList"/>
     <dgm:cxn modelId="{CFDCCB83-288B-4E3B-9B1C-A9BE9888EBE2}" type="presParOf" srcId="{2B4DD2A1-FF06-4C7F-A2B7-CD5206942EC1}" destId="{55250350-E17F-4CB6-83BA-1D4FE4D0BB7B}" srcOrd="0" destOrd="0" presId="urn:microsoft.com/office/officeart/2008/layout/LinedList"/>
@@ -2255,7 +2311,7 @@
   <dgm:whole/>
   <dgm:extLst>
     <a:ext uri="http://schemas.microsoft.com/office/drawing/2008/diagram">
-      <dsp:dataModelExt xmlns:dsp="http://schemas.microsoft.com/office/drawing/2008/diagram" relId="rId6" minVer="http://schemas.openxmlformats.org/drawingml/2006/diagram"/>
+      <dsp:dataModelExt xmlns:dsp="http://schemas.microsoft.com/office/drawing/2008/diagram" xmlns="" relId="rId6" minVer="http://schemas.openxmlformats.org/drawingml/2006/diagram"/>
     </a:ext>
   </dgm:extLst>
 </dgm:dataModel>
@@ -2477,6 +2533,13 @@
         </dgm:presLayoutVars>
       </dgm:prSet>
       <dgm:spPr/>
+      <dgm:t>
+        <a:bodyPr/>
+        <a:lstStyle/>
+        <a:p>
+          <a:endParaRPr lang="de-DE"/>
+        </a:p>
+      </dgm:t>
     </dgm:pt>
     <dgm:pt modelId="{87B7C387-3A56-4349-9EE0-D15265E7957D}" type="pres">
       <dgm:prSet presAssocID="{CC21F494-BAA2-47FE-B6A1-19AB0C0C95ED}" presName="thickLine" presStyleLbl="alignNode1" presStyleIdx="0" presStyleCnt="1"/>
@@ -2489,6 +2552,13 @@
     <dgm:pt modelId="{0FD6BB48-29D0-498E-BAB0-9759B4FDBA26}" type="pres">
       <dgm:prSet presAssocID="{CC21F494-BAA2-47FE-B6A1-19AB0C0C95ED}" presName="tx1" presStyleLbl="revTx" presStyleIdx="0" presStyleCnt="5"/>
       <dgm:spPr/>
+      <dgm:t>
+        <a:bodyPr/>
+        <a:lstStyle/>
+        <a:p>
+          <a:endParaRPr lang="de-DE"/>
+        </a:p>
+      </dgm:t>
     </dgm:pt>
     <dgm:pt modelId="{07E10C9D-1B5C-45BC-9F8F-081DF2E7CA90}" type="pres">
       <dgm:prSet presAssocID="{CC21F494-BAA2-47FE-B6A1-19AB0C0C95ED}" presName="vert1" presStyleCnt="0"/>
@@ -2509,6 +2579,13 @@
     <dgm:pt modelId="{2748B678-8B77-4486-9221-D7AD8CD82137}" type="pres">
       <dgm:prSet presAssocID="{9695DA26-C5CE-4563-AA4D-1933F040E226}" presName="tx2" presStyleLbl="revTx" presStyleIdx="1" presStyleCnt="5"/>
       <dgm:spPr/>
+      <dgm:t>
+        <a:bodyPr/>
+        <a:lstStyle/>
+        <a:p>
+          <a:endParaRPr lang="de-DE"/>
+        </a:p>
+      </dgm:t>
     </dgm:pt>
     <dgm:pt modelId="{DF02CF00-2657-4208-B8EB-9989F59FDCAC}" type="pres">
       <dgm:prSet presAssocID="{9695DA26-C5CE-4563-AA4D-1933F040E226}" presName="vert2" presStyleCnt="0"/>
@@ -2533,6 +2610,13 @@
     <dgm:pt modelId="{9E044F2B-C117-4322-B20F-1D7277F2451D}" type="pres">
       <dgm:prSet presAssocID="{BC354689-7573-41A5-99A7-FB220FD47960}" presName="tx2" presStyleLbl="revTx" presStyleIdx="2" presStyleCnt="5"/>
       <dgm:spPr/>
+      <dgm:t>
+        <a:bodyPr/>
+        <a:lstStyle/>
+        <a:p>
+          <a:endParaRPr lang="de-DE"/>
+        </a:p>
+      </dgm:t>
     </dgm:pt>
     <dgm:pt modelId="{BCAAC597-CED9-46FD-AC59-C25586E29413}" type="pres">
       <dgm:prSet presAssocID="{BC354689-7573-41A5-99A7-FB220FD47960}" presName="vert2" presStyleCnt="0"/>
@@ -2557,6 +2641,13 @@
     <dgm:pt modelId="{2135EF6E-EFA6-41B5-979F-9A2D3CB1FD26}" type="pres">
       <dgm:prSet presAssocID="{12966170-2A97-4B94-A4A8-4FBFC521FF80}" presName="tx2" presStyleLbl="revTx" presStyleIdx="3" presStyleCnt="5"/>
       <dgm:spPr/>
+      <dgm:t>
+        <a:bodyPr/>
+        <a:lstStyle/>
+        <a:p>
+          <a:endParaRPr lang="de-DE"/>
+        </a:p>
+      </dgm:t>
     </dgm:pt>
     <dgm:pt modelId="{9B83E98C-DAFF-4783-B1D1-126D1FCE5AE0}" type="pres">
       <dgm:prSet presAssocID="{12966170-2A97-4B94-A4A8-4FBFC521FF80}" presName="vert2" presStyleCnt="0"/>
@@ -2581,6 +2672,13 @@
     <dgm:pt modelId="{99B4E6DD-6B66-4412-89C6-9350E2D1D32C}" type="pres">
       <dgm:prSet presAssocID="{C6E2C73E-E40C-447D-8663-EAB5B9C40124}" presName="tx2" presStyleLbl="revTx" presStyleIdx="4" presStyleCnt="5"/>
       <dgm:spPr/>
+      <dgm:t>
+        <a:bodyPr/>
+        <a:lstStyle/>
+        <a:p>
+          <a:endParaRPr lang="de-DE"/>
+        </a:p>
+      </dgm:t>
     </dgm:pt>
     <dgm:pt modelId="{8D0BDB98-1B5C-4A58-8B76-A4D5D5818353}" type="pres">
       <dgm:prSet presAssocID="{C6E2C73E-E40C-447D-8663-EAB5B9C40124}" presName="vert2" presStyleCnt="0"/>
@@ -2596,17 +2694,17 @@
     </dgm:pt>
   </dgm:ptLst>
   <dgm:cxnLst>
-    <dgm:cxn modelId="{9A6F8306-535B-48F8-B6DE-774CE0A263BC}" type="presOf" srcId="{12966170-2A97-4B94-A4A8-4FBFC521FF80}" destId="{2135EF6E-EFA6-41B5-979F-9A2D3CB1FD26}" srcOrd="0" destOrd="0" presId="urn:microsoft.com/office/officeart/2008/layout/LinedList"/>
+    <dgm:cxn modelId="{694C24C9-293F-44AC-8D46-C0C63198B23F}" type="presOf" srcId="{CF9D0527-0BA1-4294-9D0E-5E87E70E9558}" destId="{4021A4CB-A016-4309-8003-441B4765E50D}" srcOrd="0" destOrd="0" presId="urn:microsoft.com/office/officeart/2008/layout/LinedList"/>
+    <dgm:cxn modelId="{7C802E8D-933B-41A8-BCE0-61BE606423AD}" srcId="{CC21F494-BAA2-47FE-B6A1-19AB0C0C95ED}" destId="{C6E2C73E-E40C-447D-8663-EAB5B9C40124}" srcOrd="3" destOrd="0" parTransId="{EDC914D5-FC8E-4C9F-B6F4-B88EDF977117}" sibTransId="{BFFC85B7-D0EA-4AB1-9549-23491F0E1572}"/>
+    <dgm:cxn modelId="{5465E1B3-ADD6-43DD-A61B-79058F09657E}" type="presOf" srcId="{C6E2C73E-E40C-447D-8663-EAB5B9C40124}" destId="{99B4E6DD-6B66-4412-89C6-9350E2D1D32C}" srcOrd="0" destOrd="0" presId="urn:microsoft.com/office/officeart/2008/layout/LinedList"/>
+    <dgm:cxn modelId="{6BF77972-60CB-4A1A-A027-B30AB9D5C9BD}" srcId="{CC21F494-BAA2-47FE-B6A1-19AB0C0C95ED}" destId="{12966170-2A97-4B94-A4A8-4FBFC521FF80}" srcOrd="2" destOrd="0" parTransId="{C7A5748F-D124-47B1-91B4-510BC09651AE}" sibTransId="{296ED114-D69C-48FA-A452-A8BFB2FCDEC2}"/>
+    <dgm:cxn modelId="{8B63603B-F12D-4664-8E61-20141215B6FF}" type="presOf" srcId="{CC21F494-BAA2-47FE-B6A1-19AB0C0C95ED}" destId="{0FD6BB48-29D0-498E-BAB0-9759B4FDBA26}" srcOrd="0" destOrd="0" presId="urn:microsoft.com/office/officeart/2008/layout/LinedList"/>
+    <dgm:cxn modelId="{8E431D6E-A647-4F19-BEC2-FCED9BA8D043}" type="presOf" srcId="{BC354689-7573-41A5-99A7-FB220FD47960}" destId="{9E044F2B-C117-4322-B20F-1D7277F2451D}" srcOrd="0" destOrd="0" presId="urn:microsoft.com/office/officeart/2008/layout/LinedList"/>
     <dgm:cxn modelId="{B9A0A92A-6332-41A1-958E-AF86BA2A641C}" srcId="{CF9D0527-0BA1-4294-9D0E-5E87E70E9558}" destId="{CC21F494-BAA2-47FE-B6A1-19AB0C0C95ED}" srcOrd="0" destOrd="0" parTransId="{C0166FF6-D35A-4AD5-935A-F5E6D4E80BEF}" sibTransId="{28D9E21F-8714-45DE-B8A4-DF9BAA0CE5F6}"/>
     <dgm:cxn modelId="{9A1F7A3A-4E51-437F-BF7F-179C7C940B99}" srcId="{CC21F494-BAA2-47FE-B6A1-19AB0C0C95ED}" destId="{9695DA26-C5CE-4563-AA4D-1933F040E226}" srcOrd="0" destOrd="0" parTransId="{FABE37EB-A981-4F3D-98EF-DBF3933E5E49}" sibTransId="{5B3DBAC2-87C4-4A2F-8841-E177241B909E}"/>
-    <dgm:cxn modelId="{8B63603B-F12D-4664-8E61-20141215B6FF}" type="presOf" srcId="{CC21F494-BAA2-47FE-B6A1-19AB0C0C95ED}" destId="{0FD6BB48-29D0-498E-BAB0-9759B4FDBA26}" srcOrd="0" destOrd="0" presId="urn:microsoft.com/office/officeart/2008/layout/LinedList"/>
+    <dgm:cxn modelId="{61F6D0B1-DF69-4F7D-8767-7539A800AAA1}" srcId="{CC21F494-BAA2-47FE-B6A1-19AB0C0C95ED}" destId="{BC354689-7573-41A5-99A7-FB220FD47960}" srcOrd="1" destOrd="0" parTransId="{DC74516C-AF05-49B6-ACB8-D5EBB2DA2FC3}" sibTransId="{A31DBC45-B7DF-4375-A782-EE39AB23EC79}"/>
+    <dgm:cxn modelId="{9A6F8306-535B-48F8-B6DE-774CE0A263BC}" type="presOf" srcId="{12966170-2A97-4B94-A4A8-4FBFC521FF80}" destId="{2135EF6E-EFA6-41B5-979F-9A2D3CB1FD26}" srcOrd="0" destOrd="0" presId="urn:microsoft.com/office/officeart/2008/layout/LinedList"/>
     <dgm:cxn modelId="{D55D0F61-7E12-4645-8DF1-9B29A1EAA879}" type="presOf" srcId="{9695DA26-C5CE-4563-AA4D-1933F040E226}" destId="{2748B678-8B77-4486-9221-D7AD8CD82137}" srcOrd="0" destOrd="0" presId="urn:microsoft.com/office/officeart/2008/layout/LinedList"/>
-    <dgm:cxn modelId="{8E431D6E-A647-4F19-BEC2-FCED9BA8D043}" type="presOf" srcId="{BC354689-7573-41A5-99A7-FB220FD47960}" destId="{9E044F2B-C117-4322-B20F-1D7277F2451D}" srcOrd="0" destOrd="0" presId="urn:microsoft.com/office/officeart/2008/layout/LinedList"/>
-    <dgm:cxn modelId="{6BF77972-60CB-4A1A-A027-B30AB9D5C9BD}" srcId="{CC21F494-BAA2-47FE-B6A1-19AB0C0C95ED}" destId="{12966170-2A97-4B94-A4A8-4FBFC521FF80}" srcOrd="2" destOrd="0" parTransId="{C7A5748F-D124-47B1-91B4-510BC09651AE}" sibTransId="{296ED114-D69C-48FA-A452-A8BFB2FCDEC2}"/>
-    <dgm:cxn modelId="{7C802E8D-933B-41A8-BCE0-61BE606423AD}" srcId="{CC21F494-BAA2-47FE-B6A1-19AB0C0C95ED}" destId="{C6E2C73E-E40C-447D-8663-EAB5B9C40124}" srcOrd="3" destOrd="0" parTransId="{EDC914D5-FC8E-4C9F-B6F4-B88EDF977117}" sibTransId="{BFFC85B7-D0EA-4AB1-9549-23491F0E1572}"/>
-    <dgm:cxn modelId="{61F6D0B1-DF69-4F7D-8767-7539A800AAA1}" srcId="{CC21F494-BAA2-47FE-B6A1-19AB0C0C95ED}" destId="{BC354689-7573-41A5-99A7-FB220FD47960}" srcOrd="1" destOrd="0" parTransId="{DC74516C-AF05-49B6-ACB8-D5EBB2DA2FC3}" sibTransId="{A31DBC45-B7DF-4375-A782-EE39AB23EC79}"/>
-    <dgm:cxn modelId="{5465E1B3-ADD6-43DD-A61B-79058F09657E}" type="presOf" srcId="{C6E2C73E-E40C-447D-8663-EAB5B9C40124}" destId="{99B4E6DD-6B66-4412-89C6-9350E2D1D32C}" srcOrd="0" destOrd="0" presId="urn:microsoft.com/office/officeart/2008/layout/LinedList"/>
-    <dgm:cxn modelId="{694C24C9-293F-44AC-8D46-C0C63198B23F}" type="presOf" srcId="{CF9D0527-0BA1-4294-9D0E-5E87E70E9558}" destId="{4021A4CB-A016-4309-8003-441B4765E50D}" srcOrd="0" destOrd="0" presId="urn:microsoft.com/office/officeart/2008/layout/LinedList"/>
     <dgm:cxn modelId="{6E554199-CF4F-4A56-AA4E-BD37105C5ECF}" type="presParOf" srcId="{4021A4CB-A016-4309-8003-441B4765E50D}" destId="{87B7C387-3A56-4349-9EE0-D15265E7957D}" srcOrd="0" destOrd="0" presId="urn:microsoft.com/office/officeart/2008/layout/LinedList"/>
     <dgm:cxn modelId="{A73F0C02-1F3C-4AB3-913F-91C809EF5D5A}" type="presParOf" srcId="{4021A4CB-A016-4309-8003-441B4765E50D}" destId="{99634468-7D2F-4032-97A6-1EC37ECEEF49}" srcOrd="1" destOrd="0" presId="urn:microsoft.com/office/officeart/2008/layout/LinedList"/>
     <dgm:cxn modelId="{5F416445-C114-474B-A6F3-6C42262474EA}" type="presParOf" srcId="{99634468-7D2F-4032-97A6-1EC37ECEEF49}" destId="{0FD6BB48-29D0-498E-BAB0-9759B4FDBA26}" srcOrd="0" destOrd="0" presId="urn:microsoft.com/office/officeart/2008/layout/LinedList"/>
@@ -2641,14 +2739,14 @@
   <dgm:whole/>
   <dgm:extLst>
     <a:ext uri="http://schemas.microsoft.com/office/drawing/2008/diagram">
-      <dsp:dataModelExt xmlns:dsp="http://schemas.microsoft.com/office/drawing/2008/diagram" relId="rId6" minVer="http://schemas.openxmlformats.org/drawingml/2006/diagram"/>
+      <dsp:dataModelExt xmlns:dsp="http://schemas.microsoft.com/office/drawing/2008/diagram" xmlns="" relId="rId6" minVer="http://schemas.openxmlformats.org/drawingml/2006/diagram"/>
     </a:ext>
   </dgm:extLst>
 </dgm:dataModel>
 </file>
 
 <file path=ppt/diagrams/drawing1.xml><?xml version="1.0" encoding="utf-8"?>
-<dsp:drawing xmlns:dgm="http://schemas.openxmlformats.org/drawingml/2006/diagram" xmlns:dsp="http://schemas.microsoft.com/office/drawing/2008/diagram" xmlns:a="http://schemas.openxmlformats.org/drawingml/2006/main">
+<dsp:drawing xmlns:dgm="http://schemas.openxmlformats.org/drawingml/2006/diagram" xmlns:a="http://schemas.openxmlformats.org/drawingml/2006/main" xmlns:dsp="http://schemas.microsoft.com/office/drawing/2008/diagram">
   <dsp:spTree>
     <dsp:nvGrpSpPr>
       <dsp:cNvPr id="0" name=""/>
@@ -2741,7 +2839,7 @@
         </a:bodyPr>
         <a:lstStyle/>
         <a:p>
-          <a:pPr marL="0" lvl="0" indent="0" algn="l" defTabSz="1422400">
+          <a:pPr lvl="0" algn="l" defTabSz="1422400">
             <a:lnSpc>
               <a:spcPct val="90000"/>
             </a:lnSpc>
@@ -2751,7 +2849,6 @@
             <a:spcAft>
               <a:spcPct val="35000"/>
             </a:spcAft>
-            <a:buNone/>
           </a:pPr>
           <a:r>
             <a:rPr lang="de-DE" sz="3200" kern="1200" dirty="0" err="1"/>
@@ -2806,7 +2903,7 @@
         </a:bodyPr>
         <a:lstStyle/>
         <a:p>
-          <a:pPr marL="0" lvl="0" indent="0" algn="l" defTabSz="889000">
+          <a:pPr lvl="0" algn="l" defTabSz="889000">
             <a:lnSpc>
               <a:spcPct val="90000"/>
             </a:lnSpc>
@@ -2816,7 +2913,6 @@
             <a:spcAft>
               <a:spcPct val="35000"/>
             </a:spcAft>
-            <a:buNone/>
           </a:pPr>
           <a:r>
             <a:rPr lang="en-US" sz="2000" kern="1200" dirty="0"/>
@@ -2914,7 +3010,7 @@
         </a:bodyPr>
         <a:lstStyle/>
         <a:p>
-          <a:pPr marL="0" lvl="0" indent="0" algn="l" defTabSz="889000">
+          <a:pPr lvl="0" algn="l" defTabSz="889000">
             <a:lnSpc>
               <a:spcPct val="90000"/>
             </a:lnSpc>
@@ -2924,7 +3020,6 @@
             <a:spcAft>
               <a:spcPct val="35000"/>
             </a:spcAft>
-            <a:buNone/>
           </a:pPr>
           <a:r>
             <a:rPr lang="en-US" sz="2000" kern="1200" dirty="0"/>
@@ -3022,7 +3117,7 @@
         </a:bodyPr>
         <a:lstStyle/>
         <a:p>
-          <a:pPr marL="0" lvl="0" indent="0" algn="l" defTabSz="889000">
+          <a:pPr lvl="0" algn="l" defTabSz="889000">
             <a:lnSpc>
               <a:spcPct val="90000"/>
             </a:lnSpc>
@@ -3032,7 +3127,6 @@
             <a:spcAft>
               <a:spcPct val="35000"/>
             </a:spcAft>
-            <a:buNone/>
           </a:pPr>
           <a:r>
             <a:rPr lang="en-US" sz="2000" kern="1200" dirty="0"/>
@@ -3130,7 +3224,7 @@
         </a:bodyPr>
         <a:lstStyle/>
         <a:p>
-          <a:pPr marL="0" lvl="0" indent="0" algn="l" defTabSz="889000">
+          <a:pPr lvl="0" algn="l" defTabSz="889000">
             <a:lnSpc>
               <a:spcPct val="90000"/>
             </a:lnSpc>
@@ -3140,7 +3234,6 @@
             <a:spcAft>
               <a:spcPct val="35000"/>
             </a:spcAft>
-            <a:buNone/>
           </a:pPr>
           <a:r>
             <a:rPr lang="en-US" sz="2000" kern="1200" dirty="0"/>
@@ -3238,7 +3331,7 @@
         </a:bodyPr>
         <a:lstStyle/>
         <a:p>
-          <a:pPr marL="0" lvl="0" indent="0" algn="l" defTabSz="889000">
+          <a:pPr lvl="0" algn="l" defTabSz="889000">
             <a:lnSpc>
               <a:spcPct val="90000"/>
             </a:lnSpc>
@@ -3248,7 +3341,6 @@
             <a:spcAft>
               <a:spcPct val="35000"/>
             </a:spcAft>
-            <a:buNone/>
           </a:pPr>
           <a:r>
             <a:rPr lang="en-US" sz="2000" kern="1200" dirty="0"/>
@@ -3346,7 +3438,7 @@
         </a:bodyPr>
         <a:lstStyle/>
         <a:p>
-          <a:pPr marL="0" lvl="0" indent="0" algn="l" defTabSz="889000">
+          <a:pPr lvl="0" algn="l" defTabSz="889000">
             <a:lnSpc>
               <a:spcPct val="90000"/>
             </a:lnSpc>
@@ -3356,7 +3448,6 @@
             <a:spcAft>
               <a:spcPct val="35000"/>
             </a:spcAft>
-            <a:buNone/>
           </a:pPr>
           <a:r>
             <a:rPr lang="en-US" sz="2000" kern="1200" dirty="0"/>
@@ -3422,7 +3513,7 @@
 </file>
 
 <file path=ppt/diagrams/drawing2.xml><?xml version="1.0" encoding="utf-8"?>
-<dsp:drawing xmlns:dgm="http://schemas.openxmlformats.org/drawingml/2006/diagram" xmlns:dsp="http://schemas.microsoft.com/office/drawing/2008/diagram" xmlns:a="http://schemas.openxmlformats.org/drawingml/2006/main">
+<dsp:drawing xmlns:dgm="http://schemas.openxmlformats.org/drawingml/2006/diagram" xmlns:a="http://schemas.openxmlformats.org/drawingml/2006/main" xmlns:dsp="http://schemas.microsoft.com/office/drawing/2008/diagram">
   <dsp:spTree>
     <dsp:nvGrpSpPr>
       <dsp:cNvPr id="0" name=""/>
@@ -3515,7 +3606,7 @@
         </a:bodyPr>
         <a:lstStyle/>
         <a:p>
-          <a:pPr marL="0" lvl="0" indent="0" algn="l" defTabSz="1289050">
+          <a:pPr lvl="0" algn="l" defTabSz="1289050">
             <a:lnSpc>
               <a:spcPct val="90000"/>
             </a:lnSpc>
@@ -3525,7 +3616,6 @@
             <a:spcAft>
               <a:spcPct val="35000"/>
             </a:spcAft>
-            <a:buNone/>
           </a:pPr>
           <a:r>
             <a:rPr lang="de-DE" sz="2900" kern="1200" dirty="0"/>
@@ -3580,7 +3670,7 @@
         </a:bodyPr>
         <a:lstStyle/>
         <a:p>
-          <a:pPr marL="0" lvl="0" indent="0" algn="l" defTabSz="977900">
+          <a:pPr lvl="0" algn="l" defTabSz="977900">
             <a:lnSpc>
               <a:spcPct val="90000"/>
             </a:lnSpc>
@@ -3590,7 +3680,6 @@
             <a:spcAft>
               <a:spcPct val="35000"/>
             </a:spcAft>
-            <a:buNone/>
           </a:pPr>
           <a:r>
             <a:rPr lang="en-US" sz="2200" kern="1200" dirty="0"/>
@@ -3688,7 +3777,7 @@
         </a:bodyPr>
         <a:lstStyle/>
         <a:p>
-          <a:pPr marL="0" lvl="0" indent="0" algn="l" defTabSz="977900">
+          <a:pPr lvl="0" algn="l" defTabSz="977900">
             <a:lnSpc>
               <a:spcPct val="90000"/>
             </a:lnSpc>
@@ -3698,7 +3787,6 @@
             <a:spcAft>
               <a:spcPct val="35000"/>
             </a:spcAft>
-            <a:buNone/>
           </a:pPr>
           <a:r>
             <a:rPr lang="en-US" sz="2200" kern="1200" dirty="0"/>
@@ -3796,7 +3884,7 @@
         </a:bodyPr>
         <a:lstStyle/>
         <a:p>
-          <a:pPr marL="0" lvl="0" indent="0" algn="l" defTabSz="977900">
+          <a:pPr lvl="0" algn="l" defTabSz="977900">
             <a:lnSpc>
               <a:spcPct val="90000"/>
             </a:lnSpc>
@@ -3806,7 +3894,6 @@
             <a:spcAft>
               <a:spcPct val="35000"/>
             </a:spcAft>
-            <a:buNone/>
           </a:pPr>
           <a:r>
             <a:rPr lang="en-US" sz="2200" kern="1200" dirty="0"/>
@@ -3912,7 +3999,7 @@
         </a:bodyPr>
         <a:lstStyle/>
         <a:p>
-          <a:pPr marL="0" lvl="0" indent="0" algn="l" defTabSz="977900">
+          <a:pPr lvl="0" algn="l" defTabSz="977900">
             <a:lnSpc>
               <a:spcPct val="90000"/>
             </a:lnSpc>
@@ -3922,7 +4009,6 @@
             <a:spcAft>
               <a:spcPct val="35000"/>
             </a:spcAft>
-            <a:buNone/>
           </a:pPr>
           <a:r>
             <a:rPr lang="en-US" sz="2200" kern="1200" dirty="0"/>
@@ -7381,7 +7467,7 @@
     </p:spTree>
     <p:extLst>
       <p:ext uri="{BB962C8B-B14F-4D97-AF65-F5344CB8AC3E}">
-        <p14:creationId xmlns:p14="http://schemas.microsoft.com/office/powerpoint/2010/main" val="3345007041"/>
+        <p14:creationId xmlns:p14="http://schemas.microsoft.com/office/powerpoint/2010/main" xmlns="" val="3345007041"/>
       </p:ext>
     </p:extLst>
   </p:cSld>
@@ -7920,7 +8006,7 @@
     </p:spTree>
     <p:extLst>
       <p:ext uri="{BB962C8B-B14F-4D97-AF65-F5344CB8AC3E}">
-        <p14:creationId xmlns:p14="http://schemas.microsoft.com/office/powerpoint/2010/main" val="516787406"/>
+        <p14:creationId xmlns:p14="http://schemas.microsoft.com/office/powerpoint/2010/main" xmlns="" val="516787406"/>
       </p:ext>
     </p:extLst>
   </p:cSld>
@@ -8318,7 +8404,7 @@
     </p:spTree>
     <p:extLst>
       <p:ext uri="{BB962C8B-B14F-4D97-AF65-F5344CB8AC3E}">
-        <p14:creationId xmlns:p14="http://schemas.microsoft.com/office/powerpoint/2010/main" val="711907682"/>
+        <p14:creationId xmlns:p14="http://schemas.microsoft.com/office/powerpoint/2010/main" xmlns="" val="711907682"/>
       </p:ext>
     </p:extLst>
   </p:cSld>
@@ -8458,7 +8544,7 @@
     </p:spTree>
     <p:extLst>
       <p:ext uri="{BB962C8B-B14F-4D97-AF65-F5344CB8AC3E}">
-        <p14:creationId xmlns:p14="http://schemas.microsoft.com/office/powerpoint/2010/main" val="2160760500"/>
+        <p14:creationId xmlns:p14="http://schemas.microsoft.com/office/powerpoint/2010/main" xmlns="" val="2160760500"/>
       </p:ext>
     </p:extLst>
   </p:cSld>
@@ -8630,7 +8716,7 @@
     </p:spTree>
     <p:extLst>
       <p:ext uri="{BB962C8B-B14F-4D97-AF65-F5344CB8AC3E}">
-        <p14:creationId xmlns:p14="http://schemas.microsoft.com/office/powerpoint/2010/main" val="2200117069"/>
+        <p14:creationId xmlns:p14="http://schemas.microsoft.com/office/powerpoint/2010/main" xmlns="" val="2200117069"/>
       </p:ext>
     </p:extLst>
   </p:cSld>
@@ -8937,7 +9023,7 @@
     </p:spTree>
     <p:extLst>
       <p:ext uri="{BB962C8B-B14F-4D97-AF65-F5344CB8AC3E}">
-        <p14:creationId xmlns:p14="http://schemas.microsoft.com/office/powerpoint/2010/main" val="2200117069"/>
+        <p14:creationId xmlns:p14="http://schemas.microsoft.com/office/powerpoint/2010/main" xmlns="" val="2200117069"/>
       </p:ext>
     </p:extLst>
   </p:cSld>
@@ -9077,7 +9163,7 @@
     </p:spTree>
     <p:extLst>
       <p:ext uri="{BB962C8B-B14F-4D97-AF65-F5344CB8AC3E}">
-        <p14:creationId xmlns:p14="http://schemas.microsoft.com/office/powerpoint/2010/main" val="2200117069"/>
+        <p14:creationId xmlns:p14="http://schemas.microsoft.com/office/powerpoint/2010/main" xmlns="" val="2200117069"/>
       </p:ext>
     </p:extLst>
   </p:cSld>
@@ -9397,7 +9483,7 @@
     </p:spTree>
     <p:extLst>
       <p:ext uri="{BB962C8B-B14F-4D97-AF65-F5344CB8AC3E}">
-        <p14:creationId xmlns:p14="http://schemas.microsoft.com/office/powerpoint/2010/main" val="2200117069"/>
+        <p14:creationId xmlns:p14="http://schemas.microsoft.com/office/powerpoint/2010/main" xmlns="" val="2200117069"/>
       </p:ext>
     </p:extLst>
   </p:cSld>
@@ -9537,7 +9623,7 @@
     </p:spTree>
     <p:extLst>
       <p:ext uri="{BB962C8B-B14F-4D97-AF65-F5344CB8AC3E}">
-        <p14:creationId xmlns:p14="http://schemas.microsoft.com/office/powerpoint/2010/main" val="2200117069"/>
+        <p14:creationId xmlns:p14="http://schemas.microsoft.com/office/powerpoint/2010/main" xmlns="" val="2200117069"/>
       </p:ext>
     </p:extLst>
   </p:cSld>
@@ -9677,7 +9763,7 @@
     </p:spTree>
     <p:extLst>
       <p:ext uri="{BB962C8B-B14F-4D97-AF65-F5344CB8AC3E}">
-        <p14:creationId xmlns:p14="http://schemas.microsoft.com/office/powerpoint/2010/main" val="2120057942"/>
+        <p14:creationId xmlns:p14="http://schemas.microsoft.com/office/powerpoint/2010/main" xmlns="" val="2120057942"/>
       </p:ext>
     </p:extLst>
   </p:cSld>
@@ -9817,7 +9903,7 @@
     </p:spTree>
     <p:extLst>
       <p:ext uri="{BB962C8B-B14F-4D97-AF65-F5344CB8AC3E}">
-        <p14:creationId xmlns:p14="http://schemas.microsoft.com/office/powerpoint/2010/main" val="3697177154"/>
+        <p14:creationId xmlns:p14="http://schemas.microsoft.com/office/powerpoint/2010/main" xmlns="" val="3697177154"/>
       </p:ext>
     </p:extLst>
   </p:cSld>
@@ -10298,7 +10384,7 @@
           <p:cNvPr id="13" name="Picture 2" descr="small ke-icon">
             <a:extLst>
               <a:ext uri="{FF2B5EF4-FFF2-40B4-BE49-F238E27FC236}">
-                <a16:creationId xmlns:a16="http://schemas.microsoft.com/office/drawing/2014/main" id="{83854E58-1482-478C-955E-C8509C8684B6}"/>
+                <a16:creationId xmlns:a16="http://schemas.microsoft.com/office/drawing/2014/main" xmlns="" id="{83854E58-1482-478C-955E-C8509C8684B6}"/>
               </a:ext>
             </a:extLst>
           </p:cNvPr>
@@ -10311,7 +10397,7 @@
           <a:blip r:embed="rId3" cstate="print">
             <a:extLst>
               <a:ext uri="{28A0092B-C50C-407E-A947-70E740481C1C}">
-                <a14:useLocalDpi xmlns:a14="http://schemas.microsoft.com/office/drawing/2010/main" val="0"/>
+                <a14:useLocalDpi xmlns:a14="http://schemas.microsoft.com/office/drawing/2010/main" xmlns="" val="0"/>
               </a:ext>
             </a:extLst>
           </a:blip>
@@ -10331,7 +10417,7 @@
           <a:noFill/>
           <a:extLst>
             <a:ext uri="{909E8E84-426E-40DD-AFC4-6F175D3DCCD1}">
-              <a14:hiddenFill xmlns:a14="http://schemas.microsoft.com/office/drawing/2010/main">
+              <a14:hiddenFill xmlns:a14="http://schemas.microsoft.com/office/drawing/2010/main" xmlns="">
                 <a:solidFill>
                   <a:srgbClr val="FFFFFF"/>
                 </a:solidFill>
@@ -11812,7 +11898,7 @@
           <p:cNvPr id="2" name="Picture 2" descr="small ke-icon">
             <a:extLst>
               <a:ext uri="{FF2B5EF4-FFF2-40B4-BE49-F238E27FC236}">
-                <a16:creationId xmlns:a16="http://schemas.microsoft.com/office/drawing/2014/main" id="{2CEB455C-E142-47B5-A2EA-F103D223A10D}"/>
+                <a16:creationId xmlns:a16="http://schemas.microsoft.com/office/drawing/2014/main" xmlns="" id="{2CEB455C-E142-47B5-A2EA-F103D223A10D}"/>
               </a:ext>
             </a:extLst>
           </p:cNvPr>
@@ -11825,7 +11911,7 @@
           <a:blip r:embed="rId11" cstate="print">
             <a:extLst>
               <a:ext uri="{28A0092B-C50C-407E-A947-70E740481C1C}">
-                <a14:useLocalDpi xmlns:a14="http://schemas.microsoft.com/office/drawing/2010/main" val="0"/>
+                <a14:useLocalDpi xmlns:a14="http://schemas.microsoft.com/office/drawing/2010/main" xmlns="" val="0"/>
               </a:ext>
             </a:extLst>
           </a:blip>
@@ -11845,7 +11931,7 @@
           <a:noFill/>
           <a:extLst>
             <a:ext uri="{909E8E84-426E-40DD-AFC4-6F175D3DCCD1}">
-              <a14:hiddenFill xmlns:a14="http://schemas.microsoft.com/office/drawing/2010/main">
+              <a14:hiddenFill xmlns:a14="http://schemas.microsoft.com/office/drawing/2010/main" xmlns="">
                 <a:solidFill>
                   <a:srgbClr val="FFFFFF"/>
                 </a:solidFill>
@@ -12347,7 +12433,7 @@
           <p:cNvPr id="2052" name="Picture 4" descr="http://www.ke.tu-darmstadt.de/ke_site_header.jpg">
             <a:extLst>
               <a:ext uri="{FF2B5EF4-FFF2-40B4-BE49-F238E27FC236}">
-                <a16:creationId xmlns:a16="http://schemas.microsoft.com/office/drawing/2014/main" id="{A4296F2A-DF52-4654-B393-FD38D561FC7C}"/>
+                <a16:creationId xmlns:a16="http://schemas.microsoft.com/office/drawing/2014/main" xmlns="" id="{A4296F2A-DF52-4654-B393-FD38D561FC7C}"/>
               </a:ext>
             </a:extLst>
           </p:cNvPr>
@@ -12360,7 +12446,7 @@
           <a:blip r:embed="rId3" cstate="print">
             <a:extLst>
               <a:ext uri="{28A0092B-C50C-407E-A947-70E740481C1C}">
-                <a14:useLocalDpi xmlns:a14="http://schemas.microsoft.com/office/drawing/2010/main" val="0"/>
+                <a14:useLocalDpi xmlns:a14="http://schemas.microsoft.com/office/drawing/2010/main" xmlns="" val="0"/>
               </a:ext>
             </a:extLst>
           </a:blip>
@@ -12380,7 +12466,7 @@
           <a:noFill/>
           <a:extLst>
             <a:ext uri="{909E8E84-426E-40DD-AFC4-6F175D3DCCD1}">
-              <a14:hiddenFill xmlns:a14="http://schemas.microsoft.com/office/drawing/2010/main">
+              <a14:hiddenFill xmlns:a14="http://schemas.microsoft.com/office/drawing/2010/main" xmlns="">
                 <a:solidFill>
                   <a:srgbClr val="FFFFFF"/>
                 </a:solidFill>
@@ -12419,7 +12505,7 @@
           <p:cNvPr id="2" name="Titel 1">
             <a:extLst>
               <a:ext uri="{FF2B5EF4-FFF2-40B4-BE49-F238E27FC236}">
-                <a16:creationId xmlns:a16="http://schemas.microsoft.com/office/drawing/2014/main" id="{594F37A0-8FD9-42A4-A80F-4C479182787E}"/>
+                <a16:creationId xmlns:a16="http://schemas.microsoft.com/office/drawing/2014/main" xmlns="" id="{594F37A0-8FD9-42A4-A80F-4C479182787E}"/>
               </a:ext>
             </a:extLst>
           </p:cNvPr>
@@ -12447,6 +12533,10 @@
               <a:rPr lang="de-DE" dirty="0" err="1"/>
               <a:t>Selection</a:t>
             </a:r>
+            <a:r>
+              <a:rPr lang="de-DE" dirty="0"/>
+              <a:t/>
+            </a:r>
             <a:br>
               <a:rPr lang="de-DE" dirty="0"/>
             </a:br>
@@ -12479,7 +12569,7 @@
             <p:ph idx="1"/>
             <p:extLst>
               <p:ext uri="{D42A27DB-BD31-4B8C-83A1-F6EECF244321}">
-                <p14:modId xmlns:p14="http://schemas.microsoft.com/office/powerpoint/2010/main" val="381636655"/>
+                <p14:modId xmlns:p14="http://schemas.microsoft.com/office/powerpoint/2010/main" xmlns="" val="381636655"/>
               </p:ext>
             </p:extLst>
           </p:nvPr>
@@ -12498,21 +12588,21 @@
                 <a:gridCol w="3600400">
                   <a:extLst>
                     <a:ext uri="{9D8B030D-6E8A-4147-A177-3AD203B41FA5}">
-                      <a16:colId xmlns:a16="http://schemas.microsoft.com/office/drawing/2014/main" val="20000"/>
+                      <a16:colId xmlns:a16="http://schemas.microsoft.com/office/drawing/2014/main" xmlns="" val="20000"/>
                     </a:ext>
                   </a:extLst>
                 </a:gridCol>
                 <a:gridCol w="2520280">
                   <a:extLst>
                     <a:ext uri="{9D8B030D-6E8A-4147-A177-3AD203B41FA5}">
-                      <a16:colId xmlns:a16="http://schemas.microsoft.com/office/drawing/2014/main" val="20001"/>
+                      <a16:colId xmlns:a16="http://schemas.microsoft.com/office/drawing/2014/main" xmlns="" val="20001"/>
                     </a:ext>
                   </a:extLst>
                 </a:gridCol>
                 <a:gridCol w="2520280">
                   <a:extLst>
                     <a:ext uri="{9D8B030D-6E8A-4147-A177-3AD203B41FA5}">
-                      <a16:colId xmlns:a16="http://schemas.microsoft.com/office/drawing/2014/main" val="20002"/>
+                      <a16:colId xmlns:a16="http://schemas.microsoft.com/office/drawing/2014/main" xmlns="" val="20002"/>
                     </a:ext>
                   </a:extLst>
                 </a:gridCol>
@@ -12614,7 +12704,7 @@
                 </a:tc>
                 <a:extLst>
                   <a:ext uri="{0D108BD9-81ED-4DB2-BD59-A6C34878D82A}">
-                    <a16:rowId xmlns:a16="http://schemas.microsoft.com/office/drawing/2014/main" val="10000"/>
+                    <a16:rowId xmlns:a16="http://schemas.microsoft.com/office/drawing/2014/main" xmlns="" val="10000"/>
                   </a:ext>
                 </a:extLst>
               </a:tr>
@@ -12683,7 +12773,7 @@
                 </a:tc>
                 <a:extLst>
                   <a:ext uri="{0D108BD9-81ED-4DB2-BD59-A6C34878D82A}">
-                    <a16:rowId xmlns:a16="http://schemas.microsoft.com/office/drawing/2014/main" val="10001"/>
+                    <a16:rowId xmlns:a16="http://schemas.microsoft.com/office/drawing/2014/main" xmlns="" val="10001"/>
                   </a:ext>
                 </a:extLst>
               </a:tr>
@@ -12768,7 +12858,7 @@
                 </a:tc>
                 <a:extLst>
                   <a:ext uri="{0D108BD9-81ED-4DB2-BD59-A6C34878D82A}">
-                    <a16:rowId xmlns:a16="http://schemas.microsoft.com/office/drawing/2014/main" val="10002"/>
+                    <a16:rowId xmlns:a16="http://schemas.microsoft.com/office/drawing/2014/main" xmlns="" val="10002"/>
                   </a:ext>
                 </a:extLst>
               </a:tr>
@@ -12848,7 +12938,7 @@
                 </a:tc>
                 <a:extLst>
                   <a:ext uri="{0D108BD9-81ED-4DB2-BD59-A6C34878D82A}">
-                    <a16:rowId xmlns:a16="http://schemas.microsoft.com/office/drawing/2014/main" val="10003"/>
+                    <a16:rowId xmlns:a16="http://schemas.microsoft.com/office/drawing/2014/main" xmlns="" val="10003"/>
                   </a:ext>
                 </a:extLst>
               </a:tr>
@@ -12933,7 +13023,7 @@
                 </a:tc>
                 <a:extLst>
                   <a:ext uri="{0D108BD9-81ED-4DB2-BD59-A6C34878D82A}">
-                    <a16:rowId xmlns:a16="http://schemas.microsoft.com/office/drawing/2014/main" val="10004"/>
+                    <a16:rowId xmlns:a16="http://schemas.microsoft.com/office/drawing/2014/main" xmlns="" val="10004"/>
                   </a:ext>
                 </a:extLst>
               </a:tr>
@@ -13035,7 +13125,7 @@
                 </a:tc>
                 <a:extLst>
                   <a:ext uri="{0D108BD9-81ED-4DB2-BD59-A6C34878D82A}">
-                    <a16:rowId xmlns:a16="http://schemas.microsoft.com/office/drawing/2014/main" val="10005"/>
+                    <a16:rowId xmlns:a16="http://schemas.microsoft.com/office/drawing/2014/main" xmlns="" val="10005"/>
                   </a:ext>
                 </a:extLst>
               </a:tr>
@@ -13048,7 +13138,7 @@
           <p:cNvPr id="9" name="Pfeil: Chevron 8">
             <a:extLst>
               <a:ext uri="{FF2B5EF4-FFF2-40B4-BE49-F238E27FC236}">
-                <a16:creationId xmlns:a16="http://schemas.microsoft.com/office/drawing/2014/main" id="{1F34EC54-7B5B-4BE9-B492-B676E949A695}"/>
+                <a16:creationId xmlns:a16="http://schemas.microsoft.com/office/drawing/2014/main" xmlns="" id="{1F34EC54-7B5B-4BE9-B492-B676E949A695}"/>
               </a:ext>
             </a:extLst>
           </p:cNvPr>
@@ -13113,7 +13203,7 @@
           <p:cNvPr id="10" name="Pfeil: Chevron 9">
             <a:extLst>
               <a:ext uri="{FF2B5EF4-FFF2-40B4-BE49-F238E27FC236}">
-                <a16:creationId xmlns:a16="http://schemas.microsoft.com/office/drawing/2014/main" id="{CB93A66C-A5C0-4395-9555-0A53E45B8808}"/>
+                <a16:creationId xmlns:a16="http://schemas.microsoft.com/office/drawing/2014/main" xmlns="" id="{CB93A66C-A5C0-4395-9555-0A53E45B8808}"/>
               </a:ext>
             </a:extLst>
           </p:cNvPr>
@@ -13181,7 +13271,7 @@
           <p:cNvPr id="11" name="Pfeil: Chevron 10">
             <a:extLst>
               <a:ext uri="{FF2B5EF4-FFF2-40B4-BE49-F238E27FC236}">
-                <a16:creationId xmlns:a16="http://schemas.microsoft.com/office/drawing/2014/main" id="{17A8ED5A-44E0-4890-95E7-0E008C51BD58}"/>
+                <a16:creationId xmlns:a16="http://schemas.microsoft.com/office/drawing/2014/main" xmlns="" id="{17A8ED5A-44E0-4890-95E7-0E008C51BD58}"/>
               </a:ext>
             </a:extLst>
           </p:cNvPr>
@@ -13249,7 +13339,7 @@
     </p:spTree>
     <p:extLst>
       <p:ext uri="{BB962C8B-B14F-4D97-AF65-F5344CB8AC3E}">
-        <p14:creationId xmlns:p14="http://schemas.microsoft.com/office/powerpoint/2010/main" val="1053902206"/>
+        <p14:creationId xmlns:p14="http://schemas.microsoft.com/office/powerpoint/2010/main" xmlns="" val="1053902206"/>
       </p:ext>
     </p:extLst>
   </p:cSld>
@@ -13281,7 +13371,7 @@
           <p:cNvPr id="2" name="Titel 1">
             <a:extLst>
               <a:ext uri="{FF2B5EF4-FFF2-40B4-BE49-F238E27FC236}">
-                <a16:creationId xmlns:a16="http://schemas.microsoft.com/office/drawing/2014/main" id="{594F37A0-8FD9-42A4-A80F-4C479182787E}"/>
+                <a16:creationId xmlns:a16="http://schemas.microsoft.com/office/drawing/2014/main" xmlns="" id="{594F37A0-8FD9-42A4-A80F-4C479182787E}"/>
               </a:ext>
             </a:extLst>
           </p:cNvPr>
@@ -13308,6 +13398,10 @@
             <a:r>
               <a:rPr lang="de-DE" dirty="0" err="1"/>
               <a:t>Selection</a:t>
+            </a:r>
+            <a:r>
+              <a:rPr lang="de-DE" dirty="0"/>
+              <a:t/>
             </a:r>
             <a:br>
               <a:rPr lang="de-DE" dirty="0"/>
@@ -13531,7 +13625,7 @@
           <p:cNvPr id="9" name="Pfeil: Chevron 8">
             <a:extLst>
               <a:ext uri="{FF2B5EF4-FFF2-40B4-BE49-F238E27FC236}">
-                <a16:creationId xmlns:a16="http://schemas.microsoft.com/office/drawing/2014/main" id="{8CA7196F-D05C-427F-80BF-E5AC89A9A93D}"/>
+                <a16:creationId xmlns:a16="http://schemas.microsoft.com/office/drawing/2014/main" xmlns="" id="{8CA7196F-D05C-427F-80BF-E5AC89A9A93D}"/>
               </a:ext>
             </a:extLst>
           </p:cNvPr>
@@ -13596,7 +13690,7 @@
           <p:cNvPr id="10" name="Pfeil: Chevron 9">
             <a:extLst>
               <a:ext uri="{FF2B5EF4-FFF2-40B4-BE49-F238E27FC236}">
-                <a16:creationId xmlns:a16="http://schemas.microsoft.com/office/drawing/2014/main" id="{30DB099B-CB77-4A8C-9D9C-8FE75EB377B3}"/>
+                <a16:creationId xmlns:a16="http://schemas.microsoft.com/office/drawing/2014/main" xmlns="" id="{30DB099B-CB77-4A8C-9D9C-8FE75EB377B3}"/>
               </a:ext>
             </a:extLst>
           </p:cNvPr>
@@ -13664,7 +13758,7 @@
           <p:cNvPr id="11" name="Pfeil: Chevron 10">
             <a:extLst>
               <a:ext uri="{FF2B5EF4-FFF2-40B4-BE49-F238E27FC236}">
-                <a16:creationId xmlns:a16="http://schemas.microsoft.com/office/drawing/2014/main" id="{104B3773-1C5D-44AF-A938-319AB53CFD8F}"/>
+                <a16:creationId xmlns:a16="http://schemas.microsoft.com/office/drawing/2014/main" xmlns="" id="{104B3773-1C5D-44AF-A938-319AB53CFD8F}"/>
               </a:ext>
             </a:extLst>
           </p:cNvPr>
@@ -13732,7 +13826,7 @@
     </p:spTree>
     <p:extLst>
       <p:ext uri="{BB962C8B-B14F-4D97-AF65-F5344CB8AC3E}">
-        <p14:creationId xmlns:p14="http://schemas.microsoft.com/office/powerpoint/2010/main" val="2830653720"/>
+        <p14:creationId xmlns:p14="http://schemas.microsoft.com/office/powerpoint/2010/main" xmlns="" val="2830653720"/>
       </p:ext>
     </p:extLst>
   </p:cSld>
@@ -13764,7 +13858,7 @@
           <p:cNvPr id="2" name="Titel 1">
             <a:extLst>
               <a:ext uri="{FF2B5EF4-FFF2-40B4-BE49-F238E27FC236}">
-                <a16:creationId xmlns:a16="http://schemas.microsoft.com/office/drawing/2014/main" id="{594F37A0-8FD9-42A4-A80F-4C479182787E}"/>
+                <a16:creationId xmlns:a16="http://schemas.microsoft.com/office/drawing/2014/main" xmlns="" id="{594F37A0-8FD9-42A4-A80F-4C479182787E}"/>
               </a:ext>
             </a:extLst>
           </p:cNvPr>
@@ -13800,6 +13894,10 @@
               <a:rPr lang="de-DE" dirty="0" err="1"/>
               <a:t>Hierachies</a:t>
             </a:r>
+            <a:r>
+              <a:rPr lang="de-DE" dirty="0"/>
+              <a:t/>
+            </a:r>
             <a:br>
               <a:rPr lang="de-DE" dirty="0"/>
             </a:br>
@@ -13832,7 +13930,7 @@
           <p:cNvPr id="3" name="Inhaltsplatzhalter 2">
             <a:extLst>
               <a:ext uri="{FF2B5EF4-FFF2-40B4-BE49-F238E27FC236}">
-                <a16:creationId xmlns:a16="http://schemas.microsoft.com/office/drawing/2014/main" id="{B201CE33-F1D7-423B-B373-1D449812B3D5}"/>
+                <a16:creationId xmlns:a16="http://schemas.microsoft.com/office/drawing/2014/main" xmlns="" id="{B201CE33-F1D7-423B-B373-1D449812B3D5}"/>
               </a:ext>
             </a:extLst>
           </p:cNvPr>
@@ -14163,7 +14261,7 @@
           <p:cNvPr id="9" name="Pfeil: Chevron 8">
             <a:extLst>
               <a:ext uri="{FF2B5EF4-FFF2-40B4-BE49-F238E27FC236}">
-                <a16:creationId xmlns:a16="http://schemas.microsoft.com/office/drawing/2014/main" id="{11B2ABC0-FB87-4519-910C-E5539A398028}"/>
+                <a16:creationId xmlns:a16="http://schemas.microsoft.com/office/drawing/2014/main" xmlns="" id="{11B2ABC0-FB87-4519-910C-E5539A398028}"/>
               </a:ext>
             </a:extLst>
           </p:cNvPr>
@@ -14228,7 +14326,7 @@
           <p:cNvPr id="10" name="Pfeil: Chevron 9">
             <a:extLst>
               <a:ext uri="{FF2B5EF4-FFF2-40B4-BE49-F238E27FC236}">
-                <a16:creationId xmlns:a16="http://schemas.microsoft.com/office/drawing/2014/main" id="{DB674540-AF0C-4577-BB78-061280DAF6DB}"/>
+                <a16:creationId xmlns:a16="http://schemas.microsoft.com/office/drawing/2014/main" xmlns="" id="{DB674540-AF0C-4577-BB78-061280DAF6DB}"/>
               </a:ext>
             </a:extLst>
           </p:cNvPr>
@@ -14296,7 +14394,7 @@
           <p:cNvPr id="11" name="Pfeil: Chevron 10">
             <a:extLst>
               <a:ext uri="{FF2B5EF4-FFF2-40B4-BE49-F238E27FC236}">
-                <a16:creationId xmlns:a16="http://schemas.microsoft.com/office/drawing/2014/main" id="{CBD60D42-3029-43D8-B7BA-13F7A6844023}"/>
+                <a16:creationId xmlns:a16="http://schemas.microsoft.com/office/drawing/2014/main" xmlns="" id="{CBD60D42-3029-43D8-B7BA-13F7A6844023}"/>
               </a:ext>
             </a:extLst>
           </p:cNvPr>
@@ -14364,7 +14462,7 @@
     </p:spTree>
     <p:extLst>
       <p:ext uri="{BB962C8B-B14F-4D97-AF65-F5344CB8AC3E}">
-        <p14:creationId xmlns:p14="http://schemas.microsoft.com/office/powerpoint/2010/main" val="2315418219"/>
+        <p14:creationId xmlns:p14="http://schemas.microsoft.com/office/powerpoint/2010/main" xmlns="" val="2315418219"/>
       </p:ext>
     </p:extLst>
   </p:cSld>
@@ -14396,7 +14494,7 @@
           <p:cNvPr id="2" name="Titel 1">
             <a:extLst>
               <a:ext uri="{FF2B5EF4-FFF2-40B4-BE49-F238E27FC236}">
-                <a16:creationId xmlns:a16="http://schemas.microsoft.com/office/drawing/2014/main" id="{594F37A0-8FD9-42A4-A80F-4C479182787E}"/>
+                <a16:creationId xmlns:a16="http://schemas.microsoft.com/office/drawing/2014/main" xmlns="" id="{594F37A0-8FD9-42A4-A80F-4C479182787E}"/>
               </a:ext>
             </a:extLst>
           </p:cNvPr>
@@ -14432,6 +14530,10 @@
               <a:rPr lang="de-DE" dirty="0" err="1"/>
               <a:t>Hierachies</a:t>
             </a:r>
+            <a:r>
+              <a:rPr lang="de-DE" dirty="0"/>
+              <a:t/>
+            </a:r>
             <a:br>
               <a:rPr lang="de-DE" dirty="0"/>
             </a:br>
@@ -14462,7 +14564,7 @@
           <p:cNvPr id="15" name="Rechteck 14">
             <a:extLst>
               <a:ext uri="{FF2B5EF4-FFF2-40B4-BE49-F238E27FC236}">
-                <a16:creationId xmlns:a16="http://schemas.microsoft.com/office/drawing/2014/main" id="{12090F8B-0EE1-49C0-8557-731AE5DB00E1}"/>
+                <a16:creationId xmlns:a16="http://schemas.microsoft.com/office/drawing/2014/main" xmlns="" id="{12090F8B-0EE1-49C0-8557-731AE5DB00E1}"/>
               </a:ext>
             </a:extLst>
           </p:cNvPr>
@@ -14519,7 +14621,7 @@
           <p:cNvPr id="114" name="Gruppieren 113">
             <a:extLst>
               <a:ext uri="{FF2B5EF4-FFF2-40B4-BE49-F238E27FC236}">
-                <a16:creationId xmlns:a16="http://schemas.microsoft.com/office/drawing/2014/main" id="{E6ABE55B-B737-45A5-9001-1C156E9900C9}"/>
+                <a16:creationId xmlns:a16="http://schemas.microsoft.com/office/drawing/2014/main" xmlns="" id="{E6ABE55B-B737-45A5-9001-1C156E9900C9}"/>
               </a:ext>
             </a:extLst>
           </p:cNvPr>
@@ -14539,7 +14641,7 @@
             <p:cNvPr id="4" name="Ellipse 3">
               <a:extLst>
                 <a:ext uri="{FF2B5EF4-FFF2-40B4-BE49-F238E27FC236}">
-                  <a16:creationId xmlns:a16="http://schemas.microsoft.com/office/drawing/2014/main" id="{F0E964B3-6D49-469E-9C44-5D8C1D2F9E5C}"/>
+                  <a16:creationId xmlns:a16="http://schemas.microsoft.com/office/drawing/2014/main" xmlns="" id="{F0E964B3-6D49-469E-9C44-5D8C1D2F9E5C}"/>
                 </a:ext>
               </a:extLst>
             </p:cNvPr>
@@ -14593,7 +14695,7 @@
             <p:cNvPr id="9" name="Ellipse 8">
               <a:extLst>
                 <a:ext uri="{FF2B5EF4-FFF2-40B4-BE49-F238E27FC236}">
-                  <a16:creationId xmlns:a16="http://schemas.microsoft.com/office/drawing/2014/main" id="{ADFDBF9F-C58C-4E59-8263-6B2AFBB59D68}"/>
+                  <a16:creationId xmlns:a16="http://schemas.microsoft.com/office/drawing/2014/main" xmlns="" id="{ADFDBF9F-C58C-4E59-8263-6B2AFBB59D68}"/>
                 </a:ext>
               </a:extLst>
             </p:cNvPr>
@@ -14652,7 +14754,7 @@
             <p:cNvPr id="10" name="Ellipse 9">
               <a:extLst>
                 <a:ext uri="{FF2B5EF4-FFF2-40B4-BE49-F238E27FC236}">
-                  <a16:creationId xmlns:a16="http://schemas.microsoft.com/office/drawing/2014/main" id="{6E82B9C2-2F86-4A8F-9ABA-1526C833BC56}"/>
+                  <a16:creationId xmlns:a16="http://schemas.microsoft.com/office/drawing/2014/main" xmlns="" id="{6E82B9C2-2F86-4A8F-9ABA-1526C833BC56}"/>
                 </a:ext>
               </a:extLst>
             </p:cNvPr>
@@ -14711,7 +14813,7 @@
             <p:cNvPr id="11" name="Rechteck 10">
               <a:extLst>
                 <a:ext uri="{FF2B5EF4-FFF2-40B4-BE49-F238E27FC236}">
-                  <a16:creationId xmlns:a16="http://schemas.microsoft.com/office/drawing/2014/main" id="{39F4554A-C759-4B45-BA17-E3D0CC30F7A4}"/>
+                  <a16:creationId xmlns:a16="http://schemas.microsoft.com/office/drawing/2014/main" xmlns="" id="{39F4554A-C759-4B45-BA17-E3D0CC30F7A4}"/>
                 </a:ext>
               </a:extLst>
             </p:cNvPr>
@@ -14765,7 +14867,7 @@
             <p:cNvPr id="12" name="Rechteck 11">
               <a:extLst>
                 <a:ext uri="{FF2B5EF4-FFF2-40B4-BE49-F238E27FC236}">
-                  <a16:creationId xmlns:a16="http://schemas.microsoft.com/office/drawing/2014/main" id="{83682C4F-3C3C-4F89-8DD4-F0F006A9E86B}"/>
+                  <a16:creationId xmlns:a16="http://schemas.microsoft.com/office/drawing/2014/main" xmlns="" id="{83682C4F-3C3C-4F89-8DD4-F0F006A9E86B}"/>
                 </a:ext>
               </a:extLst>
             </p:cNvPr>
@@ -14819,7 +14921,7 @@
             <p:cNvPr id="13" name="Rechteck 12">
               <a:extLst>
                 <a:ext uri="{FF2B5EF4-FFF2-40B4-BE49-F238E27FC236}">
-                  <a16:creationId xmlns:a16="http://schemas.microsoft.com/office/drawing/2014/main" id="{4991D9FD-ADB5-463B-857D-54D2BE5F4444}"/>
+                  <a16:creationId xmlns:a16="http://schemas.microsoft.com/office/drawing/2014/main" xmlns="" id="{4991D9FD-ADB5-463B-857D-54D2BE5F4444}"/>
                 </a:ext>
               </a:extLst>
             </p:cNvPr>
@@ -14873,7 +14975,7 @@
             <p:cNvPr id="22" name="Gerader Verbinder 21">
               <a:extLst>
                 <a:ext uri="{FF2B5EF4-FFF2-40B4-BE49-F238E27FC236}">
-                  <a16:creationId xmlns:a16="http://schemas.microsoft.com/office/drawing/2014/main" id="{89C5445D-AE0B-4065-B5C2-C4BA4D894B33}"/>
+                  <a16:creationId xmlns:a16="http://schemas.microsoft.com/office/drawing/2014/main" xmlns="" id="{89C5445D-AE0B-4065-B5C2-C4BA4D894B33}"/>
                 </a:ext>
               </a:extLst>
             </p:cNvPr>
@@ -14918,7 +15020,7 @@
             <p:cNvPr id="25" name="Gerader Verbinder 24">
               <a:extLst>
                 <a:ext uri="{FF2B5EF4-FFF2-40B4-BE49-F238E27FC236}">
-                  <a16:creationId xmlns:a16="http://schemas.microsoft.com/office/drawing/2014/main" id="{0AC5CD99-8C18-4714-86BA-1DABD14BEEB1}"/>
+                  <a16:creationId xmlns:a16="http://schemas.microsoft.com/office/drawing/2014/main" xmlns="" id="{0AC5CD99-8C18-4714-86BA-1DABD14BEEB1}"/>
                 </a:ext>
               </a:extLst>
             </p:cNvPr>
@@ -14963,7 +15065,7 @@
             <p:cNvPr id="27" name="Gerader Verbinder 26">
               <a:extLst>
                 <a:ext uri="{FF2B5EF4-FFF2-40B4-BE49-F238E27FC236}">
-                  <a16:creationId xmlns:a16="http://schemas.microsoft.com/office/drawing/2014/main" id="{372D202C-DBE8-4CD3-B126-8EC7F0EED127}"/>
+                  <a16:creationId xmlns:a16="http://schemas.microsoft.com/office/drawing/2014/main" xmlns="" id="{372D202C-DBE8-4CD3-B126-8EC7F0EED127}"/>
                 </a:ext>
               </a:extLst>
             </p:cNvPr>
@@ -15007,7 +15109,7 @@
             <p:cNvPr id="44" name="Rechteck 43">
               <a:extLst>
                 <a:ext uri="{FF2B5EF4-FFF2-40B4-BE49-F238E27FC236}">
-                  <a16:creationId xmlns:a16="http://schemas.microsoft.com/office/drawing/2014/main" id="{E9A62879-336C-4C6A-8645-8EA91AEDC01B}"/>
+                  <a16:creationId xmlns:a16="http://schemas.microsoft.com/office/drawing/2014/main" xmlns="" id="{E9A62879-336C-4C6A-8645-8EA91AEDC01B}"/>
                 </a:ext>
               </a:extLst>
             </p:cNvPr>
@@ -15061,7 +15163,7 @@
             <p:cNvPr id="47" name="Gerader Verbinder 46">
               <a:extLst>
                 <a:ext uri="{FF2B5EF4-FFF2-40B4-BE49-F238E27FC236}">
-                  <a16:creationId xmlns:a16="http://schemas.microsoft.com/office/drawing/2014/main" id="{38733F2E-2EFE-4A11-9767-E5DFD6723791}"/>
+                  <a16:creationId xmlns:a16="http://schemas.microsoft.com/office/drawing/2014/main" xmlns="" id="{38733F2E-2EFE-4A11-9767-E5DFD6723791}"/>
                 </a:ext>
               </a:extLst>
             </p:cNvPr>
@@ -15105,7 +15207,7 @@
             <p:cNvPr id="48" name="Rechteck 47">
               <a:extLst>
                 <a:ext uri="{FF2B5EF4-FFF2-40B4-BE49-F238E27FC236}">
-                  <a16:creationId xmlns:a16="http://schemas.microsoft.com/office/drawing/2014/main" id="{F9091B22-61DA-4C09-A0B8-1DF18DB2F2FC}"/>
+                  <a16:creationId xmlns:a16="http://schemas.microsoft.com/office/drawing/2014/main" xmlns="" id="{F9091B22-61DA-4C09-A0B8-1DF18DB2F2FC}"/>
                 </a:ext>
               </a:extLst>
             </p:cNvPr>
@@ -15159,7 +15261,7 @@
             <p:cNvPr id="49" name="Gerader Verbinder 48">
               <a:extLst>
                 <a:ext uri="{FF2B5EF4-FFF2-40B4-BE49-F238E27FC236}">
-                  <a16:creationId xmlns:a16="http://schemas.microsoft.com/office/drawing/2014/main" id="{682E47F6-D19D-46F3-91A1-0B8575F8DFCC}"/>
+                  <a16:creationId xmlns:a16="http://schemas.microsoft.com/office/drawing/2014/main" xmlns="" id="{682E47F6-D19D-46F3-91A1-0B8575F8DFCC}"/>
                 </a:ext>
               </a:extLst>
             </p:cNvPr>
@@ -15205,7 +15307,7 @@
           <p:cNvPr id="43" name="Rechteck 42">
             <a:extLst>
               <a:ext uri="{FF2B5EF4-FFF2-40B4-BE49-F238E27FC236}">
-                <a16:creationId xmlns:a16="http://schemas.microsoft.com/office/drawing/2014/main" id="{833A77D8-B216-4736-917E-D828CF33C81B}"/>
+                <a16:creationId xmlns:a16="http://schemas.microsoft.com/office/drawing/2014/main" xmlns="" id="{833A77D8-B216-4736-917E-D828CF33C81B}"/>
               </a:ext>
             </a:extLst>
           </p:cNvPr>
@@ -15262,7 +15364,7 @@
           <p:cNvPr id="54" name="Ellipse 53">
             <a:extLst>
               <a:ext uri="{FF2B5EF4-FFF2-40B4-BE49-F238E27FC236}">
-                <a16:creationId xmlns:a16="http://schemas.microsoft.com/office/drawing/2014/main" id="{0724EC24-76F0-415C-8D88-713BB341AC8D}"/>
+                <a16:creationId xmlns:a16="http://schemas.microsoft.com/office/drawing/2014/main" xmlns="" id="{0724EC24-76F0-415C-8D88-713BB341AC8D}"/>
               </a:ext>
             </a:extLst>
           </p:cNvPr>
@@ -15316,7 +15418,7 @@
           <p:cNvPr id="55" name="Ellipse 54">
             <a:extLst>
               <a:ext uri="{FF2B5EF4-FFF2-40B4-BE49-F238E27FC236}">
-                <a16:creationId xmlns:a16="http://schemas.microsoft.com/office/drawing/2014/main" id="{39199409-4122-40F0-A3D6-D4A3D696E9EA}"/>
+                <a16:creationId xmlns:a16="http://schemas.microsoft.com/office/drawing/2014/main" xmlns="" id="{39199409-4122-40F0-A3D6-D4A3D696E9EA}"/>
               </a:ext>
             </a:extLst>
           </p:cNvPr>
@@ -15375,7 +15477,7 @@
           <p:cNvPr id="56" name="Ellipse 55">
             <a:extLst>
               <a:ext uri="{FF2B5EF4-FFF2-40B4-BE49-F238E27FC236}">
-                <a16:creationId xmlns:a16="http://schemas.microsoft.com/office/drawing/2014/main" id="{6D93231C-9D23-479A-9BEA-0BBE1012E65C}"/>
+                <a16:creationId xmlns:a16="http://schemas.microsoft.com/office/drawing/2014/main" xmlns="" id="{6D93231C-9D23-479A-9BEA-0BBE1012E65C}"/>
               </a:ext>
             </a:extLst>
           </p:cNvPr>
@@ -15434,7 +15536,7 @@
           <p:cNvPr id="57" name="Rechteck 56">
             <a:extLst>
               <a:ext uri="{FF2B5EF4-FFF2-40B4-BE49-F238E27FC236}">
-                <a16:creationId xmlns:a16="http://schemas.microsoft.com/office/drawing/2014/main" id="{8F74F4B6-8262-4239-BE3B-938FB62046E6}"/>
+                <a16:creationId xmlns:a16="http://schemas.microsoft.com/office/drawing/2014/main" xmlns="" id="{8F74F4B6-8262-4239-BE3B-938FB62046E6}"/>
               </a:ext>
             </a:extLst>
           </p:cNvPr>
@@ -15488,7 +15590,7 @@
           <p:cNvPr id="58" name="Rechteck 57">
             <a:extLst>
               <a:ext uri="{FF2B5EF4-FFF2-40B4-BE49-F238E27FC236}">
-                <a16:creationId xmlns:a16="http://schemas.microsoft.com/office/drawing/2014/main" id="{799332C2-2C18-4638-9DE9-D0A34DBA71B5}"/>
+                <a16:creationId xmlns:a16="http://schemas.microsoft.com/office/drawing/2014/main" xmlns="" id="{799332C2-2C18-4638-9DE9-D0A34DBA71B5}"/>
               </a:ext>
             </a:extLst>
           </p:cNvPr>
@@ -15542,7 +15644,7 @@
           <p:cNvPr id="59" name="Rechteck 58">
             <a:extLst>
               <a:ext uri="{FF2B5EF4-FFF2-40B4-BE49-F238E27FC236}">
-                <a16:creationId xmlns:a16="http://schemas.microsoft.com/office/drawing/2014/main" id="{5D41B586-D3AE-4077-8CB3-BEECBB837D3F}"/>
+                <a16:creationId xmlns:a16="http://schemas.microsoft.com/office/drawing/2014/main" xmlns="" id="{5D41B586-D3AE-4077-8CB3-BEECBB837D3F}"/>
               </a:ext>
             </a:extLst>
           </p:cNvPr>
@@ -15596,7 +15698,7 @@
           <p:cNvPr id="60" name="Gerader Verbinder 59">
             <a:extLst>
               <a:ext uri="{FF2B5EF4-FFF2-40B4-BE49-F238E27FC236}">
-                <a16:creationId xmlns:a16="http://schemas.microsoft.com/office/drawing/2014/main" id="{D5015C48-E06F-4A8A-A0C8-4E0716AA2807}"/>
+                <a16:creationId xmlns:a16="http://schemas.microsoft.com/office/drawing/2014/main" xmlns="" id="{D5015C48-E06F-4A8A-A0C8-4E0716AA2807}"/>
               </a:ext>
             </a:extLst>
           </p:cNvPr>
@@ -15641,7 +15743,7 @@
           <p:cNvPr id="61" name="Gerader Verbinder 60">
             <a:extLst>
               <a:ext uri="{FF2B5EF4-FFF2-40B4-BE49-F238E27FC236}">
-                <a16:creationId xmlns:a16="http://schemas.microsoft.com/office/drawing/2014/main" id="{85D53691-3F55-48F0-90C5-B5D3DB4A5664}"/>
+                <a16:creationId xmlns:a16="http://schemas.microsoft.com/office/drawing/2014/main" xmlns="" id="{85D53691-3F55-48F0-90C5-B5D3DB4A5664}"/>
               </a:ext>
             </a:extLst>
           </p:cNvPr>
@@ -15686,7 +15788,7 @@
           <p:cNvPr id="62" name="Gerader Verbinder 61">
             <a:extLst>
               <a:ext uri="{FF2B5EF4-FFF2-40B4-BE49-F238E27FC236}">
-                <a16:creationId xmlns:a16="http://schemas.microsoft.com/office/drawing/2014/main" id="{BE80E97D-A8EF-4F78-A86E-E4EA61C7D153}"/>
+                <a16:creationId xmlns:a16="http://schemas.microsoft.com/office/drawing/2014/main" xmlns="" id="{BE80E97D-A8EF-4F78-A86E-E4EA61C7D153}"/>
               </a:ext>
             </a:extLst>
           </p:cNvPr>
@@ -15730,7 +15832,7 @@
           <p:cNvPr id="63" name="Rechteck 62">
             <a:extLst>
               <a:ext uri="{FF2B5EF4-FFF2-40B4-BE49-F238E27FC236}">
-                <a16:creationId xmlns:a16="http://schemas.microsoft.com/office/drawing/2014/main" id="{8F11F71D-CAF2-4CCF-B270-36BE066CDF14}"/>
+                <a16:creationId xmlns:a16="http://schemas.microsoft.com/office/drawing/2014/main" xmlns="" id="{8F11F71D-CAF2-4CCF-B270-36BE066CDF14}"/>
               </a:ext>
             </a:extLst>
           </p:cNvPr>
@@ -15784,7 +15886,7 @@
           <p:cNvPr id="64" name="Gerader Verbinder 63">
             <a:extLst>
               <a:ext uri="{FF2B5EF4-FFF2-40B4-BE49-F238E27FC236}">
-                <a16:creationId xmlns:a16="http://schemas.microsoft.com/office/drawing/2014/main" id="{CA102292-B757-4C9D-985D-5BD63D82B0D6}"/>
+                <a16:creationId xmlns:a16="http://schemas.microsoft.com/office/drawing/2014/main" xmlns="" id="{CA102292-B757-4C9D-985D-5BD63D82B0D6}"/>
               </a:ext>
             </a:extLst>
           </p:cNvPr>
@@ -15828,7 +15930,7 @@
           <p:cNvPr id="65" name="Rechteck 64">
             <a:extLst>
               <a:ext uri="{FF2B5EF4-FFF2-40B4-BE49-F238E27FC236}">
-                <a16:creationId xmlns:a16="http://schemas.microsoft.com/office/drawing/2014/main" id="{41489995-E092-4825-91F0-5DC202A1C2BB}"/>
+                <a16:creationId xmlns:a16="http://schemas.microsoft.com/office/drawing/2014/main" xmlns="" id="{41489995-E092-4825-91F0-5DC202A1C2BB}"/>
               </a:ext>
             </a:extLst>
           </p:cNvPr>
@@ -15882,7 +15984,7 @@
           <p:cNvPr id="66" name="Gerader Verbinder 65">
             <a:extLst>
               <a:ext uri="{FF2B5EF4-FFF2-40B4-BE49-F238E27FC236}">
-                <a16:creationId xmlns:a16="http://schemas.microsoft.com/office/drawing/2014/main" id="{DDFE0BAE-6703-4B9C-89B0-47C6B7620641}"/>
+                <a16:creationId xmlns:a16="http://schemas.microsoft.com/office/drawing/2014/main" xmlns="" id="{DDFE0BAE-6703-4B9C-89B0-47C6B7620641}"/>
               </a:ext>
             </a:extLst>
           </p:cNvPr>
@@ -15927,7 +16029,7 @@
           <p:cNvPr id="121" name="Gruppieren 120">
             <a:extLst>
               <a:ext uri="{FF2B5EF4-FFF2-40B4-BE49-F238E27FC236}">
-                <a16:creationId xmlns:a16="http://schemas.microsoft.com/office/drawing/2014/main" id="{D1E3AF41-3409-43D2-9206-1FCB776CEE95}"/>
+                <a16:creationId xmlns:a16="http://schemas.microsoft.com/office/drawing/2014/main" xmlns="" id="{D1E3AF41-3409-43D2-9206-1FCB776CEE95}"/>
               </a:ext>
             </a:extLst>
           </p:cNvPr>
@@ -15947,7 +16049,7 @@
             <p:cNvPr id="68" name="Ellipse 67">
               <a:extLst>
                 <a:ext uri="{FF2B5EF4-FFF2-40B4-BE49-F238E27FC236}">
-                  <a16:creationId xmlns:a16="http://schemas.microsoft.com/office/drawing/2014/main" id="{8E556749-E290-4134-95FE-85D40A4DDBF7}"/>
+                  <a16:creationId xmlns:a16="http://schemas.microsoft.com/office/drawing/2014/main" xmlns="" id="{8E556749-E290-4134-95FE-85D40A4DDBF7}"/>
                 </a:ext>
               </a:extLst>
             </p:cNvPr>
@@ -16001,7 +16103,7 @@
             <p:cNvPr id="69" name="Ellipse 68">
               <a:extLst>
                 <a:ext uri="{FF2B5EF4-FFF2-40B4-BE49-F238E27FC236}">
-                  <a16:creationId xmlns:a16="http://schemas.microsoft.com/office/drawing/2014/main" id="{38BA4B0C-3294-41AD-AEA8-6BC3CE539077}"/>
+                  <a16:creationId xmlns:a16="http://schemas.microsoft.com/office/drawing/2014/main" xmlns="" id="{38BA4B0C-3294-41AD-AEA8-6BC3CE539077}"/>
                 </a:ext>
               </a:extLst>
             </p:cNvPr>
@@ -16060,7 +16162,7 @@
             <p:cNvPr id="70" name="Ellipse 69">
               <a:extLst>
                 <a:ext uri="{FF2B5EF4-FFF2-40B4-BE49-F238E27FC236}">
-                  <a16:creationId xmlns:a16="http://schemas.microsoft.com/office/drawing/2014/main" id="{16A02058-7492-445E-ABAC-60D8F2E41062}"/>
+                  <a16:creationId xmlns:a16="http://schemas.microsoft.com/office/drawing/2014/main" xmlns="" id="{16A02058-7492-445E-ABAC-60D8F2E41062}"/>
                 </a:ext>
               </a:extLst>
             </p:cNvPr>
@@ -16119,7 +16221,7 @@
             <p:cNvPr id="71" name="Rechteck 70">
               <a:extLst>
                 <a:ext uri="{FF2B5EF4-FFF2-40B4-BE49-F238E27FC236}">
-                  <a16:creationId xmlns:a16="http://schemas.microsoft.com/office/drawing/2014/main" id="{CD16C262-21E4-4CB9-BFBE-5C0592D2DACE}"/>
+                  <a16:creationId xmlns:a16="http://schemas.microsoft.com/office/drawing/2014/main" xmlns="" id="{CD16C262-21E4-4CB9-BFBE-5C0592D2DACE}"/>
                 </a:ext>
               </a:extLst>
             </p:cNvPr>
@@ -16173,7 +16275,7 @@
             <p:cNvPr id="72" name="Rechteck 71">
               <a:extLst>
                 <a:ext uri="{FF2B5EF4-FFF2-40B4-BE49-F238E27FC236}">
-                  <a16:creationId xmlns:a16="http://schemas.microsoft.com/office/drawing/2014/main" id="{2A0F9BBC-DFF7-4A6A-BF32-F2DF85FB7F13}"/>
+                  <a16:creationId xmlns:a16="http://schemas.microsoft.com/office/drawing/2014/main" xmlns="" id="{2A0F9BBC-DFF7-4A6A-BF32-F2DF85FB7F13}"/>
                 </a:ext>
               </a:extLst>
             </p:cNvPr>
@@ -16227,7 +16329,7 @@
             <p:cNvPr id="73" name="Rechteck 72">
               <a:extLst>
                 <a:ext uri="{FF2B5EF4-FFF2-40B4-BE49-F238E27FC236}">
-                  <a16:creationId xmlns:a16="http://schemas.microsoft.com/office/drawing/2014/main" id="{D42920A0-37DC-47AC-9FF4-2297613C6050}"/>
+                  <a16:creationId xmlns:a16="http://schemas.microsoft.com/office/drawing/2014/main" xmlns="" id="{D42920A0-37DC-47AC-9FF4-2297613C6050}"/>
                 </a:ext>
               </a:extLst>
             </p:cNvPr>
@@ -16281,7 +16383,7 @@
             <p:cNvPr id="74" name="Gerader Verbinder 73">
               <a:extLst>
                 <a:ext uri="{FF2B5EF4-FFF2-40B4-BE49-F238E27FC236}">
-                  <a16:creationId xmlns:a16="http://schemas.microsoft.com/office/drawing/2014/main" id="{A0695C55-E5B1-4170-8152-15DB9219FD2B}"/>
+                  <a16:creationId xmlns:a16="http://schemas.microsoft.com/office/drawing/2014/main" xmlns="" id="{A0695C55-E5B1-4170-8152-15DB9219FD2B}"/>
                 </a:ext>
               </a:extLst>
             </p:cNvPr>
@@ -16326,7 +16428,7 @@
             <p:cNvPr id="75" name="Gerader Verbinder 74">
               <a:extLst>
                 <a:ext uri="{FF2B5EF4-FFF2-40B4-BE49-F238E27FC236}">
-                  <a16:creationId xmlns:a16="http://schemas.microsoft.com/office/drawing/2014/main" id="{137D69E5-1ED1-4F79-BF36-7964626560E2}"/>
+                  <a16:creationId xmlns:a16="http://schemas.microsoft.com/office/drawing/2014/main" xmlns="" id="{137D69E5-1ED1-4F79-BF36-7964626560E2}"/>
                 </a:ext>
               </a:extLst>
             </p:cNvPr>
@@ -16371,7 +16473,7 @@
             <p:cNvPr id="76" name="Gerader Verbinder 75">
               <a:extLst>
                 <a:ext uri="{FF2B5EF4-FFF2-40B4-BE49-F238E27FC236}">
-                  <a16:creationId xmlns:a16="http://schemas.microsoft.com/office/drawing/2014/main" id="{D8D87741-3DDC-4615-A2D4-B8D7A5CD0856}"/>
+                  <a16:creationId xmlns:a16="http://schemas.microsoft.com/office/drawing/2014/main" xmlns="" id="{D8D87741-3DDC-4615-A2D4-B8D7A5CD0856}"/>
                 </a:ext>
               </a:extLst>
             </p:cNvPr>
@@ -16415,7 +16517,7 @@
             <p:cNvPr id="81" name="Rechteck 80">
               <a:extLst>
                 <a:ext uri="{FF2B5EF4-FFF2-40B4-BE49-F238E27FC236}">
-                  <a16:creationId xmlns:a16="http://schemas.microsoft.com/office/drawing/2014/main" id="{0F0150EA-BC0A-4394-BB8F-97650B478257}"/>
+                  <a16:creationId xmlns:a16="http://schemas.microsoft.com/office/drawing/2014/main" xmlns="" id="{0F0150EA-BC0A-4394-BB8F-97650B478257}"/>
                 </a:ext>
               </a:extLst>
             </p:cNvPr>
@@ -16472,7 +16574,7 @@
             <p:cNvPr id="77" name="Rechteck 76">
               <a:extLst>
                 <a:ext uri="{FF2B5EF4-FFF2-40B4-BE49-F238E27FC236}">
-                  <a16:creationId xmlns:a16="http://schemas.microsoft.com/office/drawing/2014/main" id="{429023F3-62B4-4365-8029-F8617E4A1BC7}"/>
+                  <a16:creationId xmlns:a16="http://schemas.microsoft.com/office/drawing/2014/main" xmlns="" id="{429023F3-62B4-4365-8029-F8617E4A1BC7}"/>
                 </a:ext>
               </a:extLst>
             </p:cNvPr>
@@ -16526,7 +16628,7 @@
             <p:cNvPr id="78" name="Gerader Verbinder 77">
               <a:extLst>
                 <a:ext uri="{FF2B5EF4-FFF2-40B4-BE49-F238E27FC236}">
-                  <a16:creationId xmlns:a16="http://schemas.microsoft.com/office/drawing/2014/main" id="{C9767AF8-2522-4386-919F-3A722F8FB63A}"/>
+                  <a16:creationId xmlns:a16="http://schemas.microsoft.com/office/drawing/2014/main" xmlns="" id="{C9767AF8-2522-4386-919F-3A722F8FB63A}"/>
                 </a:ext>
               </a:extLst>
             </p:cNvPr>
@@ -16570,7 +16672,7 @@
             <p:cNvPr id="79" name="Rechteck 78">
               <a:extLst>
                 <a:ext uri="{FF2B5EF4-FFF2-40B4-BE49-F238E27FC236}">
-                  <a16:creationId xmlns:a16="http://schemas.microsoft.com/office/drawing/2014/main" id="{673B13A4-866F-41DA-9CF4-25ACF678B97C}"/>
+                  <a16:creationId xmlns:a16="http://schemas.microsoft.com/office/drawing/2014/main" xmlns="" id="{673B13A4-866F-41DA-9CF4-25ACF678B97C}"/>
                 </a:ext>
               </a:extLst>
             </p:cNvPr>
@@ -16624,7 +16726,7 @@
             <p:cNvPr id="80" name="Gerader Verbinder 79">
               <a:extLst>
                 <a:ext uri="{FF2B5EF4-FFF2-40B4-BE49-F238E27FC236}">
-                  <a16:creationId xmlns:a16="http://schemas.microsoft.com/office/drawing/2014/main" id="{E3C16484-8F30-46B2-8B68-D4924B60590F}"/>
+                  <a16:creationId xmlns:a16="http://schemas.microsoft.com/office/drawing/2014/main" xmlns="" id="{E3C16484-8F30-46B2-8B68-D4924B60590F}"/>
                 </a:ext>
               </a:extLst>
             </p:cNvPr>
@@ -16670,7 +16772,7 @@
           <p:cNvPr id="113" name="Gruppieren 112">
             <a:extLst>
               <a:ext uri="{FF2B5EF4-FFF2-40B4-BE49-F238E27FC236}">
-                <a16:creationId xmlns:a16="http://schemas.microsoft.com/office/drawing/2014/main" id="{6BF72EE9-47F4-4C0C-B6AF-E2992CBD81A7}"/>
+                <a16:creationId xmlns:a16="http://schemas.microsoft.com/office/drawing/2014/main" xmlns="" id="{6BF72EE9-47F4-4C0C-B6AF-E2992CBD81A7}"/>
               </a:ext>
             </a:extLst>
           </p:cNvPr>
@@ -16690,7 +16792,7 @@
             <p:cNvPr id="83" name="Ellipse 82">
               <a:extLst>
                 <a:ext uri="{FF2B5EF4-FFF2-40B4-BE49-F238E27FC236}">
-                  <a16:creationId xmlns:a16="http://schemas.microsoft.com/office/drawing/2014/main" id="{E490BE8A-69D5-497D-A5DF-487F4F84130C}"/>
+                  <a16:creationId xmlns:a16="http://schemas.microsoft.com/office/drawing/2014/main" xmlns="" id="{E490BE8A-69D5-497D-A5DF-487F4F84130C}"/>
                 </a:ext>
               </a:extLst>
             </p:cNvPr>
@@ -16744,7 +16846,7 @@
             <p:cNvPr id="84" name="Ellipse 83">
               <a:extLst>
                 <a:ext uri="{FF2B5EF4-FFF2-40B4-BE49-F238E27FC236}">
-                  <a16:creationId xmlns:a16="http://schemas.microsoft.com/office/drawing/2014/main" id="{7C326BEB-7481-4B7B-B0BC-D86FFD3A540E}"/>
+                  <a16:creationId xmlns:a16="http://schemas.microsoft.com/office/drawing/2014/main" xmlns="" id="{7C326BEB-7481-4B7B-B0BC-D86FFD3A540E}"/>
                 </a:ext>
               </a:extLst>
             </p:cNvPr>
@@ -16803,7 +16905,7 @@
             <p:cNvPr id="85" name="Ellipse 84">
               <a:extLst>
                 <a:ext uri="{FF2B5EF4-FFF2-40B4-BE49-F238E27FC236}">
-                  <a16:creationId xmlns:a16="http://schemas.microsoft.com/office/drawing/2014/main" id="{93B1FE86-B851-43BA-A680-4E4CB09C4C86}"/>
+                  <a16:creationId xmlns:a16="http://schemas.microsoft.com/office/drawing/2014/main" xmlns="" id="{93B1FE86-B851-43BA-A680-4E4CB09C4C86}"/>
                 </a:ext>
               </a:extLst>
             </p:cNvPr>
@@ -16862,7 +16964,7 @@
             <p:cNvPr id="86" name="Rechteck 85">
               <a:extLst>
                 <a:ext uri="{FF2B5EF4-FFF2-40B4-BE49-F238E27FC236}">
-                  <a16:creationId xmlns:a16="http://schemas.microsoft.com/office/drawing/2014/main" id="{2C8E3D7D-CEE5-4007-869C-676C81233E5E}"/>
+                  <a16:creationId xmlns:a16="http://schemas.microsoft.com/office/drawing/2014/main" xmlns="" id="{2C8E3D7D-CEE5-4007-869C-676C81233E5E}"/>
                 </a:ext>
               </a:extLst>
             </p:cNvPr>
@@ -16916,7 +17018,7 @@
             <p:cNvPr id="87" name="Rechteck 86">
               <a:extLst>
                 <a:ext uri="{FF2B5EF4-FFF2-40B4-BE49-F238E27FC236}">
-                  <a16:creationId xmlns:a16="http://schemas.microsoft.com/office/drawing/2014/main" id="{EB212149-F543-4948-9361-585648BD669A}"/>
+                  <a16:creationId xmlns:a16="http://schemas.microsoft.com/office/drawing/2014/main" xmlns="" id="{EB212149-F543-4948-9361-585648BD669A}"/>
                 </a:ext>
               </a:extLst>
             </p:cNvPr>
@@ -16970,7 +17072,7 @@
             <p:cNvPr id="88" name="Rechteck 87">
               <a:extLst>
                 <a:ext uri="{FF2B5EF4-FFF2-40B4-BE49-F238E27FC236}">
-                  <a16:creationId xmlns:a16="http://schemas.microsoft.com/office/drawing/2014/main" id="{A59C3B6D-9C7D-4516-B45C-BD1FD874DF7C}"/>
+                  <a16:creationId xmlns:a16="http://schemas.microsoft.com/office/drawing/2014/main" xmlns="" id="{A59C3B6D-9C7D-4516-B45C-BD1FD874DF7C}"/>
                 </a:ext>
               </a:extLst>
             </p:cNvPr>
@@ -17024,7 +17126,7 @@
             <p:cNvPr id="89" name="Gerader Verbinder 88">
               <a:extLst>
                 <a:ext uri="{FF2B5EF4-FFF2-40B4-BE49-F238E27FC236}">
-                  <a16:creationId xmlns:a16="http://schemas.microsoft.com/office/drawing/2014/main" id="{38450F44-668E-486E-BFDA-C3BCD66FD987}"/>
+                  <a16:creationId xmlns:a16="http://schemas.microsoft.com/office/drawing/2014/main" xmlns="" id="{38450F44-668E-486E-BFDA-C3BCD66FD987}"/>
                 </a:ext>
               </a:extLst>
             </p:cNvPr>
@@ -17069,7 +17171,7 @@
             <p:cNvPr id="90" name="Gerader Verbinder 89">
               <a:extLst>
                 <a:ext uri="{FF2B5EF4-FFF2-40B4-BE49-F238E27FC236}">
-                  <a16:creationId xmlns:a16="http://schemas.microsoft.com/office/drawing/2014/main" id="{D31CD334-E31B-41CD-B01E-9C5C1F90A49C}"/>
+                  <a16:creationId xmlns:a16="http://schemas.microsoft.com/office/drawing/2014/main" xmlns="" id="{D31CD334-E31B-41CD-B01E-9C5C1F90A49C}"/>
                 </a:ext>
               </a:extLst>
             </p:cNvPr>
@@ -17114,7 +17216,7 @@
             <p:cNvPr id="91" name="Gerader Verbinder 90">
               <a:extLst>
                 <a:ext uri="{FF2B5EF4-FFF2-40B4-BE49-F238E27FC236}">
-                  <a16:creationId xmlns:a16="http://schemas.microsoft.com/office/drawing/2014/main" id="{624223A2-1AA0-4DA9-9193-08CB1849889B}"/>
+                  <a16:creationId xmlns:a16="http://schemas.microsoft.com/office/drawing/2014/main" xmlns="" id="{624223A2-1AA0-4DA9-9193-08CB1849889B}"/>
                 </a:ext>
               </a:extLst>
             </p:cNvPr>
@@ -17158,7 +17260,7 @@
             <p:cNvPr id="92" name="Rechteck 91">
               <a:extLst>
                 <a:ext uri="{FF2B5EF4-FFF2-40B4-BE49-F238E27FC236}">
-                  <a16:creationId xmlns:a16="http://schemas.microsoft.com/office/drawing/2014/main" id="{5A87DF5C-C715-45DB-85EA-1EC6F7D38F75}"/>
+                  <a16:creationId xmlns:a16="http://schemas.microsoft.com/office/drawing/2014/main" xmlns="" id="{5A87DF5C-C715-45DB-85EA-1EC6F7D38F75}"/>
                 </a:ext>
               </a:extLst>
             </p:cNvPr>
@@ -17212,7 +17314,7 @@
             <p:cNvPr id="93" name="Gerader Verbinder 92">
               <a:extLst>
                 <a:ext uri="{FF2B5EF4-FFF2-40B4-BE49-F238E27FC236}">
-                  <a16:creationId xmlns:a16="http://schemas.microsoft.com/office/drawing/2014/main" id="{9851543A-DF17-4EF2-85F6-6AE99E8ADC4D}"/>
+                  <a16:creationId xmlns:a16="http://schemas.microsoft.com/office/drawing/2014/main" xmlns="" id="{9851543A-DF17-4EF2-85F6-6AE99E8ADC4D}"/>
                 </a:ext>
               </a:extLst>
             </p:cNvPr>
@@ -17256,7 +17358,7 @@
             <p:cNvPr id="94" name="Rechteck 93">
               <a:extLst>
                 <a:ext uri="{FF2B5EF4-FFF2-40B4-BE49-F238E27FC236}">
-                  <a16:creationId xmlns:a16="http://schemas.microsoft.com/office/drawing/2014/main" id="{5FD5A714-4DCE-44E7-87B2-ED00A8E8DB1C}"/>
+                  <a16:creationId xmlns:a16="http://schemas.microsoft.com/office/drawing/2014/main" xmlns="" id="{5FD5A714-4DCE-44E7-87B2-ED00A8E8DB1C}"/>
                 </a:ext>
               </a:extLst>
             </p:cNvPr>
@@ -17310,7 +17412,7 @@
             <p:cNvPr id="95" name="Gerader Verbinder 94">
               <a:extLst>
                 <a:ext uri="{FF2B5EF4-FFF2-40B4-BE49-F238E27FC236}">
-                  <a16:creationId xmlns:a16="http://schemas.microsoft.com/office/drawing/2014/main" id="{F1603356-25C5-44D2-9F9E-47BDB905CE68}"/>
+                  <a16:creationId xmlns:a16="http://schemas.microsoft.com/office/drawing/2014/main" xmlns="" id="{F1603356-25C5-44D2-9F9E-47BDB905CE68}"/>
                 </a:ext>
               </a:extLst>
             </p:cNvPr>
@@ -17355,7 +17457,7 @@
             <p:cNvPr id="96" name="Ellipse 95">
               <a:extLst>
                 <a:ext uri="{FF2B5EF4-FFF2-40B4-BE49-F238E27FC236}">
-                  <a16:creationId xmlns:a16="http://schemas.microsoft.com/office/drawing/2014/main" id="{D3FABA3F-C1F3-4425-8DE5-FB0446FE5A45}"/>
+                  <a16:creationId xmlns:a16="http://schemas.microsoft.com/office/drawing/2014/main" xmlns="" id="{D3FABA3F-C1F3-4425-8DE5-FB0446FE5A45}"/>
                 </a:ext>
               </a:extLst>
             </p:cNvPr>
@@ -17414,7 +17516,7 @@
             <p:cNvPr id="98" name="Gerader Verbinder 97">
               <a:extLst>
                 <a:ext uri="{FF2B5EF4-FFF2-40B4-BE49-F238E27FC236}">
-                  <a16:creationId xmlns:a16="http://schemas.microsoft.com/office/drawing/2014/main" id="{525A01C8-A59C-4BEE-84C5-5EC5FC7324A9}"/>
+                  <a16:creationId xmlns:a16="http://schemas.microsoft.com/office/drawing/2014/main" xmlns="" id="{525A01C8-A59C-4BEE-84C5-5EC5FC7324A9}"/>
                 </a:ext>
               </a:extLst>
             </p:cNvPr>
@@ -17458,7 +17560,7 @@
             <p:cNvPr id="104" name="Gerader Verbinder 103">
               <a:extLst>
                 <a:ext uri="{FF2B5EF4-FFF2-40B4-BE49-F238E27FC236}">
-                  <a16:creationId xmlns:a16="http://schemas.microsoft.com/office/drawing/2014/main" id="{77C0FC18-545D-47D3-8F24-232D8AB50661}"/>
+                  <a16:creationId xmlns:a16="http://schemas.microsoft.com/office/drawing/2014/main" xmlns="" id="{77C0FC18-545D-47D3-8F24-232D8AB50661}"/>
                 </a:ext>
               </a:extLst>
             </p:cNvPr>
@@ -17503,7 +17605,7 @@
             <p:cNvPr id="109" name="Rechteck 108">
               <a:extLst>
                 <a:ext uri="{FF2B5EF4-FFF2-40B4-BE49-F238E27FC236}">
-                  <a16:creationId xmlns:a16="http://schemas.microsoft.com/office/drawing/2014/main" id="{C0A4FBCE-F635-4F41-AFC6-C2D27F90C845}"/>
+                  <a16:creationId xmlns:a16="http://schemas.microsoft.com/office/drawing/2014/main" xmlns="" id="{C0A4FBCE-F635-4F41-AFC6-C2D27F90C845}"/>
                 </a:ext>
               </a:extLst>
             </p:cNvPr>
@@ -17561,7 +17663,7 @@
           <p:cNvPr id="116" name="Textfeld 115">
             <a:extLst>
               <a:ext uri="{FF2B5EF4-FFF2-40B4-BE49-F238E27FC236}">
-                <a16:creationId xmlns:a16="http://schemas.microsoft.com/office/drawing/2014/main" id="{27207203-E1CF-4410-8384-200882C6BF69}"/>
+                <a16:creationId xmlns:a16="http://schemas.microsoft.com/office/drawing/2014/main" xmlns="" id="{27207203-E1CF-4410-8384-200882C6BF69}"/>
               </a:ext>
             </a:extLst>
           </p:cNvPr>
@@ -17602,7 +17704,7 @@
           <p:cNvPr id="117" name="Textfeld 116">
             <a:extLst>
               <a:ext uri="{FF2B5EF4-FFF2-40B4-BE49-F238E27FC236}">
-                <a16:creationId xmlns:a16="http://schemas.microsoft.com/office/drawing/2014/main" id="{766E97B1-4368-4508-806B-A1E81034EF71}"/>
+                <a16:creationId xmlns:a16="http://schemas.microsoft.com/office/drawing/2014/main" xmlns="" id="{766E97B1-4368-4508-806B-A1E81034EF71}"/>
               </a:ext>
             </a:extLst>
           </p:cNvPr>
@@ -17638,7 +17740,7 @@
           <p:cNvPr id="118" name="Textfeld 117">
             <a:extLst>
               <a:ext uri="{FF2B5EF4-FFF2-40B4-BE49-F238E27FC236}">
-                <a16:creationId xmlns:a16="http://schemas.microsoft.com/office/drawing/2014/main" id="{A3AFE58C-95AA-4B0D-81ED-2932A98ED891}"/>
+                <a16:creationId xmlns:a16="http://schemas.microsoft.com/office/drawing/2014/main" xmlns="" id="{A3AFE58C-95AA-4B0D-81ED-2932A98ED891}"/>
               </a:ext>
             </a:extLst>
           </p:cNvPr>
@@ -17674,7 +17776,7 @@
           <p:cNvPr id="119" name="Textfeld 118">
             <a:extLst>
               <a:ext uri="{FF2B5EF4-FFF2-40B4-BE49-F238E27FC236}">
-                <a16:creationId xmlns:a16="http://schemas.microsoft.com/office/drawing/2014/main" id="{DCF89224-C8EB-4485-9F93-89F512BA5EC1}"/>
+                <a16:creationId xmlns:a16="http://schemas.microsoft.com/office/drawing/2014/main" xmlns="" id="{DCF89224-C8EB-4485-9F93-89F512BA5EC1}"/>
               </a:ext>
             </a:extLst>
           </p:cNvPr>
@@ -17710,7 +17812,7 @@
           <p:cNvPr id="120" name="Textfeld 119">
             <a:extLst>
               <a:ext uri="{FF2B5EF4-FFF2-40B4-BE49-F238E27FC236}">
-                <a16:creationId xmlns:a16="http://schemas.microsoft.com/office/drawing/2014/main" id="{4EE65BD6-28CA-40FE-9DE3-925C4D879436}"/>
+                <a16:creationId xmlns:a16="http://schemas.microsoft.com/office/drawing/2014/main" xmlns="" id="{4EE65BD6-28CA-40FE-9DE3-925C4D879436}"/>
               </a:ext>
             </a:extLst>
           </p:cNvPr>
@@ -17755,7 +17857,7 @@
           <p:cNvPr id="82" name="Pfeil: Chevron 81">
             <a:extLst>
               <a:ext uri="{FF2B5EF4-FFF2-40B4-BE49-F238E27FC236}">
-                <a16:creationId xmlns:a16="http://schemas.microsoft.com/office/drawing/2014/main" id="{FE595B69-73C8-47F0-A36C-1A60BFFD90BA}"/>
+                <a16:creationId xmlns:a16="http://schemas.microsoft.com/office/drawing/2014/main" xmlns="" id="{FE595B69-73C8-47F0-A36C-1A60BFFD90BA}"/>
               </a:ext>
             </a:extLst>
           </p:cNvPr>
@@ -17820,7 +17922,7 @@
           <p:cNvPr id="97" name="Pfeil: Chevron 96">
             <a:extLst>
               <a:ext uri="{FF2B5EF4-FFF2-40B4-BE49-F238E27FC236}">
-                <a16:creationId xmlns:a16="http://schemas.microsoft.com/office/drawing/2014/main" id="{F9CC931A-063A-4AC2-A8CF-C497C78E5B29}"/>
+                <a16:creationId xmlns:a16="http://schemas.microsoft.com/office/drawing/2014/main" xmlns="" id="{F9CC931A-063A-4AC2-A8CF-C497C78E5B29}"/>
               </a:ext>
             </a:extLst>
           </p:cNvPr>
@@ -17888,7 +17990,7 @@
           <p:cNvPr id="99" name="Pfeil: Chevron 98">
             <a:extLst>
               <a:ext uri="{FF2B5EF4-FFF2-40B4-BE49-F238E27FC236}">
-                <a16:creationId xmlns:a16="http://schemas.microsoft.com/office/drawing/2014/main" id="{2050D505-3E6E-4FDD-8731-605F3876F1B7}"/>
+                <a16:creationId xmlns:a16="http://schemas.microsoft.com/office/drawing/2014/main" xmlns="" id="{2050D505-3E6E-4FDD-8731-605F3876F1B7}"/>
               </a:ext>
             </a:extLst>
           </p:cNvPr>
@@ -17956,7 +18058,7 @@
     </p:spTree>
     <p:extLst>
       <p:ext uri="{BB962C8B-B14F-4D97-AF65-F5344CB8AC3E}">
-        <p14:creationId xmlns:p14="http://schemas.microsoft.com/office/powerpoint/2010/main" val="3592389130"/>
+        <p14:creationId xmlns:p14="http://schemas.microsoft.com/office/powerpoint/2010/main" xmlns="" val="3592389130"/>
       </p:ext>
     </p:extLst>
   </p:cSld>
@@ -17988,7 +18090,7 @@
           <p:cNvPr id="143" name="Gerader Verbinder 142">
             <a:extLst>
               <a:ext uri="{FF2B5EF4-FFF2-40B4-BE49-F238E27FC236}">
-                <a16:creationId xmlns:a16="http://schemas.microsoft.com/office/drawing/2014/main" id="{4C3C2E83-3E17-48F9-843C-20D0AE7CC0EA}"/>
+                <a16:creationId xmlns:a16="http://schemas.microsoft.com/office/drawing/2014/main" xmlns="" id="{4C3C2E83-3E17-48F9-843C-20D0AE7CC0EA}"/>
               </a:ext>
             </a:extLst>
           </p:cNvPr>
@@ -18039,7 +18141,7 @@
           <p:cNvPr id="144" name="Gerader Verbinder 143">
             <a:extLst>
               <a:ext uri="{FF2B5EF4-FFF2-40B4-BE49-F238E27FC236}">
-                <a16:creationId xmlns:a16="http://schemas.microsoft.com/office/drawing/2014/main" id="{1808E2F0-4001-441C-A042-B8CF15382928}"/>
+                <a16:creationId xmlns:a16="http://schemas.microsoft.com/office/drawing/2014/main" xmlns="" id="{1808E2F0-4001-441C-A042-B8CF15382928}"/>
               </a:ext>
             </a:extLst>
           </p:cNvPr>
@@ -18090,7 +18192,7 @@
           <p:cNvPr id="146" name="Gerader Verbinder 145">
             <a:extLst>
               <a:ext uri="{FF2B5EF4-FFF2-40B4-BE49-F238E27FC236}">
-                <a16:creationId xmlns:a16="http://schemas.microsoft.com/office/drawing/2014/main" id="{A916DEA5-C4AA-4B3E-A759-AE6B9472D5DB}"/>
+                <a16:creationId xmlns:a16="http://schemas.microsoft.com/office/drawing/2014/main" xmlns="" id="{A916DEA5-C4AA-4B3E-A759-AE6B9472D5DB}"/>
               </a:ext>
             </a:extLst>
           </p:cNvPr>
@@ -18141,7 +18243,7 @@
           <p:cNvPr id="2" name="Titel 1">
             <a:extLst>
               <a:ext uri="{FF2B5EF4-FFF2-40B4-BE49-F238E27FC236}">
-                <a16:creationId xmlns:a16="http://schemas.microsoft.com/office/drawing/2014/main" id="{594F37A0-8FD9-42A4-A80F-4C479182787E}"/>
+                <a16:creationId xmlns:a16="http://schemas.microsoft.com/office/drawing/2014/main" xmlns="" id="{594F37A0-8FD9-42A4-A80F-4C479182787E}"/>
               </a:ext>
             </a:extLst>
           </p:cNvPr>
@@ -18177,6 +18279,10 @@
               <a:rPr lang="de-DE" dirty="0" err="1"/>
               <a:t>Hierachies</a:t>
             </a:r>
+            <a:r>
+              <a:rPr lang="de-DE" dirty="0"/>
+              <a:t/>
+            </a:r>
             <a:br>
               <a:rPr lang="de-DE" dirty="0"/>
             </a:br>
@@ -18215,7 +18321,7 @@
           <p:cNvPr id="82" name="Inhaltsplatzhalter 2">
             <a:extLst>
               <a:ext uri="{FF2B5EF4-FFF2-40B4-BE49-F238E27FC236}">
-                <a16:creationId xmlns:a16="http://schemas.microsoft.com/office/drawing/2014/main" id="{3DE5479E-FEDB-4349-9D8E-5CEAD5C97758}"/>
+                <a16:creationId xmlns:a16="http://schemas.microsoft.com/office/drawing/2014/main" xmlns="" id="{3DE5479E-FEDB-4349-9D8E-5CEAD5C97758}"/>
               </a:ext>
             </a:extLst>
           </p:cNvPr>
@@ -18409,7 +18515,7 @@
           <p:cNvPr id="41" name="Gruppieren 40">
             <a:extLst>
               <a:ext uri="{FF2B5EF4-FFF2-40B4-BE49-F238E27FC236}">
-                <a16:creationId xmlns:a16="http://schemas.microsoft.com/office/drawing/2014/main" id="{E398B641-73C2-4907-ADF6-00A4F44C9BE4}"/>
+                <a16:creationId xmlns:a16="http://schemas.microsoft.com/office/drawing/2014/main" xmlns="" id="{E398B641-73C2-4907-ADF6-00A4F44C9BE4}"/>
               </a:ext>
             </a:extLst>
           </p:cNvPr>
@@ -18429,7 +18535,7 @@
             <p:cNvPr id="97" name="Rechteck 96">
               <a:extLst>
                 <a:ext uri="{FF2B5EF4-FFF2-40B4-BE49-F238E27FC236}">
-                  <a16:creationId xmlns:a16="http://schemas.microsoft.com/office/drawing/2014/main" id="{44B73694-E3DC-4152-926D-66C1BBA0B99E}"/>
+                  <a16:creationId xmlns:a16="http://schemas.microsoft.com/office/drawing/2014/main" xmlns="" id="{44B73694-E3DC-4152-926D-66C1BBA0B99E}"/>
                 </a:ext>
               </a:extLst>
             </p:cNvPr>
@@ -18486,7 +18592,7 @@
             <p:cNvPr id="17" name="Gerader Verbinder 16">
               <a:extLst>
                 <a:ext uri="{FF2B5EF4-FFF2-40B4-BE49-F238E27FC236}">
-                  <a16:creationId xmlns:a16="http://schemas.microsoft.com/office/drawing/2014/main" id="{BEC9F659-EE99-49CC-83C3-4ADA1285F39A}"/>
+                  <a16:creationId xmlns:a16="http://schemas.microsoft.com/office/drawing/2014/main" xmlns="" id="{BEC9F659-EE99-49CC-83C3-4ADA1285F39A}"/>
                 </a:ext>
               </a:extLst>
             </p:cNvPr>
@@ -18531,7 +18637,7 @@
             <p:cNvPr id="132" name="Gruppieren 131">
               <a:extLst>
                 <a:ext uri="{FF2B5EF4-FFF2-40B4-BE49-F238E27FC236}">
-                  <a16:creationId xmlns:a16="http://schemas.microsoft.com/office/drawing/2014/main" id="{9EDA5772-3C01-4CE8-8FBD-BB5AB2ADE169}"/>
+                  <a16:creationId xmlns:a16="http://schemas.microsoft.com/office/drawing/2014/main" xmlns="" id="{9EDA5772-3C01-4CE8-8FBD-BB5AB2ADE169}"/>
                 </a:ext>
               </a:extLst>
             </p:cNvPr>
@@ -18551,7 +18657,7 @@
               <p:cNvPr id="133" name="Ellipse 132">
                 <a:extLst>
                   <a:ext uri="{FF2B5EF4-FFF2-40B4-BE49-F238E27FC236}">
-                    <a16:creationId xmlns:a16="http://schemas.microsoft.com/office/drawing/2014/main" id="{2CDB4568-4B80-44D3-B8D1-4FD3C04B1E3B}"/>
+                    <a16:creationId xmlns:a16="http://schemas.microsoft.com/office/drawing/2014/main" xmlns="" id="{2CDB4568-4B80-44D3-B8D1-4FD3C04B1E3B}"/>
                   </a:ext>
                 </a:extLst>
               </p:cNvPr>
@@ -18605,7 +18711,7 @@
               <p:cNvPr id="134" name="Rechteck 133">
                 <a:extLst>
                   <a:ext uri="{FF2B5EF4-FFF2-40B4-BE49-F238E27FC236}">
-                    <a16:creationId xmlns:a16="http://schemas.microsoft.com/office/drawing/2014/main" id="{96D466F6-ED40-45E5-84C3-D51F31EEB296}"/>
+                    <a16:creationId xmlns:a16="http://schemas.microsoft.com/office/drawing/2014/main" xmlns="" id="{96D466F6-ED40-45E5-84C3-D51F31EEB296}"/>
                   </a:ext>
                 </a:extLst>
               </p:cNvPr>
@@ -18659,7 +18765,7 @@
               <p:cNvPr id="135" name="Rechteck 134">
                 <a:extLst>
                   <a:ext uri="{FF2B5EF4-FFF2-40B4-BE49-F238E27FC236}">
-                    <a16:creationId xmlns:a16="http://schemas.microsoft.com/office/drawing/2014/main" id="{D240755B-CC06-4E82-A8DF-8225AC60E936}"/>
+                    <a16:creationId xmlns:a16="http://schemas.microsoft.com/office/drawing/2014/main" xmlns="" id="{D240755B-CC06-4E82-A8DF-8225AC60E936}"/>
                   </a:ext>
                 </a:extLst>
               </p:cNvPr>
@@ -18713,7 +18819,7 @@
               <p:cNvPr id="136" name="Gerader Verbinder 135">
                 <a:extLst>
                   <a:ext uri="{FF2B5EF4-FFF2-40B4-BE49-F238E27FC236}">
-                    <a16:creationId xmlns:a16="http://schemas.microsoft.com/office/drawing/2014/main" id="{3E98498B-042C-4FDD-A8A6-39D8156EF045}"/>
+                    <a16:creationId xmlns:a16="http://schemas.microsoft.com/office/drawing/2014/main" xmlns="" id="{3E98498B-042C-4FDD-A8A6-39D8156EF045}"/>
                   </a:ext>
                 </a:extLst>
               </p:cNvPr>
@@ -18761,7 +18867,7 @@
               <p:cNvPr id="137" name="Gerader Verbinder 136">
                 <a:extLst>
                   <a:ext uri="{FF2B5EF4-FFF2-40B4-BE49-F238E27FC236}">
-                    <a16:creationId xmlns:a16="http://schemas.microsoft.com/office/drawing/2014/main" id="{7A7C0BE9-0F54-45AD-BABF-EB7B76EEB44D}"/>
+                    <a16:creationId xmlns:a16="http://schemas.microsoft.com/office/drawing/2014/main" xmlns="" id="{7A7C0BE9-0F54-45AD-BABF-EB7B76EEB44D}"/>
                   </a:ext>
                 </a:extLst>
               </p:cNvPr>
@@ -18809,7 +18915,7 @@
               <p:cNvPr id="138" name="Gerader Verbinder 137">
                 <a:extLst>
                   <a:ext uri="{FF2B5EF4-FFF2-40B4-BE49-F238E27FC236}">
-                    <a16:creationId xmlns:a16="http://schemas.microsoft.com/office/drawing/2014/main" id="{C05022BD-3D3D-42A0-A133-5A0341D32A9C}"/>
+                    <a16:creationId xmlns:a16="http://schemas.microsoft.com/office/drawing/2014/main" xmlns="" id="{C05022BD-3D3D-42A0-A133-5A0341D32A9C}"/>
                   </a:ext>
                 </a:extLst>
               </p:cNvPr>
@@ -18855,7 +18961,7 @@
           <p:cNvPr id="24" name="Gruppieren 23">
             <a:extLst>
               <a:ext uri="{FF2B5EF4-FFF2-40B4-BE49-F238E27FC236}">
-                <a16:creationId xmlns:a16="http://schemas.microsoft.com/office/drawing/2014/main" id="{D04BC624-D1B8-4921-82B9-96DDA701CCC0}"/>
+                <a16:creationId xmlns:a16="http://schemas.microsoft.com/office/drawing/2014/main" xmlns="" id="{D04BC624-D1B8-4921-82B9-96DDA701CCC0}"/>
               </a:ext>
             </a:extLst>
           </p:cNvPr>
@@ -18875,7 +18981,7 @@
             <p:cNvPr id="99" name="Ellipse 98">
               <a:extLst>
                 <a:ext uri="{FF2B5EF4-FFF2-40B4-BE49-F238E27FC236}">
-                  <a16:creationId xmlns:a16="http://schemas.microsoft.com/office/drawing/2014/main" id="{00B8BFAC-D056-45A9-ACC0-2E17FD167B44}"/>
+                  <a16:creationId xmlns:a16="http://schemas.microsoft.com/office/drawing/2014/main" xmlns="" id="{00B8BFAC-D056-45A9-ACC0-2E17FD167B44}"/>
                 </a:ext>
               </a:extLst>
             </p:cNvPr>
@@ -18929,7 +19035,7 @@
             <p:cNvPr id="100" name="Rechteck 99">
               <a:extLst>
                 <a:ext uri="{FF2B5EF4-FFF2-40B4-BE49-F238E27FC236}">
-                  <a16:creationId xmlns:a16="http://schemas.microsoft.com/office/drawing/2014/main" id="{73D84688-B7BD-495F-B7A1-4F0C497DC98B}"/>
+                  <a16:creationId xmlns:a16="http://schemas.microsoft.com/office/drawing/2014/main" xmlns="" id="{73D84688-B7BD-495F-B7A1-4F0C497DC98B}"/>
                 </a:ext>
               </a:extLst>
             </p:cNvPr>
@@ -18983,7 +19089,7 @@
             <p:cNvPr id="101" name="Rechteck 100">
               <a:extLst>
                 <a:ext uri="{FF2B5EF4-FFF2-40B4-BE49-F238E27FC236}">
-                  <a16:creationId xmlns:a16="http://schemas.microsoft.com/office/drawing/2014/main" id="{69DB1CCE-BF1E-45CE-967A-333EF02D87FF}"/>
+                  <a16:creationId xmlns:a16="http://schemas.microsoft.com/office/drawing/2014/main" xmlns="" id="{69DB1CCE-BF1E-45CE-967A-333EF02D87FF}"/>
                 </a:ext>
               </a:extLst>
             </p:cNvPr>
@@ -19037,7 +19143,7 @@
             <p:cNvPr id="103" name="Gerader Verbinder 102">
               <a:extLst>
                 <a:ext uri="{FF2B5EF4-FFF2-40B4-BE49-F238E27FC236}">
-                  <a16:creationId xmlns:a16="http://schemas.microsoft.com/office/drawing/2014/main" id="{1297057B-5F1E-417F-9C72-8B7F669DAD12}"/>
+                  <a16:creationId xmlns:a16="http://schemas.microsoft.com/office/drawing/2014/main" xmlns="" id="{1297057B-5F1E-417F-9C72-8B7F669DAD12}"/>
                 </a:ext>
               </a:extLst>
             </p:cNvPr>
@@ -19085,7 +19191,7 @@
             <p:cNvPr id="105" name="Gerader Verbinder 104">
               <a:extLst>
                 <a:ext uri="{FF2B5EF4-FFF2-40B4-BE49-F238E27FC236}">
-                  <a16:creationId xmlns:a16="http://schemas.microsoft.com/office/drawing/2014/main" id="{7DD41ABD-F226-4570-92C3-6CECD7A36310}"/>
+                  <a16:creationId xmlns:a16="http://schemas.microsoft.com/office/drawing/2014/main" xmlns="" id="{7DD41ABD-F226-4570-92C3-6CECD7A36310}"/>
                 </a:ext>
               </a:extLst>
             </p:cNvPr>
@@ -19133,7 +19239,7 @@
             <p:cNvPr id="106" name="Gerader Verbinder 105">
               <a:extLst>
                 <a:ext uri="{FF2B5EF4-FFF2-40B4-BE49-F238E27FC236}">
-                  <a16:creationId xmlns:a16="http://schemas.microsoft.com/office/drawing/2014/main" id="{5238696D-1863-4639-B822-D3DB58DD925D}"/>
+                  <a16:creationId xmlns:a16="http://schemas.microsoft.com/office/drawing/2014/main" xmlns="" id="{5238696D-1863-4639-B822-D3DB58DD925D}"/>
                 </a:ext>
               </a:extLst>
             </p:cNvPr>
@@ -19178,7 +19284,7 @@
           <p:cNvPr id="107" name="Rechteck 106">
             <a:extLst>
               <a:ext uri="{FF2B5EF4-FFF2-40B4-BE49-F238E27FC236}">
-                <a16:creationId xmlns:a16="http://schemas.microsoft.com/office/drawing/2014/main" id="{7A8F02D8-8430-4ECE-BE5F-1276638B515D}"/>
+                <a16:creationId xmlns:a16="http://schemas.microsoft.com/office/drawing/2014/main" xmlns="" id="{7A8F02D8-8430-4ECE-BE5F-1276638B515D}"/>
               </a:ext>
             </a:extLst>
           </p:cNvPr>
@@ -19235,7 +19341,7 @@
           <p:cNvPr id="108" name="Gruppieren 107">
             <a:extLst>
               <a:ext uri="{FF2B5EF4-FFF2-40B4-BE49-F238E27FC236}">
-                <a16:creationId xmlns:a16="http://schemas.microsoft.com/office/drawing/2014/main" id="{96C7F909-89DC-4D2C-B6C4-1D49B9A8ABFB}"/>
+                <a16:creationId xmlns:a16="http://schemas.microsoft.com/office/drawing/2014/main" xmlns="" id="{96C7F909-89DC-4D2C-B6C4-1D49B9A8ABFB}"/>
               </a:ext>
             </a:extLst>
           </p:cNvPr>
@@ -19255,7 +19361,7 @@
             <p:cNvPr id="110" name="Ellipse 109">
               <a:extLst>
                 <a:ext uri="{FF2B5EF4-FFF2-40B4-BE49-F238E27FC236}">
-                  <a16:creationId xmlns:a16="http://schemas.microsoft.com/office/drawing/2014/main" id="{005BAC3C-D24E-4982-B89C-27FAE9DC31E6}"/>
+                  <a16:creationId xmlns:a16="http://schemas.microsoft.com/office/drawing/2014/main" xmlns="" id="{005BAC3C-D24E-4982-B89C-27FAE9DC31E6}"/>
                 </a:ext>
               </a:extLst>
             </p:cNvPr>
@@ -19309,7 +19415,7 @@
             <p:cNvPr id="112" name="Rechteck 111">
               <a:extLst>
                 <a:ext uri="{FF2B5EF4-FFF2-40B4-BE49-F238E27FC236}">
-                  <a16:creationId xmlns:a16="http://schemas.microsoft.com/office/drawing/2014/main" id="{0EEE4AD9-1C09-4AD7-AA08-65578CD2021F}"/>
+                  <a16:creationId xmlns:a16="http://schemas.microsoft.com/office/drawing/2014/main" xmlns="" id="{0EEE4AD9-1C09-4AD7-AA08-65578CD2021F}"/>
                 </a:ext>
               </a:extLst>
             </p:cNvPr>
@@ -19363,7 +19469,7 @@
             <p:cNvPr id="115" name="Rechteck 114">
               <a:extLst>
                 <a:ext uri="{FF2B5EF4-FFF2-40B4-BE49-F238E27FC236}">
-                  <a16:creationId xmlns:a16="http://schemas.microsoft.com/office/drawing/2014/main" id="{1D2B729A-BC05-40B1-B1D6-A6CA45024335}"/>
+                  <a16:creationId xmlns:a16="http://schemas.microsoft.com/office/drawing/2014/main" xmlns="" id="{1D2B729A-BC05-40B1-B1D6-A6CA45024335}"/>
                 </a:ext>
               </a:extLst>
             </p:cNvPr>
@@ -19417,7 +19523,7 @@
             <p:cNvPr id="122" name="Gerader Verbinder 121">
               <a:extLst>
                 <a:ext uri="{FF2B5EF4-FFF2-40B4-BE49-F238E27FC236}">
-                  <a16:creationId xmlns:a16="http://schemas.microsoft.com/office/drawing/2014/main" id="{1A02E2C7-4E4A-4C23-9F3B-FD92C1B6CE9C}"/>
+                  <a16:creationId xmlns:a16="http://schemas.microsoft.com/office/drawing/2014/main" xmlns="" id="{1A02E2C7-4E4A-4C23-9F3B-FD92C1B6CE9C}"/>
                 </a:ext>
               </a:extLst>
             </p:cNvPr>
@@ -19465,7 +19571,7 @@
             <p:cNvPr id="123" name="Gerader Verbinder 122">
               <a:extLst>
                 <a:ext uri="{FF2B5EF4-FFF2-40B4-BE49-F238E27FC236}">
-                  <a16:creationId xmlns:a16="http://schemas.microsoft.com/office/drawing/2014/main" id="{F5FA05C5-54DE-48B2-BEAF-8AFE459EC9F0}"/>
+                  <a16:creationId xmlns:a16="http://schemas.microsoft.com/office/drawing/2014/main" xmlns="" id="{F5FA05C5-54DE-48B2-BEAF-8AFE459EC9F0}"/>
                 </a:ext>
               </a:extLst>
             </p:cNvPr>
@@ -19513,7 +19619,7 @@
             <p:cNvPr id="124" name="Gerader Verbinder 123">
               <a:extLst>
                 <a:ext uri="{FF2B5EF4-FFF2-40B4-BE49-F238E27FC236}">
-                  <a16:creationId xmlns:a16="http://schemas.microsoft.com/office/drawing/2014/main" id="{CED04324-A62C-4EA2-BC81-5A808FFAF61E}"/>
+                  <a16:creationId xmlns:a16="http://schemas.microsoft.com/office/drawing/2014/main" xmlns="" id="{CED04324-A62C-4EA2-BC81-5A808FFAF61E}"/>
                 </a:ext>
               </a:extLst>
             </p:cNvPr>
@@ -19558,7 +19664,7 @@
           <p:cNvPr id="125" name="Gruppieren 124">
             <a:extLst>
               <a:ext uri="{FF2B5EF4-FFF2-40B4-BE49-F238E27FC236}">
-                <a16:creationId xmlns:a16="http://schemas.microsoft.com/office/drawing/2014/main" id="{320327D5-173D-451C-8EDB-7FAB7AD9DD20}"/>
+                <a16:creationId xmlns:a16="http://schemas.microsoft.com/office/drawing/2014/main" xmlns="" id="{320327D5-173D-451C-8EDB-7FAB7AD9DD20}"/>
               </a:ext>
             </a:extLst>
           </p:cNvPr>
@@ -19578,7 +19684,7 @@
             <p:cNvPr id="126" name="Ellipse 125">
               <a:extLst>
                 <a:ext uri="{FF2B5EF4-FFF2-40B4-BE49-F238E27FC236}">
-                  <a16:creationId xmlns:a16="http://schemas.microsoft.com/office/drawing/2014/main" id="{274D9387-6B5C-401E-B4C8-130AF81B531A}"/>
+                  <a16:creationId xmlns:a16="http://schemas.microsoft.com/office/drawing/2014/main" xmlns="" id="{274D9387-6B5C-401E-B4C8-130AF81B531A}"/>
                 </a:ext>
               </a:extLst>
             </p:cNvPr>
@@ -19632,7 +19738,7 @@
             <p:cNvPr id="127" name="Rechteck 126">
               <a:extLst>
                 <a:ext uri="{FF2B5EF4-FFF2-40B4-BE49-F238E27FC236}">
-                  <a16:creationId xmlns:a16="http://schemas.microsoft.com/office/drawing/2014/main" id="{038A19BF-BD00-4B5F-A0BD-94502AD71F85}"/>
+                  <a16:creationId xmlns:a16="http://schemas.microsoft.com/office/drawing/2014/main" xmlns="" id="{038A19BF-BD00-4B5F-A0BD-94502AD71F85}"/>
                 </a:ext>
               </a:extLst>
             </p:cNvPr>
@@ -19686,7 +19792,7 @@
             <p:cNvPr id="128" name="Rechteck 127">
               <a:extLst>
                 <a:ext uri="{FF2B5EF4-FFF2-40B4-BE49-F238E27FC236}">
-                  <a16:creationId xmlns:a16="http://schemas.microsoft.com/office/drawing/2014/main" id="{65298760-2D76-423D-8227-8970A2B52C77}"/>
+                  <a16:creationId xmlns:a16="http://schemas.microsoft.com/office/drawing/2014/main" xmlns="" id="{65298760-2D76-423D-8227-8970A2B52C77}"/>
                 </a:ext>
               </a:extLst>
             </p:cNvPr>
@@ -19740,7 +19846,7 @@
             <p:cNvPr id="129" name="Gerader Verbinder 128">
               <a:extLst>
                 <a:ext uri="{FF2B5EF4-FFF2-40B4-BE49-F238E27FC236}">
-                  <a16:creationId xmlns:a16="http://schemas.microsoft.com/office/drawing/2014/main" id="{0622082E-0C96-4716-952A-4EFB1F35931E}"/>
+                  <a16:creationId xmlns:a16="http://schemas.microsoft.com/office/drawing/2014/main" xmlns="" id="{0622082E-0C96-4716-952A-4EFB1F35931E}"/>
                 </a:ext>
               </a:extLst>
             </p:cNvPr>
@@ -19788,7 +19894,7 @@
             <p:cNvPr id="130" name="Gerader Verbinder 129">
               <a:extLst>
                 <a:ext uri="{FF2B5EF4-FFF2-40B4-BE49-F238E27FC236}">
-                  <a16:creationId xmlns:a16="http://schemas.microsoft.com/office/drawing/2014/main" id="{1A39AD16-EE27-464A-A265-0C48B8D20EC3}"/>
+                  <a16:creationId xmlns:a16="http://schemas.microsoft.com/office/drawing/2014/main" xmlns="" id="{1A39AD16-EE27-464A-A265-0C48B8D20EC3}"/>
                 </a:ext>
               </a:extLst>
             </p:cNvPr>
@@ -19836,7 +19942,7 @@
             <p:cNvPr id="131" name="Gerader Verbinder 130">
               <a:extLst>
                 <a:ext uri="{FF2B5EF4-FFF2-40B4-BE49-F238E27FC236}">
-                  <a16:creationId xmlns:a16="http://schemas.microsoft.com/office/drawing/2014/main" id="{F40C5656-2493-42F0-9217-D4810481E7E2}"/>
+                  <a16:creationId xmlns:a16="http://schemas.microsoft.com/office/drawing/2014/main" xmlns="" id="{F40C5656-2493-42F0-9217-D4810481E7E2}"/>
                 </a:ext>
               </a:extLst>
             </p:cNvPr>
@@ -19881,7 +19987,7 @@
           <p:cNvPr id="140" name="Ellipse 139">
             <a:extLst>
               <a:ext uri="{FF2B5EF4-FFF2-40B4-BE49-F238E27FC236}">
-                <a16:creationId xmlns:a16="http://schemas.microsoft.com/office/drawing/2014/main" id="{7F05F61F-0845-4356-9136-9654EDCDEE40}"/>
+                <a16:creationId xmlns:a16="http://schemas.microsoft.com/office/drawing/2014/main" xmlns="" id="{7F05F61F-0845-4356-9136-9654EDCDEE40}"/>
               </a:ext>
             </a:extLst>
           </p:cNvPr>
@@ -19938,7 +20044,7 @@
           <p:cNvPr id="141" name="Rechteck 140">
             <a:extLst>
               <a:ext uri="{FF2B5EF4-FFF2-40B4-BE49-F238E27FC236}">
-                <a16:creationId xmlns:a16="http://schemas.microsoft.com/office/drawing/2014/main" id="{D884463F-3390-40C5-815A-94BE95D290C0}"/>
+                <a16:creationId xmlns:a16="http://schemas.microsoft.com/office/drawing/2014/main" xmlns="" id="{D884463F-3390-40C5-815A-94BE95D290C0}"/>
               </a:ext>
             </a:extLst>
           </p:cNvPr>
@@ -19995,7 +20101,7 @@
           <p:cNvPr id="142" name="Rechteck 141">
             <a:extLst>
               <a:ext uri="{FF2B5EF4-FFF2-40B4-BE49-F238E27FC236}">
-                <a16:creationId xmlns:a16="http://schemas.microsoft.com/office/drawing/2014/main" id="{B4D4A6C0-87BE-4ADA-A582-D90C5D471F3B}"/>
+                <a16:creationId xmlns:a16="http://schemas.microsoft.com/office/drawing/2014/main" xmlns="" id="{B4D4A6C0-87BE-4ADA-A582-D90C5D471F3B}"/>
               </a:ext>
             </a:extLst>
           </p:cNvPr>
@@ -20052,7 +20158,7 @@
           <p:cNvPr id="145" name="Gerader Verbinder 144">
             <a:extLst>
               <a:ext uri="{FF2B5EF4-FFF2-40B4-BE49-F238E27FC236}">
-                <a16:creationId xmlns:a16="http://schemas.microsoft.com/office/drawing/2014/main" id="{7D0581FC-0B4D-4C9E-B767-A45D8EFC67FF}"/>
+                <a16:creationId xmlns:a16="http://schemas.microsoft.com/office/drawing/2014/main" xmlns="" id="{7D0581FC-0B4D-4C9E-B767-A45D8EFC67FF}"/>
               </a:ext>
             </a:extLst>
           </p:cNvPr>
@@ -20100,7 +20206,7 @@
           <p:cNvPr id="147" name="Gerader Verbinder 146">
             <a:extLst>
               <a:ext uri="{FF2B5EF4-FFF2-40B4-BE49-F238E27FC236}">
-                <a16:creationId xmlns:a16="http://schemas.microsoft.com/office/drawing/2014/main" id="{2A8A01D3-FC8D-4852-AF75-33EA98DC7860}"/>
+                <a16:creationId xmlns:a16="http://schemas.microsoft.com/office/drawing/2014/main" xmlns="" id="{2A8A01D3-FC8D-4852-AF75-33EA98DC7860}"/>
               </a:ext>
             </a:extLst>
           </p:cNvPr>
@@ -20147,7 +20253,7 @@
           <p:cNvPr id="148" name="Gerader Verbinder 147">
             <a:extLst>
               <a:ext uri="{FF2B5EF4-FFF2-40B4-BE49-F238E27FC236}">
-                <a16:creationId xmlns:a16="http://schemas.microsoft.com/office/drawing/2014/main" id="{3547AB33-B599-4C1C-863B-6FCEE23D94DE}"/>
+                <a16:creationId xmlns:a16="http://schemas.microsoft.com/office/drawing/2014/main" xmlns="" id="{3547AB33-B599-4C1C-863B-6FCEE23D94DE}"/>
               </a:ext>
             </a:extLst>
           </p:cNvPr>
@@ -20194,7 +20300,7 @@
           <p:cNvPr id="149" name="Gerader Verbinder 148">
             <a:extLst>
               <a:ext uri="{FF2B5EF4-FFF2-40B4-BE49-F238E27FC236}">
-                <a16:creationId xmlns:a16="http://schemas.microsoft.com/office/drawing/2014/main" id="{45FFF2BB-7A0C-4029-AB43-5BA5ECB3DB6D}"/>
+                <a16:creationId xmlns:a16="http://schemas.microsoft.com/office/drawing/2014/main" xmlns="" id="{45FFF2BB-7A0C-4029-AB43-5BA5ECB3DB6D}"/>
               </a:ext>
             </a:extLst>
           </p:cNvPr>
@@ -20241,7 +20347,7 @@
           <p:cNvPr id="50" name="Pfeil: Chevron 49">
             <a:extLst>
               <a:ext uri="{FF2B5EF4-FFF2-40B4-BE49-F238E27FC236}">
-                <a16:creationId xmlns:a16="http://schemas.microsoft.com/office/drawing/2014/main" id="{C24D5437-0874-47EF-9527-06CA2FE7E239}"/>
+                <a16:creationId xmlns:a16="http://schemas.microsoft.com/office/drawing/2014/main" xmlns="" id="{C24D5437-0874-47EF-9527-06CA2FE7E239}"/>
               </a:ext>
             </a:extLst>
           </p:cNvPr>
@@ -20306,7 +20412,7 @@
           <p:cNvPr id="51" name="Pfeil: Chevron 50">
             <a:extLst>
               <a:ext uri="{FF2B5EF4-FFF2-40B4-BE49-F238E27FC236}">
-                <a16:creationId xmlns:a16="http://schemas.microsoft.com/office/drawing/2014/main" id="{8619EAA0-4C26-4440-AD1A-63161F472AA0}"/>
+                <a16:creationId xmlns:a16="http://schemas.microsoft.com/office/drawing/2014/main" xmlns="" id="{8619EAA0-4C26-4440-AD1A-63161F472AA0}"/>
               </a:ext>
             </a:extLst>
           </p:cNvPr>
@@ -20374,7 +20480,7 @@
           <p:cNvPr id="52" name="Pfeil: Chevron 51">
             <a:extLst>
               <a:ext uri="{FF2B5EF4-FFF2-40B4-BE49-F238E27FC236}">
-                <a16:creationId xmlns:a16="http://schemas.microsoft.com/office/drawing/2014/main" id="{BBA9295F-E65D-4B6A-85F8-18CD66845184}"/>
+                <a16:creationId xmlns:a16="http://schemas.microsoft.com/office/drawing/2014/main" xmlns="" id="{BBA9295F-E65D-4B6A-85F8-18CD66845184}"/>
               </a:ext>
             </a:extLst>
           </p:cNvPr>
@@ -20442,13 +20548,20 @@
     </p:spTree>
     <p:extLst>
       <p:ext uri="{BB962C8B-B14F-4D97-AF65-F5344CB8AC3E}">
-        <p14:creationId xmlns:p14="http://schemas.microsoft.com/office/powerpoint/2010/main" val="733313450"/>
+        <p14:creationId xmlns:p14="http://schemas.microsoft.com/office/powerpoint/2010/main" xmlns="" val="733313450"/>
       </p:ext>
     </p:extLst>
   </p:cSld>
   <p:clrMapOvr>
     <a:masterClrMapping/>
   </p:clrMapOvr>
+  <p:timing>
+    <p:tnLst>
+      <p:par>
+        <p:cTn id="1" dur="indefinite" restart="never" nodeType="tmRoot"/>
+      </p:par>
+    </p:tnLst>
+  </p:timing>
 </p:sld>
 </file>
 
@@ -20474,7 +20587,7 @@
           <p:cNvPr id="2" name="Titel 1">
             <a:extLst>
               <a:ext uri="{FF2B5EF4-FFF2-40B4-BE49-F238E27FC236}">
-                <a16:creationId xmlns:a16="http://schemas.microsoft.com/office/drawing/2014/main" id="{594F37A0-8FD9-42A4-A80F-4C479182787E}"/>
+                <a16:creationId xmlns:a16="http://schemas.microsoft.com/office/drawing/2014/main" xmlns="" id="{594F37A0-8FD9-42A4-A80F-4C479182787E}"/>
               </a:ext>
             </a:extLst>
           </p:cNvPr>
@@ -20502,7 +20615,7 @@
           <p:cNvPr id="3" name="Inhaltsplatzhalter 2">
             <a:extLst>
               <a:ext uri="{FF2B5EF4-FFF2-40B4-BE49-F238E27FC236}">
-                <a16:creationId xmlns:a16="http://schemas.microsoft.com/office/drawing/2014/main" id="{B201CE33-F1D7-423B-B373-1D449812B3D5}"/>
+                <a16:creationId xmlns:a16="http://schemas.microsoft.com/office/drawing/2014/main" xmlns="" id="{B201CE33-F1D7-423B-B373-1D449812B3D5}"/>
               </a:ext>
             </a:extLst>
           </p:cNvPr>
@@ -20526,36 +20639,12 @@
           </a:p>
         </p:txBody>
       </p:sp>
-      <p:pic>
-        <p:nvPicPr>
-          <p:cNvPr id="12" name="Grafik 11" descr="AutoTS__Praesentation_Beispielgraph_2_mit_Auswahl.png"/>
-          <p:cNvPicPr>
-            <a:picLocks noChangeAspect="1"/>
-          </p:cNvPicPr>
-          <p:nvPr/>
-        </p:nvPicPr>
-        <p:blipFill>
-          <a:blip r:embed="rId2" cstate="print"/>
-          <a:stretch>
-            <a:fillRect/>
-          </a:stretch>
-        </p:blipFill>
-        <p:spPr>
-          <a:xfrm>
-            <a:off x="1151620" y="2420889"/>
-            <a:ext cx="6840759" cy="3758268"/>
-          </a:xfrm>
-          <a:prstGeom prst="rect">
-            <a:avLst/>
-          </a:prstGeom>
-        </p:spPr>
-      </p:pic>
       <p:sp>
         <p:nvSpPr>
           <p:cNvPr id="9" name="Pfeil: Chevron 8">
             <a:extLst>
               <a:ext uri="{FF2B5EF4-FFF2-40B4-BE49-F238E27FC236}">
-                <a16:creationId xmlns:a16="http://schemas.microsoft.com/office/drawing/2014/main" id="{88722012-BACB-4B08-BD0A-A3346FA233D5}"/>
+                <a16:creationId xmlns:a16="http://schemas.microsoft.com/office/drawing/2014/main" xmlns="" id="{88722012-BACB-4B08-BD0A-A3346FA233D5}"/>
               </a:ext>
             </a:extLst>
           </p:cNvPr>
@@ -20620,7 +20709,7 @@
           <p:cNvPr id="10" name="Pfeil: Chevron 9">
             <a:extLst>
               <a:ext uri="{FF2B5EF4-FFF2-40B4-BE49-F238E27FC236}">
-                <a16:creationId xmlns:a16="http://schemas.microsoft.com/office/drawing/2014/main" id="{7915287E-A0DA-4752-A12C-77FA4E91C293}"/>
+                <a16:creationId xmlns:a16="http://schemas.microsoft.com/office/drawing/2014/main" xmlns="" id="{7915287E-A0DA-4752-A12C-77FA4E91C293}"/>
               </a:ext>
             </a:extLst>
           </p:cNvPr>
@@ -20688,7 +20777,7 @@
           <p:cNvPr id="11" name="Pfeil: Chevron 10">
             <a:extLst>
               <a:ext uri="{FF2B5EF4-FFF2-40B4-BE49-F238E27FC236}">
-                <a16:creationId xmlns:a16="http://schemas.microsoft.com/office/drawing/2014/main" id="{3F5802A9-556B-4327-9EEA-961852914C26}"/>
+                <a16:creationId xmlns:a16="http://schemas.microsoft.com/office/drawing/2014/main" xmlns="" id="{3F5802A9-556B-4327-9EEA-961852914C26}"/>
               </a:ext>
             </a:extLst>
           </p:cNvPr>
@@ -20753,16 +20842,47 @@
           </a:p>
         </p:txBody>
       </p:sp>
+      <p:pic>
+        <p:nvPicPr>
+          <p:cNvPr id="8" name="Grafik 7" descr="AutoTS__Praesentation_Beispielgraph_2_mit_Auswahl.png"/>
+          <p:cNvPicPr>
+            <a:picLocks noChangeAspect="1"/>
+          </p:cNvPicPr>
+          <p:nvPr/>
+        </p:nvPicPr>
+        <p:blipFill>
+          <a:blip r:embed="rId2" cstate="print"/>
+          <a:stretch>
+            <a:fillRect/>
+          </a:stretch>
+        </p:blipFill>
+        <p:spPr>
+          <a:xfrm>
+            <a:off x="1215332" y="2556540"/>
+            <a:ext cx="6585444" cy="3618000"/>
+          </a:xfrm>
+          <a:prstGeom prst="rect">
+            <a:avLst/>
+          </a:prstGeom>
+        </p:spPr>
+      </p:pic>
     </p:spTree>
     <p:extLst>
       <p:ext uri="{BB962C8B-B14F-4D97-AF65-F5344CB8AC3E}">
-        <p14:creationId xmlns:p14="http://schemas.microsoft.com/office/powerpoint/2010/main" val="3359108963"/>
+        <p14:creationId xmlns:p14="http://schemas.microsoft.com/office/powerpoint/2010/main" xmlns="" val="3359108963"/>
       </p:ext>
     </p:extLst>
   </p:cSld>
   <p:clrMapOvr>
     <a:masterClrMapping/>
   </p:clrMapOvr>
+  <p:timing>
+    <p:tnLst>
+      <p:par>
+        <p:cTn id="1" dur="indefinite" restart="never" nodeType="tmRoot"/>
+      </p:par>
+    </p:tnLst>
+  </p:timing>
 </p:sld>
 </file>
 
@@ -20788,7 +20908,7 @@
           <p:cNvPr id="2" name="Titel 1">
             <a:extLst>
               <a:ext uri="{FF2B5EF4-FFF2-40B4-BE49-F238E27FC236}">
-                <a16:creationId xmlns:a16="http://schemas.microsoft.com/office/drawing/2014/main" id="{594F37A0-8FD9-42A4-A80F-4C479182787E}"/>
+                <a16:creationId xmlns:a16="http://schemas.microsoft.com/office/drawing/2014/main" xmlns="" id="{594F37A0-8FD9-42A4-A80F-4C479182787E}"/>
               </a:ext>
             </a:extLst>
           </p:cNvPr>
@@ -20816,7 +20936,7 @@
           <p:cNvPr id="3" name="Inhaltsplatzhalter 2">
             <a:extLst>
               <a:ext uri="{FF2B5EF4-FFF2-40B4-BE49-F238E27FC236}">
-                <a16:creationId xmlns:a16="http://schemas.microsoft.com/office/drawing/2014/main" id="{B201CE33-F1D7-423B-B373-1D449812B3D5}"/>
+                <a16:creationId xmlns:a16="http://schemas.microsoft.com/office/drawing/2014/main" xmlns="" id="{B201CE33-F1D7-423B-B373-1D449812B3D5}"/>
               </a:ext>
             </a:extLst>
           </p:cNvPr>
@@ -20916,8 +21036,8 @@
         </p:blipFill>
         <p:spPr>
           <a:xfrm>
-            <a:off x="1151620" y="2420889"/>
-            <a:ext cx="6840760" cy="3758268"/>
+            <a:off x="1215332" y="2556540"/>
+            <a:ext cx="6585445" cy="3618000"/>
           </a:xfrm>
           <a:prstGeom prst="rect">
             <a:avLst/>
@@ -20929,7 +21049,7 @@
           <p:cNvPr id="9" name="Pfeil: Chevron 8">
             <a:extLst>
               <a:ext uri="{FF2B5EF4-FFF2-40B4-BE49-F238E27FC236}">
-                <a16:creationId xmlns:a16="http://schemas.microsoft.com/office/drawing/2014/main" id="{4104802C-F2EE-4B61-AEA6-AE3107DFAAB6}"/>
+                <a16:creationId xmlns:a16="http://schemas.microsoft.com/office/drawing/2014/main" xmlns="" id="{4104802C-F2EE-4B61-AEA6-AE3107DFAAB6}"/>
               </a:ext>
             </a:extLst>
           </p:cNvPr>
@@ -20994,7 +21114,7 @@
           <p:cNvPr id="10" name="Pfeil: Chevron 9">
             <a:extLst>
               <a:ext uri="{FF2B5EF4-FFF2-40B4-BE49-F238E27FC236}">
-                <a16:creationId xmlns:a16="http://schemas.microsoft.com/office/drawing/2014/main" id="{84820EE4-F9D5-4848-9655-728CE68A782F}"/>
+                <a16:creationId xmlns:a16="http://schemas.microsoft.com/office/drawing/2014/main" xmlns="" id="{84820EE4-F9D5-4848-9655-728CE68A782F}"/>
               </a:ext>
             </a:extLst>
           </p:cNvPr>
@@ -21062,7 +21182,7 @@
           <p:cNvPr id="11" name="Pfeil: Chevron 10">
             <a:extLst>
               <a:ext uri="{FF2B5EF4-FFF2-40B4-BE49-F238E27FC236}">
-                <a16:creationId xmlns:a16="http://schemas.microsoft.com/office/drawing/2014/main" id="{8259CAC6-47AF-45A5-A54D-BEA67DC18E12}"/>
+                <a16:creationId xmlns:a16="http://schemas.microsoft.com/office/drawing/2014/main" xmlns="" id="{8259CAC6-47AF-45A5-A54D-BEA67DC18E12}"/>
               </a:ext>
             </a:extLst>
           </p:cNvPr>
@@ -21130,13 +21250,20 @@
     </p:spTree>
     <p:extLst>
       <p:ext uri="{BB962C8B-B14F-4D97-AF65-F5344CB8AC3E}">
-        <p14:creationId xmlns:p14="http://schemas.microsoft.com/office/powerpoint/2010/main" val="3359108963"/>
+        <p14:creationId xmlns:p14="http://schemas.microsoft.com/office/powerpoint/2010/main" xmlns="" val="3359108963"/>
       </p:ext>
     </p:extLst>
   </p:cSld>
   <p:clrMapOvr>
     <a:masterClrMapping/>
   </p:clrMapOvr>
+  <p:timing>
+    <p:tnLst>
+      <p:par>
+        <p:cTn id="1" dur="indefinite" restart="never" nodeType="tmRoot"/>
+      </p:par>
+    </p:tnLst>
+  </p:timing>
 </p:sld>
 </file>
 
@@ -21162,7 +21289,7 @@
           <p:cNvPr id="2" name="Titel 1">
             <a:extLst>
               <a:ext uri="{FF2B5EF4-FFF2-40B4-BE49-F238E27FC236}">
-                <a16:creationId xmlns:a16="http://schemas.microsoft.com/office/drawing/2014/main" id="{594F37A0-8FD9-42A4-A80F-4C479182787E}"/>
+                <a16:creationId xmlns:a16="http://schemas.microsoft.com/office/drawing/2014/main" xmlns="" id="{594F37A0-8FD9-42A4-A80F-4C479182787E}"/>
               </a:ext>
             </a:extLst>
           </p:cNvPr>
@@ -21190,7 +21317,7 @@
           <p:cNvPr id="3" name="Inhaltsplatzhalter 2">
             <a:extLst>
               <a:ext uri="{FF2B5EF4-FFF2-40B4-BE49-F238E27FC236}">
-                <a16:creationId xmlns:a16="http://schemas.microsoft.com/office/drawing/2014/main" id="{B201CE33-F1D7-423B-B373-1D449812B3D5}"/>
+                <a16:creationId xmlns:a16="http://schemas.microsoft.com/office/drawing/2014/main" xmlns="" id="{B201CE33-F1D7-423B-B373-1D449812B3D5}"/>
               </a:ext>
             </a:extLst>
           </p:cNvPr>
@@ -21274,8 +21401,8 @@
         </p:blipFill>
         <p:spPr>
           <a:xfrm>
-            <a:off x="1044824" y="2420887"/>
-            <a:ext cx="7190348" cy="3780000"/>
+            <a:off x="1115616" y="2561521"/>
+            <a:ext cx="6882190" cy="3618000"/>
           </a:xfrm>
           <a:prstGeom prst="rect">
             <a:avLst/>
@@ -21287,7 +21414,7 @@
           <p:cNvPr id="9" name="Pfeil: Chevron 8">
             <a:extLst>
               <a:ext uri="{FF2B5EF4-FFF2-40B4-BE49-F238E27FC236}">
-                <a16:creationId xmlns:a16="http://schemas.microsoft.com/office/drawing/2014/main" id="{E174AEEB-5225-4D6F-8B2D-CC307962EA8C}"/>
+                <a16:creationId xmlns:a16="http://schemas.microsoft.com/office/drawing/2014/main" xmlns="" id="{E174AEEB-5225-4D6F-8B2D-CC307962EA8C}"/>
               </a:ext>
             </a:extLst>
           </p:cNvPr>
@@ -21352,7 +21479,7 @@
           <p:cNvPr id="10" name="Pfeil: Chevron 9">
             <a:extLst>
               <a:ext uri="{FF2B5EF4-FFF2-40B4-BE49-F238E27FC236}">
-                <a16:creationId xmlns:a16="http://schemas.microsoft.com/office/drawing/2014/main" id="{E7640B6A-F3FB-4009-A8F7-DB93A1D9D3FE}"/>
+                <a16:creationId xmlns:a16="http://schemas.microsoft.com/office/drawing/2014/main" xmlns="" id="{E7640B6A-F3FB-4009-A8F7-DB93A1D9D3FE}"/>
               </a:ext>
             </a:extLst>
           </p:cNvPr>
@@ -21420,7 +21547,7 @@
           <p:cNvPr id="11" name="Pfeil: Chevron 10">
             <a:extLst>
               <a:ext uri="{FF2B5EF4-FFF2-40B4-BE49-F238E27FC236}">
-                <a16:creationId xmlns:a16="http://schemas.microsoft.com/office/drawing/2014/main" id="{12C5DD78-3F03-42BA-A95A-7D858B6E6383}"/>
+                <a16:creationId xmlns:a16="http://schemas.microsoft.com/office/drawing/2014/main" xmlns="" id="{12C5DD78-3F03-42BA-A95A-7D858B6E6383}"/>
               </a:ext>
             </a:extLst>
           </p:cNvPr>
@@ -21488,13 +21615,20 @@
     </p:spTree>
     <p:extLst>
       <p:ext uri="{BB962C8B-B14F-4D97-AF65-F5344CB8AC3E}">
-        <p14:creationId xmlns:p14="http://schemas.microsoft.com/office/powerpoint/2010/main" val="3359108963"/>
+        <p14:creationId xmlns:p14="http://schemas.microsoft.com/office/powerpoint/2010/main" xmlns="" val="3359108963"/>
       </p:ext>
     </p:extLst>
   </p:cSld>
   <p:clrMapOvr>
     <a:masterClrMapping/>
   </p:clrMapOvr>
+  <p:timing>
+    <p:tnLst>
+      <p:par>
+        <p:cTn id="1" dur="indefinite" restart="never" nodeType="tmRoot"/>
+      </p:par>
+    </p:tnLst>
+  </p:timing>
 </p:sld>
 </file>
 
@@ -21520,7 +21654,7 @@
           <p:cNvPr id="2" name="Titel 1">
             <a:extLst>
               <a:ext uri="{FF2B5EF4-FFF2-40B4-BE49-F238E27FC236}">
-                <a16:creationId xmlns:a16="http://schemas.microsoft.com/office/drawing/2014/main" id="{594F37A0-8FD9-42A4-A80F-4C479182787E}"/>
+                <a16:creationId xmlns:a16="http://schemas.microsoft.com/office/drawing/2014/main" xmlns="" id="{594F37A0-8FD9-42A4-A80F-4C479182787E}"/>
               </a:ext>
             </a:extLst>
           </p:cNvPr>
@@ -21548,7 +21682,7 @@
           <p:cNvPr id="3" name="Inhaltsplatzhalter 2">
             <a:extLst>
               <a:ext uri="{FF2B5EF4-FFF2-40B4-BE49-F238E27FC236}">
-                <a16:creationId xmlns:a16="http://schemas.microsoft.com/office/drawing/2014/main" id="{B201CE33-F1D7-423B-B373-1D449812B3D5}"/>
+                <a16:creationId xmlns:a16="http://schemas.microsoft.com/office/drawing/2014/main" xmlns="" id="{B201CE33-F1D7-423B-B373-1D449812B3D5}"/>
               </a:ext>
             </a:extLst>
           </p:cNvPr>
@@ -21632,8 +21766,8 @@
         </p:blipFill>
         <p:spPr>
           <a:xfrm>
-            <a:off x="1151620" y="2424515"/>
-            <a:ext cx="6840760" cy="3751016"/>
+            <a:off x="1151621" y="2424515"/>
+            <a:ext cx="6840758" cy="3751016"/>
           </a:xfrm>
           <a:prstGeom prst="rect">
             <a:avLst/>
@@ -21645,7 +21779,7 @@
           <p:cNvPr id="9" name="Pfeil: Chevron 8">
             <a:extLst>
               <a:ext uri="{FF2B5EF4-FFF2-40B4-BE49-F238E27FC236}">
-                <a16:creationId xmlns:a16="http://schemas.microsoft.com/office/drawing/2014/main" id="{825D38EA-69DB-407F-9068-943538F8DE56}"/>
+                <a16:creationId xmlns:a16="http://schemas.microsoft.com/office/drawing/2014/main" xmlns="" id="{825D38EA-69DB-407F-9068-943538F8DE56}"/>
               </a:ext>
             </a:extLst>
           </p:cNvPr>
@@ -21710,7 +21844,7 @@
           <p:cNvPr id="10" name="Pfeil: Chevron 9">
             <a:extLst>
               <a:ext uri="{FF2B5EF4-FFF2-40B4-BE49-F238E27FC236}">
-                <a16:creationId xmlns:a16="http://schemas.microsoft.com/office/drawing/2014/main" id="{FD090E87-27D7-4575-8E47-A7EE04132479}"/>
+                <a16:creationId xmlns:a16="http://schemas.microsoft.com/office/drawing/2014/main" xmlns="" id="{FD090E87-27D7-4575-8E47-A7EE04132479}"/>
               </a:ext>
             </a:extLst>
           </p:cNvPr>
@@ -21778,7 +21912,7 @@
           <p:cNvPr id="11" name="Pfeil: Chevron 10">
             <a:extLst>
               <a:ext uri="{FF2B5EF4-FFF2-40B4-BE49-F238E27FC236}">
-                <a16:creationId xmlns:a16="http://schemas.microsoft.com/office/drawing/2014/main" id="{148BC4A1-836E-446D-86F5-F4F158F9E650}"/>
+                <a16:creationId xmlns:a16="http://schemas.microsoft.com/office/drawing/2014/main" xmlns="" id="{148BC4A1-836E-446D-86F5-F4F158F9E650}"/>
               </a:ext>
             </a:extLst>
           </p:cNvPr>
@@ -21846,13 +21980,20 @@
     </p:spTree>
     <p:extLst>
       <p:ext uri="{BB962C8B-B14F-4D97-AF65-F5344CB8AC3E}">
-        <p14:creationId xmlns:p14="http://schemas.microsoft.com/office/powerpoint/2010/main" val="3359108963"/>
+        <p14:creationId xmlns:p14="http://schemas.microsoft.com/office/powerpoint/2010/main" xmlns="" val="3359108963"/>
       </p:ext>
     </p:extLst>
   </p:cSld>
   <p:clrMapOvr>
     <a:masterClrMapping/>
   </p:clrMapOvr>
+  <p:timing>
+    <p:tnLst>
+      <p:par>
+        <p:cTn id="1" dur="indefinite" restart="never" nodeType="tmRoot"/>
+      </p:par>
+    </p:tnLst>
+  </p:timing>
 </p:sld>
 </file>
 
@@ -21878,7 +22019,7 @@
           <p:cNvPr id="2" name="Titel 1">
             <a:extLst>
               <a:ext uri="{FF2B5EF4-FFF2-40B4-BE49-F238E27FC236}">
-                <a16:creationId xmlns:a16="http://schemas.microsoft.com/office/drawing/2014/main" id="{594F37A0-8FD9-42A4-A80F-4C479182787E}"/>
+                <a16:creationId xmlns:a16="http://schemas.microsoft.com/office/drawing/2014/main" xmlns="" id="{594F37A0-8FD9-42A4-A80F-4C479182787E}"/>
               </a:ext>
             </a:extLst>
           </p:cNvPr>
@@ -21906,7 +22047,7 @@
           <p:cNvPr id="3" name="Inhaltsplatzhalter 2">
             <a:extLst>
               <a:ext uri="{FF2B5EF4-FFF2-40B4-BE49-F238E27FC236}">
-                <a16:creationId xmlns:a16="http://schemas.microsoft.com/office/drawing/2014/main" id="{B201CE33-F1D7-423B-B373-1D449812B3D5}"/>
+                <a16:creationId xmlns:a16="http://schemas.microsoft.com/office/drawing/2014/main" xmlns="" id="{B201CE33-F1D7-423B-B373-1D449812B3D5}"/>
               </a:ext>
             </a:extLst>
           </p:cNvPr>
@@ -22006,36 +22147,12 @@
           </a:p>
         </p:txBody>
       </p:sp>
-      <p:pic>
-        <p:nvPicPr>
-          <p:cNvPr id="12" name="Grafik 11" descr="AutoTS__Praesentation_Beispielgraph_2_mit_Auswahl.png"/>
-          <p:cNvPicPr>
-            <a:picLocks noChangeAspect="1"/>
-          </p:cNvPicPr>
-          <p:nvPr/>
-        </p:nvPicPr>
-        <p:blipFill>
-          <a:blip r:embed="rId2" cstate="print"/>
-          <a:stretch>
-            <a:fillRect/>
-          </a:stretch>
-        </p:blipFill>
-        <p:spPr>
-          <a:xfrm>
-            <a:off x="1151620" y="2420889"/>
-            <a:ext cx="6840759" cy="3758268"/>
-          </a:xfrm>
-          <a:prstGeom prst="rect">
-            <a:avLst/>
-          </a:prstGeom>
-        </p:spPr>
-      </p:pic>
       <p:sp>
         <p:nvSpPr>
           <p:cNvPr id="9" name="Pfeil: Chevron 8">
             <a:extLst>
               <a:ext uri="{FF2B5EF4-FFF2-40B4-BE49-F238E27FC236}">
-                <a16:creationId xmlns:a16="http://schemas.microsoft.com/office/drawing/2014/main" id="{B3706452-583B-40AE-BA94-24F81F8B291E}"/>
+                <a16:creationId xmlns:a16="http://schemas.microsoft.com/office/drawing/2014/main" xmlns="" id="{B3706452-583B-40AE-BA94-24F81F8B291E}"/>
               </a:ext>
             </a:extLst>
           </p:cNvPr>
@@ -22100,7 +22217,7 @@
           <p:cNvPr id="10" name="Pfeil: Chevron 9">
             <a:extLst>
               <a:ext uri="{FF2B5EF4-FFF2-40B4-BE49-F238E27FC236}">
-                <a16:creationId xmlns:a16="http://schemas.microsoft.com/office/drawing/2014/main" id="{9E01B232-FE02-45EA-926A-2A52FEE21010}"/>
+                <a16:creationId xmlns:a16="http://schemas.microsoft.com/office/drawing/2014/main" xmlns="" id="{9E01B232-FE02-45EA-926A-2A52FEE21010}"/>
               </a:ext>
             </a:extLst>
           </p:cNvPr>
@@ -22168,7 +22285,7 @@
           <p:cNvPr id="11" name="Pfeil: Chevron 10">
             <a:extLst>
               <a:ext uri="{FF2B5EF4-FFF2-40B4-BE49-F238E27FC236}">
-                <a16:creationId xmlns:a16="http://schemas.microsoft.com/office/drawing/2014/main" id="{846BC55F-9850-42DD-95FD-D684B6A4B86A}"/>
+                <a16:creationId xmlns:a16="http://schemas.microsoft.com/office/drawing/2014/main" xmlns="" id="{846BC55F-9850-42DD-95FD-D684B6A4B86A}"/>
               </a:ext>
             </a:extLst>
           </p:cNvPr>
@@ -22233,16 +22350,47 @@
           </a:p>
         </p:txBody>
       </p:sp>
+      <p:pic>
+        <p:nvPicPr>
+          <p:cNvPr id="8" name="Grafik 7" descr="AutoTS__Praesentation_Beispielgraph_2_mit_Auswahl.png"/>
+          <p:cNvPicPr>
+            <a:picLocks noChangeAspect="1"/>
+          </p:cNvPicPr>
+          <p:nvPr/>
+        </p:nvPicPr>
+        <p:blipFill>
+          <a:blip r:embed="rId2" cstate="print"/>
+          <a:stretch>
+            <a:fillRect/>
+          </a:stretch>
+        </p:blipFill>
+        <p:spPr>
+          <a:xfrm>
+            <a:off x="1215332" y="2556540"/>
+            <a:ext cx="6585444" cy="3618000"/>
+          </a:xfrm>
+          <a:prstGeom prst="rect">
+            <a:avLst/>
+          </a:prstGeom>
+        </p:spPr>
+      </p:pic>
     </p:spTree>
     <p:extLst>
       <p:ext uri="{BB962C8B-B14F-4D97-AF65-F5344CB8AC3E}">
-        <p14:creationId xmlns:p14="http://schemas.microsoft.com/office/powerpoint/2010/main" val="3359108963"/>
+        <p14:creationId xmlns:p14="http://schemas.microsoft.com/office/powerpoint/2010/main" xmlns="" val="3359108963"/>
       </p:ext>
     </p:extLst>
   </p:cSld>
   <p:clrMapOvr>
     <a:masterClrMapping/>
   </p:clrMapOvr>
+  <p:timing>
+    <p:tnLst>
+      <p:par>
+        <p:cTn id="1" dur="indefinite" restart="never" nodeType="tmRoot"/>
+      </p:par>
+    </p:tnLst>
+  </p:timing>
 </p:sld>
 </file>
 
@@ -22268,7 +22416,7 @@
           <p:cNvPr id="2" name="Titel 1">
             <a:extLst>
               <a:ext uri="{FF2B5EF4-FFF2-40B4-BE49-F238E27FC236}">
-                <a16:creationId xmlns:a16="http://schemas.microsoft.com/office/drawing/2014/main" id="{D209E4DA-0ABD-4811-9B3D-451135F8BF59}"/>
+                <a16:creationId xmlns:a16="http://schemas.microsoft.com/office/drawing/2014/main" xmlns="" id="{D209E4DA-0ABD-4811-9B3D-451135F8BF59}"/>
               </a:ext>
             </a:extLst>
           </p:cNvPr>
@@ -22296,7 +22444,7 @@
           <p:cNvPr id="5" name="Inhaltsplatzhalter 2">
             <a:extLst>
               <a:ext uri="{FF2B5EF4-FFF2-40B4-BE49-F238E27FC236}">
-                <a16:creationId xmlns:a16="http://schemas.microsoft.com/office/drawing/2014/main" id="{4B165914-D78E-4CAA-9A81-75634F901AFA}"/>
+                <a16:creationId xmlns:a16="http://schemas.microsoft.com/office/drawing/2014/main" xmlns="" id="{4B165914-D78E-4CAA-9A81-75634F901AFA}"/>
               </a:ext>
             </a:extLst>
           </p:cNvPr>
@@ -22421,7 +22569,7 @@
     </p:spTree>
     <p:extLst>
       <p:ext uri="{BB962C8B-B14F-4D97-AF65-F5344CB8AC3E}">
-        <p14:creationId xmlns:p14="http://schemas.microsoft.com/office/powerpoint/2010/main" val="931636316"/>
+        <p14:creationId xmlns:p14="http://schemas.microsoft.com/office/powerpoint/2010/main" xmlns="" val="931636316"/>
       </p:ext>
     </p:extLst>
   </p:cSld>
@@ -22453,7 +22601,7 @@
           <p:cNvPr id="2" name="Titel 1">
             <a:extLst>
               <a:ext uri="{FF2B5EF4-FFF2-40B4-BE49-F238E27FC236}">
-                <a16:creationId xmlns:a16="http://schemas.microsoft.com/office/drawing/2014/main" id="{594F37A0-8FD9-42A4-A80F-4C479182787E}"/>
+                <a16:creationId xmlns:a16="http://schemas.microsoft.com/office/drawing/2014/main" xmlns="" id="{594F37A0-8FD9-42A4-A80F-4C479182787E}"/>
               </a:ext>
             </a:extLst>
           </p:cNvPr>
@@ -22481,7 +22629,7 @@
           <p:cNvPr id="3" name="Inhaltsplatzhalter 2">
             <a:extLst>
               <a:ext uri="{FF2B5EF4-FFF2-40B4-BE49-F238E27FC236}">
-                <a16:creationId xmlns:a16="http://schemas.microsoft.com/office/drawing/2014/main" id="{B201CE33-F1D7-423B-B373-1D449812B3D5}"/>
+                <a16:creationId xmlns:a16="http://schemas.microsoft.com/office/drawing/2014/main" xmlns="" id="{B201CE33-F1D7-423B-B373-1D449812B3D5}"/>
               </a:ext>
             </a:extLst>
           </p:cNvPr>
@@ -22724,7 +22872,7 @@
           <p:cNvPr id="13" name="Pfeil: Chevron 12">
             <a:extLst>
               <a:ext uri="{FF2B5EF4-FFF2-40B4-BE49-F238E27FC236}">
-                <a16:creationId xmlns:a16="http://schemas.microsoft.com/office/drawing/2014/main" id="{50401BF1-9AC5-4272-96B1-0C618E319CD5}"/>
+                <a16:creationId xmlns:a16="http://schemas.microsoft.com/office/drawing/2014/main" xmlns="" id="{50401BF1-9AC5-4272-96B1-0C618E319CD5}"/>
               </a:ext>
             </a:extLst>
           </p:cNvPr>
@@ -22789,7 +22937,7 @@
           <p:cNvPr id="14" name="Pfeil: Chevron 13">
             <a:extLst>
               <a:ext uri="{FF2B5EF4-FFF2-40B4-BE49-F238E27FC236}">
-                <a16:creationId xmlns:a16="http://schemas.microsoft.com/office/drawing/2014/main" id="{663D2D07-D2C7-494B-8327-B2D203C9327F}"/>
+                <a16:creationId xmlns:a16="http://schemas.microsoft.com/office/drawing/2014/main" xmlns="" id="{663D2D07-D2C7-494B-8327-B2D203C9327F}"/>
               </a:ext>
             </a:extLst>
           </p:cNvPr>
@@ -22857,7 +23005,7 @@
           <p:cNvPr id="15" name="Pfeil: Chevron 14">
             <a:extLst>
               <a:ext uri="{FF2B5EF4-FFF2-40B4-BE49-F238E27FC236}">
-                <a16:creationId xmlns:a16="http://schemas.microsoft.com/office/drawing/2014/main" id="{BE32079B-0997-4BE0-9EF6-7A767288FA5A}"/>
+                <a16:creationId xmlns:a16="http://schemas.microsoft.com/office/drawing/2014/main" xmlns="" id="{BE32079B-0997-4BE0-9EF6-7A767288FA5A}"/>
               </a:ext>
             </a:extLst>
           </p:cNvPr>
@@ -22925,13 +23073,20 @@
     </p:spTree>
     <p:extLst>
       <p:ext uri="{BB962C8B-B14F-4D97-AF65-F5344CB8AC3E}">
-        <p14:creationId xmlns:p14="http://schemas.microsoft.com/office/powerpoint/2010/main" val="3359108963"/>
+        <p14:creationId xmlns:p14="http://schemas.microsoft.com/office/powerpoint/2010/main" xmlns="" val="3359108963"/>
       </p:ext>
     </p:extLst>
   </p:cSld>
   <p:clrMapOvr>
     <a:masterClrMapping/>
   </p:clrMapOvr>
+  <p:timing>
+    <p:tnLst>
+      <p:par>
+        <p:cTn id="1" dur="indefinite" restart="never" nodeType="tmRoot"/>
+      </p:par>
+    </p:tnLst>
+  </p:timing>
 </p:sld>
 </file>
 
@@ -22957,7 +23112,7 @@
           <p:cNvPr id="2" name="Titel 1">
             <a:extLst>
               <a:ext uri="{FF2B5EF4-FFF2-40B4-BE49-F238E27FC236}">
-                <a16:creationId xmlns:a16="http://schemas.microsoft.com/office/drawing/2014/main" id="{594F37A0-8FD9-42A4-A80F-4C479182787E}"/>
+                <a16:creationId xmlns:a16="http://schemas.microsoft.com/office/drawing/2014/main" xmlns="" id="{594F37A0-8FD9-42A4-A80F-4C479182787E}"/>
               </a:ext>
             </a:extLst>
           </p:cNvPr>
@@ -22985,7 +23140,7 @@
           <p:cNvPr id="3" name="Inhaltsplatzhalter 2">
             <a:extLst>
               <a:ext uri="{FF2B5EF4-FFF2-40B4-BE49-F238E27FC236}">
-                <a16:creationId xmlns:a16="http://schemas.microsoft.com/office/drawing/2014/main" id="{B201CE33-F1D7-423B-B373-1D449812B3D5}"/>
+                <a16:creationId xmlns:a16="http://schemas.microsoft.com/office/drawing/2014/main" xmlns="" id="{B201CE33-F1D7-423B-B373-1D449812B3D5}"/>
               </a:ext>
             </a:extLst>
           </p:cNvPr>
@@ -23333,7 +23488,7 @@
           <p:cNvPr id="14" name="Pfeil: Chevron 13">
             <a:extLst>
               <a:ext uri="{FF2B5EF4-FFF2-40B4-BE49-F238E27FC236}">
-                <a16:creationId xmlns:a16="http://schemas.microsoft.com/office/drawing/2014/main" id="{24AEC2D1-8D5A-443F-B2FF-27F6317CB349}"/>
+                <a16:creationId xmlns:a16="http://schemas.microsoft.com/office/drawing/2014/main" xmlns="" id="{24AEC2D1-8D5A-443F-B2FF-27F6317CB349}"/>
               </a:ext>
             </a:extLst>
           </p:cNvPr>
@@ -23398,7 +23553,7 @@
           <p:cNvPr id="15" name="Pfeil: Chevron 14">
             <a:extLst>
               <a:ext uri="{FF2B5EF4-FFF2-40B4-BE49-F238E27FC236}">
-                <a16:creationId xmlns:a16="http://schemas.microsoft.com/office/drawing/2014/main" id="{299B43E1-B9C6-4A54-8EC1-69C79084B345}"/>
+                <a16:creationId xmlns:a16="http://schemas.microsoft.com/office/drawing/2014/main" xmlns="" id="{299B43E1-B9C6-4A54-8EC1-69C79084B345}"/>
               </a:ext>
             </a:extLst>
           </p:cNvPr>
@@ -23466,7 +23621,7 @@
           <p:cNvPr id="16" name="Pfeil: Chevron 15">
             <a:extLst>
               <a:ext uri="{FF2B5EF4-FFF2-40B4-BE49-F238E27FC236}">
-                <a16:creationId xmlns:a16="http://schemas.microsoft.com/office/drawing/2014/main" id="{7AC11A0F-C03F-4652-9561-4AA053103277}"/>
+                <a16:creationId xmlns:a16="http://schemas.microsoft.com/office/drawing/2014/main" xmlns="" id="{7AC11A0F-C03F-4652-9561-4AA053103277}"/>
               </a:ext>
             </a:extLst>
           </p:cNvPr>
@@ -23534,13 +23689,20 @@
     </p:spTree>
     <p:extLst>
       <p:ext uri="{BB962C8B-B14F-4D97-AF65-F5344CB8AC3E}">
-        <p14:creationId xmlns:p14="http://schemas.microsoft.com/office/powerpoint/2010/main" val="2065099838"/>
+        <p14:creationId xmlns:p14="http://schemas.microsoft.com/office/powerpoint/2010/main" xmlns="" val="2065099838"/>
       </p:ext>
     </p:extLst>
   </p:cSld>
   <p:clrMapOvr>
     <a:masterClrMapping/>
   </p:clrMapOvr>
+  <p:timing>
+    <p:tnLst>
+      <p:par>
+        <p:cTn id="1" dur="indefinite" restart="never" nodeType="tmRoot"/>
+      </p:par>
+    </p:tnLst>
+  </p:timing>
 </p:sld>
 </file>
 
@@ -23566,7 +23728,7 @@
           <p:cNvPr id="2" name="Titel 1">
             <a:extLst>
               <a:ext uri="{FF2B5EF4-FFF2-40B4-BE49-F238E27FC236}">
-                <a16:creationId xmlns:a16="http://schemas.microsoft.com/office/drawing/2014/main" id="{594F37A0-8FD9-42A4-A80F-4C479182787E}"/>
+                <a16:creationId xmlns:a16="http://schemas.microsoft.com/office/drawing/2014/main" xmlns="" id="{594F37A0-8FD9-42A4-A80F-4C479182787E}"/>
               </a:ext>
             </a:extLst>
           </p:cNvPr>
@@ -23594,7 +23756,7 @@
           <p:cNvPr id="3" name="Inhaltsplatzhalter 2">
             <a:extLst>
               <a:ext uri="{FF2B5EF4-FFF2-40B4-BE49-F238E27FC236}">
-                <a16:creationId xmlns:a16="http://schemas.microsoft.com/office/drawing/2014/main" id="{B201CE33-F1D7-423B-B373-1D449812B3D5}"/>
+                <a16:creationId xmlns:a16="http://schemas.microsoft.com/office/drawing/2014/main" xmlns="" id="{B201CE33-F1D7-423B-B373-1D449812B3D5}"/>
               </a:ext>
             </a:extLst>
           </p:cNvPr>
@@ -23970,7 +24132,7 @@
           <p:cNvPr id="14" name="Pfeil: Chevron 13">
             <a:extLst>
               <a:ext uri="{FF2B5EF4-FFF2-40B4-BE49-F238E27FC236}">
-                <a16:creationId xmlns:a16="http://schemas.microsoft.com/office/drawing/2014/main" id="{548C50E4-9644-4B1C-9246-8CA0722C65FC}"/>
+                <a16:creationId xmlns:a16="http://schemas.microsoft.com/office/drawing/2014/main" xmlns="" id="{548C50E4-9644-4B1C-9246-8CA0722C65FC}"/>
               </a:ext>
             </a:extLst>
           </p:cNvPr>
@@ -24035,7 +24197,7 @@
           <p:cNvPr id="15" name="Pfeil: Chevron 14">
             <a:extLst>
               <a:ext uri="{FF2B5EF4-FFF2-40B4-BE49-F238E27FC236}">
-                <a16:creationId xmlns:a16="http://schemas.microsoft.com/office/drawing/2014/main" id="{DC16BABB-4A5D-45B5-A448-39FA46D355DF}"/>
+                <a16:creationId xmlns:a16="http://schemas.microsoft.com/office/drawing/2014/main" xmlns="" id="{DC16BABB-4A5D-45B5-A448-39FA46D355DF}"/>
               </a:ext>
             </a:extLst>
           </p:cNvPr>
@@ -24103,7 +24265,7 @@
           <p:cNvPr id="16" name="Pfeil: Chevron 15">
             <a:extLst>
               <a:ext uri="{FF2B5EF4-FFF2-40B4-BE49-F238E27FC236}">
-                <a16:creationId xmlns:a16="http://schemas.microsoft.com/office/drawing/2014/main" id="{4B6C7FB9-9068-4F78-B2E9-29B42FFF55EB}"/>
+                <a16:creationId xmlns:a16="http://schemas.microsoft.com/office/drawing/2014/main" xmlns="" id="{4B6C7FB9-9068-4F78-B2E9-29B42FFF55EB}"/>
               </a:ext>
             </a:extLst>
           </p:cNvPr>
@@ -24171,7 +24333,7 @@
     </p:spTree>
     <p:extLst>
       <p:ext uri="{BB962C8B-B14F-4D97-AF65-F5344CB8AC3E}">
-        <p14:creationId xmlns:p14="http://schemas.microsoft.com/office/powerpoint/2010/main" val="153290221"/>
+        <p14:creationId xmlns:p14="http://schemas.microsoft.com/office/powerpoint/2010/main" xmlns="" val="153290221"/>
       </p:ext>
     </p:extLst>
   </p:cSld>
@@ -24203,7 +24365,7 @@
           <p:cNvPr id="2" name="Titel 1">
             <a:extLst>
               <a:ext uri="{FF2B5EF4-FFF2-40B4-BE49-F238E27FC236}">
-                <a16:creationId xmlns:a16="http://schemas.microsoft.com/office/drawing/2014/main" id="{594F37A0-8FD9-42A4-A80F-4C479182787E}"/>
+                <a16:creationId xmlns:a16="http://schemas.microsoft.com/office/drawing/2014/main" xmlns="" id="{594F37A0-8FD9-42A4-A80F-4C479182787E}"/>
               </a:ext>
             </a:extLst>
           </p:cNvPr>
@@ -24231,7 +24393,7 @@
           <p:cNvPr id="3" name="Inhaltsplatzhalter 2">
             <a:extLst>
               <a:ext uri="{FF2B5EF4-FFF2-40B4-BE49-F238E27FC236}">
-                <a16:creationId xmlns:a16="http://schemas.microsoft.com/office/drawing/2014/main" id="{B201CE33-F1D7-423B-B373-1D449812B3D5}"/>
+                <a16:creationId xmlns:a16="http://schemas.microsoft.com/office/drawing/2014/main" xmlns="" id="{B201CE33-F1D7-423B-B373-1D449812B3D5}"/>
               </a:ext>
             </a:extLst>
           </p:cNvPr>
@@ -24626,7 +24788,7 @@
           <p:cNvPr id="14" name="Pfeil: Chevron 13">
             <a:extLst>
               <a:ext uri="{FF2B5EF4-FFF2-40B4-BE49-F238E27FC236}">
-                <a16:creationId xmlns:a16="http://schemas.microsoft.com/office/drawing/2014/main" id="{64C6EE50-5485-4B93-91D1-56984D775F1F}"/>
+                <a16:creationId xmlns:a16="http://schemas.microsoft.com/office/drawing/2014/main" xmlns="" id="{64C6EE50-5485-4B93-91D1-56984D775F1F}"/>
               </a:ext>
             </a:extLst>
           </p:cNvPr>
@@ -24691,7 +24853,7 @@
           <p:cNvPr id="15" name="Pfeil: Chevron 14">
             <a:extLst>
               <a:ext uri="{FF2B5EF4-FFF2-40B4-BE49-F238E27FC236}">
-                <a16:creationId xmlns:a16="http://schemas.microsoft.com/office/drawing/2014/main" id="{988DC4DD-C1CE-41C5-B45F-1EF5E0F07CF2}"/>
+                <a16:creationId xmlns:a16="http://schemas.microsoft.com/office/drawing/2014/main" xmlns="" id="{988DC4DD-C1CE-41C5-B45F-1EF5E0F07CF2}"/>
               </a:ext>
             </a:extLst>
           </p:cNvPr>
@@ -24759,7 +24921,7 @@
           <p:cNvPr id="16" name="Pfeil: Chevron 15">
             <a:extLst>
               <a:ext uri="{FF2B5EF4-FFF2-40B4-BE49-F238E27FC236}">
-                <a16:creationId xmlns:a16="http://schemas.microsoft.com/office/drawing/2014/main" id="{A97E04B1-2DB7-45F2-9411-6D3798CED780}"/>
+                <a16:creationId xmlns:a16="http://schemas.microsoft.com/office/drawing/2014/main" xmlns="" id="{A97E04B1-2DB7-45F2-9411-6D3798CED780}"/>
               </a:ext>
             </a:extLst>
           </p:cNvPr>
@@ -24827,7 +24989,7 @@
     </p:spTree>
     <p:extLst>
       <p:ext uri="{BB962C8B-B14F-4D97-AF65-F5344CB8AC3E}">
-        <p14:creationId xmlns:p14="http://schemas.microsoft.com/office/powerpoint/2010/main" val="1495301057"/>
+        <p14:creationId xmlns:p14="http://schemas.microsoft.com/office/powerpoint/2010/main" xmlns="" val="1495301057"/>
       </p:ext>
     </p:extLst>
   </p:cSld>
@@ -24859,7 +25021,7 @@
           <p:cNvPr id="2" name="Titel 1">
             <a:extLst>
               <a:ext uri="{FF2B5EF4-FFF2-40B4-BE49-F238E27FC236}">
-                <a16:creationId xmlns:a16="http://schemas.microsoft.com/office/drawing/2014/main" id="{594F37A0-8FD9-42A4-A80F-4C479182787E}"/>
+                <a16:creationId xmlns:a16="http://schemas.microsoft.com/office/drawing/2014/main" xmlns="" id="{594F37A0-8FD9-42A4-A80F-4C479182787E}"/>
               </a:ext>
             </a:extLst>
           </p:cNvPr>
@@ -24887,7 +25049,7 @@
           <p:cNvPr id="3" name="Inhaltsplatzhalter 2">
             <a:extLst>
               <a:ext uri="{FF2B5EF4-FFF2-40B4-BE49-F238E27FC236}">
-                <a16:creationId xmlns:a16="http://schemas.microsoft.com/office/drawing/2014/main" id="{B201CE33-F1D7-423B-B373-1D449812B3D5}"/>
+                <a16:creationId xmlns:a16="http://schemas.microsoft.com/office/drawing/2014/main" xmlns="" id="{B201CE33-F1D7-423B-B373-1D449812B3D5}"/>
               </a:ext>
             </a:extLst>
           </p:cNvPr>
@@ -25020,7 +25182,7 @@
           <p:cNvPr id="9" name="Pfeil: Chevron 8">
             <a:extLst>
               <a:ext uri="{FF2B5EF4-FFF2-40B4-BE49-F238E27FC236}">
-                <a16:creationId xmlns:a16="http://schemas.microsoft.com/office/drawing/2014/main" id="{3977D73C-626E-478F-8C5A-A40C886AF77B}"/>
+                <a16:creationId xmlns:a16="http://schemas.microsoft.com/office/drawing/2014/main" xmlns="" id="{3977D73C-626E-478F-8C5A-A40C886AF77B}"/>
               </a:ext>
             </a:extLst>
           </p:cNvPr>
@@ -25085,7 +25247,7 @@
           <p:cNvPr id="10" name="Pfeil: Chevron 9">
             <a:extLst>
               <a:ext uri="{FF2B5EF4-FFF2-40B4-BE49-F238E27FC236}">
-                <a16:creationId xmlns:a16="http://schemas.microsoft.com/office/drawing/2014/main" id="{7E31F2F0-26CA-4959-9412-E12DB3A454D4}"/>
+                <a16:creationId xmlns:a16="http://schemas.microsoft.com/office/drawing/2014/main" xmlns="" id="{7E31F2F0-26CA-4959-9412-E12DB3A454D4}"/>
               </a:ext>
             </a:extLst>
           </p:cNvPr>
@@ -25153,7 +25315,7 @@
           <p:cNvPr id="11" name="Pfeil: Chevron 10">
             <a:extLst>
               <a:ext uri="{FF2B5EF4-FFF2-40B4-BE49-F238E27FC236}">
-                <a16:creationId xmlns:a16="http://schemas.microsoft.com/office/drawing/2014/main" id="{0D29E5C0-D43D-42F3-8DAC-17AC54137FFF}"/>
+                <a16:creationId xmlns:a16="http://schemas.microsoft.com/office/drawing/2014/main" xmlns="" id="{0D29E5C0-D43D-42F3-8DAC-17AC54137FFF}"/>
               </a:ext>
             </a:extLst>
           </p:cNvPr>
@@ -25221,7 +25383,7 @@
     </p:spTree>
     <p:extLst>
       <p:ext uri="{BB962C8B-B14F-4D97-AF65-F5344CB8AC3E}">
-        <p14:creationId xmlns:p14="http://schemas.microsoft.com/office/powerpoint/2010/main" val="1617989302"/>
+        <p14:creationId xmlns:p14="http://schemas.microsoft.com/office/powerpoint/2010/main" xmlns="" val="1617989302"/>
       </p:ext>
     </p:extLst>
   </p:cSld>
@@ -25253,7 +25415,7 @@
           <p:cNvPr id="2" name="Titel 1">
             <a:extLst>
               <a:ext uri="{FF2B5EF4-FFF2-40B4-BE49-F238E27FC236}">
-                <a16:creationId xmlns:a16="http://schemas.microsoft.com/office/drawing/2014/main" id="{594F37A0-8FD9-42A4-A80F-4C479182787E}"/>
+                <a16:creationId xmlns:a16="http://schemas.microsoft.com/office/drawing/2014/main" xmlns="" id="{594F37A0-8FD9-42A4-A80F-4C479182787E}"/>
               </a:ext>
             </a:extLst>
           </p:cNvPr>
@@ -25281,7 +25443,7 @@
           <p:cNvPr id="3" name="Inhaltsplatzhalter 2">
             <a:extLst>
               <a:ext uri="{FF2B5EF4-FFF2-40B4-BE49-F238E27FC236}">
-                <a16:creationId xmlns:a16="http://schemas.microsoft.com/office/drawing/2014/main" id="{B201CE33-F1D7-423B-B373-1D449812B3D5}"/>
+                <a16:creationId xmlns:a16="http://schemas.microsoft.com/office/drawing/2014/main" xmlns="" id="{B201CE33-F1D7-423B-B373-1D449812B3D5}"/>
               </a:ext>
             </a:extLst>
           </p:cNvPr>
@@ -25706,7 +25868,7 @@
           <p:cNvPr id="12" name="Pfeil: Chevron 11">
             <a:extLst>
               <a:ext uri="{FF2B5EF4-FFF2-40B4-BE49-F238E27FC236}">
-                <a16:creationId xmlns:a16="http://schemas.microsoft.com/office/drawing/2014/main" id="{BA6B9B81-2531-48D9-A9F6-C4EF02873EC5}"/>
+                <a16:creationId xmlns:a16="http://schemas.microsoft.com/office/drawing/2014/main" xmlns="" id="{BA6B9B81-2531-48D9-A9F6-C4EF02873EC5}"/>
               </a:ext>
             </a:extLst>
           </p:cNvPr>
@@ -25771,7 +25933,7 @@
           <p:cNvPr id="13" name="Pfeil: Chevron 12">
             <a:extLst>
               <a:ext uri="{FF2B5EF4-FFF2-40B4-BE49-F238E27FC236}">
-                <a16:creationId xmlns:a16="http://schemas.microsoft.com/office/drawing/2014/main" id="{4E0FA700-E7D3-4A35-B8C2-6B6974570E52}"/>
+                <a16:creationId xmlns:a16="http://schemas.microsoft.com/office/drawing/2014/main" xmlns="" id="{4E0FA700-E7D3-4A35-B8C2-6B6974570E52}"/>
               </a:ext>
             </a:extLst>
           </p:cNvPr>
@@ -25839,7 +26001,7 @@
           <p:cNvPr id="14" name="Pfeil: Chevron 13">
             <a:extLst>
               <a:ext uri="{FF2B5EF4-FFF2-40B4-BE49-F238E27FC236}">
-                <a16:creationId xmlns:a16="http://schemas.microsoft.com/office/drawing/2014/main" id="{7953D0AF-045A-4882-AEBB-8FA277D11E7A}"/>
+                <a16:creationId xmlns:a16="http://schemas.microsoft.com/office/drawing/2014/main" xmlns="" id="{7953D0AF-045A-4882-AEBB-8FA277D11E7A}"/>
               </a:ext>
             </a:extLst>
           </p:cNvPr>
@@ -25907,7 +26069,7 @@
     </p:spTree>
     <p:extLst>
       <p:ext uri="{BB962C8B-B14F-4D97-AF65-F5344CB8AC3E}">
-        <p14:creationId xmlns:p14="http://schemas.microsoft.com/office/powerpoint/2010/main" val="3009233743"/>
+        <p14:creationId xmlns:p14="http://schemas.microsoft.com/office/powerpoint/2010/main" xmlns="" val="3009233743"/>
       </p:ext>
     </p:extLst>
   </p:cSld>
@@ -25939,7 +26101,7 @@
           <p:cNvPr id="2" name="Titel 1">
             <a:extLst>
               <a:ext uri="{FF2B5EF4-FFF2-40B4-BE49-F238E27FC236}">
-                <a16:creationId xmlns:a16="http://schemas.microsoft.com/office/drawing/2014/main" id="{594F37A0-8FD9-42A4-A80F-4C479182787E}"/>
+                <a16:creationId xmlns:a16="http://schemas.microsoft.com/office/drawing/2014/main" xmlns="" id="{594F37A0-8FD9-42A4-A80F-4C479182787E}"/>
               </a:ext>
             </a:extLst>
           </p:cNvPr>
@@ -25967,7 +26129,7 @@
           <p:cNvPr id="3" name="Inhaltsplatzhalter 2">
             <a:extLst>
               <a:ext uri="{FF2B5EF4-FFF2-40B4-BE49-F238E27FC236}">
-                <a16:creationId xmlns:a16="http://schemas.microsoft.com/office/drawing/2014/main" id="{B201CE33-F1D7-423B-B373-1D449812B3D5}"/>
+                <a16:creationId xmlns:a16="http://schemas.microsoft.com/office/drawing/2014/main" xmlns="" id="{B201CE33-F1D7-423B-B373-1D449812B3D5}"/>
               </a:ext>
             </a:extLst>
           </p:cNvPr>
@@ -26336,7 +26498,7 @@
           <p:cNvPr id="12" name="Pfeil: Chevron 11">
             <a:extLst>
               <a:ext uri="{FF2B5EF4-FFF2-40B4-BE49-F238E27FC236}">
-                <a16:creationId xmlns:a16="http://schemas.microsoft.com/office/drawing/2014/main" id="{8908606F-BA7E-4A43-9CDF-707BC758DA2F}"/>
+                <a16:creationId xmlns:a16="http://schemas.microsoft.com/office/drawing/2014/main" xmlns="" id="{8908606F-BA7E-4A43-9CDF-707BC758DA2F}"/>
               </a:ext>
             </a:extLst>
           </p:cNvPr>
@@ -26401,7 +26563,7 @@
           <p:cNvPr id="13" name="Pfeil: Chevron 12">
             <a:extLst>
               <a:ext uri="{FF2B5EF4-FFF2-40B4-BE49-F238E27FC236}">
-                <a16:creationId xmlns:a16="http://schemas.microsoft.com/office/drawing/2014/main" id="{6EF64A7C-A83B-4A3C-896C-5DB1473F30B6}"/>
+                <a16:creationId xmlns:a16="http://schemas.microsoft.com/office/drawing/2014/main" xmlns="" id="{6EF64A7C-A83B-4A3C-896C-5DB1473F30B6}"/>
               </a:ext>
             </a:extLst>
           </p:cNvPr>
@@ -26469,7 +26631,7 @@
           <p:cNvPr id="14" name="Pfeil: Chevron 13">
             <a:extLst>
               <a:ext uri="{FF2B5EF4-FFF2-40B4-BE49-F238E27FC236}">
-                <a16:creationId xmlns:a16="http://schemas.microsoft.com/office/drawing/2014/main" id="{C1D28339-7262-46AC-8057-B85CD70CE485}"/>
+                <a16:creationId xmlns:a16="http://schemas.microsoft.com/office/drawing/2014/main" xmlns="" id="{C1D28339-7262-46AC-8057-B85CD70CE485}"/>
               </a:ext>
             </a:extLst>
           </p:cNvPr>
@@ -26537,7 +26699,7 @@
     </p:spTree>
     <p:extLst>
       <p:ext uri="{BB962C8B-B14F-4D97-AF65-F5344CB8AC3E}">
-        <p14:creationId xmlns:p14="http://schemas.microsoft.com/office/powerpoint/2010/main" val="3329183195"/>
+        <p14:creationId xmlns:p14="http://schemas.microsoft.com/office/powerpoint/2010/main" xmlns="" val="3329183195"/>
       </p:ext>
     </p:extLst>
   </p:cSld>
@@ -26569,7 +26731,7 @@
           <p:cNvPr id="2" name="Titel 1">
             <a:extLst>
               <a:ext uri="{FF2B5EF4-FFF2-40B4-BE49-F238E27FC236}">
-                <a16:creationId xmlns:a16="http://schemas.microsoft.com/office/drawing/2014/main" id="{594F37A0-8FD9-42A4-A80F-4C479182787E}"/>
+                <a16:creationId xmlns:a16="http://schemas.microsoft.com/office/drawing/2014/main" xmlns="" id="{594F37A0-8FD9-42A4-A80F-4C479182787E}"/>
               </a:ext>
             </a:extLst>
           </p:cNvPr>
@@ -26617,7 +26779,7 @@
           <p:cNvPr id="9" name="Pfeil: Chevron 8">
             <a:extLst>
               <a:ext uri="{FF2B5EF4-FFF2-40B4-BE49-F238E27FC236}">
-                <a16:creationId xmlns:a16="http://schemas.microsoft.com/office/drawing/2014/main" id="{1FB79F76-76EE-4541-B06C-A5A732A55FD6}"/>
+                <a16:creationId xmlns:a16="http://schemas.microsoft.com/office/drawing/2014/main" xmlns="" id="{1FB79F76-76EE-4541-B06C-A5A732A55FD6}"/>
               </a:ext>
             </a:extLst>
           </p:cNvPr>
@@ -26682,7 +26844,7 @@
           <p:cNvPr id="11" name="Pfeil: Chevron 10">
             <a:extLst>
               <a:ext uri="{FF2B5EF4-FFF2-40B4-BE49-F238E27FC236}">
-                <a16:creationId xmlns:a16="http://schemas.microsoft.com/office/drawing/2014/main" id="{EF23FE1C-6678-45AC-ADA4-A95E358E7BC9}"/>
+                <a16:creationId xmlns:a16="http://schemas.microsoft.com/office/drawing/2014/main" xmlns="" id="{EF23FE1C-6678-45AC-ADA4-A95E358E7BC9}"/>
               </a:ext>
             </a:extLst>
           </p:cNvPr>
@@ -26747,7 +26909,7 @@
           <p:cNvPr id="12" name="Pfeil: Chevron 11">
             <a:extLst>
               <a:ext uri="{FF2B5EF4-FFF2-40B4-BE49-F238E27FC236}">
-                <a16:creationId xmlns:a16="http://schemas.microsoft.com/office/drawing/2014/main" id="{37976A18-79B8-48CB-900E-E406FBD3903A}"/>
+                <a16:creationId xmlns:a16="http://schemas.microsoft.com/office/drawing/2014/main" xmlns="" id="{37976A18-79B8-48CB-900E-E406FBD3903A}"/>
               </a:ext>
             </a:extLst>
           </p:cNvPr>
@@ -26815,7 +26977,7 @@
           <p:cNvPr id="14" name="Inhaltsplatzhalter 13">
             <a:extLst>
               <a:ext uri="{FF2B5EF4-FFF2-40B4-BE49-F238E27FC236}">
-                <a16:creationId xmlns:a16="http://schemas.microsoft.com/office/drawing/2014/main" id="{962041B6-BE0D-45DC-A59D-1F5C82CD4505}"/>
+                <a16:creationId xmlns:a16="http://schemas.microsoft.com/office/drawing/2014/main" xmlns="" id="{962041B6-BE0D-45DC-A59D-1F5C82CD4505}"/>
               </a:ext>
             </a:extLst>
           </p:cNvPr>
@@ -26827,10 +26989,10 @@
           </p:nvPr>
         </p:nvPicPr>
         <p:blipFill>
-          <a:blip r:embed="rId2">
+          <a:blip r:embed="rId2" cstate="print">
             <a:extLst>
               <a:ext uri="{28A0092B-C50C-407E-A947-70E740481C1C}">
-                <a14:useLocalDpi xmlns:a14="http://schemas.microsoft.com/office/drawing/2010/main" val="0"/>
+                <a14:useLocalDpi xmlns:a14="http://schemas.microsoft.com/office/drawing/2010/main" xmlns="" val="0"/>
               </a:ext>
             </a:extLst>
           </a:blip>
@@ -26848,7 +27010,7 @@
     </p:spTree>
     <p:extLst>
       <p:ext uri="{BB962C8B-B14F-4D97-AF65-F5344CB8AC3E}">
-        <p14:creationId xmlns:p14="http://schemas.microsoft.com/office/powerpoint/2010/main" val="1367615360"/>
+        <p14:creationId xmlns:p14="http://schemas.microsoft.com/office/powerpoint/2010/main" xmlns="" val="1367615360"/>
       </p:ext>
     </p:extLst>
   </p:cSld>
@@ -26880,7 +27042,7 @@
           <p:cNvPr id="2" name="Titel 1">
             <a:extLst>
               <a:ext uri="{FF2B5EF4-FFF2-40B4-BE49-F238E27FC236}">
-                <a16:creationId xmlns:a16="http://schemas.microsoft.com/office/drawing/2014/main" id="{594F37A0-8FD9-42A4-A80F-4C479182787E}"/>
+                <a16:creationId xmlns:a16="http://schemas.microsoft.com/office/drawing/2014/main" xmlns="" id="{594F37A0-8FD9-42A4-A80F-4C479182787E}"/>
               </a:ext>
             </a:extLst>
           </p:cNvPr>
@@ -26925,7 +27087,7 @@
           <p:cNvPr id="9" name="Pfeil: Chevron 8">
             <a:extLst>
               <a:ext uri="{FF2B5EF4-FFF2-40B4-BE49-F238E27FC236}">
-                <a16:creationId xmlns:a16="http://schemas.microsoft.com/office/drawing/2014/main" id="{78650DB3-DC1C-428D-975C-B617C916B25D}"/>
+                <a16:creationId xmlns:a16="http://schemas.microsoft.com/office/drawing/2014/main" xmlns="" id="{78650DB3-DC1C-428D-975C-B617C916B25D}"/>
               </a:ext>
             </a:extLst>
           </p:cNvPr>
@@ -26990,7 +27152,7 @@
           <p:cNvPr id="10" name="Pfeil: Chevron 9">
             <a:extLst>
               <a:ext uri="{FF2B5EF4-FFF2-40B4-BE49-F238E27FC236}">
-                <a16:creationId xmlns:a16="http://schemas.microsoft.com/office/drawing/2014/main" id="{DD5D5316-41E6-4C62-BE0E-8861F08EDAEC}"/>
+                <a16:creationId xmlns:a16="http://schemas.microsoft.com/office/drawing/2014/main" xmlns="" id="{DD5D5316-41E6-4C62-BE0E-8861F08EDAEC}"/>
               </a:ext>
             </a:extLst>
           </p:cNvPr>
@@ -27055,7 +27217,7 @@
           <p:cNvPr id="11" name="Pfeil: Chevron 10">
             <a:extLst>
               <a:ext uri="{FF2B5EF4-FFF2-40B4-BE49-F238E27FC236}">
-                <a16:creationId xmlns:a16="http://schemas.microsoft.com/office/drawing/2014/main" id="{DE7E9A1E-DF78-45A2-BD39-0A1878C8D455}"/>
+                <a16:creationId xmlns:a16="http://schemas.microsoft.com/office/drawing/2014/main" xmlns="" id="{DE7E9A1E-DF78-45A2-BD39-0A1878C8D455}"/>
               </a:ext>
             </a:extLst>
           </p:cNvPr>
@@ -27123,7 +27285,7 @@
           <p:cNvPr id="13" name="Inhaltsplatzhalter 12">
             <a:extLst>
               <a:ext uri="{FF2B5EF4-FFF2-40B4-BE49-F238E27FC236}">
-                <a16:creationId xmlns:a16="http://schemas.microsoft.com/office/drawing/2014/main" id="{1C5868A9-A09C-46D0-A417-3EE2DA0AB3CF}"/>
+                <a16:creationId xmlns:a16="http://schemas.microsoft.com/office/drawing/2014/main" xmlns="" id="{1C5868A9-A09C-46D0-A417-3EE2DA0AB3CF}"/>
               </a:ext>
             </a:extLst>
           </p:cNvPr>
@@ -27135,10 +27297,10 @@
           </p:nvPr>
         </p:nvPicPr>
         <p:blipFill>
-          <a:blip r:embed="rId2">
+          <a:blip r:embed="rId2" cstate="print">
             <a:extLst>
               <a:ext uri="{28A0092B-C50C-407E-A947-70E740481C1C}">
-                <a14:useLocalDpi xmlns:a14="http://schemas.microsoft.com/office/drawing/2010/main" val="0"/>
+                <a14:useLocalDpi xmlns:a14="http://schemas.microsoft.com/office/drawing/2010/main" xmlns="" val="0"/>
               </a:ext>
             </a:extLst>
           </a:blip>
@@ -27156,7 +27318,7 @@
     </p:spTree>
     <p:extLst>
       <p:ext uri="{BB962C8B-B14F-4D97-AF65-F5344CB8AC3E}">
-        <p14:creationId xmlns:p14="http://schemas.microsoft.com/office/powerpoint/2010/main" val="756221209"/>
+        <p14:creationId xmlns:p14="http://schemas.microsoft.com/office/powerpoint/2010/main" xmlns="" val="756221209"/>
       </p:ext>
     </p:extLst>
   </p:cSld>
@@ -27188,7 +27350,7 @@
           <p:cNvPr id="2" name="Titel 1">
             <a:extLst>
               <a:ext uri="{FF2B5EF4-FFF2-40B4-BE49-F238E27FC236}">
-                <a16:creationId xmlns:a16="http://schemas.microsoft.com/office/drawing/2014/main" id="{906446F2-1CF8-48FF-89D3-3844A0E3C4EE}"/>
+                <a16:creationId xmlns:a16="http://schemas.microsoft.com/office/drawing/2014/main" xmlns="" id="{906446F2-1CF8-48FF-89D3-3844A0E3C4EE}"/>
               </a:ext>
             </a:extLst>
           </p:cNvPr>
@@ -27224,7 +27386,7 @@
         </p:txBody>
       </p:sp>
       <mc:AlternateContent xmlns:mc="http://schemas.openxmlformats.org/markup-compatibility/2006">
-        <mc:Choice xmlns:a14="http://schemas.microsoft.com/office/drawing/2010/main" Requires="a14">
+        <mc:Choice xmlns:a14="http://schemas.microsoft.com/office/drawing/2010/main" xmlns="" Requires="a14">
           <p:sp>
             <p:nvSpPr>
               <p:cNvPr id="3" name="Inhaltsplatzhalter 2">
@@ -27636,7 +27798,7 @@
               <p:cNvPr id="3" name="Inhaltsplatzhalter 2">
                 <a:extLst>
                   <a:ext uri="{FF2B5EF4-FFF2-40B4-BE49-F238E27FC236}">
-                    <a16:creationId xmlns:a16="http://schemas.microsoft.com/office/drawing/2014/main" id="{3B558583-C8E2-46A4-841E-24724E19BD7F}"/>
+                    <a16:creationId xmlns:a16="http://schemas.microsoft.com/office/drawing/2014/main" xmlns="" id="{3B558583-C8E2-46A4-841E-24724E19BD7F}"/>
                   </a:ext>
                 </a:extLst>
               </p:cNvPr>
@@ -27649,7 +27811,7 @@
             </p:nvSpPr>
             <p:spPr>
               <a:blipFill>
-                <a:blip r:embed="rId2"/>
+                <a:blip r:embed="rId2" cstate="print"/>
                 <a:stretch>
                   <a:fillRect l="-1786"/>
                 </a:stretch>
@@ -27675,7 +27837,7 @@
           <p:cNvPr id="4" name="Pfeil: Chevron 3">
             <a:extLst>
               <a:ext uri="{FF2B5EF4-FFF2-40B4-BE49-F238E27FC236}">
-                <a16:creationId xmlns:a16="http://schemas.microsoft.com/office/drawing/2014/main" id="{5EEC9D2A-357E-489F-B0F5-57A267FCC5DB}"/>
+                <a16:creationId xmlns:a16="http://schemas.microsoft.com/office/drawing/2014/main" xmlns="" id="{5EEC9D2A-357E-489F-B0F5-57A267FCC5DB}"/>
               </a:ext>
             </a:extLst>
           </p:cNvPr>
@@ -27740,7 +27902,7 @@
           <p:cNvPr id="5" name="Pfeil: Chevron 4">
             <a:extLst>
               <a:ext uri="{FF2B5EF4-FFF2-40B4-BE49-F238E27FC236}">
-                <a16:creationId xmlns:a16="http://schemas.microsoft.com/office/drawing/2014/main" id="{EA3F541C-C625-42A9-9865-2830FE56BA80}"/>
+                <a16:creationId xmlns:a16="http://schemas.microsoft.com/office/drawing/2014/main" xmlns="" id="{EA3F541C-C625-42A9-9865-2830FE56BA80}"/>
               </a:ext>
             </a:extLst>
           </p:cNvPr>
@@ -27805,7 +27967,7 @@
           <p:cNvPr id="6" name="Pfeil: Chevron 5">
             <a:extLst>
               <a:ext uri="{FF2B5EF4-FFF2-40B4-BE49-F238E27FC236}">
-                <a16:creationId xmlns:a16="http://schemas.microsoft.com/office/drawing/2014/main" id="{684D4BD5-D917-426F-9A88-D450485593F9}"/>
+                <a16:creationId xmlns:a16="http://schemas.microsoft.com/office/drawing/2014/main" xmlns="" id="{684D4BD5-D917-426F-9A88-D450485593F9}"/>
               </a:ext>
             </a:extLst>
           </p:cNvPr>
@@ -27871,7 +28033,7 @@
     </p:spTree>
     <p:extLst>
       <p:ext uri="{BB962C8B-B14F-4D97-AF65-F5344CB8AC3E}">
-        <p14:creationId xmlns:p14="http://schemas.microsoft.com/office/powerpoint/2010/main" val="1402183548"/>
+        <p14:creationId xmlns:p14="http://schemas.microsoft.com/office/powerpoint/2010/main" xmlns="" val="1402183548"/>
       </p:ext>
     </p:extLst>
   </p:cSld>
@@ -27903,7 +28065,7 @@
           <p:cNvPr id="2" name="Titel 1">
             <a:extLst>
               <a:ext uri="{FF2B5EF4-FFF2-40B4-BE49-F238E27FC236}">
-                <a16:creationId xmlns:a16="http://schemas.microsoft.com/office/drawing/2014/main" id="{594F37A0-8FD9-42A4-A80F-4C479182787E}"/>
+                <a16:creationId xmlns:a16="http://schemas.microsoft.com/office/drawing/2014/main" xmlns="" id="{594F37A0-8FD9-42A4-A80F-4C479182787E}"/>
               </a:ext>
             </a:extLst>
           </p:cNvPr>
@@ -27931,7 +28093,7 @@
           <p:cNvPr id="9" name="Pfeil: Chevron 8">
             <a:extLst>
               <a:ext uri="{FF2B5EF4-FFF2-40B4-BE49-F238E27FC236}">
-                <a16:creationId xmlns:a16="http://schemas.microsoft.com/office/drawing/2014/main" id="{4ABDD5B2-81D0-4683-8C70-F10306827399}"/>
+                <a16:creationId xmlns:a16="http://schemas.microsoft.com/office/drawing/2014/main" xmlns="" id="{4ABDD5B2-81D0-4683-8C70-F10306827399}"/>
               </a:ext>
             </a:extLst>
           </p:cNvPr>
@@ -27992,7 +28154,7 @@
           <p:cNvPr id="10" name="Pfeil: Chevron 9">
             <a:extLst>
               <a:ext uri="{FF2B5EF4-FFF2-40B4-BE49-F238E27FC236}">
-                <a16:creationId xmlns:a16="http://schemas.microsoft.com/office/drawing/2014/main" id="{01428E79-A6AB-48F5-93FA-47B9DB32BAE3}"/>
+                <a16:creationId xmlns:a16="http://schemas.microsoft.com/office/drawing/2014/main" xmlns="" id="{01428E79-A6AB-48F5-93FA-47B9DB32BAE3}"/>
               </a:ext>
             </a:extLst>
           </p:cNvPr>
@@ -28062,7 +28224,7 @@
           <p:cNvPr id="12" name="Pfeil: Chevron 11">
             <a:extLst>
               <a:ext uri="{FF2B5EF4-FFF2-40B4-BE49-F238E27FC236}">
-                <a16:creationId xmlns:a16="http://schemas.microsoft.com/office/drawing/2014/main" id="{D8669502-BFFC-4BB2-9C48-8551944B57FA}"/>
+                <a16:creationId xmlns:a16="http://schemas.microsoft.com/office/drawing/2014/main" xmlns="" id="{D8669502-BFFC-4BB2-9C48-8551944B57FA}"/>
               </a:ext>
             </a:extLst>
           </p:cNvPr>
@@ -28132,7 +28294,7 @@
           <p:cNvPr id="13" name="Inhaltsplatzhalter 10" descr="AutoTS_Dataset.pdf - Adobe Acrobat Reader DC">
             <a:extLst>
               <a:ext uri="{FF2B5EF4-FFF2-40B4-BE49-F238E27FC236}">
-                <a16:creationId xmlns:a16="http://schemas.microsoft.com/office/drawing/2014/main" id="{BC869130-A99A-4290-B8B2-F74C5B6BC174}"/>
+                <a16:creationId xmlns:a16="http://schemas.microsoft.com/office/drawing/2014/main" xmlns="" id="{BC869130-A99A-4290-B8B2-F74C5B6BC174}"/>
               </a:ext>
             </a:extLst>
           </p:cNvPr>
@@ -28145,7 +28307,7 @@
           <a:blip r:embed="rId2" cstate="print">
             <a:extLst>
               <a:ext uri="{28A0092B-C50C-407E-A947-70E740481C1C}">
-                <a14:useLocalDpi xmlns:a14="http://schemas.microsoft.com/office/drawing/2010/main" val="0"/>
+                <a14:useLocalDpi xmlns:a14="http://schemas.microsoft.com/office/drawing/2010/main" xmlns="" val="0"/>
               </a:ext>
             </a:extLst>
           </a:blip>
@@ -28175,7 +28337,7 @@
           <p:cNvPr id="14" name="Inhaltsplatzhalter 10" descr="AutoTS_Dataset.pdf - Adobe Acrobat Reader DC">
             <a:extLst>
               <a:ext uri="{FF2B5EF4-FFF2-40B4-BE49-F238E27FC236}">
-                <a16:creationId xmlns:a16="http://schemas.microsoft.com/office/drawing/2014/main" id="{85C4F723-E7F3-435D-ACF5-55BC30F25798}"/>
+                <a16:creationId xmlns:a16="http://schemas.microsoft.com/office/drawing/2014/main" xmlns="" id="{85C4F723-E7F3-435D-ACF5-55BC30F25798}"/>
               </a:ext>
             </a:extLst>
           </p:cNvPr>
@@ -28188,7 +28350,7 @@
           <a:blip r:embed="rId2" cstate="print">
             <a:extLst>
               <a:ext uri="{28A0092B-C50C-407E-A947-70E740481C1C}">
-                <a14:useLocalDpi xmlns:a14="http://schemas.microsoft.com/office/drawing/2010/main" val="0"/>
+                <a14:useLocalDpi xmlns:a14="http://schemas.microsoft.com/office/drawing/2010/main" xmlns="" val="0"/>
               </a:ext>
             </a:extLst>
           </a:blip>
@@ -28218,7 +28380,7 @@
           <p:cNvPr id="16" name="Flussdiagramm: Mehrere Dokumente 15">
             <a:extLst>
               <a:ext uri="{FF2B5EF4-FFF2-40B4-BE49-F238E27FC236}">
-                <a16:creationId xmlns:a16="http://schemas.microsoft.com/office/drawing/2014/main" id="{4C6F3DF0-E4E1-43DC-89D1-3B442EF0D62D}"/>
+                <a16:creationId xmlns:a16="http://schemas.microsoft.com/office/drawing/2014/main" xmlns="" id="{4C6F3DF0-E4E1-43DC-89D1-3B442EF0D62D}"/>
               </a:ext>
             </a:extLst>
           </p:cNvPr>
@@ -28272,7 +28434,7 @@
           <p:cNvPr id="25" name="Gruppieren 24">
             <a:extLst>
               <a:ext uri="{FF2B5EF4-FFF2-40B4-BE49-F238E27FC236}">
-                <a16:creationId xmlns:a16="http://schemas.microsoft.com/office/drawing/2014/main" id="{9C68256D-C7BB-4D25-9AF6-349D27B63592}"/>
+                <a16:creationId xmlns:a16="http://schemas.microsoft.com/office/drawing/2014/main" xmlns="" id="{9C68256D-C7BB-4D25-9AF6-349D27B63592}"/>
               </a:ext>
             </a:extLst>
           </p:cNvPr>
@@ -28295,7 +28457,7 @@
             <p:cNvPr id="15" name="Flussdiagramm: Mehrere Dokumente 14">
               <a:extLst>
                 <a:ext uri="{FF2B5EF4-FFF2-40B4-BE49-F238E27FC236}">
-                  <a16:creationId xmlns:a16="http://schemas.microsoft.com/office/drawing/2014/main" id="{73E50CE8-4AFC-4953-B41A-79D437A4704D}"/>
+                  <a16:creationId xmlns:a16="http://schemas.microsoft.com/office/drawing/2014/main" xmlns="" id="{73E50CE8-4AFC-4953-B41A-79D437A4704D}"/>
                 </a:ext>
               </a:extLst>
             </p:cNvPr>
@@ -28347,7 +28509,7 @@
             <p:cNvPr id="18" name="Flussdiagramm: Mehrere Dokumente 17">
               <a:extLst>
                 <a:ext uri="{FF2B5EF4-FFF2-40B4-BE49-F238E27FC236}">
-                  <a16:creationId xmlns:a16="http://schemas.microsoft.com/office/drawing/2014/main" id="{47111D04-60DE-4445-9ACD-E9E005946C80}"/>
+                  <a16:creationId xmlns:a16="http://schemas.microsoft.com/office/drawing/2014/main" xmlns="" id="{47111D04-60DE-4445-9ACD-E9E005946C80}"/>
                 </a:ext>
               </a:extLst>
             </p:cNvPr>
@@ -28399,7 +28561,7 @@
             <p:cNvPr id="19" name="Flussdiagramm: Mehrere Dokumente 18">
               <a:extLst>
                 <a:ext uri="{FF2B5EF4-FFF2-40B4-BE49-F238E27FC236}">
-                  <a16:creationId xmlns:a16="http://schemas.microsoft.com/office/drawing/2014/main" id="{18E9A52C-FCFF-4CB5-A811-E388F2E9E197}"/>
+                  <a16:creationId xmlns:a16="http://schemas.microsoft.com/office/drawing/2014/main" xmlns="" id="{18E9A52C-FCFF-4CB5-A811-E388F2E9E197}"/>
                 </a:ext>
               </a:extLst>
             </p:cNvPr>
@@ -28452,7 +28614,7 @@
           <p:cNvPr id="20" name="Pfeil: nach rechts 19">
             <a:extLst>
               <a:ext uri="{FF2B5EF4-FFF2-40B4-BE49-F238E27FC236}">
-                <a16:creationId xmlns:a16="http://schemas.microsoft.com/office/drawing/2014/main" id="{51C1AAB2-8089-4D2F-836D-5CB47421666C}"/>
+                <a16:creationId xmlns:a16="http://schemas.microsoft.com/office/drawing/2014/main" xmlns="" id="{51C1AAB2-8089-4D2F-836D-5CB47421666C}"/>
               </a:ext>
             </a:extLst>
           </p:cNvPr>
@@ -28506,7 +28668,7 @@
           <p:cNvPr id="21" name="Pfeil: nach rechts 20">
             <a:extLst>
               <a:ext uri="{FF2B5EF4-FFF2-40B4-BE49-F238E27FC236}">
-                <a16:creationId xmlns:a16="http://schemas.microsoft.com/office/drawing/2014/main" id="{5D9BFF35-70C0-47E5-AA2A-3CDCB5D5F43E}"/>
+                <a16:creationId xmlns:a16="http://schemas.microsoft.com/office/drawing/2014/main" xmlns="" id="{5D9BFF35-70C0-47E5-AA2A-3CDCB5D5F43E}"/>
               </a:ext>
             </a:extLst>
           </p:cNvPr>
@@ -28565,7 +28727,7 @@
           <p:cNvPr id="22" name="Pfeil: nach unten 21">
             <a:extLst>
               <a:ext uri="{FF2B5EF4-FFF2-40B4-BE49-F238E27FC236}">
-                <a16:creationId xmlns:a16="http://schemas.microsoft.com/office/drawing/2014/main" id="{B9A823E9-D6A6-4388-86CD-602D37E88440}"/>
+                <a16:creationId xmlns:a16="http://schemas.microsoft.com/office/drawing/2014/main" xmlns="" id="{B9A823E9-D6A6-4388-86CD-602D37E88440}"/>
               </a:ext>
             </a:extLst>
           </p:cNvPr>
@@ -28624,7 +28786,7 @@
           <p:cNvPr id="26" name="Textfeld 25">
             <a:extLst>
               <a:ext uri="{FF2B5EF4-FFF2-40B4-BE49-F238E27FC236}">
-                <a16:creationId xmlns:a16="http://schemas.microsoft.com/office/drawing/2014/main" id="{600EAD89-637C-414B-8ADE-72CD9A7A9B71}"/>
+                <a16:creationId xmlns:a16="http://schemas.microsoft.com/office/drawing/2014/main" xmlns="" id="{600EAD89-637C-414B-8ADE-72CD9A7A9B71}"/>
               </a:ext>
             </a:extLst>
           </p:cNvPr>
@@ -28660,7 +28822,7 @@
           <p:cNvPr id="27" name="Textfeld 26">
             <a:extLst>
               <a:ext uri="{FF2B5EF4-FFF2-40B4-BE49-F238E27FC236}">
-                <a16:creationId xmlns:a16="http://schemas.microsoft.com/office/drawing/2014/main" id="{9A9B0288-D909-4CCD-8092-287460D83841}"/>
+                <a16:creationId xmlns:a16="http://schemas.microsoft.com/office/drawing/2014/main" xmlns="" id="{9A9B0288-D909-4CCD-8092-287460D83841}"/>
               </a:ext>
             </a:extLst>
           </p:cNvPr>
@@ -28704,7 +28866,7 @@
           <p:cNvPr id="28" name="Textfeld 27">
             <a:extLst>
               <a:ext uri="{FF2B5EF4-FFF2-40B4-BE49-F238E27FC236}">
-                <a16:creationId xmlns:a16="http://schemas.microsoft.com/office/drawing/2014/main" id="{22FD33E5-9537-42DA-9EA7-4BE094AB023E}"/>
+                <a16:creationId xmlns:a16="http://schemas.microsoft.com/office/drawing/2014/main" xmlns="" id="{22FD33E5-9537-42DA-9EA7-4BE094AB023E}"/>
               </a:ext>
             </a:extLst>
           </p:cNvPr>
@@ -28764,7 +28926,7 @@
           <p:cNvPr id="29" name="Textfeld 28">
             <a:extLst>
               <a:ext uri="{FF2B5EF4-FFF2-40B4-BE49-F238E27FC236}">
-                <a16:creationId xmlns:a16="http://schemas.microsoft.com/office/drawing/2014/main" id="{3F3FCD0E-FE0E-43F6-9211-5D55A081A7E3}"/>
+                <a16:creationId xmlns:a16="http://schemas.microsoft.com/office/drawing/2014/main" xmlns="" id="{3F3FCD0E-FE0E-43F6-9211-5D55A081A7E3}"/>
               </a:ext>
             </a:extLst>
           </p:cNvPr>
@@ -28800,7 +28962,7 @@
           <p:cNvPr id="30" name="Textfeld 29">
             <a:extLst>
               <a:ext uri="{FF2B5EF4-FFF2-40B4-BE49-F238E27FC236}">
-                <a16:creationId xmlns:a16="http://schemas.microsoft.com/office/drawing/2014/main" id="{BE3DE8A6-E653-4D21-A75D-D196FC09FDCD}"/>
+                <a16:creationId xmlns:a16="http://schemas.microsoft.com/office/drawing/2014/main" xmlns="" id="{BE3DE8A6-E653-4D21-A75D-D196FC09FDCD}"/>
               </a:ext>
             </a:extLst>
           </p:cNvPr>
@@ -28842,7 +29004,7 @@
     </p:spTree>
     <p:extLst>
       <p:ext uri="{BB962C8B-B14F-4D97-AF65-F5344CB8AC3E}">
-        <p14:creationId xmlns:p14="http://schemas.microsoft.com/office/powerpoint/2010/main" val="1877143116"/>
+        <p14:creationId xmlns:p14="http://schemas.microsoft.com/office/powerpoint/2010/main" xmlns="" val="1877143116"/>
       </p:ext>
     </p:extLst>
   </p:cSld>
@@ -28874,7 +29036,7 @@
           <p:cNvPr id="2" name="Titel 1">
             <a:extLst>
               <a:ext uri="{FF2B5EF4-FFF2-40B4-BE49-F238E27FC236}">
-                <a16:creationId xmlns:a16="http://schemas.microsoft.com/office/drawing/2014/main" id="{594F37A0-8FD9-42A4-A80F-4C479182787E}"/>
+                <a16:creationId xmlns:a16="http://schemas.microsoft.com/office/drawing/2014/main" xmlns="" id="{594F37A0-8FD9-42A4-A80F-4C479182787E}"/>
               </a:ext>
             </a:extLst>
           </p:cNvPr>
@@ -28917,7 +29079,7 @@
           <p:cNvPr id="12" name="Pfeil: Chevron 11">
             <a:extLst>
               <a:ext uri="{FF2B5EF4-FFF2-40B4-BE49-F238E27FC236}">
-                <a16:creationId xmlns:a16="http://schemas.microsoft.com/office/drawing/2014/main" id="{34A24F1C-D5F4-4C01-85C9-4E5933F42137}"/>
+                <a16:creationId xmlns:a16="http://schemas.microsoft.com/office/drawing/2014/main" xmlns="" id="{34A24F1C-D5F4-4C01-85C9-4E5933F42137}"/>
               </a:ext>
             </a:extLst>
           </p:cNvPr>
@@ -28982,7 +29144,7 @@
           <p:cNvPr id="13" name="Pfeil: Chevron 12">
             <a:extLst>
               <a:ext uri="{FF2B5EF4-FFF2-40B4-BE49-F238E27FC236}">
-                <a16:creationId xmlns:a16="http://schemas.microsoft.com/office/drawing/2014/main" id="{88D18140-7954-4650-9111-7535133750E5}"/>
+                <a16:creationId xmlns:a16="http://schemas.microsoft.com/office/drawing/2014/main" xmlns="" id="{88D18140-7954-4650-9111-7535133750E5}"/>
               </a:ext>
             </a:extLst>
           </p:cNvPr>
@@ -29047,7 +29209,7 @@
           <p:cNvPr id="14" name="Pfeil: Chevron 13">
             <a:extLst>
               <a:ext uri="{FF2B5EF4-FFF2-40B4-BE49-F238E27FC236}">
-                <a16:creationId xmlns:a16="http://schemas.microsoft.com/office/drawing/2014/main" id="{C7E1AE4E-49A2-41DC-9B59-E2116A492613}"/>
+                <a16:creationId xmlns:a16="http://schemas.microsoft.com/office/drawing/2014/main" xmlns="" id="{C7E1AE4E-49A2-41DC-9B59-E2116A492613}"/>
               </a:ext>
             </a:extLst>
           </p:cNvPr>
@@ -29115,7 +29277,7 @@
           <p:cNvPr id="22" name="Inhaltsplatzhalter 21">
             <a:extLst>
               <a:ext uri="{FF2B5EF4-FFF2-40B4-BE49-F238E27FC236}">
-                <a16:creationId xmlns:a16="http://schemas.microsoft.com/office/drawing/2014/main" id="{B8141367-41FF-4E90-ABA1-1761DD683872}"/>
+                <a16:creationId xmlns:a16="http://schemas.microsoft.com/office/drawing/2014/main" xmlns="" id="{B8141367-41FF-4E90-ABA1-1761DD683872}"/>
               </a:ext>
             </a:extLst>
           </p:cNvPr>
@@ -29127,10 +29289,10 @@
           </p:nvPr>
         </p:nvPicPr>
         <p:blipFill>
-          <a:blip r:embed="rId3">
+          <a:blip r:embed="rId3" cstate="print">
             <a:extLst>
               <a:ext uri="{28A0092B-C50C-407E-A947-70E740481C1C}">
-                <a14:useLocalDpi xmlns:a14="http://schemas.microsoft.com/office/drawing/2010/main" val="0"/>
+                <a14:useLocalDpi xmlns:a14="http://schemas.microsoft.com/office/drawing/2010/main" xmlns="" val="0"/>
               </a:ext>
             </a:extLst>
           </a:blip>
@@ -29148,7 +29310,7 @@
     </p:spTree>
     <p:extLst>
       <p:ext uri="{BB962C8B-B14F-4D97-AF65-F5344CB8AC3E}">
-        <p14:creationId xmlns:p14="http://schemas.microsoft.com/office/powerpoint/2010/main" val="4102414122"/>
+        <p14:creationId xmlns:p14="http://schemas.microsoft.com/office/powerpoint/2010/main" xmlns="" val="4102414122"/>
       </p:ext>
     </p:extLst>
   </p:cSld>
@@ -29180,7 +29342,7 @@
           <p:cNvPr id="2" name="Titel 1">
             <a:extLst>
               <a:ext uri="{FF2B5EF4-FFF2-40B4-BE49-F238E27FC236}">
-                <a16:creationId xmlns:a16="http://schemas.microsoft.com/office/drawing/2014/main" id="{594F37A0-8FD9-42A4-A80F-4C479182787E}"/>
+                <a16:creationId xmlns:a16="http://schemas.microsoft.com/office/drawing/2014/main" xmlns="" id="{594F37A0-8FD9-42A4-A80F-4C479182787E}"/>
               </a:ext>
             </a:extLst>
           </p:cNvPr>
@@ -29219,7 +29381,7 @@
           <p:cNvPr id="9" name="Pfeil: Chevron 8">
             <a:extLst>
               <a:ext uri="{FF2B5EF4-FFF2-40B4-BE49-F238E27FC236}">
-                <a16:creationId xmlns:a16="http://schemas.microsoft.com/office/drawing/2014/main" id="{3C740F4F-4493-44CF-AD1F-CF31368BB065}"/>
+                <a16:creationId xmlns:a16="http://schemas.microsoft.com/office/drawing/2014/main" xmlns="" id="{3C740F4F-4493-44CF-AD1F-CF31368BB065}"/>
               </a:ext>
             </a:extLst>
           </p:cNvPr>
@@ -29284,7 +29446,7 @@
           <p:cNvPr id="10" name="Pfeil: Chevron 9">
             <a:extLst>
               <a:ext uri="{FF2B5EF4-FFF2-40B4-BE49-F238E27FC236}">
-                <a16:creationId xmlns:a16="http://schemas.microsoft.com/office/drawing/2014/main" id="{C5855BAC-D076-4E8E-A32B-59E7B1C7F8AB}"/>
+                <a16:creationId xmlns:a16="http://schemas.microsoft.com/office/drawing/2014/main" xmlns="" id="{C5855BAC-D076-4E8E-A32B-59E7B1C7F8AB}"/>
               </a:ext>
             </a:extLst>
           </p:cNvPr>
@@ -29349,7 +29511,7 @@
           <p:cNvPr id="11" name="Pfeil: Chevron 10">
             <a:extLst>
               <a:ext uri="{FF2B5EF4-FFF2-40B4-BE49-F238E27FC236}">
-                <a16:creationId xmlns:a16="http://schemas.microsoft.com/office/drawing/2014/main" id="{9EA63425-6DAD-425A-AA32-5EA1C63996B6}"/>
+                <a16:creationId xmlns:a16="http://schemas.microsoft.com/office/drawing/2014/main" xmlns="" id="{9EA63425-6DAD-425A-AA32-5EA1C63996B6}"/>
               </a:ext>
             </a:extLst>
           </p:cNvPr>
@@ -29417,7 +29579,7 @@
           <p:cNvPr id="13" name="Inhaltsplatzhalter 12">
             <a:extLst>
               <a:ext uri="{FF2B5EF4-FFF2-40B4-BE49-F238E27FC236}">
-                <a16:creationId xmlns:a16="http://schemas.microsoft.com/office/drawing/2014/main" id="{E36EC592-9266-4ABD-A559-75EDC5D86776}"/>
+                <a16:creationId xmlns:a16="http://schemas.microsoft.com/office/drawing/2014/main" xmlns="" id="{E36EC592-9266-4ABD-A559-75EDC5D86776}"/>
               </a:ext>
             </a:extLst>
           </p:cNvPr>
@@ -29429,10 +29591,10 @@
           </p:nvPr>
         </p:nvPicPr>
         <p:blipFill>
-          <a:blip r:embed="rId3">
+          <a:blip r:embed="rId3" cstate="print">
             <a:extLst>
               <a:ext uri="{28A0092B-C50C-407E-A947-70E740481C1C}">
-                <a14:useLocalDpi xmlns:a14="http://schemas.microsoft.com/office/drawing/2010/main" val="0"/>
+                <a14:useLocalDpi xmlns:a14="http://schemas.microsoft.com/office/drawing/2010/main" xmlns="" val="0"/>
               </a:ext>
             </a:extLst>
           </a:blip>
@@ -29450,7 +29612,7 @@
     </p:spTree>
     <p:extLst>
       <p:ext uri="{BB962C8B-B14F-4D97-AF65-F5344CB8AC3E}">
-        <p14:creationId xmlns:p14="http://schemas.microsoft.com/office/powerpoint/2010/main" val="3101916114"/>
+        <p14:creationId xmlns:p14="http://schemas.microsoft.com/office/powerpoint/2010/main" xmlns="" val="3101916114"/>
       </p:ext>
     </p:extLst>
   </p:cSld>
@@ -29482,7 +29644,7 @@
           <p:cNvPr id="2" name="Titel 1">
             <a:extLst>
               <a:ext uri="{FF2B5EF4-FFF2-40B4-BE49-F238E27FC236}">
-                <a16:creationId xmlns:a16="http://schemas.microsoft.com/office/drawing/2014/main" id="{594F37A0-8FD9-42A4-A80F-4C479182787E}"/>
+                <a16:creationId xmlns:a16="http://schemas.microsoft.com/office/drawing/2014/main" xmlns="" id="{594F37A0-8FD9-42A4-A80F-4C479182787E}"/>
               </a:ext>
             </a:extLst>
           </p:cNvPr>
@@ -29526,7 +29688,7 @@
           <p:cNvPr id="9" name="Pfeil: Chevron 8">
             <a:extLst>
               <a:ext uri="{FF2B5EF4-FFF2-40B4-BE49-F238E27FC236}">
-                <a16:creationId xmlns:a16="http://schemas.microsoft.com/office/drawing/2014/main" id="{3C740F4F-4493-44CF-AD1F-CF31368BB065}"/>
+                <a16:creationId xmlns:a16="http://schemas.microsoft.com/office/drawing/2014/main" xmlns="" id="{3C740F4F-4493-44CF-AD1F-CF31368BB065}"/>
               </a:ext>
             </a:extLst>
           </p:cNvPr>
@@ -29591,7 +29753,7 @@
           <p:cNvPr id="10" name="Pfeil: Chevron 9">
             <a:extLst>
               <a:ext uri="{FF2B5EF4-FFF2-40B4-BE49-F238E27FC236}">
-                <a16:creationId xmlns:a16="http://schemas.microsoft.com/office/drawing/2014/main" id="{C5855BAC-D076-4E8E-A32B-59E7B1C7F8AB}"/>
+                <a16:creationId xmlns:a16="http://schemas.microsoft.com/office/drawing/2014/main" xmlns="" id="{C5855BAC-D076-4E8E-A32B-59E7B1C7F8AB}"/>
               </a:ext>
             </a:extLst>
           </p:cNvPr>
@@ -29656,7 +29818,7 @@
           <p:cNvPr id="11" name="Pfeil: Chevron 10">
             <a:extLst>
               <a:ext uri="{FF2B5EF4-FFF2-40B4-BE49-F238E27FC236}">
-                <a16:creationId xmlns:a16="http://schemas.microsoft.com/office/drawing/2014/main" id="{9EA63425-6DAD-425A-AA32-5EA1C63996B6}"/>
+                <a16:creationId xmlns:a16="http://schemas.microsoft.com/office/drawing/2014/main" xmlns="" id="{9EA63425-6DAD-425A-AA32-5EA1C63996B6}"/>
               </a:ext>
             </a:extLst>
           </p:cNvPr>
@@ -29724,7 +29886,7 @@
           <p:cNvPr id="6" name="Inhaltsplatzhalter 5">
             <a:extLst>
               <a:ext uri="{FF2B5EF4-FFF2-40B4-BE49-F238E27FC236}">
-                <a16:creationId xmlns:a16="http://schemas.microsoft.com/office/drawing/2014/main" id="{3125EF6F-1C8B-41A1-982A-E86DD1DD89BB}"/>
+                <a16:creationId xmlns:a16="http://schemas.microsoft.com/office/drawing/2014/main" xmlns="" id="{3125EF6F-1C8B-41A1-982A-E86DD1DD89BB}"/>
               </a:ext>
             </a:extLst>
           </p:cNvPr>
@@ -29736,10 +29898,10 @@
           </p:nvPr>
         </p:nvPicPr>
         <p:blipFill>
-          <a:blip r:embed="rId3">
+          <a:blip r:embed="rId3" cstate="print">
             <a:extLst>
               <a:ext uri="{28A0092B-C50C-407E-A947-70E740481C1C}">
-                <a14:useLocalDpi xmlns:a14="http://schemas.microsoft.com/office/drawing/2010/main" val="0"/>
+                <a14:useLocalDpi xmlns:a14="http://schemas.microsoft.com/office/drawing/2010/main" xmlns="" val="0"/>
               </a:ext>
             </a:extLst>
           </a:blip>
@@ -29757,7 +29919,7 @@
     </p:spTree>
     <p:extLst>
       <p:ext uri="{BB962C8B-B14F-4D97-AF65-F5344CB8AC3E}">
-        <p14:creationId xmlns:p14="http://schemas.microsoft.com/office/powerpoint/2010/main" val="2722229048"/>
+        <p14:creationId xmlns:p14="http://schemas.microsoft.com/office/powerpoint/2010/main" xmlns="" val="2722229048"/>
       </p:ext>
     </p:extLst>
   </p:cSld>
@@ -29789,7 +29951,7 @@
           <p:cNvPr id="2" name="Titel 1">
             <a:extLst>
               <a:ext uri="{FF2B5EF4-FFF2-40B4-BE49-F238E27FC236}">
-                <a16:creationId xmlns:a16="http://schemas.microsoft.com/office/drawing/2014/main" id="{594F37A0-8FD9-42A4-A80F-4C479182787E}"/>
+                <a16:creationId xmlns:a16="http://schemas.microsoft.com/office/drawing/2014/main" xmlns="" id="{594F37A0-8FD9-42A4-A80F-4C479182787E}"/>
               </a:ext>
             </a:extLst>
           </p:cNvPr>
@@ -29817,7 +29979,7 @@
           <p:cNvPr id="3" name="Inhaltsplatzhalter 2">
             <a:extLst>
               <a:ext uri="{FF2B5EF4-FFF2-40B4-BE49-F238E27FC236}">
-                <a16:creationId xmlns:a16="http://schemas.microsoft.com/office/drawing/2014/main" id="{B201CE33-F1D7-423B-B373-1D449812B3D5}"/>
+                <a16:creationId xmlns:a16="http://schemas.microsoft.com/office/drawing/2014/main" xmlns="" id="{B201CE33-F1D7-423B-B373-1D449812B3D5}"/>
               </a:ext>
             </a:extLst>
           </p:cNvPr>
@@ -30308,7 +30470,7 @@
           <p:cNvPr id="9" name="Pfeil: Chevron 8">
             <a:extLst>
               <a:ext uri="{FF2B5EF4-FFF2-40B4-BE49-F238E27FC236}">
-                <a16:creationId xmlns:a16="http://schemas.microsoft.com/office/drawing/2014/main" id="{DDE5044C-FB64-4601-8122-66CB869EFAB9}"/>
+                <a16:creationId xmlns:a16="http://schemas.microsoft.com/office/drawing/2014/main" xmlns="" id="{DDE5044C-FB64-4601-8122-66CB869EFAB9}"/>
               </a:ext>
             </a:extLst>
           </p:cNvPr>
@@ -30373,7 +30535,7 @@
           <p:cNvPr id="10" name="Pfeil: Chevron 9">
             <a:extLst>
               <a:ext uri="{FF2B5EF4-FFF2-40B4-BE49-F238E27FC236}">
-                <a16:creationId xmlns:a16="http://schemas.microsoft.com/office/drawing/2014/main" id="{80B83E07-055D-4221-B559-0B05099697E1}"/>
+                <a16:creationId xmlns:a16="http://schemas.microsoft.com/office/drawing/2014/main" xmlns="" id="{80B83E07-055D-4221-B559-0B05099697E1}"/>
               </a:ext>
             </a:extLst>
           </p:cNvPr>
@@ -30438,7 +30600,7 @@
           <p:cNvPr id="11" name="Pfeil: Chevron 10">
             <a:extLst>
               <a:ext uri="{FF2B5EF4-FFF2-40B4-BE49-F238E27FC236}">
-                <a16:creationId xmlns:a16="http://schemas.microsoft.com/office/drawing/2014/main" id="{AB67AE60-B54E-4EC0-AD37-E28D15C0A2C5}"/>
+                <a16:creationId xmlns:a16="http://schemas.microsoft.com/office/drawing/2014/main" xmlns="" id="{AB67AE60-B54E-4EC0-AD37-E28D15C0A2C5}"/>
               </a:ext>
             </a:extLst>
           </p:cNvPr>
@@ -30504,7 +30666,7 @@
     </p:spTree>
     <p:extLst>
       <p:ext uri="{BB962C8B-B14F-4D97-AF65-F5344CB8AC3E}">
-        <p14:creationId xmlns:p14="http://schemas.microsoft.com/office/powerpoint/2010/main" val="1367615360"/>
+        <p14:creationId xmlns:p14="http://schemas.microsoft.com/office/powerpoint/2010/main" xmlns="" val="1367615360"/>
       </p:ext>
     </p:extLst>
   </p:cSld>
@@ -30536,7 +30698,7 @@
           <p:cNvPr id="2" name="Titel 1">
             <a:extLst>
               <a:ext uri="{FF2B5EF4-FFF2-40B4-BE49-F238E27FC236}">
-                <a16:creationId xmlns:a16="http://schemas.microsoft.com/office/drawing/2014/main" id="{594F37A0-8FD9-42A4-A80F-4C479182787E}"/>
+                <a16:creationId xmlns:a16="http://schemas.microsoft.com/office/drawing/2014/main" xmlns="" id="{594F37A0-8FD9-42A4-A80F-4C479182787E}"/>
               </a:ext>
             </a:extLst>
           </p:cNvPr>
@@ -30564,7 +30726,7 @@
           <p:cNvPr id="3" name="Inhaltsplatzhalter 2">
             <a:extLst>
               <a:ext uri="{FF2B5EF4-FFF2-40B4-BE49-F238E27FC236}">
-                <a16:creationId xmlns:a16="http://schemas.microsoft.com/office/drawing/2014/main" id="{B201CE33-F1D7-423B-B373-1D449812B3D5}"/>
+                <a16:creationId xmlns:a16="http://schemas.microsoft.com/office/drawing/2014/main" xmlns="" id="{B201CE33-F1D7-423B-B373-1D449812B3D5}"/>
               </a:ext>
             </a:extLst>
           </p:cNvPr>
@@ -30640,7 +30802,7 @@
           <p:cNvPr id="9" name="Pfeil: Chevron 8">
             <a:extLst>
               <a:ext uri="{FF2B5EF4-FFF2-40B4-BE49-F238E27FC236}">
-                <a16:creationId xmlns:a16="http://schemas.microsoft.com/office/drawing/2014/main" id="{6F7910A6-D450-49A7-BB8B-6580F7ABE218}"/>
+                <a16:creationId xmlns:a16="http://schemas.microsoft.com/office/drawing/2014/main" xmlns="" id="{6F7910A6-D450-49A7-BB8B-6580F7ABE218}"/>
               </a:ext>
             </a:extLst>
           </p:cNvPr>
@@ -30705,7 +30867,7 @@
           <p:cNvPr id="10" name="Pfeil: Chevron 9">
             <a:extLst>
               <a:ext uri="{FF2B5EF4-FFF2-40B4-BE49-F238E27FC236}">
-                <a16:creationId xmlns:a16="http://schemas.microsoft.com/office/drawing/2014/main" id="{C6577884-8690-4463-AD38-441F8CCBB453}"/>
+                <a16:creationId xmlns:a16="http://schemas.microsoft.com/office/drawing/2014/main" xmlns="" id="{C6577884-8690-4463-AD38-441F8CCBB453}"/>
               </a:ext>
             </a:extLst>
           </p:cNvPr>
@@ -30770,7 +30932,7 @@
           <p:cNvPr id="11" name="Pfeil: Chevron 10">
             <a:extLst>
               <a:ext uri="{FF2B5EF4-FFF2-40B4-BE49-F238E27FC236}">
-                <a16:creationId xmlns:a16="http://schemas.microsoft.com/office/drawing/2014/main" id="{4FEB7253-6130-484F-ABFB-431CD21A386D}"/>
+                <a16:creationId xmlns:a16="http://schemas.microsoft.com/office/drawing/2014/main" xmlns="" id="{4FEB7253-6130-484F-ABFB-431CD21A386D}"/>
               </a:ext>
             </a:extLst>
           </p:cNvPr>
@@ -30836,7 +30998,7 @@
     </p:spTree>
     <p:extLst>
       <p:ext uri="{BB962C8B-B14F-4D97-AF65-F5344CB8AC3E}">
-        <p14:creationId xmlns:p14="http://schemas.microsoft.com/office/powerpoint/2010/main" val="3836036945"/>
+        <p14:creationId xmlns:p14="http://schemas.microsoft.com/office/powerpoint/2010/main" xmlns="" val="3836036945"/>
       </p:ext>
     </p:extLst>
   </p:cSld>
@@ -30868,7 +31030,7 @@
           <p:cNvPr id="2" name="Titel 1">
             <a:extLst>
               <a:ext uri="{FF2B5EF4-FFF2-40B4-BE49-F238E27FC236}">
-                <a16:creationId xmlns:a16="http://schemas.microsoft.com/office/drawing/2014/main" id="{ECD13983-53CB-41A8-9897-E4D20881F929}"/>
+                <a16:creationId xmlns:a16="http://schemas.microsoft.com/office/drawing/2014/main" xmlns="" id="{ECD13983-53CB-41A8-9897-E4D20881F929}"/>
               </a:ext>
             </a:extLst>
           </p:cNvPr>
@@ -30896,7 +31058,7 @@
           <p:cNvPr id="3" name="Textplatzhalter 2">
             <a:extLst>
               <a:ext uri="{FF2B5EF4-FFF2-40B4-BE49-F238E27FC236}">
-                <a16:creationId xmlns:a16="http://schemas.microsoft.com/office/drawing/2014/main" id="{8A82E612-E974-4DE0-823F-A661C5C288BB}"/>
+                <a16:creationId xmlns:a16="http://schemas.microsoft.com/office/drawing/2014/main" xmlns="" id="{8A82E612-E974-4DE0-823F-A661C5C288BB}"/>
               </a:ext>
             </a:extLst>
           </p:cNvPr>
@@ -30919,7 +31081,7 @@
     </p:spTree>
     <p:extLst>
       <p:ext uri="{BB962C8B-B14F-4D97-AF65-F5344CB8AC3E}">
-        <p14:creationId xmlns:p14="http://schemas.microsoft.com/office/powerpoint/2010/main" val="1076095784"/>
+        <p14:creationId xmlns:p14="http://schemas.microsoft.com/office/powerpoint/2010/main" xmlns="" val="1076095784"/>
       </p:ext>
     </p:extLst>
   </p:cSld>
@@ -30951,7 +31113,7 @@
           <p:cNvPr id="2" name="Titel 1">
             <a:extLst>
               <a:ext uri="{FF2B5EF4-FFF2-40B4-BE49-F238E27FC236}">
-                <a16:creationId xmlns:a16="http://schemas.microsoft.com/office/drawing/2014/main" id="{594F37A0-8FD9-42A4-A80F-4C479182787E}"/>
+                <a16:creationId xmlns:a16="http://schemas.microsoft.com/office/drawing/2014/main" xmlns="" id="{594F37A0-8FD9-42A4-A80F-4C479182787E}"/>
               </a:ext>
             </a:extLst>
           </p:cNvPr>
@@ -30979,6 +31141,10 @@
               <a:rPr lang="de-DE" dirty="0" err="1"/>
               <a:t>Selection</a:t>
             </a:r>
+            <a:r>
+              <a:rPr lang="de-DE" dirty="0"/>
+              <a:t/>
+            </a:r>
             <a:br>
               <a:rPr lang="de-DE" dirty="0"/>
             </a:br>
@@ -30994,7 +31160,7 @@
           <p:cNvPr id="9" name="Pfeil: Chevron 8">
             <a:extLst>
               <a:ext uri="{FF2B5EF4-FFF2-40B4-BE49-F238E27FC236}">
-                <a16:creationId xmlns:a16="http://schemas.microsoft.com/office/drawing/2014/main" id="{FA5FE26A-6FE2-4F21-AB7E-1100413865AD}"/>
+                <a16:creationId xmlns:a16="http://schemas.microsoft.com/office/drawing/2014/main" xmlns="" id="{FA5FE26A-6FE2-4F21-AB7E-1100413865AD}"/>
               </a:ext>
             </a:extLst>
           </p:cNvPr>
@@ -31059,7 +31225,7 @@
           <p:cNvPr id="10" name="Pfeil: Chevron 9">
             <a:extLst>
               <a:ext uri="{FF2B5EF4-FFF2-40B4-BE49-F238E27FC236}">
-                <a16:creationId xmlns:a16="http://schemas.microsoft.com/office/drawing/2014/main" id="{0A51E448-9102-463C-8518-4996D5A66887}"/>
+                <a16:creationId xmlns:a16="http://schemas.microsoft.com/office/drawing/2014/main" xmlns="" id="{0A51E448-9102-463C-8518-4996D5A66887}"/>
               </a:ext>
             </a:extLst>
           </p:cNvPr>
@@ -31127,7 +31293,7 @@
           <p:cNvPr id="11" name="Pfeil: Chevron 10">
             <a:extLst>
               <a:ext uri="{FF2B5EF4-FFF2-40B4-BE49-F238E27FC236}">
-                <a16:creationId xmlns:a16="http://schemas.microsoft.com/office/drawing/2014/main" id="{D5078BA8-372A-47DD-AA54-DCFA4FE31E97}"/>
+                <a16:creationId xmlns:a16="http://schemas.microsoft.com/office/drawing/2014/main" xmlns="" id="{D5078BA8-372A-47DD-AA54-DCFA4FE31E97}"/>
               </a:ext>
             </a:extLst>
           </p:cNvPr>
@@ -31197,7 +31363,7 @@
           <p:cNvPr id="12" name="Inhaltsplatzhalter 11">
             <a:extLst>
               <a:ext uri="{FF2B5EF4-FFF2-40B4-BE49-F238E27FC236}">
-                <a16:creationId xmlns:a16="http://schemas.microsoft.com/office/drawing/2014/main" id="{DD512F05-C74A-49F8-92B6-BF5EC703CCDF}"/>
+                <a16:creationId xmlns:a16="http://schemas.microsoft.com/office/drawing/2014/main" xmlns="" id="{DD512F05-C74A-49F8-92B6-BF5EC703CCDF}"/>
               </a:ext>
             </a:extLst>
           </p:cNvPr>
@@ -31360,7 +31526,7 @@
     </p:spTree>
     <p:extLst>
       <p:ext uri="{BB962C8B-B14F-4D97-AF65-F5344CB8AC3E}">
-        <p14:creationId xmlns:p14="http://schemas.microsoft.com/office/powerpoint/2010/main" val="2449957204"/>
+        <p14:creationId xmlns:p14="http://schemas.microsoft.com/office/powerpoint/2010/main" xmlns="" val="2449957204"/>
       </p:ext>
     </p:extLst>
   </p:cSld>
@@ -31392,7 +31558,7 @@
           <p:cNvPr id="2" name="Titel 1">
             <a:extLst>
               <a:ext uri="{FF2B5EF4-FFF2-40B4-BE49-F238E27FC236}">
-                <a16:creationId xmlns:a16="http://schemas.microsoft.com/office/drawing/2014/main" id="{594F37A0-8FD9-42A4-A80F-4C479182787E}"/>
+                <a16:creationId xmlns:a16="http://schemas.microsoft.com/office/drawing/2014/main" xmlns="" id="{594F37A0-8FD9-42A4-A80F-4C479182787E}"/>
               </a:ext>
             </a:extLst>
           </p:cNvPr>
@@ -31420,6 +31586,10 @@
               <a:rPr lang="de-DE" dirty="0" err="1"/>
               <a:t>Selection</a:t>
             </a:r>
+            <a:r>
+              <a:rPr lang="de-DE" dirty="0"/>
+              <a:t/>
+            </a:r>
             <a:br>
               <a:rPr lang="de-DE" dirty="0"/>
             </a:br>
@@ -31440,7 +31610,7 @@
           <p:cNvPr id="3" name="Inhaltsplatzhalter 2">
             <a:extLst>
               <a:ext uri="{FF2B5EF4-FFF2-40B4-BE49-F238E27FC236}">
-                <a16:creationId xmlns:a16="http://schemas.microsoft.com/office/drawing/2014/main" id="{B201CE33-F1D7-423B-B373-1D449812B3D5}"/>
+                <a16:creationId xmlns:a16="http://schemas.microsoft.com/office/drawing/2014/main" xmlns="" id="{B201CE33-F1D7-423B-B373-1D449812B3D5}"/>
               </a:ext>
             </a:extLst>
           </p:cNvPr>
@@ -31595,7 +31765,7 @@
           <p:cNvPr id="16" name="Pfeil: Chevron 15">
             <a:extLst>
               <a:ext uri="{FF2B5EF4-FFF2-40B4-BE49-F238E27FC236}">
-                <a16:creationId xmlns:a16="http://schemas.microsoft.com/office/drawing/2014/main" id="{5AC50936-705C-4381-9F88-6F9F1B24AA18}"/>
+                <a16:creationId xmlns:a16="http://schemas.microsoft.com/office/drawing/2014/main" xmlns="" id="{5AC50936-705C-4381-9F88-6F9F1B24AA18}"/>
               </a:ext>
             </a:extLst>
           </p:cNvPr>
@@ -31660,7 +31830,7 @@
           <p:cNvPr id="17" name="Pfeil: Chevron 16">
             <a:extLst>
               <a:ext uri="{FF2B5EF4-FFF2-40B4-BE49-F238E27FC236}">
-                <a16:creationId xmlns:a16="http://schemas.microsoft.com/office/drawing/2014/main" id="{ABB889D1-0802-4E19-858D-2EF69B4565C4}"/>
+                <a16:creationId xmlns:a16="http://schemas.microsoft.com/office/drawing/2014/main" xmlns="" id="{ABB889D1-0802-4E19-858D-2EF69B4565C4}"/>
               </a:ext>
             </a:extLst>
           </p:cNvPr>
@@ -31728,7 +31898,7 @@
           <p:cNvPr id="18" name="Pfeil: Chevron 17">
             <a:extLst>
               <a:ext uri="{FF2B5EF4-FFF2-40B4-BE49-F238E27FC236}">
-                <a16:creationId xmlns:a16="http://schemas.microsoft.com/office/drawing/2014/main" id="{66C7ACE5-7144-4391-A72B-175A310390A3}"/>
+                <a16:creationId xmlns:a16="http://schemas.microsoft.com/office/drawing/2014/main" xmlns="" id="{66C7ACE5-7144-4391-A72B-175A310390A3}"/>
               </a:ext>
             </a:extLst>
           </p:cNvPr>
@@ -31796,7 +31966,7 @@
     </p:spTree>
     <p:extLst>
       <p:ext uri="{BB962C8B-B14F-4D97-AF65-F5344CB8AC3E}">
-        <p14:creationId xmlns:p14="http://schemas.microsoft.com/office/powerpoint/2010/main" val="1783394801"/>
+        <p14:creationId xmlns:p14="http://schemas.microsoft.com/office/powerpoint/2010/main" xmlns="" val="1783394801"/>
       </p:ext>
     </p:extLst>
   </p:cSld>
@@ -31828,7 +31998,7 @@
           <p:cNvPr id="2" name="Titel 1">
             <a:extLst>
               <a:ext uri="{FF2B5EF4-FFF2-40B4-BE49-F238E27FC236}">
-                <a16:creationId xmlns:a16="http://schemas.microsoft.com/office/drawing/2014/main" id="{594F37A0-8FD9-42A4-A80F-4C479182787E}"/>
+                <a16:creationId xmlns:a16="http://schemas.microsoft.com/office/drawing/2014/main" xmlns="" id="{594F37A0-8FD9-42A4-A80F-4C479182787E}"/>
               </a:ext>
             </a:extLst>
           </p:cNvPr>
@@ -31856,6 +32026,10 @@
               <a:rPr lang="de-DE" dirty="0" err="1"/>
               <a:t>Selection</a:t>
             </a:r>
+            <a:r>
+              <a:rPr lang="de-DE" dirty="0"/>
+              <a:t/>
+            </a:r>
             <a:br>
               <a:rPr lang="de-DE" dirty="0"/>
             </a:br>
@@ -31872,7 +32046,7 @@
           <p:cNvPr id="3" name="Inhaltsplatzhalter 2">
             <a:extLst>
               <a:ext uri="{FF2B5EF4-FFF2-40B4-BE49-F238E27FC236}">
-                <a16:creationId xmlns:a16="http://schemas.microsoft.com/office/drawing/2014/main" id="{B201CE33-F1D7-423B-B373-1D449812B3D5}"/>
+                <a16:creationId xmlns:a16="http://schemas.microsoft.com/office/drawing/2014/main" xmlns="" id="{B201CE33-F1D7-423B-B373-1D449812B3D5}"/>
               </a:ext>
             </a:extLst>
           </p:cNvPr>
@@ -31973,7 +32147,7 @@
           <p:cNvPr id="9" name="Pfeil: Chevron 8">
             <a:extLst>
               <a:ext uri="{FF2B5EF4-FFF2-40B4-BE49-F238E27FC236}">
-                <a16:creationId xmlns:a16="http://schemas.microsoft.com/office/drawing/2014/main" id="{C532D9B3-DCE4-4BF1-920A-5B7FC8EF5F97}"/>
+                <a16:creationId xmlns:a16="http://schemas.microsoft.com/office/drawing/2014/main" xmlns="" id="{C532D9B3-DCE4-4BF1-920A-5B7FC8EF5F97}"/>
               </a:ext>
             </a:extLst>
           </p:cNvPr>
@@ -32038,7 +32212,7 @@
           <p:cNvPr id="10" name="Pfeil: Chevron 9">
             <a:extLst>
               <a:ext uri="{FF2B5EF4-FFF2-40B4-BE49-F238E27FC236}">
-                <a16:creationId xmlns:a16="http://schemas.microsoft.com/office/drawing/2014/main" id="{E99ECF81-9260-40D1-BA0D-CA4C802C69EA}"/>
+                <a16:creationId xmlns:a16="http://schemas.microsoft.com/office/drawing/2014/main" xmlns="" id="{E99ECF81-9260-40D1-BA0D-CA4C802C69EA}"/>
               </a:ext>
             </a:extLst>
           </p:cNvPr>
@@ -32106,7 +32280,7 @@
           <p:cNvPr id="11" name="Pfeil: Chevron 10">
             <a:extLst>
               <a:ext uri="{FF2B5EF4-FFF2-40B4-BE49-F238E27FC236}">
-                <a16:creationId xmlns:a16="http://schemas.microsoft.com/office/drawing/2014/main" id="{46BBB43B-724F-4847-8861-A82579FB0042}"/>
+                <a16:creationId xmlns:a16="http://schemas.microsoft.com/office/drawing/2014/main" xmlns="" id="{46BBB43B-724F-4847-8861-A82579FB0042}"/>
               </a:ext>
             </a:extLst>
           </p:cNvPr>
@@ -32174,7 +32348,7 @@
     </p:spTree>
     <p:extLst>
       <p:ext uri="{BB962C8B-B14F-4D97-AF65-F5344CB8AC3E}">
-        <p14:creationId xmlns:p14="http://schemas.microsoft.com/office/powerpoint/2010/main" val="336162044"/>
+        <p14:creationId xmlns:p14="http://schemas.microsoft.com/office/powerpoint/2010/main" xmlns="" val="336162044"/>
       </p:ext>
     </p:extLst>
   </p:cSld>
@@ -32206,7 +32380,7 @@
           <p:cNvPr id="2" name="Titel 1">
             <a:extLst>
               <a:ext uri="{FF2B5EF4-FFF2-40B4-BE49-F238E27FC236}">
-                <a16:creationId xmlns:a16="http://schemas.microsoft.com/office/drawing/2014/main" id="{594F37A0-8FD9-42A4-A80F-4C479182787E}"/>
+                <a16:creationId xmlns:a16="http://schemas.microsoft.com/office/drawing/2014/main" xmlns="" id="{594F37A0-8FD9-42A4-A80F-4C479182787E}"/>
               </a:ext>
             </a:extLst>
           </p:cNvPr>
@@ -32234,6 +32408,10 @@
               <a:rPr lang="de-DE" dirty="0" err="1"/>
               <a:t>Selection</a:t>
             </a:r>
+            <a:r>
+              <a:rPr lang="de-DE" dirty="0"/>
+              <a:t/>
+            </a:r>
             <a:br>
               <a:rPr lang="de-DE" dirty="0"/>
             </a:br>
@@ -32250,7 +32428,7 @@
           <p:cNvPr id="3" name="Inhaltsplatzhalter 2">
             <a:extLst>
               <a:ext uri="{FF2B5EF4-FFF2-40B4-BE49-F238E27FC236}">
-                <a16:creationId xmlns:a16="http://schemas.microsoft.com/office/drawing/2014/main" id="{B201CE33-F1D7-423B-B373-1D449812B3D5}"/>
+                <a16:creationId xmlns:a16="http://schemas.microsoft.com/office/drawing/2014/main" xmlns="" id="{B201CE33-F1D7-423B-B373-1D449812B3D5}"/>
               </a:ext>
             </a:extLst>
           </p:cNvPr>
@@ -32349,7 +32527,7 @@
           <p:cNvPr id="9" name="Pfeil: Chevron 8">
             <a:extLst>
               <a:ext uri="{FF2B5EF4-FFF2-40B4-BE49-F238E27FC236}">
-                <a16:creationId xmlns:a16="http://schemas.microsoft.com/office/drawing/2014/main" id="{17D89CF8-3A87-44B7-9147-E3091A594B03}"/>
+                <a16:creationId xmlns:a16="http://schemas.microsoft.com/office/drawing/2014/main" xmlns="" id="{17D89CF8-3A87-44B7-9147-E3091A594B03}"/>
               </a:ext>
             </a:extLst>
           </p:cNvPr>
@@ -32414,7 +32592,7 @@
           <p:cNvPr id="10" name="Pfeil: Chevron 9">
             <a:extLst>
               <a:ext uri="{FF2B5EF4-FFF2-40B4-BE49-F238E27FC236}">
-                <a16:creationId xmlns:a16="http://schemas.microsoft.com/office/drawing/2014/main" id="{EC21E38E-2ABD-48D3-AE71-80005A169984}"/>
+                <a16:creationId xmlns:a16="http://schemas.microsoft.com/office/drawing/2014/main" xmlns="" id="{EC21E38E-2ABD-48D3-AE71-80005A169984}"/>
               </a:ext>
             </a:extLst>
           </p:cNvPr>
@@ -32482,7 +32660,7 @@
           <p:cNvPr id="11" name="Pfeil: Chevron 10">
             <a:extLst>
               <a:ext uri="{FF2B5EF4-FFF2-40B4-BE49-F238E27FC236}">
-                <a16:creationId xmlns:a16="http://schemas.microsoft.com/office/drawing/2014/main" id="{DF3BC811-5552-43CF-BDC0-88B667B5A6E6}"/>
+                <a16:creationId xmlns:a16="http://schemas.microsoft.com/office/drawing/2014/main" xmlns="" id="{DF3BC811-5552-43CF-BDC0-88B667B5A6E6}"/>
               </a:ext>
             </a:extLst>
           </p:cNvPr>
@@ -32550,7 +32728,7 @@
     </p:spTree>
     <p:extLst>
       <p:ext uri="{BB962C8B-B14F-4D97-AF65-F5344CB8AC3E}">
-        <p14:creationId xmlns:p14="http://schemas.microsoft.com/office/powerpoint/2010/main" val="2840066385"/>
+        <p14:creationId xmlns:p14="http://schemas.microsoft.com/office/powerpoint/2010/main" xmlns="" val="2840066385"/>
       </p:ext>
     </p:extLst>
   </p:cSld>
@@ -32582,7 +32760,7 @@
           <p:cNvPr id="13" name="Inhaltsplatzhalter 12">
             <a:extLst>
               <a:ext uri="{FF2B5EF4-FFF2-40B4-BE49-F238E27FC236}">
-                <a16:creationId xmlns:a16="http://schemas.microsoft.com/office/drawing/2014/main" id="{C4EC4554-79F0-459D-8CA7-AC7AD01489EA}"/>
+                <a16:creationId xmlns:a16="http://schemas.microsoft.com/office/drawing/2014/main" xmlns="" id="{C4EC4554-79F0-459D-8CA7-AC7AD01489EA}"/>
               </a:ext>
             </a:extLst>
           </p:cNvPr>
@@ -32618,6 +32796,10 @@
               <a:rPr lang="de-DE" sz="2200" dirty="0" err="1"/>
               <a:t>preprocess</a:t>
             </a:r>
+            <a:r>
+              <a:rPr lang="de-DE" sz="2200" dirty="0"/>
+              <a:t/>
+            </a:r>
             <a:br>
               <a:rPr lang="de-DE" sz="2200" dirty="0"/>
             </a:br>
@@ -32705,9 +32887,17 @@
             <a:pPr marL="0" lvl="1" indent="-7937">
               <a:buNone/>
             </a:pPr>
+            <a:r>
+              <a:rPr lang="de-DE" sz="2400" dirty="0"/>
+              <a:t/>
+            </a:r>
             <a:br>
               <a:rPr lang="de-DE" sz="2400" dirty="0"/>
             </a:br>
+            <a:r>
+              <a:rPr lang="de-DE" sz="2400" dirty="0"/>
+              <a:t/>
+            </a:r>
             <a:br>
               <a:rPr lang="de-DE" sz="2400" dirty="0"/>
             </a:br>
@@ -32723,7 +32913,7 @@
           <p:cNvPr id="2" name="Titel 1">
             <a:extLst>
               <a:ext uri="{FF2B5EF4-FFF2-40B4-BE49-F238E27FC236}">
-                <a16:creationId xmlns:a16="http://schemas.microsoft.com/office/drawing/2014/main" id="{594F37A0-8FD9-42A4-A80F-4C479182787E}"/>
+                <a16:creationId xmlns:a16="http://schemas.microsoft.com/office/drawing/2014/main" xmlns="" id="{594F37A0-8FD9-42A4-A80F-4C479182787E}"/>
               </a:ext>
             </a:extLst>
           </p:cNvPr>
@@ -32751,6 +32941,10 @@
               <a:rPr lang="de-DE" dirty="0" err="1"/>
               <a:t>Selection</a:t>
             </a:r>
+            <a:r>
+              <a:rPr lang="de-DE" dirty="0"/>
+              <a:t/>
+            </a:r>
             <a:br>
               <a:rPr lang="de-DE" dirty="0"/>
             </a:br>
@@ -32785,7 +32979,7 @@
           <p:nvPr>
             <p:extLst>
               <p:ext uri="{D42A27DB-BD31-4B8C-83A1-F6EECF244321}">
-                <p14:modId xmlns:p14="http://schemas.microsoft.com/office/powerpoint/2010/main" val="627684226"/>
+                <p14:modId xmlns:p14="http://schemas.microsoft.com/office/powerpoint/2010/main" xmlns="" val="627684226"/>
               </p:ext>
             </p:extLst>
           </p:nvPr>
@@ -32805,7 +32999,7 @@
           <p:cNvPr id="9" name="Pfeil: Chevron 8">
             <a:extLst>
               <a:ext uri="{FF2B5EF4-FFF2-40B4-BE49-F238E27FC236}">
-                <a16:creationId xmlns:a16="http://schemas.microsoft.com/office/drawing/2014/main" id="{D0EB61F6-F4F8-40B5-AAA1-B8F9EAA981AA}"/>
+                <a16:creationId xmlns:a16="http://schemas.microsoft.com/office/drawing/2014/main" xmlns="" id="{D0EB61F6-F4F8-40B5-AAA1-B8F9EAA981AA}"/>
               </a:ext>
             </a:extLst>
           </p:cNvPr>
@@ -32870,7 +33064,7 @@
           <p:cNvPr id="10" name="Pfeil: Chevron 9">
             <a:extLst>
               <a:ext uri="{FF2B5EF4-FFF2-40B4-BE49-F238E27FC236}">
-                <a16:creationId xmlns:a16="http://schemas.microsoft.com/office/drawing/2014/main" id="{80E34601-979E-4639-918A-814B7151AB50}"/>
+                <a16:creationId xmlns:a16="http://schemas.microsoft.com/office/drawing/2014/main" xmlns="" id="{80E34601-979E-4639-918A-814B7151AB50}"/>
               </a:ext>
             </a:extLst>
           </p:cNvPr>
@@ -32938,7 +33132,7 @@
           <p:cNvPr id="11" name="Pfeil: Chevron 10">
             <a:extLst>
               <a:ext uri="{FF2B5EF4-FFF2-40B4-BE49-F238E27FC236}">
-                <a16:creationId xmlns:a16="http://schemas.microsoft.com/office/drawing/2014/main" id="{90537AB3-A871-432B-AE01-51C08E0F59A2}"/>
+                <a16:creationId xmlns:a16="http://schemas.microsoft.com/office/drawing/2014/main" xmlns="" id="{90537AB3-A871-432B-AE01-51C08E0F59A2}"/>
               </a:ext>
             </a:extLst>
           </p:cNvPr>
@@ -33006,7 +33200,7 @@
     </p:spTree>
     <p:extLst>
       <p:ext uri="{BB962C8B-B14F-4D97-AF65-F5344CB8AC3E}">
-        <p14:creationId xmlns:p14="http://schemas.microsoft.com/office/powerpoint/2010/main" val="2501750320"/>
+        <p14:creationId xmlns:p14="http://schemas.microsoft.com/office/powerpoint/2010/main" xmlns="" val="2501750320"/>
       </p:ext>
     </p:extLst>
   </p:cSld>
@@ -33038,7 +33232,7 @@
           <p:cNvPr id="2" name="Titel 1">
             <a:extLst>
               <a:ext uri="{FF2B5EF4-FFF2-40B4-BE49-F238E27FC236}">
-                <a16:creationId xmlns:a16="http://schemas.microsoft.com/office/drawing/2014/main" id="{594F37A0-8FD9-42A4-A80F-4C479182787E}"/>
+                <a16:creationId xmlns:a16="http://schemas.microsoft.com/office/drawing/2014/main" xmlns="" id="{594F37A0-8FD9-42A4-A80F-4C479182787E}"/>
               </a:ext>
             </a:extLst>
           </p:cNvPr>
@@ -33066,6 +33260,10 @@
               <a:rPr lang="de-DE" dirty="0" err="1"/>
               <a:t>Selection</a:t>
             </a:r>
+            <a:r>
+              <a:rPr lang="de-DE" dirty="0"/>
+              <a:t/>
+            </a:r>
             <a:br>
               <a:rPr lang="de-DE" dirty="0"/>
             </a:br>
@@ -33093,7 +33291,7 @@
           <p:cNvPr id="3" name="Inhaltsplatzhalter 2">
             <a:extLst>
               <a:ext uri="{FF2B5EF4-FFF2-40B4-BE49-F238E27FC236}">
-                <a16:creationId xmlns:a16="http://schemas.microsoft.com/office/drawing/2014/main" id="{B201CE33-F1D7-423B-B373-1D449812B3D5}"/>
+                <a16:creationId xmlns:a16="http://schemas.microsoft.com/office/drawing/2014/main" xmlns="" id="{B201CE33-F1D7-423B-B373-1D449812B3D5}"/>
               </a:ext>
             </a:extLst>
           </p:cNvPr>
@@ -33286,7 +33484,7 @@
           <p:cNvPr id="9" name="Pfeil: Chevron 8">
             <a:extLst>
               <a:ext uri="{FF2B5EF4-FFF2-40B4-BE49-F238E27FC236}">
-                <a16:creationId xmlns:a16="http://schemas.microsoft.com/office/drawing/2014/main" id="{6F7AF884-21A5-46C0-B540-0CA691642AD2}"/>
+                <a16:creationId xmlns:a16="http://schemas.microsoft.com/office/drawing/2014/main" xmlns="" id="{6F7AF884-21A5-46C0-B540-0CA691642AD2}"/>
               </a:ext>
             </a:extLst>
           </p:cNvPr>
@@ -33351,7 +33549,7 @@
           <p:cNvPr id="10" name="Pfeil: Chevron 9">
             <a:extLst>
               <a:ext uri="{FF2B5EF4-FFF2-40B4-BE49-F238E27FC236}">
-                <a16:creationId xmlns:a16="http://schemas.microsoft.com/office/drawing/2014/main" id="{59BCC53C-4F8F-43DF-92CC-9C07897B4872}"/>
+                <a16:creationId xmlns:a16="http://schemas.microsoft.com/office/drawing/2014/main" xmlns="" id="{59BCC53C-4F8F-43DF-92CC-9C07897B4872}"/>
               </a:ext>
             </a:extLst>
           </p:cNvPr>
@@ -33419,7 +33617,7 @@
           <p:cNvPr id="11" name="Pfeil: Chevron 10">
             <a:extLst>
               <a:ext uri="{FF2B5EF4-FFF2-40B4-BE49-F238E27FC236}">
-                <a16:creationId xmlns:a16="http://schemas.microsoft.com/office/drawing/2014/main" id="{58B41544-D931-4E2A-9D19-547667BE6955}"/>
+                <a16:creationId xmlns:a16="http://schemas.microsoft.com/office/drawing/2014/main" xmlns="" id="{58B41544-D931-4E2A-9D19-547667BE6955}"/>
               </a:ext>
             </a:extLst>
           </p:cNvPr>
@@ -33487,7 +33685,7 @@
     </p:spTree>
     <p:extLst>
       <p:ext uri="{BB962C8B-B14F-4D97-AF65-F5344CB8AC3E}">
-        <p14:creationId xmlns:p14="http://schemas.microsoft.com/office/powerpoint/2010/main" val="1019526638"/>
+        <p14:creationId xmlns:p14="http://schemas.microsoft.com/office/powerpoint/2010/main" xmlns="" val="1019526638"/>
       </p:ext>
     </p:extLst>
   </p:cSld>

--- a/presentation/20180713 Gruppe 5 - final.pptx
+++ b/presentation/20180713 Gruppe 5 - final.pptx
@@ -5,10 +5,10 @@
     <p:sldMasterId id="2147483648" r:id="rId1"/>
   </p:sldMasterIdLst>
   <p:notesMasterIdLst>
-    <p:notesMasterId r:id="rId37"/>
+    <p:notesMasterId r:id="rId38"/>
   </p:notesMasterIdLst>
   <p:handoutMasterIdLst>
-    <p:handoutMasterId r:id="rId38"/>
+    <p:handoutMasterId r:id="rId39"/>
   </p:handoutMasterIdLst>
   <p:sldIdLst>
     <p:sldId id="256" r:id="rId2"/>
@@ -25,27 +25,28 @@
     <p:sldId id="266" r:id="rId13"/>
     <p:sldId id="276" r:id="rId14"/>
     <p:sldId id="277" r:id="rId15"/>
-    <p:sldId id="272" r:id="rId16"/>
-    <p:sldId id="269" r:id="rId17"/>
-    <p:sldId id="273" r:id="rId18"/>
-    <p:sldId id="274" r:id="rId19"/>
-    <p:sldId id="275" r:id="rId20"/>
-    <p:sldId id="290" r:id="rId21"/>
-    <p:sldId id="291" r:id="rId22"/>
-    <p:sldId id="292" r:id="rId23"/>
-    <p:sldId id="293" r:id="rId24"/>
-    <p:sldId id="294" r:id="rId25"/>
-    <p:sldId id="295" r:id="rId26"/>
-    <p:sldId id="296" r:id="rId27"/>
-    <p:sldId id="265" r:id="rId28"/>
-    <p:sldId id="298" r:id="rId29"/>
-    <p:sldId id="304" r:id="rId30"/>
-    <p:sldId id="303" r:id="rId31"/>
-    <p:sldId id="302" r:id="rId32"/>
-    <p:sldId id="305" r:id="rId33"/>
-    <p:sldId id="297" r:id="rId34"/>
-    <p:sldId id="300" r:id="rId35"/>
-    <p:sldId id="268" r:id="rId36"/>
+    <p:sldId id="307" r:id="rId16"/>
+    <p:sldId id="272" r:id="rId17"/>
+    <p:sldId id="269" r:id="rId18"/>
+    <p:sldId id="273" r:id="rId19"/>
+    <p:sldId id="274" r:id="rId20"/>
+    <p:sldId id="275" r:id="rId21"/>
+    <p:sldId id="290" r:id="rId22"/>
+    <p:sldId id="291" r:id="rId23"/>
+    <p:sldId id="292" r:id="rId24"/>
+    <p:sldId id="293" r:id="rId25"/>
+    <p:sldId id="294" r:id="rId26"/>
+    <p:sldId id="295" r:id="rId27"/>
+    <p:sldId id="296" r:id="rId28"/>
+    <p:sldId id="265" r:id="rId29"/>
+    <p:sldId id="298" r:id="rId30"/>
+    <p:sldId id="304" r:id="rId31"/>
+    <p:sldId id="303" r:id="rId32"/>
+    <p:sldId id="302" r:id="rId33"/>
+    <p:sldId id="305" r:id="rId34"/>
+    <p:sldId id="297" r:id="rId35"/>
+    <p:sldId id="300" r:id="rId36"/>
+    <p:sldId id="268" r:id="rId37"/>
   </p:sldIdLst>
   <p:sldSz cx="9144000" cy="6858000" type="screen4x3"/>
   <p:notesSz cx="6858000" cy="9144000"/>
@@ -8309,7 +8310,7 @@
             <a:fld id="{C36AA9A4-5D0B-4134-89A6-D8B9DAA4F25C}" type="slidenum">
               <a:rPr lang="de-DE" smtClean="0"/>
               <a:pPr/>
-              <a:t>32</a:t>
+              <a:t>33</a:t>
             </a:fld>
             <a:endParaRPr lang="de-DE"/>
           </a:p>
@@ -8621,7 +8622,7 @@
             <a:fld id="{C36AA9A4-5D0B-4134-89A6-D8B9DAA4F25C}" type="slidenum">
               <a:rPr lang="de-DE" smtClean="0"/>
               <a:pPr/>
-              <a:t>22</a:t>
+              <a:t>23</a:t>
             </a:fld>
             <a:endParaRPr lang="de-DE"/>
           </a:p>
@@ -8928,7 +8929,7 @@
             <a:fld id="{C36AA9A4-5D0B-4134-89A6-D8B9DAA4F25C}" type="slidenum">
               <a:rPr lang="de-DE" smtClean="0"/>
               <a:pPr/>
-              <a:t>23</a:t>
+              <a:t>24</a:t>
             </a:fld>
             <a:endParaRPr lang="de-DE"/>
           </a:p>
@@ -9068,7 +9069,7 @@
             <a:fld id="{C36AA9A4-5D0B-4134-89A6-D8B9DAA4F25C}" type="slidenum">
               <a:rPr lang="de-DE" smtClean="0"/>
               <a:pPr/>
-              <a:t>24</a:t>
+              <a:t>25</a:t>
             </a:fld>
             <a:endParaRPr lang="de-DE"/>
           </a:p>
@@ -9388,7 +9389,7 @@
             <a:fld id="{C36AA9A4-5D0B-4134-89A6-D8B9DAA4F25C}" type="slidenum">
               <a:rPr lang="de-DE" smtClean="0"/>
               <a:pPr/>
-              <a:t>25</a:t>
+              <a:t>26</a:t>
             </a:fld>
             <a:endParaRPr lang="de-DE"/>
           </a:p>
@@ -9528,7 +9529,7 @@
             <a:fld id="{C36AA9A4-5D0B-4134-89A6-D8B9DAA4F25C}" type="slidenum">
               <a:rPr lang="de-DE" smtClean="0"/>
               <a:pPr/>
-              <a:t>26</a:t>
+              <a:t>27</a:t>
             </a:fld>
             <a:endParaRPr lang="de-DE"/>
           </a:p>
@@ -9668,7 +9669,7 @@
             <a:fld id="{C36AA9A4-5D0B-4134-89A6-D8B9DAA4F25C}" type="slidenum">
               <a:rPr lang="de-DE" smtClean="0"/>
               <a:pPr/>
-              <a:t>30</a:t>
+              <a:t>31</a:t>
             </a:fld>
             <a:endParaRPr lang="de-DE"/>
           </a:p>
@@ -9808,7 +9809,7 @@
             <a:fld id="{C36AA9A4-5D0B-4134-89A6-D8B9DAA4F25C}" type="slidenum">
               <a:rPr lang="de-DE" smtClean="0"/>
               <a:pPr/>
-              <a:t>31</a:t>
+              <a:t>32</a:t>
             </a:fld>
             <a:endParaRPr lang="de-DE"/>
           </a:p>
@@ -13854,12 +13855,8 @@
           <a:lstStyle/>
           <a:p>
             <a:r>
-              <a:rPr lang="de-DE" dirty="0" err="1"/>
-              <a:t>aim</a:t>
-            </a:r>
-            <a:r>
               <a:rPr lang="de-DE" dirty="0"/>
-              <a:t>: </a:t>
+              <a:t>Goal: </a:t>
             </a:r>
             <a:r>
               <a:rPr lang="de-DE" dirty="0" err="1"/>
@@ -13867,11 +13864,11 @@
             </a:r>
             <a:r>
               <a:rPr lang="de-DE" dirty="0"/>
-              <a:t> </a:t>
+              <a:t> Nuggets </a:t>
             </a:r>
             <a:r>
               <a:rPr lang="de-DE" dirty="0" err="1"/>
-              <a:t>nuggets</a:t>
+              <a:t>into</a:t>
             </a:r>
             <a:r>
               <a:rPr lang="de-DE" dirty="0"/>
@@ -13879,7 +13876,58 @@
             </a:r>
             <a:r>
               <a:rPr lang="de-DE" dirty="0" err="1"/>
-              <a:t>into</a:t>
+              <a:t>tree</a:t>
+            </a:r>
+            <a:endParaRPr lang="de-DE" dirty="0"/>
+          </a:p>
+          <a:p>
+            <a:endParaRPr lang="de-DE" dirty="0"/>
+          </a:p>
+          <a:p>
+            <a:r>
+              <a:rPr lang="de-DE" dirty="0"/>
+              <a:t>Insert </a:t>
+            </a:r>
+            <a:r>
+              <a:rPr lang="de-DE" dirty="0" err="1"/>
+              <a:t>one</a:t>
+            </a:r>
+            <a:r>
+              <a:rPr lang="de-DE" dirty="0"/>
+              <a:t> Nuggets after </a:t>
+            </a:r>
+            <a:r>
+              <a:rPr lang="de-DE" dirty="0" err="1"/>
+              <a:t>another</a:t>
+            </a:r>
+            <a:endParaRPr lang="de-DE" dirty="0"/>
+          </a:p>
+          <a:p>
+            <a:pPr marL="342900" indent="-342900">
+              <a:buFont typeface="Arial" panose="020B0604020202020204" pitchFamily="34" charset="0"/>
+              <a:buChar char="•"/>
+            </a:pPr>
+            <a:r>
+              <a:rPr lang="de-DE" dirty="0" err="1"/>
+              <a:t>compare</a:t>
+            </a:r>
+            <a:r>
+              <a:rPr lang="de-DE" dirty="0"/>
+              <a:t> Nuggets</a:t>
+            </a:r>
+          </a:p>
+          <a:p>
+            <a:pPr marL="342900" indent="-342900">
+              <a:buFont typeface="Arial" panose="020B0604020202020204" pitchFamily="34" charset="0"/>
+              <a:buChar char="•"/>
+            </a:pPr>
+            <a:r>
+              <a:rPr lang="de-DE" dirty="0"/>
+              <a:t>find </a:t>
+            </a:r>
+            <a:r>
+              <a:rPr lang="de-DE" dirty="0" err="1"/>
+              <a:t>right</a:t>
             </a:r>
             <a:r>
               <a:rPr lang="de-DE" dirty="0"/>
@@ -13887,50 +13935,46 @@
             </a:r>
             <a:r>
               <a:rPr lang="de-DE" dirty="0" err="1"/>
-              <a:t>bubbles</a:t>
+              <a:t>Bubbles</a:t>
             </a:r>
             <a:r>
               <a:rPr lang="de-DE" dirty="0"/>
               <a:t> </a:t>
             </a:r>
             <a:r>
-              <a:rPr lang="de-DE" dirty="0">
-                <a:sym typeface="Wingdings" panose="05000000000000000000" pitchFamily="2" charset="2"/>
-              </a:rPr>
-              <a:t> </a:t>
-            </a:r>
-            <a:r>
-              <a:rPr lang="de-DE" dirty="0" err="1">
-                <a:sym typeface="Wingdings" panose="05000000000000000000" pitchFamily="2" charset="2"/>
-              </a:rPr>
-              <a:t>build</a:t>
-            </a:r>
-            <a:r>
-              <a:rPr lang="de-DE" dirty="0">
-                <a:sym typeface="Wingdings" panose="05000000000000000000" pitchFamily="2" charset="2"/>
-              </a:rPr>
-              <a:t> </a:t>
-            </a:r>
-            <a:r>
-              <a:rPr lang="de-DE" dirty="0" err="1">
-                <a:sym typeface="Wingdings" panose="05000000000000000000" pitchFamily="2" charset="2"/>
-              </a:rPr>
-              <a:t>tree</a:t>
-            </a:r>
+              <a:rPr lang="de-DE" dirty="0" err="1"/>
+              <a:t>for</a:t>
+            </a:r>
+            <a:r>
+              <a:rPr lang="de-DE" dirty="0"/>
+              <a:t> Nuggets</a:t>
+            </a:r>
+          </a:p>
+          <a:p>
+            <a:pPr marL="342900" indent="-342900">
+              <a:buFont typeface="Arial" panose="020B0604020202020204" pitchFamily="34" charset="0"/>
+              <a:buChar char="•"/>
+            </a:pPr>
             <a:endParaRPr lang="de-DE" dirty="0"/>
           </a:p>
           <a:p>
             <a:r>
               <a:rPr lang="de-DE" dirty="0" err="1"/>
-              <a:t>used</a:t>
+              <a:t>Prelimitaries</a:t>
             </a:r>
             <a:r>
               <a:rPr lang="de-DE" dirty="0"/>
-              <a:t>: </a:t>
-            </a:r>
+              <a:t>:</a:t>
+            </a:r>
+          </a:p>
+          <a:p>
+            <a:pPr marL="342900" indent="-342900">
+              <a:buFont typeface="Arial" panose="020B0604020202020204" pitchFamily="34" charset="0"/>
+              <a:buChar char="•"/>
+            </a:pPr>
             <a:r>
               <a:rPr lang="de-DE" dirty="0" err="1"/>
-              <a:t>compare</a:t>
+              <a:t>remove</a:t>
             </a:r>
             <a:r>
               <a:rPr lang="de-DE" dirty="0"/>
@@ -13938,197 +13982,7 @@
             </a:r>
             <a:r>
               <a:rPr lang="de-DE" dirty="0" err="1"/>
-              <a:t>two</a:t>
-            </a:r>
-            <a:r>
-              <a:rPr lang="de-DE" dirty="0"/>
-              <a:t> </a:t>
-            </a:r>
-            <a:r>
-              <a:rPr lang="de-DE" dirty="0" err="1"/>
-              <a:t>nuggets</a:t>
-            </a:r>
-            <a:endParaRPr lang="de-DE" dirty="0"/>
-          </a:p>
-          <a:p>
-            <a:r>
-              <a:rPr lang="de-DE" dirty="0"/>
-              <a:t>	</a:t>
-            </a:r>
-            <a:r>
-              <a:rPr lang="de-DE" dirty="0" err="1"/>
-              <a:t>if</a:t>
-            </a:r>
-            <a:r>
-              <a:rPr lang="de-DE" dirty="0"/>
-              <a:t> </a:t>
-            </a:r>
-            <a:r>
-              <a:rPr lang="de-DE" dirty="0" err="1"/>
-              <a:t>new</a:t>
-            </a:r>
-            <a:r>
-              <a:rPr lang="de-DE" dirty="0"/>
-              <a:t> </a:t>
-            </a:r>
-            <a:r>
-              <a:rPr lang="de-DE" dirty="0" err="1"/>
-              <a:t>bubble</a:t>
-            </a:r>
-            <a:r>
-              <a:rPr lang="de-DE" dirty="0"/>
-              <a:t> </a:t>
-            </a:r>
-            <a:r>
-              <a:rPr lang="de-DE" dirty="0" err="1"/>
-              <a:t>then</a:t>
-            </a:r>
-            <a:r>
-              <a:rPr lang="de-DE" dirty="0"/>
-              <a:t> </a:t>
-            </a:r>
-            <a:r>
-              <a:rPr lang="de-DE" dirty="0" err="1"/>
-              <a:t>use</a:t>
-            </a:r>
-            <a:r>
-              <a:rPr lang="de-DE" dirty="0"/>
-              <a:t> </a:t>
-            </a:r>
-            <a:r>
-              <a:rPr lang="de-DE" dirty="0" err="1"/>
-              <a:t>which</a:t>
-            </a:r>
-            <a:r>
-              <a:rPr lang="de-DE" dirty="0"/>
-              <a:t> </a:t>
-            </a:r>
-            <a:r>
-              <a:rPr lang="de-DE" dirty="0" err="1"/>
-              <a:t>function</a:t>
-            </a:r>
-            <a:r>
-              <a:rPr lang="de-DE" dirty="0"/>
-              <a:t> </a:t>
-            </a:r>
-            <a:r>
-              <a:rPr lang="de-DE" dirty="0" err="1"/>
-              <a:t>to</a:t>
-            </a:r>
-            <a:r>
-              <a:rPr lang="de-DE" dirty="0"/>
-              <a:t> </a:t>
-            </a:r>
-            <a:r>
-              <a:rPr lang="de-DE" dirty="0" err="1"/>
-              <a:t>determine</a:t>
-            </a:r>
-            <a:r>
-              <a:rPr lang="de-DE" dirty="0"/>
-              <a:t> </a:t>
-            </a:r>
-            <a:r>
-              <a:rPr lang="de-DE" dirty="0" err="1"/>
-              <a:t>the</a:t>
-            </a:r>
-            <a:r>
-              <a:rPr lang="de-DE" dirty="0"/>
-              <a:t> </a:t>
-            </a:r>
-            <a:r>
-              <a:rPr lang="de-DE" dirty="0" err="1"/>
-              <a:t>right</a:t>
-            </a:r>
-            <a:r>
-              <a:rPr lang="de-DE" dirty="0"/>
-              <a:t> </a:t>
-            </a:r>
-            <a:r>
-              <a:rPr lang="de-DE" dirty="0" err="1"/>
-              <a:t>bubble</a:t>
-            </a:r>
-            <a:r>
-              <a:rPr lang="de-DE" dirty="0"/>
-              <a:t> </a:t>
-            </a:r>
-            <a:r>
-              <a:rPr lang="de-DE" dirty="0" err="1"/>
-              <a:t>or</a:t>
-            </a:r>
-            <a:r>
-              <a:rPr lang="de-DE" dirty="0"/>
-              <a:t> </a:t>
-            </a:r>
-            <a:r>
-              <a:rPr lang="de-DE" dirty="0" err="1"/>
-              <a:t>create</a:t>
-            </a:r>
-            <a:r>
-              <a:rPr lang="de-DE" dirty="0"/>
-              <a:t> </a:t>
-            </a:r>
-            <a:r>
-              <a:rPr lang="de-DE" dirty="0" err="1"/>
-              <a:t>new</a:t>
-            </a:r>
-            <a:endParaRPr lang="de-DE" dirty="0"/>
-          </a:p>
-          <a:p>
-            <a:r>
-              <a:rPr lang="de-DE" dirty="0"/>
-              <a:t>	</a:t>
-            </a:r>
-            <a:r>
-              <a:rPr lang="de-DE" dirty="0" err="1"/>
-              <a:t>else</a:t>
-            </a:r>
-            <a:r>
-              <a:rPr lang="de-DE" dirty="0"/>
-              <a:t> </a:t>
-            </a:r>
-            <a:r>
-              <a:rPr lang="de-DE" dirty="0" err="1"/>
-              <a:t>insert</a:t>
-            </a:r>
-            <a:r>
-              <a:rPr lang="de-DE" dirty="0"/>
-              <a:t> in </a:t>
-            </a:r>
-            <a:r>
-              <a:rPr lang="de-DE" dirty="0" err="1"/>
-              <a:t>existing</a:t>
-            </a:r>
-            <a:r>
-              <a:rPr lang="de-DE" dirty="0"/>
-              <a:t> </a:t>
-            </a:r>
-            <a:r>
-              <a:rPr lang="de-DE" dirty="0" err="1"/>
-              <a:t>bubble</a:t>
-            </a:r>
-            <a:endParaRPr lang="de-DE" dirty="0"/>
-          </a:p>
-          <a:p>
-            <a:endParaRPr lang="de-DE" dirty="0"/>
-          </a:p>
-          <a:p>
-            <a:r>
-              <a:rPr lang="de-DE" dirty="0" err="1"/>
-              <a:t>prelimitaries</a:t>
-            </a:r>
-            <a:r>
-              <a:rPr lang="de-DE" dirty="0"/>
-              <a:t>:</a:t>
-            </a:r>
-          </a:p>
-          <a:p>
-            <a:r>
-              <a:rPr lang="de-DE" dirty="0"/>
-              <a:t>handle </a:t>
-            </a:r>
-            <a:r>
-              <a:rPr lang="de-DE" dirty="0" err="1"/>
-              <a:t>nuggets</a:t>
+              <a:t>Stopwords</a:t>
             </a:r>
             <a:r>
               <a:rPr lang="de-DE" dirty="0"/>
@@ -14136,24 +13990,15 @@
             </a:r>
             <a:r>
               <a:rPr lang="de-DE" dirty="0" err="1"/>
-              <a:t>remove</a:t>
-            </a:r>
-            <a:r>
-              <a:rPr lang="de-DE" dirty="0"/>
-              <a:t> </a:t>
-            </a:r>
-            <a:r>
-              <a:rPr lang="de-DE" dirty="0" err="1"/>
-              <a:t>stops</a:t>
-            </a:r>
-            <a:r>
-              <a:rPr lang="de-DE" dirty="0"/>
-              <a:t> and </a:t>
-            </a:r>
-            <a:r>
-              <a:rPr lang="de-DE" dirty="0" err="1"/>
-              <a:t>stem</a:t>
-            </a:r>
+              <a:t>Stemming</a:t>
+            </a:r>
+            <a:endParaRPr lang="de-DE" dirty="0"/>
+          </a:p>
+          <a:p>
+            <a:pPr marL="342900" indent="-342900">
+              <a:buFont typeface="Arial" panose="020B0604020202020204" pitchFamily="34" charset="0"/>
+              <a:buChar char="•"/>
+            </a:pPr>
             <a:endParaRPr lang="de-DE" dirty="0"/>
           </a:p>
         </p:txBody>
@@ -14471,7 +14316,7 @@
         </p:nvSpPr>
         <p:spPr>
           <a:xfrm>
-            <a:off x="1684541" y="3225590"/>
+            <a:off x="3022309" y="2726804"/>
             <a:ext cx="108000" cy="108000"/>
           </a:xfrm>
           <a:prstGeom prst="rect">
@@ -17570,7 +17415,7 @@
         </p:nvSpPr>
         <p:spPr>
           <a:xfrm>
-            <a:off x="2595409" y="2145556"/>
+            <a:off x="236028" y="2573855"/>
             <a:ext cx="1633781" cy="369332"/>
           </a:xfrm>
           <a:prstGeom prst="rect">
@@ -17719,7 +17564,7 @@
         </p:nvSpPr>
         <p:spPr>
           <a:xfrm>
-            <a:off x="1100686" y="2756214"/>
+            <a:off x="2438454" y="2257428"/>
             <a:ext cx="1377300" cy="369332"/>
           </a:xfrm>
           <a:prstGeom prst="rect">
@@ -17728,7 +17573,7 @@
           <a:noFill/>
         </p:spPr>
         <p:txBody>
-          <a:bodyPr wrap="none" rtlCol="0">
+          <a:bodyPr wrap="square" rtlCol="0">
             <a:spAutoFit/>
           </a:bodyPr>
           <a:lstStyle/>
@@ -18251,42 +18096,25 @@
               <a:buChar char="-"/>
             </a:pPr>
             <a:r>
+              <a:rPr lang="de-DE" dirty="0"/>
+              <a:t>find </a:t>
+            </a:r>
+            <a:r>
               <a:rPr lang="de-DE" dirty="0" err="1"/>
-              <a:t>use</a:t>
+              <a:t>right</a:t>
             </a:r>
             <a:r>
               <a:rPr lang="de-DE" dirty="0"/>
-              <a:t> </a:t>
+              <a:t> Bubble </a:t>
             </a:r>
             <a:r>
               <a:rPr lang="de-DE" dirty="0" err="1"/>
-              <a:t>nltk_path_similarity</a:t>
+              <a:t>for</a:t>
             </a:r>
             <a:r>
               <a:rPr lang="de-DE" dirty="0"/>
-              <a:t> </a:t>
-            </a:r>
-            <a:r>
-              <a:rPr lang="de-DE" dirty="0" err="1"/>
-              <a:t>to</a:t>
-            </a:r>
-            <a:r>
-              <a:rPr lang="de-DE" dirty="0"/>
-              <a:t> </a:t>
-            </a:r>
-            <a:r>
-              <a:rPr lang="de-DE" dirty="0" err="1"/>
-              <a:t>choose</a:t>
-            </a:r>
-            <a:r>
-              <a:rPr lang="de-DE" dirty="0"/>
-              <a:t> </a:t>
-            </a:r>
-            <a:r>
-              <a:rPr lang="de-DE" dirty="0" err="1"/>
-              <a:t>subtree</a:t>
-            </a:r>
-            <a:endParaRPr lang="de-DE" dirty="0"/>
+              <a:t> Nugget</a:t>
+            </a:r>
           </a:p>
           <a:p>
             <a:pPr marL="342900" indent="-342900">
@@ -18295,7 +18123,7 @@
             </a:pPr>
             <a:r>
               <a:rPr lang="de-DE" dirty="0" err="1"/>
-              <a:t>index</a:t>
+              <a:t>uses</a:t>
             </a:r>
             <a:r>
               <a:rPr lang="de-DE" dirty="0"/>
@@ -18303,15 +18131,7 @@
             </a:r>
             <a:r>
               <a:rPr lang="de-DE" dirty="0" err="1"/>
-              <a:t>of</a:t>
-            </a:r>
-            <a:r>
-              <a:rPr lang="de-DE" dirty="0"/>
-              <a:t> </a:t>
-            </a:r>
-            <a:r>
-              <a:rPr lang="de-DE" dirty="0" err="1"/>
-              <a:t>subtree</a:t>
+              <a:t>nltk_path_similarity</a:t>
             </a:r>
             <a:endParaRPr lang="de-DE" dirty="0"/>
           </a:p>
@@ -18343,18 +18163,33 @@
               <a:buChar char="-"/>
             </a:pPr>
             <a:r>
+              <a:rPr lang="de-DE" dirty="0"/>
+              <a:t>find </a:t>
+            </a:r>
+            <a:r>
               <a:rPr lang="de-DE" dirty="0" err="1"/>
-              <a:t>compare</a:t>
+              <a:t>right</a:t>
             </a:r>
             <a:r>
               <a:rPr lang="de-DE" dirty="0"/>
-              <a:t> TF-IDF  </a:t>
+              <a:t> </a:t>
             </a:r>
             <a:r>
               <a:rPr lang="de-DE" dirty="0" err="1"/>
-              <a:t>with</a:t>
-            </a:r>
-            <a:endParaRPr lang="de-DE" dirty="0"/>
+              <a:t>position</a:t>
+            </a:r>
+            <a:r>
+              <a:rPr lang="de-DE" dirty="0"/>
+              <a:t> </a:t>
+            </a:r>
+            <a:r>
+              <a:rPr lang="de-DE" dirty="0" err="1"/>
+              <a:t>for</a:t>
+            </a:r>
+            <a:r>
+              <a:rPr lang="de-DE" dirty="0"/>
+              <a:t> Nugget</a:t>
+            </a:r>
           </a:p>
           <a:p>
             <a:pPr marL="342900" indent="-342900">
@@ -18363,44 +18198,17 @@
             </a:pPr>
             <a:r>
               <a:rPr lang="de-DE" dirty="0" err="1"/>
-              <a:t>return</a:t>
+              <a:t>compare</a:t>
             </a:r>
             <a:r>
               <a:rPr lang="de-DE" dirty="0"/>
-              <a:t> </a:t>
+              <a:t> TF-IDF </a:t>
             </a:r>
             <a:r>
               <a:rPr lang="de-DE" dirty="0" err="1"/>
-              <a:t>similar</a:t>
-            </a:r>
-            <a:r>
-              <a:rPr lang="de-DE" dirty="0"/>
-              <a:t> (INSERT), </a:t>
-            </a:r>
-            <a:r>
-              <a:rPr lang="de-DE" dirty="0" err="1"/>
-              <a:t>general</a:t>
-            </a:r>
-            <a:r>
-              <a:rPr lang="de-DE" dirty="0"/>
-              <a:t> (UP), </a:t>
-            </a:r>
-            <a:r>
-              <a:rPr lang="de-DE" dirty="0" err="1"/>
-              <a:t>or</a:t>
-            </a:r>
-            <a:r>
-              <a:rPr lang="de-DE" dirty="0"/>
-              <a:t> </a:t>
-            </a:r>
-            <a:r>
-              <a:rPr lang="de-DE" dirty="0" err="1"/>
-              <a:t>specific</a:t>
-            </a:r>
-            <a:r>
-              <a:rPr lang="de-DE" dirty="0"/>
-              <a:t> (DOWN)</a:t>
-            </a:r>
+              <a:t>scores</a:t>
+            </a:r>
+            <a:endParaRPr lang="de-DE" dirty="0"/>
           </a:p>
         </p:txBody>
       </p:sp>
@@ -18418,7 +18226,7 @@
         </p:nvGrpSpPr>
         <p:grpSpPr>
           <a:xfrm>
-            <a:off x="4105389" y="4553022"/>
+            <a:off x="6428199" y="5044716"/>
             <a:ext cx="1036724" cy="713532"/>
             <a:chOff x="4105389" y="4553022"/>
             <a:chExt cx="1036724" cy="713532"/>
@@ -20491,6 +20299,651 @@
           <a:lstStyle/>
           <a:p>
             <a:r>
+              <a:rPr lang="de-DE" dirty="0" err="1"/>
+              <a:t>Step</a:t>
+            </a:r>
+            <a:r>
+              <a:rPr lang="de-DE" dirty="0"/>
+              <a:t> 2 | </a:t>
+            </a:r>
+            <a:r>
+              <a:rPr lang="de-DE" dirty="0" err="1"/>
+              <a:t>Creating</a:t>
+            </a:r>
+            <a:r>
+              <a:rPr lang="de-DE" dirty="0"/>
+              <a:t> </a:t>
+            </a:r>
+            <a:r>
+              <a:rPr lang="de-DE" dirty="0" err="1"/>
+              <a:t>Hierachies</a:t>
+            </a:r>
+            <a:br>
+              <a:rPr lang="de-DE" dirty="0"/>
+            </a:br>
+            <a:r>
+              <a:rPr lang="de-DE" sz="2000" dirty="0">
+                <a:cs typeface="Courier New" panose="02070309020205020404" pitchFamily="49" charset="0"/>
+              </a:rPr>
+              <a:t>Evaluation </a:t>
+            </a:r>
+            <a:r>
+              <a:rPr lang="de-DE" sz="2000" dirty="0" err="1">
+                <a:cs typeface="Courier New" panose="02070309020205020404" pitchFamily="49" charset="0"/>
+              </a:rPr>
+              <a:t>of</a:t>
+            </a:r>
+            <a:r>
+              <a:rPr lang="de-DE" sz="2000" dirty="0">
+                <a:cs typeface="Courier New" panose="02070309020205020404" pitchFamily="49" charset="0"/>
+              </a:rPr>
+              <a:t> </a:t>
+            </a:r>
+            <a:r>
+              <a:rPr lang="de-DE" sz="2000" dirty="0" err="1">
+                <a:cs typeface="Courier New" panose="02070309020205020404" pitchFamily="49" charset="0"/>
+              </a:rPr>
+              <a:t>Hierarchies</a:t>
+            </a:r>
+            <a:endParaRPr lang="de-DE" dirty="0"/>
+          </a:p>
+        </p:txBody>
+      </p:sp>
+      <p:sp>
+        <p:nvSpPr>
+          <p:cNvPr id="82" name="Inhaltsplatzhalter 2">
+            <a:extLst>
+              <a:ext uri="{FF2B5EF4-FFF2-40B4-BE49-F238E27FC236}">
+                <a16:creationId xmlns:a16="http://schemas.microsoft.com/office/drawing/2014/main" id="{3DE5479E-FEDB-4349-9D8E-5CEAD5C97758}"/>
+              </a:ext>
+            </a:extLst>
+          </p:cNvPr>
+          <p:cNvSpPr>
+            <a:spLocks noGrp="1"/>
+          </p:cNvSpPr>
+          <p:nvPr>
+            <p:ph idx="1"/>
+          </p:nvPr>
+        </p:nvSpPr>
+        <p:spPr>
+          <a:xfrm>
+            <a:off x="394924" y="1988840"/>
+            <a:ext cx="8532480" cy="4111103"/>
+          </a:xfrm>
+        </p:spPr>
+        <p:txBody>
+          <a:bodyPr/>
+          <a:lstStyle/>
+          <a:p>
+            <a:pPr marL="342900" indent="-342900">
+              <a:buFont typeface="Arial" panose="020B0604020202020204" pitchFamily="34" charset="0"/>
+              <a:buChar char="•"/>
+            </a:pPr>
+            <a:r>
+              <a:rPr lang="de-DE" dirty="0" err="1"/>
+              <a:t>We</a:t>
+            </a:r>
+            <a:r>
+              <a:rPr lang="de-DE" dirty="0"/>
+              <a:t> </a:t>
+            </a:r>
+            <a:r>
+              <a:rPr lang="de-DE" dirty="0" err="1"/>
+              <a:t>tried</a:t>
+            </a:r>
+            <a:r>
+              <a:rPr lang="de-DE" dirty="0"/>
+              <a:t> </a:t>
+            </a:r>
+            <a:r>
+              <a:rPr lang="de-DE" dirty="0" err="1"/>
+              <a:t>to</a:t>
+            </a:r>
+            <a:r>
+              <a:rPr lang="de-DE" dirty="0"/>
+              <a:t> find „</a:t>
+            </a:r>
+            <a:r>
+              <a:rPr lang="de-DE" dirty="0" err="1"/>
+              <a:t>right</a:t>
+            </a:r>
+            <a:r>
+              <a:rPr lang="de-DE" dirty="0"/>
+              <a:t>“ </a:t>
+            </a:r>
+            <a:r>
+              <a:rPr lang="de-DE" dirty="0" err="1"/>
+              <a:t>balance</a:t>
+            </a:r>
+            <a:endParaRPr lang="de-DE" dirty="0"/>
+          </a:p>
+          <a:p>
+            <a:pPr marL="701675" lvl="2" indent="-342900">
+              <a:buFont typeface="Arial" panose="020B0604020202020204" pitchFamily="34" charset="0"/>
+              <a:buChar char="•"/>
+            </a:pPr>
+            <a:r>
+              <a:rPr lang="de-DE" dirty="0" err="1"/>
+              <a:t>number</a:t>
+            </a:r>
+            <a:r>
+              <a:rPr lang="de-DE" dirty="0"/>
+              <a:t> </a:t>
+            </a:r>
+            <a:r>
+              <a:rPr lang="de-DE" dirty="0" err="1"/>
+              <a:t>of</a:t>
+            </a:r>
+            <a:r>
+              <a:rPr lang="de-DE" dirty="0"/>
+              <a:t> Nuggets in </a:t>
+            </a:r>
+            <a:r>
+              <a:rPr lang="de-DE" dirty="0" err="1"/>
+              <a:t>each</a:t>
+            </a:r>
+            <a:r>
+              <a:rPr lang="de-DE" dirty="0"/>
+              <a:t> Bubble</a:t>
+            </a:r>
+          </a:p>
+          <a:p>
+            <a:pPr marL="701675" lvl="2" indent="-342900">
+              <a:buFont typeface="Arial" panose="020B0604020202020204" pitchFamily="34" charset="0"/>
+              <a:buChar char="•"/>
+            </a:pPr>
+            <a:r>
+              <a:rPr lang="de-DE" dirty="0" err="1"/>
+              <a:t>number</a:t>
+            </a:r>
+            <a:r>
+              <a:rPr lang="de-DE" dirty="0"/>
+              <a:t> </a:t>
+            </a:r>
+            <a:r>
+              <a:rPr lang="de-DE" dirty="0" err="1"/>
+              <a:t>of</a:t>
+            </a:r>
+            <a:r>
+              <a:rPr lang="de-DE" dirty="0"/>
+              <a:t> </a:t>
+            </a:r>
+            <a:r>
+              <a:rPr lang="de-DE" dirty="0" err="1"/>
+              <a:t>Bubbles</a:t>
+            </a:r>
+            <a:r>
+              <a:rPr lang="de-DE" dirty="0"/>
+              <a:t> in root </a:t>
+            </a:r>
+            <a:r>
+              <a:rPr lang="de-DE" dirty="0" err="1"/>
+              <a:t>node</a:t>
+            </a:r>
+            <a:endParaRPr lang="de-DE" dirty="0"/>
+          </a:p>
+          <a:p>
+            <a:pPr marL="701675" lvl="2" indent="-342900">
+              <a:buFont typeface="Arial" panose="020B0604020202020204" pitchFamily="34" charset="0"/>
+              <a:buChar char="•"/>
+            </a:pPr>
+            <a:endParaRPr lang="de-DE" dirty="0"/>
+          </a:p>
+          <a:p>
+            <a:pPr marL="342900" lvl="1" indent="-342900">
+              <a:buFont typeface="Arial" panose="020B0604020202020204" pitchFamily="34" charset="0"/>
+              <a:buChar char="•"/>
+            </a:pPr>
+            <a:r>
+              <a:rPr lang="de-DE" dirty="0" err="1"/>
+              <a:t>We</a:t>
+            </a:r>
+            <a:r>
+              <a:rPr lang="de-DE" dirty="0"/>
+              <a:t> also </a:t>
+            </a:r>
+            <a:r>
+              <a:rPr lang="de-DE" dirty="0" err="1"/>
+              <a:t>tried</a:t>
+            </a:r>
+            <a:r>
+              <a:rPr lang="de-DE" dirty="0"/>
+              <a:t> Annotation Tool </a:t>
+            </a:r>
+            <a:r>
+              <a:rPr lang="de-DE" dirty="0" err="1"/>
+              <a:t>from</a:t>
+            </a:r>
+            <a:r>
+              <a:rPr lang="de-DE" dirty="0"/>
+              <a:t> AIPHES</a:t>
+            </a:r>
+          </a:p>
+          <a:p>
+            <a:pPr marL="701675" lvl="2" indent="-342900">
+              <a:buFont typeface="Arial" panose="020B0604020202020204" pitchFamily="34" charset="0"/>
+              <a:buChar char="•"/>
+            </a:pPr>
+            <a:r>
+              <a:rPr lang="de-DE" dirty="0"/>
+              <a:t>11% </a:t>
+            </a:r>
+            <a:r>
+              <a:rPr lang="de-DE" dirty="0" err="1"/>
+              <a:t>similarity</a:t>
+            </a:r>
+            <a:r>
+              <a:rPr lang="de-DE" dirty="0"/>
+              <a:t> </a:t>
+            </a:r>
+            <a:r>
+              <a:rPr lang="de-DE" dirty="0" err="1"/>
+              <a:t>overall</a:t>
+            </a:r>
+            <a:r>
+              <a:rPr lang="de-DE" dirty="0"/>
+              <a:t> </a:t>
+            </a:r>
+            <a:r>
+              <a:rPr lang="de-DE" dirty="0" err="1"/>
+              <a:t>against</a:t>
+            </a:r>
+            <a:r>
+              <a:rPr lang="de-DE" dirty="0"/>
+              <a:t> Gold </a:t>
+            </a:r>
+            <a:r>
+              <a:rPr lang="de-DE" dirty="0" err="1"/>
+              <a:t>standard</a:t>
+            </a:r>
+            <a:endParaRPr lang="de-DE" dirty="0"/>
+          </a:p>
+          <a:p>
+            <a:pPr marL="701675" lvl="2" indent="-342900">
+              <a:buFont typeface="Arial" panose="020B0604020202020204" pitchFamily="34" charset="0"/>
+              <a:buChar char="•"/>
+            </a:pPr>
+            <a:r>
+              <a:rPr lang="de-DE" dirty="0"/>
+              <a:t>but</a:t>
+            </a:r>
+          </a:p>
+          <a:p>
+            <a:pPr marL="881062" lvl="3" indent="-342900">
+              <a:buFont typeface="Arial" panose="020B0604020202020204" pitchFamily="34" charset="0"/>
+              <a:buChar char="•"/>
+            </a:pPr>
+            <a:r>
+              <a:rPr lang="de-DE" sz="1800" dirty="0"/>
+              <a:t>1300 Nuggets in </a:t>
+            </a:r>
+            <a:r>
+              <a:rPr lang="de-DE" sz="1800" dirty="0" err="1"/>
+              <a:t>gold</a:t>
+            </a:r>
+            <a:r>
+              <a:rPr lang="de-DE" sz="1800" dirty="0"/>
+              <a:t> </a:t>
+            </a:r>
+            <a:r>
+              <a:rPr lang="de-DE" sz="1800" dirty="0" err="1"/>
+              <a:t>standard</a:t>
+            </a:r>
+            <a:r>
+              <a:rPr lang="de-DE" sz="1800" dirty="0"/>
+              <a:t> versus 30 Nuggets </a:t>
+            </a:r>
+            <a:r>
+              <a:rPr lang="de-DE" sz="1800" dirty="0" err="1"/>
+              <a:t>we</a:t>
+            </a:r>
+            <a:r>
+              <a:rPr lang="de-DE" sz="1800" dirty="0"/>
+              <a:t> </a:t>
+            </a:r>
+            <a:r>
+              <a:rPr lang="de-DE" sz="1800" dirty="0" err="1"/>
+              <a:t>used</a:t>
+            </a:r>
+            <a:endParaRPr lang="de-DE" sz="1800" dirty="0"/>
+          </a:p>
+          <a:p>
+            <a:pPr marL="881062" lvl="3" indent="-342900">
+              <a:buFont typeface="Arial" panose="020B0604020202020204" pitchFamily="34" charset="0"/>
+              <a:buChar char="•"/>
+            </a:pPr>
+            <a:r>
+              <a:rPr lang="de-DE" sz="1800" dirty="0" err="1"/>
+              <a:t>less</a:t>
+            </a:r>
+            <a:r>
+              <a:rPr lang="de-DE" sz="1800" dirty="0"/>
+              <a:t> Nuggets </a:t>
+            </a:r>
+            <a:r>
+              <a:rPr lang="de-DE" sz="1800" dirty="0" err="1"/>
+              <a:t>showed</a:t>
+            </a:r>
+            <a:r>
+              <a:rPr lang="de-DE" sz="1800" dirty="0"/>
+              <a:t> </a:t>
+            </a:r>
+            <a:r>
+              <a:rPr lang="de-DE" sz="1800" dirty="0" err="1"/>
+              <a:t>more</a:t>
+            </a:r>
+            <a:r>
+              <a:rPr lang="de-DE" sz="1800" dirty="0"/>
+              <a:t> </a:t>
+            </a:r>
+            <a:r>
+              <a:rPr lang="de-DE" sz="1800" dirty="0" err="1"/>
+              <a:t>similarity</a:t>
+            </a:r>
+            <a:endParaRPr lang="de-DE" sz="1800" dirty="0"/>
+          </a:p>
+          <a:p>
+            <a:pPr marL="881062" lvl="3" indent="-342900">
+              <a:buFont typeface="Arial" panose="020B0604020202020204" pitchFamily="34" charset="0"/>
+              <a:buChar char="•"/>
+            </a:pPr>
+            <a:r>
+              <a:rPr lang="de-DE" dirty="0" err="1"/>
+              <a:t>our</a:t>
+            </a:r>
+            <a:r>
+              <a:rPr lang="de-DE" dirty="0"/>
+              <a:t> </a:t>
+            </a:r>
+            <a:r>
+              <a:rPr lang="de-DE" dirty="0" err="1"/>
+              <a:t>algorithm</a:t>
+            </a:r>
+            <a:r>
+              <a:rPr lang="de-DE" dirty="0"/>
+              <a:t> </a:t>
+            </a:r>
+            <a:r>
+              <a:rPr lang="de-DE" dirty="0" err="1"/>
+              <a:t>is</a:t>
+            </a:r>
+            <a:r>
+              <a:rPr lang="de-DE" dirty="0"/>
+              <a:t> slow (&gt;30 min) </a:t>
+            </a:r>
+            <a:r>
+              <a:rPr lang="de-DE" dirty="0" err="1"/>
+              <a:t>with</a:t>
+            </a:r>
+            <a:r>
+              <a:rPr lang="de-DE" dirty="0"/>
+              <a:t> 300+ Nuggets</a:t>
+            </a:r>
+          </a:p>
+          <a:p>
+            <a:pPr marL="342900" indent="-342900">
+              <a:buFont typeface="Arial" panose="020B0604020202020204" pitchFamily="34" charset="0"/>
+              <a:buChar char="•"/>
+            </a:pPr>
+            <a:endParaRPr lang="de-DE" dirty="0"/>
+          </a:p>
+        </p:txBody>
+      </p:sp>
+      <p:sp>
+        <p:nvSpPr>
+          <p:cNvPr id="50" name="Pfeil: Chevron 49">
+            <a:extLst>
+              <a:ext uri="{FF2B5EF4-FFF2-40B4-BE49-F238E27FC236}">
+                <a16:creationId xmlns:a16="http://schemas.microsoft.com/office/drawing/2014/main" id="{C24D5437-0874-47EF-9527-06CA2FE7E239}"/>
+              </a:ext>
+            </a:extLst>
+          </p:cNvPr>
+          <p:cNvSpPr/>
+          <p:nvPr/>
+        </p:nvSpPr>
+        <p:spPr>
+          <a:xfrm>
+            <a:off x="251520" y="1591446"/>
+            <a:ext cx="2880000" cy="270000"/>
+          </a:xfrm>
+          <a:prstGeom prst="chevron">
+            <a:avLst/>
+          </a:prstGeom>
+          <a:solidFill>
+            <a:schemeClr val="bg1"/>
+          </a:solidFill>
+          <a:ln w="6350">
+            <a:solidFill>
+              <a:schemeClr val="bg1">
+                <a:lumMod val="65000"/>
+              </a:schemeClr>
+            </a:solidFill>
+          </a:ln>
+        </p:spPr>
+        <p:style>
+          <a:lnRef idx="2">
+            <a:schemeClr val="accent1">
+              <a:shade val="50000"/>
+            </a:schemeClr>
+          </a:lnRef>
+          <a:fillRef idx="1">
+            <a:schemeClr val="accent1"/>
+          </a:fillRef>
+          <a:effectRef idx="0">
+            <a:schemeClr val="accent1"/>
+          </a:effectRef>
+          <a:fontRef idx="minor">
+            <a:schemeClr val="lt1"/>
+          </a:fontRef>
+        </p:style>
+        <p:txBody>
+          <a:bodyPr rtlCol="0" anchor="ctr"/>
+          <a:lstStyle/>
+          <a:p>
+            <a:pPr algn="ctr"/>
+            <a:r>
+              <a:rPr lang="de-DE" sz="1400" dirty="0">
+                <a:solidFill>
+                  <a:schemeClr val="bg1">
+                    <a:lumMod val="65000"/>
+                  </a:schemeClr>
+                </a:solidFill>
+              </a:rPr>
+              <a:t>Task</a:t>
+            </a:r>
+          </a:p>
+        </p:txBody>
+      </p:sp>
+      <p:sp>
+        <p:nvSpPr>
+          <p:cNvPr id="51" name="Pfeil: Chevron 50">
+            <a:extLst>
+              <a:ext uri="{FF2B5EF4-FFF2-40B4-BE49-F238E27FC236}">
+                <a16:creationId xmlns:a16="http://schemas.microsoft.com/office/drawing/2014/main" id="{8619EAA0-4C26-4440-AD1A-63161F472AA0}"/>
+              </a:ext>
+            </a:extLst>
+          </p:cNvPr>
+          <p:cNvSpPr/>
+          <p:nvPr/>
+        </p:nvSpPr>
+        <p:spPr>
+          <a:xfrm>
+            <a:off x="3132000" y="1591446"/>
+            <a:ext cx="2880000" cy="270000"/>
+          </a:xfrm>
+          <a:prstGeom prst="chevron">
+            <a:avLst/>
+          </a:prstGeom>
+          <a:solidFill>
+            <a:srgbClr val="9C1C26"/>
+          </a:solidFill>
+          <a:ln w="6350">
+            <a:solidFill>
+              <a:schemeClr val="bg1">
+                <a:lumMod val="65000"/>
+              </a:schemeClr>
+            </a:solidFill>
+          </a:ln>
+        </p:spPr>
+        <p:style>
+          <a:lnRef idx="2">
+            <a:schemeClr val="accent1">
+              <a:shade val="50000"/>
+            </a:schemeClr>
+          </a:lnRef>
+          <a:fillRef idx="1">
+            <a:schemeClr val="accent1"/>
+          </a:fillRef>
+          <a:effectRef idx="0">
+            <a:schemeClr val="accent1"/>
+          </a:effectRef>
+          <a:fontRef idx="minor">
+            <a:schemeClr val="lt1"/>
+          </a:fontRef>
+        </p:style>
+        <p:txBody>
+          <a:bodyPr rot="0" spcFirstLastPara="0" vertOverflow="overflow" horzOverflow="overflow" vert="horz" wrap="square" lIns="91440" tIns="45720" rIns="91440" bIns="45720" numCol="1" spcCol="0" rtlCol="0" fromWordArt="0" anchor="ctr" anchorCtr="0" forceAA="0" compatLnSpc="1">
+            <a:prstTxWarp prst="textNoShape">
+              <a:avLst/>
+            </a:prstTxWarp>
+            <a:noAutofit/>
+          </a:bodyPr>
+          <a:lstStyle/>
+          <a:p>
+            <a:pPr algn="ctr"/>
+            <a:r>
+              <a:rPr lang="de-DE" sz="1400" dirty="0">
+                <a:solidFill>
+                  <a:schemeClr val="bg1"/>
+                </a:solidFill>
+              </a:rPr>
+              <a:t>Implementation</a:t>
+            </a:r>
+          </a:p>
+        </p:txBody>
+      </p:sp>
+      <p:sp>
+        <p:nvSpPr>
+          <p:cNvPr id="52" name="Pfeil: Chevron 51">
+            <a:extLst>
+              <a:ext uri="{FF2B5EF4-FFF2-40B4-BE49-F238E27FC236}">
+                <a16:creationId xmlns:a16="http://schemas.microsoft.com/office/drawing/2014/main" id="{BBA9295F-E65D-4B6A-85F8-18CD66845184}"/>
+              </a:ext>
+            </a:extLst>
+          </p:cNvPr>
+          <p:cNvSpPr/>
+          <p:nvPr/>
+        </p:nvSpPr>
+        <p:spPr>
+          <a:xfrm>
+            <a:off x="6012480" y="1595517"/>
+            <a:ext cx="2880000" cy="270000"/>
+          </a:xfrm>
+          <a:prstGeom prst="chevron">
+            <a:avLst/>
+          </a:prstGeom>
+          <a:solidFill>
+            <a:schemeClr val="bg1"/>
+          </a:solidFill>
+          <a:ln w="6350">
+            <a:solidFill>
+              <a:schemeClr val="bg1">
+                <a:lumMod val="65000"/>
+              </a:schemeClr>
+            </a:solidFill>
+          </a:ln>
+        </p:spPr>
+        <p:style>
+          <a:lnRef idx="2">
+            <a:schemeClr val="accent1">
+              <a:shade val="50000"/>
+            </a:schemeClr>
+          </a:lnRef>
+          <a:fillRef idx="1">
+            <a:schemeClr val="accent1"/>
+          </a:fillRef>
+          <a:effectRef idx="0">
+            <a:schemeClr val="accent1"/>
+          </a:effectRef>
+          <a:fontRef idx="minor">
+            <a:schemeClr val="lt1"/>
+          </a:fontRef>
+        </p:style>
+        <p:txBody>
+          <a:bodyPr rot="0" spcFirstLastPara="0" vertOverflow="overflow" horzOverflow="overflow" vert="horz" wrap="square" lIns="91440" tIns="45720" rIns="91440" bIns="45720" numCol="1" spcCol="0" rtlCol="0" fromWordArt="0" anchor="ctr" anchorCtr="0" forceAA="0" compatLnSpc="1">
+            <a:prstTxWarp prst="textNoShape">
+              <a:avLst/>
+            </a:prstTxWarp>
+            <a:noAutofit/>
+          </a:bodyPr>
+          <a:lstStyle/>
+          <a:p>
+            <a:pPr algn="ctr"/>
+            <a:r>
+              <a:rPr lang="de-DE" sz="1400" dirty="0">
+                <a:solidFill>
+                  <a:schemeClr val="bg1">
+                    <a:lumMod val="65000"/>
+                  </a:schemeClr>
+                </a:solidFill>
+              </a:rPr>
+              <a:t>Evaluation</a:t>
+            </a:r>
+          </a:p>
+        </p:txBody>
+      </p:sp>
+    </p:spTree>
+    <p:extLst>
+      <p:ext uri="{BB962C8B-B14F-4D97-AF65-F5344CB8AC3E}">
+        <p14:creationId xmlns:p14="http://schemas.microsoft.com/office/powerpoint/2010/main" val="1172763361"/>
+      </p:ext>
+    </p:extLst>
+  </p:cSld>
+  <p:clrMapOvr>
+    <a:masterClrMapping/>
+  </p:clrMapOvr>
+</p:sld>
+</file>
+
+<file path=ppt/slides/slide16.xml><?xml version="1.0" encoding="utf-8"?>
+<p:sld xmlns:a="http://schemas.openxmlformats.org/drawingml/2006/main" xmlns:r="http://schemas.openxmlformats.org/officeDocument/2006/relationships" xmlns:p="http://schemas.openxmlformats.org/presentationml/2006/main">
+  <p:cSld>
+    <p:spTree>
+      <p:nvGrpSpPr>
+        <p:cNvPr id="1" name=""/>
+        <p:cNvGrpSpPr/>
+        <p:nvPr/>
+      </p:nvGrpSpPr>
+      <p:grpSpPr>
+        <a:xfrm>
+          <a:off x="0" y="0"/>
+          <a:ext cx="0" cy="0"/>
+          <a:chOff x="0" y="0"/>
+          <a:chExt cx="0" cy="0"/>
+        </a:xfrm>
+      </p:grpSpPr>
+      <p:sp>
+        <p:nvSpPr>
+          <p:cNvPr id="2" name="Titel 1">
+            <a:extLst>
+              <a:ext uri="{FF2B5EF4-FFF2-40B4-BE49-F238E27FC236}">
+                <a16:creationId xmlns:a16="http://schemas.microsoft.com/office/drawing/2014/main" id="{594F37A0-8FD9-42A4-A80F-4C479182787E}"/>
+              </a:ext>
+            </a:extLst>
+          </p:cNvPr>
+          <p:cNvSpPr>
+            <a:spLocks noGrp="1"/>
+          </p:cNvSpPr>
+          <p:nvPr>
+            <p:ph type="title"/>
+          </p:nvPr>
+        </p:nvSpPr>
+        <p:spPr/>
+        <p:txBody>
+          <a:bodyPr/>
+          <a:lstStyle/>
+          <a:p>
+            <a:r>
               <a:rPr lang="en-US" dirty="0"/>
               <a:t>Step 3 | Creating Summaries from Hierarchies</a:t>
             </a:r>
@@ -20766,7 +21219,7 @@
 </p:sld>
 </file>
 
-<file path=ppt/slides/slide16.xml><?xml version="1.0" encoding="utf-8"?>
+<file path=ppt/slides/slide17.xml><?xml version="1.0" encoding="utf-8"?>
 <p:sld xmlns:a="http://schemas.openxmlformats.org/drawingml/2006/main" xmlns:r="http://schemas.openxmlformats.org/officeDocument/2006/relationships" xmlns:p="http://schemas.openxmlformats.org/presentationml/2006/main">
   <p:cSld>
     <p:spTree>
@@ -21140,7 +21593,7 @@
 </p:sld>
 </file>
 
-<file path=ppt/slides/slide17.xml><?xml version="1.0" encoding="utf-8"?>
+<file path=ppt/slides/slide18.xml><?xml version="1.0" encoding="utf-8"?>
 <p:sld xmlns:a="http://schemas.openxmlformats.org/drawingml/2006/main" xmlns:r="http://schemas.openxmlformats.org/officeDocument/2006/relationships" xmlns:p="http://schemas.openxmlformats.org/presentationml/2006/main">
   <p:cSld>
     <p:spTree>
@@ -21498,7 +21951,7 @@
 </p:sld>
 </file>
 
-<file path=ppt/slides/slide18.xml><?xml version="1.0" encoding="utf-8"?>
+<file path=ppt/slides/slide19.xml><?xml version="1.0" encoding="utf-8"?>
 <p:sld xmlns:a="http://schemas.openxmlformats.org/drawingml/2006/main" xmlns:r="http://schemas.openxmlformats.org/officeDocument/2006/relationships" xmlns:p="http://schemas.openxmlformats.org/presentationml/2006/main">
   <p:cSld>
     <p:spTree>
@@ -21856,7 +22309,192 @@
 </p:sld>
 </file>
 
-<file path=ppt/slides/slide19.xml><?xml version="1.0" encoding="utf-8"?>
+<file path=ppt/slides/slide2.xml><?xml version="1.0" encoding="utf-8"?>
+<p:sld xmlns:a="http://schemas.openxmlformats.org/drawingml/2006/main" xmlns:r="http://schemas.openxmlformats.org/officeDocument/2006/relationships" xmlns:p="http://schemas.openxmlformats.org/presentationml/2006/main">
+  <p:cSld>
+    <p:spTree>
+      <p:nvGrpSpPr>
+        <p:cNvPr id="1" name=""/>
+        <p:cNvGrpSpPr/>
+        <p:nvPr/>
+      </p:nvGrpSpPr>
+      <p:grpSpPr>
+        <a:xfrm>
+          <a:off x="0" y="0"/>
+          <a:ext cx="0" cy="0"/>
+          <a:chOff x="0" y="0"/>
+          <a:chExt cx="0" cy="0"/>
+        </a:xfrm>
+      </p:grpSpPr>
+      <p:sp>
+        <p:nvSpPr>
+          <p:cNvPr id="2" name="Titel 1">
+            <a:extLst>
+              <a:ext uri="{FF2B5EF4-FFF2-40B4-BE49-F238E27FC236}">
+                <a16:creationId xmlns:a16="http://schemas.microsoft.com/office/drawing/2014/main" id="{D209E4DA-0ABD-4811-9B3D-451135F8BF59}"/>
+              </a:ext>
+            </a:extLst>
+          </p:cNvPr>
+          <p:cNvSpPr>
+            <a:spLocks noGrp="1"/>
+          </p:cNvSpPr>
+          <p:nvPr>
+            <p:ph type="title"/>
+          </p:nvPr>
+        </p:nvSpPr>
+        <p:spPr/>
+        <p:txBody>
+          <a:bodyPr/>
+          <a:lstStyle/>
+          <a:p>
+            <a:r>
+              <a:rPr lang="de-DE" dirty="0"/>
+              <a:t>Content</a:t>
+            </a:r>
+          </a:p>
+        </p:txBody>
+      </p:sp>
+      <p:sp>
+        <p:nvSpPr>
+          <p:cNvPr id="5" name="Inhaltsplatzhalter 2">
+            <a:extLst>
+              <a:ext uri="{FF2B5EF4-FFF2-40B4-BE49-F238E27FC236}">
+                <a16:creationId xmlns:a16="http://schemas.microsoft.com/office/drawing/2014/main" id="{4B165914-D78E-4CAA-9A81-75634F901AFA}"/>
+              </a:ext>
+            </a:extLst>
+          </p:cNvPr>
+          <p:cNvSpPr>
+            <a:spLocks noGrp="1"/>
+          </p:cNvSpPr>
+          <p:nvPr>
+            <p:ph idx="1"/>
+          </p:nvPr>
+        </p:nvSpPr>
+        <p:spPr>
+          <a:xfrm>
+            <a:off x="360000" y="1988840"/>
+            <a:ext cx="8532480" cy="4111103"/>
+          </a:xfrm>
+        </p:spPr>
+        <p:txBody>
+          <a:bodyPr/>
+          <a:lstStyle/>
+          <a:p>
+            <a:pPr marL="342900" indent="-342900">
+              <a:buFont typeface="Arial" panose="020B0604020202020204" pitchFamily="34" charset="0"/>
+              <a:buChar char="•"/>
+            </a:pPr>
+            <a:r>
+              <a:rPr lang="de-DE" dirty="0"/>
+              <a:t>Task</a:t>
+            </a:r>
+          </a:p>
+          <a:p>
+            <a:pPr marL="342900" indent="-342900">
+              <a:buFont typeface="Arial" panose="020B0604020202020204" pitchFamily="34" charset="0"/>
+              <a:buChar char="•"/>
+            </a:pPr>
+            <a:r>
+              <a:rPr lang="de-DE" dirty="0"/>
+              <a:t>Implementation</a:t>
+            </a:r>
+          </a:p>
+          <a:p>
+            <a:pPr marL="701675" lvl="2" indent="-342900">
+              <a:buFont typeface="Arial" panose="020B0604020202020204" pitchFamily="34" charset="0"/>
+              <a:buChar char="•"/>
+            </a:pPr>
+            <a:r>
+              <a:rPr lang="de-DE" dirty="0" err="1"/>
+              <a:t>Step</a:t>
+            </a:r>
+            <a:r>
+              <a:rPr lang="de-DE" dirty="0"/>
+              <a:t> 1 | Content </a:t>
+            </a:r>
+            <a:r>
+              <a:rPr lang="de-DE" dirty="0" err="1"/>
+              <a:t>Selection</a:t>
+            </a:r>
+            <a:endParaRPr lang="de-DE" dirty="0"/>
+          </a:p>
+          <a:p>
+            <a:pPr marL="701675" lvl="2" indent="-342900">
+              <a:buFont typeface="Arial" panose="020B0604020202020204" pitchFamily="34" charset="0"/>
+              <a:buChar char="•"/>
+            </a:pPr>
+            <a:r>
+              <a:rPr lang="de-DE" dirty="0" err="1"/>
+              <a:t>Step</a:t>
+            </a:r>
+            <a:r>
+              <a:rPr lang="de-DE" dirty="0"/>
+              <a:t> 2 | </a:t>
+            </a:r>
+            <a:r>
+              <a:rPr lang="de-DE" dirty="0" err="1"/>
+              <a:t>Creating</a:t>
+            </a:r>
+            <a:r>
+              <a:rPr lang="de-DE" dirty="0"/>
+              <a:t> </a:t>
+            </a:r>
+            <a:r>
+              <a:rPr lang="de-DE" dirty="0" err="1"/>
+              <a:t>Hierarchies</a:t>
+            </a:r>
+            <a:endParaRPr lang="de-DE" dirty="0"/>
+          </a:p>
+          <a:p>
+            <a:pPr marL="701675" lvl="2" indent="-342900">
+              <a:buFont typeface="Arial" panose="020B0604020202020204" pitchFamily="34" charset="0"/>
+              <a:buChar char="•"/>
+            </a:pPr>
+            <a:r>
+              <a:rPr lang="en-US" dirty="0"/>
+              <a:t>Step 3 | Creating Summaries from Hierarchies</a:t>
+            </a:r>
+          </a:p>
+          <a:p>
+            <a:pPr marL="342900" lvl="1" indent="-342900">
+              <a:buFont typeface="Arial" panose="020B0604020202020204" pitchFamily="34" charset="0"/>
+              <a:buChar char="•"/>
+            </a:pPr>
+            <a:r>
+              <a:rPr lang="de-DE" dirty="0"/>
+              <a:t>Evaluation</a:t>
+            </a:r>
+          </a:p>
+          <a:p>
+            <a:pPr marL="701675" lvl="2" indent="-342900">
+              <a:buFont typeface="Arial" panose="020B0604020202020204" pitchFamily="34" charset="0"/>
+              <a:buChar char="•"/>
+            </a:pPr>
+            <a:endParaRPr lang="de-DE" dirty="0"/>
+          </a:p>
+          <a:p>
+            <a:pPr marL="701675" lvl="2" indent="-342900">
+              <a:buFont typeface="Arial" panose="020B0604020202020204" pitchFamily="34" charset="0"/>
+              <a:buChar char="•"/>
+            </a:pPr>
+            <a:endParaRPr lang="de-DE" dirty="0"/>
+          </a:p>
+        </p:txBody>
+      </p:sp>
+    </p:spTree>
+    <p:extLst>
+      <p:ext uri="{BB962C8B-B14F-4D97-AF65-F5344CB8AC3E}">
+        <p14:creationId xmlns:p14="http://schemas.microsoft.com/office/powerpoint/2010/main" val="931636316"/>
+      </p:ext>
+    </p:extLst>
+  </p:cSld>
+  <p:clrMapOvr>
+    <a:masterClrMapping/>
+  </p:clrMapOvr>
+</p:sld>
+</file>
+
+<file path=ppt/slides/slide20.xml><?xml version="1.0" encoding="utf-8"?>
 <p:sld xmlns:a="http://schemas.openxmlformats.org/drawingml/2006/main" xmlns:r="http://schemas.openxmlformats.org/officeDocument/2006/relationships" xmlns:p="http://schemas.openxmlformats.org/presentationml/2006/main">
   <p:cSld>
     <p:spTree>
@@ -22246,192 +22884,7 @@
 </p:sld>
 </file>
 
-<file path=ppt/slides/slide2.xml><?xml version="1.0" encoding="utf-8"?>
-<p:sld xmlns:a="http://schemas.openxmlformats.org/drawingml/2006/main" xmlns:r="http://schemas.openxmlformats.org/officeDocument/2006/relationships" xmlns:p="http://schemas.openxmlformats.org/presentationml/2006/main">
-  <p:cSld>
-    <p:spTree>
-      <p:nvGrpSpPr>
-        <p:cNvPr id="1" name=""/>
-        <p:cNvGrpSpPr/>
-        <p:nvPr/>
-      </p:nvGrpSpPr>
-      <p:grpSpPr>
-        <a:xfrm>
-          <a:off x="0" y="0"/>
-          <a:ext cx="0" cy="0"/>
-          <a:chOff x="0" y="0"/>
-          <a:chExt cx="0" cy="0"/>
-        </a:xfrm>
-      </p:grpSpPr>
-      <p:sp>
-        <p:nvSpPr>
-          <p:cNvPr id="2" name="Titel 1">
-            <a:extLst>
-              <a:ext uri="{FF2B5EF4-FFF2-40B4-BE49-F238E27FC236}">
-                <a16:creationId xmlns:a16="http://schemas.microsoft.com/office/drawing/2014/main" id="{D209E4DA-0ABD-4811-9B3D-451135F8BF59}"/>
-              </a:ext>
-            </a:extLst>
-          </p:cNvPr>
-          <p:cNvSpPr>
-            <a:spLocks noGrp="1"/>
-          </p:cNvSpPr>
-          <p:nvPr>
-            <p:ph type="title"/>
-          </p:nvPr>
-        </p:nvSpPr>
-        <p:spPr/>
-        <p:txBody>
-          <a:bodyPr/>
-          <a:lstStyle/>
-          <a:p>
-            <a:r>
-              <a:rPr lang="de-DE" dirty="0"/>
-              <a:t>Content</a:t>
-            </a:r>
-          </a:p>
-        </p:txBody>
-      </p:sp>
-      <p:sp>
-        <p:nvSpPr>
-          <p:cNvPr id="5" name="Inhaltsplatzhalter 2">
-            <a:extLst>
-              <a:ext uri="{FF2B5EF4-FFF2-40B4-BE49-F238E27FC236}">
-                <a16:creationId xmlns:a16="http://schemas.microsoft.com/office/drawing/2014/main" id="{4B165914-D78E-4CAA-9A81-75634F901AFA}"/>
-              </a:ext>
-            </a:extLst>
-          </p:cNvPr>
-          <p:cNvSpPr>
-            <a:spLocks noGrp="1"/>
-          </p:cNvSpPr>
-          <p:nvPr>
-            <p:ph idx="1"/>
-          </p:nvPr>
-        </p:nvSpPr>
-        <p:spPr>
-          <a:xfrm>
-            <a:off x="360000" y="1988840"/>
-            <a:ext cx="8532480" cy="4111103"/>
-          </a:xfrm>
-        </p:spPr>
-        <p:txBody>
-          <a:bodyPr/>
-          <a:lstStyle/>
-          <a:p>
-            <a:pPr marL="342900" indent="-342900">
-              <a:buFont typeface="Arial" panose="020B0604020202020204" pitchFamily="34" charset="0"/>
-              <a:buChar char="•"/>
-            </a:pPr>
-            <a:r>
-              <a:rPr lang="de-DE" dirty="0"/>
-              <a:t>Task</a:t>
-            </a:r>
-          </a:p>
-          <a:p>
-            <a:pPr marL="342900" indent="-342900">
-              <a:buFont typeface="Arial" panose="020B0604020202020204" pitchFamily="34" charset="0"/>
-              <a:buChar char="•"/>
-            </a:pPr>
-            <a:r>
-              <a:rPr lang="de-DE" dirty="0"/>
-              <a:t>Implementation</a:t>
-            </a:r>
-          </a:p>
-          <a:p>
-            <a:pPr marL="701675" lvl="2" indent="-342900">
-              <a:buFont typeface="Arial" panose="020B0604020202020204" pitchFamily="34" charset="0"/>
-              <a:buChar char="•"/>
-            </a:pPr>
-            <a:r>
-              <a:rPr lang="de-DE" dirty="0" err="1"/>
-              <a:t>Step</a:t>
-            </a:r>
-            <a:r>
-              <a:rPr lang="de-DE" dirty="0"/>
-              <a:t> 1 | Content </a:t>
-            </a:r>
-            <a:r>
-              <a:rPr lang="de-DE" dirty="0" err="1"/>
-              <a:t>Selection</a:t>
-            </a:r>
-            <a:endParaRPr lang="de-DE" dirty="0"/>
-          </a:p>
-          <a:p>
-            <a:pPr marL="701675" lvl="2" indent="-342900">
-              <a:buFont typeface="Arial" panose="020B0604020202020204" pitchFamily="34" charset="0"/>
-              <a:buChar char="•"/>
-            </a:pPr>
-            <a:r>
-              <a:rPr lang="de-DE" dirty="0" err="1"/>
-              <a:t>Step</a:t>
-            </a:r>
-            <a:r>
-              <a:rPr lang="de-DE" dirty="0"/>
-              <a:t> 2 | </a:t>
-            </a:r>
-            <a:r>
-              <a:rPr lang="de-DE" dirty="0" err="1"/>
-              <a:t>Creating</a:t>
-            </a:r>
-            <a:r>
-              <a:rPr lang="de-DE" dirty="0"/>
-              <a:t> </a:t>
-            </a:r>
-            <a:r>
-              <a:rPr lang="de-DE" dirty="0" err="1"/>
-              <a:t>Hierarchies</a:t>
-            </a:r>
-            <a:endParaRPr lang="de-DE" dirty="0"/>
-          </a:p>
-          <a:p>
-            <a:pPr marL="701675" lvl="2" indent="-342900">
-              <a:buFont typeface="Arial" panose="020B0604020202020204" pitchFamily="34" charset="0"/>
-              <a:buChar char="•"/>
-            </a:pPr>
-            <a:r>
-              <a:rPr lang="en-US" dirty="0"/>
-              <a:t>Step 3 | Creating Summaries from Hierarchies</a:t>
-            </a:r>
-          </a:p>
-          <a:p>
-            <a:pPr marL="342900" lvl="1" indent="-342900">
-              <a:buFont typeface="Arial" panose="020B0604020202020204" pitchFamily="34" charset="0"/>
-              <a:buChar char="•"/>
-            </a:pPr>
-            <a:r>
-              <a:rPr lang="de-DE" dirty="0"/>
-              <a:t>Evaluation</a:t>
-            </a:r>
-          </a:p>
-          <a:p>
-            <a:pPr marL="701675" lvl="2" indent="-342900">
-              <a:buFont typeface="Arial" panose="020B0604020202020204" pitchFamily="34" charset="0"/>
-              <a:buChar char="•"/>
-            </a:pPr>
-            <a:endParaRPr lang="de-DE" dirty="0"/>
-          </a:p>
-          <a:p>
-            <a:pPr marL="701675" lvl="2" indent="-342900">
-              <a:buFont typeface="Arial" panose="020B0604020202020204" pitchFamily="34" charset="0"/>
-              <a:buChar char="•"/>
-            </a:pPr>
-            <a:endParaRPr lang="de-DE" dirty="0"/>
-          </a:p>
-        </p:txBody>
-      </p:sp>
-    </p:spTree>
-    <p:extLst>
-      <p:ext uri="{BB962C8B-B14F-4D97-AF65-F5344CB8AC3E}">
-        <p14:creationId xmlns:p14="http://schemas.microsoft.com/office/powerpoint/2010/main" val="931636316"/>
-      </p:ext>
-    </p:extLst>
-  </p:cSld>
-  <p:clrMapOvr>
-    <a:masterClrMapping/>
-  </p:clrMapOvr>
-</p:sld>
-</file>
-
-<file path=ppt/slides/slide20.xml><?xml version="1.0" encoding="utf-8"?>
+<file path=ppt/slides/slide21.xml><?xml version="1.0" encoding="utf-8"?>
 <p:sld xmlns:a="http://schemas.openxmlformats.org/drawingml/2006/main" xmlns:r="http://schemas.openxmlformats.org/officeDocument/2006/relationships" xmlns:p="http://schemas.openxmlformats.org/presentationml/2006/main">
   <p:cSld>
     <p:spTree>
@@ -22935,7 +23388,7 @@
 </p:sld>
 </file>
 
-<file path=ppt/slides/slide21.xml><?xml version="1.0" encoding="utf-8"?>
+<file path=ppt/slides/slide22.xml><?xml version="1.0" encoding="utf-8"?>
 <p:sld xmlns:a="http://schemas.openxmlformats.org/drawingml/2006/main" xmlns:r="http://schemas.openxmlformats.org/officeDocument/2006/relationships" xmlns:p="http://schemas.openxmlformats.org/presentationml/2006/main">
   <p:cSld>
     <p:spTree>
@@ -23544,7 +23997,7 @@
 </p:sld>
 </file>
 
-<file path=ppt/slides/slide22.xml><?xml version="1.0" encoding="utf-8"?>
+<file path=ppt/slides/slide23.xml><?xml version="1.0" encoding="utf-8"?>
 <p:sld xmlns:a="http://schemas.openxmlformats.org/drawingml/2006/main" xmlns:r="http://schemas.openxmlformats.org/officeDocument/2006/relationships" xmlns:p="http://schemas.openxmlformats.org/presentationml/2006/main">
   <p:cSld>
     <p:spTree>
@@ -24181,7 +24634,7 @@
 </p:sld>
 </file>
 
-<file path=ppt/slides/slide23.xml><?xml version="1.0" encoding="utf-8"?>
+<file path=ppt/slides/slide24.xml><?xml version="1.0" encoding="utf-8"?>
 <p:sld xmlns:a="http://schemas.openxmlformats.org/drawingml/2006/main" xmlns:r="http://schemas.openxmlformats.org/officeDocument/2006/relationships" xmlns:p="http://schemas.openxmlformats.org/presentationml/2006/main">
   <p:cSld>
     <p:spTree>
@@ -24837,7 +25290,7 @@
 </p:sld>
 </file>
 
-<file path=ppt/slides/slide24.xml><?xml version="1.0" encoding="utf-8"?>
+<file path=ppt/slides/slide25.xml><?xml version="1.0" encoding="utf-8"?>
 <p:sld xmlns:a="http://schemas.openxmlformats.org/drawingml/2006/main" xmlns:r="http://schemas.openxmlformats.org/officeDocument/2006/relationships" xmlns:p="http://schemas.openxmlformats.org/presentationml/2006/main">
   <p:cSld>
     <p:spTree>
@@ -25231,7 +25684,7 @@
 </p:sld>
 </file>
 
-<file path=ppt/slides/slide25.xml><?xml version="1.0" encoding="utf-8"?>
+<file path=ppt/slides/slide26.xml><?xml version="1.0" encoding="utf-8"?>
 <p:sld xmlns:a="http://schemas.openxmlformats.org/drawingml/2006/main" xmlns:r="http://schemas.openxmlformats.org/officeDocument/2006/relationships" xmlns:p="http://schemas.openxmlformats.org/presentationml/2006/main">
   <p:cSld>
     <p:spTree>
@@ -25917,7 +26370,7 @@
 </p:sld>
 </file>
 
-<file path=ppt/slides/slide26.xml><?xml version="1.0" encoding="utf-8"?>
+<file path=ppt/slides/slide27.xml><?xml version="1.0" encoding="utf-8"?>
 <p:sld xmlns:a="http://schemas.openxmlformats.org/drawingml/2006/main" xmlns:r="http://schemas.openxmlformats.org/officeDocument/2006/relationships" xmlns:p="http://schemas.openxmlformats.org/presentationml/2006/main">
   <p:cSld>
     <p:spTree>
@@ -26547,7 +27000,7 @@
 </p:sld>
 </file>
 
-<file path=ppt/slides/slide27.xml><?xml version="1.0" encoding="utf-8"?>
+<file path=ppt/slides/slide28.xml><?xml version="1.0" encoding="utf-8"?>
 <p:sld xmlns:a="http://schemas.openxmlformats.org/drawingml/2006/main" xmlns:r="http://schemas.openxmlformats.org/officeDocument/2006/relationships" xmlns:p="http://schemas.openxmlformats.org/presentationml/2006/main">
   <p:cSld>
     <p:spTree>
@@ -26858,7 +27311,7 @@
 </p:sld>
 </file>
 
-<file path=ppt/slides/slide28.xml><?xml version="1.0" encoding="utf-8"?>
+<file path=ppt/slides/slide29.xml><?xml version="1.0" encoding="utf-8"?>
 <p:sld xmlns:a="http://schemas.openxmlformats.org/drawingml/2006/main" xmlns:r="http://schemas.openxmlformats.org/officeDocument/2006/relationships" xmlns:p="http://schemas.openxmlformats.org/presentationml/2006/main">
   <p:cSld>
     <p:spTree>
@@ -27166,7 +27619,978 @@
 </p:sld>
 </file>
 
-<file path=ppt/slides/slide29.xml><?xml version="1.0" encoding="utf-8"?>
+<file path=ppt/slides/slide3.xml><?xml version="1.0" encoding="utf-8"?>
+<p:sld xmlns:a="http://schemas.openxmlformats.org/drawingml/2006/main" xmlns:r="http://schemas.openxmlformats.org/officeDocument/2006/relationships" xmlns:p="http://schemas.openxmlformats.org/presentationml/2006/main">
+  <p:cSld>
+    <p:spTree>
+      <p:nvGrpSpPr>
+        <p:cNvPr id="1" name=""/>
+        <p:cNvGrpSpPr/>
+        <p:nvPr/>
+      </p:nvGrpSpPr>
+      <p:grpSpPr>
+        <a:xfrm>
+          <a:off x="0" y="0"/>
+          <a:ext cx="0" cy="0"/>
+          <a:chOff x="0" y="0"/>
+          <a:chExt cx="0" cy="0"/>
+        </a:xfrm>
+      </p:grpSpPr>
+      <p:sp>
+        <p:nvSpPr>
+          <p:cNvPr id="2" name="Titel 1">
+            <a:extLst>
+              <a:ext uri="{FF2B5EF4-FFF2-40B4-BE49-F238E27FC236}">
+                <a16:creationId xmlns:a16="http://schemas.microsoft.com/office/drawing/2014/main" id="{594F37A0-8FD9-42A4-A80F-4C479182787E}"/>
+              </a:ext>
+            </a:extLst>
+          </p:cNvPr>
+          <p:cNvSpPr>
+            <a:spLocks noGrp="1"/>
+          </p:cNvSpPr>
+          <p:nvPr>
+            <p:ph type="title"/>
+          </p:nvPr>
+        </p:nvSpPr>
+        <p:spPr/>
+        <p:txBody>
+          <a:bodyPr/>
+          <a:lstStyle/>
+          <a:p>
+            <a:r>
+              <a:rPr lang="en-US" dirty="0"/>
+              <a:t>Hierarchical Approach</a:t>
+            </a:r>
+          </a:p>
+        </p:txBody>
+      </p:sp>
+      <p:sp>
+        <p:nvSpPr>
+          <p:cNvPr id="9" name="Pfeil: Chevron 8">
+            <a:extLst>
+              <a:ext uri="{FF2B5EF4-FFF2-40B4-BE49-F238E27FC236}">
+                <a16:creationId xmlns:a16="http://schemas.microsoft.com/office/drawing/2014/main" id="{4ABDD5B2-81D0-4683-8C70-F10306827399}"/>
+              </a:ext>
+            </a:extLst>
+          </p:cNvPr>
+          <p:cNvSpPr/>
+          <p:nvPr/>
+        </p:nvSpPr>
+        <p:spPr>
+          <a:xfrm>
+            <a:off x="251520" y="1591446"/>
+            <a:ext cx="2880000" cy="270000"/>
+          </a:xfrm>
+          <a:prstGeom prst="chevron">
+            <a:avLst/>
+          </a:prstGeom>
+          <a:solidFill>
+            <a:srgbClr val="9C1C26"/>
+          </a:solidFill>
+          <a:ln w="6350">
+            <a:solidFill>
+              <a:schemeClr val="bg1"/>
+            </a:solidFill>
+          </a:ln>
+        </p:spPr>
+        <p:style>
+          <a:lnRef idx="2">
+            <a:schemeClr val="accent1">
+              <a:shade val="50000"/>
+            </a:schemeClr>
+          </a:lnRef>
+          <a:fillRef idx="1">
+            <a:schemeClr val="accent1"/>
+          </a:fillRef>
+          <a:effectRef idx="0">
+            <a:schemeClr val="accent1"/>
+          </a:effectRef>
+          <a:fontRef idx="minor">
+            <a:schemeClr val="lt1"/>
+          </a:fontRef>
+        </p:style>
+        <p:txBody>
+          <a:bodyPr rtlCol="0" anchor="ctr"/>
+          <a:lstStyle/>
+          <a:p>
+            <a:pPr algn="ctr"/>
+            <a:r>
+              <a:rPr lang="de-DE" sz="1400" dirty="0">
+                <a:solidFill>
+                  <a:schemeClr val="bg1"/>
+                </a:solidFill>
+              </a:rPr>
+              <a:t>Task</a:t>
+            </a:r>
+          </a:p>
+        </p:txBody>
+      </p:sp>
+      <p:sp>
+        <p:nvSpPr>
+          <p:cNvPr id="10" name="Pfeil: Chevron 9">
+            <a:extLst>
+              <a:ext uri="{FF2B5EF4-FFF2-40B4-BE49-F238E27FC236}">
+                <a16:creationId xmlns:a16="http://schemas.microsoft.com/office/drawing/2014/main" id="{01428E79-A6AB-48F5-93FA-47B9DB32BAE3}"/>
+              </a:ext>
+            </a:extLst>
+          </p:cNvPr>
+          <p:cNvSpPr/>
+          <p:nvPr/>
+        </p:nvSpPr>
+        <p:spPr>
+          <a:xfrm>
+            <a:off x="3132000" y="1591446"/>
+            <a:ext cx="2880000" cy="270000"/>
+          </a:xfrm>
+          <a:prstGeom prst="chevron">
+            <a:avLst/>
+          </a:prstGeom>
+          <a:solidFill>
+            <a:schemeClr val="bg1"/>
+          </a:solidFill>
+          <a:ln w="6350">
+            <a:solidFill>
+              <a:schemeClr val="bg1">
+                <a:lumMod val="65000"/>
+              </a:schemeClr>
+            </a:solidFill>
+          </a:ln>
+        </p:spPr>
+        <p:style>
+          <a:lnRef idx="2">
+            <a:schemeClr val="accent1">
+              <a:shade val="50000"/>
+            </a:schemeClr>
+          </a:lnRef>
+          <a:fillRef idx="1">
+            <a:schemeClr val="accent1"/>
+          </a:fillRef>
+          <a:effectRef idx="0">
+            <a:schemeClr val="accent1"/>
+          </a:effectRef>
+          <a:fontRef idx="minor">
+            <a:schemeClr val="lt1"/>
+          </a:fontRef>
+        </p:style>
+        <p:txBody>
+          <a:bodyPr rot="0" spcFirstLastPara="0" vertOverflow="overflow" horzOverflow="overflow" vert="horz" wrap="square" lIns="91440" tIns="45720" rIns="91440" bIns="45720" numCol="1" spcCol="0" rtlCol="0" fromWordArt="0" anchor="ctr" anchorCtr="0" forceAA="0" compatLnSpc="1">
+            <a:prstTxWarp prst="textNoShape">
+              <a:avLst/>
+            </a:prstTxWarp>
+            <a:noAutofit/>
+          </a:bodyPr>
+          <a:lstStyle/>
+          <a:p>
+            <a:pPr algn="ctr"/>
+            <a:r>
+              <a:rPr lang="de-DE" sz="1400" dirty="0">
+                <a:solidFill>
+                  <a:schemeClr val="bg1">
+                    <a:lumMod val="65000"/>
+                  </a:schemeClr>
+                </a:solidFill>
+              </a:rPr>
+              <a:t>Implementation</a:t>
+            </a:r>
+          </a:p>
+        </p:txBody>
+      </p:sp>
+      <p:sp>
+        <p:nvSpPr>
+          <p:cNvPr id="12" name="Pfeil: Chevron 11">
+            <a:extLst>
+              <a:ext uri="{FF2B5EF4-FFF2-40B4-BE49-F238E27FC236}">
+                <a16:creationId xmlns:a16="http://schemas.microsoft.com/office/drawing/2014/main" id="{D8669502-BFFC-4BB2-9C48-8551944B57FA}"/>
+              </a:ext>
+            </a:extLst>
+          </p:cNvPr>
+          <p:cNvSpPr/>
+          <p:nvPr/>
+        </p:nvSpPr>
+        <p:spPr>
+          <a:xfrm>
+            <a:off x="6012480" y="1595517"/>
+            <a:ext cx="2880000" cy="270000"/>
+          </a:xfrm>
+          <a:prstGeom prst="chevron">
+            <a:avLst/>
+          </a:prstGeom>
+          <a:solidFill>
+            <a:schemeClr val="bg1"/>
+          </a:solidFill>
+          <a:ln w="6350">
+            <a:solidFill>
+              <a:schemeClr val="bg1">
+                <a:lumMod val="65000"/>
+              </a:schemeClr>
+            </a:solidFill>
+          </a:ln>
+        </p:spPr>
+        <p:style>
+          <a:lnRef idx="2">
+            <a:schemeClr val="accent1">
+              <a:shade val="50000"/>
+            </a:schemeClr>
+          </a:lnRef>
+          <a:fillRef idx="1">
+            <a:schemeClr val="accent1"/>
+          </a:fillRef>
+          <a:effectRef idx="0">
+            <a:schemeClr val="accent1"/>
+          </a:effectRef>
+          <a:fontRef idx="minor">
+            <a:schemeClr val="lt1"/>
+          </a:fontRef>
+        </p:style>
+        <p:txBody>
+          <a:bodyPr rot="0" spcFirstLastPara="0" vertOverflow="overflow" horzOverflow="overflow" vert="horz" wrap="square" lIns="91440" tIns="45720" rIns="91440" bIns="45720" numCol="1" spcCol="0" rtlCol="0" fromWordArt="0" anchor="ctr" anchorCtr="0" forceAA="0" compatLnSpc="1">
+            <a:prstTxWarp prst="textNoShape">
+              <a:avLst/>
+            </a:prstTxWarp>
+            <a:noAutofit/>
+          </a:bodyPr>
+          <a:lstStyle/>
+          <a:p>
+            <a:pPr algn="ctr"/>
+            <a:r>
+              <a:rPr lang="de-DE" sz="1400" dirty="0">
+                <a:solidFill>
+                  <a:schemeClr val="bg1">
+                    <a:lumMod val="65000"/>
+                  </a:schemeClr>
+                </a:solidFill>
+              </a:rPr>
+              <a:t>Evaluation</a:t>
+            </a:r>
+          </a:p>
+        </p:txBody>
+      </p:sp>
+      <p:pic>
+        <p:nvPicPr>
+          <p:cNvPr id="13" name="Inhaltsplatzhalter 10" descr="AutoTS_Dataset.pdf - Adobe Acrobat Reader DC">
+            <a:extLst>
+              <a:ext uri="{FF2B5EF4-FFF2-40B4-BE49-F238E27FC236}">
+                <a16:creationId xmlns:a16="http://schemas.microsoft.com/office/drawing/2014/main" id="{BC869130-A99A-4290-B8B2-F74C5B6BC174}"/>
+              </a:ext>
+            </a:extLst>
+          </p:cNvPr>
+          <p:cNvPicPr>
+            <a:picLocks noChangeAspect="1"/>
+          </p:cNvPicPr>
+          <p:nvPr/>
+        </p:nvPicPr>
+        <p:blipFill rotWithShape="1">
+          <a:blip r:embed="rId2" cstate="print">
+            <a:extLst>
+              <a:ext uri="{28A0092B-C50C-407E-A947-70E740481C1C}">
+                <a14:useLocalDpi xmlns:a14="http://schemas.microsoft.com/office/drawing/2010/main" val="0"/>
+              </a:ext>
+            </a:extLst>
+          </a:blip>
+          <a:srcRect l="53141" t="33355" r="33992" b="44386"/>
+          <a:stretch/>
+        </p:blipFill>
+        <p:spPr bwMode="auto">
+          <a:xfrm>
+            <a:off x="6784812" y="2087717"/>
+            <a:ext cx="1335337" cy="1260000"/>
+          </a:xfrm>
+          <a:prstGeom prst="rect">
+            <a:avLst/>
+          </a:prstGeom>
+          <a:noFill/>
+          <a:ln w="9525">
+            <a:noFill/>
+            <a:miter lim="800000"/>
+            <a:headEnd/>
+            <a:tailEnd/>
+          </a:ln>
+          <a:effectLst/>
+        </p:spPr>
+      </p:pic>
+      <p:pic>
+        <p:nvPicPr>
+          <p:cNvPr id="14" name="Inhaltsplatzhalter 10" descr="AutoTS_Dataset.pdf - Adobe Acrobat Reader DC">
+            <a:extLst>
+              <a:ext uri="{FF2B5EF4-FFF2-40B4-BE49-F238E27FC236}">
+                <a16:creationId xmlns:a16="http://schemas.microsoft.com/office/drawing/2014/main" id="{85C4F723-E7F3-435D-ACF5-55BC30F25798}"/>
+              </a:ext>
+            </a:extLst>
+          </p:cNvPr>
+          <p:cNvPicPr>
+            <a:picLocks noChangeAspect="1"/>
+          </p:cNvPicPr>
+          <p:nvPr/>
+        </p:nvPicPr>
+        <p:blipFill rotWithShape="1">
+          <a:blip r:embed="rId2" cstate="print">
+            <a:extLst>
+              <a:ext uri="{28A0092B-C50C-407E-A947-70E740481C1C}">
+                <a14:useLocalDpi xmlns:a14="http://schemas.microsoft.com/office/drawing/2010/main" val="0"/>
+              </a:ext>
+            </a:extLst>
+          </a:blip>
+          <a:srcRect l="53879" t="72919" r="32083" b="6684"/>
+          <a:stretch/>
+        </p:blipFill>
+        <p:spPr bwMode="auto">
+          <a:xfrm>
+            <a:off x="6786480" y="4869160"/>
+            <a:ext cx="1332000" cy="1055671"/>
+          </a:xfrm>
+          <a:prstGeom prst="rect">
+            <a:avLst/>
+          </a:prstGeom>
+          <a:noFill/>
+          <a:ln w="9525">
+            <a:noFill/>
+            <a:miter lim="800000"/>
+            <a:headEnd/>
+            <a:tailEnd/>
+          </a:ln>
+          <a:effectLst/>
+        </p:spPr>
+      </p:pic>
+      <p:sp>
+        <p:nvSpPr>
+          <p:cNvPr id="16" name="Flussdiagramm: Mehrere Dokumente 15">
+            <a:extLst>
+              <a:ext uri="{FF2B5EF4-FFF2-40B4-BE49-F238E27FC236}">
+                <a16:creationId xmlns:a16="http://schemas.microsoft.com/office/drawing/2014/main" id="{4C6F3DF0-E4E1-43DC-89D1-3B442EF0D62D}"/>
+              </a:ext>
+            </a:extLst>
+          </p:cNvPr>
+          <p:cNvSpPr/>
+          <p:nvPr/>
+        </p:nvSpPr>
+        <p:spPr>
+          <a:xfrm>
+            <a:off x="1161168" y="5165879"/>
+            <a:ext cx="1060704" cy="758952"/>
+          </a:xfrm>
+          <a:prstGeom prst="flowChartMultidocument">
+            <a:avLst/>
+          </a:prstGeom>
+          <a:solidFill>
+            <a:schemeClr val="bg1"/>
+          </a:solidFill>
+          <a:ln>
+            <a:solidFill>
+              <a:schemeClr val="tx1"/>
+            </a:solidFill>
+          </a:ln>
+        </p:spPr>
+        <p:style>
+          <a:lnRef idx="2">
+            <a:schemeClr val="accent1">
+              <a:shade val="50000"/>
+            </a:schemeClr>
+          </a:lnRef>
+          <a:fillRef idx="1">
+            <a:schemeClr val="accent1"/>
+          </a:fillRef>
+          <a:effectRef idx="0">
+            <a:schemeClr val="accent1"/>
+          </a:effectRef>
+          <a:fontRef idx="minor">
+            <a:schemeClr val="lt1"/>
+          </a:fontRef>
+        </p:style>
+        <p:txBody>
+          <a:bodyPr rtlCol="0" anchor="ctr"/>
+          <a:lstStyle/>
+          <a:p>
+            <a:pPr algn="ctr"/>
+            <a:endParaRPr lang="de-DE" dirty="0"/>
+          </a:p>
+        </p:txBody>
+      </p:sp>
+      <p:grpSp>
+        <p:nvGrpSpPr>
+          <p:cNvPr id="25" name="Gruppieren 24">
+            <a:extLst>
+              <a:ext uri="{FF2B5EF4-FFF2-40B4-BE49-F238E27FC236}">
+                <a16:creationId xmlns:a16="http://schemas.microsoft.com/office/drawing/2014/main" id="{9C68256D-C7BB-4D25-9AF6-349D27B63592}"/>
+              </a:ext>
+            </a:extLst>
+          </p:cNvPr>
+          <p:cNvGrpSpPr/>
+          <p:nvPr/>
+        </p:nvGrpSpPr>
+        <p:grpSpPr>
+          <a:xfrm>
+            <a:off x="798194" y="2218564"/>
+            <a:ext cx="1786652" cy="1138428"/>
+            <a:chOff x="204324" y="2274004"/>
+            <a:chExt cx="1786652" cy="1138428"/>
+          </a:xfrm>
+          <a:solidFill>
+            <a:schemeClr val="bg1"/>
+          </a:solidFill>
+        </p:grpSpPr>
+        <p:sp>
+          <p:nvSpPr>
+            <p:cNvPr id="15" name="Flussdiagramm: Mehrere Dokumente 14">
+              <a:extLst>
+                <a:ext uri="{FF2B5EF4-FFF2-40B4-BE49-F238E27FC236}">
+                  <a16:creationId xmlns:a16="http://schemas.microsoft.com/office/drawing/2014/main" id="{73E50CE8-4AFC-4953-B41A-79D437A4704D}"/>
+                </a:ext>
+              </a:extLst>
+            </p:cNvPr>
+            <p:cNvSpPr/>
+            <p:nvPr/>
+          </p:nvSpPr>
+          <p:spPr>
+            <a:xfrm>
+              <a:off x="683568" y="2274004"/>
+              <a:ext cx="1060704" cy="758952"/>
+            </a:xfrm>
+            <a:prstGeom prst="flowChartMultidocument">
+              <a:avLst/>
+            </a:prstGeom>
+            <a:grpFill/>
+            <a:ln>
+              <a:solidFill>
+                <a:schemeClr val="tx1"/>
+              </a:solidFill>
+            </a:ln>
+          </p:spPr>
+          <p:style>
+            <a:lnRef idx="2">
+              <a:schemeClr val="accent1">
+                <a:shade val="50000"/>
+              </a:schemeClr>
+            </a:lnRef>
+            <a:fillRef idx="1">
+              <a:schemeClr val="accent1"/>
+            </a:fillRef>
+            <a:effectRef idx="0">
+              <a:schemeClr val="accent1"/>
+            </a:effectRef>
+            <a:fontRef idx="minor">
+              <a:schemeClr val="lt1"/>
+            </a:fontRef>
+          </p:style>
+          <p:txBody>
+            <a:bodyPr rtlCol="0" anchor="ctr"/>
+            <a:lstStyle/>
+            <a:p>
+              <a:pPr algn="ctr"/>
+              <a:endParaRPr lang="de-DE"/>
+            </a:p>
+          </p:txBody>
+        </p:sp>
+        <p:sp>
+          <p:nvSpPr>
+            <p:cNvPr id="18" name="Flussdiagramm: Mehrere Dokumente 17">
+              <a:extLst>
+                <a:ext uri="{FF2B5EF4-FFF2-40B4-BE49-F238E27FC236}">
+                  <a16:creationId xmlns:a16="http://schemas.microsoft.com/office/drawing/2014/main" id="{47111D04-60DE-4445-9ACD-E9E005946C80}"/>
+                </a:ext>
+              </a:extLst>
+            </p:cNvPr>
+            <p:cNvSpPr/>
+            <p:nvPr/>
+          </p:nvSpPr>
+          <p:spPr>
+            <a:xfrm>
+              <a:off x="930272" y="2653480"/>
+              <a:ext cx="1060704" cy="758952"/>
+            </a:xfrm>
+            <a:prstGeom prst="flowChartMultidocument">
+              <a:avLst/>
+            </a:prstGeom>
+            <a:grpFill/>
+            <a:ln>
+              <a:solidFill>
+                <a:schemeClr val="tx1"/>
+              </a:solidFill>
+            </a:ln>
+          </p:spPr>
+          <p:style>
+            <a:lnRef idx="2">
+              <a:schemeClr val="accent1">
+                <a:shade val="50000"/>
+              </a:schemeClr>
+            </a:lnRef>
+            <a:fillRef idx="1">
+              <a:schemeClr val="accent1"/>
+            </a:fillRef>
+            <a:effectRef idx="0">
+              <a:schemeClr val="accent1"/>
+            </a:effectRef>
+            <a:fontRef idx="minor">
+              <a:schemeClr val="lt1"/>
+            </a:fontRef>
+          </p:style>
+          <p:txBody>
+            <a:bodyPr rtlCol="0" anchor="ctr"/>
+            <a:lstStyle/>
+            <a:p>
+              <a:pPr algn="ctr"/>
+              <a:endParaRPr lang="de-DE" dirty="0"/>
+            </a:p>
+          </p:txBody>
+        </p:sp>
+        <p:sp>
+          <p:nvSpPr>
+            <p:cNvPr id="19" name="Flussdiagramm: Mehrere Dokumente 18">
+              <a:extLst>
+                <a:ext uri="{FF2B5EF4-FFF2-40B4-BE49-F238E27FC236}">
+                  <a16:creationId xmlns:a16="http://schemas.microsoft.com/office/drawing/2014/main" id="{18E9A52C-FCFF-4CB5-A811-E388F2E9E197}"/>
+                </a:ext>
+              </a:extLst>
+            </p:cNvPr>
+            <p:cNvSpPr/>
+            <p:nvPr/>
+          </p:nvSpPr>
+          <p:spPr>
+            <a:xfrm>
+              <a:off x="204324" y="2490513"/>
+              <a:ext cx="1060704" cy="758952"/>
+            </a:xfrm>
+            <a:prstGeom prst="flowChartMultidocument">
+              <a:avLst/>
+            </a:prstGeom>
+            <a:grpFill/>
+            <a:ln>
+              <a:solidFill>
+                <a:schemeClr val="tx1"/>
+              </a:solidFill>
+            </a:ln>
+          </p:spPr>
+          <p:style>
+            <a:lnRef idx="2">
+              <a:schemeClr val="accent1">
+                <a:shade val="50000"/>
+              </a:schemeClr>
+            </a:lnRef>
+            <a:fillRef idx="1">
+              <a:schemeClr val="accent1"/>
+            </a:fillRef>
+            <a:effectRef idx="0">
+              <a:schemeClr val="accent1"/>
+            </a:effectRef>
+            <a:fontRef idx="minor">
+              <a:schemeClr val="lt1"/>
+            </a:fontRef>
+          </p:style>
+          <p:txBody>
+            <a:bodyPr rtlCol="0" anchor="ctr"/>
+            <a:lstStyle/>
+            <a:p>
+              <a:pPr algn="ctr"/>
+              <a:endParaRPr lang="de-DE" dirty="0"/>
+            </a:p>
+          </p:txBody>
+        </p:sp>
+      </p:grpSp>
+      <p:sp>
+        <p:nvSpPr>
+          <p:cNvPr id="20" name="Pfeil: nach rechts 19">
+            <a:extLst>
+              <a:ext uri="{FF2B5EF4-FFF2-40B4-BE49-F238E27FC236}">
+                <a16:creationId xmlns:a16="http://schemas.microsoft.com/office/drawing/2014/main" id="{51C1AAB2-8089-4D2F-836D-5CB47421666C}"/>
+              </a:ext>
+            </a:extLst>
+          </p:cNvPr>
+          <p:cNvSpPr/>
+          <p:nvPr/>
+        </p:nvSpPr>
+        <p:spPr>
+          <a:xfrm>
+            <a:off x="3132480" y="2514570"/>
+            <a:ext cx="2880000" cy="360000"/>
+          </a:xfrm>
+          <a:prstGeom prst="rightArrow">
+            <a:avLst/>
+          </a:prstGeom>
+          <a:solidFill>
+            <a:schemeClr val="bg1"/>
+          </a:solidFill>
+          <a:ln>
+            <a:solidFill>
+              <a:srgbClr val="9C1C26"/>
+            </a:solidFill>
+          </a:ln>
+        </p:spPr>
+        <p:style>
+          <a:lnRef idx="2">
+            <a:schemeClr val="accent1">
+              <a:shade val="50000"/>
+            </a:schemeClr>
+          </a:lnRef>
+          <a:fillRef idx="1">
+            <a:schemeClr val="accent1"/>
+          </a:fillRef>
+          <a:effectRef idx="0">
+            <a:schemeClr val="accent1"/>
+          </a:effectRef>
+          <a:fontRef idx="minor">
+            <a:schemeClr val="lt1"/>
+          </a:fontRef>
+        </p:style>
+        <p:txBody>
+          <a:bodyPr rtlCol="0" anchor="ctr"/>
+          <a:lstStyle/>
+          <a:p>
+            <a:pPr algn="ctr"/>
+            <a:endParaRPr lang="de-DE" dirty="0"/>
+          </a:p>
+        </p:txBody>
+      </p:sp>
+      <p:sp>
+        <p:nvSpPr>
+          <p:cNvPr id="21" name="Pfeil: nach rechts 20">
+            <a:extLst>
+              <a:ext uri="{FF2B5EF4-FFF2-40B4-BE49-F238E27FC236}">
+                <a16:creationId xmlns:a16="http://schemas.microsoft.com/office/drawing/2014/main" id="{5D9BFF35-70C0-47E5-AA2A-3CDCB5D5F43E}"/>
+              </a:ext>
+            </a:extLst>
+          </p:cNvPr>
+          <p:cNvSpPr/>
+          <p:nvPr/>
+        </p:nvSpPr>
+        <p:spPr>
+          <a:xfrm flipH="1">
+            <a:off x="3132480" y="5331935"/>
+            <a:ext cx="2880000" cy="360000"/>
+          </a:xfrm>
+          <a:prstGeom prst="rightArrow">
+            <a:avLst/>
+          </a:prstGeom>
+          <a:solidFill>
+            <a:schemeClr val="bg1"/>
+          </a:solidFill>
+          <a:ln>
+            <a:solidFill>
+              <a:srgbClr val="9C1C26"/>
+            </a:solidFill>
+          </a:ln>
+        </p:spPr>
+        <p:style>
+          <a:lnRef idx="2">
+            <a:schemeClr val="accent1">
+              <a:shade val="50000"/>
+            </a:schemeClr>
+          </a:lnRef>
+          <a:fillRef idx="1">
+            <a:schemeClr val="accent1"/>
+          </a:fillRef>
+          <a:effectRef idx="0">
+            <a:schemeClr val="accent1"/>
+          </a:effectRef>
+          <a:fontRef idx="minor">
+            <a:schemeClr val="lt1"/>
+          </a:fontRef>
+        </p:style>
+        <p:txBody>
+          <a:bodyPr rot="0" spcFirstLastPara="0" vertOverflow="overflow" horzOverflow="overflow" vert="horz" wrap="square" lIns="91440" tIns="45720" rIns="91440" bIns="45720" numCol="1" spcCol="0" rtlCol="0" fromWordArt="0" anchor="ctr" anchorCtr="0" forceAA="0" compatLnSpc="1">
+            <a:prstTxWarp prst="textNoShape">
+              <a:avLst/>
+            </a:prstTxWarp>
+            <a:noAutofit/>
+          </a:bodyPr>
+          <a:lstStyle/>
+          <a:p>
+            <a:pPr algn="ctr"/>
+            <a:endParaRPr lang="de-DE" dirty="0"/>
+          </a:p>
+        </p:txBody>
+      </p:sp>
+      <p:sp>
+        <p:nvSpPr>
+          <p:cNvPr id="22" name="Pfeil: nach unten 21">
+            <a:extLst>
+              <a:ext uri="{FF2B5EF4-FFF2-40B4-BE49-F238E27FC236}">
+                <a16:creationId xmlns:a16="http://schemas.microsoft.com/office/drawing/2014/main" id="{B9A823E9-D6A6-4388-86CD-602D37E88440}"/>
+              </a:ext>
+            </a:extLst>
+          </p:cNvPr>
+          <p:cNvSpPr/>
+          <p:nvPr/>
+        </p:nvSpPr>
+        <p:spPr>
+          <a:xfrm>
+            <a:off x="7266885" y="3658438"/>
+            <a:ext cx="360000" cy="900000"/>
+          </a:xfrm>
+          <a:prstGeom prst="downArrow">
+            <a:avLst/>
+          </a:prstGeom>
+          <a:solidFill>
+            <a:schemeClr val="bg1"/>
+          </a:solidFill>
+          <a:ln>
+            <a:solidFill>
+              <a:srgbClr val="9C1C26"/>
+            </a:solidFill>
+          </a:ln>
+        </p:spPr>
+        <p:style>
+          <a:lnRef idx="2">
+            <a:schemeClr val="accent1">
+              <a:shade val="50000"/>
+            </a:schemeClr>
+          </a:lnRef>
+          <a:fillRef idx="1">
+            <a:schemeClr val="accent1"/>
+          </a:fillRef>
+          <a:effectRef idx="0">
+            <a:schemeClr val="accent1"/>
+          </a:effectRef>
+          <a:fontRef idx="minor">
+            <a:schemeClr val="lt1"/>
+          </a:fontRef>
+        </p:style>
+        <p:txBody>
+          <a:bodyPr rot="0" spcFirstLastPara="0" vertOverflow="overflow" horzOverflow="overflow" vert="horz" wrap="square" lIns="91440" tIns="45720" rIns="91440" bIns="45720" numCol="1" spcCol="0" rtlCol="0" fromWordArt="0" anchor="ctr" anchorCtr="0" forceAA="0" compatLnSpc="1">
+            <a:prstTxWarp prst="textNoShape">
+              <a:avLst/>
+            </a:prstTxWarp>
+            <a:noAutofit/>
+          </a:bodyPr>
+          <a:lstStyle/>
+          <a:p>
+            <a:pPr algn="ctr"/>
+            <a:endParaRPr lang="de-DE" dirty="0"/>
+          </a:p>
+        </p:txBody>
+      </p:sp>
+      <p:sp>
+        <p:nvSpPr>
+          <p:cNvPr id="26" name="Textfeld 25">
+            <a:extLst>
+              <a:ext uri="{FF2B5EF4-FFF2-40B4-BE49-F238E27FC236}">
+                <a16:creationId xmlns:a16="http://schemas.microsoft.com/office/drawing/2014/main" id="{600EAD89-637C-414B-8ADE-72CD9A7A9B71}"/>
+              </a:ext>
+            </a:extLst>
+          </p:cNvPr>
+          <p:cNvSpPr txBox="1"/>
+          <p:nvPr/>
+        </p:nvSpPr>
+        <p:spPr>
+          <a:xfrm>
+            <a:off x="1034930" y="3356992"/>
+            <a:ext cx="1313180" cy="369332"/>
+          </a:xfrm>
+          <a:prstGeom prst="rect">
+            <a:avLst/>
+          </a:prstGeom>
+          <a:noFill/>
+        </p:spPr>
+        <p:txBody>
+          <a:bodyPr wrap="none" rtlCol="0">
+            <a:spAutoFit/>
+          </a:bodyPr>
+          <a:lstStyle/>
+          <a:p>
+            <a:r>
+              <a:rPr lang="de-DE" dirty="0" err="1"/>
+              <a:t>documents</a:t>
+            </a:r>
+            <a:endParaRPr lang="de-DE" dirty="0"/>
+          </a:p>
+        </p:txBody>
+      </p:sp>
+      <p:sp>
+        <p:nvSpPr>
+          <p:cNvPr id="27" name="Textfeld 26">
+            <a:extLst>
+              <a:ext uri="{FF2B5EF4-FFF2-40B4-BE49-F238E27FC236}">
+                <a16:creationId xmlns:a16="http://schemas.microsoft.com/office/drawing/2014/main" id="{9A9B0288-D909-4CCD-8092-287460D83841}"/>
+              </a:ext>
+            </a:extLst>
+          </p:cNvPr>
+          <p:cNvSpPr txBox="1"/>
+          <p:nvPr/>
+        </p:nvSpPr>
+        <p:spPr>
+          <a:xfrm>
+            <a:off x="3614526" y="2880346"/>
+            <a:ext cx="1915909" cy="369332"/>
+          </a:xfrm>
+          <a:prstGeom prst="rect">
+            <a:avLst/>
+          </a:prstGeom>
+          <a:noFill/>
+        </p:spPr>
+        <p:txBody>
+          <a:bodyPr wrap="none" rtlCol="0">
+            <a:spAutoFit/>
+          </a:bodyPr>
+          <a:lstStyle/>
+          <a:p>
+            <a:r>
+              <a:rPr lang="de-DE" dirty="0" err="1"/>
+              <a:t>content</a:t>
+            </a:r>
+            <a:r>
+              <a:rPr lang="de-DE" dirty="0"/>
+              <a:t> </a:t>
+            </a:r>
+            <a:r>
+              <a:rPr lang="de-DE" dirty="0" err="1"/>
+              <a:t>selection</a:t>
+            </a:r>
+            <a:endParaRPr lang="de-DE" dirty="0"/>
+          </a:p>
+        </p:txBody>
+      </p:sp>
+      <p:sp>
+        <p:nvSpPr>
+          <p:cNvPr id="28" name="Textfeld 27">
+            <a:extLst>
+              <a:ext uri="{FF2B5EF4-FFF2-40B4-BE49-F238E27FC236}">
+                <a16:creationId xmlns:a16="http://schemas.microsoft.com/office/drawing/2014/main" id="{22FD33E5-9537-42DA-9EA7-4BE094AB023E}"/>
+              </a:ext>
+            </a:extLst>
+          </p:cNvPr>
+          <p:cNvSpPr txBox="1"/>
+          <p:nvPr/>
+        </p:nvSpPr>
+        <p:spPr>
+          <a:xfrm>
+            <a:off x="3473461" y="4711625"/>
+            <a:ext cx="2198038" cy="646331"/>
+          </a:xfrm>
+          <a:prstGeom prst="rect">
+            <a:avLst/>
+          </a:prstGeom>
+          <a:noFill/>
+        </p:spPr>
+        <p:txBody>
+          <a:bodyPr wrap="none" rtlCol="0">
+            <a:spAutoFit/>
+          </a:bodyPr>
+          <a:lstStyle/>
+          <a:p>
+            <a:r>
+              <a:rPr lang="de-DE" dirty="0" err="1"/>
+              <a:t>creating</a:t>
+            </a:r>
+            <a:r>
+              <a:rPr lang="de-DE" dirty="0"/>
+              <a:t> </a:t>
+            </a:r>
+            <a:r>
+              <a:rPr lang="de-DE" dirty="0" err="1"/>
+              <a:t>summaries</a:t>
+            </a:r>
+            <a:endParaRPr lang="de-DE" dirty="0"/>
+          </a:p>
+          <a:p>
+            <a:pPr algn="ctr"/>
+            <a:r>
+              <a:rPr lang="de-DE" dirty="0" err="1"/>
+              <a:t>from</a:t>
+            </a:r>
+            <a:r>
+              <a:rPr lang="de-DE" dirty="0"/>
+              <a:t> </a:t>
+            </a:r>
+            <a:r>
+              <a:rPr lang="de-DE" dirty="0" err="1"/>
+              <a:t>hierarchies</a:t>
+            </a:r>
+            <a:endParaRPr lang="de-DE" dirty="0"/>
+          </a:p>
+        </p:txBody>
+      </p:sp>
+      <p:sp>
+        <p:nvSpPr>
+          <p:cNvPr id="29" name="Textfeld 28">
+            <a:extLst>
+              <a:ext uri="{FF2B5EF4-FFF2-40B4-BE49-F238E27FC236}">
+                <a16:creationId xmlns:a16="http://schemas.microsoft.com/office/drawing/2014/main" id="{3F3FCD0E-FE0E-43F6-9211-5D55A081A7E3}"/>
+              </a:ext>
+            </a:extLst>
+          </p:cNvPr>
+          <p:cNvSpPr txBox="1"/>
+          <p:nvPr/>
+        </p:nvSpPr>
+        <p:spPr>
+          <a:xfrm>
+            <a:off x="1034930" y="4787860"/>
+            <a:ext cx="1313180" cy="369332"/>
+          </a:xfrm>
+          <a:prstGeom prst="rect">
+            <a:avLst/>
+          </a:prstGeom>
+          <a:noFill/>
+        </p:spPr>
+        <p:txBody>
+          <a:bodyPr wrap="none" rtlCol="0">
+            <a:spAutoFit/>
+          </a:bodyPr>
+          <a:lstStyle/>
+          <a:p>
+            <a:r>
+              <a:rPr lang="de-DE" dirty="0" err="1"/>
+              <a:t>summaries</a:t>
+            </a:r>
+            <a:endParaRPr lang="de-DE" dirty="0"/>
+          </a:p>
+        </p:txBody>
+      </p:sp>
+      <p:sp>
+        <p:nvSpPr>
+          <p:cNvPr id="30" name="Textfeld 29">
+            <a:extLst>
+              <a:ext uri="{FF2B5EF4-FFF2-40B4-BE49-F238E27FC236}">
+                <a16:creationId xmlns:a16="http://schemas.microsoft.com/office/drawing/2014/main" id="{BE3DE8A6-E653-4D21-A75D-D196FC09FDCD}"/>
+              </a:ext>
+            </a:extLst>
+          </p:cNvPr>
+          <p:cNvSpPr txBox="1"/>
+          <p:nvPr/>
+        </p:nvSpPr>
+        <p:spPr>
+          <a:xfrm>
+            <a:off x="5911934" y="3780087"/>
+            <a:ext cx="1364476" cy="646331"/>
+          </a:xfrm>
+          <a:prstGeom prst="rect">
+            <a:avLst/>
+          </a:prstGeom>
+          <a:noFill/>
+        </p:spPr>
+        <p:txBody>
+          <a:bodyPr wrap="none" rtlCol="0">
+            <a:spAutoFit/>
+          </a:bodyPr>
+          <a:lstStyle/>
+          <a:p>
+            <a:r>
+              <a:rPr lang="de-DE" dirty="0" err="1"/>
+              <a:t>hierarchical</a:t>
+            </a:r>
+            <a:endParaRPr lang="de-DE" dirty="0"/>
+          </a:p>
+          <a:p>
+            <a:pPr algn="ctr"/>
+            <a:r>
+              <a:rPr lang="de-DE" dirty="0" err="1"/>
+              <a:t>ordering</a:t>
+            </a:r>
+            <a:endParaRPr lang="de-DE" dirty="0"/>
+          </a:p>
+        </p:txBody>
+      </p:sp>
+    </p:spTree>
+    <p:extLst>
+      <p:ext uri="{BB962C8B-B14F-4D97-AF65-F5344CB8AC3E}">
+        <p14:creationId xmlns:p14="http://schemas.microsoft.com/office/powerpoint/2010/main" val="1877143116"/>
+      </p:ext>
+    </p:extLst>
+  </p:cSld>
+  <p:clrMapOvr>
+    <a:masterClrMapping/>
+  </p:clrMapOvr>
+</p:sld>
+</file>
+
+<file path=ppt/slides/slide30.xml><?xml version="1.0" encoding="utf-8"?>
 <p:sld xmlns:a="http://schemas.openxmlformats.org/drawingml/2006/main" xmlns:r="http://schemas.openxmlformats.org/officeDocument/2006/relationships" xmlns:p="http://schemas.openxmlformats.org/presentationml/2006/main">
   <p:cSld>
     <p:spTree>
@@ -27223,8 +28647,8 @@
           </a:p>
         </p:txBody>
       </p:sp>
-      <mc:AlternateContent xmlns:mc="http://schemas.openxmlformats.org/markup-compatibility/2006">
-        <mc:Choice xmlns:a14="http://schemas.microsoft.com/office/drawing/2010/main" Requires="a14">
+      <mc:AlternateContent xmlns:mc="http://schemas.openxmlformats.org/markup-compatibility/2006" xmlns:a14="http://schemas.microsoft.com/office/drawing/2010/main">
+        <mc:Choice Requires="a14">
           <p:sp>
             <p:nvSpPr>
               <p:cNvPr id="3" name="Inhaltsplatzhalter 2">
@@ -27630,7 +29054,7 @@
             </p:txBody>
           </p:sp>
         </mc:Choice>
-        <mc:Fallback>
+        <mc:Fallback xmlns="">
           <p:sp>
             <p:nvSpPr>
               <p:cNvPr id="3" name="Inhaltsplatzhalter 2">
@@ -27881,978 +29305,7 @@
 </p:sld>
 </file>
 
-<file path=ppt/slides/slide3.xml><?xml version="1.0" encoding="utf-8"?>
-<p:sld xmlns:a="http://schemas.openxmlformats.org/drawingml/2006/main" xmlns:r="http://schemas.openxmlformats.org/officeDocument/2006/relationships" xmlns:p="http://schemas.openxmlformats.org/presentationml/2006/main">
-  <p:cSld>
-    <p:spTree>
-      <p:nvGrpSpPr>
-        <p:cNvPr id="1" name=""/>
-        <p:cNvGrpSpPr/>
-        <p:nvPr/>
-      </p:nvGrpSpPr>
-      <p:grpSpPr>
-        <a:xfrm>
-          <a:off x="0" y="0"/>
-          <a:ext cx="0" cy="0"/>
-          <a:chOff x="0" y="0"/>
-          <a:chExt cx="0" cy="0"/>
-        </a:xfrm>
-      </p:grpSpPr>
-      <p:sp>
-        <p:nvSpPr>
-          <p:cNvPr id="2" name="Titel 1">
-            <a:extLst>
-              <a:ext uri="{FF2B5EF4-FFF2-40B4-BE49-F238E27FC236}">
-                <a16:creationId xmlns:a16="http://schemas.microsoft.com/office/drawing/2014/main" id="{594F37A0-8FD9-42A4-A80F-4C479182787E}"/>
-              </a:ext>
-            </a:extLst>
-          </p:cNvPr>
-          <p:cNvSpPr>
-            <a:spLocks noGrp="1"/>
-          </p:cNvSpPr>
-          <p:nvPr>
-            <p:ph type="title"/>
-          </p:nvPr>
-        </p:nvSpPr>
-        <p:spPr/>
-        <p:txBody>
-          <a:bodyPr/>
-          <a:lstStyle/>
-          <a:p>
-            <a:r>
-              <a:rPr lang="en-US" dirty="0"/>
-              <a:t>Hierarchical Approach</a:t>
-            </a:r>
-          </a:p>
-        </p:txBody>
-      </p:sp>
-      <p:sp>
-        <p:nvSpPr>
-          <p:cNvPr id="9" name="Pfeil: Chevron 8">
-            <a:extLst>
-              <a:ext uri="{FF2B5EF4-FFF2-40B4-BE49-F238E27FC236}">
-                <a16:creationId xmlns:a16="http://schemas.microsoft.com/office/drawing/2014/main" id="{4ABDD5B2-81D0-4683-8C70-F10306827399}"/>
-              </a:ext>
-            </a:extLst>
-          </p:cNvPr>
-          <p:cNvSpPr/>
-          <p:nvPr/>
-        </p:nvSpPr>
-        <p:spPr>
-          <a:xfrm>
-            <a:off x="251520" y="1591446"/>
-            <a:ext cx="2880000" cy="270000"/>
-          </a:xfrm>
-          <a:prstGeom prst="chevron">
-            <a:avLst/>
-          </a:prstGeom>
-          <a:solidFill>
-            <a:srgbClr val="9C1C26"/>
-          </a:solidFill>
-          <a:ln w="6350">
-            <a:solidFill>
-              <a:schemeClr val="bg1"/>
-            </a:solidFill>
-          </a:ln>
-        </p:spPr>
-        <p:style>
-          <a:lnRef idx="2">
-            <a:schemeClr val="accent1">
-              <a:shade val="50000"/>
-            </a:schemeClr>
-          </a:lnRef>
-          <a:fillRef idx="1">
-            <a:schemeClr val="accent1"/>
-          </a:fillRef>
-          <a:effectRef idx="0">
-            <a:schemeClr val="accent1"/>
-          </a:effectRef>
-          <a:fontRef idx="minor">
-            <a:schemeClr val="lt1"/>
-          </a:fontRef>
-        </p:style>
-        <p:txBody>
-          <a:bodyPr rtlCol="0" anchor="ctr"/>
-          <a:lstStyle/>
-          <a:p>
-            <a:pPr algn="ctr"/>
-            <a:r>
-              <a:rPr lang="de-DE" sz="1400" dirty="0">
-                <a:solidFill>
-                  <a:schemeClr val="bg1"/>
-                </a:solidFill>
-              </a:rPr>
-              <a:t>Task</a:t>
-            </a:r>
-          </a:p>
-        </p:txBody>
-      </p:sp>
-      <p:sp>
-        <p:nvSpPr>
-          <p:cNvPr id="10" name="Pfeil: Chevron 9">
-            <a:extLst>
-              <a:ext uri="{FF2B5EF4-FFF2-40B4-BE49-F238E27FC236}">
-                <a16:creationId xmlns:a16="http://schemas.microsoft.com/office/drawing/2014/main" id="{01428E79-A6AB-48F5-93FA-47B9DB32BAE3}"/>
-              </a:ext>
-            </a:extLst>
-          </p:cNvPr>
-          <p:cNvSpPr/>
-          <p:nvPr/>
-        </p:nvSpPr>
-        <p:spPr>
-          <a:xfrm>
-            <a:off x="3132000" y="1591446"/>
-            <a:ext cx="2880000" cy="270000"/>
-          </a:xfrm>
-          <a:prstGeom prst="chevron">
-            <a:avLst/>
-          </a:prstGeom>
-          <a:solidFill>
-            <a:schemeClr val="bg1"/>
-          </a:solidFill>
-          <a:ln w="6350">
-            <a:solidFill>
-              <a:schemeClr val="bg1">
-                <a:lumMod val="65000"/>
-              </a:schemeClr>
-            </a:solidFill>
-          </a:ln>
-        </p:spPr>
-        <p:style>
-          <a:lnRef idx="2">
-            <a:schemeClr val="accent1">
-              <a:shade val="50000"/>
-            </a:schemeClr>
-          </a:lnRef>
-          <a:fillRef idx="1">
-            <a:schemeClr val="accent1"/>
-          </a:fillRef>
-          <a:effectRef idx="0">
-            <a:schemeClr val="accent1"/>
-          </a:effectRef>
-          <a:fontRef idx="minor">
-            <a:schemeClr val="lt1"/>
-          </a:fontRef>
-        </p:style>
-        <p:txBody>
-          <a:bodyPr rot="0" spcFirstLastPara="0" vertOverflow="overflow" horzOverflow="overflow" vert="horz" wrap="square" lIns="91440" tIns="45720" rIns="91440" bIns="45720" numCol="1" spcCol="0" rtlCol="0" fromWordArt="0" anchor="ctr" anchorCtr="0" forceAA="0" compatLnSpc="1">
-            <a:prstTxWarp prst="textNoShape">
-              <a:avLst/>
-            </a:prstTxWarp>
-            <a:noAutofit/>
-          </a:bodyPr>
-          <a:lstStyle/>
-          <a:p>
-            <a:pPr algn="ctr"/>
-            <a:r>
-              <a:rPr lang="de-DE" sz="1400" dirty="0">
-                <a:solidFill>
-                  <a:schemeClr val="bg1">
-                    <a:lumMod val="65000"/>
-                  </a:schemeClr>
-                </a:solidFill>
-              </a:rPr>
-              <a:t>Implementation</a:t>
-            </a:r>
-          </a:p>
-        </p:txBody>
-      </p:sp>
-      <p:sp>
-        <p:nvSpPr>
-          <p:cNvPr id="12" name="Pfeil: Chevron 11">
-            <a:extLst>
-              <a:ext uri="{FF2B5EF4-FFF2-40B4-BE49-F238E27FC236}">
-                <a16:creationId xmlns:a16="http://schemas.microsoft.com/office/drawing/2014/main" id="{D8669502-BFFC-4BB2-9C48-8551944B57FA}"/>
-              </a:ext>
-            </a:extLst>
-          </p:cNvPr>
-          <p:cNvSpPr/>
-          <p:nvPr/>
-        </p:nvSpPr>
-        <p:spPr>
-          <a:xfrm>
-            <a:off x="6012480" y="1595517"/>
-            <a:ext cx="2880000" cy="270000"/>
-          </a:xfrm>
-          <a:prstGeom prst="chevron">
-            <a:avLst/>
-          </a:prstGeom>
-          <a:solidFill>
-            <a:schemeClr val="bg1"/>
-          </a:solidFill>
-          <a:ln w="6350">
-            <a:solidFill>
-              <a:schemeClr val="bg1">
-                <a:lumMod val="65000"/>
-              </a:schemeClr>
-            </a:solidFill>
-          </a:ln>
-        </p:spPr>
-        <p:style>
-          <a:lnRef idx="2">
-            <a:schemeClr val="accent1">
-              <a:shade val="50000"/>
-            </a:schemeClr>
-          </a:lnRef>
-          <a:fillRef idx="1">
-            <a:schemeClr val="accent1"/>
-          </a:fillRef>
-          <a:effectRef idx="0">
-            <a:schemeClr val="accent1"/>
-          </a:effectRef>
-          <a:fontRef idx="minor">
-            <a:schemeClr val="lt1"/>
-          </a:fontRef>
-        </p:style>
-        <p:txBody>
-          <a:bodyPr rot="0" spcFirstLastPara="0" vertOverflow="overflow" horzOverflow="overflow" vert="horz" wrap="square" lIns="91440" tIns="45720" rIns="91440" bIns="45720" numCol="1" spcCol="0" rtlCol="0" fromWordArt="0" anchor="ctr" anchorCtr="0" forceAA="0" compatLnSpc="1">
-            <a:prstTxWarp prst="textNoShape">
-              <a:avLst/>
-            </a:prstTxWarp>
-            <a:noAutofit/>
-          </a:bodyPr>
-          <a:lstStyle/>
-          <a:p>
-            <a:pPr algn="ctr"/>
-            <a:r>
-              <a:rPr lang="de-DE" sz="1400" dirty="0">
-                <a:solidFill>
-                  <a:schemeClr val="bg1">
-                    <a:lumMod val="65000"/>
-                  </a:schemeClr>
-                </a:solidFill>
-              </a:rPr>
-              <a:t>Evaluation</a:t>
-            </a:r>
-          </a:p>
-        </p:txBody>
-      </p:sp>
-      <p:pic>
-        <p:nvPicPr>
-          <p:cNvPr id="13" name="Inhaltsplatzhalter 10" descr="AutoTS_Dataset.pdf - Adobe Acrobat Reader DC">
-            <a:extLst>
-              <a:ext uri="{FF2B5EF4-FFF2-40B4-BE49-F238E27FC236}">
-                <a16:creationId xmlns:a16="http://schemas.microsoft.com/office/drawing/2014/main" id="{BC869130-A99A-4290-B8B2-F74C5B6BC174}"/>
-              </a:ext>
-            </a:extLst>
-          </p:cNvPr>
-          <p:cNvPicPr>
-            <a:picLocks noChangeAspect="1"/>
-          </p:cNvPicPr>
-          <p:nvPr/>
-        </p:nvPicPr>
-        <p:blipFill rotWithShape="1">
-          <a:blip r:embed="rId2" cstate="print">
-            <a:extLst>
-              <a:ext uri="{28A0092B-C50C-407E-A947-70E740481C1C}">
-                <a14:useLocalDpi xmlns:a14="http://schemas.microsoft.com/office/drawing/2010/main" val="0"/>
-              </a:ext>
-            </a:extLst>
-          </a:blip>
-          <a:srcRect l="53141" t="33355" r="33992" b="44386"/>
-          <a:stretch/>
-        </p:blipFill>
-        <p:spPr bwMode="auto">
-          <a:xfrm>
-            <a:off x="6784812" y="2087717"/>
-            <a:ext cx="1335337" cy="1260000"/>
-          </a:xfrm>
-          <a:prstGeom prst="rect">
-            <a:avLst/>
-          </a:prstGeom>
-          <a:noFill/>
-          <a:ln w="9525">
-            <a:noFill/>
-            <a:miter lim="800000"/>
-            <a:headEnd/>
-            <a:tailEnd/>
-          </a:ln>
-          <a:effectLst/>
-        </p:spPr>
-      </p:pic>
-      <p:pic>
-        <p:nvPicPr>
-          <p:cNvPr id="14" name="Inhaltsplatzhalter 10" descr="AutoTS_Dataset.pdf - Adobe Acrobat Reader DC">
-            <a:extLst>
-              <a:ext uri="{FF2B5EF4-FFF2-40B4-BE49-F238E27FC236}">
-                <a16:creationId xmlns:a16="http://schemas.microsoft.com/office/drawing/2014/main" id="{85C4F723-E7F3-435D-ACF5-55BC30F25798}"/>
-              </a:ext>
-            </a:extLst>
-          </p:cNvPr>
-          <p:cNvPicPr>
-            <a:picLocks noChangeAspect="1"/>
-          </p:cNvPicPr>
-          <p:nvPr/>
-        </p:nvPicPr>
-        <p:blipFill rotWithShape="1">
-          <a:blip r:embed="rId2" cstate="print">
-            <a:extLst>
-              <a:ext uri="{28A0092B-C50C-407E-A947-70E740481C1C}">
-                <a14:useLocalDpi xmlns:a14="http://schemas.microsoft.com/office/drawing/2010/main" val="0"/>
-              </a:ext>
-            </a:extLst>
-          </a:blip>
-          <a:srcRect l="53879" t="72919" r="32083" b="6684"/>
-          <a:stretch/>
-        </p:blipFill>
-        <p:spPr bwMode="auto">
-          <a:xfrm>
-            <a:off x="6786480" y="4869160"/>
-            <a:ext cx="1332000" cy="1055671"/>
-          </a:xfrm>
-          <a:prstGeom prst="rect">
-            <a:avLst/>
-          </a:prstGeom>
-          <a:noFill/>
-          <a:ln w="9525">
-            <a:noFill/>
-            <a:miter lim="800000"/>
-            <a:headEnd/>
-            <a:tailEnd/>
-          </a:ln>
-          <a:effectLst/>
-        </p:spPr>
-      </p:pic>
-      <p:sp>
-        <p:nvSpPr>
-          <p:cNvPr id="16" name="Flussdiagramm: Mehrere Dokumente 15">
-            <a:extLst>
-              <a:ext uri="{FF2B5EF4-FFF2-40B4-BE49-F238E27FC236}">
-                <a16:creationId xmlns:a16="http://schemas.microsoft.com/office/drawing/2014/main" id="{4C6F3DF0-E4E1-43DC-89D1-3B442EF0D62D}"/>
-              </a:ext>
-            </a:extLst>
-          </p:cNvPr>
-          <p:cNvSpPr/>
-          <p:nvPr/>
-        </p:nvSpPr>
-        <p:spPr>
-          <a:xfrm>
-            <a:off x="1161168" y="5165879"/>
-            <a:ext cx="1060704" cy="758952"/>
-          </a:xfrm>
-          <a:prstGeom prst="flowChartMultidocument">
-            <a:avLst/>
-          </a:prstGeom>
-          <a:solidFill>
-            <a:schemeClr val="bg1"/>
-          </a:solidFill>
-          <a:ln>
-            <a:solidFill>
-              <a:schemeClr val="tx1"/>
-            </a:solidFill>
-          </a:ln>
-        </p:spPr>
-        <p:style>
-          <a:lnRef idx="2">
-            <a:schemeClr val="accent1">
-              <a:shade val="50000"/>
-            </a:schemeClr>
-          </a:lnRef>
-          <a:fillRef idx="1">
-            <a:schemeClr val="accent1"/>
-          </a:fillRef>
-          <a:effectRef idx="0">
-            <a:schemeClr val="accent1"/>
-          </a:effectRef>
-          <a:fontRef idx="minor">
-            <a:schemeClr val="lt1"/>
-          </a:fontRef>
-        </p:style>
-        <p:txBody>
-          <a:bodyPr rtlCol="0" anchor="ctr"/>
-          <a:lstStyle/>
-          <a:p>
-            <a:pPr algn="ctr"/>
-            <a:endParaRPr lang="de-DE" dirty="0"/>
-          </a:p>
-        </p:txBody>
-      </p:sp>
-      <p:grpSp>
-        <p:nvGrpSpPr>
-          <p:cNvPr id="25" name="Gruppieren 24">
-            <a:extLst>
-              <a:ext uri="{FF2B5EF4-FFF2-40B4-BE49-F238E27FC236}">
-                <a16:creationId xmlns:a16="http://schemas.microsoft.com/office/drawing/2014/main" id="{9C68256D-C7BB-4D25-9AF6-349D27B63592}"/>
-              </a:ext>
-            </a:extLst>
-          </p:cNvPr>
-          <p:cNvGrpSpPr/>
-          <p:nvPr/>
-        </p:nvGrpSpPr>
-        <p:grpSpPr>
-          <a:xfrm>
-            <a:off x="798194" y="2218564"/>
-            <a:ext cx="1786652" cy="1138428"/>
-            <a:chOff x="204324" y="2274004"/>
-            <a:chExt cx="1786652" cy="1138428"/>
-          </a:xfrm>
-          <a:solidFill>
-            <a:schemeClr val="bg1"/>
-          </a:solidFill>
-        </p:grpSpPr>
-        <p:sp>
-          <p:nvSpPr>
-            <p:cNvPr id="15" name="Flussdiagramm: Mehrere Dokumente 14">
-              <a:extLst>
-                <a:ext uri="{FF2B5EF4-FFF2-40B4-BE49-F238E27FC236}">
-                  <a16:creationId xmlns:a16="http://schemas.microsoft.com/office/drawing/2014/main" id="{73E50CE8-4AFC-4953-B41A-79D437A4704D}"/>
-                </a:ext>
-              </a:extLst>
-            </p:cNvPr>
-            <p:cNvSpPr/>
-            <p:nvPr/>
-          </p:nvSpPr>
-          <p:spPr>
-            <a:xfrm>
-              <a:off x="683568" y="2274004"/>
-              <a:ext cx="1060704" cy="758952"/>
-            </a:xfrm>
-            <a:prstGeom prst="flowChartMultidocument">
-              <a:avLst/>
-            </a:prstGeom>
-            <a:grpFill/>
-            <a:ln>
-              <a:solidFill>
-                <a:schemeClr val="tx1"/>
-              </a:solidFill>
-            </a:ln>
-          </p:spPr>
-          <p:style>
-            <a:lnRef idx="2">
-              <a:schemeClr val="accent1">
-                <a:shade val="50000"/>
-              </a:schemeClr>
-            </a:lnRef>
-            <a:fillRef idx="1">
-              <a:schemeClr val="accent1"/>
-            </a:fillRef>
-            <a:effectRef idx="0">
-              <a:schemeClr val="accent1"/>
-            </a:effectRef>
-            <a:fontRef idx="minor">
-              <a:schemeClr val="lt1"/>
-            </a:fontRef>
-          </p:style>
-          <p:txBody>
-            <a:bodyPr rtlCol="0" anchor="ctr"/>
-            <a:lstStyle/>
-            <a:p>
-              <a:pPr algn="ctr"/>
-              <a:endParaRPr lang="de-DE"/>
-            </a:p>
-          </p:txBody>
-        </p:sp>
-        <p:sp>
-          <p:nvSpPr>
-            <p:cNvPr id="18" name="Flussdiagramm: Mehrere Dokumente 17">
-              <a:extLst>
-                <a:ext uri="{FF2B5EF4-FFF2-40B4-BE49-F238E27FC236}">
-                  <a16:creationId xmlns:a16="http://schemas.microsoft.com/office/drawing/2014/main" id="{47111D04-60DE-4445-9ACD-E9E005946C80}"/>
-                </a:ext>
-              </a:extLst>
-            </p:cNvPr>
-            <p:cNvSpPr/>
-            <p:nvPr/>
-          </p:nvSpPr>
-          <p:spPr>
-            <a:xfrm>
-              <a:off x="930272" y="2653480"/>
-              <a:ext cx="1060704" cy="758952"/>
-            </a:xfrm>
-            <a:prstGeom prst="flowChartMultidocument">
-              <a:avLst/>
-            </a:prstGeom>
-            <a:grpFill/>
-            <a:ln>
-              <a:solidFill>
-                <a:schemeClr val="tx1"/>
-              </a:solidFill>
-            </a:ln>
-          </p:spPr>
-          <p:style>
-            <a:lnRef idx="2">
-              <a:schemeClr val="accent1">
-                <a:shade val="50000"/>
-              </a:schemeClr>
-            </a:lnRef>
-            <a:fillRef idx="1">
-              <a:schemeClr val="accent1"/>
-            </a:fillRef>
-            <a:effectRef idx="0">
-              <a:schemeClr val="accent1"/>
-            </a:effectRef>
-            <a:fontRef idx="minor">
-              <a:schemeClr val="lt1"/>
-            </a:fontRef>
-          </p:style>
-          <p:txBody>
-            <a:bodyPr rtlCol="0" anchor="ctr"/>
-            <a:lstStyle/>
-            <a:p>
-              <a:pPr algn="ctr"/>
-              <a:endParaRPr lang="de-DE" dirty="0"/>
-            </a:p>
-          </p:txBody>
-        </p:sp>
-        <p:sp>
-          <p:nvSpPr>
-            <p:cNvPr id="19" name="Flussdiagramm: Mehrere Dokumente 18">
-              <a:extLst>
-                <a:ext uri="{FF2B5EF4-FFF2-40B4-BE49-F238E27FC236}">
-                  <a16:creationId xmlns:a16="http://schemas.microsoft.com/office/drawing/2014/main" id="{18E9A52C-FCFF-4CB5-A811-E388F2E9E197}"/>
-                </a:ext>
-              </a:extLst>
-            </p:cNvPr>
-            <p:cNvSpPr/>
-            <p:nvPr/>
-          </p:nvSpPr>
-          <p:spPr>
-            <a:xfrm>
-              <a:off x="204324" y="2490513"/>
-              <a:ext cx="1060704" cy="758952"/>
-            </a:xfrm>
-            <a:prstGeom prst="flowChartMultidocument">
-              <a:avLst/>
-            </a:prstGeom>
-            <a:grpFill/>
-            <a:ln>
-              <a:solidFill>
-                <a:schemeClr val="tx1"/>
-              </a:solidFill>
-            </a:ln>
-          </p:spPr>
-          <p:style>
-            <a:lnRef idx="2">
-              <a:schemeClr val="accent1">
-                <a:shade val="50000"/>
-              </a:schemeClr>
-            </a:lnRef>
-            <a:fillRef idx="1">
-              <a:schemeClr val="accent1"/>
-            </a:fillRef>
-            <a:effectRef idx="0">
-              <a:schemeClr val="accent1"/>
-            </a:effectRef>
-            <a:fontRef idx="minor">
-              <a:schemeClr val="lt1"/>
-            </a:fontRef>
-          </p:style>
-          <p:txBody>
-            <a:bodyPr rtlCol="0" anchor="ctr"/>
-            <a:lstStyle/>
-            <a:p>
-              <a:pPr algn="ctr"/>
-              <a:endParaRPr lang="de-DE" dirty="0"/>
-            </a:p>
-          </p:txBody>
-        </p:sp>
-      </p:grpSp>
-      <p:sp>
-        <p:nvSpPr>
-          <p:cNvPr id="20" name="Pfeil: nach rechts 19">
-            <a:extLst>
-              <a:ext uri="{FF2B5EF4-FFF2-40B4-BE49-F238E27FC236}">
-                <a16:creationId xmlns:a16="http://schemas.microsoft.com/office/drawing/2014/main" id="{51C1AAB2-8089-4D2F-836D-5CB47421666C}"/>
-              </a:ext>
-            </a:extLst>
-          </p:cNvPr>
-          <p:cNvSpPr/>
-          <p:nvPr/>
-        </p:nvSpPr>
-        <p:spPr>
-          <a:xfrm>
-            <a:off x="3132480" y="2514570"/>
-            <a:ext cx="2880000" cy="360000"/>
-          </a:xfrm>
-          <a:prstGeom prst="rightArrow">
-            <a:avLst/>
-          </a:prstGeom>
-          <a:solidFill>
-            <a:schemeClr val="bg1"/>
-          </a:solidFill>
-          <a:ln>
-            <a:solidFill>
-              <a:srgbClr val="9C1C26"/>
-            </a:solidFill>
-          </a:ln>
-        </p:spPr>
-        <p:style>
-          <a:lnRef idx="2">
-            <a:schemeClr val="accent1">
-              <a:shade val="50000"/>
-            </a:schemeClr>
-          </a:lnRef>
-          <a:fillRef idx="1">
-            <a:schemeClr val="accent1"/>
-          </a:fillRef>
-          <a:effectRef idx="0">
-            <a:schemeClr val="accent1"/>
-          </a:effectRef>
-          <a:fontRef idx="minor">
-            <a:schemeClr val="lt1"/>
-          </a:fontRef>
-        </p:style>
-        <p:txBody>
-          <a:bodyPr rtlCol="0" anchor="ctr"/>
-          <a:lstStyle/>
-          <a:p>
-            <a:pPr algn="ctr"/>
-            <a:endParaRPr lang="de-DE" dirty="0"/>
-          </a:p>
-        </p:txBody>
-      </p:sp>
-      <p:sp>
-        <p:nvSpPr>
-          <p:cNvPr id="21" name="Pfeil: nach rechts 20">
-            <a:extLst>
-              <a:ext uri="{FF2B5EF4-FFF2-40B4-BE49-F238E27FC236}">
-                <a16:creationId xmlns:a16="http://schemas.microsoft.com/office/drawing/2014/main" id="{5D9BFF35-70C0-47E5-AA2A-3CDCB5D5F43E}"/>
-              </a:ext>
-            </a:extLst>
-          </p:cNvPr>
-          <p:cNvSpPr/>
-          <p:nvPr/>
-        </p:nvSpPr>
-        <p:spPr>
-          <a:xfrm flipH="1">
-            <a:off x="3132480" y="5331935"/>
-            <a:ext cx="2880000" cy="360000"/>
-          </a:xfrm>
-          <a:prstGeom prst="rightArrow">
-            <a:avLst/>
-          </a:prstGeom>
-          <a:solidFill>
-            <a:schemeClr val="bg1"/>
-          </a:solidFill>
-          <a:ln>
-            <a:solidFill>
-              <a:srgbClr val="9C1C26"/>
-            </a:solidFill>
-          </a:ln>
-        </p:spPr>
-        <p:style>
-          <a:lnRef idx="2">
-            <a:schemeClr val="accent1">
-              <a:shade val="50000"/>
-            </a:schemeClr>
-          </a:lnRef>
-          <a:fillRef idx="1">
-            <a:schemeClr val="accent1"/>
-          </a:fillRef>
-          <a:effectRef idx="0">
-            <a:schemeClr val="accent1"/>
-          </a:effectRef>
-          <a:fontRef idx="minor">
-            <a:schemeClr val="lt1"/>
-          </a:fontRef>
-        </p:style>
-        <p:txBody>
-          <a:bodyPr rot="0" spcFirstLastPara="0" vertOverflow="overflow" horzOverflow="overflow" vert="horz" wrap="square" lIns="91440" tIns="45720" rIns="91440" bIns="45720" numCol="1" spcCol="0" rtlCol="0" fromWordArt="0" anchor="ctr" anchorCtr="0" forceAA="0" compatLnSpc="1">
-            <a:prstTxWarp prst="textNoShape">
-              <a:avLst/>
-            </a:prstTxWarp>
-            <a:noAutofit/>
-          </a:bodyPr>
-          <a:lstStyle/>
-          <a:p>
-            <a:pPr algn="ctr"/>
-            <a:endParaRPr lang="de-DE" dirty="0"/>
-          </a:p>
-        </p:txBody>
-      </p:sp>
-      <p:sp>
-        <p:nvSpPr>
-          <p:cNvPr id="22" name="Pfeil: nach unten 21">
-            <a:extLst>
-              <a:ext uri="{FF2B5EF4-FFF2-40B4-BE49-F238E27FC236}">
-                <a16:creationId xmlns:a16="http://schemas.microsoft.com/office/drawing/2014/main" id="{B9A823E9-D6A6-4388-86CD-602D37E88440}"/>
-              </a:ext>
-            </a:extLst>
-          </p:cNvPr>
-          <p:cNvSpPr/>
-          <p:nvPr/>
-        </p:nvSpPr>
-        <p:spPr>
-          <a:xfrm>
-            <a:off x="7266885" y="3658438"/>
-            <a:ext cx="360000" cy="900000"/>
-          </a:xfrm>
-          <a:prstGeom prst="downArrow">
-            <a:avLst/>
-          </a:prstGeom>
-          <a:solidFill>
-            <a:schemeClr val="bg1"/>
-          </a:solidFill>
-          <a:ln>
-            <a:solidFill>
-              <a:srgbClr val="9C1C26"/>
-            </a:solidFill>
-          </a:ln>
-        </p:spPr>
-        <p:style>
-          <a:lnRef idx="2">
-            <a:schemeClr val="accent1">
-              <a:shade val="50000"/>
-            </a:schemeClr>
-          </a:lnRef>
-          <a:fillRef idx="1">
-            <a:schemeClr val="accent1"/>
-          </a:fillRef>
-          <a:effectRef idx="0">
-            <a:schemeClr val="accent1"/>
-          </a:effectRef>
-          <a:fontRef idx="minor">
-            <a:schemeClr val="lt1"/>
-          </a:fontRef>
-        </p:style>
-        <p:txBody>
-          <a:bodyPr rot="0" spcFirstLastPara="0" vertOverflow="overflow" horzOverflow="overflow" vert="horz" wrap="square" lIns="91440" tIns="45720" rIns="91440" bIns="45720" numCol="1" spcCol="0" rtlCol="0" fromWordArt="0" anchor="ctr" anchorCtr="0" forceAA="0" compatLnSpc="1">
-            <a:prstTxWarp prst="textNoShape">
-              <a:avLst/>
-            </a:prstTxWarp>
-            <a:noAutofit/>
-          </a:bodyPr>
-          <a:lstStyle/>
-          <a:p>
-            <a:pPr algn="ctr"/>
-            <a:endParaRPr lang="de-DE" dirty="0"/>
-          </a:p>
-        </p:txBody>
-      </p:sp>
-      <p:sp>
-        <p:nvSpPr>
-          <p:cNvPr id="26" name="Textfeld 25">
-            <a:extLst>
-              <a:ext uri="{FF2B5EF4-FFF2-40B4-BE49-F238E27FC236}">
-                <a16:creationId xmlns:a16="http://schemas.microsoft.com/office/drawing/2014/main" id="{600EAD89-637C-414B-8ADE-72CD9A7A9B71}"/>
-              </a:ext>
-            </a:extLst>
-          </p:cNvPr>
-          <p:cNvSpPr txBox="1"/>
-          <p:nvPr/>
-        </p:nvSpPr>
-        <p:spPr>
-          <a:xfrm>
-            <a:off x="1034930" y="3356992"/>
-            <a:ext cx="1313180" cy="369332"/>
-          </a:xfrm>
-          <a:prstGeom prst="rect">
-            <a:avLst/>
-          </a:prstGeom>
-          <a:noFill/>
-        </p:spPr>
-        <p:txBody>
-          <a:bodyPr wrap="none" rtlCol="0">
-            <a:spAutoFit/>
-          </a:bodyPr>
-          <a:lstStyle/>
-          <a:p>
-            <a:r>
-              <a:rPr lang="de-DE" dirty="0" err="1"/>
-              <a:t>documents</a:t>
-            </a:r>
-            <a:endParaRPr lang="de-DE" dirty="0"/>
-          </a:p>
-        </p:txBody>
-      </p:sp>
-      <p:sp>
-        <p:nvSpPr>
-          <p:cNvPr id="27" name="Textfeld 26">
-            <a:extLst>
-              <a:ext uri="{FF2B5EF4-FFF2-40B4-BE49-F238E27FC236}">
-                <a16:creationId xmlns:a16="http://schemas.microsoft.com/office/drawing/2014/main" id="{9A9B0288-D909-4CCD-8092-287460D83841}"/>
-              </a:ext>
-            </a:extLst>
-          </p:cNvPr>
-          <p:cNvSpPr txBox="1"/>
-          <p:nvPr/>
-        </p:nvSpPr>
-        <p:spPr>
-          <a:xfrm>
-            <a:off x="3614526" y="2880346"/>
-            <a:ext cx="1915909" cy="369332"/>
-          </a:xfrm>
-          <a:prstGeom prst="rect">
-            <a:avLst/>
-          </a:prstGeom>
-          <a:noFill/>
-        </p:spPr>
-        <p:txBody>
-          <a:bodyPr wrap="none" rtlCol="0">
-            <a:spAutoFit/>
-          </a:bodyPr>
-          <a:lstStyle/>
-          <a:p>
-            <a:r>
-              <a:rPr lang="de-DE" dirty="0" err="1"/>
-              <a:t>content</a:t>
-            </a:r>
-            <a:r>
-              <a:rPr lang="de-DE" dirty="0"/>
-              <a:t> </a:t>
-            </a:r>
-            <a:r>
-              <a:rPr lang="de-DE" dirty="0" err="1"/>
-              <a:t>selection</a:t>
-            </a:r>
-            <a:endParaRPr lang="de-DE" dirty="0"/>
-          </a:p>
-        </p:txBody>
-      </p:sp>
-      <p:sp>
-        <p:nvSpPr>
-          <p:cNvPr id="28" name="Textfeld 27">
-            <a:extLst>
-              <a:ext uri="{FF2B5EF4-FFF2-40B4-BE49-F238E27FC236}">
-                <a16:creationId xmlns:a16="http://schemas.microsoft.com/office/drawing/2014/main" id="{22FD33E5-9537-42DA-9EA7-4BE094AB023E}"/>
-              </a:ext>
-            </a:extLst>
-          </p:cNvPr>
-          <p:cNvSpPr txBox="1"/>
-          <p:nvPr/>
-        </p:nvSpPr>
-        <p:spPr>
-          <a:xfrm>
-            <a:off x="3473461" y="4711625"/>
-            <a:ext cx="2198038" cy="646331"/>
-          </a:xfrm>
-          <a:prstGeom prst="rect">
-            <a:avLst/>
-          </a:prstGeom>
-          <a:noFill/>
-        </p:spPr>
-        <p:txBody>
-          <a:bodyPr wrap="none" rtlCol="0">
-            <a:spAutoFit/>
-          </a:bodyPr>
-          <a:lstStyle/>
-          <a:p>
-            <a:r>
-              <a:rPr lang="de-DE" dirty="0" err="1"/>
-              <a:t>creating</a:t>
-            </a:r>
-            <a:r>
-              <a:rPr lang="de-DE" dirty="0"/>
-              <a:t> </a:t>
-            </a:r>
-            <a:r>
-              <a:rPr lang="de-DE" dirty="0" err="1"/>
-              <a:t>summaries</a:t>
-            </a:r>
-            <a:endParaRPr lang="de-DE" dirty="0"/>
-          </a:p>
-          <a:p>
-            <a:pPr algn="ctr"/>
-            <a:r>
-              <a:rPr lang="de-DE" dirty="0" err="1"/>
-              <a:t>from</a:t>
-            </a:r>
-            <a:r>
-              <a:rPr lang="de-DE" dirty="0"/>
-              <a:t> </a:t>
-            </a:r>
-            <a:r>
-              <a:rPr lang="de-DE" dirty="0" err="1"/>
-              <a:t>hierarchies</a:t>
-            </a:r>
-            <a:endParaRPr lang="de-DE" dirty="0"/>
-          </a:p>
-        </p:txBody>
-      </p:sp>
-      <p:sp>
-        <p:nvSpPr>
-          <p:cNvPr id="29" name="Textfeld 28">
-            <a:extLst>
-              <a:ext uri="{FF2B5EF4-FFF2-40B4-BE49-F238E27FC236}">
-                <a16:creationId xmlns:a16="http://schemas.microsoft.com/office/drawing/2014/main" id="{3F3FCD0E-FE0E-43F6-9211-5D55A081A7E3}"/>
-              </a:ext>
-            </a:extLst>
-          </p:cNvPr>
-          <p:cNvSpPr txBox="1"/>
-          <p:nvPr/>
-        </p:nvSpPr>
-        <p:spPr>
-          <a:xfrm>
-            <a:off x="1034930" y="4787860"/>
-            <a:ext cx="1313180" cy="369332"/>
-          </a:xfrm>
-          <a:prstGeom prst="rect">
-            <a:avLst/>
-          </a:prstGeom>
-          <a:noFill/>
-        </p:spPr>
-        <p:txBody>
-          <a:bodyPr wrap="none" rtlCol="0">
-            <a:spAutoFit/>
-          </a:bodyPr>
-          <a:lstStyle/>
-          <a:p>
-            <a:r>
-              <a:rPr lang="de-DE" dirty="0" err="1"/>
-              <a:t>summaries</a:t>
-            </a:r>
-            <a:endParaRPr lang="de-DE" dirty="0"/>
-          </a:p>
-        </p:txBody>
-      </p:sp>
-      <p:sp>
-        <p:nvSpPr>
-          <p:cNvPr id="30" name="Textfeld 29">
-            <a:extLst>
-              <a:ext uri="{FF2B5EF4-FFF2-40B4-BE49-F238E27FC236}">
-                <a16:creationId xmlns:a16="http://schemas.microsoft.com/office/drawing/2014/main" id="{BE3DE8A6-E653-4D21-A75D-D196FC09FDCD}"/>
-              </a:ext>
-            </a:extLst>
-          </p:cNvPr>
-          <p:cNvSpPr txBox="1"/>
-          <p:nvPr/>
-        </p:nvSpPr>
-        <p:spPr>
-          <a:xfrm>
-            <a:off x="5911934" y="3780087"/>
-            <a:ext cx="1364476" cy="646331"/>
-          </a:xfrm>
-          <a:prstGeom prst="rect">
-            <a:avLst/>
-          </a:prstGeom>
-          <a:noFill/>
-        </p:spPr>
-        <p:txBody>
-          <a:bodyPr wrap="none" rtlCol="0">
-            <a:spAutoFit/>
-          </a:bodyPr>
-          <a:lstStyle/>
-          <a:p>
-            <a:r>
-              <a:rPr lang="de-DE" dirty="0" err="1"/>
-              <a:t>hierarchical</a:t>
-            </a:r>
-            <a:endParaRPr lang="de-DE" dirty="0"/>
-          </a:p>
-          <a:p>
-            <a:pPr algn="ctr"/>
-            <a:r>
-              <a:rPr lang="de-DE" dirty="0" err="1"/>
-              <a:t>ordering</a:t>
-            </a:r>
-            <a:endParaRPr lang="de-DE" dirty="0"/>
-          </a:p>
-        </p:txBody>
-      </p:sp>
-    </p:spTree>
-    <p:extLst>
-      <p:ext uri="{BB962C8B-B14F-4D97-AF65-F5344CB8AC3E}">
-        <p14:creationId xmlns:p14="http://schemas.microsoft.com/office/powerpoint/2010/main" val="1877143116"/>
-      </p:ext>
-    </p:extLst>
-  </p:cSld>
-  <p:clrMapOvr>
-    <a:masterClrMapping/>
-  </p:clrMapOvr>
-</p:sld>
-</file>
-
-<file path=ppt/slides/slide30.xml><?xml version="1.0" encoding="utf-8"?>
+<file path=ppt/slides/slide31.xml><?xml version="1.0" encoding="utf-8"?>
 <p:sld xmlns:a="http://schemas.openxmlformats.org/drawingml/2006/main" xmlns:r="http://schemas.openxmlformats.org/officeDocument/2006/relationships" xmlns:p="http://schemas.openxmlformats.org/presentationml/2006/main">
   <p:cSld>
     <p:spTree>
@@ -29158,7 +29611,7 @@
 </p:sld>
 </file>
 
-<file path=ppt/slides/slide31.xml><?xml version="1.0" encoding="utf-8"?>
+<file path=ppt/slides/slide32.xml><?xml version="1.0" encoding="utf-8"?>
 <p:sld xmlns:a="http://schemas.openxmlformats.org/drawingml/2006/main" xmlns:r="http://schemas.openxmlformats.org/officeDocument/2006/relationships" xmlns:p="http://schemas.openxmlformats.org/presentationml/2006/main">
   <p:cSld>
     <p:spTree>
@@ -29460,7 +29913,7 @@
 </p:sld>
 </file>
 
-<file path=ppt/slides/slide32.xml><?xml version="1.0" encoding="utf-8"?>
+<file path=ppt/slides/slide33.xml><?xml version="1.0" encoding="utf-8"?>
 <p:sld xmlns:a="http://schemas.openxmlformats.org/drawingml/2006/main" xmlns:r="http://schemas.openxmlformats.org/officeDocument/2006/relationships" xmlns:p="http://schemas.openxmlformats.org/presentationml/2006/main">
   <p:cSld>
     <p:spTree>
@@ -29767,7 +30220,7 @@
 </p:sld>
 </file>
 
-<file path=ppt/slides/slide33.xml><?xml version="1.0" encoding="utf-8"?>
+<file path=ppt/slides/slide34.xml><?xml version="1.0" encoding="utf-8"?>
 <p:sld xmlns:a="http://schemas.openxmlformats.org/drawingml/2006/main" xmlns:r="http://schemas.openxmlformats.org/officeDocument/2006/relationships" xmlns:p="http://schemas.openxmlformats.org/presentationml/2006/main">
   <p:cSld>
     <p:spTree>
@@ -30514,7 +30967,7 @@
 </p:sld>
 </file>
 
-<file path=ppt/slides/slide34.xml><?xml version="1.0" encoding="utf-8"?>
+<file path=ppt/slides/slide35.xml><?xml version="1.0" encoding="utf-8"?>
 <p:sld xmlns:a="http://schemas.openxmlformats.org/drawingml/2006/main" xmlns:r="http://schemas.openxmlformats.org/officeDocument/2006/relationships" xmlns:p="http://schemas.openxmlformats.org/presentationml/2006/main">
   <p:cSld>
     <p:spTree>
@@ -30846,7 +31299,7 @@
 </p:sld>
 </file>
 
-<file path=ppt/slides/slide35.xml><?xml version="1.0" encoding="utf-8"?>
+<file path=ppt/slides/slide36.xml><?xml version="1.0" encoding="utf-8"?>
 <p:sld xmlns:a="http://schemas.openxmlformats.org/drawingml/2006/main" xmlns:r="http://schemas.openxmlformats.org/officeDocument/2006/relationships" xmlns:p="http://schemas.openxmlformats.org/presentationml/2006/main">
   <p:cSld>
     <p:spTree>
